--- a/DGA1031/What is it.pptx
+++ b/DGA1031/What is it.pptx
@@ -9,12 +9,15 @@
     <p:sldId id="257" r:id="rId3"/>
     <p:sldId id="258" r:id="rId4"/>
     <p:sldId id="259" r:id="rId5"/>
-    <p:sldId id="260" r:id="rId6"/>
-    <p:sldId id="261" r:id="rId7"/>
-    <p:sldId id="262" r:id="rId8"/>
-    <p:sldId id="263" r:id="rId9"/>
-    <p:sldId id="265" r:id="rId10"/>
-    <p:sldId id="264" r:id="rId11"/>
+    <p:sldId id="269" r:id="rId6"/>
+    <p:sldId id="270" r:id="rId7"/>
+    <p:sldId id="265" r:id="rId8"/>
+    <p:sldId id="267" r:id="rId9"/>
+    <p:sldId id="268" r:id="rId10"/>
+    <p:sldId id="261" r:id="rId11"/>
+    <p:sldId id="262" r:id="rId12"/>
+    <p:sldId id="263" r:id="rId13"/>
+    <p:sldId id="264" r:id="rId14"/>
   </p:sldIdLst>
   <p:sldSz cx="12192000" cy="6858000"/>
   <p:notesSz cx="6858000" cy="9144000"/>
@@ -115,7 +118,18 @@
   </p:defaultTextStyle>
   <p:extLst>
     <p:ext uri="{EFAFB233-063F-42B5-8137-9DF3F51BA10A}">
-      <p15:sldGuideLst xmlns:p15="http://schemas.microsoft.com/office/powerpoint/2012/main"/>
+      <p15:sldGuideLst xmlns:p15="http://schemas.microsoft.com/office/powerpoint/2012/main">
+        <p15:guide id="1" orient="horz" pos="2160">
+          <p15:clr>
+            <a:srgbClr val="A4A3A4"/>
+          </p15:clr>
+        </p15:guide>
+        <p15:guide id="2" pos="3840">
+          <p15:clr>
+            <a:srgbClr val="A4A3A4"/>
+          </p15:clr>
+        </p15:guide>
+      </p15:sldGuideLst>
     </p:ext>
   </p:extLst>
 </p:presentation>
@@ -254,7 +268,7 @@
           <a:p>
             <a:fld id="{276D79ED-3FA7-4EF8-964B-EB8BCFAB02F8}" type="datetimeFigureOut">
               <a:rPr lang="en-US" smtClean="0"/>
-              <a:t>1/21/2018</a:t>
+              <a:t>1/30/2018</a:t>
             </a:fld>
             <a:endParaRPr lang="en-US"/>
           </a:p>
@@ -424,7 +438,7 @@
           <a:p>
             <a:fld id="{276D79ED-3FA7-4EF8-964B-EB8BCFAB02F8}" type="datetimeFigureOut">
               <a:rPr lang="en-US" smtClean="0"/>
-              <a:t>1/21/2018</a:t>
+              <a:t>1/30/2018</a:t>
             </a:fld>
             <a:endParaRPr lang="en-US"/>
           </a:p>
@@ -672,7 +686,7 @@
           <a:p>
             <a:fld id="{276D79ED-3FA7-4EF8-964B-EB8BCFAB02F8}" type="datetimeFigureOut">
               <a:rPr lang="en-US" smtClean="0"/>
-              <a:t>1/21/2018</a:t>
+              <a:t>1/30/2018</a:t>
             </a:fld>
             <a:endParaRPr lang="en-US"/>
           </a:p>
@@ -904,7 +918,7 @@
           <a:p>
             <a:fld id="{276D79ED-3FA7-4EF8-964B-EB8BCFAB02F8}" type="datetimeFigureOut">
               <a:rPr lang="en-US" smtClean="0"/>
-              <a:t>1/21/2018</a:t>
+              <a:t>1/30/2018</a:t>
             </a:fld>
             <a:endParaRPr lang="en-US"/>
           </a:p>
@@ -1271,7 +1285,7 @@
           <a:p>
             <a:fld id="{276D79ED-3FA7-4EF8-964B-EB8BCFAB02F8}" type="datetimeFigureOut">
               <a:rPr lang="en-US" smtClean="0"/>
-              <a:t>1/21/2018</a:t>
+              <a:t>1/30/2018</a:t>
             </a:fld>
             <a:endParaRPr lang="en-US"/>
           </a:p>
@@ -1389,7 +1403,7 @@
           <a:p>
             <a:fld id="{276D79ED-3FA7-4EF8-964B-EB8BCFAB02F8}" type="datetimeFigureOut">
               <a:rPr lang="en-US" smtClean="0"/>
-              <a:t>1/21/2018</a:t>
+              <a:t>1/30/2018</a:t>
             </a:fld>
             <a:endParaRPr lang="en-US"/>
           </a:p>
@@ -1484,7 +1498,7 @@
           <a:p>
             <a:fld id="{276D79ED-3FA7-4EF8-964B-EB8BCFAB02F8}" type="datetimeFigureOut">
               <a:rPr lang="en-US" smtClean="0"/>
-              <a:t>1/21/2018</a:t>
+              <a:t>1/30/2018</a:t>
             </a:fld>
             <a:endParaRPr lang="en-US"/>
           </a:p>
@@ -1761,7 +1775,7 @@
           <a:p>
             <a:fld id="{276D79ED-3FA7-4EF8-964B-EB8BCFAB02F8}" type="datetimeFigureOut">
               <a:rPr lang="en-US" smtClean="0"/>
-              <a:t>1/21/2018</a:t>
+              <a:t>1/30/2018</a:t>
             </a:fld>
             <a:endParaRPr lang="en-US"/>
           </a:p>
@@ -2018,7 +2032,7 @@
           <a:p>
             <a:fld id="{276D79ED-3FA7-4EF8-964B-EB8BCFAB02F8}" type="datetimeFigureOut">
               <a:rPr lang="en-US" smtClean="0"/>
-              <a:t>1/21/2018</a:t>
+              <a:t>1/30/2018</a:t>
             </a:fld>
             <a:endParaRPr lang="en-US"/>
           </a:p>
@@ -2239,7 +2253,7 @@
           <a:p>
             <a:fld id="{276D79ED-3FA7-4EF8-964B-EB8BCFAB02F8}" type="datetimeFigureOut">
               <a:rPr lang="en-US" smtClean="0"/>
-              <a:t>1/21/2018</a:t>
+              <a:t>1/30/2018</a:t>
             </a:fld>
             <a:endParaRPr lang="en-US"/>
           </a:p>
@@ -2748,7 +2762,7 @@
 </file>
 
 <file path=ppt/slides/slide1.xml><?xml version="1.0" encoding="utf-8"?>
-<p:sld xmlns:a="http://schemas.openxmlformats.org/drawingml/2006/main" xmlns:r="http://schemas.openxmlformats.org/officeDocument/2006/relationships" xmlns:p="http://schemas.openxmlformats.org/presentationml/2006/main">
+<p:sld xmlns:a="http://schemas.openxmlformats.org/drawingml/2006/main" xmlns:r="http://schemas.openxmlformats.org/officeDocument/2006/relationships" xmlns:p="http://schemas.openxmlformats.org/presentationml/2006/main" showMasterSp="0">
   <p:cSld>
     <p:spTree>
       <p:nvGrpSpPr>
@@ -2831,11 +2845,7 @@
             </a:r>
             <a:r>
               <a:rPr lang="en-US" sz="2000" b="1" dirty="0" smtClean="0"/>
-              <a:t> and PhD. </a:t>
-            </a:r>
-            <a:r>
-              <a:rPr lang="en-US" sz="2000" b="1" dirty="0" smtClean="0"/>
-              <a:t>Ronald </a:t>
+              <a:t> and Dr. Ronald </a:t>
             </a:r>
             <a:r>
               <a:rPr lang="en-US" sz="2000" b="1" dirty="0" err="1" smtClean="0"/>
@@ -2866,7 +2876,349 @@
 </file>
 
 <file path=ppt/slides/slide10.xml><?xml version="1.0" encoding="utf-8"?>
-<p:sld xmlns:a="http://schemas.openxmlformats.org/drawingml/2006/main" xmlns:r="http://schemas.openxmlformats.org/officeDocument/2006/relationships" xmlns:p="http://schemas.openxmlformats.org/presentationml/2006/main">
+<p:sld xmlns:a="http://schemas.openxmlformats.org/drawingml/2006/main" xmlns:r="http://schemas.openxmlformats.org/officeDocument/2006/relationships" xmlns:p="http://schemas.openxmlformats.org/presentationml/2006/main" showMasterSp="0">
+  <p:cSld>
+    <p:spTree>
+      <p:nvGrpSpPr>
+        <p:cNvPr id="1" name=""/>
+        <p:cNvGrpSpPr/>
+        <p:nvPr/>
+      </p:nvGrpSpPr>
+      <p:grpSpPr>
+        <a:xfrm>
+          <a:off x="0" y="0"/>
+          <a:ext cx="0" cy="0"/>
+          <a:chOff x="0" y="0"/>
+          <a:chExt cx="0" cy="0"/>
+        </a:xfrm>
+      </p:grpSpPr>
+      <p:sp>
+        <p:nvSpPr>
+          <p:cNvPr id="2" name="Title 1"/>
+          <p:cNvSpPr>
+            <a:spLocks noGrp="1"/>
+          </p:cNvSpPr>
+          <p:nvPr>
+            <p:ph type="title"/>
+          </p:nvPr>
+        </p:nvSpPr>
+        <p:spPr/>
+        <p:txBody>
+          <a:bodyPr/>
+          <a:lstStyle/>
+          <a:p>
+            <a:r>
+              <a:rPr lang="en-US" dirty="0" smtClean="0"/>
+              <a:t>Challenges</a:t>
+            </a:r>
+            <a:endParaRPr lang="en-US" dirty="0"/>
+          </a:p>
+        </p:txBody>
+      </p:sp>
+      <p:sp>
+        <p:nvSpPr>
+          <p:cNvPr id="3" name="Content Placeholder 2"/>
+          <p:cNvSpPr>
+            <a:spLocks noGrp="1"/>
+          </p:cNvSpPr>
+          <p:nvPr>
+            <p:ph idx="1"/>
+          </p:nvPr>
+        </p:nvSpPr>
+        <p:spPr/>
+        <p:txBody>
+          <a:bodyPr>
+            <a:normAutofit fontScale="92500" lnSpcReduction="10000"/>
+          </a:bodyPr>
+          <a:lstStyle/>
+          <a:p>
+            <a:r>
+              <a:rPr lang="en-US" dirty="0" smtClean="0"/>
+              <a:t>Identify and recognize the object with the “private feature” of artwork, specimen</a:t>
+            </a:r>
+          </a:p>
+          <a:p>
+            <a:pPr marL="0" indent="0">
+              <a:buNone/>
+            </a:pPr>
+            <a:endParaRPr lang="en-US" dirty="0" smtClean="0"/>
+          </a:p>
+          <a:p>
+            <a:r>
+              <a:rPr lang="en-US" dirty="0" smtClean="0"/>
+              <a:t>Faster handling of responding for real time used cases</a:t>
+            </a:r>
+          </a:p>
+          <a:p>
+            <a:pPr marL="0" indent="0">
+              <a:buNone/>
+            </a:pPr>
+            <a:endParaRPr lang="en-US" dirty="0" smtClean="0"/>
+          </a:p>
+          <a:p>
+            <a:r>
+              <a:rPr lang="en-US" dirty="0"/>
+              <a:t>Data authenticity, confidentiality, ready, and integrity for </a:t>
+            </a:r>
+            <a:r>
+              <a:rPr lang="en-US" dirty="0" smtClean="0"/>
+              <a:t>real time applications</a:t>
+            </a:r>
+          </a:p>
+          <a:p>
+            <a:pPr marL="0" indent="0">
+              <a:buNone/>
+            </a:pPr>
+            <a:endParaRPr lang="en-US" dirty="0" smtClean="0"/>
+          </a:p>
+          <a:p>
+            <a:r>
+              <a:rPr lang="en-US" dirty="0" smtClean="0"/>
+              <a:t>Updating meta-data based on the collected information from each node ( user)</a:t>
+            </a:r>
+          </a:p>
+          <a:p>
+            <a:endParaRPr lang="en-US" dirty="0"/>
+          </a:p>
+        </p:txBody>
+      </p:sp>
+    </p:spTree>
+    <p:extLst>
+      <p:ext uri="{BB962C8B-B14F-4D97-AF65-F5344CB8AC3E}">
+        <p14:creationId xmlns:p14="http://schemas.microsoft.com/office/powerpoint/2010/main" val="3400201055"/>
+      </p:ext>
+    </p:extLst>
+  </p:cSld>
+  <p:clrMapOvr>
+    <a:masterClrMapping/>
+  </p:clrMapOvr>
+</p:sld>
+</file>
+
+<file path=ppt/slides/slide11.xml><?xml version="1.0" encoding="utf-8"?>
+<p:sld xmlns:a="http://schemas.openxmlformats.org/drawingml/2006/main" xmlns:r="http://schemas.openxmlformats.org/officeDocument/2006/relationships" xmlns:p="http://schemas.openxmlformats.org/presentationml/2006/main" showMasterSp="0">
+  <p:cSld>
+    <p:spTree>
+      <p:nvGrpSpPr>
+        <p:cNvPr id="1" name=""/>
+        <p:cNvGrpSpPr/>
+        <p:nvPr/>
+      </p:nvGrpSpPr>
+      <p:grpSpPr>
+        <a:xfrm>
+          <a:off x="0" y="0"/>
+          <a:ext cx="0" cy="0"/>
+          <a:chOff x="0" y="0"/>
+          <a:chExt cx="0" cy="0"/>
+        </a:xfrm>
+      </p:grpSpPr>
+      <p:sp>
+        <p:nvSpPr>
+          <p:cNvPr id="2" name="Title 1"/>
+          <p:cNvSpPr>
+            <a:spLocks noGrp="1"/>
+          </p:cNvSpPr>
+          <p:nvPr>
+            <p:ph type="title"/>
+          </p:nvPr>
+        </p:nvSpPr>
+        <p:spPr/>
+        <p:txBody>
+          <a:bodyPr/>
+          <a:lstStyle/>
+          <a:p>
+            <a:r>
+              <a:rPr lang="en-US" dirty="0" smtClean="0"/>
+              <a:t>Objectives</a:t>
+            </a:r>
+            <a:endParaRPr lang="en-US" dirty="0"/>
+          </a:p>
+        </p:txBody>
+      </p:sp>
+      <p:sp>
+        <p:nvSpPr>
+          <p:cNvPr id="3" name="Content Placeholder 2"/>
+          <p:cNvSpPr>
+            <a:spLocks noGrp="1"/>
+          </p:cNvSpPr>
+          <p:nvPr>
+            <p:ph idx="1"/>
+          </p:nvPr>
+        </p:nvSpPr>
+        <p:spPr/>
+        <p:txBody>
+          <a:bodyPr>
+            <a:normAutofit fontScale="85000" lnSpcReduction="10000"/>
+          </a:bodyPr>
+          <a:lstStyle/>
+          <a:p>
+            <a:r>
+              <a:rPr lang="en-US" dirty="0" smtClean="0"/>
+              <a:t>Enhance privacy virtual assistance in Library and Museum </a:t>
+            </a:r>
+          </a:p>
+          <a:p>
+            <a:pPr marL="0" indent="0">
+              <a:buNone/>
+            </a:pPr>
+            <a:endParaRPr lang="en-US" dirty="0" smtClean="0"/>
+          </a:p>
+          <a:p>
+            <a:r>
+              <a:rPr lang="en-US" dirty="0" smtClean="0"/>
+              <a:t>Improve the accuracy and performance of object recognizing to detect the “private feature” of each artwork and specimen in the museum</a:t>
+            </a:r>
+          </a:p>
+          <a:p>
+            <a:pPr marL="0" indent="0">
+              <a:buNone/>
+            </a:pPr>
+            <a:endParaRPr lang="en-US" dirty="0" smtClean="0"/>
+          </a:p>
+          <a:p>
+            <a:r>
+              <a:rPr lang="en-US" dirty="0" smtClean="0"/>
+              <a:t>Design automatically category mechanism for object recognition, and application development as well as for detecting “private feature” of each artwork and specimen</a:t>
+            </a:r>
+          </a:p>
+          <a:p>
+            <a:pPr marL="0" indent="0">
+              <a:buNone/>
+            </a:pPr>
+            <a:endParaRPr lang="en-US" dirty="0" smtClean="0"/>
+          </a:p>
+          <a:p>
+            <a:r>
+              <a:rPr lang="en-US" dirty="0" smtClean="0"/>
+              <a:t>Develop algorithms and applications based on the given metadata of the library, museum, or open data</a:t>
+            </a:r>
+          </a:p>
+          <a:p>
+            <a:pPr marL="0" indent="0">
+              <a:buNone/>
+            </a:pPr>
+            <a:endParaRPr lang="en-US" dirty="0"/>
+          </a:p>
+        </p:txBody>
+      </p:sp>
+    </p:spTree>
+    <p:extLst>
+      <p:ext uri="{BB962C8B-B14F-4D97-AF65-F5344CB8AC3E}">
+        <p14:creationId xmlns:p14="http://schemas.microsoft.com/office/powerpoint/2010/main" val="2344540837"/>
+      </p:ext>
+    </p:extLst>
+  </p:cSld>
+  <p:clrMapOvr>
+    <a:masterClrMapping/>
+  </p:clrMapOvr>
+</p:sld>
+</file>
+
+<file path=ppt/slides/slide12.xml><?xml version="1.0" encoding="utf-8"?>
+<p:sld xmlns:a="http://schemas.openxmlformats.org/drawingml/2006/main" xmlns:r="http://schemas.openxmlformats.org/officeDocument/2006/relationships" xmlns:p="http://schemas.openxmlformats.org/presentationml/2006/main" showMasterSp="0">
+  <p:cSld>
+    <p:spTree>
+      <p:nvGrpSpPr>
+        <p:cNvPr id="1" name=""/>
+        <p:cNvGrpSpPr/>
+        <p:nvPr/>
+      </p:nvGrpSpPr>
+      <p:grpSpPr>
+        <a:xfrm>
+          <a:off x="0" y="0"/>
+          <a:ext cx="0" cy="0"/>
+          <a:chOff x="0" y="0"/>
+          <a:chExt cx="0" cy="0"/>
+        </a:xfrm>
+      </p:grpSpPr>
+      <p:sp>
+        <p:nvSpPr>
+          <p:cNvPr id="2" name="Title 1"/>
+          <p:cNvSpPr>
+            <a:spLocks noGrp="1"/>
+          </p:cNvSpPr>
+          <p:nvPr>
+            <p:ph type="title"/>
+          </p:nvPr>
+        </p:nvSpPr>
+        <p:spPr/>
+        <p:txBody>
+          <a:bodyPr>
+            <a:normAutofit/>
+          </a:bodyPr>
+          <a:lstStyle/>
+          <a:p>
+            <a:r>
+              <a:rPr lang="en-US" dirty="0" smtClean="0"/>
+              <a:t>Methodology</a:t>
+            </a:r>
+            <a:endParaRPr lang="en-US" dirty="0"/>
+          </a:p>
+        </p:txBody>
+      </p:sp>
+      <p:sp>
+        <p:nvSpPr>
+          <p:cNvPr id="3" name="Content Placeholder 2"/>
+          <p:cNvSpPr>
+            <a:spLocks noGrp="1"/>
+          </p:cNvSpPr>
+          <p:nvPr>
+            <p:ph idx="1"/>
+          </p:nvPr>
+        </p:nvSpPr>
+        <p:spPr/>
+        <p:txBody>
+          <a:bodyPr>
+            <a:noAutofit/>
+          </a:bodyPr>
+          <a:lstStyle/>
+          <a:p>
+            <a:r>
+              <a:rPr lang="en-US" sz="2000" dirty="0" smtClean="0"/>
+              <a:t>Exploit the Artificial, Deep, Recurrent, Convolutional neural networks (ANN,DNN, RNN,CNN), Supervised, Unsupervised, and Deep reinforcement learning, search engine algorithm to improve the quality of object recognition.</a:t>
+            </a:r>
+          </a:p>
+          <a:p>
+            <a:pPr marL="0" indent="0">
+              <a:buNone/>
+            </a:pPr>
+            <a:endParaRPr lang="en-US" sz="2000" dirty="0" smtClean="0"/>
+          </a:p>
+          <a:p>
+            <a:r>
+              <a:rPr lang="en-US" sz="2000" dirty="0" smtClean="0"/>
+              <a:t>Build-up machine learning algorithms and artificial intelligence in order to recognize, analyze and make the explanation of a given object by using smartphone camera.</a:t>
+            </a:r>
+          </a:p>
+          <a:p>
+            <a:endParaRPr lang="en-US" sz="2000" dirty="0"/>
+          </a:p>
+          <a:p>
+            <a:r>
+              <a:rPr lang="en-US" sz="2000" dirty="0" smtClean="0"/>
+              <a:t>Make the approximated verification method to confirm the accuracy of generated information </a:t>
+            </a:r>
+          </a:p>
+          <a:p>
+            <a:endParaRPr lang="en-US" sz="2000" dirty="0" smtClean="0"/>
+          </a:p>
+        </p:txBody>
+      </p:sp>
+    </p:spTree>
+    <p:extLst>
+      <p:ext uri="{BB962C8B-B14F-4D97-AF65-F5344CB8AC3E}">
+        <p14:creationId xmlns:p14="http://schemas.microsoft.com/office/powerpoint/2010/main" val="1694812222"/>
+      </p:ext>
+    </p:extLst>
+  </p:cSld>
+  <p:clrMapOvr>
+    <a:masterClrMapping/>
+  </p:clrMapOvr>
+</p:sld>
+</file>
+
+<file path=ppt/slides/slide13.xml><?xml version="1.0" encoding="utf-8"?>
+<p:sld xmlns:a="http://schemas.openxmlformats.org/drawingml/2006/main" xmlns:r="http://schemas.openxmlformats.org/officeDocument/2006/relationships" xmlns:p="http://schemas.openxmlformats.org/presentationml/2006/main" showMasterSp="0">
   <p:cSld>
     <p:spTree>
       <p:nvGrpSpPr>
@@ -2952,18 +3304,11 @@
   <p:clrMapOvr>
     <a:masterClrMapping/>
   </p:clrMapOvr>
-  <p:timing>
-    <p:tnLst>
-      <p:par>
-        <p:cTn id="1" dur="indefinite" restart="never" nodeType="tmRoot"/>
-      </p:par>
-    </p:tnLst>
-  </p:timing>
 </p:sld>
 </file>
 
 <file path=ppt/slides/slide2.xml><?xml version="1.0" encoding="utf-8"?>
-<p:sld xmlns:a="http://schemas.openxmlformats.org/drawingml/2006/main" xmlns:r="http://schemas.openxmlformats.org/officeDocument/2006/relationships" xmlns:p="http://schemas.openxmlformats.org/presentationml/2006/main">
+<p:sld xmlns:a="http://schemas.openxmlformats.org/drawingml/2006/main" xmlns:r="http://schemas.openxmlformats.org/officeDocument/2006/relationships" xmlns:p="http://schemas.openxmlformats.org/presentationml/2006/main" showMasterSp="0">
   <p:cSld>
     <p:spTree>
       <p:nvGrpSpPr>
@@ -3096,7 +3441,7 @@
 </file>
 
 <file path=ppt/slides/slide3.xml><?xml version="1.0" encoding="utf-8"?>
-<p:sld xmlns:a="http://schemas.openxmlformats.org/drawingml/2006/main" xmlns:r="http://schemas.openxmlformats.org/officeDocument/2006/relationships" xmlns:p="http://schemas.openxmlformats.org/presentationml/2006/main">
+<p:sld xmlns:a="http://schemas.openxmlformats.org/drawingml/2006/main" xmlns:r="http://schemas.openxmlformats.org/officeDocument/2006/relationships" xmlns:p="http://schemas.openxmlformats.org/presentationml/2006/main" showMasterSp="0">
   <p:cSld>
     <p:spTree>
       <p:nvGrpSpPr>
@@ -3262,7 +3607,7 @@
 </file>
 
 <file path=ppt/slides/slide4.xml><?xml version="1.0" encoding="utf-8"?>
-<p:sld xmlns:a="http://schemas.openxmlformats.org/drawingml/2006/main" xmlns:r="http://schemas.openxmlformats.org/officeDocument/2006/relationships" xmlns:p="http://schemas.openxmlformats.org/presentationml/2006/main">
+<p:sld xmlns:a="http://schemas.openxmlformats.org/drawingml/2006/main" xmlns:r="http://schemas.openxmlformats.org/officeDocument/2006/relationships" xmlns:p="http://schemas.openxmlformats.org/presentationml/2006/main" showMasterSp="0">
   <p:cSld>
     <p:bg>
       <p:bgPr>
@@ -3478,11 +3823,18 @@
   <p:clrMapOvr>
     <a:masterClrMapping/>
   </p:clrMapOvr>
+  <p:timing>
+    <p:tnLst>
+      <p:par>
+        <p:cTn id="1" dur="indefinite" restart="never" nodeType="tmRoot"/>
+      </p:par>
+    </p:tnLst>
+  </p:timing>
 </p:sld>
 </file>
 
 <file path=ppt/slides/slide5.xml><?xml version="1.0" encoding="utf-8"?>
-<p:sld xmlns:a="http://schemas.openxmlformats.org/drawingml/2006/main" xmlns:r="http://schemas.openxmlformats.org/officeDocument/2006/relationships" xmlns:p="http://schemas.openxmlformats.org/presentationml/2006/main">
+<p:sld xmlns:a="http://schemas.openxmlformats.org/drawingml/2006/main" xmlns:r="http://schemas.openxmlformats.org/officeDocument/2006/relationships" xmlns:p="http://schemas.openxmlformats.org/presentationml/2006/main" showMasterSp="0">
   <p:cSld>
     <p:spTree>
       <p:nvGrpSpPr>
@@ -3498,28 +3850,246 @@
           <a:chExt cx="0" cy="0"/>
         </a:xfrm>
       </p:grpSpPr>
-      <p:sp>
-        <p:nvSpPr>
-          <p:cNvPr id="2" name="Title 1"/>
-          <p:cNvSpPr>
-            <a:spLocks noGrp="1"/>
-          </p:cNvSpPr>
-          <p:nvPr>
-            <p:ph type="title"/>
-          </p:nvPr>
-        </p:nvSpPr>
-        <p:spPr/>
-        <p:txBody>
-          <a:bodyPr/>
-          <a:lstStyle/>
-          <a:p>
-            <a:r>
-              <a:rPr lang="en-US" dirty="0"/>
-              <a:t>Literature </a:t>
-            </a:r>
-            <a:r>
-              <a:rPr lang="en-US" dirty="0" smtClean="0"/>
-              <a:t>review</a:t>
+      <p:pic>
+        <p:nvPicPr>
+          <p:cNvPr id="4" name="Picture 3"/>
+          <p:cNvPicPr>
+            <a:picLocks noChangeAspect="1"/>
+          </p:cNvPicPr>
+          <p:nvPr/>
+        </p:nvPicPr>
+        <p:blipFill>
+          <a:blip r:embed="rId2"/>
+          <a:stretch>
+            <a:fillRect/>
+          </a:stretch>
+        </p:blipFill>
+        <p:spPr>
+          <a:xfrm>
+            <a:off x="3926658" y="74645"/>
+            <a:ext cx="5170008" cy="2708793"/>
+          </a:xfrm>
+          <a:prstGeom prst="rect">
+            <a:avLst/>
+          </a:prstGeom>
+        </p:spPr>
+      </p:pic>
+      <p:pic>
+        <p:nvPicPr>
+          <p:cNvPr id="5" name="Picture 4"/>
+          <p:cNvPicPr>
+            <a:picLocks noChangeAspect="1"/>
+          </p:cNvPicPr>
+          <p:nvPr/>
+        </p:nvPicPr>
+        <p:blipFill>
+          <a:blip r:embed="rId3"/>
+          <a:stretch>
+            <a:fillRect/>
+          </a:stretch>
+        </p:blipFill>
+        <p:spPr>
+          <a:xfrm>
+            <a:off x="6511662" y="2970584"/>
+            <a:ext cx="5100443" cy="3365967"/>
+          </a:xfrm>
+          <a:prstGeom prst="rect">
+            <a:avLst/>
+          </a:prstGeom>
+        </p:spPr>
+      </p:pic>
+      <p:sp>
+        <p:nvSpPr>
+          <p:cNvPr id="2" name="Down Arrow 1"/>
+          <p:cNvSpPr/>
+          <p:nvPr/>
+        </p:nvSpPr>
+        <p:spPr>
+          <a:xfrm>
+            <a:off x="7900627" y="2068492"/>
+            <a:ext cx="478811" cy="902092"/>
+          </a:xfrm>
+          <a:prstGeom prst="downArrow">
+            <a:avLst/>
+          </a:prstGeom>
+        </p:spPr>
+        <p:style>
+          <a:lnRef idx="2">
+            <a:schemeClr val="dk1"/>
+          </a:lnRef>
+          <a:fillRef idx="1">
+            <a:schemeClr val="lt1"/>
+          </a:fillRef>
+          <a:effectRef idx="0">
+            <a:schemeClr val="dk1"/>
+          </a:effectRef>
+          <a:fontRef idx="minor">
+            <a:schemeClr val="dk1"/>
+          </a:fontRef>
+        </p:style>
+        <p:txBody>
+          <a:bodyPr rtlCol="0" anchor="ctr"/>
+          <a:lstStyle/>
+          <a:p>
+            <a:pPr algn="ctr"/>
+            <a:endParaRPr lang="en-US"/>
+          </a:p>
+        </p:txBody>
+      </p:sp>
+      <p:pic>
+        <p:nvPicPr>
+          <p:cNvPr id="1026" name="Picture 2"/>
+          <p:cNvPicPr>
+            <a:picLocks noChangeAspect="1" noChangeArrowheads="1"/>
+          </p:cNvPicPr>
+          <p:nvPr/>
+        </p:nvPicPr>
+        <p:blipFill>
+          <a:blip r:embed="rId4" cstate="print">
+            <a:extLst>
+              <a:ext uri="{28A0092B-C50C-407E-A947-70E740481C1C}">
+                <a14:useLocalDpi xmlns:a14="http://schemas.microsoft.com/office/drawing/2010/main" val="0"/>
+              </a:ext>
+            </a:extLst>
+          </a:blip>
+          <a:srcRect/>
+          <a:stretch>
+            <a:fillRect/>
+          </a:stretch>
+        </p:blipFill>
+        <p:spPr bwMode="auto">
+          <a:xfrm>
+            <a:off x="8482012" y="5201331"/>
+            <a:ext cx="1444376" cy="1047069"/>
+          </a:xfrm>
+          <a:prstGeom prst="rect">
+            <a:avLst/>
+          </a:prstGeom>
+          <a:noFill/>
+          <a:ln>
+            <a:noFill/>
+          </a:ln>
+          <a:extLst>
+            <a:ext uri="{909E8E84-426E-40DD-AFC4-6F175D3DCCD1}">
+              <a14:hiddenFill xmlns:a14="http://schemas.microsoft.com/office/drawing/2010/main">
+                <a:solidFill>
+                  <a:schemeClr val="accent1"/>
+                </a:solidFill>
+              </a14:hiddenFill>
+            </a:ext>
+            <a:ext uri="{91240B29-F687-4F45-9708-019B960494DF}">
+              <a14:hiddenLine xmlns:a14="http://schemas.microsoft.com/office/drawing/2010/main" w="9525">
+                <a:solidFill>
+                  <a:schemeClr val="tx1"/>
+                </a:solidFill>
+                <a:miter lim="800000"/>
+                <a:headEnd/>
+                <a:tailEnd/>
+              </a14:hiddenLine>
+            </a:ext>
+          </a:extLst>
+        </p:spPr>
+      </p:pic>
+      <p:pic>
+        <p:nvPicPr>
+          <p:cNvPr id="1028" name="Picture 4" descr="Related image"/>
+          <p:cNvPicPr>
+            <a:picLocks noChangeAspect="1" noChangeArrowheads="1"/>
+          </p:cNvPicPr>
+          <p:nvPr/>
+        </p:nvPicPr>
+        <p:blipFill>
+          <a:blip r:embed="rId5" cstate="print">
+            <a:extLst>
+              <a:ext uri="{28A0092B-C50C-407E-A947-70E740481C1C}">
+                <a14:useLocalDpi xmlns:a14="http://schemas.microsoft.com/office/drawing/2010/main" val="0"/>
+              </a:ext>
+            </a:extLst>
+          </a:blip>
+          <a:srcRect/>
+          <a:stretch>
+            <a:fillRect/>
+          </a:stretch>
+        </p:blipFill>
+        <p:spPr bwMode="auto">
+          <a:xfrm>
+            <a:off x="5073879" y="5201331"/>
+            <a:ext cx="1829198" cy="1028924"/>
+          </a:xfrm>
+          <a:prstGeom prst="rect">
+            <a:avLst/>
+          </a:prstGeom>
+          <a:noFill/>
+          <a:extLst>
+            <a:ext uri="{909E8E84-426E-40DD-AFC4-6F175D3DCCD1}">
+              <a14:hiddenFill xmlns:a14="http://schemas.microsoft.com/office/drawing/2010/main">
+                <a:solidFill>
+                  <a:srgbClr val="FFFFFF"/>
+                </a:solidFill>
+              </a14:hiddenFill>
+            </a:ext>
+          </a:extLst>
+        </p:spPr>
+      </p:pic>
+      <p:sp>
+        <p:nvSpPr>
+          <p:cNvPr id="3" name="TextBox 2"/>
+          <p:cNvSpPr txBox="1"/>
+          <p:nvPr/>
+        </p:nvSpPr>
+        <p:spPr>
+          <a:xfrm>
+            <a:off x="5060802" y="5001606"/>
+            <a:ext cx="1128835" cy="230832"/>
+          </a:xfrm>
+          <a:prstGeom prst="rect">
+            <a:avLst/>
+          </a:prstGeom>
+          <a:noFill/>
+        </p:spPr>
+        <p:txBody>
+          <a:bodyPr wrap="none" rtlCol="0">
+            <a:spAutoFit/>
+          </a:bodyPr>
+          <a:lstStyle/>
+          <a:p>
+            <a:r>
+              <a:rPr lang="en-US" sz="900" b="1" cap="all" dirty="0"/>
+              <a:t>VIRTUAL </a:t>
+            </a:r>
+            <a:r>
+              <a:rPr lang="en-US" sz="900" b="1" cap="all" dirty="0" smtClean="0"/>
+              <a:t>REALITY</a:t>
+            </a:r>
+            <a:endParaRPr lang="en-US" sz="1200" dirty="0"/>
+          </a:p>
+        </p:txBody>
+      </p:sp>
+      <p:sp>
+        <p:nvSpPr>
+          <p:cNvPr id="9" name="TextBox 8"/>
+          <p:cNvSpPr txBox="1"/>
+          <p:nvPr/>
+        </p:nvSpPr>
+        <p:spPr>
+          <a:xfrm>
+            <a:off x="6903077" y="4970499"/>
+            <a:ext cx="798617" cy="230832"/>
+          </a:xfrm>
+          <a:prstGeom prst="rect">
+            <a:avLst/>
+          </a:prstGeom>
+          <a:noFill/>
+        </p:spPr>
+        <p:txBody>
+          <a:bodyPr wrap="none" rtlCol="0">
+            <a:spAutoFit/>
+          </a:bodyPr>
+          <a:lstStyle/>
+          <a:p>
+            <a:r>
+              <a:rPr lang="en-US" sz="900" b="1" cap="all" dirty="0" smtClean="0"/>
+              <a:t>hologram</a:t>
             </a:r>
             <a:endParaRPr lang="en-US" dirty="0"/>
           </a:p>
@@ -3527,397 +4097,72 @@
       </p:sp>
       <p:sp>
         <p:nvSpPr>
-          <p:cNvPr id="3" name="Content Placeholder 2"/>
-          <p:cNvSpPr>
-            <a:spLocks noGrp="1"/>
-          </p:cNvSpPr>
-          <p:nvPr>
-            <p:ph idx="1"/>
-          </p:nvPr>
-        </p:nvSpPr>
-        <p:spPr/>
-        <p:txBody>
-          <a:bodyPr/>
-          <a:lstStyle/>
-          <a:p>
-            <a:endParaRPr lang="en-US" dirty="0"/>
+          <p:cNvPr id="10" name="TextBox 9"/>
+          <p:cNvSpPr txBox="1"/>
+          <p:nvPr/>
+        </p:nvSpPr>
+        <p:spPr>
+          <a:xfrm>
+            <a:off x="8523113" y="4989996"/>
+            <a:ext cx="1204176" cy="215444"/>
+          </a:xfrm>
+          <a:prstGeom prst="rect">
+            <a:avLst/>
+          </a:prstGeom>
+          <a:noFill/>
+        </p:spPr>
+        <p:txBody>
+          <a:bodyPr wrap="none" rtlCol="0">
+            <a:spAutoFit/>
+          </a:bodyPr>
+          <a:lstStyle/>
+          <a:p>
+            <a:r>
+              <a:rPr lang="en-US" sz="800" b="1" dirty="0" smtClean="0"/>
+              <a:t>AUGMENTED</a:t>
+            </a:r>
+            <a:r>
+              <a:rPr lang="en-US" sz="800" b="1" dirty="0"/>
+              <a:t> </a:t>
+            </a:r>
+            <a:r>
+              <a:rPr lang="en-US" sz="800" b="1" cap="all" dirty="0" smtClean="0"/>
+              <a:t>REALITY</a:t>
+            </a:r>
+            <a:endParaRPr lang="en-US" sz="1100" b="1" dirty="0"/>
           </a:p>
         </p:txBody>
       </p:sp>
     </p:spTree>
     <p:extLst>
       <p:ext uri="{BB962C8B-B14F-4D97-AF65-F5344CB8AC3E}">
-        <p14:creationId xmlns:p14="http://schemas.microsoft.com/office/powerpoint/2010/main" val="1176089070"/>
+        <p14:creationId xmlns:p14="http://schemas.microsoft.com/office/powerpoint/2010/main" val="116040525"/>
       </p:ext>
     </p:extLst>
   </p:cSld>
   <p:clrMapOvr>
     <a:masterClrMapping/>
   </p:clrMapOvr>
+  <p:timing>
+    <p:tnLst>
+      <p:par>
+        <p:cTn id="1" dur="indefinite" restart="never" nodeType="tmRoot"/>
+      </p:par>
+    </p:tnLst>
+  </p:timing>
 </p:sld>
 </file>
 
 <file path=ppt/slides/slide6.xml><?xml version="1.0" encoding="utf-8"?>
-<p:sld xmlns:a="http://schemas.openxmlformats.org/drawingml/2006/main" xmlns:r="http://schemas.openxmlformats.org/officeDocument/2006/relationships" xmlns:p="http://schemas.openxmlformats.org/presentationml/2006/main">
-  <p:cSld>
-    <p:spTree>
-      <p:nvGrpSpPr>
-        <p:cNvPr id="1" name=""/>
-        <p:cNvGrpSpPr/>
-        <p:nvPr/>
-      </p:nvGrpSpPr>
-      <p:grpSpPr>
-        <a:xfrm>
-          <a:off x="0" y="0"/>
-          <a:ext cx="0" cy="0"/>
-          <a:chOff x="0" y="0"/>
-          <a:chExt cx="0" cy="0"/>
-        </a:xfrm>
-      </p:grpSpPr>
-      <p:sp>
-        <p:nvSpPr>
-          <p:cNvPr id="2" name="Title 1"/>
-          <p:cNvSpPr>
-            <a:spLocks noGrp="1"/>
-          </p:cNvSpPr>
-          <p:nvPr>
-            <p:ph type="title"/>
-          </p:nvPr>
-        </p:nvSpPr>
-        <p:spPr/>
-        <p:txBody>
-          <a:bodyPr/>
-          <a:lstStyle/>
-          <a:p>
-            <a:r>
-              <a:rPr lang="en-US" dirty="0" smtClean="0"/>
-              <a:t>Challenges</a:t>
-            </a:r>
-            <a:endParaRPr lang="en-US" dirty="0"/>
-          </a:p>
-        </p:txBody>
-      </p:sp>
-      <p:sp>
-        <p:nvSpPr>
-          <p:cNvPr id="3" name="Content Placeholder 2"/>
-          <p:cNvSpPr>
-            <a:spLocks noGrp="1"/>
-          </p:cNvSpPr>
-          <p:nvPr>
-            <p:ph idx="1"/>
-          </p:nvPr>
-        </p:nvSpPr>
-        <p:spPr/>
-        <p:txBody>
-          <a:bodyPr>
-            <a:normAutofit fontScale="92500" lnSpcReduction="10000"/>
-          </a:bodyPr>
-          <a:lstStyle/>
-          <a:p>
-            <a:r>
-              <a:rPr lang="en-US" dirty="0" smtClean="0"/>
-              <a:t>Identify and recognize the object with the “private feature” of artwork, specimen</a:t>
-            </a:r>
-          </a:p>
-          <a:p>
-            <a:pPr marL="0" indent="0">
-              <a:buNone/>
-            </a:pPr>
-            <a:endParaRPr lang="en-US" dirty="0" smtClean="0"/>
-          </a:p>
-          <a:p>
-            <a:r>
-              <a:rPr lang="en-US" dirty="0" smtClean="0"/>
-              <a:t>Faster handling of responding for real time used cases</a:t>
-            </a:r>
-          </a:p>
-          <a:p>
-            <a:pPr marL="0" indent="0">
-              <a:buNone/>
-            </a:pPr>
-            <a:endParaRPr lang="en-US" dirty="0" smtClean="0"/>
-          </a:p>
-          <a:p>
-            <a:r>
-              <a:rPr lang="en-US" dirty="0"/>
-              <a:t>Data authenticity, confidentiality, ready, and integrity for </a:t>
-            </a:r>
-            <a:r>
-              <a:rPr lang="en-US" dirty="0" smtClean="0"/>
-              <a:t>real time applications</a:t>
-            </a:r>
-          </a:p>
-          <a:p>
-            <a:pPr marL="0" indent="0">
-              <a:buNone/>
-            </a:pPr>
-            <a:endParaRPr lang="en-US" dirty="0" smtClean="0"/>
-          </a:p>
-          <a:p>
-            <a:r>
-              <a:rPr lang="en-US" dirty="0" smtClean="0"/>
-              <a:t>Updating meta-data based on the collected information from each node ( user)</a:t>
-            </a:r>
-          </a:p>
-          <a:p>
-            <a:endParaRPr lang="en-US" dirty="0"/>
-          </a:p>
-        </p:txBody>
-      </p:sp>
-    </p:spTree>
-    <p:extLst>
-      <p:ext uri="{BB962C8B-B14F-4D97-AF65-F5344CB8AC3E}">
-        <p14:creationId xmlns:p14="http://schemas.microsoft.com/office/powerpoint/2010/main" val="3400201055"/>
-      </p:ext>
-    </p:extLst>
-  </p:cSld>
-  <p:clrMapOvr>
-    <a:masterClrMapping/>
-  </p:clrMapOvr>
-</p:sld>
-</file>
-
-<file path=ppt/slides/slide7.xml><?xml version="1.0" encoding="utf-8"?>
-<p:sld xmlns:a="http://schemas.openxmlformats.org/drawingml/2006/main" xmlns:r="http://schemas.openxmlformats.org/officeDocument/2006/relationships" xmlns:p="http://schemas.openxmlformats.org/presentationml/2006/main">
-  <p:cSld>
-    <p:spTree>
-      <p:nvGrpSpPr>
-        <p:cNvPr id="1" name=""/>
-        <p:cNvGrpSpPr/>
-        <p:nvPr/>
-      </p:nvGrpSpPr>
-      <p:grpSpPr>
-        <a:xfrm>
-          <a:off x="0" y="0"/>
-          <a:ext cx="0" cy="0"/>
-          <a:chOff x="0" y="0"/>
-          <a:chExt cx="0" cy="0"/>
-        </a:xfrm>
-      </p:grpSpPr>
-      <p:sp>
-        <p:nvSpPr>
-          <p:cNvPr id="2" name="Title 1"/>
-          <p:cNvSpPr>
-            <a:spLocks noGrp="1"/>
-          </p:cNvSpPr>
-          <p:nvPr>
-            <p:ph type="title"/>
-          </p:nvPr>
-        </p:nvSpPr>
-        <p:spPr/>
-        <p:txBody>
-          <a:bodyPr/>
-          <a:lstStyle/>
-          <a:p>
-            <a:r>
-              <a:rPr lang="en-US" dirty="0" smtClean="0"/>
-              <a:t>Objectives</a:t>
-            </a:r>
-            <a:endParaRPr lang="en-US" dirty="0"/>
-          </a:p>
-        </p:txBody>
-      </p:sp>
-      <p:sp>
-        <p:nvSpPr>
-          <p:cNvPr id="3" name="Content Placeholder 2"/>
-          <p:cNvSpPr>
-            <a:spLocks noGrp="1"/>
-          </p:cNvSpPr>
-          <p:nvPr>
-            <p:ph idx="1"/>
-          </p:nvPr>
-        </p:nvSpPr>
-        <p:spPr/>
-        <p:txBody>
-          <a:bodyPr>
-            <a:normAutofit fontScale="85000" lnSpcReduction="10000"/>
-          </a:bodyPr>
-          <a:lstStyle/>
-          <a:p>
-            <a:r>
-              <a:rPr lang="en-US" dirty="0" smtClean="0"/>
-              <a:t>Enhance privacy virtual assistance in Library and Museum </a:t>
-            </a:r>
-          </a:p>
-          <a:p>
-            <a:pPr marL="0" indent="0">
-              <a:buNone/>
-            </a:pPr>
-            <a:endParaRPr lang="en-US" dirty="0" smtClean="0"/>
-          </a:p>
-          <a:p>
-            <a:r>
-              <a:rPr lang="en-US" dirty="0" smtClean="0"/>
-              <a:t>Improve the accuracy and performance of object recognizing to detect the “private feature” of each artwork and specimen in the museum</a:t>
-            </a:r>
-          </a:p>
-          <a:p>
-            <a:pPr marL="0" indent="0">
-              <a:buNone/>
-            </a:pPr>
-            <a:endParaRPr lang="en-US" dirty="0" smtClean="0"/>
-          </a:p>
-          <a:p>
-            <a:r>
-              <a:rPr lang="en-US" dirty="0" smtClean="0"/>
-              <a:t>Design automatically category mechanism for object recognition, and application development as well as for detecting “private feature” of each artwork and specimen</a:t>
-            </a:r>
-          </a:p>
-          <a:p>
-            <a:pPr marL="0" indent="0">
-              <a:buNone/>
-            </a:pPr>
-            <a:endParaRPr lang="en-US" dirty="0" smtClean="0"/>
-          </a:p>
-          <a:p>
-            <a:r>
-              <a:rPr lang="en-US" dirty="0" smtClean="0"/>
-              <a:t>Develop algorithms and applications based on the given metadata of the library, museum, or open data</a:t>
-            </a:r>
-          </a:p>
-          <a:p>
-            <a:pPr marL="0" indent="0">
-              <a:buNone/>
-            </a:pPr>
-            <a:endParaRPr lang="en-US" dirty="0"/>
-          </a:p>
-        </p:txBody>
-      </p:sp>
-    </p:spTree>
-    <p:extLst>
-      <p:ext uri="{BB962C8B-B14F-4D97-AF65-F5344CB8AC3E}">
-        <p14:creationId xmlns:p14="http://schemas.microsoft.com/office/powerpoint/2010/main" val="2344540837"/>
-      </p:ext>
-    </p:extLst>
-  </p:cSld>
-  <p:clrMapOvr>
-    <a:masterClrMapping/>
-  </p:clrMapOvr>
-</p:sld>
-</file>
-
-<file path=ppt/slides/slide8.xml><?xml version="1.0" encoding="utf-8"?>
-<p:sld xmlns:a="http://schemas.openxmlformats.org/drawingml/2006/main" xmlns:r="http://schemas.openxmlformats.org/officeDocument/2006/relationships" xmlns:p="http://schemas.openxmlformats.org/presentationml/2006/main">
-  <p:cSld>
-    <p:spTree>
-      <p:nvGrpSpPr>
-        <p:cNvPr id="1" name=""/>
-        <p:cNvGrpSpPr/>
-        <p:nvPr/>
-      </p:nvGrpSpPr>
-      <p:grpSpPr>
-        <a:xfrm>
-          <a:off x="0" y="0"/>
-          <a:ext cx="0" cy="0"/>
-          <a:chOff x="0" y="0"/>
-          <a:chExt cx="0" cy="0"/>
-        </a:xfrm>
-      </p:grpSpPr>
-      <p:sp>
-        <p:nvSpPr>
-          <p:cNvPr id="2" name="Title 1"/>
-          <p:cNvSpPr>
-            <a:spLocks noGrp="1"/>
-          </p:cNvSpPr>
-          <p:nvPr>
-            <p:ph type="title"/>
-          </p:nvPr>
-        </p:nvSpPr>
-        <p:spPr/>
-        <p:txBody>
-          <a:bodyPr>
-            <a:normAutofit/>
-          </a:bodyPr>
-          <a:lstStyle/>
-          <a:p>
-            <a:r>
-              <a:rPr lang="en-US" dirty="0" smtClean="0"/>
-              <a:t>Methodology</a:t>
-            </a:r>
-            <a:endParaRPr lang="en-US" dirty="0"/>
-          </a:p>
-        </p:txBody>
-      </p:sp>
-      <p:sp>
-        <p:nvSpPr>
-          <p:cNvPr id="3" name="Content Placeholder 2"/>
-          <p:cNvSpPr>
-            <a:spLocks noGrp="1"/>
-          </p:cNvSpPr>
-          <p:nvPr>
-            <p:ph idx="1"/>
-          </p:nvPr>
-        </p:nvSpPr>
-        <p:spPr/>
-        <p:txBody>
-          <a:bodyPr>
-            <a:noAutofit/>
-          </a:bodyPr>
-          <a:lstStyle/>
-          <a:p>
-            <a:pPr algn="just"/>
-            <a:r>
-              <a:rPr lang="en-US" sz="2000" dirty="0" smtClean="0"/>
-              <a:t>Exploit the Artificial, Deep, Recurrent, Convolutional neural networks (ANN,DNN, RNN,CNN), Supervised, Unsupervised, and Deep reinforcement learning, search engine algorithm to improve the quality of object recognition.</a:t>
-            </a:r>
-          </a:p>
-          <a:p>
-            <a:pPr marL="0" indent="0" algn="just">
-              <a:buNone/>
-            </a:pPr>
-            <a:endParaRPr lang="en-US" sz="2000" dirty="0" smtClean="0"/>
-          </a:p>
-          <a:p>
-            <a:pPr algn="just"/>
-            <a:r>
-              <a:rPr lang="en-US" sz="2000" dirty="0" smtClean="0"/>
-              <a:t>Build-up machine learning algorithms and artificial intelligence in order to recognize, analyze and make the explanation of a given object by using smartphone camera.</a:t>
-            </a:r>
-          </a:p>
-          <a:p>
-            <a:pPr algn="just"/>
-            <a:endParaRPr lang="en-US" sz="2000" dirty="0"/>
-          </a:p>
-          <a:p>
-            <a:pPr algn="just"/>
-            <a:r>
-              <a:rPr lang="en-US" sz="2000" dirty="0" smtClean="0"/>
-              <a:t>Make the approximated verification method to confirm the accuracy of generated information </a:t>
-            </a:r>
-          </a:p>
-          <a:p>
-            <a:pPr algn="just"/>
-            <a:endParaRPr lang="en-US" sz="2000" dirty="0" smtClean="0"/>
-          </a:p>
-        </p:txBody>
-      </p:sp>
-    </p:spTree>
-    <p:extLst>
-      <p:ext uri="{BB962C8B-B14F-4D97-AF65-F5344CB8AC3E}">
-        <p14:creationId xmlns:p14="http://schemas.microsoft.com/office/powerpoint/2010/main" val="1694812222"/>
-      </p:ext>
-    </p:extLst>
-  </p:cSld>
-  <p:clrMapOvr>
-    <a:masterClrMapping/>
-  </p:clrMapOvr>
-</p:sld>
-</file>
-
-<file path=ppt/slides/slide9.xml><?xml version="1.0" encoding="utf-8"?>
-<p:sld xmlns:a="http://schemas.openxmlformats.org/drawingml/2006/main" xmlns:r="http://schemas.openxmlformats.org/officeDocument/2006/relationships" xmlns:p="http://schemas.openxmlformats.org/presentationml/2006/main">
+<p:sld xmlns:a="http://schemas.openxmlformats.org/drawingml/2006/main" xmlns:r="http://schemas.openxmlformats.org/officeDocument/2006/relationships" xmlns:p="http://schemas.openxmlformats.org/presentationml/2006/main" showMasterSp="0">
   <p:cSld>
     <p:bg>
       <p:bgPr>
-        <a:blipFill dpi="0" rotWithShape="1">
-          <a:blip r:embed="rId2">
-            <a:lum/>
-          </a:blip>
-          <a:srcRect/>
-          <a:stretch>
-            <a:fillRect l="-8000" r="-8000"/>
-          </a:stretch>
-        </a:blipFill>
+        <a:solidFill>
+          <a:schemeClr val="bg1">
+            <a:lumMod val="95000"/>
+          </a:schemeClr>
+        </a:solidFill>
         <a:effectLst/>
       </p:bgPr>
     </p:bg>
@@ -3935,75 +4180,1670 @@
           <a:chExt cx="0" cy="0"/>
         </a:xfrm>
       </p:grpSpPr>
-      <p:sp>
-        <p:nvSpPr>
-          <p:cNvPr id="2" name="Title 1"/>
-          <p:cNvSpPr>
-            <a:spLocks noGrp="1"/>
-          </p:cNvSpPr>
-          <p:nvPr>
-            <p:ph type="title"/>
-          </p:nvPr>
-        </p:nvSpPr>
-        <p:spPr>
-          <a:xfrm>
-            <a:off x="5038531" y="0"/>
-            <a:ext cx="5701314" cy="1325563"/>
-          </a:xfrm>
-        </p:spPr>
-        <p:txBody>
-          <a:bodyPr/>
-          <a:lstStyle/>
-          <a:p>
-            <a:r>
-              <a:rPr lang="en-US" dirty="0" smtClean="0"/>
-              <a:t>System model</a:t>
-            </a:r>
-            <a:endParaRPr lang="en-US" dirty="0"/>
-          </a:p>
-        </p:txBody>
-      </p:sp>
       <p:pic>
         <p:nvPicPr>
-          <p:cNvPr id="7" name="Picture 6"/>
+          <p:cNvPr id="1026" name="Picture 2" descr="Image result for monalisa icon"/>
+          <p:cNvPicPr>
+            <a:picLocks noChangeAspect="1" noChangeArrowheads="1"/>
+          </p:cNvPicPr>
+          <p:nvPr/>
+        </p:nvPicPr>
+        <p:blipFill>
+          <a:blip r:embed="rId2" cstate="print">
+            <a:extLst>
+              <a:ext uri="{28A0092B-C50C-407E-A947-70E740481C1C}">
+                <a14:useLocalDpi xmlns:a14="http://schemas.microsoft.com/office/drawing/2010/main" val="0"/>
+              </a:ext>
+            </a:extLst>
+          </a:blip>
+          <a:srcRect/>
+          <a:stretch>
+            <a:fillRect/>
+          </a:stretch>
+        </p:blipFill>
+        <p:spPr bwMode="auto">
+          <a:xfrm>
+            <a:off x="3582157" y="985822"/>
+            <a:ext cx="805759" cy="805759"/>
+          </a:xfrm>
+          <a:prstGeom prst="rect">
+            <a:avLst/>
+          </a:prstGeom>
+          <a:noFill/>
+          <a:extLst>
+            <a:ext uri="{909E8E84-426E-40DD-AFC4-6F175D3DCCD1}">
+              <a14:hiddenFill xmlns:a14="http://schemas.microsoft.com/office/drawing/2010/main">
+                <a:solidFill>
+                  <a:srgbClr val="FFFFFF"/>
+                </a:solidFill>
+              </a14:hiddenFill>
+            </a:ext>
+          </a:extLst>
+        </p:spPr>
+      </p:pic>
+      <p:sp>
+        <p:nvSpPr>
+          <p:cNvPr id="2" name="TextBox 1"/>
+          <p:cNvSpPr txBox="1"/>
+          <p:nvPr/>
+        </p:nvSpPr>
+        <p:spPr>
+          <a:xfrm>
+            <a:off x="4604627" y="2557145"/>
+            <a:ext cx="1204176" cy="369332"/>
+          </a:xfrm>
+          <a:prstGeom prst="rect">
+            <a:avLst/>
+          </a:prstGeom>
+          <a:noFill/>
+        </p:spPr>
+        <p:txBody>
+          <a:bodyPr wrap="none" rtlCol="0">
+            <a:spAutoFit/>
+          </a:bodyPr>
+          <a:lstStyle/>
+          <a:p>
+            <a:r>
+              <a:rPr lang="en-US" dirty="0" smtClean="0"/>
+              <a:t>Museum 1</a:t>
+            </a:r>
+            <a:endParaRPr lang="en-US" dirty="0"/>
+          </a:p>
+        </p:txBody>
+      </p:sp>
+      <p:pic>
+        <p:nvPicPr>
+          <p:cNvPr id="1028" name="Picture 4" descr="Image result for pin icon"/>
+          <p:cNvPicPr>
+            <a:picLocks noChangeAspect="1" noChangeArrowheads="1"/>
+          </p:cNvPicPr>
+          <p:nvPr/>
+        </p:nvPicPr>
+        <p:blipFill>
+          <a:blip r:embed="rId3" cstate="print">
+            <a:extLst>
+              <a:ext uri="{28A0092B-C50C-407E-A947-70E740481C1C}">
+                <a14:useLocalDpi xmlns:a14="http://schemas.microsoft.com/office/drawing/2010/main" val="0"/>
+              </a:ext>
+            </a:extLst>
+          </a:blip>
+          <a:srcRect/>
+          <a:stretch>
+            <a:fillRect/>
+          </a:stretch>
+        </p:blipFill>
+        <p:spPr bwMode="auto">
+          <a:xfrm>
+            <a:off x="3921536" y="830192"/>
+            <a:ext cx="247886" cy="247886"/>
+          </a:xfrm>
+          <a:prstGeom prst="rect">
+            <a:avLst/>
+          </a:prstGeom>
+          <a:noFill/>
+          <a:extLst>
+            <a:ext uri="{909E8E84-426E-40DD-AFC4-6F175D3DCCD1}">
+              <a14:hiddenFill xmlns:a14="http://schemas.microsoft.com/office/drawing/2010/main">
+                <a:solidFill>
+                  <a:srgbClr val="FFFFFF"/>
+                </a:solidFill>
+              </a14:hiddenFill>
+            </a:ext>
+          </a:extLst>
+        </p:spPr>
+      </p:pic>
+      <p:pic>
+        <p:nvPicPr>
+          <p:cNvPr id="1032" name="Picture 8" descr="Related image"/>
+          <p:cNvPicPr>
+            <a:picLocks noChangeAspect="1" noChangeArrowheads="1"/>
+          </p:cNvPicPr>
+          <p:nvPr/>
+        </p:nvPicPr>
+        <p:blipFill>
+          <a:blip r:embed="rId4" cstate="print">
+            <a:extLst>
+              <a:ext uri="{28A0092B-C50C-407E-A947-70E740481C1C}">
+                <a14:useLocalDpi xmlns:a14="http://schemas.microsoft.com/office/drawing/2010/main" val="0"/>
+              </a:ext>
+            </a:extLst>
+          </a:blip>
+          <a:srcRect/>
+          <a:stretch>
+            <a:fillRect/>
+          </a:stretch>
+        </p:blipFill>
+        <p:spPr bwMode="auto">
+          <a:xfrm>
+            <a:off x="3965986" y="1699804"/>
+            <a:ext cx="293687" cy="183554"/>
+          </a:xfrm>
+          <a:prstGeom prst="rect">
+            <a:avLst/>
+          </a:prstGeom>
+          <a:noFill/>
+          <a:extLst>
+            <a:ext uri="{909E8E84-426E-40DD-AFC4-6F175D3DCCD1}">
+              <a14:hiddenFill xmlns:a14="http://schemas.microsoft.com/office/drawing/2010/main">
+                <a:solidFill>
+                  <a:srgbClr val="FFFFFF"/>
+                </a:solidFill>
+              </a14:hiddenFill>
+            </a:ext>
+          </a:extLst>
+        </p:spPr>
+      </p:pic>
+      <p:pic>
+        <p:nvPicPr>
+          <p:cNvPr id="1034" name="Picture 10" descr="Image result for mobile phone icon"/>
+          <p:cNvPicPr>
+            <a:picLocks noChangeAspect="1" noChangeArrowheads="1"/>
+          </p:cNvPicPr>
+          <p:nvPr/>
+        </p:nvPicPr>
+        <p:blipFill>
+          <a:blip r:embed="rId5" cstate="print">
+            <a:extLst>
+              <a:ext uri="{28A0092B-C50C-407E-A947-70E740481C1C}">
+                <a14:useLocalDpi xmlns:a14="http://schemas.microsoft.com/office/drawing/2010/main" val="0"/>
+              </a:ext>
+            </a:extLst>
+          </a:blip>
+          <a:srcRect/>
+          <a:stretch>
+            <a:fillRect/>
+          </a:stretch>
+        </p:blipFill>
+        <p:spPr bwMode="auto">
+          <a:xfrm>
+            <a:off x="2941254" y="516047"/>
+            <a:ext cx="2087563" cy="2087563"/>
+          </a:xfrm>
+          <a:prstGeom prst="rect">
+            <a:avLst/>
+          </a:prstGeom>
+          <a:noFill/>
+          <a:extLst>
+            <a:ext uri="{909E8E84-426E-40DD-AFC4-6F175D3DCCD1}">
+              <a14:hiddenFill xmlns:a14="http://schemas.microsoft.com/office/drawing/2010/main">
+                <a:solidFill>
+                  <a:srgbClr val="FFFFFF"/>
+                </a:solidFill>
+              </a14:hiddenFill>
+            </a:ext>
+          </a:extLst>
+        </p:spPr>
+      </p:pic>
+      <p:pic>
+        <p:nvPicPr>
+          <p:cNvPr id="1036" name="Picture 12" descr="Image result for Cloud icon"/>
+          <p:cNvPicPr>
+            <a:picLocks noChangeAspect="1" noChangeArrowheads="1"/>
+          </p:cNvPicPr>
+          <p:nvPr/>
+        </p:nvPicPr>
+        <p:blipFill>
+          <a:blip r:embed="rId6" cstate="print">
+            <a:extLst>
+              <a:ext uri="{28A0092B-C50C-407E-A947-70E740481C1C}">
+                <a14:useLocalDpi xmlns:a14="http://schemas.microsoft.com/office/drawing/2010/main" val="0"/>
+              </a:ext>
+            </a:extLst>
+          </a:blip>
+          <a:srcRect/>
+          <a:stretch>
+            <a:fillRect/>
+          </a:stretch>
+        </p:blipFill>
+        <p:spPr bwMode="auto">
+          <a:xfrm>
+            <a:off x="7006694" y="847512"/>
+            <a:ext cx="2198266" cy="1140531"/>
+          </a:xfrm>
+          <a:prstGeom prst="rect">
+            <a:avLst/>
+          </a:prstGeom>
+          <a:noFill/>
+          <a:extLst>
+            <a:ext uri="{909E8E84-426E-40DD-AFC4-6F175D3DCCD1}">
+              <a14:hiddenFill xmlns:a14="http://schemas.microsoft.com/office/drawing/2010/main">
+                <a:solidFill>
+                  <a:srgbClr val="FFFFFF"/>
+                </a:solidFill>
+              </a14:hiddenFill>
+            </a:ext>
+          </a:extLst>
+        </p:spPr>
+      </p:pic>
+      <p:pic>
+        <p:nvPicPr>
+          <p:cNvPr id="1038" name="Picture 14" descr="Image result for database icon"/>
+          <p:cNvPicPr>
+            <a:picLocks noChangeAspect="1" noChangeArrowheads="1"/>
+          </p:cNvPicPr>
+          <p:nvPr/>
+        </p:nvPicPr>
+        <p:blipFill>
+          <a:blip r:embed="rId7">
+            <a:extLst>
+              <a:ext uri="{28A0092B-C50C-407E-A947-70E740481C1C}">
+                <a14:useLocalDpi xmlns:a14="http://schemas.microsoft.com/office/drawing/2010/main" val="0"/>
+              </a:ext>
+            </a:extLst>
+          </a:blip>
+          <a:srcRect/>
+          <a:stretch>
+            <a:fillRect/>
+          </a:stretch>
+        </p:blipFill>
+        <p:spPr bwMode="auto">
+          <a:xfrm>
+            <a:off x="5635336" y="378804"/>
+            <a:ext cx="937416" cy="937416"/>
+          </a:xfrm>
+          <a:prstGeom prst="rect">
+            <a:avLst/>
+          </a:prstGeom>
+          <a:noFill/>
+          <a:extLst>
+            <a:ext uri="{909E8E84-426E-40DD-AFC4-6F175D3DCCD1}">
+              <a14:hiddenFill xmlns:a14="http://schemas.microsoft.com/office/drawing/2010/main">
+                <a:solidFill>
+                  <a:srgbClr val="FFFFFF"/>
+                </a:solidFill>
+              </a14:hiddenFill>
+            </a:ext>
+          </a:extLst>
+        </p:spPr>
+      </p:pic>
+      <p:sp>
+        <p:nvSpPr>
+          <p:cNvPr id="14" name="TextBox 13"/>
+          <p:cNvSpPr txBox="1"/>
+          <p:nvPr/>
+        </p:nvSpPr>
+        <p:spPr>
+          <a:xfrm>
+            <a:off x="5501956" y="0"/>
+            <a:ext cx="1204176" cy="369332"/>
+          </a:xfrm>
+          <a:prstGeom prst="rect">
+            <a:avLst/>
+          </a:prstGeom>
+          <a:noFill/>
+        </p:spPr>
+        <p:txBody>
+          <a:bodyPr wrap="none" rtlCol="0">
+            <a:spAutoFit/>
+          </a:bodyPr>
+          <a:lstStyle/>
+          <a:p>
+            <a:r>
+              <a:rPr lang="en-US" dirty="0" smtClean="0"/>
+              <a:t>Museum 1</a:t>
+            </a:r>
+            <a:endParaRPr lang="en-US" dirty="0"/>
+          </a:p>
+        </p:txBody>
+      </p:sp>
+      <p:sp>
+        <p:nvSpPr>
+          <p:cNvPr id="8" name="Left-Right Arrow 7"/>
+          <p:cNvSpPr/>
+          <p:nvPr/>
+        </p:nvSpPr>
+        <p:spPr>
+          <a:xfrm>
+            <a:off x="6572752" y="1036016"/>
+            <a:ext cx="692888" cy="265065"/>
+          </a:xfrm>
+          <a:prstGeom prst="leftRightArrow">
+            <a:avLst/>
+          </a:prstGeom>
+          <a:noFill/>
+        </p:spPr>
+        <p:style>
+          <a:lnRef idx="2">
+            <a:schemeClr val="dk1"/>
+          </a:lnRef>
+          <a:fillRef idx="1">
+            <a:schemeClr val="lt1"/>
+          </a:fillRef>
+          <a:effectRef idx="0">
+            <a:schemeClr val="dk1"/>
+          </a:effectRef>
+          <a:fontRef idx="minor">
+            <a:schemeClr val="dk1"/>
+          </a:fontRef>
+        </p:style>
+        <p:txBody>
+          <a:bodyPr rtlCol="0" anchor="ctr"/>
+          <a:lstStyle/>
+          <a:p>
+            <a:pPr algn="ctr"/>
+            <a:endParaRPr lang="en-US"/>
+          </a:p>
+        </p:txBody>
+      </p:sp>
+      <p:pic>
+        <p:nvPicPr>
+          <p:cNvPr id="9" name="Picture 8"/>
           <p:cNvPicPr>
             <a:picLocks noChangeAspect="1"/>
           </p:cNvPicPr>
           <p:nvPr/>
         </p:nvPicPr>
         <p:blipFill>
-          <a:blip r:embed="rId3"/>
+          <a:blip r:embed="rId8" cstate="print">
+            <a:extLst>
+              <a:ext uri="{28A0092B-C50C-407E-A947-70E740481C1C}">
+                <a14:useLocalDpi xmlns:a14="http://schemas.microsoft.com/office/drawing/2010/main" val="0"/>
+              </a:ext>
+            </a:extLst>
+          </a:blip>
           <a:stretch>
             <a:fillRect/>
           </a:stretch>
         </p:blipFill>
         <p:spPr>
           <a:xfrm>
-            <a:off x="5419543" y="1042509"/>
-            <a:ext cx="5152025" cy="5218332"/>
+            <a:off x="7622883" y="1368036"/>
+            <a:ext cx="965887" cy="383584"/>
+          </a:xfrm>
+          <a:prstGeom prst="rect">
+            <a:avLst/>
+          </a:prstGeom>
+        </p:spPr>
+      </p:pic>
+      <p:pic>
+        <p:nvPicPr>
+          <p:cNvPr id="18" name="Picture 14" descr="Image result for database icon"/>
+          <p:cNvPicPr>
+            <a:picLocks noChangeAspect="1" noChangeArrowheads="1"/>
+          </p:cNvPicPr>
+          <p:nvPr/>
+        </p:nvPicPr>
+        <p:blipFill>
+          <a:blip r:embed="rId7">
+            <a:extLst>
+              <a:ext uri="{28A0092B-C50C-407E-A947-70E740481C1C}">
+                <a14:useLocalDpi xmlns:a14="http://schemas.microsoft.com/office/drawing/2010/main" val="0"/>
+              </a:ext>
+            </a:extLst>
+          </a:blip>
+          <a:srcRect/>
+          <a:stretch>
+            <a:fillRect/>
+          </a:stretch>
+        </p:blipFill>
+        <p:spPr bwMode="auto">
+          <a:xfrm>
+            <a:off x="10190085" y="146715"/>
+            <a:ext cx="937416" cy="937416"/>
+          </a:xfrm>
+          <a:prstGeom prst="rect">
+            <a:avLst/>
+          </a:prstGeom>
+          <a:noFill/>
+          <a:extLst>
+            <a:ext uri="{909E8E84-426E-40DD-AFC4-6F175D3DCCD1}">
+              <a14:hiddenFill xmlns:a14="http://schemas.microsoft.com/office/drawing/2010/main">
+                <a:solidFill>
+                  <a:srgbClr val="FFFFFF"/>
+                </a:solidFill>
+              </a14:hiddenFill>
+            </a:ext>
+          </a:extLst>
+        </p:spPr>
+      </p:pic>
+      <p:sp>
+        <p:nvSpPr>
+          <p:cNvPr id="19" name="Left-Right Arrow 18"/>
+          <p:cNvSpPr/>
+          <p:nvPr/>
+        </p:nvSpPr>
+        <p:spPr>
+          <a:xfrm rot="20443718">
+            <a:off x="8994106" y="847817"/>
+            <a:ext cx="1185451" cy="265065"/>
+          </a:xfrm>
+          <a:prstGeom prst="leftRightArrow">
+            <a:avLst/>
+          </a:prstGeom>
+          <a:noFill/>
+        </p:spPr>
+        <p:style>
+          <a:lnRef idx="2">
+            <a:schemeClr val="dk1"/>
+          </a:lnRef>
+          <a:fillRef idx="1">
+            <a:schemeClr val="lt1"/>
+          </a:fillRef>
+          <a:effectRef idx="0">
+            <a:schemeClr val="dk1"/>
+          </a:effectRef>
+          <a:fontRef idx="minor">
+            <a:schemeClr val="dk1"/>
+          </a:fontRef>
+        </p:style>
+        <p:txBody>
+          <a:bodyPr rtlCol="0" anchor="ctr"/>
+          <a:lstStyle/>
+          <a:p>
+            <a:pPr algn="ctr"/>
+            <a:endParaRPr lang="en-US"/>
+          </a:p>
+        </p:txBody>
+      </p:sp>
+      <p:sp>
+        <p:nvSpPr>
+          <p:cNvPr id="20" name="TextBox 19"/>
+          <p:cNvSpPr txBox="1"/>
+          <p:nvPr/>
+        </p:nvSpPr>
+        <p:spPr>
+          <a:xfrm>
+            <a:off x="8795483" y="134994"/>
+            <a:ext cx="1527982" cy="369332"/>
+          </a:xfrm>
+          <a:prstGeom prst="rect">
+            <a:avLst/>
+          </a:prstGeom>
+          <a:noFill/>
+        </p:spPr>
+        <p:txBody>
+          <a:bodyPr wrap="none" rtlCol="0">
+            <a:spAutoFit/>
+          </a:bodyPr>
+          <a:lstStyle/>
+          <a:p>
+            <a:r>
+              <a:rPr lang="en-US" dirty="0" err="1" smtClean="0"/>
+              <a:t>Bibliomondo</a:t>
+            </a:r>
+            <a:r>
+              <a:rPr lang="en-US" dirty="0" smtClean="0"/>
+              <a:t> </a:t>
+            </a:r>
+            <a:endParaRPr lang="en-US" dirty="0"/>
+          </a:p>
+        </p:txBody>
+      </p:sp>
+      <p:sp>
+        <p:nvSpPr>
+          <p:cNvPr id="21" name="Left-Right Arrow 20"/>
+          <p:cNvSpPr/>
+          <p:nvPr/>
+        </p:nvSpPr>
+        <p:spPr>
+          <a:xfrm rot="5192900">
+            <a:off x="7074287" y="3060714"/>
+            <a:ext cx="2243073" cy="265065"/>
+          </a:xfrm>
+          <a:prstGeom prst="leftRightArrow">
+            <a:avLst/>
+          </a:prstGeom>
+          <a:noFill/>
+        </p:spPr>
+        <p:style>
+          <a:lnRef idx="2">
+            <a:schemeClr val="dk1"/>
+          </a:lnRef>
+          <a:fillRef idx="1">
+            <a:schemeClr val="lt1"/>
+          </a:fillRef>
+          <a:effectRef idx="0">
+            <a:schemeClr val="dk1"/>
+          </a:effectRef>
+          <a:fontRef idx="minor">
+            <a:schemeClr val="dk1"/>
+          </a:fontRef>
+        </p:style>
+        <p:txBody>
+          <a:bodyPr rtlCol="0" anchor="ctr"/>
+          <a:lstStyle/>
+          <a:p>
+            <a:pPr algn="ctr"/>
+            <a:endParaRPr lang="en-US"/>
+          </a:p>
+        </p:txBody>
+      </p:sp>
+      <p:pic>
+        <p:nvPicPr>
+          <p:cNvPr id="22" name="Picture 14" descr="Image result for database icon"/>
+          <p:cNvPicPr>
+            <a:picLocks noChangeAspect="1" noChangeArrowheads="1"/>
+          </p:cNvPicPr>
+          <p:nvPr/>
+        </p:nvPicPr>
+        <p:blipFill>
+          <a:blip r:embed="rId7">
+            <a:extLst>
+              <a:ext uri="{28A0092B-C50C-407E-A947-70E740481C1C}">
+                <a14:useLocalDpi xmlns:a14="http://schemas.microsoft.com/office/drawing/2010/main" val="0"/>
+              </a:ext>
+            </a:extLst>
+          </a:blip>
+          <a:srcRect/>
+          <a:stretch>
+            <a:fillRect/>
+          </a:stretch>
+        </p:blipFill>
+        <p:spPr bwMode="auto">
+          <a:xfrm>
+            <a:off x="1641497" y="504326"/>
+            <a:ext cx="937416" cy="937416"/>
+          </a:xfrm>
+          <a:prstGeom prst="rect">
+            <a:avLst/>
+          </a:prstGeom>
+          <a:noFill/>
+          <a:extLst>
+            <a:ext uri="{909E8E84-426E-40DD-AFC4-6F175D3DCCD1}">
+              <a14:hiddenFill xmlns:a14="http://schemas.microsoft.com/office/drawing/2010/main">
+                <a:solidFill>
+                  <a:srgbClr val="FFFFFF"/>
+                </a:solidFill>
+              </a14:hiddenFill>
+            </a:ext>
+          </a:extLst>
+        </p:spPr>
+      </p:pic>
+      <p:sp>
+        <p:nvSpPr>
+          <p:cNvPr id="23" name="TextBox 22"/>
+          <p:cNvSpPr txBox="1"/>
+          <p:nvPr/>
+        </p:nvSpPr>
+        <p:spPr>
+          <a:xfrm>
+            <a:off x="1367893" y="134994"/>
+            <a:ext cx="1353256" cy="369332"/>
+          </a:xfrm>
+          <a:prstGeom prst="rect">
+            <a:avLst/>
+          </a:prstGeom>
+          <a:noFill/>
+        </p:spPr>
+        <p:txBody>
+          <a:bodyPr wrap="none" rtlCol="0">
+            <a:spAutoFit/>
+          </a:bodyPr>
+          <a:lstStyle/>
+          <a:p>
+            <a:r>
+              <a:rPr lang="en-US" dirty="0" smtClean="0"/>
+              <a:t>My phone 1</a:t>
+            </a:r>
+            <a:endParaRPr lang="en-US" dirty="0"/>
+          </a:p>
+        </p:txBody>
+      </p:sp>
+      <p:sp>
+        <p:nvSpPr>
+          <p:cNvPr id="24" name="Left-Right Arrow 23"/>
+          <p:cNvSpPr/>
+          <p:nvPr/>
+        </p:nvSpPr>
+        <p:spPr>
+          <a:xfrm>
+            <a:off x="2597994" y="847816"/>
+            <a:ext cx="692888" cy="265065"/>
+          </a:xfrm>
+          <a:prstGeom prst="leftRightArrow">
+            <a:avLst/>
+          </a:prstGeom>
+          <a:noFill/>
+        </p:spPr>
+        <p:style>
+          <a:lnRef idx="2">
+            <a:schemeClr val="dk1"/>
+          </a:lnRef>
+          <a:fillRef idx="1">
+            <a:schemeClr val="lt1"/>
+          </a:fillRef>
+          <a:effectRef idx="0">
+            <a:schemeClr val="dk1"/>
+          </a:effectRef>
+          <a:fontRef idx="minor">
+            <a:schemeClr val="dk1"/>
+          </a:fontRef>
+        </p:style>
+        <p:txBody>
+          <a:bodyPr rtlCol="0" anchor="ctr"/>
+          <a:lstStyle/>
+          <a:p>
+            <a:pPr algn="ctr"/>
+            <a:endParaRPr lang="en-US"/>
+          </a:p>
+        </p:txBody>
+      </p:sp>
+      <p:pic>
+        <p:nvPicPr>
+          <p:cNvPr id="25" name="Picture 2" descr="Image result for monalisa icon"/>
+          <p:cNvPicPr>
+            <a:picLocks noChangeAspect="1" noChangeArrowheads="1"/>
+          </p:cNvPicPr>
+          <p:nvPr/>
+        </p:nvPicPr>
+        <p:blipFill>
+          <a:blip r:embed="rId2" cstate="print">
+            <a:extLst>
+              <a:ext uri="{28A0092B-C50C-407E-A947-70E740481C1C}">
+                <a14:useLocalDpi xmlns:a14="http://schemas.microsoft.com/office/drawing/2010/main" val="0"/>
+              </a:ext>
+            </a:extLst>
+          </a:blip>
+          <a:srcRect/>
+          <a:stretch>
+            <a:fillRect/>
+          </a:stretch>
+        </p:blipFill>
+        <p:spPr bwMode="auto">
+          <a:xfrm>
+            <a:off x="7907763" y="4834771"/>
+            <a:ext cx="805759" cy="805759"/>
+          </a:xfrm>
+          <a:prstGeom prst="rect">
+            <a:avLst/>
+          </a:prstGeom>
+          <a:noFill/>
+          <a:extLst>
+            <a:ext uri="{909E8E84-426E-40DD-AFC4-6F175D3DCCD1}">
+              <a14:hiddenFill xmlns:a14="http://schemas.microsoft.com/office/drawing/2010/main">
+                <a:solidFill>
+                  <a:srgbClr val="FFFFFF"/>
+                </a:solidFill>
+              </a14:hiddenFill>
+            </a:ext>
+          </a:extLst>
+        </p:spPr>
+      </p:pic>
+      <p:sp>
+        <p:nvSpPr>
+          <p:cNvPr id="26" name="TextBox 25"/>
+          <p:cNvSpPr txBox="1"/>
+          <p:nvPr/>
+        </p:nvSpPr>
+        <p:spPr>
+          <a:xfrm>
+            <a:off x="9228824" y="6552387"/>
+            <a:ext cx="1204176" cy="369332"/>
+          </a:xfrm>
+          <a:prstGeom prst="rect">
+            <a:avLst/>
+          </a:prstGeom>
+          <a:noFill/>
+        </p:spPr>
+        <p:txBody>
+          <a:bodyPr wrap="none" rtlCol="0">
+            <a:spAutoFit/>
+          </a:bodyPr>
+          <a:lstStyle/>
+          <a:p>
+            <a:r>
+              <a:rPr lang="en-US" dirty="0" smtClean="0"/>
+              <a:t>Museum n</a:t>
+            </a:r>
+            <a:endParaRPr lang="en-US" dirty="0"/>
+          </a:p>
+        </p:txBody>
+      </p:sp>
+      <p:pic>
+        <p:nvPicPr>
+          <p:cNvPr id="27" name="Picture 4" descr="Image result for pin icon"/>
+          <p:cNvPicPr>
+            <a:picLocks noChangeAspect="1" noChangeArrowheads="1"/>
+          </p:cNvPicPr>
+          <p:nvPr/>
+        </p:nvPicPr>
+        <p:blipFill>
+          <a:blip r:embed="rId3" cstate="print">
+            <a:extLst>
+              <a:ext uri="{28A0092B-C50C-407E-A947-70E740481C1C}">
+                <a14:useLocalDpi xmlns:a14="http://schemas.microsoft.com/office/drawing/2010/main" val="0"/>
+              </a:ext>
+            </a:extLst>
+          </a:blip>
+          <a:srcRect/>
+          <a:stretch>
+            <a:fillRect/>
+          </a:stretch>
+        </p:blipFill>
+        <p:spPr bwMode="auto">
+          <a:xfrm>
+            <a:off x="8247142" y="4679141"/>
+            <a:ext cx="247886" cy="247886"/>
+          </a:xfrm>
+          <a:prstGeom prst="rect">
+            <a:avLst/>
+          </a:prstGeom>
+          <a:noFill/>
+          <a:extLst>
+            <a:ext uri="{909E8E84-426E-40DD-AFC4-6F175D3DCCD1}">
+              <a14:hiddenFill xmlns:a14="http://schemas.microsoft.com/office/drawing/2010/main">
+                <a:solidFill>
+                  <a:srgbClr val="FFFFFF"/>
+                </a:solidFill>
+              </a14:hiddenFill>
+            </a:ext>
+          </a:extLst>
+        </p:spPr>
+      </p:pic>
+      <p:pic>
+        <p:nvPicPr>
+          <p:cNvPr id="28" name="Picture 8" descr="Related image"/>
+          <p:cNvPicPr>
+            <a:picLocks noChangeAspect="1" noChangeArrowheads="1"/>
+          </p:cNvPicPr>
+          <p:nvPr/>
+        </p:nvPicPr>
+        <p:blipFill>
+          <a:blip r:embed="rId4" cstate="print">
+            <a:extLst>
+              <a:ext uri="{28A0092B-C50C-407E-A947-70E740481C1C}">
+                <a14:useLocalDpi xmlns:a14="http://schemas.microsoft.com/office/drawing/2010/main" val="0"/>
+              </a:ext>
+            </a:extLst>
+          </a:blip>
+          <a:srcRect/>
+          <a:stretch>
+            <a:fillRect/>
+          </a:stretch>
+        </p:blipFill>
+        <p:spPr bwMode="auto">
+          <a:xfrm>
+            <a:off x="8291592" y="5548753"/>
+            <a:ext cx="293687" cy="183554"/>
+          </a:xfrm>
+          <a:prstGeom prst="rect">
+            <a:avLst/>
+          </a:prstGeom>
+          <a:noFill/>
+          <a:extLst>
+            <a:ext uri="{909E8E84-426E-40DD-AFC4-6F175D3DCCD1}">
+              <a14:hiddenFill xmlns:a14="http://schemas.microsoft.com/office/drawing/2010/main">
+                <a:solidFill>
+                  <a:srgbClr val="FFFFFF"/>
+                </a:solidFill>
+              </a14:hiddenFill>
+            </a:ext>
+          </a:extLst>
+        </p:spPr>
+      </p:pic>
+      <p:pic>
+        <p:nvPicPr>
+          <p:cNvPr id="29" name="Picture 14" descr="Image result for database icon"/>
+          <p:cNvPicPr>
+            <a:picLocks noChangeAspect="1" noChangeArrowheads="1"/>
+          </p:cNvPicPr>
+          <p:nvPr/>
+        </p:nvPicPr>
+        <p:blipFill>
+          <a:blip r:embed="rId7">
+            <a:extLst>
+              <a:ext uri="{28A0092B-C50C-407E-A947-70E740481C1C}">
+                <a14:useLocalDpi xmlns:a14="http://schemas.microsoft.com/office/drawing/2010/main" val="0"/>
+              </a:ext>
+            </a:extLst>
+          </a:blip>
+          <a:srcRect/>
+          <a:stretch>
+            <a:fillRect/>
+          </a:stretch>
+        </p:blipFill>
+        <p:spPr bwMode="auto">
+          <a:xfrm>
+            <a:off x="9997786" y="4826979"/>
+            <a:ext cx="937416" cy="937416"/>
+          </a:xfrm>
+          <a:prstGeom prst="rect">
+            <a:avLst/>
+          </a:prstGeom>
+          <a:noFill/>
+          <a:extLst>
+            <a:ext uri="{909E8E84-426E-40DD-AFC4-6F175D3DCCD1}">
+              <a14:hiddenFill xmlns:a14="http://schemas.microsoft.com/office/drawing/2010/main">
+                <a:solidFill>
+                  <a:srgbClr val="FFFFFF"/>
+                </a:solidFill>
+              </a14:hiddenFill>
+            </a:ext>
+          </a:extLst>
+        </p:spPr>
+      </p:pic>
+      <p:sp>
+        <p:nvSpPr>
+          <p:cNvPr id="30" name="TextBox 29"/>
+          <p:cNvSpPr txBox="1"/>
+          <p:nvPr/>
+        </p:nvSpPr>
+        <p:spPr>
+          <a:xfrm>
+            <a:off x="9864406" y="4448175"/>
+            <a:ext cx="1204176" cy="369332"/>
+          </a:xfrm>
+          <a:prstGeom prst="rect">
+            <a:avLst/>
+          </a:prstGeom>
+          <a:noFill/>
+        </p:spPr>
+        <p:txBody>
+          <a:bodyPr wrap="none" rtlCol="0">
+            <a:spAutoFit/>
+          </a:bodyPr>
+          <a:lstStyle/>
+          <a:p>
+            <a:r>
+              <a:rPr lang="en-US" dirty="0" smtClean="0"/>
+              <a:t>Museum n</a:t>
+            </a:r>
+            <a:endParaRPr lang="en-US" dirty="0"/>
+          </a:p>
+        </p:txBody>
+      </p:sp>
+      <p:pic>
+        <p:nvPicPr>
+          <p:cNvPr id="33" name="Picture 14" descr="Image result for database icon"/>
+          <p:cNvPicPr>
+            <a:picLocks noChangeAspect="1" noChangeArrowheads="1"/>
+          </p:cNvPicPr>
+          <p:nvPr/>
+        </p:nvPicPr>
+        <p:blipFill>
+          <a:blip r:embed="rId7">
+            <a:extLst>
+              <a:ext uri="{28A0092B-C50C-407E-A947-70E740481C1C}">
+                <a14:useLocalDpi xmlns:a14="http://schemas.microsoft.com/office/drawing/2010/main" val="0"/>
+              </a:ext>
+            </a:extLst>
+          </a:blip>
+          <a:srcRect/>
+          <a:stretch>
+            <a:fillRect/>
+          </a:stretch>
+        </p:blipFill>
+        <p:spPr bwMode="auto">
+          <a:xfrm>
+            <a:off x="6003947" y="4952501"/>
+            <a:ext cx="937416" cy="937416"/>
+          </a:xfrm>
+          <a:prstGeom prst="rect">
+            <a:avLst/>
+          </a:prstGeom>
+          <a:noFill/>
+          <a:extLst>
+            <a:ext uri="{909E8E84-426E-40DD-AFC4-6F175D3DCCD1}">
+              <a14:hiddenFill xmlns:a14="http://schemas.microsoft.com/office/drawing/2010/main">
+                <a:solidFill>
+                  <a:srgbClr val="FFFFFF"/>
+                </a:solidFill>
+              </a14:hiddenFill>
+            </a:ext>
+          </a:extLst>
+        </p:spPr>
+      </p:pic>
+      <p:sp>
+        <p:nvSpPr>
+          <p:cNvPr id="34" name="TextBox 33"/>
+          <p:cNvSpPr txBox="1"/>
+          <p:nvPr/>
+        </p:nvSpPr>
+        <p:spPr>
+          <a:xfrm>
+            <a:off x="5896124" y="5845973"/>
+            <a:ext cx="1353256" cy="369332"/>
+          </a:xfrm>
+          <a:prstGeom prst="rect">
+            <a:avLst/>
+          </a:prstGeom>
+          <a:noFill/>
+        </p:spPr>
+        <p:txBody>
+          <a:bodyPr wrap="none" rtlCol="0">
+            <a:spAutoFit/>
+          </a:bodyPr>
+          <a:lstStyle/>
+          <a:p>
+            <a:r>
+              <a:rPr lang="en-US" dirty="0" smtClean="0"/>
+              <a:t>My phone n</a:t>
+            </a:r>
+            <a:endParaRPr lang="en-US" dirty="0"/>
+          </a:p>
+        </p:txBody>
+      </p:sp>
+      <p:sp>
+        <p:nvSpPr>
+          <p:cNvPr id="35" name="Left-Right Arrow 34"/>
+          <p:cNvSpPr/>
+          <p:nvPr/>
+        </p:nvSpPr>
+        <p:spPr>
+          <a:xfrm>
+            <a:off x="6960444" y="5295991"/>
+            <a:ext cx="692888" cy="265065"/>
+          </a:xfrm>
+          <a:prstGeom prst="leftRightArrow">
+            <a:avLst/>
+          </a:prstGeom>
+          <a:noFill/>
+        </p:spPr>
+        <p:style>
+          <a:lnRef idx="2">
+            <a:schemeClr val="dk1"/>
+          </a:lnRef>
+          <a:fillRef idx="1">
+            <a:schemeClr val="lt1"/>
+          </a:fillRef>
+          <a:effectRef idx="0">
+            <a:schemeClr val="dk1"/>
+          </a:effectRef>
+          <a:fontRef idx="minor">
+            <a:schemeClr val="dk1"/>
+          </a:fontRef>
+        </p:style>
+        <p:txBody>
+          <a:bodyPr rtlCol="0" anchor="ctr"/>
+          <a:lstStyle/>
+          <a:p>
+            <a:pPr algn="ctr"/>
+            <a:endParaRPr lang="en-US"/>
+          </a:p>
+        </p:txBody>
+      </p:sp>
+      <p:pic>
+        <p:nvPicPr>
+          <p:cNvPr id="37" name="Picture 10" descr="Image result for mobile phone icon"/>
+          <p:cNvPicPr>
+            <a:picLocks noChangeAspect="1" noChangeArrowheads="1"/>
+          </p:cNvPicPr>
+          <p:nvPr/>
+        </p:nvPicPr>
+        <p:blipFill>
+          <a:blip r:embed="rId5" cstate="print">
+            <a:extLst>
+              <a:ext uri="{28A0092B-C50C-407E-A947-70E740481C1C}">
+                <a14:useLocalDpi xmlns:a14="http://schemas.microsoft.com/office/drawing/2010/main" val="0"/>
+              </a:ext>
+            </a:extLst>
+          </a:blip>
+          <a:srcRect/>
+          <a:stretch>
+            <a:fillRect/>
+          </a:stretch>
+        </p:blipFill>
+        <p:spPr bwMode="auto">
+          <a:xfrm>
+            <a:off x="7274850" y="4412660"/>
+            <a:ext cx="2087563" cy="2087563"/>
+          </a:xfrm>
+          <a:prstGeom prst="rect">
+            <a:avLst/>
+          </a:prstGeom>
+          <a:noFill/>
+          <a:extLst>
+            <a:ext uri="{909E8E84-426E-40DD-AFC4-6F175D3DCCD1}">
+              <a14:hiddenFill xmlns:a14="http://schemas.microsoft.com/office/drawing/2010/main">
+                <a:solidFill>
+                  <a:srgbClr val="FFFFFF"/>
+                </a:solidFill>
+              </a14:hiddenFill>
+            </a:ext>
+          </a:extLst>
+        </p:spPr>
+      </p:pic>
+      <p:sp>
+        <p:nvSpPr>
+          <p:cNvPr id="39" name="Left-Right Arrow 38"/>
+          <p:cNvSpPr/>
+          <p:nvPr/>
+        </p:nvSpPr>
+        <p:spPr>
+          <a:xfrm rot="3393065">
+            <a:off x="8110162" y="3137754"/>
+            <a:ext cx="2625586" cy="265065"/>
+          </a:xfrm>
+          <a:prstGeom prst="leftRightArrow">
+            <a:avLst/>
+          </a:prstGeom>
+          <a:noFill/>
+          <a:ln>
+            <a:prstDash val="dash"/>
+          </a:ln>
+        </p:spPr>
+        <p:style>
+          <a:lnRef idx="2">
+            <a:schemeClr val="dk1"/>
+          </a:lnRef>
+          <a:fillRef idx="1">
+            <a:schemeClr val="lt1"/>
+          </a:fillRef>
+          <a:effectRef idx="0">
+            <a:schemeClr val="dk1"/>
+          </a:effectRef>
+          <a:fontRef idx="minor">
+            <a:schemeClr val="dk1"/>
+          </a:fontRef>
+        </p:style>
+        <p:txBody>
+          <a:bodyPr rtlCol="0" anchor="ctr"/>
+          <a:lstStyle/>
+          <a:p>
+            <a:pPr algn="ctr"/>
+            <a:endParaRPr lang="en-US"/>
+          </a:p>
+        </p:txBody>
+      </p:sp>
+      <p:sp>
+        <p:nvSpPr>
+          <p:cNvPr id="10" name="Rounded Rectangle 9"/>
+          <p:cNvSpPr/>
+          <p:nvPr/>
+        </p:nvSpPr>
+        <p:spPr>
+          <a:xfrm>
+            <a:off x="1271799" y="46010"/>
+            <a:ext cx="5795246" cy="2870995"/>
           </a:xfrm>
           <a:prstGeom prst="roundRect">
             <a:avLst>
-              <a:gd name="adj" fmla="val 8594"/>
+              <a:gd name="adj" fmla="val 7301"/>
             </a:avLst>
           </a:prstGeom>
-          <a:solidFill>
-            <a:srgbClr val="FFFFFF">
-              <a:shade val="85000"/>
-            </a:srgbClr>
-          </a:solidFill>
+          <a:noFill/>
           <a:ln>
-            <a:noFill/>
+            <a:prstDash val="sysDash"/>
           </a:ln>
-          <a:effectLst>
-            <a:reflection blurRad="12700" stA="38000" endPos="28000" dist="5000" dir="5400000" sy="-100000" algn="bl" rotWithShape="0"/>
-          </a:effectLst>
+        </p:spPr>
+        <p:style>
+          <a:lnRef idx="2">
+            <a:schemeClr val="accent1">
+              <a:shade val="50000"/>
+            </a:schemeClr>
+          </a:lnRef>
+          <a:fillRef idx="1">
+            <a:schemeClr val="accent1"/>
+          </a:fillRef>
+          <a:effectRef idx="0">
+            <a:schemeClr val="accent1"/>
+          </a:effectRef>
+          <a:fontRef idx="minor">
+            <a:schemeClr val="lt1"/>
+          </a:fontRef>
+        </p:style>
+        <p:txBody>
+          <a:bodyPr rtlCol="0" anchor="ctr"/>
+          <a:lstStyle/>
+          <a:p>
+            <a:pPr algn="ctr"/>
+            <a:endParaRPr lang="en-US"/>
+          </a:p>
+        </p:txBody>
+      </p:sp>
+      <p:sp>
+        <p:nvSpPr>
+          <p:cNvPr id="41" name="Rounded Rectangle 40"/>
+          <p:cNvSpPr/>
+          <p:nvPr/>
+        </p:nvSpPr>
+        <p:spPr>
+          <a:xfrm>
+            <a:off x="5634249" y="4229256"/>
+            <a:ext cx="5795246" cy="2815014"/>
+          </a:xfrm>
+          <a:prstGeom prst="roundRect">
+            <a:avLst>
+              <a:gd name="adj" fmla="val 7301"/>
+            </a:avLst>
+          </a:prstGeom>
+          <a:noFill/>
+          <a:ln>
+            <a:prstDash val="sysDash"/>
+          </a:ln>
+        </p:spPr>
+        <p:style>
+          <a:lnRef idx="2">
+            <a:schemeClr val="accent1">
+              <a:shade val="50000"/>
+            </a:schemeClr>
+          </a:lnRef>
+          <a:fillRef idx="1">
+            <a:schemeClr val="accent1"/>
+          </a:fillRef>
+          <a:effectRef idx="0">
+            <a:schemeClr val="accent1"/>
+          </a:effectRef>
+          <a:fontRef idx="minor">
+            <a:schemeClr val="lt1"/>
+          </a:fontRef>
+        </p:style>
+        <p:txBody>
+          <a:bodyPr rtlCol="0" anchor="ctr"/>
+          <a:lstStyle/>
+          <a:p>
+            <a:pPr algn="ctr"/>
+            <a:endParaRPr lang="en-US"/>
+          </a:p>
+        </p:txBody>
+      </p:sp>
+      <p:sp>
+        <p:nvSpPr>
+          <p:cNvPr id="11" name="TextBox 10"/>
+          <p:cNvSpPr txBox="1"/>
+          <p:nvPr/>
+        </p:nvSpPr>
+        <p:spPr>
+          <a:xfrm>
+            <a:off x="104301" y="3073608"/>
+            <a:ext cx="3462359" cy="4185761"/>
+          </a:xfrm>
+          <a:prstGeom prst="rect">
+            <a:avLst/>
+          </a:prstGeom>
+          <a:noFill/>
+        </p:spPr>
+        <p:txBody>
+          <a:bodyPr wrap="square" rtlCol="0">
+            <a:spAutoFit/>
+          </a:bodyPr>
+          <a:lstStyle/>
+          <a:p>
+            <a:r>
+              <a:rPr lang="en-US" sz="1400" b="1" dirty="0" smtClean="0">
+                <a:solidFill>
+                  <a:srgbClr val="0070C0"/>
+                </a:solidFill>
+              </a:rPr>
+              <a:t>CLIENT</a:t>
+            </a:r>
+          </a:p>
+          <a:p>
+            <a:pPr marL="285750" indent="-285750">
+              <a:buFontTx/>
+              <a:buChar char="-"/>
+            </a:pPr>
+            <a:r>
+              <a:rPr lang="en-US" sz="1400" b="1" dirty="0" smtClean="0"/>
+              <a:t>Detect and recognize object :</a:t>
+            </a:r>
+          </a:p>
+          <a:p>
+            <a:r>
+              <a:rPr lang="en-US" sz="1400" dirty="0" smtClean="0"/>
+              <a:t>+ Recommendation system</a:t>
+            </a:r>
+          </a:p>
+          <a:p>
+            <a:r>
+              <a:rPr lang="en-US" sz="1400" dirty="0" smtClean="0"/>
+              <a:t>+ Machine learning</a:t>
+            </a:r>
+          </a:p>
+          <a:p>
+            <a:r>
+              <a:rPr lang="en-US" sz="1400" dirty="0" smtClean="0"/>
+              <a:t>+ Artificial Intelligence</a:t>
+            </a:r>
+          </a:p>
+          <a:p>
+            <a:r>
+              <a:rPr lang="en-US" sz="1400" dirty="0" smtClean="0"/>
+              <a:t>+ Search engine algorithm</a:t>
+            </a:r>
+          </a:p>
+          <a:p>
+            <a:pPr marL="285750" indent="-285750">
+              <a:buFontTx/>
+              <a:buChar char="-"/>
+            </a:pPr>
+            <a:r>
+              <a:rPr lang="en-US" sz="1400" b="1" dirty="0" smtClean="0"/>
+              <a:t>Verification:</a:t>
+            </a:r>
+            <a:endParaRPr lang="en-US" sz="1400" b="1" dirty="0"/>
+          </a:p>
+          <a:p>
+            <a:r>
+              <a:rPr lang="en-US" sz="1400" dirty="0"/>
+              <a:t>+ Geo-location of the item </a:t>
+            </a:r>
+          </a:p>
+          <a:p>
+            <a:r>
+              <a:rPr lang="en-US" sz="1400" dirty="0"/>
+              <a:t>+ Bar-code of the </a:t>
+            </a:r>
+            <a:r>
+              <a:rPr lang="en-US" sz="1400" dirty="0" smtClean="0"/>
+              <a:t>item</a:t>
+            </a:r>
+          </a:p>
+          <a:p>
+            <a:r>
+              <a:rPr lang="en-US" sz="1400" b="1" dirty="0" smtClean="0"/>
+              <a:t>-    Updated</a:t>
+            </a:r>
+            <a:endParaRPr lang="en-US" sz="1400" dirty="0" smtClean="0"/>
+          </a:p>
+          <a:p>
+            <a:r>
+              <a:rPr lang="en-US" sz="1400" dirty="0" smtClean="0"/>
+              <a:t>------------------------------------</a:t>
+            </a:r>
+            <a:endParaRPr lang="en-US" sz="1400" dirty="0"/>
+          </a:p>
+          <a:p>
+            <a:r>
+              <a:rPr lang="en-US" sz="1400" b="1" dirty="0" smtClean="0">
+                <a:solidFill>
+                  <a:srgbClr val="FF0000"/>
+                </a:solidFill>
+              </a:rPr>
+              <a:t>SERVER</a:t>
+            </a:r>
+          </a:p>
+          <a:p>
+            <a:r>
+              <a:rPr lang="en-US" sz="1400" dirty="0" smtClean="0"/>
+              <a:t>+ Recommendation system</a:t>
+            </a:r>
+          </a:p>
+          <a:p>
+            <a:r>
+              <a:rPr lang="en-US" sz="1400" dirty="0" smtClean="0"/>
+              <a:t>+ Reinforcement Learning</a:t>
+            </a:r>
+            <a:endParaRPr lang="en-US" sz="1400" dirty="0"/>
+          </a:p>
+          <a:p>
+            <a:r>
+              <a:rPr lang="en-US" sz="1400" dirty="0"/>
+              <a:t>+ Machine learning</a:t>
+            </a:r>
+          </a:p>
+          <a:p>
+            <a:r>
+              <a:rPr lang="en-US" sz="1400" dirty="0"/>
+              <a:t>+ Artificial Intelligence</a:t>
+            </a:r>
+          </a:p>
+          <a:p>
+            <a:r>
+              <a:rPr lang="en-US" sz="1400" dirty="0"/>
+              <a:t>+ Search engine algorithm</a:t>
+            </a:r>
+          </a:p>
+          <a:p>
+            <a:endParaRPr lang="en-US" sz="1400" dirty="0" smtClean="0"/>
+          </a:p>
+          <a:p>
+            <a:endParaRPr lang="en-US" sz="1400" dirty="0"/>
+          </a:p>
+        </p:txBody>
+      </p:sp>
+      <p:sp>
+        <p:nvSpPr>
+          <p:cNvPr id="43" name="Rounded Rectangle 42"/>
+          <p:cNvSpPr/>
+          <p:nvPr/>
+        </p:nvSpPr>
+        <p:spPr>
+          <a:xfrm>
+            <a:off x="1424198" y="93636"/>
+            <a:ext cx="3226011" cy="2644050"/>
+          </a:xfrm>
+          <a:prstGeom prst="roundRect">
+            <a:avLst>
+              <a:gd name="adj" fmla="val 7301"/>
+            </a:avLst>
+          </a:prstGeom>
+          <a:noFill/>
+          <a:ln>
+            <a:prstDash val="sysDash"/>
+          </a:ln>
+        </p:spPr>
+        <p:style>
+          <a:lnRef idx="2">
+            <a:schemeClr val="accent1">
+              <a:shade val="50000"/>
+            </a:schemeClr>
+          </a:lnRef>
+          <a:fillRef idx="1">
+            <a:schemeClr val="accent1"/>
+          </a:fillRef>
+          <a:effectRef idx="0">
+            <a:schemeClr val="accent1"/>
+          </a:effectRef>
+          <a:fontRef idx="minor">
+            <a:schemeClr val="lt1"/>
+          </a:fontRef>
+        </p:style>
+        <p:txBody>
+          <a:bodyPr rtlCol="0" anchor="ctr"/>
+          <a:lstStyle/>
+          <a:p>
+            <a:pPr algn="ctr"/>
+            <a:endParaRPr lang="en-US"/>
+          </a:p>
+        </p:txBody>
+      </p:sp>
+      <p:sp>
+        <p:nvSpPr>
+          <p:cNvPr id="44" name="Rounded Rectangle 43"/>
+          <p:cNvSpPr/>
+          <p:nvPr/>
+        </p:nvSpPr>
+        <p:spPr>
+          <a:xfrm>
+            <a:off x="5757451" y="4357684"/>
+            <a:ext cx="3226011" cy="2644050"/>
+          </a:xfrm>
+          <a:prstGeom prst="roundRect">
+            <a:avLst>
+              <a:gd name="adj" fmla="val 7301"/>
+            </a:avLst>
+          </a:prstGeom>
+          <a:noFill/>
+          <a:ln>
+            <a:prstDash val="sysDash"/>
+          </a:ln>
+        </p:spPr>
+        <p:style>
+          <a:lnRef idx="2">
+            <a:schemeClr val="accent1">
+              <a:shade val="50000"/>
+            </a:schemeClr>
+          </a:lnRef>
+          <a:fillRef idx="1">
+            <a:schemeClr val="accent1"/>
+          </a:fillRef>
+          <a:effectRef idx="0">
+            <a:schemeClr val="accent1"/>
+          </a:effectRef>
+          <a:fontRef idx="minor">
+            <a:schemeClr val="lt1"/>
+          </a:fontRef>
+        </p:style>
+        <p:txBody>
+          <a:bodyPr rtlCol="0" anchor="ctr"/>
+          <a:lstStyle/>
+          <a:p>
+            <a:pPr algn="ctr"/>
+            <a:endParaRPr lang="en-US"/>
+          </a:p>
+        </p:txBody>
+      </p:sp>
+      <p:sp>
+        <p:nvSpPr>
+          <p:cNvPr id="45" name="Left-Right Arrow 44"/>
+          <p:cNvSpPr/>
+          <p:nvPr/>
+        </p:nvSpPr>
+        <p:spPr>
+          <a:xfrm>
+            <a:off x="4820184" y="775819"/>
+            <a:ext cx="692888" cy="265065"/>
+          </a:xfrm>
+          <a:prstGeom prst="leftRightArrow">
+            <a:avLst/>
+          </a:prstGeom>
+          <a:noFill/>
+        </p:spPr>
+        <p:style>
+          <a:lnRef idx="2">
+            <a:schemeClr val="dk1"/>
+          </a:lnRef>
+          <a:fillRef idx="1">
+            <a:schemeClr val="lt1"/>
+          </a:fillRef>
+          <a:effectRef idx="0">
+            <a:schemeClr val="dk1"/>
+          </a:effectRef>
+          <a:fontRef idx="minor">
+            <a:schemeClr val="dk1"/>
+          </a:fontRef>
+        </p:style>
+        <p:txBody>
+          <a:bodyPr rtlCol="0" anchor="ctr"/>
+          <a:lstStyle/>
+          <a:p>
+            <a:pPr algn="ctr"/>
+            <a:endParaRPr lang="en-US"/>
+          </a:p>
+        </p:txBody>
+      </p:sp>
+      <p:sp>
+        <p:nvSpPr>
+          <p:cNvPr id="46" name="Left-Right Arrow 45"/>
+          <p:cNvSpPr/>
+          <p:nvPr/>
+        </p:nvSpPr>
+        <p:spPr>
+          <a:xfrm>
+            <a:off x="9199752" y="5198772"/>
+            <a:ext cx="692888" cy="265065"/>
+          </a:xfrm>
+          <a:prstGeom prst="leftRightArrow">
+            <a:avLst/>
+          </a:prstGeom>
+          <a:noFill/>
+        </p:spPr>
+        <p:style>
+          <a:lnRef idx="2">
+            <a:schemeClr val="dk1"/>
+          </a:lnRef>
+          <a:fillRef idx="1">
+            <a:schemeClr val="lt1"/>
+          </a:fillRef>
+          <a:effectRef idx="0">
+            <a:schemeClr val="dk1"/>
+          </a:effectRef>
+          <a:fontRef idx="minor">
+            <a:schemeClr val="dk1"/>
+          </a:fontRef>
+        </p:style>
+        <p:txBody>
+          <a:bodyPr rtlCol="0" anchor="ctr"/>
+          <a:lstStyle/>
+          <a:p>
+            <a:pPr algn="ctr"/>
+            <a:endParaRPr lang="en-US"/>
+          </a:p>
+        </p:txBody>
+      </p:sp>
+      <p:pic>
+        <p:nvPicPr>
+          <p:cNvPr id="1040" name="Picture 16" descr="Image result for internet icon"/>
+          <p:cNvPicPr>
+            <a:picLocks noChangeAspect="1" noChangeArrowheads="1"/>
+          </p:cNvPicPr>
+          <p:nvPr/>
+        </p:nvPicPr>
+        <p:blipFill>
+          <a:blip r:embed="rId9" cstate="print">
+            <a:extLst>
+              <a:ext uri="{28A0092B-C50C-407E-A947-70E740481C1C}">
+                <a14:useLocalDpi xmlns:a14="http://schemas.microsoft.com/office/drawing/2010/main" val="0"/>
+              </a:ext>
+            </a:extLst>
+          </a:blip>
+          <a:srcRect/>
+          <a:stretch>
+            <a:fillRect/>
+          </a:stretch>
+        </p:blipFill>
+        <p:spPr bwMode="auto">
+          <a:xfrm>
+            <a:off x="4283632" y="3386532"/>
+            <a:ext cx="871956" cy="871956"/>
+          </a:xfrm>
+          <a:prstGeom prst="rect">
+            <a:avLst/>
+          </a:prstGeom>
+          <a:noFill/>
+          <a:extLst>
+            <a:ext uri="{909E8E84-426E-40DD-AFC4-6F175D3DCCD1}">
+              <a14:hiddenFill xmlns:a14="http://schemas.microsoft.com/office/drawing/2010/main">
+                <a:solidFill>
+                  <a:srgbClr val="FFFFFF"/>
+                </a:solidFill>
+              </a14:hiddenFill>
+            </a:ext>
+          </a:extLst>
         </p:spPr>
       </p:pic>
+      <p:sp>
+        <p:nvSpPr>
+          <p:cNvPr id="48" name="TextBox 47"/>
+          <p:cNvSpPr txBox="1"/>
+          <p:nvPr/>
+        </p:nvSpPr>
+        <p:spPr>
+          <a:xfrm>
+            <a:off x="4335697" y="4186637"/>
+            <a:ext cx="1027845" cy="369332"/>
+          </a:xfrm>
+          <a:prstGeom prst="rect">
+            <a:avLst/>
+          </a:prstGeom>
+          <a:noFill/>
+        </p:spPr>
+        <p:txBody>
+          <a:bodyPr wrap="none" rtlCol="0">
+            <a:spAutoFit/>
+          </a:bodyPr>
+          <a:lstStyle/>
+          <a:p>
+            <a:r>
+              <a:rPr lang="en-US" dirty="0" smtClean="0"/>
+              <a:t>Internet</a:t>
+            </a:r>
+            <a:endParaRPr lang="en-US" dirty="0"/>
+          </a:p>
+        </p:txBody>
+      </p:sp>
+      <p:sp>
+        <p:nvSpPr>
+          <p:cNvPr id="49" name="Left-Right Arrow 48"/>
+          <p:cNvSpPr/>
+          <p:nvPr/>
+        </p:nvSpPr>
+        <p:spPr>
+          <a:xfrm>
+            <a:off x="4948301" y="1923093"/>
+            <a:ext cx="2243073" cy="265065"/>
+          </a:xfrm>
+          <a:prstGeom prst="leftRightArrow">
+            <a:avLst/>
+          </a:prstGeom>
+          <a:noFill/>
+        </p:spPr>
+        <p:style>
+          <a:lnRef idx="2">
+            <a:schemeClr val="dk1"/>
+          </a:lnRef>
+          <a:fillRef idx="1">
+            <a:schemeClr val="lt1"/>
+          </a:fillRef>
+          <a:effectRef idx="0">
+            <a:schemeClr val="dk1"/>
+          </a:effectRef>
+          <a:fontRef idx="minor">
+            <a:schemeClr val="dk1"/>
+          </a:fontRef>
+        </p:style>
+        <p:txBody>
+          <a:bodyPr rtlCol="0" anchor="ctr"/>
+          <a:lstStyle/>
+          <a:p>
+            <a:pPr algn="ctr"/>
+            <a:endParaRPr lang="en-US"/>
+          </a:p>
+        </p:txBody>
+      </p:sp>
+      <p:sp>
+        <p:nvSpPr>
+          <p:cNvPr id="36" name="Left-Right Arrow 35"/>
+          <p:cNvSpPr/>
+          <p:nvPr/>
+        </p:nvSpPr>
+        <p:spPr>
+          <a:xfrm rot="3243414">
+            <a:off x="3668318" y="2914936"/>
+            <a:ext cx="1019091" cy="265065"/>
+          </a:xfrm>
+          <a:prstGeom prst="leftRightArrow">
+            <a:avLst/>
+          </a:prstGeom>
+          <a:noFill/>
+        </p:spPr>
+        <p:style>
+          <a:lnRef idx="2">
+            <a:schemeClr val="dk1"/>
+          </a:lnRef>
+          <a:fillRef idx="1">
+            <a:schemeClr val="lt1"/>
+          </a:fillRef>
+          <a:effectRef idx="0">
+            <a:schemeClr val="dk1"/>
+          </a:effectRef>
+          <a:fontRef idx="minor">
+            <a:schemeClr val="dk1"/>
+          </a:fontRef>
+        </p:style>
+        <p:txBody>
+          <a:bodyPr rtlCol="0" anchor="ctr"/>
+          <a:lstStyle/>
+          <a:p>
+            <a:pPr algn="ctr"/>
+            <a:endParaRPr lang="en-US"/>
+          </a:p>
+        </p:txBody>
+      </p:sp>
+      <p:sp>
+        <p:nvSpPr>
+          <p:cNvPr id="50" name="Left-Right Arrow 49"/>
+          <p:cNvSpPr/>
+          <p:nvPr/>
+        </p:nvSpPr>
+        <p:spPr>
+          <a:xfrm rot="1402248">
+            <a:off x="5006963" y="4364670"/>
+            <a:ext cx="2779795" cy="265065"/>
+          </a:xfrm>
+          <a:prstGeom prst="leftRightArrow">
+            <a:avLst/>
+          </a:prstGeom>
+          <a:noFill/>
+        </p:spPr>
+        <p:style>
+          <a:lnRef idx="2">
+            <a:schemeClr val="dk1"/>
+          </a:lnRef>
+          <a:fillRef idx="1">
+            <a:schemeClr val="lt1"/>
+          </a:fillRef>
+          <a:effectRef idx="0">
+            <a:schemeClr val="dk1"/>
+          </a:effectRef>
+          <a:fontRef idx="minor">
+            <a:schemeClr val="dk1"/>
+          </a:fontRef>
+        </p:style>
+        <p:txBody>
+          <a:bodyPr rtlCol="0" anchor="ctr"/>
+          <a:lstStyle/>
+          <a:p>
+            <a:pPr algn="ctr"/>
+            <a:endParaRPr lang="en-US"/>
+          </a:p>
+        </p:txBody>
+      </p:sp>
     </p:spTree>
     <p:extLst>
       <p:ext uri="{BB962C8B-B14F-4D97-AF65-F5344CB8AC3E}">
-        <p14:creationId xmlns:p14="http://schemas.microsoft.com/office/powerpoint/2010/main" val="2272142851"/>
+        <p14:creationId xmlns:p14="http://schemas.microsoft.com/office/powerpoint/2010/main" val="118184273"/>
       </p:ext>
     </p:extLst>
   </p:cSld>
@@ -4017,6 +5857,662 @@
       </p:par>
     </p:tnLst>
   </p:timing>
+</p:sld>
+</file>
+
+<file path=ppt/slides/slide7.xml><?xml version="1.0" encoding="utf-8"?>
+<p:sld xmlns:a="http://schemas.openxmlformats.org/drawingml/2006/main" xmlns:r="http://schemas.openxmlformats.org/officeDocument/2006/relationships" xmlns:p="http://schemas.openxmlformats.org/presentationml/2006/main" showMasterSp="0">
+  <p:cSld>
+    <p:spTree>
+      <p:nvGrpSpPr>
+        <p:cNvPr id="1" name=""/>
+        <p:cNvGrpSpPr/>
+        <p:nvPr/>
+      </p:nvGrpSpPr>
+      <p:grpSpPr>
+        <a:xfrm>
+          <a:off x="0" y="0"/>
+          <a:ext cx="0" cy="0"/>
+          <a:chOff x="0" y="0"/>
+          <a:chExt cx="0" cy="0"/>
+        </a:xfrm>
+      </p:grpSpPr>
+      <p:sp>
+        <p:nvSpPr>
+          <p:cNvPr id="2" name="Title 1"/>
+          <p:cNvSpPr>
+            <a:spLocks noGrp="1"/>
+          </p:cNvSpPr>
+          <p:nvPr>
+            <p:ph type="title"/>
+          </p:nvPr>
+        </p:nvSpPr>
+        <p:spPr/>
+        <p:txBody>
+          <a:bodyPr/>
+          <a:lstStyle/>
+          <a:p>
+            <a:r>
+              <a:rPr lang="en-US" dirty="0"/>
+              <a:t>Literature review</a:t>
+            </a:r>
+          </a:p>
+        </p:txBody>
+      </p:sp>
+      <p:sp>
+        <p:nvSpPr>
+          <p:cNvPr id="3" name="Content Placeholder 2"/>
+          <p:cNvSpPr>
+            <a:spLocks noGrp="1"/>
+          </p:cNvSpPr>
+          <p:nvPr>
+            <p:ph idx="1"/>
+          </p:nvPr>
+        </p:nvSpPr>
+        <p:spPr/>
+        <p:txBody>
+          <a:bodyPr/>
+          <a:lstStyle/>
+          <a:p>
+            <a:r>
+              <a:rPr lang="en-US" dirty="0" smtClean="0"/>
+              <a:t>Content based image retrieval (CBIR) is an important research area for manipulating large multimedia databases and digital library characterized by automatic indexing of images based on their own visual features, CBIR uses featured include [1] color, texture, shape, and edge information</a:t>
+            </a:r>
+          </a:p>
+          <a:p>
+            <a:endParaRPr lang="en-US" dirty="0"/>
+          </a:p>
+          <a:p>
+            <a:endParaRPr lang="en-US" dirty="0" smtClean="0"/>
+          </a:p>
+        </p:txBody>
+      </p:sp>
+      <p:sp>
+        <p:nvSpPr>
+          <p:cNvPr id="4" name="Content Placeholder 2"/>
+          <p:cNvSpPr txBox="1">
+            <a:spLocks/>
+          </p:cNvSpPr>
+          <p:nvPr/>
+        </p:nvSpPr>
+        <p:spPr>
+          <a:xfrm>
+            <a:off x="3095897" y="5041556"/>
+            <a:ext cx="8623663" cy="1187657"/>
+          </a:xfrm>
+          <a:prstGeom prst="rect">
+            <a:avLst/>
+          </a:prstGeom>
+        </p:spPr>
+        <p:txBody>
+          <a:bodyPr vert="horz" lIns="91440" tIns="45720" rIns="91440" bIns="45720" rtlCol="0">
+            <a:normAutofit/>
+          </a:bodyPr>
+          <a:lstStyle>
+            <a:lvl1pPr marL="228600" indent="-228600" algn="l" defTabSz="914400" rtl="0" eaLnBrk="1" latinLnBrk="0" hangingPunct="1">
+              <a:lnSpc>
+                <a:spcPct val="90000"/>
+              </a:lnSpc>
+              <a:spcBef>
+                <a:spcPts val="1000"/>
+              </a:spcBef>
+              <a:buFont typeface="Arial" panose="020B0604020202020204" pitchFamily="34" charset="0"/>
+              <a:buChar char="•"/>
+              <a:defRPr sz="2800" kern="1200">
+                <a:solidFill>
+                  <a:schemeClr val="tx1"/>
+                </a:solidFill>
+                <a:latin typeface="+mn-lt"/>
+                <a:ea typeface="+mn-ea"/>
+                <a:cs typeface="+mn-cs"/>
+              </a:defRPr>
+            </a:lvl1pPr>
+            <a:lvl2pPr marL="685800" indent="-228600" algn="l" defTabSz="914400" rtl="0" eaLnBrk="1" latinLnBrk="0" hangingPunct="1">
+              <a:lnSpc>
+                <a:spcPct val="90000"/>
+              </a:lnSpc>
+              <a:spcBef>
+                <a:spcPts val="500"/>
+              </a:spcBef>
+              <a:buFont typeface="Arial" panose="020B0604020202020204" pitchFamily="34" charset="0"/>
+              <a:buChar char="•"/>
+              <a:defRPr sz="2400" kern="1200">
+                <a:solidFill>
+                  <a:schemeClr val="tx1"/>
+                </a:solidFill>
+                <a:latin typeface="+mn-lt"/>
+                <a:ea typeface="+mn-ea"/>
+                <a:cs typeface="+mn-cs"/>
+              </a:defRPr>
+            </a:lvl2pPr>
+            <a:lvl3pPr marL="1143000" indent="-228600" algn="l" defTabSz="914400" rtl="0" eaLnBrk="1" latinLnBrk="0" hangingPunct="1">
+              <a:lnSpc>
+                <a:spcPct val="90000"/>
+              </a:lnSpc>
+              <a:spcBef>
+                <a:spcPts val="500"/>
+              </a:spcBef>
+              <a:buFont typeface="Arial" panose="020B0604020202020204" pitchFamily="34" charset="0"/>
+              <a:buChar char="•"/>
+              <a:defRPr sz="2000" kern="1200">
+                <a:solidFill>
+                  <a:schemeClr val="tx1"/>
+                </a:solidFill>
+                <a:latin typeface="+mn-lt"/>
+                <a:ea typeface="+mn-ea"/>
+                <a:cs typeface="+mn-cs"/>
+              </a:defRPr>
+            </a:lvl3pPr>
+            <a:lvl4pPr marL="1600200" indent="-228600" algn="l" defTabSz="914400" rtl="0" eaLnBrk="1" latinLnBrk="0" hangingPunct="1">
+              <a:lnSpc>
+                <a:spcPct val="90000"/>
+              </a:lnSpc>
+              <a:spcBef>
+                <a:spcPts val="500"/>
+              </a:spcBef>
+              <a:buFont typeface="Arial" panose="020B0604020202020204" pitchFamily="34" charset="0"/>
+              <a:buChar char="•"/>
+              <a:defRPr sz="1800" kern="1200">
+                <a:solidFill>
+                  <a:schemeClr val="tx1"/>
+                </a:solidFill>
+                <a:latin typeface="+mn-lt"/>
+                <a:ea typeface="+mn-ea"/>
+                <a:cs typeface="+mn-cs"/>
+              </a:defRPr>
+            </a:lvl4pPr>
+            <a:lvl5pPr marL="2057400" indent="-228600" algn="l" defTabSz="914400" rtl="0" eaLnBrk="1" latinLnBrk="0" hangingPunct="1">
+              <a:lnSpc>
+                <a:spcPct val="90000"/>
+              </a:lnSpc>
+              <a:spcBef>
+                <a:spcPts val="500"/>
+              </a:spcBef>
+              <a:buFont typeface="Arial" panose="020B0604020202020204" pitchFamily="34" charset="0"/>
+              <a:buChar char="•"/>
+              <a:defRPr sz="1800" kern="1200">
+                <a:solidFill>
+                  <a:schemeClr val="tx1"/>
+                </a:solidFill>
+                <a:latin typeface="+mn-lt"/>
+                <a:ea typeface="+mn-ea"/>
+                <a:cs typeface="+mn-cs"/>
+              </a:defRPr>
+            </a:lvl5pPr>
+            <a:lvl6pPr marL="2514600" indent="-228600" algn="l" defTabSz="914400" rtl="0" eaLnBrk="1" latinLnBrk="0" hangingPunct="1">
+              <a:lnSpc>
+                <a:spcPct val="90000"/>
+              </a:lnSpc>
+              <a:spcBef>
+                <a:spcPts val="500"/>
+              </a:spcBef>
+              <a:buFont typeface="Arial" panose="020B0604020202020204" pitchFamily="34" charset="0"/>
+              <a:buChar char="•"/>
+              <a:defRPr sz="1800" kern="1200">
+                <a:solidFill>
+                  <a:schemeClr val="tx1"/>
+                </a:solidFill>
+                <a:latin typeface="+mn-lt"/>
+                <a:ea typeface="+mn-ea"/>
+                <a:cs typeface="+mn-cs"/>
+              </a:defRPr>
+            </a:lvl6pPr>
+            <a:lvl7pPr marL="2971800" indent="-228600" algn="l" defTabSz="914400" rtl="0" eaLnBrk="1" latinLnBrk="0" hangingPunct="1">
+              <a:lnSpc>
+                <a:spcPct val="90000"/>
+              </a:lnSpc>
+              <a:spcBef>
+                <a:spcPts val="500"/>
+              </a:spcBef>
+              <a:buFont typeface="Arial" panose="020B0604020202020204" pitchFamily="34" charset="0"/>
+              <a:buChar char="•"/>
+              <a:defRPr sz="1800" kern="1200">
+                <a:solidFill>
+                  <a:schemeClr val="tx1"/>
+                </a:solidFill>
+                <a:latin typeface="+mn-lt"/>
+                <a:ea typeface="+mn-ea"/>
+                <a:cs typeface="+mn-cs"/>
+              </a:defRPr>
+            </a:lvl7pPr>
+            <a:lvl8pPr marL="3429000" indent="-228600" algn="l" defTabSz="914400" rtl="0" eaLnBrk="1" latinLnBrk="0" hangingPunct="1">
+              <a:lnSpc>
+                <a:spcPct val="90000"/>
+              </a:lnSpc>
+              <a:spcBef>
+                <a:spcPts val="500"/>
+              </a:spcBef>
+              <a:buFont typeface="Arial" panose="020B0604020202020204" pitchFamily="34" charset="0"/>
+              <a:buChar char="•"/>
+              <a:defRPr sz="1800" kern="1200">
+                <a:solidFill>
+                  <a:schemeClr val="tx1"/>
+                </a:solidFill>
+                <a:latin typeface="+mn-lt"/>
+                <a:ea typeface="+mn-ea"/>
+                <a:cs typeface="+mn-cs"/>
+              </a:defRPr>
+            </a:lvl8pPr>
+            <a:lvl9pPr marL="3886200" indent="-228600" algn="l" defTabSz="914400" rtl="0" eaLnBrk="1" latinLnBrk="0" hangingPunct="1">
+              <a:lnSpc>
+                <a:spcPct val="90000"/>
+              </a:lnSpc>
+              <a:spcBef>
+                <a:spcPts val="500"/>
+              </a:spcBef>
+              <a:buFont typeface="Arial" panose="020B0604020202020204" pitchFamily="34" charset="0"/>
+              <a:buChar char="•"/>
+              <a:defRPr sz="1800" kern="1200">
+                <a:solidFill>
+                  <a:schemeClr val="tx1"/>
+                </a:solidFill>
+                <a:latin typeface="+mn-lt"/>
+                <a:ea typeface="+mn-ea"/>
+                <a:cs typeface="+mn-cs"/>
+              </a:defRPr>
+            </a:lvl9pPr>
+          </a:lstStyle>
+          <a:p>
+            <a:r>
+              <a:rPr lang="en-US" sz="1800" dirty="0" smtClean="0"/>
+              <a:t>[1] Naresh </a:t>
+            </a:r>
+            <a:r>
+              <a:rPr lang="en-US" sz="1800" dirty="0" err="1" smtClean="0"/>
+              <a:t>Babu</a:t>
+            </a:r>
+            <a:r>
+              <a:rPr lang="en-US" sz="1800" dirty="0" smtClean="0"/>
+              <a:t>, </a:t>
+            </a:r>
+            <a:r>
+              <a:rPr lang="en-US" sz="1800" dirty="0" err="1" smtClean="0"/>
+              <a:t>Pothlaiah</a:t>
+            </a:r>
+            <a:r>
+              <a:rPr lang="en-US" sz="1800" dirty="0" smtClean="0"/>
+              <a:t>, and Ashok </a:t>
+            </a:r>
+            <a:r>
+              <a:rPr lang="en-US" sz="1800" dirty="0" err="1" smtClean="0"/>
+              <a:t>Babu</a:t>
+            </a:r>
+            <a:r>
+              <a:rPr lang="en-US" sz="1800" dirty="0" smtClean="0"/>
+              <a:t>, </a:t>
+            </a:r>
+            <a:r>
+              <a:rPr lang="en-US" sz="1800" i="1" dirty="0" smtClean="0"/>
+              <a:t>“Image </a:t>
+            </a:r>
+            <a:r>
+              <a:rPr lang="en-US" sz="1800" i="1" dirty="0" err="1" smtClean="0"/>
+              <a:t>Retieval</a:t>
+            </a:r>
+            <a:r>
+              <a:rPr lang="en-US" sz="1800" i="1" dirty="0" smtClean="0"/>
+              <a:t> Color, Shape, and Texture Features using Content Based”,</a:t>
+            </a:r>
+            <a:r>
+              <a:rPr lang="en-US" sz="1800" dirty="0" smtClean="0"/>
+              <a:t> International Journal of Engineering Science and Technology, Vol. 2, No. 9, pp. 4278-4287, 2010</a:t>
+            </a:r>
+          </a:p>
+          <a:p>
+            <a:endParaRPr lang="en-US" sz="1800" dirty="0"/>
+          </a:p>
+        </p:txBody>
+      </p:sp>
+    </p:spTree>
+    <p:extLst>
+      <p:ext uri="{BB962C8B-B14F-4D97-AF65-F5344CB8AC3E}">
+        <p14:creationId xmlns:p14="http://schemas.microsoft.com/office/powerpoint/2010/main" val="359189302"/>
+      </p:ext>
+    </p:extLst>
+  </p:cSld>
+  <p:clrMapOvr>
+    <a:masterClrMapping/>
+  </p:clrMapOvr>
+  <p:timing>
+    <p:tnLst>
+      <p:par>
+        <p:cTn id="1" dur="indefinite" restart="never" nodeType="tmRoot"/>
+      </p:par>
+    </p:tnLst>
+  </p:timing>
+</p:sld>
+</file>
+
+<file path=ppt/slides/slide8.xml><?xml version="1.0" encoding="utf-8"?>
+<p:sld xmlns:a="http://schemas.openxmlformats.org/drawingml/2006/main" xmlns:r="http://schemas.openxmlformats.org/officeDocument/2006/relationships" xmlns:p="http://schemas.openxmlformats.org/presentationml/2006/main" showMasterSp="0">
+  <p:cSld>
+    <p:spTree>
+      <p:nvGrpSpPr>
+        <p:cNvPr id="1" name=""/>
+        <p:cNvGrpSpPr/>
+        <p:nvPr/>
+      </p:nvGrpSpPr>
+      <p:grpSpPr>
+        <a:xfrm>
+          <a:off x="0" y="0"/>
+          <a:ext cx="0" cy="0"/>
+          <a:chOff x="0" y="0"/>
+          <a:chExt cx="0" cy="0"/>
+        </a:xfrm>
+      </p:grpSpPr>
+      <p:sp>
+        <p:nvSpPr>
+          <p:cNvPr id="2" name="Title 1"/>
+          <p:cNvSpPr>
+            <a:spLocks noGrp="1"/>
+          </p:cNvSpPr>
+          <p:nvPr>
+            <p:ph type="title"/>
+          </p:nvPr>
+        </p:nvSpPr>
+        <p:spPr/>
+        <p:txBody>
+          <a:bodyPr/>
+          <a:lstStyle/>
+          <a:p>
+            <a:r>
+              <a:rPr lang="en-US" dirty="0" smtClean="0"/>
+              <a:t>Literature review</a:t>
+            </a:r>
+            <a:endParaRPr lang="en-US" dirty="0"/>
+          </a:p>
+        </p:txBody>
+      </p:sp>
+      <p:sp>
+        <p:nvSpPr>
+          <p:cNvPr id="3" name="Content Placeholder 2"/>
+          <p:cNvSpPr>
+            <a:spLocks noGrp="1"/>
+          </p:cNvSpPr>
+          <p:nvPr>
+            <p:ph idx="1"/>
+          </p:nvPr>
+        </p:nvSpPr>
+        <p:spPr/>
+        <p:txBody>
+          <a:bodyPr>
+            <a:noAutofit/>
+          </a:bodyPr>
+          <a:lstStyle/>
+          <a:p>
+            <a:r>
+              <a:rPr lang="en-US" sz="2400" dirty="0" smtClean="0"/>
+              <a:t>The features were classified using the random forest classifier and provided 74.7% accuracy for the RGB data[2].  Spare coding [3] and clustering based convolutional extractors [4],[5] have increased the classification performance to 85.2%</a:t>
+            </a:r>
+          </a:p>
+          <a:p>
+            <a:endParaRPr lang="en-US" sz="2400" dirty="0" smtClean="0"/>
+          </a:p>
+          <a:p>
+            <a:r>
+              <a:rPr lang="en-US" sz="2400" dirty="0" smtClean="0"/>
+              <a:t>The visualizations in [6][7] indicates that, as the distribution of objects is transformed from overlapped space to separable space in a deep network,   intermediate representations can be used as generic features to semantically describe the object in the input image</a:t>
+            </a:r>
+          </a:p>
+          <a:p>
+            <a:endParaRPr lang="en-US" sz="2400" dirty="0"/>
+          </a:p>
+          <a:p>
+            <a:endParaRPr lang="en-US" sz="2400" dirty="0"/>
+          </a:p>
+        </p:txBody>
+      </p:sp>
+    </p:spTree>
+    <p:extLst>
+      <p:ext uri="{BB962C8B-B14F-4D97-AF65-F5344CB8AC3E}">
+        <p14:creationId xmlns:p14="http://schemas.microsoft.com/office/powerpoint/2010/main" val="923532792"/>
+      </p:ext>
+    </p:extLst>
+  </p:cSld>
+  <p:clrMapOvr>
+    <a:masterClrMapping/>
+  </p:clrMapOvr>
+  <p:timing>
+    <p:tnLst>
+      <p:par>
+        <p:cTn id="1" dur="indefinite" restart="never" nodeType="tmRoot"/>
+      </p:par>
+    </p:tnLst>
+  </p:timing>
+</p:sld>
+</file>
+
+<file path=ppt/slides/slide9.xml><?xml version="1.0" encoding="utf-8"?>
+<p:sld xmlns:a="http://schemas.openxmlformats.org/drawingml/2006/main" xmlns:r="http://schemas.openxmlformats.org/officeDocument/2006/relationships" xmlns:p="http://schemas.openxmlformats.org/presentationml/2006/main" showMasterSp="0">
+  <p:cSld>
+    <p:spTree>
+      <p:nvGrpSpPr>
+        <p:cNvPr id="1" name=""/>
+        <p:cNvGrpSpPr/>
+        <p:nvPr/>
+      </p:nvGrpSpPr>
+      <p:grpSpPr>
+        <a:xfrm>
+          <a:off x="0" y="0"/>
+          <a:ext cx="0" cy="0"/>
+          <a:chOff x="0" y="0"/>
+          <a:chExt cx="0" cy="0"/>
+        </a:xfrm>
+      </p:grpSpPr>
+      <p:sp>
+        <p:nvSpPr>
+          <p:cNvPr id="2" name="Title 1"/>
+          <p:cNvSpPr>
+            <a:spLocks noGrp="1"/>
+          </p:cNvSpPr>
+          <p:nvPr>
+            <p:ph type="title"/>
+          </p:nvPr>
+        </p:nvSpPr>
+        <p:spPr/>
+        <p:txBody>
+          <a:bodyPr/>
+          <a:lstStyle/>
+          <a:p>
+            <a:r>
+              <a:rPr lang="en-US" dirty="0"/>
+              <a:t>Literature review</a:t>
+            </a:r>
+          </a:p>
+        </p:txBody>
+      </p:sp>
+      <p:sp>
+        <p:nvSpPr>
+          <p:cNvPr id="3" name="Content Placeholder 2"/>
+          <p:cNvSpPr>
+            <a:spLocks noGrp="1"/>
+          </p:cNvSpPr>
+          <p:nvPr>
+            <p:ph idx="1"/>
+          </p:nvPr>
+        </p:nvSpPr>
+        <p:spPr/>
+        <p:txBody>
+          <a:bodyPr>
+            <a:normAutofit lnSpcReduction="10000"/>
+          </a:bodyPr>
+          <a:lstStyle/>
+          <a:p>
+            <a:r>
+              <a:rPr lang="en-US" sz="1800" dirty="0" smtClean="0"/>
+              <a:t>[2] K. Lai, L. Bo, X. Ren, and D. Fox, “A </a:t>
+            </a:r>
+            <a:r>
+              <a:rPr lang="en-US" sz="1800" dirty="0" err="1" smtClean="0"/>
+              <a:t>lage</a:t>
+            </a:r>
+            <a:r>
+              <a:rPr lang="en-US" sz="1800" dirty="0" smtClean="0"/>
+              <a:t>-scale hierarchical </a:t>
+            </a:r>
+            <a:r>
+              <a:rPr lang="en-US" sz="1800" dirty="0" err="1" smtClean="0"/>
+              <a:t>mulit</a:t>
+            </a:r>
+            <a:r>
+              <a:rPr lang="en-US" sz="1800" dirty="0" smtClean="0"/>
+              <a:t>-view RBG-D object dataset”, in </a:t>
+            </a:r>
+            <a:r>
+              <a:rPr lang="en-US" sz="1800" i="1" dirty="0" smtClean="0"/>
+              <a:t>Proc, IEEE Int. Conf. Robot. </a:t>
+            </a:r>
+            <a:r>
+              <a:rPr lang="en-US" sz="1800" i="1" dirty="0" err="1" smtClean="0"/>
+              <a:t>Autom</a:t>
+            </a:r>
+            <a:r>
+              <a:rPr lang="en-US" sz="1800" i="1" dirty="0" smtClean="0"/>
+              <a:t>. (ICRA), </a:t>
+            </a:r>
+            <a:r>
+              <a:rPr lang="en-US" sz="1800" dirty="0" smtClean="0"/>
+              <a:t> May 2011, pp. 1817-1824</a:t>
+            </a:r>
+          </a:p>
+          <a:p>
+            <a:r>
+              <a:rPr lang="en-US" sz="1800" dirty="0" smtClean="0"/>
+              <a:t>[3] L. Bo X. Ren, and D. Fox, “Unsupervised feature learning for RBG-D based object recognition”,</a:t>
+            </a:r>
+            <a:r>
+              <a:rPr lang="en-US" sz="1800" dirty="0"/>
+              <a:t> </a:t>
+            </a:r>
+            <a:r>
+              <a:rPr lang="en-US" sz="1800" dirty="0" smtClean="0"/>
+              <a:t>in </a:t>
+            </a:r>
+            <a:r>
+              <a:rPr lang="en-US" sz="1800" i="1" dirty="0" smtClean="0"/>
+              <a:t>Experimental Robotics,</a:t>
+            </a:r>
+            <a:r>
+              <a:rPr lang="en-US" sz="1800" dirty="0" smtClean="0"/>
+              <a:t> Springer, 2013, pp. 387-402</a:t>
+            </a:r>
+          </a:p>
+          <a:p>
+            <a:r>
+              <a:rPr lang="en-US" sz="1800" dirty="0" smtClean="0"/>
+              <a:t>[4] R. </a:t>
+            </a:r>
+            <a:r>
+              <a:rPr lang="en-US" sz="1800" dirty="0" err="1" smtClean="0"/>
+              <a:t>Socher</a:t>
+            </a:r>
+            <a:r>
+              <a:rPr lang="en-US" sz="1800" dirty="0" smtClean="0"/>
+              <a:t>, B. Huval, B. Bath, C. D. Manning, and A. Y. Ng, “Convolutional-recursive deep learning for 3D object classification”, in </a:t>
+            </a:r>
+            <a:r>
+              <a:rPr lang="en-US" sz="1800" i="1" dirty="0" smtClean="0"/>
+              <a:t> Proc, Adv. Neural Inf. Process. Syst., </a:t>
+            </a:r>
+            <a:r>
+              <a:rPr lang="en-US" sz="1800" dirty="0" smtClean="0"/>
+              <a:t> 2012, pp. 665-673</a:t>
+            </a:r>
+          </a:p>
+          <a:p>
+            <a:r>
+              <a:rPr lang="en-US" sz="1800" dirty="0" smtClean="0"/>
+              <a:t>[5] Y. Cheng, X. </a:t>
+            </a:r>
+            <a:r>
+              <a:rPr lang="en-US" sz="1800" dirty="0" err="1" smtClean="0"/>
+              <a:t>Xhao</a:t>
+            </a:r>
+            <a:r>
+              <a:rPr lang="en-US" sz="1800" dirty="0" smtClean="0"/>
+              <a:t>, K. Huang, and T. Tan, “Semi-supervised learning and feature evaluation for RGB-D object recognition”,</a:t>
+            </a:r>
+            <a:r>
+              <a:rPr lang="en-US" sz="1800" i="1" dirty="0" smtClean="0"/>
+              <a:t> </a:t>
+            </a:r>
+            <a:r>
+              <a:rPr lang="en-US" sz="1800" i="1" dirty="0" err="1" smtClean="0"/>
+              <a:t>Comput</a:t>
+            </a:r>
+            <a:r>
+              <a:rPr lang="en-US" sz="1800" i="1" dirty="0" smtClean="0"/>
+              <a:t>. Vis. Image Understand, </a:t>
+            </a:r>
+            <a:r>
+              <a:rPr lang="en-US" sz="1800" dirty="0" smtClean="0"/>
+              <a:t>vol. 139, pp. 149-160, Oct, 2015</a:t>
+            </a:r>
+          </a:p>
+          <a:p>
+            <a:r>
+              <a:rPr lang="en-US" sz="1800" dirty="0" smtClean="0"/>
+              <a:t>[6] </a:t>
+            </a:r>
+            <a:r>
+              <a:rPr lang="en-US" sz="1800" dirty="0" err="1" smtClean="0"/>
+              <a:t>J.Donahue</a:t>
+            </a:r>
+            <a:r>
+              <a:rPr lang="en-US" sz="1800" dirty="0" smtClean="0"/>
+              <a:t> </a:t>
+            </a:r>
+            <a:r>
+              <a:rPr lang="en-US" sz="1800" i="1" dirty="0" smtClean="0"/>
+              <a:t>et al. </a:t>
+            </a:r>
+            <a:r>
+              <a:rPr lang="en-US" sz="1800" dirty="0" smtClean="0"/>
+              <a:t>(2013). </a:t>
+            </a:r>
+            <a:r>
+              <a:rPr lang="en-US" sz="1800" dirty="0" err="1" smtClean="0"/>
+              <a:t>DeCAF</a:t>
+            </a:r>
+            <a:r>
+              <a:rPr lang="en-US" sz="1800" dirty="0" smtClean="0"/>
+              <a:t>: A deep convolutional activation feature for generic visual recognition”, [Online]</a:t>
+            </a:r>
+          </a:p>
+          <a:p>
+            <a:r>
+              <a:rPr lang="en-US" sz="1800" dirty="0" smtClean="0"/>
+              <a:t>[7] M. D. </a:t>
+            </a:r>
+            <a:r>
+              <a:rPr lang="en-US" sz="1800" dirty="0" err="1" smtClean="0"/>
+              <a:t>Zeiler</a:t>
+            </a:r>
+            <a:r>
+              <a:rPr lang="en-US" sz="1800" dirty="0" smtClean="0"/>
+              <a:t> and R. Fergus, “Visualizing and understanding convolutional networks”, in </a:t>
+            </a:r>
+            <a:r>
+              <a:rPr lang="en-US" sz="1800" i="1" dirty="0" smtClean="0"/>
+              <a:t>Computer Vision – ECCV. </a:t>
+            </a:r>
+            <a:r>
+              <a:rPr lang="en-US" sz="1800" dirty="0" smtClean="0"/>
+              <a:t>Springer, 2014, pp. 818-833</a:t>
+            </a:r>
+          </a:p>
+        </p:txBody>
+      </p:sp>
+    </p:spTree>
+    <p:extLst>
+      <p:ext uri="{BB962C8B-B14F-4D97-AF65-F5344CB8AC3E}">
+        <p14:creationId xmlns:p14="http://schemas.microsoft.com/office/powerpoint/2010/main" val="930307447"/>
+      </p:ext>
+    </p:extLst>
+  </p:cSld>
+  <p:clrMapOvr>
+    <a:masterClrMapping/>
+  </p:clrMapOvr>
 </p:sld>
 </file>
 

--- a/DGA1031/What is it.pptx
+++ b/DGA1031/What is it.pptx
@@ -3048,7 +3048,7 @@
         <p:spPr/>
         <p:txBody>
           <a:bodyPr>
-            <a:normAutofit fontScale="85000" lnSpcReduction="10000"/>
+            <a:normAutofit fontScale="85000" lnSpcReduction="20000"/>
           </a:bodyPr>
           <a:lstStyle/>
           <a:p>
@@ -3066,8 +3066,29 @@
           <a:p>
             <a:r>
               <a:rPr lang="en-US" dirty="0" smtClean="0"/>
-              <a:t>Improve the accuracy and performance of object recognizing to detect the “private feature” of each artwork and specimen in the museum</a:t>
-            </a:r>
+              <a:t>Improve the accuracy and performance of object recognizing to detect the “private feature” of each </a:t>
+            </a:r>
+            <a:r>
+              <a:rPr lang="en-US" dirty="0" smtClean="0"/>
+              <a:t>artwork, specimen </a:t>
+            </a:r>
+            <a:r>
+              <a:rPr lang="en-US" dirty="0" smtClean="0"/>
+              <a:t>in the </a:t>
+            </a:r>
+            <a:r>
+              <a:rPr lang="en-US" dirty="0" smtClean="0"/>
+              <a:t>museum,  or person, car, </a:t>
+            </a:r>
+            <a:r>
+              <a:rPr lang="en-US" dirty="0" smtClean="0"/>
+              <a:t>furniture, etc.</a:t>
+            </a:r>
+            <a:r>
+              <a:rPr lang="en-US" dirty="0" smtClean="0"/>
+              <a:t>, </a:t>
+            </a:r>
+            <a:endParaRPr lang="en-US" dirty="0" smtClean="0"/>
           </a:p>
           <a:p>
             <a:pPr marL="0" indent="0">
@@ -4130,6 +4151,380 @@
               <a:t>REALITY</a:t>
             </a:r>
             <a:endParaRPr lang="en-US" sz="1100" b="1" dirty="0"/>
+          </a:p>
+        </p:txBody>
+      </p:sp>
+      <p:pic>
+        <p:nvPicPr>
+          <p:cNvPr id="2050" name="Picture 2" descr="Image result for bibliomondo"/>
+          <p:cNvPicPr>
+            <a:picLocks noChangeAspect="1" noChangeArrowheads="1"/>
+          </p:cNvPicPr>
+          <p:nvPr/>
+        </p:nvPicPr>
+        <p:blipFill>
+          <a:blip r:embed="rId6" cstate="print">
+            <a:extLst>
+              <a:ext uri="{28A0092B-C50C-407E-A947-70E740481C1C}">
+                <a14:useLocalDpi xmlns:a14="http://schemas.microsoft.com/office/drawing/2010/main" val="0"/>
+              </a:ext>
+            </a:extLst>
+          </a:blip>
+          <a:srcRect/>
+          <a:stretch>
+            <a:fillRect/>
+          </a:stretch>
+        </p:blipFill>
+        <p:spPr bwMode="auto">
+          <a:xfrm>
+            <a:off x="14453419" y="2387242"/>
+            <a:ext cx="2970981" cy="1179871"/>
+          </a:xfrm>
+          <a:prstGeom prst="rect">
+            <a:avLst/>
+          </a:prstGeom>
+          <a:noFill/>
+          <a:extLst>
+            <a:ext uri="{909E8E84-426E-40DD-AFC4-6F175D3DCCD1}">
+              <a14:hiddenFill xmlns:a14="http://schemas.microsoft.com/office/drawing/2010/main">
+                <a:solidFill>
+                  <a:srgbClr val="FFFFFF"/>
+                </a:solidFill>
+              </a14:hiddenFill>
+            </a:ext>
+          </a:extLst>
+        </p:spPr>
+      </p:pic>
+      <p:pic>
+        <p:nvPicPr>
+          <p:cNvPr id="11" name="Picture 2" descr="Image result for bibliomondo"/>
+          <p:cNvPicPr>
+            <a:picLocks noChangeAspect="1" noChangeArrowheads="1"/>
+          </p:cNvPicPr>
+          <p:nvPr/>
+        </p:nvPicPr>
+        <p:blipFill>
+          <a:blip r:embed="rId7" cstate="print">
+            <a:extLst>
+              <a:ext uri="{28A0092B-C50C-407E-A947-70E740481C1C}">
+                <a14:useLocalDpi xmlns:a14="http://schemas.microsoft.com/office/drawing/2010/main" val="0"/>
+              </a:ext>
+            </a:extLst>
+          </a:blip>
+          <a:srcRect/>
+          <a:stretch>
+            <a:fillRect/>
+          </a:stretch>
+        </p:blipFill>
+        <p:spPr bwMode="auto">
+          <a:xfrm>
+            <a:off x="7780274" y="3205639"/>
+            <a:ext cx="599164" cy="237947"/>
+          </a:xfrm>
+          <a:prstGeom prst="rect">
+            <a:avLst/>
+          </a:prstGeom>
+          <a:noFill/>
+          <a:extLst>
+            <a:ext uri="{909E8E84-426E-40DD-AFC4-6F175D3DCCD1}">
+              <a14:hiddenFill xmlns:a14="http://schemas.microsoft.com/office/drawing/2010/main">
+                <a:solidFill>
+                  <a:srgbClr val="FFFFFF"/>
+                </a:solidFill>
+              </a14:hiddenFill>
+            </a:ext>
+          </a:extLst>
+        </p:spPr>
+      </p:pic>
+      <p:pic>
+        <p:nvPicPr>
+          <p:cNvPr id="2052" name="Picture 4" descr="Image result for car icon"/>
+          <p:cNvPicPr>
+            <a:picLocks noChangeAspect="1" noChangeArrowheads="1"/>
+          </p:cNvPicPr>
+          <p:nvPr/>
+        </p:nvPicPr>
+        <p:blipFill>
+          <a:blip r:embed="rId8" cstate="print">
+            <a:extLst>
+              <a:ext uri="{28A0092B-C50C-407E-A947-70E740481C1C}">
+                <a14:useLocalDpi xmlns:a14="http://schemas.microsoft.com/office/drawing/2010/main" val="0"/>
+              </a:ext>
+            </a:extLst>
+          </a:blip>
+          <a:srcRect/>
+          <a:stretch>
+            <a:fillRect/>
+          </a:stretch>
+        </p:blipFill>
+        <p:spPr bwMode="auto">
+          <a:xfrm>
+            <a:off x="4136401" y="1761143"/>
+            <a:ext cx="626099" cy="626099"/>
+          </a:xfrm>
+          <a:prstGeom prst="rect">
+            <a:avLst/>
+          </a:prstGeom>
+          <a:noFill/>
+          <a:extLst>
+            <a:ext uri="{909E8E84-426E-40DD-AFC4-6F175D3DCCD1}">
+              <a14:hiddenFill xmlns:a14="http://schemas.microsoft.com/office/drawing/2010/main">
+                <a:solidFill>
+                  <a:srgbClr val="FFFFFF"/>
+                </a:solidFill>
+              </a14:hiddenFill>
+            </a:ext>
+          </a:extLst>
+        </p:spPr>
+      </p:pic>
+      <p:pic>
+        <p:nvPicPr>
+          <p:cNvPr id="2054" name="Picture 6" descr="Related image"/>
+          <p:cNvPicPr>
+            <a:picLocks noChangeAspect="1" noChangeArrowheads="1"/>
+          </p:cNvPicPr>
+          <p:nvPr/>
+        </p:nvPicPr>
+        <p:blipFill>
+          <a:blip r:embed="rId9" cstate="print">
+            <a:extLst>
+              <a:ext uri="{28A0092B-C50C-407E-A947-70E740481C1C}">
+                <a14:useLocalDpi xmlns:a14="http://schemas.microsoft.com/office/drawing/2010/main" val="0"/>
+              </a:ext>
+            </a:extLst>
+          </a:blip>
+          <a:srcRect/>
+          <a:stretch>
+            <a:fillRect/>
+          </a:stretch>
+        </p:blipFill>
+        <p:spPr bwMode="auto">
+          <a:xfrm>
+            <a:off x="4186934" y="2193990"/>
+            <a:ext cx="525031" cy="525031"/>
+          </a:xfrm>
+          <a:prstGeom prst="rect">
+            <a:avLst/>
+          </a:prstGeom>
+          <a:noFill/>
+          <a:extLst>
+            <a:ext uri="{909E8E84-426E-40DD-AFC4-6F175D3DCCD1}">
+              <a14:hiddenFill xmlns:a14="http://schemas.microsoft.com/office/drawing/2010/main">
+                <a:solidFill>
+                  <a:srgbClr val="FFFFFF"/>
+                </a:solidFill>
+              </a14:hiddenFill>
+            </a:ext>
+          </a:extLst>
+        </p:spPr>
+      </p:pic>
+      <p:pic>
+        <p:nvPicPr>
+          <p:cNvPr id="2056" name="Picture 8" descr="Image result for panda icon"/>
+          <p:cNvPicPr>
+            <a:picLocks noChangeAspect="1" noChangeArrowheads="1"/>
+          </p:cNvPicPr>
+          <p:nvPr/>
+        </p:nvPicPr>
+        <p:blipFill>
+          <a:blip r:embed="rId10" cstate="print">
+            <a:extLst>
+              <a:ext uri="{28A0092B-C50C-407E-A947-70E740481C1C}">
+                <a14:useLocalDpi xmlns:a14="http://schemas.microsoft.com/office/drawing/2010/main" val="0"/>
+              </a:ext>
+            </a:extLst>
+          </a:blip>
+          <a:srcRect/>
+          <a:stretch>
+            <a:fillRect/>
+          </a:stretch>
+        </p:blipFill>
+        <p:spPr bwMode="auto">
+          <a:xfrm>
+            <a:off x="5433752" y="1967954"/>
+            <a:ext cx="452071" cy="452071"/>
+          </a:xfrm>
+          <a:prstGeom prst="rect">
+            <a:avLst/>
+          </a:prstGeom>
+          <a:noFill/>
+          <a:extLst>
+            <a:ext uri="{909E8E84-426E-40DD-AFC4-6F175D3DCCD1}">
+              <a14:hiddenFill xmlns:a14="http://schemas.microsoft.com/office/drawing/2010/main">
+                <a:solidFill>
+                  <a:srgbClr val="FFFFFF"/>
+                </a:solidFill>
+              </a14:hiddenFill>
+            </a:ext>
+          </a:extLst>
+        </p:spPr>
+      </p:pic>
+      <p:pic>
+        <p:nvPicPr>
+          <p:cNvPr id="2058" name="Picture 10" descr="Related image"/>
+          <p:cNvPicPr>
+            <a:picLocks noChangeAspect="1" noChangeArrowheads="1"/>
+          </p:cNvPicPr>
+          <p:nvPr/>
+        </p:nvPicPr>
+        <p:blipFill>
+          <a:blip r:embed="rId11" cstate="print">
+            <a:extLst>
+              <a:ext uri="{28A0092B-C50C-407E-A947-70E740481C1C}">
+                <a14:useLocalDpi xmlns:a14="http://schemas.microsoft.com/office/drawing/2010/main" val="0"/>
+              </a:ext>
+            </a:extLst>
+          </a:blip>
+          <a:srcRect/>
+          <a:stretch>
+            <a:fillRect/>
+          </a:stretch>
+        </p:blipFill>
+        <p:spPr bwMode="auto">
+          <a:xfrm flipV="1">
+            <a:off x="5527806" y="2454384"/>
+            <a:ext cx="264637" cy="264637"/>
+          </a:xfrm>
+          <a:prstGeom prst="rect">
+            <a:avLst/>
+          </a:prstGeom>
+          <a:noFill/>
+          <a:extLst>
+            <a:ext uri="{909E8E84-426E-40DD-AFC4-6F175D3DCCD1}">
+              <a14:hiddenFill xmlns:a14="http://schemas.microsoft.com/office/drawing/2010/main">
+                <a:solidFill>
+                  <a:srgbClr val="FFFFFF"/>
+                </a:solidFill>
+              </a14:hiddenFill>
+            </a:ext>
+          </a:extLst>
+        </p:spPr>
+      </p:pic>
+      <p:pic>
+        <p:nvPicPr>
+          <p:cNvPr id="2060" name="Picture 12" descr="Image result for shoes nike icon"/>
+          <p:cNvPicPr>
+            <a:picLocks noChangeAspect="1" noChangeArrowheads="1"/>
+          </p:cNvPicPr>
+          <p:nvPr/>
+        </p:nvPicPr>
+        <p:blipFill>
+          <a:blip r:embed="rId12" cstate="print">
+            <a:extLst>
+              <a:ext uri="{28A0092B-C50C-407E-A947-70E740481C1C}">
+                <a14:useLocalDpi xmlns:a14="http://schemas.microsoft.com/office/drawing/2010/main" val="0"/>
+              </a:ext>
+            </a:extLst>
+          </a:blip>
+          <a:srcRect/>
+          <a:stretch>
+            <a:fillRect/>
+          </a:stretch>
+        </p:blipFill>
+        <p:spPr bwMode="auto">
+          <a:xfrm>
+            <a:off x="5923024" y="1886799"/>
+            <a:ext cx="533226" cy="533226"/>
+          </a:xfrm>
+          <a:prstGeom prst="rect">
+            <a:avLst/>
+          </a:prstGeom>
+          <a:noFill/>
+          <a:extLst>
+            <a:ext uri="{909E8E84-426E-40DD-AFC4-6F175D3DCCD1}">
+              <a14:hiddenFill xmlns:a14="http://schemas.microsoft.com/office/drawing/2010/main">
+                <a:solidFill>
+                  <a:srgbClr val="FFFFFF"/>
+                </a:solidFill>
+              </a14:hiddenFill>
+            </a:ext>
+          </a:extLst>
+        </p:spPr>
+      </p:pic>
+      <p:pic>
+        <p:nvPicPr>
+          <p:cNvPr id="2064" name="Picture 16" descr="Related image"/>
+          <p:cNvPicPr>
+            <a:picLocks noChangeAspect="1" noChangeArrowheads="1"/>
+          </p:cNvPicPr>
+          <p:nvPr/>
+        </p:nvPicPr>
+        <p:blipFill>
+          <a:blip r:embed="rId13" cstate="print">
+            <a:extLst>
+              <a:ext uri="{28A0092B-C50C-407E-A947-70E740481C1C}">
+                <a14:useLocalDpi xmlns:a14="http://schemas.microsoft.com/office/drawing/2010/main" val="0"/>
+              </a:ext>
+            </a:extLst>
+          </a:blip>
+          <a:srcRect/>
+          <a:stretch>
+            <a:fillRect/>
+          </a:stretch>
+        </p:blipFill>
+        <p:spPr bwMode="auto">
+          <a:xfrm>
+            <a:off x="6034687" y="2332800"/>
+            <a:ext cx="421563" cy="421563"/>
+          </a:xfrm>
+          <a:prstGeom prst="rect">
+            <a:avLst/>
+          </a:prstGeom>
+          <a:noFill/>
+          <a:extLst>
+            <a:ext uri="{909E8E84-426E-40DD-AFC4-6F175D3DCCD1}">
+              <a14:hiddenFill xmlns:a14="http://schemas.microsoft.com/office/drawing/2010/main">
+                <a:solidFill>
+                  <a:srgbClr val="FFFFFF"/>
+                </a:solidFill>
+              </a14:hiddenFill>
+            </a:ext>
+          </a:extLst>
+        </p:spPr>
+      </p:pic>
+      <p:sp>
+        <p:nvSpPr>
+          <p:cNvPr id="6" name="Curved Right Arrow 5"/>
+          <p:cNvSpPr/>
+          <p:nvPr/>
+        </p:nvSpPr>
+        <p:spPr>
+          <a:xfrm rot="1417557">
+            <a:off x="5614196" y="3620742"/>
+            <a:ext cx="647017" cy="1385184"/>
+          </a:xfrm>
+          <a:prstGeom prst="curvedRightArrow">
+            <a:avLst>
+              <a:gd name="adj1" fmla="val 25000"/>
+              <a:gd name="adj2" fmla="val 33920"/>
+              <a:gd name="adj3" fmla="val 25000"/>
+            </a:avLst>
+          </a:prstGeom>
+        </p:spPr>
+        <p:style>
+          <a:lnRef idx="2">
+            <a:schemeClr val="dk1"/>
+          </a:lnRef>
+          <a:fillRef idx="1">
+            <a:schemeClr val="lt1"/>
+          </a:fillRef>
+          <a:effectRef idx="0">
+            <a:schemeClr val="dk1"/>
+          </a:effectRef>
+          <a:fontRef idx="minor">
+            <a:schemeClr val="dk1"/>
+          </a:fontRef>
+        </p:style>
+        <p:txBody>
+          <a:bodyPr rtlCol="0" anchor="ctr"/>
+          <a:lstStyle/>
+          <a:p>
+            <a:pPr algn="ctr"/>
+            <a:endParaRPr lang="en-US">
+              <a:solidFill>
+                <a:schemeClr val="tx1"/>
+              </a:solidFill>
+            </a:endParaRPr>
           </a:p>
         </p:txBody>
       </p:sp>
@@ -4527,36 +4922,6 @@
       </p:sp>
       <p:pic>
         <p:nvPicPr>
-          <p:cNvPr id="9" name="Picture 8"/>
-          <p:cNvPicPr>
-            <a:picLocks noChangeAspect="1"/>
-          </p:cNvPicPr>
-          <p:nvPr/>
-        </p:nvPicPr>
-        <p:blipFill>
-          <a:blip r:embed="rId8" cstate="print">
-            <a:extLst>
-              <a:ext uri="{28A0092B-C50C-407E-A947-70E740481C1C}">
-                <a14:useLocalDpi xmlns:a14="http://schemas.microsoft.com/office/drawing/2010/main" val="0"/>
-              </a:ext>
-            </a:extLst>
-          </a:blip>
-          <a:stretch>
-            <a:fillRect/>
-          </a:stretch>
-        </p:blipFill>
-        <p:spPr>
-          <a:xfrm>
-            <a:off x="7622883" y="1368036"/>
-            <a:ext cx="965887" cy="383584"/>
-          </a:xfrm>
-          <a:prstGeom prst="rect">
-            <a:avLst/>
-          </a:prstGeom>
-        </p:spPr>
-      </p:pic>
-      <p:pic>
-        <p:nvPicPr>
           <p:cNvPr id="18" name="Picture 14" descr="Image result for database icon"/>
           <p:cNvPicPr>
             <a:picLocks noChangeAspect="1" noChangeArrowheads="1"/>
@@ -5661,7 +6026,7 @@
           <p:nvPr/>
         </p:nvPicPr>
         <p:blipFill>
-          <a:blip r:embed="rId9" cstate="print">
+          <a:blip r:embed="rId8" cstate="print">
             <a:extLst>
               <a:ext uri="{28A0092B-C50C-407E-A947-70E740481C1C}">
                 <a14:useLocalDpi xmlns:a14="http://schemas.microsoft.com/office/drawing/2010/main" val="0"/>
@@ -5840,6 +6205,47 @@
           </a:p>
         </p:txBody>
       </p:sp>
+      <p:pic>
+        <p:nvPicPr>
+          <p:cNvPr id="53" name="Picture 2" descr="Image result for bibliomondo"/>
+          <p:cNvPicPr>
+            <a:picLocks noChangeAspect="1" noChangeArrowheads="1"/>
+          </p:cNvPicPr>
+          <p:nvPr/>
+        </p:nvPicPr>
+        <p:blipFill>
+          <a:blip r:embed="rId9" cstate="print">
+            <a:extLst>
+              <a:ext uri="{28A0092B-C50C-407E-A947-70E740481C1C}">
+                <a14:useLocalDpi xmlns:a14="http://schemas.microsoft.com/office/drawing/2010/main" val="0"/>
+              </a:ext>
+            </a:extLst>
+          </a:blip>
+          <a:srcRect/>
+          <a:stretch>
+            <a:fillRect/>
+          </a:stretch>
+        </p:blipFill>
+        <p:spPr bwMode="auto">
+          <a:xfrm>
+            <a:off x="7612371" y="1349872"/>
+            <a:ext cx="1047263" cy="415901"/>
+          </a:xfrm>
+          <a:prstGeom prst="rect">
+            <a:avLst/>
+          </a:prstGeom>
+          <a:noFill/>
+          <a:extLst>
+            <a:ext uri="{909E8E84-426E-40DD-AFC4-6F175D3DCCD1}">
+              <a14:hiddenFill xmlns:a14="http://schemas.microsoft.com/office/drawing/2010/main">
+                <a:solidFill>
+                  <a:srgbClr val="FFFFFF"/>
+                </a:solidFill>
+              </a14:hiddenFill>
+            </a:ext>
+          </a:extLst>
+        </p:spPr>
+      </p:pic>
     </p:spTree>
     <p:extLst>
       <p:ext uri="{BB962C8B-B14F-4D97-AF65-F5344CB8AC3E}">
@@ -6113,52 +6519,6 @@
             </a:lvl9pPr>
           </a:lstStyle>
           <a:p>
-            <a:r>
-              <a:rPr lang="en-US" sz="1800" dirty="0" smtClean="0"/>
-              <a:t>[1] Naresh </a:t>
-            </a:r>
-            <a:r>
-              <a:rPr lang="en-US" sz="1800" dirty="0" err="1" smtClean="0"/>
-              <a:t>Babu</a:t>
-            </a:r>
-            <a:r>
-              <a:rPr lang="en-US" sz="1800" dirty="0" smtClean="0"/>
-              <a:t>, </a:t>
-            </a:r>
-            <a:r>
-              <a:rPr lang="en-US" sz="1800" dirty="0" err="1" smtClean="0"/>
-              <a:t>Pothlaiah</a:t>
-            </a:r>
-            <a:r>
-              <a:rPr lang="en-US" sz="1800" dirty="0" smtClean="0"/>
-              <a:t>, and Ashok </a:t>
-            </a:r>
-            <a:r>
-              <a:rPr lang="en-US" sz="1800" dirty="0" err="1" smtClean="0"/>
-              <a:t>Babu</a:t>
-            </a:r>
-            <a:r>
-              <a:rPr lang="en-US" sz="1800" dirty="0" smtClean="0"/>
-              <a:t>, </a:t>
-            </a:r>
-            <a:r>
-              <a:rPr lang="en-US" sz="1800" i="1" dirty="0" smtClean="0"/>
-              <a:t>“Image </a:t>
-            </a:r>
-            <a:r>
-              <a:rPr lang="en-US" sz="1800" i="1" dirty="0" err="1" smtClean="0"/>
-              <a:t>Retieval</a:t>
-            </a:r>
-            <a:r>
-              <a:rPr lang="en-US" sz="1800" i="1" dirty="0" smtClean="0"/>
-              <a:t> Color, Shape, and Texture Features using Content Based”,</a:t>
-            </a:r>
-            <a:r>
-              <a:rPr lang="en-US" sz="1800" dirty="0" smtClean="0"/>
-              <a:t> International Journal of Engineering Science and Technology, Vol. 2, No. 9, pp. 4278-4287, 2010</a:t>
-            </a:r>
-          </a:p>
-          <a:p>
             <a:endParaRPr lang="en-US" sz="1800" dirty="0"/>
           </a:p>
         </p:txBody>
@@ -6334,13 +6694,63 @@
         <p:spPr/>
         <p:txBody>
           <a:bodyPr>
-            <a:normAutofit lnSpcReduction="10000"/>
+            <a:normAutofit fontScale="92500" lnSpcReduction="20000"/>
           </a:bodyPr>
           <a:lstStyle/>
           <a:p>
             <a:r>
+              <a:rPr lang="en-US" sz="1800" dirty="0"/>
+              <a:t>[1] Naresh </a:t>
+            </a:r>
+            <a:r>
+              <a:rPr lang="en-US" sz="1800" dirty="0" err="1"/>
+              <a:t>Babu</a:t>
+            </a:r>
+            <a:r>
+              <a:rPr lang="en-US" sz="1800" dirty="0"/>
+              <a:t>, </a:t>
+            </a:r>
+            <a:r>
+              <a:rPr lang="en-US" sz="1800" dirty="0" err="1"/>
+              <a:t>Pothlaiah</a:t>
+            </a:r>
+            <a:r>
+              <a:rPr lang="en-US" sz="1800" dirty="0"/>
+              <a:t>, and Ashok </a:t>
+            </a:r>
+            <a:r>
+              <a:rPr lang="en-US" sz="1800" dirty="0" err="1"/>
+              <a:t>Babu</a:t>
+            </a:r>
+            <a:r>
+              <a:rPr lang="en-US" sz="1800" dirty="0"/>
+              <a:t>, </a:t>
+            </a:r>
+            <a:r>
+              <a:rPr lang="en-US" sz="1800" i="1" dirty="0"/>
+              <a:t>“Image </a:t>
+            </a:r>
+            <a:r>
+              <a:rPr lang="en-US" sz="1800" i="1" dirty="0" err="1"/>
+              <a:t>Retieval</a:t>
+            </a:r>
+            <a:r>
+              <a:rPr lang="en-US" sz="1800" i="1" dirty="0"/>
+              <a:t> Color, Shape, and Texture Features using Content Based”,</a:t>
+            </a:r>
+            <a:r>
+              <a:rPr lang="en-US" sz="1800" dirty="0"/>
+              <a:t> International Journal of Engineering Science and Technology, Vol. 2, No. 9, pp. 4278-4287, 2010</a:t>
+            </a:r>
+          </a:p>
+          <a:p>
+            <a:r>
               <a:rPr lang="en-US" sz="1800" dirty="0" smtClean="0"/>
-              <a:t>[2] K. Lai, L. Bo, X. Ren, and D. Fox, “A </a:t>
+              <a:t>[</a:t>
+            </a:r>
+            <a:r>
+              <a:rPr lang="en-US" sz="1800" dirty="0" smtClean="0"/>
+              <a:t>2] K. Lai, L. Bo, X. Ren, and D. Fox, “A </a:t>
             </a:r>
             <a:r>
               <a:rPr lang="en-US" sz="1800" dirty="0" err="1" smtClean="0"/>

--- a/DGA1031/What is it.pptx
+++ b/DGA1031/What is it.pptx
@@ -268,7 +268,7 @@
           <a:p>
             <a:fld id="{276D79ED-3FA7-4EF8-964B-EB8BCFAB02F8}" type="datetimeFigureOut">
               <a:rPr lang="en-US" smtClean="0"/>
-              <a:t>1/30/2018</a:t>
+              <a:t>1/31/2018</a:t>
             </a:fld>
             <a:endParaRPr lang="en-US"/>
           </a:p>
@@ -438,7 +438,7 @@
           <a:p>
             <a:fld id="{276D79ED-3FA7-4EF8-964B-EB8BCFAB02F8}" type="datetimeFigureOut">
               <a:rPr lang="en-US" smtClean="0"/>
-              <a:t>1/30/2018</a:t>
+              <a:t>1/31/2018</a:t>
             </a:fld>
             <a:endParaRPr lang="en-US"/>
           </a:p>
@@ -686,7 +686,7 @@
           <a:p>
             <a:fld id="{276D79ED-3FA7-4EF8-964B-EB8BCFAB02F8}" type="datetimeFigureOut">
               <a:rPr lang="en-US" smtClean="0"/>
-              <a:t>1/30/2018</a:t>
+              <a:t>1/31/2018</a:t>
             </a:fld>
             <a:endParaRPr lang="en-US"/>
           </a:p>
@@ -918,7 +918,7 @@
           <a:p>
             <a:fld id="{276D79ED-3FA7-4EF8-964B-EB8BCFAB02F8}" type="datetimeFigureOut">
               <a:rPr lang="en-US" smtClean="0"/>
-              <a:t>1/30/2018</a:t>
+              <a:t>1/31/2018</a:t>
             </a:fld>
             <a:endParaRPr lang="en-US"/>
           </a:p>
@@ -1285,7 +1285,7 @@
           <a:p>
             <a:fld id="{276D79ED-3FA7-4EF8-964B-EB8BCFAB02F8}" type="datetimeFigureOut">
               <a:rPr lang="en-US" smtClean="0"/>
-              <a:t>1/30/2018</a:t>
+              <a:t>1/31/2018</a:t>
             </a:fld>
             <a:endParaRPr lang="en-US"/>
           </a:p>
@@ -1403,7 +1403,7 @@
           <a:p>
             <a:fld id="{276D79ED-3FA7-4EF8-964B-EB8BCFAB02F8}" type="datetimeFigureOut">
               <a:rPr lang="en-US" smtClean="0"/>
-              <a:t>1/30/2018</a:t>
+              <a:t>1/31/2018</a:t>
             </a:fld>
             <a:endParaRPr lang="en-US"/>
           </a:p>
@@ -1498,7 +1498,7 @@
           <a:p>
             <a:fld id="{276D79ED-3FA7-4EF8-964B-EB8BCFAB02F8}" type="datetimeFigureOut">
               <a:rPr lang="en-US" smtClean="0"/>
-              <a:t>1/30/2018</a:t>
+              <a:t>1/31/2018</a:t>
             </a:fld>
             <a:endParaRPr lang="en-US"/>
           </a:p>
@@ -1775,7 +1775,7 @@
           <a:p>
             <a:fld id="{276D79ED-3FA7-4EF8-964B-EB8BCFAB02F8}" type="datetimeFigureOut">
               <a:rPr lang="en-US" smtClean="0"/>
-              <a:t>1/30/2018</a:t>
+              <a:t>1/31/2018</a:t>
             </a:fld>
             <a:endParaRPr lang="en-US"/>
           </a:p>
@@ -2032,7 +2032,7 @@
           <a:p>
             <a:fld id="{276D79ED-3FA7-4EF8-964B-EB8BCFAB02F8}" type="datetimeFigureOut">
               <a:rPr lang="en-US" smtClean="0"/>
-              <a:t>1/30/2018</a:t>
+              <a:t>1/31/2018</a:t>
             </a:fld>
             <a:endParaRPr lang="en-US"/>
           </a:p>
@@ -2253,7 +2253,7 @@
           <a:p>
             <a:fld id="{276D79ED-3FA7-4EF8-964B-EB8BCFAB02F8}" type="datetimeFigureOut">
               <a:rPr lang="en-US" smtClean="0"/>
-              <a:t>1/30/2018</a:t>
+              <a:t>1/31/2018</a:t>
             </a:fld>
             <a:endParaRPr lang="en-US"/>
           </a:p>
@@ -3066,29 +3066,16 @@
           <a:p>
             <a:r>
               <a:rPr lang="en-US" dirty="0" smtClean="0"/>
-              <a:t>Improve the accuracy and performance of object recognizing to detect the “private feature” of each </a:t>
+              <a:t>Improve the accuracy and performance of object recognizing to detect the “private feature” of each artwork, specimen in the museum,  or person, car, furniture</a:t>
             </a:r>
             <a:r>
               <a:rPr lang="en-US" dirty="0" smtClean="0"/>
-              <a:t>artwork, specimen </a:t>
+              <a:t>, the original of items, </a:t>
             </a:r>
             <a:r>
               <a:rPr lang="en-US" dirty="0" smtClean="0"/>
-              <a:t>in the </a:t>
-            </a:r>
-            <a:r>
-              <a:rPr lang="en-US" dirty="0" smtClean="0"/>
-              <a:t>museum,  or person, car, </a:t>
-            </a:r>
-            <a:r>
-              <a:rPr lang="en-US" dirty="0" smtClean="0"/>
-              <a:t>furniture, etc.</a:t>
-            </a:r>
-            <a:r>
-              <a:rPr lang="en-US" dirty="0" smtClean="0"/>
-              <a:t>, </a:t>
-            </a:r>
-            <a:endParaRPr lang="en-US" dirty="0" smtClean="0"/>
+              <a:t>etc., </a:t>
+            </a:r>
           </a:p>
           <a:p>
             <a:pPr marL="0" indent="0">
@@ -4156,7 +4143,7 @@
       </p:sp>
       <p:pic>
         <p:nvPicPr>
-          <p:cNvPr id="2050" name="Picture 2" descr="Image result for bibliomondo"/>
+          <p:cNvPr id="11" name="Picture 2" descr="Image result for bibliomondo"/>
           <p:cNvPicPr>
             <a:picLocks noChangeAspect="1" noChangeArrowheads="1"/>
           </p:cNvPicPr>
@@ -4177,8 +4164,8 @@
         </p:blipFill>
         <p:spPr bwMode="auto">
           <a:xfrm>
-            <a:off x="14453419" y="2387242"/>
-            <a:ext cx="2970981" cy="1179871"/>
+            <a:off x="7780274" y="3205639"/>
+            <a:ext cx="599164" cy="237947"/>
           </a:xfrm>
           <a:prstGeom prst="rect">
             <a:avLst/>
@@ -4197,7 +4184,7 @@
       </p:pic>
       <p:pic>
         <p:nvPicPr>
-          <p:cNvPr id="11" name="Picture 2" descr="Image result for bibliomondo"/>
+          <p:cNvPr id="2052" name="Picture 4" descr="Image result for car icon"/>
           <p:cNvPicPr>
             <a:picLocks noChangeAspect="1" noChangeArrowheads="1"/>
           </p:cNvPicPr>
@@ -4218,8 +4205,8 @@
         </p:blipFill>
         <p:spPr bwMode="auto">
           <a:xfrm>
-            <a:off x="7780274" y="3205639"/>
-            <a:ext cx="599164" cy="237947"/>
+            <a:off x="4136401" y="1761143"/>
+            <a:ext cx="626099" cy="626099"/>
           </a:xfrm>
           <a:prstGeom prst="rect">
             <a:avLst/>
@@ -4238,7 +4225,7 @@
       </p:pic>
       <p:pic>
         <p:nvPicPr>
-          <p:cNvPr id="2052" name="Picture 4" descr="Image result for car icon"/>
+          <p:cNvPr id="2054" name="Picture 6" descr="Related image"/>
           <p:cNvPicPr>
             <a:picLocks noChangeAspect="1" noChangeArrowheads="1"/>
           </p:cNvPicPr>
@@ -4259,8 +4246,8 @@
         </p:blipFill>
         <p:spPr bwMode="auto">
           <a:xfrm>
-            <a:off x="4136401" y="1761143"/>
-            <a:ext cx="626099" cy="626099"/>
+            <a:off x="4186934" y="2193990"/>
+            <a:ext cx="525031" cy="525031"/>
           </a:xfrm>
           <a:prstGeom prst="rect">
             <a:avLst/>
@@ -4279,7 +4266,7 @@
       </p:pic>
       <p:pic>
         <p:nvPicPr>
-          <p:cNvPr id="2054" name="Picture 6" descr="Related image"/>
+          <p:cNvPr id="2056" name="Picture 8" descr="Image result for panda icon"/>
           <p:cNvPicPr>
             <a:picLocks noChangeAspect="1" noChangeArrowheads="1"/>
           </p:cNvPicPr>
@@ -4300,8 +4287,8 @@
         </p:blipFill>
         <p:spPr bwMode="auto">
           <a:xfrm>
-            <a:off x="4186934" y="2193990"/>
-            <a:ext cx="525031" cy="525031"/>
+            <a:off x="5433752" y="1967954"/>
+            <a:ext cx="452071" cy="452071"/>
           </a:xfrm>
           <a:prstGeom prst="rect">
             <a:avLst/>
@@ -4320,7 +4307,7 @@
       </p:pic>
       <p:pic>
         <p:nvPicPr>
-          <p:cNvPr id="2056" name="Picture 8" descr="Image result for panda icon"/>
+          <p:cNvPr id="2058" name="Picture 10" descr="Related image"/>
           <p:cNvPicPr>
             <a:picLocks noChangeAspect="1" noChangeArrowheads="1"/>
           </p:cNvPicPr>
@@ -4340,9 +4327,9 @@
           </a:stretch>
         </p:blipFill>
         <p:spPr bwMode="auto">
-          <a:xfrm>
-            <a:off x="5433752" y="1967954"/>
-            <a:ext cx="452071" cy="452071"/>
+          <a:xfrm flipV="1">
+            <a:off x="5527806" y="2454384"/>
+            <a:ext cx="264637" cy="264637"/>
           </a:xfrm>
           <a:prstGeom prst="rect">
             <a:avLst/>
@@ -4361,7 +4348,7 @@
       </p:pic>
       <p:pic>
         <p:nvPicPr>
-          <p:cNvPr id="2058" name="Picture 10" descr="Related image"/>
+          <p:cNvPr id="2060" name="Picture 12" descr="Image result for shoes nike icon"/>
           <p:cNvPicPr>
             <a:picLocks noChangeAspect="1" noChangeArrowheads="1"/>
           </p:cNvPicPr>
@@ -4381,9 +4368,9 @@
           </a:stretch>
         </p:blipFill>
         <p:spPr bwMode="auto">
-          <a:xfrm flipV="1">
-            <a:off x="5527806" y="2454384"/>
-            <a:ext cx="264637" cy="264637"/>
+          <a:xfrm>
+            <a:off x="5923024" y="1886799"/>
+            <a:ext cx="533226" cy="533226"/>
           </a:xfrm>
           <a:prstGeom prst="rect">
             <a:avLst/>
@@ -4402,7 +4389,7 @@
       </p:pic>
       <p:pic>
         <p:nvPicPr>
-          <p:cNvPr id="2060" name="Picture 12" descr="Image result for shoes nike icon"/>
+          <p:cNvPr id="2064" name="Picture 16" descr="Related image"/>
           <p:cNvPicPr>
             <a:picLocks noChangeAspect="1" noChangeArrowheads="1"/>
           </p:cNvPicPr>
@@ -4423,8 +4410,8 @@
         </p:blipFill>
         <p:spPr bwMode="auto">
           <a:xfrm>
-            <a:off x="5923024" y="1886799"/>
-            <a:ext cx="533226" cy="533226"/>
+            <a:off x="6034687" y="2332800"/>
+            <a:ext cx="421563" cy="421563"/>
           </a:xfrm>
           <a:prstGeom prst="rect">
             <a:avLst/>
@@ -4441,9 +4428,55 @@
           </a:extLst>
         </p:spPr>
       </p:pic>
+      <p:sp>
+        <p:nvSpPr>
+          <p:cNvPr id="6" name="Curved Right Arrow 5"/>
+          <p:cNvSpPr/>
+          <p:nvPr/>
+        </p:nvSpPr>
+        <p:spPr>
+          <a:xfrm rot="1417557">
+            <a:off x="5614196" y="3620742"/>
+            <a:ext cx="647017" cy="1385184"/>
+          </a:xfrm>
+          <a:prstGeom prst="curvedRightArrow">
+            <a:avLst>
+              <a:gd name="adj1" fmla="val 25000"/>
+              <a:gd name="adj2" fmla="val 33920"/>
+              <a:gd name="adj3" fmla="val 25000"/>
+            </a:avLst>
+          </a:prstGeom>
+        </p:spPr>
+        <p:style>
+          <a:lnRef idx="2">
+            <a:schemeClr val="dk1"/>
+          </a:lnRef>
+          <a:fillRef idx="1">
+            <a:schemeClr val="lt1"/>
+          </a:fillRef>
+          <a:effectRef idx="0">
+            <a:schemeClr val="dk1"/>
+          </a:effectRef>
+          <a:fontRef idx="minor">
+            <a:schemeClr val="dk1"/>
+          </a:fontRef>
+        </p:style>
+        <p:txBody>
+          <a:bodyPr rtlCol="0" anchor="ctr"/>
+          <a:lstStyle/>
+          <a:p>
+            <a:pPr algn="ctr"/>
+            <a:endParaRPr lang="en-US">
+              <a:solidFill>
+                <a:schemeClr val="tx1"/>
+              </a:solidFill>
+            </a:endParaRPr>
+          </a:p>
+        </p:txBody>
+      </p:sp>
       <p:pic>
         <p:nvPicPr>
-          <p:cNvPr id="2064" name="Picture 16" descr="Related image"/>
+          <p:cNvPr id="7" name="Picture 2" descr="Related image"/>
           <p:cNvPicPr>
             <a:picLocks noChangeAspect="1" noChangeArrowheads="1"/>
           </p:cNvPicPr>
@@ -4464,8 +4497,8 @@
         </p:blipFill>
         <p:spPr bwMode="auto">
           <a:xfrm>
-            <a:off x="6034687" y="2332800"/>
-            <a:ext cx="421563" cy="421563"/>
+            <a:off x="6531830" y="2029663"/>
+            <a:ext cx="371247" cy="247498"/>
           </a:xfrm>
           <a:prstGeom prst="rect">
             <a:avLst/>
@@ -4484,50 +4517,84 @@
       </p:pic>
       <p:sp>
         <p:nvSpPr>
-          <p:cNvPr id="6" name="Curved Right Arrow 5"/>
-          <p:cNvSpPr/>
+          <p:cNvPr id="8" name="AutoShape 4" descr="Image result for tree icon"/>
+          <p:cNvSpPr>
+            <a:spLocks noChangeAspect="1" noChangeArrowheads="1"/>
+          </p:cNvSpPr>
           <p:nvPr/>
         </p:nvSpPr>
-        <p:spPr>
-          <a:xfrm rot="1417557">
-            <a:off x="5614196" y="3620742"/>
-            <a:ext cx="647017" cy="1385184"/>
-          </a:xfrm>
-          <a:prstGeom prst="curvedRightArrow">
-            <a:avLst>
-              <a:gd name="adj1" fmla="val 25000"/>
-              <a:gd name="adj2" fmla="val 33920"/>
-              <a:gd name="adj3" fmla="val 25000"/>
-            </a:avLst>
-          </a:prstGeom>
-        </p:spPr>
-        <p:style>
-          <a:lnRef idx="2">
-            <a:schemeClr val="dk1"/>
-          </a:lnRef>
-          <a:fillRef idx="1">
-            <a:schemeClr val="lt1"/>
-          </a:fillRef>
-          <a:effectRef idx="0">
-            <a:schemeClr val="dk1"/>
-          </a:effectRef>
-          <a:fontRef idx="minor">
-            <a:schemeClr val="dk1"/>
-          </a:fontRef>
-        </p:style>
-        <p:txBody>
-          <a:bodyPr rtlCol="0" anchor="ctr"/>
-          <a:lstStyle/>
-          <a:p>
-            <a:pPr algn="ctr"/>
-            <a:endParaRPr lang="en-US">
-              <a:solidFill>
-                <a:schemeClr val="tx1"/>
-              </a:solidFill>
-            </a:endParaRPr>
-          </a:p>
-        </p:txBody>
-      </p:sp>
+        <p:spPr bwMode="auto">
+          <a:xfrm>
+            <a:off x="155575" y="-144463"/>
+            <a:ext cx="304800" cy="304801"/>
+          </a:xfrm>
+          <a:prstGeom prst="rect">
+            <a:avLst/>
+          </a:prstGeom>
+          <a:noFill/>
+          <a:extLst>
+            <a:ext uri="{909E8E84-426E-40DD-AFC4-6F175D3DCCD1}">
+              <a14:hiddenFill xmlns:a14="http://schemas.microsoft.com/office/drawing/2010/main">
+                <a:solidFill>
+                  <a:srgbClr val="FFFFFF"/>
+                </a:solidFill>
+              </a14:hiddenFill>
+            </a:ext>
+          </a:extLst>
+        </p:spPr>
+        <p:txBody>
+          <a:bodyPr vert="horz" wrap="square" lIns="91440" tIns="45720" rIns="91440" bIns="45720" numCol="1" anchor="t" anchorCtr="0" compatLnSpc="1">
+            <a:prstTxWarp prst="textNoShape">
+              <a:avLst/>
+            </a:prstTxWarp>
+          </a:bodyPr>
+          <a:lstStyle/>
+          <a:p>
+            <a:endParaRPr lang="en-US"/>
+          </a:p>
+        </p:txBody>
+      </p:sp>
+      <p:pic>
+        <p:nvPicPr>
+          <p:cNvPr id="1030" name="Picture 6" descr="Related image"/>
+          <p:cNvPicPr>
+            <a:picLocks noChangeAspect="1" noChangeArrowheads="1"/>
+          </p:cNvPicPr>
+          <p:nvPr/>
+        </p:nvPicPr>
+        <p:blipFill>
+          <a:blip r:embed="rId14" cstate="print">
+            <a:extLst>
+              <a:ext uri="{28A0092B-C50C-407E-A947-70E740481C1C}">
+                <a14:useLocalDpi xmlns:a14="http://schemas.microsoft.com/office/drawing/2010/main" val="0"/>
+              </a:ext>
+            </a:extLst>
+          </a:blip>
+          <a:srcRect/>
+          <a:stretch>
+            <a:fillRect/>
+          </a:stretch>
+        </p:blipFill>
+        <p:spPr bwMode="auto">
+          <a:xfrm>
+            <a:off x="6567913" y="2344386"/>
+            <a:ext cx="327213" cy="327213"/>
+          </a:xfrm>
+          <a:prstGeom prst="rect">
+            <a:avLst/>
+          </a:prstGeom>
+          <a:noFill/>
+          <a:extLst>
+            <a:ext uri="{909E8E84-426E-40DD-AFC4-6F175D3DCCD1}">
+              <a14:hiddenFill xmlns:a14="http://schemas.microsoft.com/office/drawing/2010/main">
+                <a:solidFill>
+                  <a:srgbClr val="FFFFFF"/>
+                </a:solidFill>
+              </a14:hiddenFill>
+            </a:ext>
+          </a:extLst>
+        </p:spPr>
+      </p:pic>
     </p:spTree>
     <p:extLst>
       <p:ext uri="{BB962C8B-B14F-4D97-AF65-F5344CB8AC3E}">
@@ -5701,7 +5768,7 @@
         <p:spPr>
           <a:xfrm>
             <a:off x="104301" y="3073608"/>
-            <a:ext cx="3462359" cy="4185761"/>
+            <a:ext cx="3462359" cy="4154984"/>
           </a:xfrm>
           <a:prstGeom prst="rect">
             <a:avLst/>
@@ -5715,7 +5782,7 @@
           <a:lstStyle/>
           <a:p>
             <a:r>
-              <a:rPr lang="en-US" sz="1400" b="1" dirty="0" smtClean="0">
+              <a:rPr lang="en-US" sz="1200" b="1" dirty="0" smtClean="0">
                 <a:solidFill>
                   <a:srgbClr val="0070C0"/>
                 </a:solidFill>
@@ -5729,31 +5796,31 @@
               <a:buChar char="-"/>
             </a:pPr>
             <a:r>
-              <a:rPr lang="en-US" sz="1400" b="1" dirty="0" smtClean="0"/>
+              <a:rPr lang="en-US" sz="1200" b="1" dirty="0" smtClean="0"/>
               <a:t>Detect and recognize object :</a:t>
             </a:r>
           </a:p>
           <a:p>
             <a:r>
-              <a:rPr lang="en-US" sz="1400" dirty="0" smtClean="0"/>
+              <a:rPr lang="en-US" sz="1200" dirty="0" smtClean="0"/>
               <a:t>+ Recommendation system</a:t>
             </a:r>
           </a:p>
           <a:p>
             <a:r>
-              <a:rPr lang="en-US" sz="1400" dirty="0" smtClean="0"/>
+              <a:rPr lang="en-US" sz="1200" dirty="0" smtClean="0"/>
               <a:t>+ Machine learning</a:t>
             </a:r>
           </a:p>
           <a:p>
             <a:r>
-              <a:rPr lang="en-US" sz="1400" dirty="0" smtClean="0"/>
+              <a:rPr lang="en-US" sz="1200" dirty="0" smtClean="0"/>
               <a:t>+ Artificial Intelligence</a:t>
             </a:r>
           </a:p>
           <a:p>
             <a:r>
-              <a:rPr lang="en-US" sz="1400" dirty="0" smtClean="0"/>
+              <a:rPr lang="en-US" sz="1200" dirty="0" smtClean="0"/>
               <a:t>+ Search engine algorithm</a:t>
             </a:r>
           </a:p>
@@ -5763,44 +5830,83 @@
               <a:buChar char="-"/>
             </a:pPr>
             <a:r>
-              <a:rPr lang="en-US" sz="1400" b="1" dirty="0" smtClean="0"/>
+              <a:rPr lang="en-US" sz="1200" b="1" dirty="0" smtClean="0"/>
               <a:t>Verification:</a:t>
             </a:r>
-            <a:endParaRPr lang="en-US" sz="1400" b="1" dirty="0"/>
-          </a:p>
-          <a:p>
-            <a:r>
-              <a:rPr lang="en-US" sz="1400" dirty="0"/>
+            <a:endParaRPr lang="en-US" sz="1200" b="1" dirty="0"/>
+          </a:p>
+          <a:p>
+            <a:r>
+              <a:rPr lang="en-US" sz="1200" dirty="0"/>
               <a:t>+ Geo-location of the item </a:t>
             </a:r>
           </a:p>
           <a:p>
             <a:r>
-              <a:rPr lang="en-US" sz="1400" dirty="0"/>
+              <a:rPr lang="en-US" sz="1200" dirty="0"/>
               <a:t>+ Bar-code of the </a:t>
             </a:r>
             <a:r>
-              <a:rPr lang="en-US" sz="1400" dirty="0" smtClean="0"/>
+              <a:rPr lang="en-US" sz="1200" dirty="0" smtClean="0"/>
               <a:t>item</a:t>
             </a:r>
           </a:p>
           <a:p>
-            <a:r>
-              <a:rPr lang="en-US" sz="1400" b="1" dirty="0" smtClean="0"/>
+            <a:pPr marL="171450" indent="-171450">
+              <a:buFontTx/>
+              <a:buChar char="-"/>
+            </a:pPr>
+            <a:r>
+              <a:rPr lang="en-US" sz="1200" b="1" dirty="0" smtClean="0"/>
+              <a:t>User contribution:</a:t>
+            </a:r>
+          </a:p>
+          <a:p>
+            <a:r>
+              <a:rPr lang="en-US" sz="1200" dirty="0" smtClean="0"/>
+              <a:t>+ User may </a:t>
+            </a:r>
+            <a:r>
+              <a:rPr lang="en-US" sz="1200" dirty="0" err="1" smtClean="0"/>
+              <a:t>catelogy</a:t>
+            </a:r>
+            <a:r>
+              <a:rPr lang="en-US" sz="1200" dirty="0" smtClean="0"/>
+              <a:t> manual </a:t>
+            </a:r>
+          </a:p>
+          <a:p>
+            <a:r>
+              <a:rPr lang="en-US" sz="1200" dirty="0" smtClean="0"/>
+              <a:t>+ </a:t>
+            </a:r>
+            <a:r>
+              <a:rPr lang="en-US" sz="1200" dirty="0" smtClean="0"/>
+              <a:t>Vote the </a:t>
+            </a:r>
+            <a:r>
+              <a:rPr lang="en-US" sz="1200" dirty="0" smtClean="0"/>
+              <a:t>responded information</a:t>
+            </a:r>
+            <a:endParaRPr lang="en-US" sz="1200" dirty="0" smtClean="0"/>
+          </a:p>
+          <a:p>
+            <a:r>
+              <a:rPr lang="en-US" sz="1200" b="1" dirty="0" smtClean="0"/>
               <a:t>-    Updated</a:t>
             </a:r>
-            <a:endParaRPr lang="en-US" sz="1400" dirty="0" smtClean="0"/>
-          </a:p>
-          <a:p>
-            <a:r>
-              <a:rPr lang="en-US" sz="1400" dirty="0" smtClean="0"/>
+            <a:endParaRPr lang="en-US" sz="1200" dirty="0" smtClean="0"/>
+          </a:p>
+          <a:p>
+            <a:r>
+              <a:rPr lang="en-US" sz="1200" dirty="0" smtClean="0"/>
               <a:t>------------------------------------</a:t>
             </a:r>
-            <a:endParaRPr lang="en-US" sz="1400" dirty="0"/>
-          </a:p>
-          <a:p>
-            <a:r>
-              <a:rPr lang="en-US" sz="1400" b="1" dirty="0" smtClean="0">
+            <a:endParaRPr lang="en-US" sz="1200" dirty="0"/>
+          </a:p>
+          <a:p>
+            <a:r>
+              <a:rPr lang="en-US" sz="1200" b="1" dirty="0" smtClean="0">
                 <a:solidFill>
                   <a:srgbClr val="FF0000"/>
                 </a:solidFill>
@@ -5810,40 +5916,40 @@
           </a:p>
           <a:p>
             <a:r>
-              <a:rPr lang="en-US" sz="1400" dirty="0" smtClean="0"/>
+              <a:rPr lang="en-US" sz="1200" dirty="0" smtClean="0"/>
               <a:t>+ Recommendation system</a:t>
             </a:r>
           </a:p>
           <a:p>
             <a:r>
-              <a:rPr lang="en-US" sz="1400" dirty="0" smtClean="0"/>
+              <a:rPr lang="en-US" sz="1200" dirty="0" smtClean="0"/>
               <a:t>+ Reinforcement Learning</a:t>
             </a:r>
-            <a:endParaRPr lang="en-US" sz="1400" dirty="0"/>
-          </a:p>
-          <a:p>
-            <a:r>
-              <a:rPr lang="en-US" sz="1400" dirty="0"/>
+            <a:endParaRPr lang="en-US" sz="1200" dirty="0"/>
+          </a:p>
+          <a:p>
+            <a:r>
+              <a:rPr lang="en-US" sz="1200" dirty="0"/>
               <a:t>+ Machine learning</a:t>
             </a:r>
           </a:p>
           <a:p>
             <a:r>
-              <a:rPr lang="en-US" sz="1400" dirty="0"/>
+              <a:rPr lang="en-US" sz="1200" dirty="0"/>
               <a:t>+ Artificial Intelligence</a:t>
             </a:r>
           </a:p>
           <a:p>
             <a:r>
-              <a:rPr lang="en-US" sz="1400" dirty="0"/>
+              <a:rPr lang="en-US" sz="1200" dirty="0"/>
               <a:t>+ Search engine algorithm</a:t>
             </a:r>
           </a:p>
           <a:p>
-            <a:endParaRPr lang="en-US" sz="1400" dirty="0" smtClean="0"/>
-          </a:p>
-          <a:p>
-            <a:endParaRPr lang="en-US" sz="1400" dirty="0"/>
+            <a:endParaRPr lang="en-US" sz="1200" dirty="0" smtClean="0"/>
+          </a:p>
+          <a:p>
+            <a:endParaRPr lang="en-US" sz="1200" dirty="0"/>
           </a:p>
         </p:txBody>
       </p:sp>
@@ -6746,11 +6852,7 @@
           <a:p>
             <a:r>
               <a:rPr lang="en-US" sz="1800" dirty="0" smtClean="0"/>
-              <a:t>[</a:t>
-            </a:r>
-            <a:r>
-              <a:rPr lang="en-US" sz="1800" dirty="0" smtClean="0"/>
-              <a:t>2] K. Lai, L. Bo, X. Ren, and D. Fox, “A </a:t>
+              <a:t>[2] K. Lai, L. Bo, X. Ren, and D. Fox, “A </a:t>
             </a:r>
             <a:r>
               <a:rPr lang="en-US" sz="1800" dirty="0" err="1" smtClean="0"/>

--- a/DGA1031/What is it.pptx
+++ b/DGA1031/What is it.pptx
@@ -10,14 +10,16 @@
     <p:sldId id="258" r:id="rId4"/>
     <p:sldId id="259" r:id="rId5"/>
     <p:sldId id="269" r:id="rId6"/>
-    <p:sldId id="270" r:id="rId7"/>
-    <p:sldId id="265" r:id="rId8"/>
-    <p:sldId id="267" r:id="rId9"/>
-    <p:sldId id="268" r:id="rId10"/>
+    <p:sldId id="265" r:id="rId7"/>
+    <p:sldId id="267" r:id="rId8"/>
+    <p:sldId id="268" r:id="rId9"/>
+    <p:sldId id="273" r:id="rId10"/>
     <p:sldId id="261" r:id="rId11"/>
-    <p:sldId id="262" r:id="rId12"/>
-    <p:sldId id="263" r:id="rId13"/>
-    <p:sldId id="264" r:id="rId14"/>
+    <p:sldId id="272" r:id="rId12"/>
+    <p:sldId id="262" r:id="rId13"/>
+    <p:sldId id="263" r:id="rId14"/>
+    <p:sldId id="270" r:id="rId15"/>
+    <p:sldId id="264" r:id="rId16"/>
   </p:sldIdLst>
   <p:sldSz cx="12192000" cy="6858000"/>
   <p:notesSz cx="6858000" cy="9144000"/>
@@ -268,7 +270,7 @@
           <a:p>
             <a:fld id="{276D79ED-3FA7-4EF8-964B-EB8BCFAB02F8}" type="datetimeFigureOut">
               <a:rPr lang="en-US" smtClean="0"/>
-              <a:t>1/31/2018</a:t>
+              <a:t>2/4/2018</a:t>
             </a:fld>
             <a:endParaRPr lang="en-US"/>
           </a:p>
@@ -438,7 +440,7 @@
           <a:p>
             <a:fld id="{276D79ED-3FA7-4EF8-964B-EB8BCFAB02F8}" type="datetimeFigureOut">
               <a:rPr lang="en-US" smtClean="0"/>
-              <a:t>1/31/2018</a:t>
+              <a:t>2/4/2018</a:t>
             </a:fld>
             <a:endParaRPr lang="en-US"/>
           </a:p>
@@ -686,7 +688,7 @@
           <a:p>
             <a:fld id="{276D79ED-3FA7-4EF8-964B-EB8BCFAB02F8}" type="datetimeFigureOut">
               <a:rPr lang="en-US" smtClean="0"/>
-              <a:t>1/31/2018</a:t>
+              <a:t>2/4/2018</a:t>
             </a:fld>
             <a:endParaRPr lang="en-US"/>
           </a:p>
@@ -918,7 +920,7 @@
           <a:p>
             <a:fld id="{276D79ED-3FA7-4EF8-964B-EB8BCFAB02F8}" type="datetimeFigureOut">
               <a:rPr lang="en-US" smtClean="0"/>
-              <a:t>1/31/2018</a:t>
+              <a:t>2/4/2018</a:t>
             </a:fld>
             <a:endParaRPr lang="en-US"/>
           </a:p>
@@ -1285,7 +1287,7 @@
           <a:p>
             <a:fld id="{276D79ED-3FA7-4EF8-964B-EB8BCFAB02F8}" type="datetimeFigureOut">
               <a:rPr lang="en-US" smtClean="0"/>
-              <a:t>1/31/2018</a:t>
+              <a:t>2/4/2018</a:t>
             </a:fld>
             <a:endParaRPr lang="en-US"/>
           </a:p>
@@ -1403,7 +1405,7 @@
           <a:p>
             <a:fld id="{276D79ED-3FA7-4EF8-964B-EB8BCFAB02F8}" type="datetimeFigureOut">
               <a:rPr lang="en-US" smtClean="0"/>
-              <a:t>1/31/2018</a:t>
+              <a:t>2/4/2018</a:t>
             </a:fld>
             <a:endParaRPr lang="en-US"/>
           </a:p>
@@ -1498,7 +1500,7 @@
           <a:p>
             <a:fld id="{276D79ED-3FA7-4EF8-964B-EB8BCFAB02F8}" type="datetimeFigureOut">
               <a:rPr lang="en-US" smtClean="0"/>
-              <a:t>1/31/2018</a:t>
+              <a:t>2/4/2018</a:t>
             </a:fld>
             <a:endParaRPr lang="en-US"/>
           </a:p>
@@ -1775,7 +1777,7 @@
           <a:p>
             <a:fld id="{276D79ED-3FA7-4EF8-964B-EB8BCFAB02F8}" type="datetimeFigureOut">
               <a:rPr lang="en-US" smtClean="0"/>
-              <a:t>1/31/2018</a:t>
+              <a:t>2/4/2018</a:t>
             </a:fld>
             <a:endParaRPr lang="en-US"/>
           </a:p>
@@ -2032,7 +2034,7 @@
           <a:p>
             <a:fld id="{276D79ED-3FA7-4EF8-964B-EB8BCFAB02F8}" type="datetimeFigureOut">
               <a:rPr lang="en-US" smtClean="0"/>
-              <a:t>1/31/2018</a:t>
+              <a:t>2/4/2018</a:t>
             </a:fld>
             <a:endParaRPr lang="en-US"/>
           </a:p>
@@ -2253,7 +2255,7 @@
           <a:p>
             <a:fld id="{276D79ED-3FA7-4EF8-964B-EB8BCFAB02F8}" type="datetimeFigureOut">
               <a:rPr lang="en-US" smtClean="0"/>
-              <a:t>1/31/2018</a:t>
+              <a:t>2/4/2018</a:t>
             </a:fld>
             <a:endParaRPr lang="en-US"/>
           </a:p>
@@ -2791,10 +2793,17 @@
         <p:spPr/>
         <p:txBody>
           <a:bodyPr>
-            <a:normAutofit/>
+            <a:normAutofit fontScale="90000"/>
           </a:bodyPr>
           <a:lstStyle/>
           <a:p>
+            <a:r>
+              <a:rPr lang="en-US" dirty="0" smtClean="0"/>
+              <a:t>An advance algorithm for a new virtual assistance:</a:t>
+            </a:r>
+            <a:br>
+              <a:rPr lang="en-US" dirty="0" smtClean="0"/>
+            </a:br>
             <a:r>
               <a:rPr lang="en-US" dirty="0" smtClean="0"/>
               <a:t>What is it?</a:t>
@@ -2928,57 +2937,162 @@
         <p:spPr/>
         <p:txBody>
           <a:bodyPr>
-            <a:normAutofit fontScale="92500" lnSpcReduction="10000"/>
+            <a:normAutofit fontScale="62500" lnSpcReduction="20000"/>
           </a:bodyPr>
           <a:lstStyle/>
           <a:p>
-            <a:r>
-              <a:rPr lang="en-US" dirty="0" smtClean="0"/>
-              <a:t>Identify and recognize the object with the “private feature” of artwork, specimen</a:t>
-            </a:r>
-          </a:p>
-          <a:p>
-            <a:pPr marL="0" indent="0">
+            <a:pPr algn="just">
+              <a:lnSpc>
+                <a:spcPct val="170000"/>
+              </a:lnSpc>
+            </a:pPr>
+            <a:r>
+              <a:rPr lang="en-US" sz="2400" dirty="0" smtClean="0"/>
+              <a:t>Identify and recognize the object with the “private feature” of artwork, </a:t>
+            </a:r>
+            <a:r>
+              <a:rPr lang="en-US" sz="2400" dirty="0" smtClean="0"/>
+              <a:t>specimen, whatever</a:t>
+            </a:r>
+          </a:p>
+          <a:p>
+            <a:pPr algn="just">
+              <a:lnSpc>
+                <a:spcPct val="170000"/>
+              </a:lnSpc>
+            </a:pPr>
+            <a:r>
+              <a:rPr lang="en-US" sz="2400" dirty="0" smtClean="0"/>
+              <a:t>Faster </a:t>
+            </a:r>
+            <a:r>
+              <a:rPr lang="en-US" sz="2400" dirty="0" smtClean="0"/>
+              <a:t>handling of responding for real time used </a:t>
+            </a:r>
+            <a:r>
+              <a:rPr lang="en-US" sz="2400" dirty="0" smtClean="0"/>
+              <a:t>cases</a:t>
+            </a:r>
+          </a:p>
+          <a:p>
+            <a:pPr algn="just">
+              <a:lnSpc>
+                <a:spcPct val="170000"/>
+              </a:lnSpc>
+            </a:pPr>
+            <a:r>
+              <a:rPr lang="en-US" sz="2400" dirty="0" smtClean="0"/>
+              <a:t>Data </a:t>
+            </a:r>
+            <a:r>
+              <a:rPr lang="en-US" sz="2400" dirty="0"/>
+              <a:t>authenticity, confidentiality, ready, and integrity for </a:t>
+            </a:r>
+            <a:r>
+              <a:rPr lang="en-US" sz="2400" dirty="0" smtClean="0"/>
+              <a:t>real time </a:t>
+            </a:r>
+            <a:r>
+              <a:rPr lang="en-US" sz="2400" dirty="0" smtClean="0"/>
+              <a:t>applications</a:t>
+            </a:r>
+            <a:endParaRPr lang="en-US" sz="2400" dirty="0" smtClean="0"/>
+          </a:p>
+          <a:p>
+            <a:pPr algn="just">
+              <a:lnSpc>
+                <a:spcPct val="170000"/>
+              </a:lnSpc>
+            </a:pPr>
+            <a:r>
+              <a:rPr lang="en-US" sz="2400" dirty="0" smtClean="0"/>
+              <a:t>The </a:t>
+            </a:r>
+            <a:r>
+              <a:rPr lang="en-US" sz="2400" dirty="0"/>
+              <a:t>expectation of users for huge amount of objects to search among</a:t>
+            </a:r>
+          </a:p>
+          <a:p>
+            <a:pPr algn="just">
+              <a:lnSpc>
+                <a:spcPct val="170000"/>
+              </a:lnSpc>
+            </a:pPr>
+            <a:r>
+              <a:rPr lang="en-US" sz="2400" dirty="0" smtClean="0"/>
+              <a:t>Sometimes </a:t>
+            </a:r>
+            <a:r>
+              <a:rPr lang="en-US" sz="2400" dirty="0"/>
+              <a:t>incompleteness query specification seems to be a challenge</a:t>
+            </a:r>
+          </a:p>
+          <a:p>
+            <a:pPr algn="just">
+              <a:lnSpc>
+                <a:spcPct val="170000"/>
+              </a:lnSpc>
+            </a:pPr>
+            <a:r>
+              <a:rPr lang="en-US" sz="2400" dirty="0" smtClean="0"/>
+              <a:t>Incomplete </a:t>
+            </a:r>
+            <a:r>
+              <a:rPr lang="en-US" sz="2400" dirty="0"/>
+              <a:t>image description is also a </a:t>
+            </a:r>
+            <a:r>
+              <a:rPr lang="en-US" sz="2400" dirty="0" smtClean="0"/>
+              <a:t>source </a:t>
+            </a:r>
+            <a:r>
+              <a:rPr lang="en-US" sz="2400" dirty="0"/>
+              <a:t>of challenge to an efficient CBIR </a:t>
+            </a:r>
+            <a:r>
+              <a:rPr lang="en-US" sz="2400" dirty="0" smtClean="0"/>
+              <a:t>system</a:t>
+            </a:r>
+          </a:p>
+          <a:p>
+            <a:pPr algn="just">
+              <a:lnSpc>
+                <a:spcPct val="170000"/>
+              </a:lnSpc>
+            </a:pPr>
+            <a:r>
+              <a:rPr lang="en-US" sz="2400" dirty="0" smtClean="0"/>
+              <a:t>The issue related to the semantic gap where it means the lack of coincidence between information that the same data have for a user in a given situation</a:t>
+            </a:r>
+          </a:p>
+          <a:p>
+            <a:pPr algn="just">
+              <a:lnSpc>
+                <a:spcPct val="170000"/>
+              </a:lnSpc>
+            </a:pPr>
+            <a:r>
+              <a:rPr lang="en-US" sz="2400" dirty="0"/>
+              <a:t>Updating meta-data based on the collected information from each node ( user)</a:t>
+            </a:r>
+          </a:p>
+          <a:p>
+            <a:pPr marL="0" indent="0" algn="just">
+              <a:lnSpc>
+                <a:spcPct val="170000"/>
+              </a:lnSpc>
               <a:buNone/>
             </a:pPr>
-            <a:endParaRPr lang="en-US" dirty="0" smtClean="0"/>
-          </a:p>
-          <a:p>
-            <a:r>
-              <a:rPr lang="en-US" dirty="0" smtClean="0"/>
-              <a:t>Faster handling of responding for real time used cases</a:t>
-            </a:r>
-          </a:p>
-          <a:p>
-            <a:pPr marL="0" indent="0">
-              <a:buNone/>
+            <a:endParaRPr lang="en-US" sz="2400" dirty="0" smtClean="0"/>
+          </a:p>
+          <a:p>
+            <a:pPr algn="just">
+              <a:lnSpc>
+                <a:spcPct val="170000"/>
+              </a:lnSpc>
             </a:pPr>
-            <a:endParaRPr lang="en-US" dirty="0" smtClean="0"/>
-          </a:p>
-          <a:p>
-            <a:r>
-              <a:rPr lang="en-US" dirty="0"/>
-              <a:t>Data authenticity, confidentiality, ready, and integrity for </a:t>
-            </a:r>
-            <a:r>
-              <a:rPr lang="en-US" dirty="0" smtClean="0"/>
-              <a:t>real time applications</a:t>
-            </a:r>
-          </a:p>
-          <a:p>
-            <a:pPr marL="0" indent="0">
-              <a:buNone/>
-            </a:pPr>
-            <a:endParaRPr lang="en-US" dirty="0" smtClean="0"/>
-          </a:p>
-          <a:p>
-            <a:r>
-              <a:rPr lang="en-US" dirty="0" smtClean="0"/>
-              <a:t>Updating meta-data based on the collected information from each node ( user)</a:t>
-            </a:r>
-          </a:p>
-          <a:p>
-            <a:endParaRPr lang="en-US" dirty="0"/>
+            <a:endParaRPr lang="en-US" sz="2400" dirty="0"/>
           </a:p>
         </p:txBody>
       </p:sp>
@@ -3012,107 +3126,352 @@
           <a:chExt cx="0" cy="0"/>
         </a:xfrm>
       </p:grpSpPr>
-      <p:sp>
-        <p:nvSpPr>
-          <p:cNvPr id="2" name="Title 1"/>
-          <p:cNvSpPr>
-            <a:spLocks noGrp="1"/>
-          </p:cNvSpPr>
-          <p:nvPr>
-            <p:ph type="title"/>
-          </p:nvPr>
-        </p:nvSpPr>
-        <p:spPr/>
-        <p:txBody>
-          <a:bodyPr/>
-          <a:lstStyle/>
-          <a:p>
-            <a:r>
-              <a:rPr lang="en-US" dirty="0" smtClean="0"/>
-              <a:t>Objectives</a:t>
-            </a:r>
-            <a:endParaRPr lang="en-US" dirty="0"/>
-          </a:p>
-        </p:txBody>
-      </p:sp>
-      <p:sp>
-        <p:nvSpPr>
-          <p:cNvPr id="3" name="Content Placeholder 2"/>
-          <p:cNvSpPr>
-            <a:spLocks noGrp="1"/>
-          </p:cNvSpPr>
-          <p:nvPr>
-            <p:ph idx="1"/>
-          </p:nvPr>
-        </p:nvSpPr>
-        <p:spPr/>
-        <p:txBody>
-          <a:bodyPr>
-            <a:normAutofit fontScale="85000" lnSpcReduction="20000"/>
-          </a:bodyPr>
-          <a:lstStyle/>
-          <a:p>
-            <a:r>
-              <a:rPr lang="en-US" dirty="0" smtClean="0"/>
-              <a:t>Enhance privacy virtual assistance in Library and Museum </a:t>
-            </a:r>
-          </a:p>
-          <a:p>
-            <a:pPr marL="0" indent="0">
-              <a:buNone/>
-            </a:pPr>
-            <a:endParaRPr lang="en-US" dirty="0" smtClean="0"/>
-          </a:p>
-          <a:p>
-            <a:r>
-              <a:rPr lang="en-US" dirty="0" smtClean="0"/>
-              <a:t>Improve the accuracy and performance of object recognizing to detect the “private feature” of each artwork, specimen in the museum,  or person, car, furniture</a:t>
-            </a:r>
-            <a:r>
-              <a:rPr lang="en-US" dirty="0" smtClean="0"/>
-              <a:t>, the original of items, </a:t>
-            </a:r>
-            <a:r>
-              <a:rPr lang="en-US" dirty="0" smtClean="0"/>
-              <a:t>etc., </a:t>
-            </a:r>
-          </a:p>
-          <a:p>
-            <a:pPr marL="0" indent="0">
-              <a:buNone/>
-            </a:pPr>
-            <a:endParaRPr lang="en-US" dirty="0" smtClean="0"/>
-          </a:p>
-          <a:p>
-            <a:r>
-              <a:rPr lang="en-US" dirty="0" smtClean="0"/>
-              <a:t>Design automatically category mechanism for object recognition, and application development as well as for detecting “private feature” of each artwork and specimen</a:t>
-            </a:r>
-          </a:p>
-          <a:p>
-            <a:pPr marL="0" indent="0">
-              <a:buNone/>
-            </a:pPr>
-            <a:endParaRPr lang="en-US" dirty="0" smtClean="0"/>
-          </a:p>
-          <a:p>
-            <a:r>
-              <a:rPr lang="en-US" dirty="0" smtClean="0"/>
-              <a:t>Develop algorithms and applications based on the given metadata of the library, museum, or open data</a:t>
-            </a:r>
-          </a:p>
-          <a:p>
-            <a:pPr marL="0" indent="0">
-              <a:buNone/>
-            </a:pPr>
-            <a:endParaRPr lang="en-US" dirty="0"/>
+      <p:pic>
+        <p:nvPicPr>
+          <p:cNvPr id="1026" name="Picture 2" descr="Related image"/>
+          <p:cNvPicPr>
+            <a:picLocks noChangeAspect="1" noChangeArrowheads="1"/>
+          </p:cNvPicPr>
+          <p:nvPr/>
+        </p:nvPicPr>
+        <p:blipFill>
+          <a:blip r:embed="rId2">
+            <a:extLst>
+              <a:ext uri="{28A0092B-C50C-407E-A947-70E740481C1C}">
+                <a14:useLocalDpi xmlns:a14="http://schemas.microsoft.com/office/drawing/2010/main" val="0"/>
+              </a:ext>
+            </a:extLst>
+          </a:blip>
+          <a:srcRect/>
+          <a:stretch>
+            <a:fillRect/>
+          </a:stretch>
+        </p:blipFill>
+        <p:spPr bwMode="auto">
+          <a:xfrm>
+            <a:off x="5683164" y="2186546"/>
+            <a:ext cx="5429250" cy="2190750"/>
+          </a:xfrm>
+          <a:prstGeom prst="rect">
+            <a:avLst/>
+          </a:prstGeom>
+          <a:noFill/>
+          <a:extLst>
+            <a:ext uri="{909E8E84-426E-40DD-AFC4-6F175D3DCCD1}">
+              <a14:hiddenFill xmlns:a14="http://schemas.microsoft.com/office/drawing/2010/main">
+                <a:solidFill>
+                  <a:srgbClr val="FFFFFF"/>
+                </a:solidFill>
+              </a14:hiddenFill>
+            </a:ext>
+          </a:extLst>
+        </p:spPr>
+      </p:pic>
+      <p:sp>
+        <p:nvSpPr>
+          <p:cNvPr id="6" name="Rectangular Callout 5"/>
+          <p:cNvSpPr/>
+          <p:nvPr/>
+        </p:nvSpPr>
+        <p:spPr>
+          <a:xfrm>
+            <a:off x="2290118" y="469557"/>
+            <a:ext cx="2883244" cy="1713470"/>
+          </a:xfrm>
+          <a:prstGeom prst="wedgeRectCallout">
+            <a:avLst>
+              <a:gd name="adj1" fmla="val 99433"/>
+              <a:gd name="adj2" fmla="val 100213"/>
+            </a:avLst>
+          </a:prstGeom>
+        </p:spPr>
+        <p:style>
+          <a:lnRef idx="2">
+            <a:schemeClr val="dk1"/>
+          </a:lnRef>
+          <a:fillRef idx="1">
+            <a:schemeClr val="lt1"/>
+          </a:fillRef>
+          <a:effectRef idx="0">
+            <a:schemeClr val="dk1"/>
+          </a:effectRef>
+          <a:fontRef idx="minor">
+            <a:schemeClr val="dk1"/>
+          </a:fontRef>
+        </p:style>
+        <p:txBody>
+          <a:bodyPr rtlCol="0" anchor="ctr"/>
+          <a:lstStyle/>
+          <a:p>
+            <a:r>
+              <a:rPr lang="en-US" sz="1600" dirty="0" smtClean="0"/>
+              <a:t>Original feature information:</a:t>
+            </a:r>
+          </a:p>
+          <a:p>
+            <a:r>
+              <a:rPr lang="en-US" sz="1600" dirty="0" smtClean="0"/>
+              <a:t>+ Color</a:t>
+            </a:r>
+          </a:p>
+          <a:p>
+            <a:r>
+              <a:rPr lang="en-US" sz="1600" dirty="0" smtClean="0"/>
+              <a:t>+ Texture</a:t>
+            </a:r>
+          </a:p>
+          <a:p>
+            <a:r>
+              <a:rPr lang="en-US" sz="1600" dirty="0" smtClean="0"/>
+              <a:t>+ Shape</a:t>
+            </a:r>
+          </a:p>
+          <a:p>
+            <a:r>
+              <a:rPr lang="en-US" sz="1600" dirty="0" smtClean="0"/>
+              <a:t>+ Spatial Location</a:t>
+            </a:r>
+          </a:p>
+          <a:p>
+            <a:r>
+              <a:rPr lang="en-US" sz="1600" dirty="0" smtClean="0"/>
+              <a:t>+ Local image</a:t>
+            </a:r>
+          </a:p>
+        </p:txBody>
+      </p:sp>
+      <p:sp>
+        <p:nvSpPr>
+          <p:cNvPr id="5" name="Rectangular Callout 4"/>
+          <p:cNvSpPr/>
+          <p:nvPr/>
+        </p:nvSpPr>
+        <p:spPr>
+          <a:xfrm>
+            <a:off x="2514727" y="5325760"/>
+            <a:ext cx="2098461" cy="766119"/>
+          </a:xfrm>
+          <a:prstGeom prst="wedgeRectCallout">
+            <a:avLst>
+              <a:gd name="adj1" fmla="val 130243"/>
+              <a:gd name="adj2" fmla="val -232770"/>
+            </a:avLst>
+          </a:prstGeom>
+        </p:spPr>
+        <p:style>
+          <a:lnRef idx="2">
+            <a:schemeClr val="dk1"/>
+          </a:lnRef>
+          <a:fillRef idx="1">
+            <a:schemeClr val="lt1"/>
+          </a:fillRef>
+          <a:effectRef idx="0">
+            <a:schemeClr val="dk1"/>
+          </a:effectRef>
+          <a:fontRef idx="minor">
+            <a:schemeClr val="dk1"/>
+          </a:fontRef>
+        </p:style>
+        <p:txBody>
+          <a:bodyPr rtlCol="0" anchor="ctr"/>
+          <a:lstStyle/>
+          <a:p>
+            <a:r>
+              <a:rPr lang="en-US" sz="1200" b="1" dirty="0" smtClean="0">
+                <a:solidFill>
+                  <a:schemeClr val="accent4">
+                    <a:lumMod val="75000"/>
+                  </a:schemeClr>
+                </a:solidFill>
+              </a:rPr>
+              <a:t>Geo-tag information:</a:t>
+            </a:r>
+          </a:p>
+          <a:p>
+            <a:r>
+              <a:rPr lang="en-US" sz="1200" dirty="0" smtClean="0">
+                <a:solidFill>
+                  <a:schemeClr val="accent4">
+                    <a:lumMod val="75000"/>
+                  </a:schemeClr>
+                </a:solidFill>
+              </a:rPr>
+              <a:t>+ geolocation</a:t>
+            </a:r>
+          </a:p>
+          <a:p>
+            <a:r>
+              <a:rPr lang="en-US" sz="1200" dirty="0" smtClean="0">
+                <a:solidFill>
+                  <a:schemeClr val="accent4">
+                    <a:lumMod val="75000"/>
+                  </a:schemeClr>
+                </a:solidFill>
+              </a:rPr>
+              <a:t>+ hashtag information</a:t>
+            </a:r>
+          </a:p>
+        </p:txBody>
+      </p:sp>
+      <p:sp>
+        <p:nvSpPr>
+          <p:cNvPr id="8" name="Rectangular Callout 7"/>
+          <p:cNvSpPr/>
+          <p:nvPr/>
+        </p:nvSpPr>
+        <p:spPr>
+          <a:xfrm>
+            <a:off x="6094069" y="5086864"/>
+            <a:ext cx="2098461" cy="766119"/>
+          </a:xfrm>
+          <a:prstGeom prst="wedgeRectCallout">
+            <a:avLst>
+              <a:gd name="adj1" fmla="val 130243"/>
+              <a:gd name="adj2" fmla="val -232770"/>
+            </a:avLst>
+          </a:prstGeom>
+        </p:spPr>
+        <p:style>
+          <a:lnRef idx="2">
+            <a:schemeClr val="dk1"/>
+          </a:lnRef>
+          <a:fillRef idx="1">
+            <a:schemeClr val="lt1"/>
+          </a:fillRef>
+          <a:effectRef idx="0">
+            <a:schemeClr val="dk1"/>
+          </a:effectRef>
+          <a:fontRef idx="minor">
+            <a:schemeClr val="dk1"/>
+          </a:fontRef>
+        </p:style>
+        <p:txBody>
+          <a:bodyPr rtlCol="0" anchor="ctr"/>
+          <a:lstStyle/>
+          <a:p>
+            <a:r>
+              <a:rPr lang="en-US" sz="1200" b="1" dirty="0" smtClean="0">
+                <a:solidFill>
+                  <a:srgbClr val="F711DC"/>
+                </a:solidFill>
+              </a:rPr>
+              <a:t>QR codes information:</a:t>
+            </a:r>
+          </a:p>
+          <a:p>
+            <a:r>
+              <a:rPr lang="en-US" sz="1200" dirty="0" smtClean="0">
+                <a:solidFill>
+                  <a:srgbClr val="F711DC"/>
+                </a:solidFill>
+              </a:rPr>
+              <a:t>+ ID of the items in the museum</a:t>
+            </a:r>
+          </a:p>
+        </p:txBody>
+      </p:sp>
+      <p:sp>
+        <p:nvSpPr>
+          <p:cNvPr id="7" name="Rectangular Callout 6"/>
+          <p:cNvSpPr/>
+          <p:nvPr/>
+        </p:nvSpPr>
+        <p:spPr>
+          <a:xfrm>
+            <a:off x="8369643" y="469557"/>
+            <a:ext cx="3212757" cy="1205129"/>
+          </a:xfrm>
+          <a:prstGeom prst="wedgeRectCallout">
+            <a:avLst>
+              <a:gd name="adj1" fmla="val -77952"/>
+              <a:gd name="adj2" fmla="val 154260"/>
+            </a:avLst>
+          </a:prstGeom>
+        </p:spPr>
+        <p:style>
+          <a:lnRef idx="2">
+            <a:schemeClr val="accent1"/>
+          </a:lnRef>
+          <a:fillRef idx="1">
+            <a:schemeClr val="lt1"/>
+          </a:fillRef>
+          <a:effectRef idx="0">
+            <a:schemeClr val="accent1"/>
+          </a:effectRef>
+          <a:fontRef idx="minor">
+            <a:schemeClr val="dk1"/>
+          </a:fontRef>
+        </p:style>
+        <p:txBody>
+          <a:bodyPr rtlCol="0" anchor="ctr"/>
+          <a:lstStyle/>
+          <a:p>
+            <a:r>
+              <a:rPr lang="en-US" sz="1600" b="1" dirty="0" smtClean="0">
+                <a:solidFill>
+                  <a:schemeClr val="accent5"/>
+                </a:solidFill>
+              </a:rPr>
+              <a:t>Proposed </a:t>
+            </a:r>
+            <a:r>
+              <a:rPr lang="en-US" sz="1600" b="1" dirty="0">
+                <a:solidFill>
+                  <a:schemeClr val="accent5"/>
+                </a:solidFill>
+              </a:rPr>
+              <a:t>a</a:t>
+            </a:r>
+            <a:r>
+              <a:rPr lang="en-US" sz="1600" b="1" dirty="0" smtClean="0">
+                <a:solidFill>
+                  <a:schemeClr val="accent5"/>
+                </a:solidFill>
+              </a:rPr>
+              <a:t>dvantage features:</a:t>
+            </a:r>
+          </a:p>
+          <a:p>
+            <a:r>
+              <a:rPr lang="en-US" sz="1600" dirty="0" smtClean="0">
+                <a:solidFill>
+                  <a:schemeClr val="accent5"/>
+                </a:solidFill>
+              </a:rPr>
+              <a:t>+ private features</a:t>
+            </a:r>
+          </a:p>
+          <a:p>
+            <a:r>
+              <a:rPr lang="en-US" sz="1600" dirty="0" smtClean="0">
+                <a:solidFill>
+                  <a:schemeClr val="accent5"/>
+                </a:solidFill>
+              </a:rPr>
+              <a:t>+ style features</a:t>
+            </a:r>
+          </a:p>
+          <a:p>
+            <a:r>
+              <a:rPr lang="en-US" sz="1600" dirty="0" smtClean="0">
+                <a:solidFill>
+                  <a:schemeClr val="accent5"/>
+                </a:solidFill>
+              </a:rPr>
+              <a:t>+ guessing features</a:t>
+            </a:r>
+            <a:endParaRPr lang="en-US" sz="1600" dirty="0">
+              <a:solidFill>
+                <a:schemeClr val="accent5"/>
+              </a:solidFill>
+            </a:endParaRPr>
           </a:p>
         </p:txBody>
       </p:sp>
     </p:spTree>
     <p:extLst>
       <p:ext uri="{BB962C8B-B14F-4D97-AF65-F5344CB8AC3E}">
-        <p14:creationId xmlns:p14="http://schemas.microsoft.com/office/powerpoint/2010/main" val="2344540837"/>
+        <p14:creationId xmlns:p14="http://schemas.microsoft.com/office/powerpoint/2010/main" val="991377956"/>
       </p:ext>
     </p:extLst>
   </p:cSld>
@@ -3151,14 +3510,12 @@
         </p:nvSpPr>
         <p:spPr/>
         <p:txBody>
-          <a:bodyPr>
-            <a:normAutofit/>
-          </a:bodyPr>
+          <a:bodyPr/>
           <a:lstStyle/>
           <a:p>
             <a:r>
               <a:rPr lang="en-US" dirty="0" smtClean="0"/>
-              <a:t>Methodology</a:t>
+              <a:t>Objectives</a:t>
             </a:r>
             <a:endParaRPr lang="en-US" dirty="0"/>
           </a:p>
@@ -3177,37 +3534,175 @@
         <p:spPr/>
         <p:txBody>
           <a:bodyPr>
-            <a:noAutofit/>
+            <a:normAutofit/>
           </a:bodyPr>
           <a:lstStyle/>
           <a:p>
+            <a:pPr algn="just"/>
             <a:r>
               <a:rPr lang="en-US" sz="2000" dirty="0" smtClean="0"/>
-              <a:t>Exploit the Artificial, Deep, Recurrent, Convolutional neural networks (ANN,DNN, RNN,CNN), Supervised, Unsupervised, and Deep reinforcement learning, search engine algorithm to improve the quality of object recognition.</a:t>
-            </a:r>
-          </a:p>
-          <a:p>
-            <a:pPr marL="0" indent="0">
+              <a:t>Enhance privacy virtual assistance in Library and Museum </a:t>
+            </a:r>
+          </a:p>
+          <a:p>
+            <a:pPr marL="0" indent="0" algn="just">
               <a:buNone/>
             </a:pPr>
             <a:endParaRPr lang="en-US" sz="2000" dirty="0" smtClean="0"/>
           </a:p>
           <a:p>
+            <a:pPr algn="just"/>
+            <a:r>
+              <a:rPr lang="en-US" sz="2000" dirty="0" smtClean="0"/>
+              <a:t>Improve the accuracy and performance of object recognizing to detect the “private feature” of each artwork, specimen in the museum,  or person, car, furniture, the original of items, etc., </a:t>
+            </a:r>
+          </a:p>
+          <a:p>
+            <a:pPr marL="0" indent="0" algn="just">
+              <a:buNone/>
+            </a:pPr>
+            <a:endParaRPr lang="en-US" sz="2000" dirty="0" smtClean="0"/>
+          </a:p>
+          <a:p>
+            <a:pPr algn="just"/>
+            <a:r>
+              <a:rPr lang="en-US" sz="2000" dirty="0" smtClean="0"/>
+              <a:t>Design automatically category mechanism for object recognition, and application development as well as for detecting “private feature” of each artwork and specimen</a:t>
+            </a:r>
+          </a:p>
+          <a:p>
+            <a:pPr marL="0" indent="0" algn="just">
+              <a:buNone/>
+            </a:pPr>
+            <a:endParaRPr lang="en-US" sz="2000" dirty="0" smtClean="0"/>
+          </a:p>
+          <a:p>
+            <a:pPr algn="just"/>
+            <a:r>
+              <a:rPr lang="en-US" sz="2000" dirty="0" smtClean="0"/>
+              <a:t>Develop algorithms and applications based on the given metadata of the library, museum, or open data</a:t>
+            </a:r>
+          </a:p>
+          <a:p>
+            <a:pPr marL="0" indent="0" algn="just">
+              <a:buNone/>
+            </a:pPr>
+            <a:endParaRPr lang="en-US" sz="2000" dirty="0"/>
+          </a:p>
+        </p:txBody>
+      </p:sp>
+    </p:spTree>
+    <p:extLst>
+      <p:ext uri="{BB962C8B-B14F-4D97-AF65-F5344CB8AC3E}">
+        <p14:creationId xmlns:p14="http://schemas.microsoft.com/office/powerpoint/2010/main" val="2344540837"/>
+      </p:ext>
+    </p:extLst>
+  </p:cSld>
+  <p:clrMapOvr>
+    <a:masterClrMapping/>
+  </p:clrMapOvr>
+</p:sld>
+</file>
+
+<file path=ppt/slides/slide13.xml><?xml version="1.0" encoding="utf-8"?>
+<p:sld xmlns:a="http://schemas.openxmlformats.org/drawingml/2006/main" xmlns:r="http://schemas.openxmlformats.org/officeDocument/2006/relationships" xmlns:p="http://schemas.openxmlformats.org/presentationml/2006/main" showMasterSp="0">
+  <p:cSld>
+    <p:spTree>
+      <p:nvGrpSpPr>
+        <p:cNvPr id="1" name=""/>
+        <p:cNvGrpSpPr/>
+        <p:nvPr/>
+      </p:nvGrpSpPr>
+      <p:grpSpPr>
+        <a:xfrm>
+          <a:off x="0" y="0"/>
+          <a:ext cx="0" cy="0"/>
+          <a:chOff x="0" y="0"/>
+          <a:chExt cx="0" cy="0"/>
+        </a:xfrm>
+      </p:grpSpPr>
+      <p:sp>
+        <p:nvSpPr>
+          <p:cNvPr id="2" name="Title 1"/>
+          <p:cNvSpPr>
+            <a:spLocks noGrp="1"/>
+          </p:cNvSpPr>
+          <p:nvPr>
+            <p:ph type="title"/>
+          </p:nvPr>
+        </p:nvSpPr>
+        <p:spPr/>
+        <p:txBody>
+          <a:bodyPr>
+            <a:normAutofit/>
+          </a:bodyPr>
+          <a:lstStyle/>
+          <a:p>
+            <a:r>
+              <a:rPr lang="en-US" dirty="0" smtClean="0"/>
+              <a:t>Methodology</a:t>
+            </a:r>
+            <a:endParaRPr lang="en-US" dirty="0"/>
+          </a:p>
+        </p:txBody>
+      </p:sp>
+      <p:sp>
+        <p:nvSpPr>
+          <p:cNvPr id="3" name="Content Placeholder 2"/>
+          <p:cNvSpPr>
+            <a:spLocks noGrp="1"/>
+          </p:cNvSpPr>
+          <p:nvPr>
+            <p:ph idx="1"/>
+          </p:nvPr>
+        </p:nvSpPr>
+        <p:spPr/>
+        <p:txBody>
+          <a:bodyPr>
+            <a:noAutofit/>
+          </a:bodyPr>
+          <a:lstStyle/>
+          <a:p>
+            <a:pPr algn="just"/>
+            <a:r>
+              <a:rPr lang="en-US" sz="2000" dirty="0" smtClean="0"/>
+              <a:t>Exploit the Artificial, Deep, Recurrent, Convolutional neural networks (ANN,DNN, RNN,CNN), Supervised, Unsupervised, and Deep reinforcement learning, search engine algorithm to improve the quality of object recognition.</a:t>
+            </a:r>
+          </a:p>
+          <a:p>
+            <a:pPr marL="0" indent="0" algn="just">
+              <a:buNone/>
+            </a:pPr>
+            <a:endParaRPr lang="en-US" sz="2000" dirty="0" smtClean="0"/>
+          </a:p>
+          <a:p>
+            <a:pPr algn="just"/>
             <a:r>
               <a:rPr lang="en-US" sz="2000" dirty="0" smtClean="0"/>
               <a:t>Build-up machine learning algorithms and artificial intelligence in order to recognize, analyze and make the explanation of a given object by using smartphone camera.</a:t>
             </a:r>
           </a:p>
           <a:p>
+            <a:pPr algn="just"/>
             <a:endParaRPr lang="en-US" sz="2000" dirty="0"/>
           </a:p>
           <a:p>
+            <a:pPr algn="just"/>
             <a:r>
               <a:rPr lang="en-US" sz="2000" dirty="0" smtClean="0"/>
               <a:t>Make the approximated verification method to confirm the accuracy of generated information </a:t>
             </a:r>
           </a:p>
           <a:p>
+            <a:pPr algn="just"/>
+            <a:endParaRPr lang="en-US" sz="2000" dirty="0" smtClean="0"/>
+          </a:p>
+          <a:p>
+            <a:pPr algn="just"/>
+            <a:r>
+              <a:rPr lang="en-US" sz="2000" dirty="0" smtClean="0"/>
+              <a:t>Update the knowledge of the system based on the users’ contributions</a:t>
+            </a:r>
             <a:endParaRPr lang="en-US" sz="2000" dirty="0" smtClean="0"/>
           </a:p>
         </p:txBody>
@@ -3225,7 +3720,1755 @@
 </p:sld>
 </file>
 
-<file path=ppt/slides/slide13.xml><?xml version="1.0" encoding="utf-8"?>
+<file path=ppt/slides/slide14.xml><?xml version="1.0" encoding="utf-8"?>
+<p:sld xmlns:a="http://schemas.openxmlformats.org/drawingml/2006/main" xmlns:r="http://schemas.openxmlformats.org/officeDocument/2006/relationships" xmlns:p="http://schemas.openxmlformats.org/presentationml/2006/main" showMasterSp="0">
+  <p:cSld>
+    <p:bg>
+      <p:bgPr>
+        <a:solidFill>
+          <a:schemeClr val="bg1">
+            <a:lumMod val="95000"/>
+          </a:schemeClr>
+        </a:solidFill>
+        <a:effectLst/>
+      </p:bgPr>
+    </p:bg>
+    <p:spTree>
+      <p:nvGrpSpPr>
+        <p:cNvPr id="1" name=""/>
+        <p:cNvGrpSpPr/>
+        <p:nvPr/>
+      </p:nvGrpSpPr>
+      <p:grpSpPr>
+        <a:xfrm>
+          <a:off x="0" y="0"/>
+          <a:ext cx="0" cy="0"/>
+          <a:chOff x="0" y="0"/>
+          <a:chExt cx="0" cy="0"/>
+        </a:xfrm>
+      </p:grpSpPr>
+      <p:pic>
+        <p:nvPicPr>
+          <p:cNvPr id="1026" name="Picture 2" descr="Image result for monalisa icon"/>
+          <p:cNvPicPr>
+            <a:picLocks noChangeAspect="1" noChangeArrowheads="1"/>
+          </p:cNvPicPr>
+          <p:nvPr/>
+        </p:nvPicPr>
+        <p:blipFill>
+          <a:blip r:embed="rId2" cstate="print">
+            <a:extLst>
+              <a:ext uri="{28A0092B-C50C-407E-A947-70E740481C1C}">
+                <a14:useLocalDpi xmlns:a14="http://schemas.microsoft.com/office/drawing/2010/main" val="0"/>
+              </a:ext>
+            </a:extLst>
+          </a:blip>
+          <a:srcRect/>
+          <a:stretch>
+            <a:fillRect/>
+          </a:stretch>
+        </p:blipFill>
+        <p:spPr bwMode="auto">
+          <a:xfrm>
+            <a:off x="3582157" y="985822"/>
+            <a:ext cx="805759" cy="805759"/>
+          </a:xfrm>
+          <a:prstGeom prst="rect">
+            <a:avLst/>
+          </a:prstGeom>
+          <a:noFill/>
+          <a:extLst>
+            <a:ext uri="{909E8E84-426E-40DD-AFC4-6F175D3DCCD1}">
+              <a14:hiddenFill xmlns:a14="http://schemas.microsoft.com/office/drawing/2010/main">
+                <a:solidFill>
+                  <a:srgbClr val="FFFFFF"/>
+                </a:solidFill>
+              </a14:hiddenFill>
+            </a:ext>
+          </a:extLst>
+        </p:spPr>
+      </p:pic>
+      <p:sp>
+        <p:nvSpPr>
+          <p:cNvPr id="2" name="TextBox 1"/>
+          <p:cNvSpPr txBox="1"/>
+          <p:nvPr/>
+        </p:nvSpPr>
+        <p:spPr>
+          <a:xfrm>
+            <a:off x="4604627" y="2557145"/>
+            <a:ext cx="1204176" cy="369332"/>
+          </a:xfrm>
+          <a:prstGeom prst="rect">
+            <a:avLst/>
+          </a:prstGeom>
+          <a:noFill/>
+        </p:spPr>
+        <p:txBody>
+          <a:bodyPr wrap="none" rtlCol="0">
+            <a:spAutoFit/>
+          </a:bodyPr>
+          <a:lstStyle/>
+          <a:p>
+            <a:r>
+              <a:rPr lang="en-US" dirty="0" smtClean="0"/>
+              <a:t>Museum 1</a:t>
+            </a:r>
+            <a:endParaRPr lang="en-US" dirty="0"/>
+          </a:p>
+        </p:txBody>
+      </p:sp>
+      <p:pic>
+        <p:nvPicPr>
+          <p:cNvPr id="1028" name="Picture 4" descr="Image result for pin icon"/>
+          <p:cNvPicPr>
+            <a:picLocks noChangeAspect="1" noChangeArrowheads="1"/>
+          </p:cNvPicPr>
+          <p:nvPr/>
+        </p:nvPicPr>
+        <p:blipFill>
+          <a:blip r:embed="rId3" cstate="print">
+            <a:extLst>
+              <a:ext uri="{28A0092B-C50C-407E-A947-70E740481C1C}">
+                <a14:useLocalDpi xmlns:a14="http://schemas.microsoft.com/office/drawing/2010/main" val="0"/>
+              </a:ext>
+            </a:extLst>
+          </a:blip>
+          <a:srcRect/>
+          <a:stretch>
+            <a:fillRect/>
+          </a:stretch>
+        </p:blipFill>
+        <p:spPr bwMode="auto">
+          <a:xfrm>
+            <a:off x="3921536" y="830192"/>
+            <a:ext cx="247886" cy="247886"/>
+          </a:xfrm>
+          <a:prstGeom prst="rect">
+            <a:avLst/>
+          </a:prstGeom>
+          <a:noFill/>
+          <a:extLst>
+            <a:ext uri="{909E8E84-426E-40DD-AFC4-6F175D3DCCD1}">
+              <a14:hiddenFill xmlns:a14="http://schemas.microsoft.com/office/drawing/2010/main">
+                <a:solidFill>
+                  <a:srgbClr val="FFFFFF"/>
+                </a:solidFill>
+              </a14:hiddenFill>
+            </a:ext>
+          </a:extLst>
+        </p:spPr>
+      </p:pic>
+      <p:pic>
+        <p:nvPicPr>
+          <p:cNvPr id="1032" name="Picture 8" descr="Related image"/>
+          <p:cNvPicPr>
+            <a:picLocks noChangeAspect="1" noChangeArrowheads="1"/>
+          </p:cNvPicPr>
+          <p:nvPr/>
+        </p:nvPicPr>
+        <p:blipFill>
+          <a:blip r:embed="rId4" cstate="print">
+            <a:extLst>
+              <a:ext uri="{28A0092B-C50C-407E-A947-70E740481C1C}">
+                <a14:useLocalDpi xmlns:a14="http://schemas.microsoft.com/office/drawing/2010/main" val="0"/>
+              </a:ext>
+            </a:extLst>
+          </a:blip>
+          <a:srcRect/>
+          <a:stretch>
+            <a:fillRect/>
+          </a:stretch>
+        </p:blipFill>
+        <p:spPr bwMode="auto">
+          <a:xfrm>
+            <a:off x="3965986" y="1699804"/>
+            <a:ext cx="293687" cy="183554"/>
+          </a:xfrm>
+          <a:prstGeom prst="rect">
+            <a:avLst/>
+          </a:prstGeom>
+          <a:noFill/>
+          <a:extLst>
+            <a:ext uri="{909E8E84-426E-40DD-AFC4-6F175D3DCCD1}">
+              <a14:hiddenFill xmlns:a14="http://schemas.microsoft.com/office/drawing/2010/main">
+                <a:solidFill>
+                  <a:srgbClr val="FFFFFF"/>
+                </a:solidFill>
+              </a14:hiddenFill>
+            </a:ext>
+          </a:extLst>
+        </p:spPr>
+      </p:pic>
+      <p:pic>
+        <p:nvPicPr>
+          <p:cNvPr id="1034" name="Picture 10" descr="Image result for mobile phone icon"/>
+          <p:cNvPicPr>
+            <a:picLocks noChangeAspect="1" noChangeArrowheads="1"/>
+          </p:cNvPicPr>
+          <p:nvPr/>
+        </p:nvPicPr>
+        <p:blipFill>
+          <a:blip r:embed="rId5" cstate="print">
+            <a:extLst>
+              <a:ext uri="{28A0092B-C50C-407E-A947-70E740481C1C}">
+                <a14:useLocalDpi xmlns:a14="http://schemas.microsoft.com/office/drawing/2010/main" val="0"/>
+              </a:ext>
+            </a:extLst>
+          </a:blip>
+          <a:srcRect/>
+          <a:stretch>
+            <a:fillRect/>
+          </a:stretch>
+        </p:blipFill>
+        <p:spPr bwMode="auto">
+          <a:xfrm>
+            <a:off x="2941254" y="516047"/>
+            <a:ext cx="2087563" cy="2087563"/>
+          </a:xfrm>
+          <a:prstGeom prst="rect">
+            <a:avLst/>
+          </a:prstGeom>
+          <a:noFill/>
+          <a:extLst>
+            <a:ext uri="{909E8E84-426E-40DD-AFC4-6F175D3DCCD1}">
+              <a14:hiddenFill xmlns:a14="http://schemas.microsoft.com/office/drawing/2010/main">
+                <a:solidFill>
+                  <a:srgbClr val="FFFFFF"/>
+                </a:solidFill>
+              </a14:hiddenFill>
+            </a:ext>
+          </a:extLst>
+        </p:spPr>
+      </p:pic>
+      <p:pic>
+        <p:nvPicPr>
+          <p:cNvPr id="1036" name="Picture 12" descr="Image result for Cloud icon"/>
+          <p:cNvPicPr>
+            <a:picLocks noChangeAspect="1" noChangeArrowheads="1"/>
+          </p:cNvPicPr>
+          <p:nvPr/>
+        </p:nvPicPr>
+        <p:blipFill>
+          <a:blip r:embed="rId6" cstate="print">
+            <a:extLst>
+              <a:ext uri="{28A0092B-C50C-407E-A947-70E740481C1C}">
+                <a14:useLocalDpi xmlns:a14="http://schemas.microsoft.com/office/drawing/2010/main" val="0"/>
+              </a:ext>
+            </a:extLst>
+          </a:blip>
+          <a:srcRect/>
+          <a:stretch>
+            <a:fillRect/>
+          </a:stretch>
+        </p:blipFill>
+        <p:spPr bwMode="auto">
+          <a:xfrm>
+            <a:off x="7006694" y="847512"/>
+            <a:ext cx="2198266" cy="1140531"/>
+          </a:xfrm>
+          <a:prstGeom prst="rect">
+            <a:avLst/>
+          </a:prstGeom>
+          <a:noFill/>
+          <a:extLst>
+            <a:ext uri="{909E8E84-426E-40DD-AFC4-6F175D3DCCD1}">
+              <a14:hiddenFill xmlns:a14="http://schemas.microsoft.com/office/drawing/2010/main">
+                <a:solidFill>
+                  <a:srgbClr val="FFFFFF"/>
+                </a:solidFill>
+              </a14:hiddenFill>
+            </a:ext>
+          </a:extLst>
+        </p:spPr>
+      </p:pic>
+      <p:pic>
+        <p:nvPicPr>
+          <p:cNvPr id="1038" name="Picture 14" descr="Image result for database icon"/>
+          <p:cNvPicPr>
+            <a:picLocks noChangeAspect="1" noChangeArrowheads="1"/>
+          </p:cNvPicPr>
+          <p:nvPr/>
+        </p:nvPicPr>
+        <p:blipFill>
+          <a:blip r:embed="rId7">
+            <a:extLst>
+              <a:ext uri="{28A0092B-C50C-407E-A947-70E740481C1C}">
+                <a14:useLocalDpi xmlns:a14="http://schemas.microsoft.com/office/drawing/2010/main" val="0"/>
+              </a:ext>
+            </a:extLst>
+          </a:blip>
+          <a:srcRect/>
+          <a:stretch>
+            <a:fillRect/>
+          </a:stretch>
+        </p:blipFill>
+        <p:spPr bwMode="auto">
+          <a:xfrm>
+            <a:off x="5635336" y="378804"/>
+            <a:ext cx="937416" cy="937416"/>
+          </a:xfrm>
+          <a:prstGeom prst="rect">
+            <a:avLst/>
+          </a:prstGeom>
+          <a:noFill/>
+          <a:extLst>
+            <a:ext uri="{909E8E84-426E-40DD-AFC4-6F175D3DCCD1}">
+              <a14:hiddenFill xmlns:a14="http://schemas.microsoft.com/office/drawing/2010/main">
+                <a:solidFill>
+                  <a:srgbClr val="FFFFFF"/>
+                </a:solidFill>
+              </a14:hiddenFill>
+            </a:ext>
+          </a:extLst>
+        </p:spPr>
+      </p:pic>
+      <p:sp>
+        <p:nvSpPr>
+          <p:cNvPr id="14" name="TextBox 13"/>
+          <p:cNvSpPr txBox="1"/>
+          <p:nvPr/>
+        </p:nvSpPr>
+        <p:spPr>
+          <a:xfrm>
+            <a:off x="5501956" y="0"/>
+            <a:ext cx="1204176" cy="369332"/>
+          </a:xfrm>
+          <a:prstGeom prst="rect">
+            <a:avLst/>
+          </a:prstGeom>
+          <a:noFill/>
+        </p:spPr>
+        <p:txBody>
+          <a:bodyPr wrap="none" rtlCol="0">
+            <a:spAutoFit/>
+          </a:bodyPr>
+          <a:lstStyle/>
+          <a:p>
+            <a:r>
+              <a:rPr lang="en-US" dirty="0" smtClean="0"/>
+              <a:t>Museum 1</a:t>
+            </a:r>
+            <a:endParaRPr lang="en-US" dirty="0"/>
+          </a:p>
+        </p:txBody>
+      </p:sp>
+      <p:sp>
+        <p:nvSpPr>
+          <p:cNvPr id="8" name="Left-Right Arrow 7"/>
+          <p:cNvSpPr/>
+          <p:nvPr/>
+        </p:nvSpPr>
+        <p:spPr>
+          <a:xfrm>
+            <a:off x="6572752" y="1036016"/>
+            <a:ext cx="692888" cy="265065"/>
+          </a:xfrm>
+          <a:prstGeom prst="leftRightArrow">
+            <a:avLst/>
+          </a:prstGeom>
+          <a:noFill/>
+        </p:spPr>
+        <p:style>
+          <a:lnRef idx="2">
+            <a:schemeClr val="dk1"/>
+          </a:lnRef>
+          <a:fillRef idx="1">
+            <a:schemeClr val="lt1"/>
+          </a:fillRef>
+          <a:effectRef idx="0">
+            <a:schemeClr val="dk1"/>
+          </a:effectRef>
+          <a:fontRef idx="minor">
+            <a:schemeClr val="dk1"/>
+          </a:fontRef>
+        </p:style>
+        <p:txBody>
+          <a:bodyPr rtlCol="0" anchor="ctr"/>
+          <a:lstStyle/>
+          <a:p>
+            <a:pPr algn="ctr"/>
+            <a:endParaRPr lang="en-US"/>
+          </a:p>
+        </p:txBody>
+      </p:sp>
+      <p:pic>
+        <p:nvPicPr>
+          <p:cNvPr id="18" name="Picture 14" descr="Image result for database icon"/>
+          <p:cNvPicPr>
+            <a:picLocks noChangeAspect="1" noChangeArrowheads="1"/>
+          </p:cNvPicPr>
+          <p:nvPr/>
+        </p:nvPicPr>
+        <p:blipFill>
+          <a:blip r:embed="rId7">
+            <a:extLst>
+              <a:ext uri="{28A0092B-C50C-407E-A947-70E740481C1C}">
+                <a14:useLocalDpi xmlns:a14="http://schemas.microsoft.com/office/drawing/2010/main" val="0"/>
+              </a:ext>
+            </a:extLst>
+          </a:blip>
+          <a:srcRect/>
+          <a:stretch>
+            <a:fillRect/>
+          </a:stretch>
+        </p:blipFill>
+        <p:spPr bwMode="auto">
+          <a:xfrm>
+            <a:off x="10190085" y="146715"/>
+            <a:ext cx="937416" cy="937416"/>
+          </a:xfrm>
+          <a:prstGeom prst="rect">
+            <a:avLst/>
+          </a:prstGeom>
+          <a:noFill/>
+          <a:extLst>
+            <a:ext uri="{909E8E84-426E-40DD-AFC4-6F175D3DCCD1}">
+              <a14:hiddenFill xmlns:a14="http://schemas.microsoft.com/office/drawing/2010/main">
+                <a:solidFill>
+                  <a:srgbClr val="FFFFFF"/>
+                </a:solidFill>
+              </a14:hiddenFill>
+            </a:ext>
+          </a:extLst>
+        </p:spPr>
+      </p:pic>
+      <p:sp>
+        <p:nvSpPr>
+          <p:cNvPr id="19" name="Left-Right Arrow 18"/>
+          <p:cNvSpPr/>
+          <p:nvPr/>
+        </p:nvSpPr>
+        <p:spPr>
+          <a:xfrm rot="20443718">
+            <a:off x="8994106" y="847817"/>
+            <a:ext cx="1185451" cy="265065"/>
+          </a:xfrm>
+          <a:prstGeom prst="leftRightArrow">
+            <a:avLst/>
+          </a:prstGeom>
+          <a:noFill/>
+        </p:spPr>
+        <p:style>
+          <a:lnRef idx="2">
+            <a:schemeClr val="dk1"/>
+          </a:lnRef>
+          <a:fillRef idx="1">
+            <a:schemeClr val="lt1"/>
+          </a:fillRef>
+          <a:effectRef idx="0">
+            <a:schemeClr val="dk1"/>
+          </a:effectRef>
+          <a:fontRef idx="minor">
+            <a:schemeClr val="dk1"/>
+          </a:fontRef>
+        </p:style>
+        <p:txBody>
+          <a:bodyPr rtlCol="0" anchor="ctr"/>
+          <a:lstStyle/>
+          <a:p>
+            <a:pPr algn="ctr"/>
+            <a:endParaRPr lang="en-US"/>
+          </a:p>
+        </p:txBody>
+      </p:sp>
+      <p:sp>
+        <p:nvSpPr>
+          <p:cNvPr id="20" name="TextBox 19"/>
+          <p:cNvSpPr txBox="1"/>
+          <p:nvPr/>
+        </p:nvSpPr>
+        <p:spPr>
+          <a:xfrm>
+            <a:off x="8795483" y="134994"/>
+            <a:ext cx="1527982" cy="369332"/>
+          </a:xfrm>
+          <a:prstGeom prst="rect">
+            <a:avLst/>
+          </a:prstGeom>
+          <a:noFill/>
+        </p:spPr>
+        <p:txBody>
+          <a:bodyPr wrap="none" rtlCol="0">
+            <a:spAutoFit/>
+          </a:bodyPr>
+          <a:lstStyle/>
+          <a:p>
+            <a:r>
+              <a:rPr lang="en-US" dirty="0" err="1" smtClean="0"/>
+              <a:t>Bibliomondo</a:t>
+            </a:r>
+            <a:r>
+              <a:rPr lang="en-US" dirty="0" smtClean="0"/>
+              <a:t> </a:t>
+            </a:r>
+            <a:endParaRPr lang="en-US" dirty="0"/>
+          </a:p>
+        </p:txBody>
+      </p:sp>
+      <p:sp>
+        <p:nvSpPr>
+          <p:cNvPr id="21" name="Left-Right Arrow 20"/>
+          <p:cNvSpPr/>
+          <p:nvPr/>
+        </p:nvSpPr>
+        <p:spPr>
+          <a:xfrm rot="5192900">
+            <a:off x="7074287" y="3060714"/>
+            <a:ext cx="2243073" cy="265065"/>
+          </a:xfrm>
+          <a:prstGeom prst="leftRightArrow">
+            <a:avLst/>
+          </a:prstGeom>
+          <a:noFill/>
+        </p:spPr>
+        <p:style>
+          <a:lnRef idx="2">
+            <a:schemeClr val="dk1"/>
+          </a:lnRef>
+          <a:fillRef idx="1">
+            <a:schemeClr val="lt1"/>
+          </a:fillRef>
+          <a:effectRef idx="0">
+            <a:schemeClr val="dk1"/>
+          </a:effectRef>
+          <a:fontRef idx="minor">
+            <a:schemeClr val="dk1"/>
+          </a:fontRef>
+        </p:style>
+        <p:txBody>
+          <a:bodyPr rtlCol="0" anchor="ctr"/>
+          <a:lstStyle/>
+          <a:p>
+            <a:pPr algn="ctr"/>
+            <a:endParaRPr lang="en-US"/>
+          </a:p>
+        </p:txBody>
+      </p:sp>
+      <p:pic>
+        <p:nvPicPr>
+          <p:cNvPr id="22" name="Picture 14" descr="Image result for database icon"/>
+          <p:cNvPicPr>
+            <a:picLocks noChangeAspect="1" noChangeArrowheads="1"/>
+          </p:cNvPicPr>
+          <p:nvPr/>
+        </p:nvPicPr>
+        <p:blipFill>
+          <a:blip r:embed="rId7">
+            <a:extLst>
+              <a:ext uri="{28A0092B-C50C-407E-A947-70E740481C1C}">
+                <a14:useLocalDpi xmlns:a14="http://schemas.microsoft.com/office/drawing/2010/main" val="0"/>
+              </a:ext>
+            </a:extLst>
+          </a:blip>
+          <a:srcRect/>
+          <a:stretch>
+            <a:fillRect/>
+          </a:stretch>
+        </p:blipFill>
+        <p:spPr bwMode="auto">
+          <a:xfrm>
+            <a:off x="1641497" y="504326"/>
+            <a:ext cx="937416" cy="937416"/>
+          </a:xfrm>
+          <a:prstGeom prst="rect">
+            <a:avLst/>
+          </a:prstGeom>
+          <a:noFill/>
+          <a:extLst>
+            <a:ext uri="{909E8E84-426E-40DD-AFC4-6F175D3DCCD1}">
+              <a14:hiddenFill xmlns:a14="http://schemas.microsoft.com/office/drawing/2010/main">
+                <a:solidFill>
+                  <a:srgbClr val="FFFFFF"/>
+                </a:solidFill>
+              </a14:hiddenFill>
+            </a:ext>
+          </a:extLst>
+        </p:spPr>
+      </p:pic>
+      <p:sp>
+        <p:nvSpPr>
+          <p:cNvPr id="23" name="TextBox 22"/>
+          <p:cNvSpPr txBox="1"/>
+          <p:nvPr/>
+        </p:nvSpPr>
+        <p:spPr>
+          <a:xfrm>
+            <a:off x="1367893" y="134994"/>
+            <a:ext cx="1353256" cy="369332"/>
+          </a:xfrm>
+          <a:prstGeom prst="rect">
+            <a:avLst/>
+          </a:prstGeom>
+          <a:noFill/>
+        </p:spPr>
+        <p:txBody>
+          <a:bodyPr wrap="none" rtlCol="0">
+            <a:spAutoFit/>
+          </a:bodyPr>
+          <a:lstStyle/>
+          <a:p>
+            <a:r>
+              <a:rPr lang="en-US" dirty="0" smtClean="0"/>
+              <a:t>My phone 1</a:t>
+            </a:r>
+            <a:endParaRPr lang="en-US" dirty="0"/>
+          </a:p>
+        </p:txBody>
+      </p:sp>
+      <p:sp>
+        <p:nvSpPr>
+          <p:cNvPr id="24" name="Left-Right Arrow 23"/>
+          <p:cNvSpPr/>
+          <p:nvPr/>
+        </p:nvSpPr>
+        <p:spPr>
+          <a:xfrm>
+            <a:off x="2597994" y="847816"/>
+            <a:ext cx="692888" cy="265065"/>
+          </a:xfrm>
+          <a:prstGeom prst="leftRightArrow">
+            <a:avLst/>
+          </a:prstGeom>
+          <a:noFill/>
+        </p:spPr>
+        <p:style>
+          <a:lnRef idx="2">
+            <a:schemeClr val="dk1"/>
+          </a:lnRef>
+          <a:fillRef idx="1">
+            <a:schemeClr val="lt1"/>
+          </a:fillRef>
+          <a:effectRef idx="0">
+            <a:schemeClr val="dk1"/>
+          </a:effectRef>
+          <a:fontRef idx="minor">
+            <a:schemeClr val="dk1"/>
+          </a:fontRef>
+        </p:style>
+        <p:txBody>
+          <a:bodyPr rtlCol="0" anchor="ctr"/>
+          <a:lstStyle/>
+          <a:p>
+            <a:pPr algn="ctr"/>
+            <a:endParaRPr lang="en-US"/>
+          </a:p>
+        </p:txBody>
+      </p:sp>
+      <p:pic>
+        <p:nvPicPr>
+          <p:cNvPr id="25" name="Picture 2" descr="Image result for monalisa icon"/>
+          <p:cNvPicPr>
+            <a:picLocks noChangeAspect="1" noChangeArrowheads="1"/>
+          </p:cNvPicPr>
+          <p:nvPr/>
+        </p:nvPicPr>
+        <p:blipFill>
+          <a:blip r:embed="rId2" cstate="print">
+            <a:extLst>
+              <a:ext uri="{28A0092B-C50C-407E-A947-70E740481C1C}">
+                <a14:useLocalDpi xmlns:a14="http://schemas.microsoft.com/office/drawing/2010/main" val="0"/>
+              </a:ext>
+            </a:extLst>
+          </a:blip>
+          <a:srcRect/>
+          <a:stretch>
+            <a:fillRect/>
+          </a:stretch>
+        </p:blipFill>
+        <p:spPr bwMode="auto">
+          <a:xfrm>
+            <a:off x="7907763" y="4834771"/>
+            <a:ext cx="805759" cy="805759"/>
+          </a:xfrm>
+          <a:prstGeom prst="rect">
+            <a:avLst/>
+          </a:prstGeom>
+          <a:noFill/>
+          <a:extLst>
+            <a:ext uri="{909E8E84-426E-40DD-AFC4-6F175D3DCCD1}">
+              <a14:hiddenFill xmlns:a14="http://schemas.microsoft.com/office/drawing/2010/main">
+                <a:solidFill>
+                  <a:srgbClr val="FFFFFF"/>
+                </a:solidFill>
+              </a14:hiddenFill>
+            </a:ext>
+          </a:extLst>
+        </p:spPr>
+      </p:pic>
+      <p:sp>
+        <p:nvSpPr>
+          <p:cNvPr id="26" name="TextBox 25"/>
+          <p:cNvSpPr txBox="1"/>
+          <p:nvPr/>
+        </p:nvSpPr>
+        <p:spPr>
+          <a:xfrm>
+            <a:off x="9228824" y="6552387"/>
+            <a:ext cx="1204176" cy="369332"/>
+          </a:xfrm>
+          <a:prstGeom prst="rect">
+            <a:avLst/>
+          </a:prstGeom>
+          <a:noFill/>
+        </p:spPr>
+        <p:txBody>
+          <a:bodyPr wrap="none" rtlCol="0">
+            <a:spAutoFit/>
+          </a:bodyPr>
+          <a:lstStyle/>
+          <a:p>
+            <a:r>
+              <a:rPr lang="en-US" dirty="0" smtClean="0"/>
+              <a:t>Museum n</a:t>
+            </a:r>
+            <a:endParaRPr lang="en-US" dirty="0"/>
+          </a:p>
+        </p:txBody>
+      </p:sp>
+      <p:pic>
+        <p:nvPicPr>
+          <p:cNvPr id="27" name="Picture 4" descr="Image result for pin icon"/>
+          <p:cNvPicPr>
+            <a:picLocks noChangeAspect="1" noChangeArrowheads="1"/>
+          </p:cNvPicPr>
+          <p:nvPr/>
+        </p:nvPicPr>
+        <p:blipFill>
+          <a:blip r:embed="rId3" cstate="print">
+            <a:extLst>
+              <a:ext uri="{28A0092B-C50C-407E-A947-70E740481C1C}">
+                <a14:useLocalDpi xmlns:a14="http://schemas.microsoft.com/office/drawing/2010/main" val="0"/>
+              </a:ext>
+            </a:extLst>
+          </a:blip>
+          <a:srcRect/>
+          <a:stretch>
+            <a:fillRect/>
+          </a:stretch>
+        </p:blipFill>
+        <p:spPr bwMode="auto">
+          <a:xfrm>
+            <a:off x="8247142" y="4679141"/>
+            <a:ext cx="247886" cy="247886"/>
+          </a:xfrm>
+          <a:prstGeom prst="rect">
+            <a:avLst/>
+          </a:prstGeom>
+          <a:noFill/>
+          <a:extLst>
+            <a:ext uri="{909E8E84-426E-40DD-AFC4-6F175D3DCCD1}">
+              <a14:hiddenFill xmlns:a14="http://schemas.microsoft.com/office/drawing/2010/main">
+                <a:solidFill>
+                  <a:srgbClr val="FFFFFF"/>
+                </a:solidFill>
+              </a14:hiddenFill>
+            </a:ext>
+          </a:extLst>
+        </p:spPr>
+      </p:pic>
+      <p:pic>
+        <p:nvPicPr>
+          <p:cNvPr id="28" name="Picture 8" descr="Related image"/>
+          <p:cNvPicPr>
+            <a:picLocks noChangeAspect="1" noChangeArrowheads="1"/>
+          </p:cNvPicPr>
+          <p:nvPr/>
+        </p:nvPicPr>
+        <p:blipFill>
+          <a:blip r:embed="rId4" cstate="print">
+            <a:extLst>
+              <a:ext uri="{28A0092B-C50C-407E-A947-70E740481C1C}">
+                <a14:useLocalDpi xmlns:a14="http://schemas.microsoft.com/office/drawing/2010/main" val="0"/>
+              </a:ext>
+            </a:extLst>
+          </a:blip>
+          <a:srcRect/>
+          <a:stretch>
+            <a:fillRect/>
+          </a:stretch>
+        </p:blipFill>
+        <p:spPr bwMode="auto">
+          <a:xfrm>
+            <a:off x="8291592" y="5548753"/>
+            <a:ext cx="293687" cy="183554"/>
+          </a:xfrm>
+          <a:prstGeom prst="rect">
+            <a:avLst/>
+          </a:prstGeom>
+          <a:noFill/>
+          <a:extLst>
+            <a:ext uri="{909E8E84-426E-40DD-AFC4-6F175D3DCCD1}">
+              <a14:hiddenFill xmlns:a14="http://schemas.microsoft.com/office/drawing/2010/main">
+                <a:solidFill>
+                  <a:srgbClr val="FFFFFF"/>
+                </a:solidFill>
+              </a14:hiddenFill>
+            </a:ext>
+          </a:extLst>
+        </p:spPr>
+      </p:pic>
+      <p:pic>
+        <p:nvPicPr>
+          <p:cNvPr id="29" name="Picture 14" descr="Image result for database icon"/>
+          <p:cNvPicPr>
+            <a:picLocks noChangeAspect="1" noChangeArrowheads="1"/>
+          </p:cNvPicPr>
+          <p:nvPr/>
+        </p:nvPicPr>
+        <p:blipFill>
+          <a:blip r:embed="rId7">
+            <a:extLst>
+              <a:ext uri="{28A0092B-C50C-407E-A947-70E740481C1C}">
+                <a14:useLocalDpi xmlns:a14="http://schemas.microsoft.com/office/drawing/2010/main" val="0"/>
+              </a:ext>
+            </a:extLst>
+          </a:blip>
+          <a:srcRect/>
+          <a:stretch>
+            <a:fillRect/>
+          </a:stretch>
+        </p:blipFill>
+        <p:spPr bwMode="auto">
+          <a:xfrm>
+            <a:off x="9997786" y="4826979"/>
+            <a:ext cx="937416" cy="937416"/>
+          </a:xfrm>
+          <a:prstGeom prst="rect">
+            <a:avLst/>
+          </a:prstGeom>
+          <a:noFill/>
+          <a:extLst>
+            <a:ext uri="{909E8E84-426E-40DD-AFC4-6F175D3DCCD1}">
+              <a14:hiddenFill xmlns:a14="http://schemas.microsoft.com/office/drawing/2010/main">
+                <a:solidFill>
+                  <a:srgbClr val="FFFFFF"/>
+                </a:solidFill>
+              </a14:hiddenFill>
+            </a:ext>
+          </a:extLst>
+        </p:spPr>
+      </p:pic>
+      <p:sp>
+        <p:nvSpPr>
+          <p:cNvPr id="30" name="TextBox 29"/>
+          <p:cNvSpPr txBox="1"/>
+          <p:nvPr/>
+        </p:nvSpPr>
+        <p:spPr>
+          <a:xfrm>
+            <a:off x="9864406" y="4448175"/>
+            <a:ext cx="1204176" cy="369332"/>
+          </a:xfrm>
+          <a:prstGeom prst="rect">
+            <a:avLst/>
+          </a:prstGeom>
+          <a:noFill/>
+        </p:spPr>
+        <p:txBody>
+          <a:bodyPr wrap="none" rtlCol="0">
+            <a:spAutoFit/>
+          </a:bodyPr>
+          <a:lstStyle/>
+          <a:p>
+            <a:r>
+              <a:rPr lang="en-US" dirty="0" smtClean="0"/>
+              <a:t>Museum n</a:t>
+            </a:r>
+            <a:endParaRPr lang="en-US" dirty="0"/>
+          </a:p>
+        </p:txBody>
+      </p:sp>
+      <p:pic>
+        <p:nvPicPr>
+          <p:cNvPr id="33" name="Picture 14" descr="Image result for database icon"/>
+          <p:cNvPicPr>
+            <a:picLocks noChangeAspect="1" noChangeArrowheads="1"/>
+          </p:cNvPicPr>
+          <p:nvPr/>
+        </p:nvPicPr>
+        <p:blipFill>
+          <a:blip r:embed="rId7">
+            <a:extLst>
+              <a:ext uri="{28A0092B-C50C-407E-A947-70E740481C1C}">
+                <a14:useLocalDpi xmlns:a14="http://schemas.microsoft.com/office/drawing/2010/main" val="0"/>
+              </a:ext>
+            </a:extLst>
+          </a:blip>
+          <a:srcRect/>
+          <a:stretch>
+            <a:fillRect/>
+          </a:stretch>
+        </p:blipFill>
+        <p:spPr bwMode="auto">
+          <a:xfrm>
+            <a:off x="6003947" y="4952501"/>
+            <a:ext cx="937416" cy="937416"/>
+          </a:xfrm>
+          <a:prstGeom prst="rect">
+            <a:avLst/>
+          </a:prstGeom>
+          <a:noFill/>
+          <a:extLst>
+            <a:ext uri="{909E8E84-426E-40DD-AFC4-6F175D3DCCD1}">
+              <a14:hiddenFill xmlns:a14="http://schemas.microsoft.com/office/drawing/2010/main">
+                <a:solidFill>
+                  <a:srgbClr val="FFFFFF"/>
+                </a:solidFill>
+              </a14:hiddenFill>
+            </a:ext>
+          </a:extLst>
+        </p:spPr>
+      </p:pic>
+      <p:sp>
+        <p:nvSpPr>
+          <p:cNvPr id="34" name="TextBox 33"/>
+          <p:cNvSpPr txBox="1"/>
+          <p:nvPr/>
+        </p:nvSpPr>
+        <p:spPr>
+          <a:xfrm>
+            <a:off x="5896124" y="5845973"/>
+            <a:ext cx="1353256" cy="369332"/>
+          </a:xfrm>
+          <a:prstGeom prst="rect">
+            <a:avLst/>
+          </a:prstGeom>
+          <a:noFill/>
+        </p:spPr>
+        <p:txBody>
+          <a:bodyPr wrap="none" rtlCol="0">
+            <a:spAutoFit/>
+          </a:bodyPr>
+          <a:lstStyle/>
+          <a:p>
+            <a:r>
+              <a:rPr lang="en-US" dirty="0" smtClean="0"/>
+              <a:t>My phone n</a:t>
+            </a:r>
+            <a:endParaRPr lang="en-US" dirty="0"/>
+          </a:p>
+        </p:txBody>
+      </p:sp>
+      <p:sp>
+        <p:nvSpPr>
+          <p:cNvPr id="35" name="Left-Right Arrow 34"/>
+          <p:cNvSpPr/>
+          <p:nvPr/>
+        </p:nvSpPr>
+        <p:spPr>
+          <a:xfrm>
+            <a:off x="6960444" y="5295991"/>
+            <a:ext cx="692888" cy="265065"/>
+          </a:xfrm>
+          <a:prstGeom prst="leftRightArrow">
+            <a:avLst/>
+          </a:prstGeom>
+          <a:noFill/>
+        </p:spPr>
+        <p:style>
+          <a:lnRef idx="2">
+            <a:schemeClr val="dk1"/>
+          </a:lnRef>
+          <a:fillRef idx="1">
+            <a:schemeClr val="lt1"/>
+          </a:fillRef>
+          <a:effectRef idx="0">
+            <a:schemeClr val="dk1"/>
+          </a:effectRef>
+          <a:fontRef idx="minor">
+            <a:schemeClr val="dk1"/>
+          </a:fontRef>
+        </p:style>
+        <p:txBody>
+          <a:bodyPr rtlCol="0" anchor="ctr"/>
+          <a:lstStyle/>
+          <a:p>
+            <a:pPr algn="ctr"/>
+            <a:endParaRPr lang="en-US"/>
+          </a:p>
+        </p:txBody>
+      </p:sp>
+      <p:pic>
+        <p:nvPicPr>
+          <p:cNvPr id="37" name="Picture 10" descr="Image result for mobile phone icon"/>
+          <p:cNvPicPr>
+            <a:picLocks noChangeAspect="1" noChangeArrowheads="1"/>
+          </p:cNvPicPr>
+          <p:nvPr/>
+        </p:nvPicPr>
+        <p:blipFill>
+          <a:blip r:embed="rId5" cstate="print">
+            <a:extLst>
+              <a:ext uri="{28A0092B-C50C-407E-A947-70E740481C1C}">
+                <a14:useLocalDpi xmlns:a14="http://schemas.microsoft.com/office/drawing/2010/main" val="0"/>
+              </a:ext>
+            </a:extLst>
+          </a:blip>
+          <a:srcRect/>
+          <a:stretch>
+            <a:fillRect/>
+          </a:stretch>
+        </p:blipFill>
+        <p:spPr bwMode="auto">
+          <a:xfrm>
+            <a:off x="7274850" y="4412660"/>
+            <a:ext cx="2087563" cy="2087563"/>
+          </a:xfrm>
+          <a:prstGeom prst="rect">
+            <a:avLst/>
+          </a:prstGeom>
+          <a:noFill/>
+          <a:extLst>
+            <a:ext uri="{909E8E84-426E-40DD-AFC4-6F175D3DCCD1}">
+              <a14:hiddenFill xmlns:a14="http://schemas.microsoft.com/office/drawing/2010/main">
+                <a:solidFill>
+                  <a:srgbClr val="FFFFFF"/>
+                </a:solidFill>
+              </a14:hiddenFill>
+            </a:ext>
+          </a:extLst>
+        </p:spPr>
+      </p:pic>
+      <p:sp>
+        <p:nvSpPr>
+          <p:cNvPr id="39" name="Left-Right Arrow 38"/>
+          <p:cNvSpPr/>
+          <p:nvPr/>
+        </p:nvSpPr>
+        <p:spPr>
+          <a:xfrm rot="3393065">
+            <a:off x="8110162" y="3137754"/>
+            <a:ext cx="2625586" cy="265065"/>
+          </a:xfrm>
+          <a:prstGeom prst="leftRightArrow">
+            <a:avLst/>
+          </a:prstGeom>
+          <a:noFill/>
+          <a:ln>
+            <a:prstDash val="dash"/>
+          </a:ln>
+        </p:spPr>
+        <p:style>
+          <a:lnRef idx="2">
+            <a:schemeClr val="dk1"/>
+          </a:lnRef>
+          <a:fillRef idx="1">
+            <a:schemeClr val="lt1"/>
+          </a:fillRef>
+          <a:effectRef idx="0">
+            <a:schemeClr val="dk1"/>
+          </a:effectRef>
+          <a:fontRef idx="minor">
+            <a:schemeClr val="dk1"/>
+          </a:fontRef>
+        </p:style>
+        <p:txBody>
+          <a:bodyPr rtlCol="0" anchor="ctr"/>
+          <a:lstStyle/>
+          <a:p>
+            <a:pPr algn="ctr"/>
+            <a:endParaRPr lang="en-US"/>
+          </a:p>
+        </p:txBody>
+      </p:sp>
+      <p:sp>
+        <p:nvSpPr>
+          <p:cNvPr id="10" name="Rounded Rectangle 9"/>
+          <p:cNvSpPr/>
+          <p:nvPr/>
+        </p:nvSpPr>
+        <p:spPr>
+          <a:xfrm>
+            <a:off x="1271799" y="46010"/>
+            <a:ext cx="5795246" cy="2870995"/>
+          </a:xfrm>
+          <a:prstGeom prst="roundRect">
+            <a:avLst>
+              <a:gd name="adj" fmla="val 7301"/>
+            </a:avLst>
+          </a:prstGeom>
+          <a:noFill/>
+          <a:ln>
+            <a:prstDash val="sysDash"/>
+          </a:ln>
+        </p:spPr>
+        <p:style>
+          <a:lnRef idx="2">
+            <a:schemeClr val="accent1">
+              <a:shade val="50000"/>
+            </a:schemeClr>
+          </a:lnRef>
+          <a:fillRef idx="1">
+            <a:schemeClr val="accent1"/>
+          </a:fillRef>
+          <a:effectRef idx="0">
+            <a:schemeClr val="accent1"/>
+          </a:effectRef>
+          <a:fontRef idx="minor">
+            <a:schemeClr val="lt1"/>
+          </a:fontRef>
+        </p:style>
+        <p:txBody>
+          <a:bodyPr rtlCol="0" anchor="ctr"/>
+          <a:lstStyle/>
+          <a:p>
+            <a:pPr algn="ctr"/>
+            <a:endParaRPr lang="en-US"/>
+          </a:p>
+        </p:txBody>
+      </p:sp>
+      <p:sp>
+        <p:nvSpPr>
+          <p:cNvPr id="41" name="Rounded Rectangle 40"/>
+          <p:cNvSpPr/>
+          <p:nvPr/>
+        </p:nvSpPr>
+        <p:spPr>
+          <a:xfrm>
+            <a:off x="5634249" y="4229256"/>
+            <a:ext cx="5795246" cy="2815014"/>
+          </a:xfrm>
+          <a:prstGeom prst="roundRect">
+            <a:avLst>
+              <a:gd name="adj" fmla="val 7301"/>
+            </a:avLst>
+          </a:prstGeom>
+          <a:noFill/>
+          <a:ln>
+            <a:prstDash val="sysDash"/>
+          </a:ln>
+        </p:spPr>
+        <p:style>
+          <a:lnRef idx="2">
+            <a:schemeClr val="accent1">
+              <a:shade val="50000"/>
+            </a:schemeClr>
+          </a:lnRef>
+          <a:fillRef idx="1">
+            <a:schemeClr val="accent1"/>
+          </a:fillRef>
+          <a:effectRef idx="0">
+            <a:schemeClr val="accent1"/>
+          </a:effectRef>
+          <a:fontRef idx="minor">
+            <a:schemeClr val="lt1"/>
+          </a:fontRef>
+        </p:style>
+        <p:txBody>
+          <a:bodyPr rtlCol="0" anchor="ctr"/>
+          <a:lstStyle/>
+          <a:p>
+            <a:pPr algn="ctr"/>
+            <a:endParaRPr lang="en-US"/>
+          </a:p>
+        </p:txBody>
+      </p:sp>
+      <p:sp>
+        <p:nvSpPr>
+          <p:cNvPr id="11" name="TextBox 10"/>
+          <p:cNvSpPr txBox="1"/>
+          <p:nvPr/>
+        </p:nvSpPr>
+        <p:spPr>
+          <a:xfrm>
+            <a:off x="104301" y="3073608"/>
+            <a:ext cx="3462359" cy="4154984"/>
+          </a:xfrm>
+          <a:prstGeom prst="rect">
+            <a:avLst/>
+          </a:prstGeom>
+          <a:noFill/>
+        </p:spPr>
+        <p:txBody>
+          <a:bodyPr wrap="square" rtlCol="0">
+            <a:spAutoFit/>
+          </a:bodyPr>
+          <a:lstStyle/>
+          <a:p>
+            <a:r>
+              <a:rPr lang="en-US" sz="1200" b="1" dirty="0" smtClean="0">
+                <a:solidFill>
+                  <a:srgbClr val="0070C0"/>
+                </a:solidFill>
+              </a:rPr>
+              <a:t>CLIENT</a:t>
+            </a:r>
+          </a:p>
+          <a:p>
+            <a:pPr marL="285750" indent="-285750">
+              <a:buFontTx/>
+              <a:buChar char="-"/>
+            </a:pPr>
+            <a:r>
+              <a:rPr lang="en-US" sz="1200" b="1" dirty="0" smtClean="0"/>
+              <a:t>Detect and recognize object :</a:t>
+            </a:r>
+          </a:p>
+          <a:p>
+            <a:r>
+              <a:rPr lang="en-US" sz="1200" dirty="0" smtClean="0"/>
+              <a:t>+ Recommendation system</a:t>
+            </a:r>
+          </a:p>
+          <a:p>
+            <a:r>
+              <a:rPr lang="en-US" sz="1200" dirty="0" smtClean="0"/>
+              <a:t>+ Machine learning</a:t>
+            </a:r>
+          </a:p>
+          <a:p>
+            <a:r>
+              <a:rPr lang="en-US" sz="1200" dirty="0" smtClean="0"/>
+              <a:t>+ Artificial Intelligence</a:t>
+            </a:r>
+          </a:p>
+          <a:p>
+            <a:r>
+              <a:rPr lang="en-US" sz="1200" dirty="0" smtClean="0"/>
+              <a:t>+ Search engine algorithm</a:t>
+            </a:r>
+          </a:p>
+          <a:p>
+            <a:pPr marL="285750" indent="-285750">
+              <a:buFontTx/>
+              <a:buChar char="-"/>
+            </a:pPr>
+            <a:r>
+              <a:rPr lang="en-US" sz="1200" b="1" dirty="0" smtClean="0"/>
+              <a:t>Verification:</a:t>
+            </a:r>
+            <a:endParaRPr lang="en-US" sz="1200" b="1" dirty="0"/>
+          </a:p>
+          <a:p>
+            <a:r>
+              <a:rPr lang="en-US" sz="1200" dirty="0"/>
+              <a:t>+ Geo-location of the item </a:t>
+            </a:r>
+          </a:p>
+          <a:p>
+            <a:r>
+              <a:rPr lang="en-US" sz="1200" dirty="0"/>
+              <a:t>+ Bar-code of the </a:t>
+            </a:r>
+            <a:r>
+              <a:rPr lang="en-US" sz="1200" dirty="0" smtClean="0"/>
+              <a:t>item</a:t>
+            </a:r>
+          </a:p>
+          <a:p>
+            <a:pPr marL="171450" indent="-171450">
+              <a:buFontTx/>
+              <a:buChar char="-"/>
+            </a:pPr>
+            <a:r>
+              <a:rPr lang="en-US" sz="1200" b="1" dirty="0" smtClean="0"/>
+              <a:t>User contribution:</a:t>
+            </a:r>
+          </a:p>
+          <a:p>
+            <a:r>
+              <a:rPr lang="en-US" sz="1200" dirty="0" smtClean="0"/>
+              <a:t>+ User may </a:t>
+            </a:r>
+            <a:r>
+              <a:rPr lang="en-US" sz="1200" dirty="0" err="1" smtClean="0"/>
+              <a:t>catelogy</a:t>
+            </a:r>
+            <a:r>
+              <a:rPr lang="en-US" sz="1200" dirty="0" smtClean="0"/>
+              <a:t> manual </a:t>
+            </a:r>
+          </a:p>
+          <a:p>
+            <a:r>
+              <a:rPr lang="en-US" sz="1200" dirty="0" smtClean="0"/>
+              <a:t>+ Vote the responded information</a:t>
+            </a:r>
+          </a:p>
+          <a:p>
+            <a:r>
+              <a:rPr lang="en-US" sz="1200" b="1" dirty="0" smtClean="0"/>
+              <a:t>-    Updated</a:t>
+            </a:r>
+            <a:endParaRPr lang="en-US" sz="1200" dirty="0" smtClean="0"/>
+          </a:p>
+          <a:p>
+            <a:r>
+              <a:rPr lang="en-US" sz="1200" dirty="0" smtClean="0"/>
+              <a:t>------------------------------------</a:t>
+            </a:r>
+            <a:endParaRPr lang="en-US" sz="1200" dirty="0"/>
+          </a:p>
+          <a:p>
+            <a:r>
+              <a:rPr lang="en-US" sz="1200" b="1" dirty="0" smtClean="0">
+                <a:solidFill>
+                  <a:srgbClr val="FF0000"/>
+                </a:solidFill>
+              </a:rPr>
+              <a:t>SERVER</a:t>
+            </a:r>
+          </a:p>
+          <a:p>
+            <a:r>
+              <a:rPr lang="en-US" sz="1200" dirty="0" smtClean="0"/>
+              <a:t>+ Recommendation system</a:t>
+            </a:r>
+          </a:p>
+          <a:p>
+            <a:r>
+              <a:rPr lang="en-US" sz="1200" dirty="0" smtClean="0"/>
+              <a:t>+ Reinforcement Learning</a:t>
+            </a:r>
+            <a:endParaRPr lang="en-US" sz="1200" dirty="0"/>
+          </a:p>
+          <a:p>
+            <a:r>
+              <a:rPr lang="en-US" sz="1200" dirty="0"/>
+              <a:t>+ Machine learning</a:t>
+            </a:r>
+          </a:p>
+          <a:p>
+            <a:r>
+              <a:rPr lang="en-US" sz="1200" dirty="0"/>
+              <a:t>+ Artificial Intelligence</a:t>
+            </a:r>
+          </a:p>
+          <a:p>
+            <a:r>
+              <a:rPr lang="en-US" sz="1200" dirty="0"/>
+              <a:t>+ Search engine algorithm</a:t>
+            </a:r>
+          </a:p>
+          <a:p>
+            <a:endParaRPr lang="en-US" sz="1200" dirty="0" smtClean="0"/>
+          </a:p>
+          <a:p>
+            <a:endParaRPr lang="en-US" sz="1200" dirty="0"/>
+          </a:p>
+        </p:txBody>
+      </p:sp>
+      <p:sp>
+        <p:nvSpPr>
+          <p:cNvPr id="43" name="Rounded Rectangle 42"/>
+          <p:cNvSpPr/>
+          <p:nvPr/>
+        </p:nvSpPr>
+        <p:spPr>
+          <a:xfrm>
+            <a:off x="1424198" y="93636"/>
+            <a:ext cx="3226011" cy="2644050"/>
+          </a:xfrm>
+          <a:prstGeom prst="roundRect">
+            <a:avLst>
+              <a:gd name="adj" fmla="val 7301"/>
+            </a:avLst>
+          </a:prstGeom>
+          <a:noFill/>
+          <a:ln>
+            <a:prstDash val="sysDash"/>
+          </a:ln>
+        </p:spPr>
+        <p:style>
+          <a:lnRef idx="2">
+            <a:schemeClr val="accent1">
+              <a:shade val="50000"/>
+            </a:schemeClr>
+          </a:lnRef>
+          <a:fillRef idx="1">
+            <a:schemeClr val="accent1"/>
+          </a:fillRef>
+          <a:effectRef idx="0">
+            <a:schemeClr val="accent1"/>
+          </a:effectRef>
+          <a:fontRef idx="minor">
+            <a:schemeClr val="lt1"/>
+          </a:fontRef>
+        </p:style>
+        <p:txBody>
+          <a:bodyPr rtlCol="0" anchor="ctr"/>
+          <a:lstStyle/>
+          <a:p>
+            <a:pPr algn="ctr"/>
+            <a:endParaRPr lang="en-US"/>
+          </a:p>
+        </p:txBody>
+      </p:sp>
+      <p:sp>
+        <p:nvSpPr>
+          <p:cNvPr id="44" name="Rounded Rectangle 43"/>
+          <p:cNvSpPr/>
+          <p:nvPr/>
+        </p:nvSpPr>
+        <p:spPr>
+          <a:xfrm>
+            <a:off x="5757451" y="4357684"/>
+            <a:ext cx="3226011" cy="2644050"/>
+          </a:xfrm>
+          <a:prstGeom prst="roundRect">
+            <a:avLst>
+              <a:gd name="adj" fmla="val 7301"/>
+            </a:avLst>
+          </a:prstGeom>
+          <a:noFill/>
+          <a:ln>
+            <a:prstDash val="sysDash"/>
+          </a:ln>
+        </p:spPr>
+        <p:style>
+          <a:lnRef idx="2">
+            <a:schemeClr val="accent1">
+              <a:shade val="50000"/>
+            </a:schemeClr>
+          </a:lnRef>
+          <a:fillRef idx="1">
+            <a:schemeClr val="accent1"/>
+          </a:fillRef>
+          <a:effectRef idx="0">
+            <a:schemeClr val="accent1"/>
+          </a:effectRef>
+          <a:fontRef idx="minor">
+            <a:schemeClr val="lt1"/>
+          </a:fontRef>
+        </p:style>
+        <p:txBody>
+          <a:bodyPr rtlCol="0" anchor="ctr"/>
+          <a:lstStyle/>
+          <a:p>
+            <a:pPr algn="ctr"/>
+            <a:endParaRPr lang="en-US"/>
+          </a:p>
+        </p:txBody>
+      </p:sp>
+      <p:sp>
+        <p:nvSpPr>
+          <p:cNvPr id="45" name="Left-Right Arrow 44"/>
+          <p:cNvSpPr/>
+          <p:nvPr/>
+        </p:nvSpPr>
+        <p:spPr>
+          <a:xfrm>
+            <a:off x="4820184" y="775819"/>
+            <a:ext cx="692888" cy="265065"/>
+          </a:xfrm>
+          <a:prstGeom prst="leftRightArrow">
+            <a:avLst/>
+          </a:prstGeom>
+          <a:noFill/>
+        </p:spPr>
+        <p:style>
+          <a:lnRef idx="2">
+            <a:schemeClr val="dk1"/>
+          </a:lnRef>
+          <a:fillRef idx="1">
+            <a:schemeClr val="lt1"/>
+          </a:fillRef>
+          <a:effectRef idx="0">
+            <a:schemeClr val="dk1"/>
+          </a:effectRef>
+          <a:fontRef idx="minor">
+            <a:schemeClr val="dk1"/>
+          </a:fontRef>
+        </p:style>
+        <p:txBody>
+          <a:bodyPr rtlCol="0" anchor="ctr"/>
+          <a:lstStyle/>
+          <a:p>
+            <a:pPr algn="ctr"/>
+            <a:endParaRPr lang="en-US"/>
+          </a:p>
+        </p:txBody>
+      </p:sp>
+      <p:sp>
+        <p:nvSpPr>
+          <p:cNvPr id="46" name="Left-Right Arrow 45"/>
+          <p:cNvSpPr/>
+          <p:nvPr/>
+        </p:nvSpPr>
+        <p:spPr>
+          <a:xfrm>
+            <a:off x="9199752" y="5198772"/>
+            <a:ext cx="692888" cy="265065"/>
+          </a:xfrm>
+          <a:prstGeom prst="leftRightArrow">
+            <a:avLst/>
+          </a:prstGeom>
+          <a:noFill/>
+        </p:spPr>
+        <p:style>
+          <a:lnRef idx="2">
+            <a:schemeClr val="dk1"/>
+          </a:lnRef>
+          <a:fillRef idx="1">
+            <a:schemeClr val="lt1"/>
+          </a:fillRef>
+          <a:effectRef idx="0">
+            <a:schemeClr val="dk1"/>
+          </a:effectRef>
+          <a:fontRef idx="minor">
+            <a:schemeClr val="dk1"/>
+          </a:fontRef>
+        </p:style>
+        <p:txBody>
+          <a:bodyPr rtlCol="0" anchor="ctr"/>
+          <a:lstStyle/>
+          <a:p>
+            <a:pPr algn="ctr"/>
+            <a:endParaRPr lang="en-US"/>
+          </a:p>
+        </p:txBody>
+      </p:sp>
+      <p:pic>
+        <p:nvPicPr>
+          <p:cNvPr id="1040" name="Picture 16" descr="Image result for internet icon"/>
+          <p:cNvPicPr>
+            <a:picLocks noChangeAspect="1" noChangeArrowheads="1"/>
+          </p:cNvPicPr>
+          <p:nvPr/>
+        </p:nvPicPr>
+        <p:blipFill>
+          <a:blip r:embed="rId8" cstate="print">
+            <a:extLst>
+              <a:ext uri="{28A0092B-C50C-407E-A947-70E740481C1C}">
+                <a14:useLocalDpi xmlns:a14="http://schemas.microsoft.com/office/drawing/2010/main" val="0"/>
+              </a:ext>
+            </a:extLst>
+          </a:blip>
+          <a:srcRect/>
+          <a:stretch>
+            <a:fillRect/>
+          </a:stretch>
+        </p:blipFill>
+        <p:spPr bwMode="auto">
+          <a:xfrm>
+            <a:off x="4283632" y="3386532"/>
+            <a:ext cx="871956" cy="871956"/>
+          </a:xfrm>
+          <a:prstGeom prst="rect">
+            <a:avLst/>
+          </a:prstGeom>
+          <a:noFill/>
+          <a:extLst>
+            <a:ext uri="{909E8E84-426E-40DD-AFC4-6F175D3DCCD1}">
+              <a14:hiddenFill xmlns:a14="http://schemas.microsoft.com/office/drawing/2010/main">
+                <a:solidFill>
+                  <a:srgbClr val="FFFFFF"/>
+                </a:solidFill>
+              </a14:hiddenFill>
+            </a:ext>
+          </a:extLst>
+        </p:spPr>
+      </p:pic>
+      <p:sp>
+        <p:nvSpPr>
+          <p:cNvPr id="48" name="TextBox 47"/>
+          <p:cNvSpPr txBox="1"/>
+          <p:nvPr/>
+        </p:nvSpPr>
+        <p:spPr>
+          <a:xfrm>
+            <a:off x="4335697" y="4186637"/>
+            <a:ext cx="1027845" cy="369332"/>
+          </a:xfrm>
+          <a:prstGeom prst="rect">
+            <a:avLst/>
+          </a:prstGeom>
+          <a:noFill/>
+        </p:spPr>
+        <p:txBody>
+          <a:bodyPr wrap="none" rtlCol="0">
+            <a:spAutoFit/>
+          </a:bodyPr>
+          <a:lstStyle/>
+          <a:p>
+            <a:r>
+              <a:rPr lang="en-US" dirty="0" smtClean="0"/>
+              <a:t>Internet</a:t>
+            </a:r>
+            <a:endParaRPr lang="en-US" dirty="0"/>
+          </a:p>
+        </p:txBody>
+      </p:sp>
+      <p:sp>
+        <p:nvSpPr>
+          <p:cNvPr id="49" name="Left-Right Arrow 48"/>
+          <p:cNvSpPr/>
+          <p:nvPr/>
+        </p:nvSpPr>
+        <p:spPr>
+          <a:xfrm>
+            <a:off x="4948301" y="1923093"/>
+            <a:ext cx="2243073" cy="265065"/>
+          </a:xfrm>
+          <a:prstGeom prst="leftRightArrow">
+            <a:avLst/>
+          </a:prstGeom>
+          <a:noFill/>
+        </p:spPr>
+        <p:style>
+          <a:lnRef idx="2">
+            <a:schemeClr val="dk1"/>
+          </a:lnRef>
+          <a:fillRef idx="1">
+            <a:schemeClr val="lt1"/>
+          </a:fillRef>
+          <a:effectRef idx="0">
+            <a:schemeClr val="dk1"/>
+          </a:effectRef>
+          <a:fontRef idx="minor">
+            <a:schemeClr val="dk1"/>
+          </a:fontRef>
+        </p:style>
+        <p:txBody>
+          <a:bodyPr rtlCol="0" anchor="ctr"/>
+          <a:lstStyle/>
+          <a:p>
+            <a:pPr algn="ctr"/>
+            <a:endParaRPr lang="en-US"/>
+          </a:p>
+        </p:txBody>
+      </p:sp>
+      <p:sp>
+        <p:nvSpPr>
+          <p:cNvPr id="36" name="Left-Right Arrow 35"/>
+          <p:cNvSpPr/>
+          <p:nvPr/>
+        </p:nvSpPr>
+        <p:spPr>
+          <a:xfrm rot="3243414">
+            <a:off x="3668318" y="2914936"/>
+            <a:ext cx="1019091" cy="265065"/>
+          </a:xfrm>
+          <a:prstGeom prst="leftRightArrow">
+            <a:avLst/>
+          </a:prstGeom>
+          <a:noFill/>
+        </p:spPr>
+        <p:style>
+          <a:lnRef idx="2">
+            <a:schemeClr val="dk1"/>
+          </a:lnRef>
+          <a:fillRef idx="1">
+            <a:schemeClr val="lt1"/>
+          </a:fillRef>
+          <a:effectRef idx="0">
+            <a:schemeClr val="dk1"/>
+          </a:effectRef>
+          <a:fontRef idx="minor">
+            <a:schemeClr val="dk1"/>
+          </a:fontRef>
+        </p:style>
+        <p:txBody>
+          <a:bodyPr rtlCol="0" anchor="ctr"/>
+          <a:lstStyle/>
+          <a:p>
+            <a:pPr algn="ctr"/>
+            <a:endParaRPr lang="en-US"/>
+          </a:p>
+        </p:txBody>
+      </p:sp>
+      <p:sp>
+        <p:nvSpPr>
+          <p:cNvPr id="50" name="Left-Right Arrow 49"/>
+          <p:cNvSpPr/>
+          <p:nvPr/>
+        </p:nvSpPr>
+        <p:spPr>
+          <a:xfrm rot="1402248">
+            <a:off x="5006963" y="4364670"/>
+            <a:ext cx="2779795" cy="265065"/>
+          </a:xfrm>
+          <a:prstGeom prst="leftRightArrow">
+            <a:avLst/>
+          </a:prstGeom>
+          <a:noFill/>
+        </p:spPr>
+        <p:style>
+          <a:lnRef idx="2">
+            <a:schemeClr val="dk1"/>
+          </a:lnRef>
+          <a:fillRef idx="1">
+            <a:schemeClr val="lt1"/>
+          </a:fillRef>
+          <a:effectRef idx="0">
+            <a:schemeClr val="dk1"/>
+          </a:effectRef>
+          <a:fontRef idx="minor">
+            <a:schemeClr val="dk1"/>
+          </a:fontRef>
+        </p:style>
+        <p:txBody>
+          <a:bodyPr rtlCol="0" anchor="ctr"/>
+          <a:lstStyle/>
+          <a:p>
+            <a:pPr algn="ctr"/>
+            <a:endParaRPr lang="en-US"/>
+          </a:p>
+        </p:txBody>
+      </p:sp>
+      <p:pic>
+        <p:nvPicPr>
+          <p:cNvPr id="53" name="Picture 2" descr="Image result for bibliomondo"/>
+          <p:cNvPicPr>
+            <a:picLocks noChangeAspect="1" noChangeArrowheads="1"/>
+          </p:cNvPicPr>
+          <p:nvPr/>
+        </p:nvPicPr>
+        <p:blipFill>
+          <a:blip r:embed="rId9" cstate="print">
+            <a:extLst>
+              <a:ext uri="{28A0092B-C50C-407E-A947-70E740481C1C}">
+                <a14:useLocalDpi xmlns:a14="http://schemas.microsoft.com/office/drawing/2010/main" val="0"/>
+              </a:ext>
+            </a:extLst>
+          </a:blip>
+          <a:srcRect/>
+          <a:stretch>
+            <a:fillRect/>
+          </a:stretch>
+        </p:blipFill>
+        <p:spPr bwMode="auto">
+          <a:xfrm>
+            <a:off x="7612371" y="1349872"/>
+            <a:ext cx="1047263" cy="415901"/>
+          </a:xfrm>
+          <a:prstGeom prst="rect">
+            <a:avLst/>
+          </a:prstGeom>
+          <a:noFill/>
+          <a:extLst>
+            <a:ext uri="{909E8E84-426E-40DD-AFC4-6F175D3DCCD1}">
+              <a14:hiddenFill xmlns:a14="http://schemas.microsoft.com/office/drawing/2010/main">
+                <a:solidFill>
+                  <a:srgbClr val="FFFFFF"/>
+                </a:solidFill>
+              </a14:hiddenFill>
+            </a:ext>
+          </a:extLst>
+        </p:spPr>
+      </p:pic>
+    </p:spTree>
+    <p:extLst>
+      <p:ext uri="{BB962C8B-B14F-4D97-AF65-F5344CB8AC3E}">
+        <p14:creationId xmlns:p14="http://schemas.microsoft.com/office/powerpoint/2010/main" val="118184273"/>
+      </p:ext>
+    </p:extLst>
+  </p:cSld>
+  <p:clrMapOvr>
+    <a:masterClrMapping/>
+  </p:clrMapOvr>
+  <p:timing>
+    <p:tnLst>
+      <p:par>
+        <p:cTn id="1" dur="indefinite" restart="never" nodeType="tmRoot"/>
+      </p:par>
+    </p:tnLst>
+  </p:timing>
+</p:sld>
+</file>
+
+<file path=ppt/slides/slide15.xml><?xml version="1.0" encoding="utf-8"?>
 <p:sld xmlns:a="http://schemas.openxmlformats.org/drawingml/2006/main" xmlns:r="http://schemas.openxmlformats.org/officeDocument/2006/relationships" xmlns:p="http://schemas.openxmlformats.org/presentationml/2006/main" showMasterSp="0">
   <p:cSld>
     <p:spTree>
@@ -4595,6 +6838,36 @@
           </a:extLst>
         </p:spPr>
       </p:pic>
+      <p:sp>
+        <p:nvSpPr>
+          <p:cNvPr id="12" name="TextBox 11"/>
+          <p:cNvSpPr txBox="1"/>
+          <p:nvPr/>
+        </p:nvSpPr>
+        <p:spPr>
+          <a:xfrm>
+            <a:off x="914400" y="1244375"/>
+            <a:ext cx="1184940" cy="369332"/>
+          </a:xfrm>
+          <a:prstGeom prst="rect">
+            <a:avLst/>
+          </a:prstGeom>
+          <a:noFill/>
+        </p:spPr>
+        <p:txBody>
+          <a:bodyPr wrap="none" rtlCol="0">
+            <a:spAutoFit/>
+          </a:bodyPr>
+          <a:lstStyle/>
+          <a:p>
+            <a:r>
+              <a:rPr lang="en-US" b="1" dirty="0" smtClean="0"/>
+              <a:t>Problem?</a:t>
+            </a:r>
+            <a:endParaRPr lang="en-US" b="1" dirty="0"/>
+          </a:p>
+        </p:txBody>
+      </p:sp>
     </p:spTree>
     <p:extLst>
       <p:ext uri="{BB962C8B-B14F-4D97-AF65-F5344CB8AC3E}">
@@ -4618,16 +6891,6 @@
 <file path=ppt/slides/slide6.xml><?xml version="1.0" encoding="utf-8"?>
 <p:sld xmlns:a="http://schemas.openxmlformats.org/drawingml/2006/main" xmlns:r="http://schemas.openxmlformats.org/officeDocument/2006/relationships" xmlns:p="http://schemas.openxmlformats.org/presentationml/2006/main" showMasterSp="0">
   <p:cSld>
-    <p:bg>
-      <p:bgPr>
-        <a:solidFill>
-          <a:schemeClr val="bg1">
-            <a:lumMod val="95000"/>
-          </a:schemeClr>
-        </a:solidFill>
-        <a:effectLst/>
-      </p:bgPr>
-    </p:bg>
     <p:spTree>
       <p:nvGrpSpPr>
         <p:cNvPr id="1" name=""/>
@@ -4642,1753 +6905,6 @@
           <a:chExt cx="0" cy="0"/>
         </a:xfrm>
       </p:grpSpPr>
-      <p:pic>
-        <p:nvPicPr>
-          <p:cNvPr id="1026" name="Picture 2" descr="Image result for monalisa icon"/>
-          <p:cNvPicPr>
-            <a:picLocks noChangeAspect="1" noChangeArrowheads="1"/>
-          </p:cNvPicPr>
-          <p:nvPr/>
-        </p:nvPicPr>
-        <p:blipFill>
-          <a:blip r:embed="rId2" cstate="print">
-            <a:extLst>
-              <a:ext uri="{28A0092B-C50C-407E-A947-70E740481C1C}">
-                <a14:useLocalDpi xmlns:a14="http://schemas.microsoft.com/office/drawing/2010/main" val="0"/>
-              </a:ext>
-            </a:extLst>
-          </a:blip>
-          <a:srcRect/>
-          <a:stretch>
-            <a:fillRect/>
-          </a:stretch>
-        </p:blipFill>
-        <p:spPr bwMode="auto">
-          <a:xfrm>
-            <a:off x="3582157" y="985822"/>
-            <a:ext cx="805759" cy="805759"/>
-          </a:xfrm>
-          <a:prstGeom prst="rect">
-            <a:avLst/>
-          </a:prstGeom>
-          <a:noFill/>
-          <a:extLst>
-            <a:ext uri="{909E8E84-426E-40DD-AFC4-6F175D3DCCD1}">
-              <a14:hiddenFill xmlns:a14="http://schemas.microsoft.com/office/drawing/2010/main">
-                <a:solidFill>
-                  <a:srgbClr val="FFFFFF"/>
-                </a:solidFill>
-              </a14:hiddenFill>
-            </a:ext>
-          </a:extLst>
-        </p:spPr>
-      </p:pic>
-      <p:sp>
-        <p:nvSpPr>
-          <p:cNvPr id="2" name="TextBox 1"/>
-          <p:cNvSpPr txBox="1"/>
-          <p:nvPr/>
-        </p:nvSpPr>
-        <p:spPr>
-          <a:xfrm>
-            <a:off x="4604627" y="2557145"/>
-            <a:ext cx="1204176" cy="369332"/>
-          </a:xfrm>
-          <a:prstGeom prst="rect">
-            <a:avLst/>
-          </a:prstGeom>
-          <a:noFill/>
-        </p:spPr>
-        <p:txBody>
-          <a:bodyPr wrap="none" rtlCol="0">
-            <a:spAutoFit/>
-          </a:bodyPr>
-          <a:lstStyle/>
-          <a:p>
-            <a:r>
-              <a:rPr lang="en-US" dirty="0" smtClean="0"/>
-              <a:t>Museum 1</a:t>
-            </a:r>
-            <a:endParaRPr lang="en-US" dirty="0"/>
-          </a:p>
-        </p:txBody>
-      </p:sp>
-      <p:pic>
-        <p:nvPicPr>
-          <p:cNvPr id="1028" name="Picture 4" descr="Image result for pin icon"/>
-          <p:cNvPicPr>
-            <a:picLocks noChangeAspect="1" noChangeArrowheads="1"/>
-          </p:cNvPicPr>
-          <p:nvPr/>
-        </p:nvPicPr>
-        <p:blipFill>
-          <a:blip r:embed="rId3" cstate="print">
-            <a:extLst>
-              <a:ext uri="{28A0092B-C50C-407E-A947-70E740481C1C}">
-                <a14:useLocalDpi xmlns:a14="http://schemas.microsoft.com/office/drawing/2010/main" val="0"/>
-              </a:ext>
-            </a:extLst>
-          </a:blip>
-          <a:srcRect/>
-          <a:stretch>
-            <a:fillRect/>
-          </a:stretch>
-        </p:blipFill>
-        <p:spPr bwMode="auto">
-          <a:xfrm>
-            <a:off x="3921536" y="830192"/>
-            <a:ext cx="247886" cy="247886"/>
-          </a:xfrm>
-          <a:prstGeom prst="rect">
-            <a:avLst/>
-          </a:prstGeom>
-          <a:noFill/>
-          <a:extLst>
-            <a:ext uri="{909E8E84-426E-40DD-AFC4-6F175D3DCCD1}">
-              <a14:hiddenFill xmlns:a14="http://schemas.microsoft.com/office/drawing/2010/main">
-                <a:solidFill>
-                  <a:srgbClr val="FFFFFF"/>
-                </a:solidFill>
-              </a14:hiddenFill>
-            </a:ext>
-          </a:extLst>
-        </p:spPr>
-      </p:pic>
-      <p:pic>
-        <p:nvPicPr>
-          <p:cNvPr id="1032" name="Picture 8" descr="Related image"/>
-          <p:cNvPicPr>
-            <a:picLocks noChangeAspect="1" noChangeArrowheads="1"/>
-          </p:cNvPicPr>
-          <p:nvPr/>
-        </p:nvPicPr>
-        <p:blipFill>
-          <a:blip r:embed="rId4" cstate="print">
-            <a:extLst>
-              <a:ext uri="{28A0092B-C50C-407E-A947-70E740481C1C}">
-                <a14:useLocalDpi xmlns:a14="http://schemas.microsoft.com/office/drawing/2010/main" val="0"/>
-              </a:ext>
-            </a:extLst>
-          </a:blip>
-          <a:srcRect/>
-          <a:stretch>
-            <a:fillRect/>
-          </a:stretch>
-        </p:blipFill>
-        <p:spPr bwMode="auto">
-          <a:xfrm>
-            <a:off x="3965986" y="1699804"/>
-            <a:ext cx="293687" cy="183554"/>
-          </a:xfrm>
-          <a:prstGeom prst="rect">
-            <a:avLst/>
-          </a:prstGeom>
-          <a:noFill/>
-          <a:extLst>
-            <a:ext uri="{909E8E84-426E-40DD-AFC4-6F175D3DCCD1}">
-              <a14:hiddenFill xmlns:a14="http://schemas.microsoft.com/office/drawing/2010/main">
-                <a:solidFill>
-                  <a:srgbClr val="FFFFFF"/>
-                </a:solidFill>
-              </a14:hiddenFill>
-            </a:ext>
-          </a:extLst>
-        </p:spPr>
-      </p:pic>
-      <p:pic>
-        <p:nvPicPr>
-          <p:cNvPr id="1034" name="Picture 10" descr="Image result for mobile phone icon"/>
-          <p:cNvPicPr>
-            <a:picLocks noChangeAspect="1" noChangeArrowheads="1"/>
-          </p:cNvPicPr>
-          <p:nvPr/>
-        </p:nvPicPr>
-        <p:blipFill>
-          <a:blip r:embed="rId5" cstate="print">
-            <a:extLst>
-              <a:ext uri="{28A0092B-C50C-407E-A947-70E740481C1C}">
-                <a14:useLocalDpi xmlns:a14="http://schemas.microsoft.com/office/drawing/2010/main" val="0"/>
-              </a:ext>
-            </a:extLst>
-          </a:blip>
-          <a:srcRect/>
-          <a:stretch>
-            <a:fillRect/>
-          </a:stretch>
-        </p:blipFill>
-        <p:spPr bwMode="auto">
-          <a:xfrm>
-            <a:off x="2941254" y="516047"/>
-            <a:ext cx="2087563" cy="2087563"/>
-          </a:xfrm>
-          <a:prstGeom prst="rect">
-            <a:avLst/>
-          </a:prstGeom>
-          <a:noFill/>
-          <a:extLst>
-            <a:ext uri="{909E8E84-426E-40DD-AFC4-6F175D3DCCD1}">
-              <a14:hiddenFill xmlns:a14="http://schemas.microsoft.com/office/drawing/2010/main">
-                <a:solidFill>
-                  <a:srgbClr val="FFFFFF"/>
-                </a:solidFill>
-              </a14:hiddenFill>
-            </a:ext>
-          </a:extLst>
-        </p:spPr>
-      </p:pic>
-      <p:pic>
-        <p:nvPicPr>
-          <p:cNvPr id="1036" name="Picture 12" descr="Image result for Cloud icon"/>
-          <p:cNvPicPr>
-            <a:picLocks noChangeAspect="1" noChangeArrowheads="1"/>
-          </p:cNvPicPr>
-          <p:nvPr/>
-        </p:nvPicPr>
-        <p:blipFill>
-          <a:blip r:embed="rId6" cstate="print">
-            <a:extLst>
-              <a:ext uri="{28A0092B-C50C-407E-A947-70E740481C1C}">
-                <a14:useLocalDpi xmlns:a14="http://schemas.microsoft.com/office/drawing/2010/main" val="0"/>
-              </a:ext>
-            </a:extLst>
-          </a:blip>
-          <a:srcRect/>
-          <a:stretch>
-            <a:fillRect/>
-          </a:stretch>
-        </p:blipFill>
-        <p:spPr bwMode="auto">
-          <a:xfrm>
-            <a:off x="7006694" y="847512"/>
-            <a:ext cx="2198266" cy="1140531"/>
-          </a:xfrm>
-          <a:prstGeom prst="rect">
-            <a:avLst/>
-          </a:prstGeom>
-          <a:noFill/>
-          <a:extLst>
-            <a:ext uri="{909E8E84-426E-40DD-AFC4-6F175D3DCCD1}">
-              <a14:hiddenFill xmlns:a14="http://schemas.microsoft.com/office/drawing/2010/main">
-                <a:solidFill>
-                  <a:srgbClr val="FFFFFF"/>
-                </a:solidFill>
-              </a14:hiddenFill>
-            </a:ext>
-          </a:extLst>
-        </p:spPr>
-      </p:pic>
-      <p:pic>
-        <p:nvPicPr>
-          <p:cNvPr id="1038" name="Picture 14" descr="Image result for database icon"/>
-          <p:cNvPicPr>
-            <a:picLocks noChangeAspect="1" noChangeArrowheads="1"/>
-          </p:cNvPicPr>
-          <p:nvPr/>
-        </p:nvPicPr>
-        <p:blipFill>
-          <a:blip r:embed="rId7">
-            <a:extLst>
-              <a:ext uri="{28A0092B-C50C-407E-A947-70E740481C1C}">
-                <a14:useLocalDpi xmlns:a14="http://schemas.microsoft.com/office/drawing/2010/main" val="0"/>
-              </a:ext>
-            </a:extLst>
-          </a:blip>
-          <a:srcRect/>
-          <a:stretch>
-            <a:fillRect/>
-          </a:stretch>
-        </p:blipFill>
-        <p:spPr bwMode="auto">
-          <a:xfrm>
-            <a:off x="5635336" y="378804"/>
-            <a:ext cx="937416" cy="937416"/>
-          </a:xfrm>
-          <a:prstGeom prst="rect">
-            <a:avLst/>
-          </a:prstGeom>
-          <a:noFill/>
-          <a:extLst>
-            <a:ext uri="{909E8E84-426E-40DD-AFC4-6F175D3DCCD1}">
-              <a14:hiddenFill xmlns:a14="http://schemas.microsoft.com/office/drawing/2010/main">
-                <a:solidFill>
-                  <a:srgbClr val="FFFFFF"/>
-                </a:solidFill>
-              </a14:hiddenFill>
-            </a:ext>
-          </a:extLst>
-        </p:spPr>
-      </p:pic>
-      <p:sp>
-        <p:nvSpPr>
-          <p:cNvPr id="14" name="TextBox 13"/>
-          <p:cNvSpPr txBox="1"/>
-          <p:nvPr/>
-        </p:nvSpPr>
-        <p:spPr>
-          <a:xfrm>
-            <a:off x="5501956" y="0"/>
-            <a:ext cx="1204176" cy="369332"/>
-          </a:xfrm>
-          <a:prstGeom prst="rect">
-            <a:avLst/>
-          </a:prstGeom>
-          <a:noFill/>
-        </p:spPr>
-        <p:txBody>
-          <a:bodyPr wrap="none" rtlCol="0">
-            <a:spAutoFit/>
-          </a:bodyPr>
-          <a:lstStyle/>
-          <a:p>
-            <a:r>
-              <a:rPr lang="en-US" dirty="0" smtClean="0"/>
-              <a:t>Museum 1</a:t>
-            </a:r>
-            <a:endParaRPr lang="en-US" dirty="0"/>
-          </a:p>
-        </p:txBody>
-      </p:sp>
-      <p:sp>
-        <p:nvSpPr>
-          <p:cNvPr id="8" name="Left-Right Arrow 7"/>
-          <p:cNvSpPr/>
-          <p:nvPr/>
-        </p:nvSpPr>
-        <p:spPr>
-          <a:xfrm>
-            <a:off x="6572752" y="1036016"/>
-            <a:ext cx="692888" cy="265065"/>
-          </a:xfrm>
-          <a:prstGeom prst="leftRightArrow">
-            <a:avLst/>
-          </a:prstGeom>
-          <a:noFill/>
-        </p:spPr>
-        <p:style>
-          <a:lnRef idx="2">
-            <a:schemeClr val="dk1"/>
-          </a:lnRef>
-          <a:fillRef idx="1">
-            <a:schemeClr val="lt1"/>
-          </a:fillRef>
-          <a:effectRef idx="0">
-            <a:schemeClr val="dk1"/>
-          </a:effectRef>
-          <a:fontRef idx="minor">
-            <a:schemeClr val="dk1"/>
-          </a:fontRef>
-        </p:style>
-        <p:txBody>
-          <a:bodyPr rtlCol="0" anchor="ctr"/>
-          <a:lstStyle/>
-          <a:p>
-            <a:pPr algn="ctr"/>
-            <a:endParaRPr lang="en-US"/>
-          </a:p>
-        </p:txBody>
-      </p:sp>
-      <p:pic>
-        <p:nvPicPr>
-          <p:cNvPr id="18" name="Picture 14" descr="Image result for database icon"/>
-          <p:cNvPicPr>
-            <a:picLocks noChangeAspect="1" noChangeArrowheads="1"/>
-          </p:cNvPicPr>
-          <p:nvPr/>
-        </p:nvPicPr>
-        <p:blipFill>
-          <a:blip r:embed="rId7">
-            <a:extLst>
-              <a:ext uri="{28A0092B-C50C-407E-A947-70E740481C1C}">
-                <a14:useLocalDpi xmlns:a14="http://schemas.microsoft.com/office/drawing/2010/main" val="0"/>
-              </a:ext>
-            </a:extLst>
-          </a:blip>
-          <a:srcRect/>
-          <a:stretch>
-            <a:fillRect/>
-          </a:stretch>
-        </p:blipFill>
-        <p:spPr bwMode="auto">
-          <a:xfrm>
-            <a:off x="10190085" y="146715"/>
-            <a:ext cx="937416" cy="937416"/>
-          </a:xfrm>
-          <a:prstGeom prst="rect">
-            <a:avLst/>
-          </a:prstGeom>
-          <a:noFill/>
-          <a:extLst>
-            <a:ext uri="{909E8E84-426E-40DD-AFC4-6F175D3DCCD1}">
-              <a14:hiddenFill xmlns:a14="http://schemas.microsoft.com/office/drawing/2010/main">
-                <a:solidFill>
-                  <a:srgbClr val="FFFFFF"/>
-                </a:solidFill>
-              </a14:hiddenFill>
-            </a:ext>
-          </a:extLst>
-        </p:spPr>
-      </p:pic>
-      <p:sp>
-        <p:nvSpPr>
-          <p:cNvPr id="19" name="Left-Right Arrow 18"/>
-          <p:cNvSpPr/>
-          <p:nvPr/>
-        </p:nvSpPr>
-        <p:spPr>
-          <a:xfrm rot="20443718">
-            <a:off x="8994106" y="847817"/>
-            <a:ext cx="1185451" cy="265065"/>
-          </a:xfrm>
-          <a:prstGeom prst="leftRightArrow">
-            <a:avLst/>
-          </a:prstGeom>
-          <a:noFill/>
-        </p:spPr>
-        <p:style>
-          <a:lnRef idx="2">
-            <a:schemeClr val="dk1"/>
-          </a:lnRef>
-          <a:fillRef idx="1">
-            <a:schemeClr val="lt1"/>
-          </a:fillRef>
-          <a:effectRef idx="0">
-            <a:schemeClr val="dk1"/>
-          </a:effectRef>
-          <a:fontRef idx="minor">
-            <a:schemeClr val="dk1"/>
-          </a:fontRef>
-        </p:style>
-        <p:txBody>
-          <a:bodyPr rtlCol="0" anchor="ctr"/>
-          <a:lstStyle/>
-          <a:p>
-            <a:pPr algn="ctr"/>
-            <a:endParaRPr lang="en-US"/>
-          </a:p>
-        </p:txBody>
-      </p:sp>
-      <p:sp>
-        <p:nvSpPr>
-          <p:cNvPr id="20" name="TextBox 19"/>
-          <p:cNvSpPr txBox="1"/>
-          <p:nvPr/>
-        </p:nvSpPr>
-        <p:spPr>
-          <a:xfrm>
-            <a:off x="8795483" y="134994"/>
-            <a:ext cx="1527982" cy="369332"/>
-          </a:xfrm>
-          <a:prstGeom prst="rect">
-            <a:avLst/>
-          </a:prstGeom>
-          <a:noFill/>
-        </p:spPr>
-        <p:txBody>
-          <a:bodyPr wrap="none" rtlCol="0">
-            <a:spAutoFit/>
-          </a:bodyPr>
-          <a:lstStyle/>
-          <a:p>
-            <a:r>
-              <a:rPr lang="en-US" dirty="0" err="1" smtClean="0"/>
-              <a:t>Bibliomondo</a:t>
-            </a:r>
-            <a:r>
-              <a:rPr lang="en-US" dirty="0" smtClean="0"/>
-              <a:t> </a:t>
-            </a:r>
-            <a:endParaRPr lang="en-US" dirty="0"/>
-          </a:p>
-        </p:txBody>
-      </p:sp>
-      <p:sp>
-        <p:nvSpPr>
-          <p:cNvPr id="21" name="Left-Right Arrow 20"/>
-          <p:cNvSpPr/>
-          <p:nvPr/>
-        </p:nvSpPr>
-        <p:spPr>
-          <a:xfrm rot="5192900">
-            <a:off x="7074287" y="3060714"/>
-            <a:ext cx="2243073" cy="265065"/>
-          </a:xfrm>
-          <a:prstGeom prst="leftRightArrow">
-            <a:avLst/>
-          </a:prstGeom>
-          <a:noFill/>
-        </p:spPr>
-        <p:style>
-          <a:lnRef idx="2">
-            <a:schemeClr val="dk1"/>
-          </a:lnRef>
-          <a:fillRef idx="1">
-            <a:schemeClr val="lt1"/>
-          </a:fillRef>
-          <a:effectRef idx="0">
-            <a:schemeClr val="dk1"/>
-          </a:effectRef>
-          <a:fontRef idx="minor">
-            <a:schemeClr val="dk1"/>
-          </a:fontRef>
-        </p:style>
-        <p:txBody>
-          <a:bodyPr rtlCol="0" anchor="ctr"/>
-          <a:lstStyle/>
-          <a:p>
-            <a:pPr algn="ctr"/>
-            <a:endParaRPr lang="en-US"/>
-          </a:p>
-        </p:txBody>
-      </p:sp>
-      <p:pic>
-        <p:nvPicPr>
-          <p:cNvPr id="22" name="Picture 14" descr="Image result for database icon"/>
-          <p:cNvPicPr>
-            <a:picLocks noChangeAspect="1" noChangeArrowheads="1"/>
-          </p:cNvPicPr>
-          <p:nvPr/>
-        </p:nvPicPr>
-        <p:blipFill>
-          <a:blip r:embed="rId7">
-            <a:extLst>
-              <a:ext uri="{28A0092B-C50C-407E-A947-70E740481C1C}">
-                <a14:useLocalDpi xmlns:a14="http://schemas.microsoft.com/office/drawing/2010/main" val="0"/>
-              </a:ext>
-            </a:extLst>
-          </a:blip>
-          <a:srcRect/>
-          <a:stretch>
-            <a:fillRect/>
-          </a:stretch>
-        </p:blipFill>
-        <p:spPr bwMode="auto">
-          <a:xfrm>
-            <a:off x="1641497" y="504326"/>
-            <a:ext cx="937416" cy="937416"/>
-          </a:xfrm>
-          <a:prstGeom prst="rect">
-            <a:avLst/>
-          </a:prstGeom>
-          <a:noFill/>
-          <a:extLst>
-            <a:ext uri="{909E8E84-426E-40DD-AFC4-6F175D3DCCD1}">
-              <a14:hiddenFill xmlns:a14="http://schemas.microsoft.com/office/drawing/2010/main">
-                <a:solidFill>
-                  <a:srgbClr val="FFFFFF"/>
-                </a:solidFill>
-              </a14:hiddenFill>
-            </a:ext>
-          </a:extLst>
-        </p:spPr>
-      </p:pic>
-      <p:sp>
-        <p:nvSpPr>
-          <p:cNvPr id="23" name="TextBox 22"/>
-          <p:cNvSpPr txBox="1"/>
-          <p:nvPr/>
-        </p:nvSpPr>
-        <p:spPr>
-          <a:xfrm>
-            <a:off x="1367893" y="134994"/>
-            <a:ext cx="1353256" cy="369332"/>
-          </a:xfrm>
-          <a:prstGeom prst="rect">
-            <a:avLst/>
-          </a:prstGeom>
-          <a:noFill/>
-        </p:spPr>
-        <p:txBody>
-          <a:bodyPr wrap="none" rtlCol="0">
-            <a:spAutoFit/>
-          </a:bodyPr>
-          <a:lstStyle/>
-          <a:p>
-            <a:r>
-              <a:rPr lang="en-US" dirty="0" smtClean="0"/>
-              <a:t>My phone 1</a:t>
-            </a:r>
-            <a:endParaRPr lang="en-US" dirty="0"/>
-          </a:p>
-        </p:txBody>
-      </p:sp>
-      <p:sp>
-        <p:nvSpPr>
-          <p:cNvPr id="24" name="Left-Right Arrow 23"/>
-          <p:cNvSpPr/>
-          <p:nvPr/>
-        </p:nvSpPr>
-        <p:spPr>
-          <a:xfrm>
-            <a:off x="2597994" y="847816"/>
-            <a:ext cx="692888" cy="265065"/>
-          </a:xfrm>
-          <a:prstGeom prst="leftRightArrow">
-            <a:avLst/>
-          </a:prstGeom>
-          <a:noFill/>
-        </p:spPr>
-        <p:style>
-          <a:lnRef idx="2">
-            <a:schemeClr val="dk1"/>
-          </a:lnRef>
-          <a:fillRef idx="1">
-            <a:schemeClr val="lt1"/>
-          </a:fillRef>
-          <a:effectRef idx="0">
-            <a:schemeClr val="dk1"/>
-          </a:effectRef>
-          <a:fontRef idx="minor">
-            <a:schemeClr val="dk1"/>
-          </a:fontRef>
-        </p:style>
-        <p:txBody>
-          <a:bodyPr rtlCol="0" anchor="ctr"/>
-          <a:lstStyle/>
-          <a:p>
-            <a:pPr algn="ctr"/>
-            <a:endParaRPr lang="en-US"/>
-          </a:p>
-        </p:txBody>
-      </p:sp>
-      <p:pic>
-        <p:nvPicPr>
-          <p:cNvPr id="25" name="Picture 2" descr="Image result for monalisa icon"/>
-          <p:cNvPicPr>
-            <a:picLocks noChangeAspect="1" noChangeArrowheads="1"/>
-          </p:cNvPicPr>
-          <p:nvPr/>
-        </p:nvPicPr>
-        <p:blipFill>
-          <a:blip r:embed="rId2" cstate="print">
-            <a:extLst>
-              <a:ext uri="{28A0092B-C50C-407E-A947-70E740481C1C}">
-                <a14:useLocalDpi xmlns:a14="http://schemas.microsoft.com/office/drawing/2010/main" val="0"/>
-              </a:ext>
-            </a:extLst>
-          </a:blip>
-          <a:srcRect/>
-          <a:stretch>
-            <a:fillRect/>
-          </a:stretch>
-        </p:blipFill>
-        <p:spPr bwMode="auto">
-          <a:xfrm>
-            <a:off x="7907763" y="4834771"/>
-            <a:ext cx="805759" cy="805759"/>
-          </a:xfrm>
-          <a:prstGeom prst="rect">
-            <a:avLst/>
-          </a:prstGeom>
-          <a:noFill/>
-          <a:extLst>
-            <a:ext uri="{909E8E84-426E-40DD-AFC4-6F175D3DCCD1}">
-              <a14:hiddenFill xmlns:a14="http://schemas.microsoft.com/office/drawing/2010/main">
-                <a:solidFill>
-                  <a:srgbClr val="FFFFFF"/>
-                </a:solidFill>
-              </a14:hiddenFill>
-            </a:ext>
-          </a:extLst>
-        </p:spPr>
-      </p:pic>
-      <p:sp>
-        <p:nvSpPr>
-          <p:cNvPr id="26" name="TextBox 25"/>
-          <p:cNvSpPr txBox="1"/>
-          <p:nvPr/>
-        </p:nvSpPr>
-        <p:spPr>
-          <a:xfrm>
-            <a:off x="9228824" y="6552387"/>
-            <a:ext cx="1204176" cy="369332"/>
-          </a:xfrm>
-          <a:prstGeom prst="rect">
-            <a:avLst/>
-          </a:prstGeom>
-          <a:noFill/>
-        </p:spPr>
-        <p:txBody>
-          <a:bodyPr wrap="none" rtlCol="0">
-            <a:spAutoFit/>
-          </a:bodyPr>
-          <a:lstStyle/>
-          <a:p>
-            <a:r>
-              <a:rPr lang="en-US" dirty="0" smtClean="0"/>
-              <a:t>Museum n</a:t>
-            </a:r>
-            <a:endParaRPr lang="en-US" dirty="0"/>
-          </a:p>
-        </p:txBody>
-      </p:sp>
-      <p:pic>
-        <p:nvPicPr>
-          <p:cNvPr id="27" name="Picture 4" descr="Image result for pin icon"/>
-          <p:cNvPicPr>
-            <a:picLocks noChangeAspect="1" noChangeArrowheads="1"/>
-          </p:cNvPicPr>
-          <p:nvPr/>
-        </p:nvPicPr>
-        <p:blipFill>
-          <a:blip r:embed="rId3" cstate="print">
-            <a:extLst>
-              <a:ext uri="{28A0092B-C50C-407E-A947-70E740481C1C}">
-                <a14:useLocalDpi xmlns:a14="http://schemas.microsoft.com/office/drawing/2010/main" val="0"/>
-              </a:ext>
-            </a:extLst>
-          </a:blip>
-          <a:srcRect/>
-          <a:stretch>
-            <a:fillRect/>
-          </a:stretch>
-        </p:blipFill>
-        <p:spPr bwMode="auto">
-          <a:xfrm>
-            <a:off x="8247142" y="4679141"/>
-            <a:ext cx="247886" cy="247886"/>
-          </a:xfrm>
-          <a:prstGeom prst="rect">
-            <a:avLst/>
-          </a:prstGeom>
-          <a:noFill/>
-          <a:extLst>
-            <a:ext uri="{909E8E84-426E-40DD-AFC4-6F175D3DCCD1}">
-              <a14:hiddenFill xmlns:a14="http://schemas.microsoft.com/office/drawing/2010/main">
-                <a:solidFill>
-                  <a:srgbClr val="FFFFFF"/>
-                </a:solidFill>
-              </a14:hiddenFill>
-            </a:ext>
-          </a:extLst>
-        </p:spPr>
-      </p:pic>
-      <p:pic>
-        <p:nvPicPr>
-          <p:cNvPr id="28" name="Picture 8" descr="Related image"/>
-          <p:cNvPicPr>
-            <a:picLocks noChangeAspect="1" noChangeArrowheads="1"/>
-          </p:cNvPicPr>
-          <p:nvPr/>
-        </p:nvPicPr>
-        <p:blipFill>
-          <a:blip r:embed="rId4" cstate="print">
-            <a:extLst>
-              <a:ext uri="{28A0092B-C50C-407E-A947-70E740481C1C}">
-                <a14:useLocalDpi xmlns:a14="http://schemas.microsoft.com/office/drawing/2010/main" val="0"/>
-              </a:ext>
-            </a:extLst>
-          </a:blip>
-          <a:srcRect/>
-          <a:stretch>
-            <a:fillRect/>
-          </a:stretch>
-        </p:blipFill>
-        <p:spPr bwMode="auto">
-          <a:xfrm>
-            <a:off x="8291592" y="5548753"/>
-            <a:ext cx="293687" cy="183554"/>
-          </a:xfrm>
-          <a:prstGeom prst="rect">
-            <a:avLst/>
-          </a:prstGeom>
-          <a:noFill/>
-          <a:extLst>
-            <a:ext uri="{909E8E84-426E-40DD-AFC4-6F175D3DCCD1}">
-              <a14:hiddenFill xmlns:a14="http://schemas.microsoft.com/office/drawing/2010/main">
-                <a:solidFill>
-                  <a:srgbClr val="FFFFFF"/>
-                </a:solidFill>
-              </a14:hiddenFill>
-            </a:ext>
-          </a:extLst>
-        </p:spPr>
-      </p:pic>
-      <p:pic>
-        <p:nvPicPr>
-          <p:cNvPr id="29" name="Picture 14" descr="Image result for database icon"/>
-          <p:cNvPicPr>
-            <a:picLocks noChangeAspect="1" noChangeArrowheads="1"/>
-          </p:cNvPicPr>
-          <p:nvPr/>
-        </p:nvPicPr>
-        <p:blipFill>
-          <a:blip r:embed="rId7">
-            <a:extLst>
-              <a:ext uri="{28A0092B-C50C-407E-A947-70E740481C1C}">
-                <a14:useLocalDpi xmlns:a14="http://schemas.microsoft.com/office/drawing/2010/main" val="0"/>
-              </a:ext>
-            </a:extLst>
-          </a:blip>
-          <a:srcRect/>
-          <a:stretch>
-            <a:fillRect/>
-          </a:stretch>
-        </p:blipFill>
-        <p:spPr bwMode="auto">
-          <a:xfrm>
-            <a:off x="9997786" y="4826979"/>
-            <a:ext cx="937416" cy="937416"/>
-          </a:xfrm>
-          <a:prstGeom prst="rect">
-            <a:avLst/>
-          </a:prstGeom>
-          <a:noFill/>
-          <a:extLst>
-            <a:ext uri="{909E8E84-426E-40DD-AFC4-6F175D3DCCD1}">
-              <a14:hiddenFill xmlns:a14="http://schemas.microsoft.com/office/drawing/2010/main">
-                <a:solidFill>
-                  <a:srgbClr val="FFFFFF"/>
-                </a:solidFill>
-              </a14:hiddenFill>
-            </a:ext>
-          </a:extLst>
-        </p:spPr>
-      </p:pic>
-      <p:sp>
-        <p:nvSpPr>
-          <p:cNvPr id="30" name="TextBox 29"/>
-          <p:cNvSpPr txBox="1"/>
-          <p:nvPr/>
-        </p:nvSpPr>
-        <p:spPr>
-          <a:xfrm>
-            <a:off x="9864406" y="4448175"/>
-            <a:ext cx="1204176" cy="369332"/>
-          </a:xfrm>
-          <a:prstGeom prst="rect">
-            <a:avLst/>
-          </a:prstGeom>
-          <a:noFill/>
-        </p:spPr>
-        <p:txBody>
-          <a:bodyPr wrap="none" rtlCol="0">
-            <a:spAutoFit/>
-          </a:bodyPr>
-          <a:lstStyle/>
-          <a:p>
-            <a:r>
-              <a:rPr lang="en-US" dirty="0" smtClean="0"/>
-              <a:t>Museum n</a:t>
-            </a:r>
-            <a:endParaRPr lang="en-US" dirty="0"/>
-          </a:p>
-        </p:txBody>
-      </p:sp>
-      <p:pic>
-        <p:nvPicPr>
-          <p:cNvPr id="33" name="Picture 14" descr="Image result for database icon"/>
-          <p:cNvPicPr>
-            <a:picLocks noChangeAspect="1" noChangeArrowheads="1"/>
-          </p:cNvPicPr>
-          <p:nvPr/>
-        </p:nvPicPr>
-        <p:blipFill>
-          <a:blip r:embed="rId7">
-            <a:extLst>
-              <a:ext uri="{28A0092B-C50C-407E-A947-70E740481C1C}">
-                <a14:useLocalDpi xmlns:a14="http://schemas.microsoft.com/office/drawing/2010/main" val="0"/>
-              </a:ext>
-            </a:extLst>
-          </a:blip>
-          <a:srcRect/>
-          <a:stretch>
-            <a:fillRect/>
-          </a:stretch>
-        </p:blipFill>
-        <p:spPr bwMode="auto">
-          <a:xfrm>
-            <a:off x="6003947" y="4952501"/>
-            <a:ext cx="937416" cy="937416"/>
-          </a:xfrm>
-          <a:prstGeom prst="rect">
-            <a:avLst/>
-          </a:prstGeom>
-          <a:noFill/>
-          <a:extLst>
-            <a:ext uri="{909E8E84-426E-40DD-AFC4-6F175D3DCCD1}">
-              <a14:hiddenFill xmlns:a14="http://schemas.microsoft.com/office/drawing/2010/main">
-                <a:solidFill>
-                  <a:srgbClr val="FFFFFF"/>
-                </a:solidFill>
-              </a14:hiddenFill>
-            </a:ext>
-          </a:extLst>
-        </p:spPr>
-      </p:pic>
-      <p:sp>
-        <p:nvSpPr>
-          <p:cNvPr id="34" name="TextBox 33"/>
-          <p:cNvSpPr txBox="1"/>
-          <p:nvPr/>
-        </p:nvSpPr>
-        <p:spPr>
-          <a:xfrm>
-            <a:off x="5896124" y="5845973"/>
-            <a:ext cx="1353256" cy="369332"/>
-          </a:xfrm>
-          <a:prstGeom prst="rect">
-            <a:avLst/>
-          </a:prstGeom>
-          <a:noFill/>
-        </p:spPr>
-        <p:txBody>
-          <a:bodyPr wrap="none" rtlCol="0">
-            <a:spAutoFit/>
-          </a:bodyPr>
-          <a:lstStyle/>
-          <a:p>
-            <a:r>
-              <a:rPr lang="en-US" dirty="0" smtClean="0"/>
-              <a:t>My phone n</a:t>
-            </a:r>
-            <a:endParaRPr lang="en-US" dirty="0"/>
-          </a:p>
-        </p:txBody>
-      </p:sp>
-      <p:sp>
-        <p:nvSpPr>
-          <p:cNvPr id="35" name="Left-Right Arrow 34"/>
-          <p:cNvSpPr/>
-          <p:nvPr/>
-        </p:nvSpPr>
-        <p:spPr>
-          <a:xfrm>
-            <a:off x="6960444" y="5295991"/>
-            <a:ext cx="692888" cy="265065"/>
-          </a:xfrm>
-          <a:prstGeom prst="leftRightArrow">
-            <a:avLst/>
-          </a:prstGeom>
-          <a:noFill/>
-        </p:spPr>
-        <p:style>
-          <a:lnRef idx="2">
-            <a:schemeClr val="dk1"/>
-          </a:lnRef>
-          <a:fillRef idx="1">
-            <a:schemeClr val="lt1"/>
-          </a:fillRef>
-          <a:effectRef idx="0">
-            <a:schemeClr val="dk1"/>
-          </a:effectRef>
-          <a:fontRef idx="minor">
-            <a:schemeClr val="dk1"/>
-          </a:fontRef>
-        </p:style>
-        <p:txBody>
-          <a:bodyPr rtlCol="0" anchor="ctr"/>
-          <a:lstStyle/>
-          <a:p>
-            <a:pPr algn="ctr"/>
-            <a:endParaRPr lang="en-US"/>
-          </a:p>
-        </p:txBody>
-      </p:sp>
-      <p:pic>
-        <p:nvPicPr>
-          <p:cNvPr id="37" name="Picture 10" descr="Image result for mobile phone icon"/>
-          <p:cNvPicPr>
-            <a:picLocks noChangeAspect="1" noChangeArrowheads="1"/>
-          </p:cNvPicPr>
-          <p:nvPr/>
-        </p:nvPicPr>
-        <p:blipFill>
-          <a:blip r:embed="rId5" cstate="print">
-            <a:extLst>
-              <a:ext uri="{28A0092B-C50C-407E-A947-70E740481C1C}">
-                <a14:useLocalDpi xmlns:a14="http://schemas.microsoft.com/office/drawing/2010/main" val="0"/>
-              </a:ext>
-            </a:extLst>
-          </a:blip>
-          <a:srcRect/>
-          <a:stretch>
-            <a:fillRect/>
-          </a:stretch>
-        </p:blipFill>
-        <p:spPr bwMode="auto">
-          <a:xfrm>
-            <a:off x="7274850" y="4412660"/>
-            <a:ext cx="2087563" cy="2087563"/>
-          </a:xfrm>
-          <a:prstGeom prst="rect">
-            <a:avLst/>
-          </a:prstGeom>
-          <a:noFill/>
-          <a:extLst>
-            <a:ext uri="{909E8E84-426E-40DD-AFC4-6F175D3DCCD1}">
-              <a14:hiddenFill xmlns:a14="http://schemas.microsoft.com/office/drawing/2010/main">
-                <a:solidFill>
-                  <a:srgbClr val="FFFFFF"/>
-                </a:solidFill>
-              </a14:hiddenFill>
-            </a:ext>
-          </a:extLst>
-        </p:spPr>
-      </p:pic>
-      <p:sp>
-        <p:nvSpPr>
-          <p:cNvPr id="39" name="Left-Right Arrow 38"/>
-          <p:cNvSpPr/>
-          <p:nvPr/>
-        </p:nvSpPr>
-        <p:spPr>
-          <a:xfrm rot="3393065">
-            <a:off x="8110162" y="3137754"/>
-            <a:ext cx="2625586" cy="265065"/>
-          </a:xfrm>
-          <a:prstGeom prst="leftRightArrow">
-            <a:avLst/>
-          </a:prstGeom>
-          <a:noFill/>
-          <a:ln>
-            <a:prstDash val="dash"/>
-          </a:ln>
-        </p:spPr>
-        <p:style>
-          <a:lnRef idx="2">
-            <a:schemeClr val="dk1"/>
-          </a:lnRef>
-          <a:fillRef idx="1">
-            <a:schemeClr val="lt1"/>
-          </a:fillRef>
-          <a:effectRef idx="0">
-            <a:schemeClr val="dk1"/>
-          </a:effectRef>
-          <a:fontRef idx="minor">
-            <a:schemeClr val="dk1"/>
-          </a:fontRef>
-        </p:style>
-        <p:txBody>
-          <a:bodyPr rtlCol="0" anchor="ctr"/>
-          <a:lstStyle/>
-          <a:p>
-            <a:pPr algn="ctr"/>
-            <a:endParaRPr lang="en-US"/>
-          </a:p>
-        </p:txBody>
-      </p:sp>
-      <p:sp>
-        <p:nvSpPr>
-          <p:cNvPr id="10" name="Rounded Rectangle 9"/>
-          <p:cNvSpPr/>
-          <p:nvPr/>
-        </p:nvSpPr>
-        <p:spPr>
-          <a:xfrm>
-            <a:off x="1271799" y="46010"/>
-            <a:ext cx="5795246" cy="2870995"/>
-          </a:xfrm>
-          <a:prstGeom prst="roundRect">
-            <a:avLst>
-              <a:gd name="adj" fmla="val 7301"/>
-            </a:avLst>
-          </a:prstGeom>
-          <a:noFill/>
-          <a:ln>
-            <a:prstDash val="sysDash"/>
-          </a:ln>
-        </p:spPr>
-        <p:style>
-          <a:lnRef idx="2">
-            <a:schemeClr val="accent1">
-              <a:shade val="50000"/>
-            </a:schemeClr>
-          </a:lnRef>
-          <a:fillRef idx="1">
-            <a:schemeClr val="accent1"/>
-          </a:fillRef>
-          <a:effectRef idx="0">
-            <a:schemeClr val="accent1"/>
-          </a:effectRef>
-          <a:fontRef idx="minor">
-            <a:schemeClr val="lt1"/>
-          </a:fontRef>
-        </p:style>
-        <p:txBody>
-          <a:bodyPr rtlCol="0" anchor="ctr"/>
-          <a:lstStyle/>
-          <a:p>
-            <a:pPr algn="ctr"/>
-            <a:endParaRPr lang="en-US"/>
-          </a:p>
-        </p:txBody>
-      </p:sp>
-      <p:sp>
-        <p:nvSpPr>
-          <p:cNvPr id="41" name="Rounded Rectangle 40"/>
-          <p:cNvSpPr/>
-          <p:nvPr/>
-        </p:nvSpPr>
-        <p:spPr>
-          <a:xfrm>
-            <a:off x="5634249" y="4229256"/>
-            <a:ext cx="5795246" cy="2815014"/>
-          </a:xfrm>
-          <a:prstGeom prst="roundRect">
-            <a:avLst>
-              <a:gd name="adj" fmla="val 7301"/>
-            </a:avLst>
-          </a:prstGeom>
-          <a:noFill/>
-          <a:ln>
-            <a:prstDash val="sysDash"/>
-          </a:ln>
-        </p:spPr>
-        <p:style>
-          <a:lnRef idx="2">
-            <a:schemeClr val="accent1">
-              <a:shade val="50000"/>
-            </a:schemeClr>
-          </a:lnRef>
-          <a:fillRef idx="1">
-            <a:schemeClr val="accent1"/>
-          </a:fillRef>
-          <a:effectRef idx="0">
-            <a:schemeClr val="accent1"/>
-          </a:effectRef>
-          <a:fontRef idx="minor">
-            <a:schemeClr val="lt1"/>
-          </a:fontRef>
-        </p:style>
-        <p:txBody>
-          <a:bodyPr rtlCol="0" anchor="ctr"/>
-          <a:lstStyle/>
-          <a:p>
-            <a:pPr algn="ctr"/>
-            <a:endParaRPr lang="en-US"/>
-          </a:p>
-        </p:txBody>
-      </p:sp>
-      <p:sp>
-        <p:nvSpPr>
-          <p:cNvPr id="11" name="TextBox 10"/>
-          <p:cNvSpPr txBox="1"/>
-          <p:nvPr/>
-        </p:nvSpPr>
-        <p:spPr>
-          <a:xfrm>
-            <a:off x="104301" y="3073608"/>
-            <a:ext cx="3462359" cy="4154984"/>
-          </a:xfrm>
-          <a:prstGeom prst="rect">
-            <a:avLst/>
-          </a:prstGeom>
-          <a:noFill/>
-        </p:spPr>
-        <p:txBody>
-          <a:bodyPr wrap="square" rtlCol="0">
-            <a:spAutoFit/>
-          </a:bodyPr>
-          <a:lstStyle/>
-          <a:p>
-            <a:r>
-              <a:rPr lang="en-US" sz="1200" b="1" dirty="0" smtClean="0">
-                <a:solidFill>
-                  <a:srgbClr val="0070C0"/>
-                </a:solidFill>
-              </a:rPr>
-              <a:t>CLIENT</a:t>
-            </a:r>
-          </a:p>
-          <a:p>
-            <a:pPr marL="285750" indent="-285750">
-              <a:buFontTx/>
-              <a:buChar char="-"/>
-            </a:pPr>
-            <a:r>
-              <a:rPr lang="en-US" sz="1200" b="1" dirty="0" smtClean="0"/>
-              <a:t>Detect and recognize object :</a:t>
-            </a:r>
-          </a:p>
-          <a:p>
-            <a:r>
-              <a:rPr lang="en-US" sz="1200" dirty="0" smtClean="0"/>
-              <a:t>+ Recommendation system</a:t>
-            </a:r>
-          </a:p>
-          <a:p>
-            <a:r>
-              <a:rPr lang="en-US" sz="1200" dirty="0" smtClean="0"/>
-              <a:t>+ Machine learning</a:t>
-            </a:r>
-          </a:p>
-          <a:p>
-            <a:r>
-              <a:rPr lang="en-US" sz="1200" dirty="0" smtClean="0"/>
-              <a:t>+ Artificial Intelligence</a:t>
-            </a:r>
-          </a:p>
-          <a:p>
-            <a:r>
-              <a:rPr lang="en-US" sz="1200" dirty="0" smtClean="0"/>
-              <a:t>+ Search engine algorithm</a:t>
-            </a:r>
-          </a:p>
-          <a:p>
-            <a:pPr marL="285750" indent="-285750">
-              <a:buFontTx/>
-              <a:buChar char="-"/>
-            </a:pPr>
-            <a:r>
-              <a:rPr lang="en-US" sz="1200" b="1" dirty="0" smtClean="0"/>
-              <a:t>Verification:</a:t>
-            </a:r>
-            <a:endParaRPr lang="en-US" sz="1200" b="1" dirty="0"/>
-          </a:p>
-          <a:p>
-            <a:r>
-              <a:rPr lang="en-US" sz="1200" dirty="0"/>
-              <a:t>+ Geo-location of the item </a:t>
-            </a:r>
-          </a:p>
-          <a:p>
-            <a:r>
-              <a:rPr lang="en-US" sz="1200" dirty="0"/>
-              <a:t>+ Bar-code of the </a:t>
-            </a:r>
-            <a:r>
-              <a:rPr lang="en-US" sz="1200" dirty="0" smtClean="0"/>
-              <a:t>item</a:t>
-            </a:r>
-          </a:p>
-          <a:p>
-            <a:pPr marL="171450" indent="-171450">
-              <a:buFontTx/>
-              <a:buChar char="-"/>
-            </a:pPr>
-            <a:r>
-              <a:rPr lang="en-US" sz="1200" b="1" dirty="0" smtClean="0"/>
-              <a:t>User contribution:</a:t>
-            </a:r>
-          </a:p>
-          <a:p>
-            <a:r>
-              <a:rPr lang="en-US" sz="1200" dirty="0" smtClean="0"/>
-              <a:t>+ User may </a:t>
-            </a:r>
-            <a:r>
-              <a:rPr lang="en-US" sz="1200" dirty="0" err="1" smtClean="0"/>
-              <a:t>catelogy</a:t>
-            </a:r>
-            <a:r>
-              <a:rPr lang="en-US" sz="1200" dirty="0" smtClean="0"/>
-              <a:t> manual </a:t>
-            </a:r>
-          </a:p>
-          <a:p>
-            <a:r>
-              <a:rPr lang="en-US" sz="1200" dirty="0" smtClean="0"/>
-              <a:t>+ </a:t>
-            </a:r>
-            <a:r>
-              <a:rPr lang="en-US" sz="1200" dirty="0" smtClean="0"/>
-              <a:t>Vote the </a:t>
-            </a:r>
-            <a:r>
-              <a:rPr lang="en-US" sz="1200" dirty="0" smtClean="0"/>
-              <a:t>responded information</a:t>
-            </a:r>
-            <a:endParaRPr lang="en-US" sz="1200" dirty="0" smtClean="0"/>
-          </a:p>
-          <a:p>
-            <a:r>
-              <a:rPr lang="en-US" sz="1200" b="1" dirty="0" smtClean="0"/>
-              <a:t>-    Updated</a:t>
-            </a:r>
-            <a:endParaRPr lang="en-US" sz="1200" dirty="0" smtClean="0"/>
-          </a:p>
-          <a:p>
-            <a:r>
-              <a:rPr lang="en-US" sz="1200" dirty="0" smtClean="0"/>
-              <a:t>------------------------------------</a:t>
-            </a:r>
-            <a:endParaRPr lang="en-US" sz="1200" dirty="0"/>
-          </a:p>
-          <a:p>
-            <a:r>
-              <a:rPr lang="en-US" sz="1200" b="1" dirty="0" smtClean="0">
-                <a:solidFill>
-                  <a:srgbClr val="FF0000"/>
-                </a:solidFill>
-              </a:rPr>
-              <a:t>SERVER</a:t>
-            </a:r>
-          </a:p>
-          <a:p>
-            <a:r>
-              <a:rPr lang="en-US" sz="1200" dirty="0" smtClean="0"/>
-              <a:t>+ Recommendation system</a:t>
-            </a:r>
-          </a:p>
-          <a:p>
-            <a:r>
-              <a:rPr lang="en-US" sz="1200" dirty="0" smtClean="0"/>
-              <a:t>+ Reinforcement Learning</a:t>
-            </a:r>
-            <a:endParaRPr lang="en-US" sz="1200" dirty="0"/>
-          </a:p>
-          <a:p>
-            <a:r>
-              <a:rPr lang="en-US" sz="1200" dirty="0"/>
-              <a:t>+ Machine learning</a:t>
-            </a:r>
-          </a:p>
-          <a:p>
-            <a:r>
-              <a:rPr lang="en-US" sz="1200" dirty="0"/>
-              <a:t>+ Artificial Intelligence</a:t>
-            </a:r>
-          </a:p>
-          <a:p>
-            <a:r>
-              <a:rPr lang="en-US" sz="1200" dirty="0"/>
-              <a:t>+ Search engine algorithm</a:t>
-            </a:r>
-          </a:p>
-          <a:p>
-            <a:endParaRPr lang="en-US" sz="1200" dirty="0" smtClean="0"/>
-          </a:p>
-          <a:p>
-            <a:endParaRPr lang="en-US" sz="1200" dirty="0"/>
-          </a:p>
-        </p:txBody>
-      </p:sp>
-      <p:sp>
-        <p:nvSpPr>
-          <p:cNvPr id="43" name="Rounded Rectangle 42"/>
-          <p:cNvSpPr/>
-          <p:nvPr/>
-        </p:nvSpPr>
-        <p:spPr>
-          <a:xfrm>
-            <a:off x="1424198" y="93636"/>
-            <a:ext cx="3226011" cy="2644050"/>
-          </a:xfrm>
-          <a:prstGeom prst="roundRect">
-            <a:avLst>
-              <a:gd name="adj" fmla="val 7301"/>
-            </a:avLst>
-          </a:prstGeom>
-          <a:noFill/>
-          <a:ln>
-            <a:prstDash val="sysDash"/>
-          </a:ln>
-        </p:spPr>
-        <p:style>
-          <a:lnRef idx="2">
-            <a:schemeClr val="accent1">
-              <a:shade val="50000"/>
-            </a:schemeClr>
-          </a:lnRef>
-          <a:fillRef idx="1">
-            <a:schemeClr val="accent1"/>
-          </a:fillRef>
-          <a:effectRef idx="0">
-            <a:schemeClr val="accent1"/>
-          </a:effectRef>
-          <a:fontRef idx="minor">
-            <a:schemeClr val="lt1"/>
-          </a:fontRef>
-        </p:style>
-        <p:txBody>
-          <a:bodyPr rtlCol="0" anchor="ctr"/>
-          <a:lstStyle/>
-          <a:p>
-            <a:pPr algn="ctr"/>
-            <a:endParaRPr lang="en-US"/>
-          </a:p>
-        </p:txBody>
-      </p:sp>
-      <p:sp>
-        <p:nvSpPr>
-          <p:cNvPr id="44" name="Rounded Rectangle 43"/>
-          <p:cNvSpPr/>
-          <p:nvPr/>
-        </p:nvSpPr>
-        <p:spPr>
-          <a:xfrm>
-            <a:off x="5757451" y="4357684"/>
-            <a:ext cx="3226011" cy="2644050"/>
-          </a:xfrm>
-          <a:prstGeom prst="roundRect">
-            <a:avLst>
-              <a:gd name="adj" fmla="val 7301"/>
-            </a:avLst>
-          </a:prstGeom>
-          <a:noFill/>
-          <a:ln>
-            <a:prstDash val="sysDash"/>
-          </a:ln>
-        </p:spPr>
-        <p:style>
-          <a:lnRef idx="2">
-            <a:schemeClr val="accent1">
-              <a:shade val="50000"/>
-            </a:schemeClr>
-          </a:lnRef>
-          <a:fillRef idx="1">
-            <a:schemeClr val="accent1"/>
-          </a:fillRef>
-          <a:effectRef idx="0">
-            <a:schemeClr val="accent1"/>
-          </a:effectRef>
-          <a:fontRef idx="minor">
-            <a:schemeClr val="lt1"/>
-          </a:fontRef>
-        </p:style>
-        <p:txBody>
-          <a:bodyPr rtlCol="0" anchor="ctr"/>
-          <a:lstStyle/>
-          <a:p>
-            <a:pPr algn="ctr"/>
-            <a:endParaRPr lang="en-US"/>
-          </a:p>
-        </p:txBody>
-      </p:sp>
-      <p:sp>
-        <p:nvSpPr>
-          <p:cNvPr id="45" name="Left-Right Arrow 44"/>
-          <p:cNvSpPr/>
-          <p:nvPr/>
-        </p:nvSpPr>
-        <p:spPr>
-          <a:xfrm>
-            <a:off x="4820184" y="775819"/>
-            <a:ext cx="692888" cy="265065"/>
-          </a:xfrm>
-          <a:prstGeom prst="leftRightArrow">
-            <a:avLst/>
-          </a:prstGeom>
-          <a:noFill/>
-        </p:spPr>
-        <p:style>
-          <a:lnRef idx="2">
-            <a:schemeClr val="dk1"/>
-          </a:lnRef>
-          <a:fillRef idx="1">
-            <a:schemeClr val="lt1"/>
-          </a:fillRef>
-          <a:effectRef idx="0">
-            <a:schemeClr val="dk1"/>
-          </a:effectRef>
-          <a:fontRef idx="minor">
-            <a:schemeClr val="dk1"/>
-          </a:fontRef>
-        </p:style>
-        <p:txBody>
-          <a:bodyPr rtlCol="0" anchor="ctr"/>
-          <a:lstStyle/>
-          <a:p>
-            <a:pPr algn="ctr"/>
-            <a:endParaRPr lang="en-US"/>
-          </a:p>
-        </p:txBody>
-      </p:sp>
-      <p:sp>
-        <p:nvSpPr>
-          <p:cNvPr id="46" name="Left-Right Arrow 45"/>
-          <p:cNvSpPr/>
-          <p:nvPr/>
-        </p:nvSpPr>
-        <p:spPr>
-          <a:xfrm>
-            <a:off x="9199752" y="5198772"/>
-            <a:ext cx="692888" cy="265065"/>
-          </a:xfrm>
-          <a:prstGeom prst="leftRightArrow">
-            <a:avLst/>
-          </a:prstGeom>
-          <a:noFill/>
-        </p:spPr>
-        <p:style>
-          <a:lnRef idx="2">
-            <a:schemeClr val="dk1"/>
-          </a:lnRef>
-          <a:fillRef idx="1">
-            <a:schemeClr val="lt1"/>
-          </a:fillRef>
-          <a:effectRef idx="0">
-            <a:schemeClr val="dk1"/>
-          </a:effectRef>
-          <a:fontRef idx="minor">
-            <a:schemeClr val="dk1"/>
-          </a:fontRef>
-        </p:style>
-        <p:txBody>
-          <a:bodyPr rtlCol="0" anchor="ctr"/>
-          <a:lstStyle/>
-          <a:p>
-            <a:pPr algn="ctr"/>
-            <a:endParaRPr lang="en-US"/>
-          </a:p>
-        </p:txBody>
-      </p:sp>
-      <p:pic>
-        <p:nvPicPr>
-          <p:cNvPr id="1040" name="Picture 16" descr="Image result for internet icon"/>
-          <p:cNvPicPr>
-            <a:picLocks noChangeAspect="1" noChangeArrowheads="1"/>
-          </p:cNvPicPr>
-          <p:nvPr/>
-        </p:nvPicPr>
-        <p:blipFill>
-          <a:blip r:embed="rId8" cstate="print">
-            <a:extLst>
-              <a:ext uri="{28A0092B-C50C-407E-A947-70E740481C1C}">
-                <a14:useLocalDpi xmlns:a14="http://schemas.microsoft.com/office/drawing/2010/main" val="0"/>
-              </a:ext>
-            </a:extLst>
-          </a:blip>
-          <a:srcRect/>
-          <a:stretch>
-            <a:fillRect/>
-          </a:stretch>
-        </p:blipFill>
-        <p:spPr bwMode="auto">
-          <a:xfrm>
-            <a:off x="4283632" y="3386532"/>
-            <a:ext cx="871956" cy="871956"/>
-          </a:xfrm>
-          <a:prstGeom prst="rect">
-            <a:avLst/>
-          </a:prstGeom>
-          <a:noFill/>
-          <a:extLst>
-            <a:ext uri="{909E8E84-426E-40DD-AFC4-6F175D3DCCD1}">
-              <a14:hiddenFill xmlns:a14="http://schemas.microsoft.com/office/drawing/2010/main">
-                <a:solidFill>
-                  <a:srgbClr val="FFFFFF"/>
-                </a:solidFill>
-              </a14:hiddenFill>
-            </a:ext>
-          </a:extLst>
-        </p:spPr>
-      </p:pic>
-      <p:sp>
-        <p:nvSpPr>
-          <p:cNvPr id="48" name="TextBox 47"/>
-          <p:cNvSpPr txBox="1"/>
-          <p:nvPr/>
-        </p:nvSpPr>
-        <p:spPr>
-          <a:xfrm>
-            <a:off x="4335697" y="4186637"/>
-            <a:ext cx="1027845" cy="369332"/>
-          </a:xfrm>
-          <a:prstGeom prst="rect">
-            <a:avLst/>
-          </a:prstGeom>
-          <a:noFill/>
-        </p:spPr>
-        <p:txBody>
-          <a:bodyPr wrap="none" rtlCol="0">
-            <a:spAutoFit/>
-          </a:bodyPr>
-          <a:lstStyle/>
-          <a:p>
-            <a:r>
-              <a:rPr lang="en-US" dirty="0" smtClean="0"/>
-              <a:t>Internet</a:t>
-            </a:r>
-            <a:endParaRPr lang="en-US" dirty="0"/>
-          </a:p>
-        </p:txBody>
-      </p:sp>
-      <p:sp>
-        <p:nvSpPr>
-          <p:cNvPr id="49" name="Left-Right Arrow 48"/>
-          <p:cNvSpPr/>
-          <p:nvPr/>
-        </p:nvSpPr>
-        <p:spPr>
-          <a:xfrm>
-            <a:off x="4948301" y="1923093"/>
-            <a:ext cx="2243073" cy="265065"/>
-          </a:xfrm>
-          <a:prstGeom prst="leftRightArrow">
-            <a:avLst/>
-          </a:prstGeom>
-          <a:noFill/>
-        </p:spPr>
-        <p:style>
-          <a:lnRef idx="2">
-            <a:schemeClr val="dk1"/>
-          </a:lnRef>
-          <a:fillRef idx="1">
-            <a:schemeClr val="lt1"/>
-          </a:fillRef>
-          <a:effectRef idx="0">
-            <a:schemeClr val="dk1"/>
-          </a:effectRef>
-          <a:fontRef idx="minor">
-            <a:schemeClr val="dk1"/>
-          </a:fontRef>
-        </p:style>
-        <p:txBody>
-          <a:bodyPr rtlCol="0" anchor="ctr"/>
-          <a:lstStyle/>
-          <a:p>
-            <a:pPr algn="ctr"/>
-            <a:endParaRPr lang="en-US"/>
-          </a:p>
-        </p:txBody>
-      </p:sp>
-      <p:sp>
-        <p:nvSpPr>
-          <p:cNvPr id="36" name="Left-Right Arrow 35"/>
-          <p:cNvSpPr/>
-          <p:nvPr/>
-        </p:nvSpPr>
-        <p:spPr>
-          <a:xfrm rot="3243414">
-            <a:off x="3668318" y="2914936"/>
-            <a:ext cx="1019091" cy="265065"/>
-          </a:xfrm>
-          <a:prstGeom prst="leftRightArrow">
-            <a:avLst/>
-          </a:prstGeom>
-          <a:noFill/>
-        </p:spPr>
-        <p:style>
-          <a:lnRef idx="2">
-            <a:schemeClr val="dk1"/>
-          </a:lnRef>
-          <a:fillRef idx="1">
-            <a:schemeClr val="lt1"/>
-          </a:fillRef>
-          <a:effectRef idx="0">
-            <a:schemeClr val="dk1"/>
-          </a:effectRef>
-          <a:fontRef idx="minor">
-            <a:schemeClr val="dk1"/>
-          </a:fontRef>
-        </p:style>
-        <p:txBody>
-          <a:bodyPr rtlCol="0" anchor="ctr"/>
-          <a:lstStyle/>
-          <a:p>
-            <a:pPr algn="ctr"/>
-            <a:endParaRPr lang="en-US"/>
-          </a:p>
-        </p:txBody>
-      </p:sp>
-      <p:sp>
-        <p:nvSpPr>
-          <p:cNvPr id="50" name="Left-Right Arrow 49"/>
-          <p:cNvSpPr/>
-          <p:nvPr/>
-        </p:nvSpPr>
-        <p:spPr>
-          <a:xfrm rot="1402248">
-            <a:off x="5006963" y="4364670"/>
-            <a:ext cx="2779795" cy="265065"/>
-          </a:xfrm>
-          <a:prstGeom prst="leftRightArrow">
-            <a:avLst/>
-          </a:prstGeom>
-          <a:noFill/>
-        </p:spPr>
-        <p:style>
-          <a:lnRef idx="2">
-            <a:schemeClr val="dk1"/>
-          </a:lnRef>
-          <a:fillRef idx="1">
-            <a:schemeClr val="lt1"/>
-          </a:fillRef>
-          <a:effectRef idx="0">
-            <a:schemeClr val="dk1"/>
-          </a:effectRef>
-          <a:fontRef idx="minor">
-            <a:schemeClr val="dk1"/>
-          </a:fontRef>
-        </p:style>
-        <p:txBody>
-          <a:bodyPr rtlCol="0" anchor="ctr"/>
-          <a:lstStyle/>
-          <a:p>
-            <a:pPr algn="ctr"/>
-            <a:endParaRPr lang="en-US"/>
-          </a:p>
-        </p:txBody>
-      </p:sp>
-      <p:pic>
-        <p:nvPicPr>
-          <p:cNvPr id="53" name="Picture 2" descr="Image result for bibliomondo"/>
-          <p:cNvPicPr>
-            <a:picLocks noChangeAspect="1" noChangeArrowheads="1"/>
-          </p:cNvPicPr>
-          <p:nvPr/>
-        </p:nvPicPr>
-        <p:blipFill>
-          <a:blip r:embed="rId9" cstate="print">
-            <a:extLst>
-              <a:ext uri="{28A0092B-C50C-407E-A947-70E740481C1C}">
-                <a14:useLocalDpi xmlns:a14="http://schemas.microsoft.com/office/drawing/2010/main" val="0"/>
-              </a:ext>
-            </a:extLst>
-          </a:blip>
-          <a:srcRect/>
-          <a:stretch>
-            <a:fillRect/>
-          </a:stretch>
-        </p:blipFill>
-        <p:spPr bwMode="auto">
-          <a:xfrm>
-            <a:off x="7612371" y="1349872"/>
-            <a:ext cx="1047263" cy="415901"/>
-          </a:xfrm>
-          <a:prstGeom prst="rect">
-            <a:avLst/>
-          </a:prstGeom>
-          <a:noFill/>
-          <a:extLst>
-            <a:ext uri="{909E8E84-426E-40DD-AFC4-6F175D3DCCD1}">
-              <a14:hiddenFill xmlns:a14="http://schemas.microsoft.com/office/drawing/2010/main">
-                <a:solidFill>
-                  <a:srgbClr val="FFFFFF"/>
-                </a:solidFill>
-              </a14:hiddenFill>
-            </a:ext>
-          </a:extLst>
-        </p:spPr>
-      </p:pic>
-    </p:spTree>
-    <p:extLst>
-      <p:ext uri="{BB962C8B-B14F-4D97-AF65-F5344CB8AC3E}">
-        <p14:creationId xmlns:p14="http://schemas.microsoft.com/office/powerpoint/2010/main" val="118184273"/>
-      </p:ext>
-    </p:extLst>
-  </p:cSld>
-  <p:clrMapOvr>
-    <a:masterClrMapping/>
-  </p:clrMapOvr>
-  <p:timing>
-    <p:tnLst>
-      <p:par>
-        <p:cTn id="1" dur="indefinite" restart="never" nodeType="tmRoot"/>
-      </p:par>
-    </p:tnLst>
-  </p:timing>
-</p:sld>
-</file>
-
-<file path=ppt/slides/slide7.xml><?xml version="1.0" encoding="utf-8"?>
-<p:sld xmlns:a="http://schemas.openxmlformats.org/drawingml/2006/main" xmlns:r="http://schemas.openxmlformats.org/officeDocument/2006/relationships" xmlns:p="http://schemas.openxmlformats.org/presentationml/2006/main" showMasterSp="0">
-  <p:cSld>
-    <p:spTree>
-      <p:nvGrpSpPr>
-        <p:cNvPr id="1" name=""/>
-        <p:cNvGrpSpPr/>
-        <p:nvPr/>
-      </p:nvGrpSpPr>
-      <p:grpSpPr>
-        <a:xfrm>
-          <a:off x="0" y="0"/>
-          <a:ext cx="0" cy="0"/>
-          <a:chOff x="0" y="0"/>
-          <a:chExt cx="0" cy="0"/>
-        </a:xfrm>
-      </p:grpSpPr>
       <p:sp>
         <p:nvSpPr>
           <p:cNvPr id="2" name="Title 1"/>
@@ -6423,19 +6939,122 @@
         </p:nvSpPr>
         <p:spPr/>
         <p:txBody>
-          <a:bodyPr/>
-          <a:lstStyle/>
-          <a:p>
-            <a:r>
-              <a:rPr lang="en-US" dirty="0" smtClean="0"/>
-              <a:t>Content based image retrieval (CBIR) is an important research area for manipulating large multimedia databases and digital library characterized by automatic indexing of images based on their own visual features, CBIR uses featured include [1] color, texture, shape, and edge information</a:t>
-            </a:r>
-          </a:p>
-          <a:p>
-            <a:endParaRPr lang="en-US" dirty="0"/>
-          </a:p>
-          <a:p>
-            <a:endParaRPr lang="en-US" dirty="0" smtClean="0"/>
+          <a:bodyPr>
+            <a:normAutofit fontScale="92500" lnSpcReduction="10000"/>
+          </a:bodyPr>
+          <a:lstStyle/>
+          <a:p>
+            <a:pPr algn="just">
+              <a:lnSpc>
+                <a:spcPct val="150000"/>
+              </a:lnSpc>
+              <a:spcBef>
+                <a:spcPts val="1200"/>
+              </a:spcBef>
+            </a:pPr>
+            <a:r>
+              <a:rPr lang="en-US" sz="1800" dirty="0" smtClean="0"/>
+              <a:t>Content based image retrieval (</a:t>
+            </a:r>
+            <a:r>
+              <a:rPr lang="en-US" sz="1800" dirty="0" smtClean="0">
+                <a:hlinkClick r:id="rId2" action="ppaction://hlinkfile"/>
+              </a:rPr>
+              <a:t>CBIR</a:t>
+            </a:r>
+            <a:r>
+              <a:rPr lang="en-US" sz="1800" dirty="0" smtClean="0"/>
+              <a:t>) is an important research area for manipulating large multimedia databases and digital library characterized by automatic indexing of images based on their own visual features, CBIR uses featured include [1] color, texture, shape, and edge </a:t>
+            </a:r>
+            <a:r>
+              <a:rPr lang="en-US" sz="1800" dirty="0" smtClean="0"/>
+              <a:t>information</a:t>
+            </a:r>
+          </a:p>
+          <a:p>
+            <a:pPr algn="just">
+              <a:lnSpc>
+                <a:spcPct val="150000"/>
+              </a:lnSpc>
+              <a:spcBef>
+                <a:spcPts val="1200"/>
+              </a:spcBef>
+            </a:pPr>
+            <a:r>
+              <a:rPr lang="en-US" sz="1800" dirty="0"/>
+              <a:t>The features were classified using the random forest classifier and provided 74.7% accuracy for the RGB data[2].  Spare coding [3] and clustering based convolutional extractors [4],[5] have increased the classification performance to 85.2</a:t>
+            </a:r>
+            <a:r>
+              <a:rPr lang="en-US" sz="1800" dirty="0" smtClean="0"/>
+              <a:t>%</a:t>
+            </a:r>
+          </a:p>
+          <a:p>
+            <a:pPr algn="just">
+              <a:lnSpc>
+                <a:spcPct val="150000"/>
+              </a:lnSpc>
+              <a:spcBef>
+                <a:spcPts val="1200"/>
+              </a:spcBef>
+            </a:pPr>
+            <a:r>
+              <a:rPr lang="en-US" sz="1800" dirty="0"/>
+              <a:t>The visualizations in [6][7] indicates that, as the distribution of objects is transformed from overlapped space to separable space in a deep network</a:t>
+            </a:r>
+            <a:r>
+              <a:rPr lang="en-US" sz="1800" dirty="0" smtClean="0"/>
+              <a:t>, </a:t>
+            </a:r>
+            <a:r>
+              <a:rPr lang="en-US" sz="1800" dirty="0"/>
+              <a:t>intermediate representations can be used as generic features to semantically describe the object in the input image</a:t>
+            </a:r>
+          </a:p>
+          <a:p>
+            <a:pPr marL="0" indent="0" algn="just">
+              <a:lnSpc>
+                <a:spcPct val="150000"/>
+              </a:lnSpc>
+              <a:spcBef>
+                <a:spcPts val="1200"/>
+              </a:spcBef>
+              <a:buNone/>
+            </a:pPr>
+            <a:endParaRPr lang="en-US" sz="1800" dirty="0"/>
+          </a:p>
+          <a:p>
+            <a:pPr algn="just">
+              <a:lnSpc>
+                <a:spcPct val="150000"/>
+              </a:lnSpc>
+              <a:spcBef>
+                <a:spcPts val="1200"/>
+              </a:spcBef>
+            </a:pPr>
+            <a:endParaRPr lang="en-US" sz="1800" dirty="0" smtClean="0"/>
+          </a:p>
+          <a:p>
+            <a:pPr algn="just">
+              <a:lnSpc>
+                <a:spcPct val="150000"/>
+              </a:lnSpc>
+              <a:spcBef>
+                <a:spcPts val="1200"/>
+              </a:spcBef>
+            </a:pPr>
+            <a:endParaRPr lang="en-US" sz="1800" dirty="0"/>
+          </a:p>
+          <a:p>
+            <a:pPr algn="just">
+              <a:lnSpc>
+                <a:spcPct val="150000"/>
+              </a:lnSpc>
+              <a:spcBef>
+                <a:spcPts val="1200"/>
+              </a:spcBef>
+            </a:pPr>
+            <a:endParaRPr lang="en-US" sz="1800" dirty="0" smtClean="0"/>
           </a:p>
         </p:txBody>
       </p:sp>
@@ -6649,7 +7268,7 @@
 </p:sld>
 </file>
 
-<file path=ppt/slides/slide8.xml><?xml version="1.0" encoding="utf-8"?>
+<file path=ppt/slides/slide7.xml><?xml version="1.0" encoding="utf-8"?>
 <p:sld xmlns:a="http://schemas.openxmlformats.org/drawingml/2006/main" xmlns:r="http://schemas.openxmlformats.org/officeDocument/2006/relationships" xmlns:p="http://schemas.openxmlformats.org/presentationml/2006/main" showMasterSp="0">
   <p:cSld>
     <p:spTree>
@@ -6706,25 +7325,250 @@
           </a:bodyPr>
           <a:lstStyle/>
           <a:p>
-            <a:r>
-              <a:rPr lang="en-US" sz="2400" dirty="0" smtClean="0"/>
-              <a:t>The features were classified using the random forest classifier and provided 74.7% accuracy for the RGB data[2].  Spare coding [3] and clustering based convolutional extractors [4],[5] have increased the classification performance to 85.2%</a:t>
-            </a:r>
-          </a:p>
-          <a:p>
             <a:endParaRPr lang="en-US" sz="2400" dirty="0" smtClean="0"/>
           </a:p>
           <a:p>
-            <a:r>
-              <a:rPr lang="en-US" sz="2400" dirty="0" smtClean="0"/>
-              <a:t>The visualizations in [6][7] indicates that, as the distribution of objects is transformed from overlapped space to separable space in a deep network,   intermediate representations can be used as generic features to semantically describe the object in the input image</a:t>
-            </a:r>
-          </a:p>
-          <a:p>
             <a:endParaRPr lang="en-US" sz="2400" dirty="0"/>
           </a:p>
           <a:p>
             <a:endParaRPr lang="en-US" sz="2400" dirty="0"/>
+          </a:p>
+        </p:txBody>
+      </p:sp>
+      <p:sp>
+        <p:nvSpPr>
+          <p:cNvPr id="4" name="Content Placeholder 2"/>
+          <p:cNvSpPr txBox="1">
+            <a:spLocks/>
+          </p:cNvSpPr>
+          <p:nvPr/>
+        </p:nvSpPr>
+        <p:spPr>
+          <a:xfrm>
+            <a:off x="3095897" y="1742939"/>
+            <a:ext cx="8623663" cy="4387352"/>
+          </a:xfrm>
+          <a:prstGeom prst="rect">
+            <a:avLst/>
+          </a:prstGeom>
+        </p:spPr>
+        <p:txBody>
+          <a:bodyPr vert="horz" lIns="91440" tIns="45720" rIns="91440" bIns="45720" rtlCol="0">
+            <a:normAutofit/>
+          </a:bodyPr>
+          <a:lstStyle>
+            <a:lvl1pPr marL="228600" indent="-228600" algn="l" defTabSz="914400" rtl="0" eaLnBrk="1" latinLnBrk="0" hangingPunct="1">
+              <a:lnSpc>
+                <a:spcPct val="90000"/>
+              </a:lnSpc>
+              <a:spcBef>
+                <a:spcPts val="1000"/>
+              </a:spcBef>
+              <a:buFont typeface="Arial" panose="020B0604020202020204" pitchFamily="34" charset="0"/>
+              <a:buChar char="•"/>
+              <a:defRPr sz="2800" kern="1200">
+                <a:solidFill>
+                  <a:schemeClr val="tx1"/>
+                </a:solidFill>
+                <a:latin typeface="+mn-lt"/>
+                <a:ea typeface="+mn-ea"/>
+                <a:cs typeface="+mn-cs"/>
+              </a:defRPr>
+            </a:lvl1pPr>
+            <a:lvl2pPr marL="685800" indent="-228600" algn="l" defTabSz="914400" rtl="0" eaLnBrk="1" latinLnBrk="0" hangingPunct="1">
+              <a:lnSpc>
+                <a:spcPct val="90000"/>
+              </a:lnSpc>
+              <a:spcBef>
+                <a:spcPts val="500"/>
+              </a:spcBef>
+              <a:buFont typeface="Arial" panose="020B0604020202020204" pitchFamily="34" charset="0"/>
+              <a:buChar char="•"/>
+              <a:defRPr sz="2400" kern="1200">
+                <a:solidFill>
+                  <a:schemeClr val="tx1"/>
+                </a:solidFill>
+                <a:latin typeface="+mn-lt"/>
+                <a:ea typeface="+mn-ea"/>
+                <a:cs typeface="+mn-cs"/>
+              </a:defRPr>
+            </a:lvl2pPr>
+            <a:lvl3pPr marL="1143000" indent="-228600" algn="l" defTabSz="914400" rtl="0" eaLnBrk="1" latinLnBrk="0" hangingPunct="1">
+              <a:lnSpc>
+                <a:spcPct val="90000"/>
+              </a:lnSpc>
+              <a:spcBef>
+                <a:spcPts val="500"/>
+              </a:spcBef>
+              <a:buFont typeface="Arial" panose="020B0604020202020204" pitchFamily="34" charset="0"/>
+              <a:buChar char="•"/>
+              <a:defRPr sz="2000" kern="1200">
+                <a:solidFill>
+                  <a:schemeClr val="tx1"/>
+                </a:solidFill>
+                <a:latin typeface="+mn-lt"/>
+                <a:ea typeface="+mn-ea"/>
+                <a:cs typeface="+mn-cs"/>
+              </a:defRPr>
+            </a:lvl3pPr>
+            <a:lvl4pPr marL="1600200" indent="-228600" algn="l" defTabSz="914400" rtl="0" eaLnBrk="1" latinLnBrk="0" hangingPunct="1">
+              <a:lnSpc>
+                <a:spcPct val="90000"/>
+              </a:lnSpc>
+              <a:spcBef>
+                <a:spcPts val="500"/>
+              </a:spcBef>
+              <a:buFont typeface="Arial" panose="020B0604020202020204" pitchFamily="34" charset="0"/>
+              <a:buChar char="•"/>
+              <a:defRPr sz="1800" kern="1200">
+                <a:solidFill>
+                  <a:schemeClr val="tx1"/>
+                </a:solidFill>
+                <a:latin typeface="+mn-lt"/>
+                <a:ea typeface="+mn-ea"/>
+                <a:cs typeface="+mn-cs"/>
+              </a:defRPr>
+            </a:lvl4pPr>
+            <a:lvl5pPr marL="2057400" indent="-228600" algn="l" defTabSz="914400" rtl="0" eaLnBrk="1" latinLnBrk="0" hangingPunct="1">
+              <a:lnSpc>
+                <a:spcPct val="90000"/>
+              </a:lnSpc>
+              <a:spcBef>
+                <a:spcPts val="500"/>
+              </a:spcBef>
+              <a:buFont typeface="Arial" panose="020B0604020202020204" pitchFamily="34" charset="0"/>
+              <a:buChar char="•"/>
+              <a:defRPr sz="1800" kern="1200">
+                <a:solidFill>
+                  <a:schemeClr val="tx1"/>
+                </a:solidFill>
+                <a:latin typeface="+mn-lt"/>
+                <a:ea typeface="+mn-ea"/>
+                <a:cs typeface="+mn-cs"/>
+              </a:defRPr>
+            </a:lvl5pPr>
+            <a:lvl6pPr marL="2514600" indent="-228600" algn="l" defTabSz="914400" rtl="0" eaLnBrk="1" latinLnBrk="0" hangingPunct="1">
+              <a:lnSpc>
+                <a:spcPct val="90000"/>
+              </a:lnSpc>
+              <a:spcBef>
+                <a:spcPts val="500"/>
+              </a:spcBef>
+              <a:buFont typeface="Arial" panose="020B0604020202020204" pitchFamily="34" charset="0"/>
+              <a:buChar char="•"/>
+              <a:defRPr sz="1800" kern="1200">
+                <a:solidFill>
+                  <a:schemeClr val="tx1"/>
+                </a:solidFill>
+                <a:latin typeface="+mn-lt"/>
+                <a:ea typeface="+mn-ea"/>
+                <a:cs typeface="+mn-cs"/>
+              </a:defRPr>
+            </a:lvl6pPr>
+            <a:lvl7pPr marL="2971800" indent="-228600" algn="l" defTabSz="914400" rtl="0" eaLnBrk="1" latinLnBrk="0" hangingPunct="1">
+              <a:lnSpc>
+                <a:spcPct val="90000"/>
+              </a:lnSpc>
+              <a:spcBef>
+                <a:spcPts val="500"/>
+              </a:spcBef>
+              <a:buFont typeface="Arial" panose="020B0604020202020204" pitchFamily="34" charset="0"/>
+              <a:buChar char="•"/>
+              <a:defRPr sz="1800" kern="1200">
+                <a:solidFill>
+                  <a:schemeClr val="tx1"/>
+                </a:solidFill>
+                <a:latin typeface="+mn-lt"/>
+                <a:ea typeface="+mn-ea"/>
+                <a:cs typeface="+mn-cs"/>
+              </a:defRPr>
+            </a:lvl7pPr>
+            <a:lvl8pPr marL="3429000" indent="-228600" algn="l" defTabSz="914400" rtl="0" eaLnBrk="1" latinLnBrk="0" hangingPunct="1">
+              <a:lnSpc>
+                <a:spcPct val="90000"/>
+              </a:lnSpc>
+              <a:spcBef>
+                <a:spcPts val="500"/>
+              </a:spcBef>
+              <a:buFont typeface="Arial" panose="020B0604020202020204" pitchFamily="34" charset="0"/>
+              <a:buChar char="•"/>
+              <a:defRPr sz="1800" kern="1200">
+                <a:solidFill>
+                  <a:schemeClr val="tx1"/>
+                </a:solidFill>
+                <a:latin typeface="+mn-lt"/>
+                <a:ea typeface="+mn-ea"/>
+                <a:cs typeface="+mn-cs"/>
+              </a:defRPr>
+            </a:lvl8pPr>
+            <a:lvl9pPr marL="3886200" indent="-228600" algn="l" defTabSz="914400" rtl="0" eaLnBrk="1" latinLnBrk="0" hangingPunct="1">
+              <a:lnSpc>
+                <a:spcPct val="90000"/>
+              </a:lnSpc>
+              <a:spcBef>
+                <a:spcPts val="500"/>
+              </a:spcBef>
+              <a:buFont typeface="Arial" panose="020B0604020202020204" pitchFamily="34" charset="0"/>
+              <a:buChar char="•"/>
+              <a:defRPr sz="1800" kern="1200">
+                <a:solidFill>
+                  <a:schemeClr val="tx1"/>
+                </a:solidFill>
+                <a:latin typeface="+mn-lt"/>
+                <a:ea typeface="+mn-ea"/>
+                <a:cs typeface="+mn-cs"/>
+              </a:defRPr>
+            </a:lvl9pPr>
+          </a:lstStyle>
+          <a:p>
+            <a:pPr algn="just">
+              <a:lnSpc>
+                <a:spcPct val="150000"/>
+              </a:lnSpc>
+            </a:pPr>
+            <a:r>
+              <a:rPr lang="en-US" sz="1700" dirty="0"/>
+              <a:t>CBIR used multiple support vector machine (SVM)’s ensemble method narrow down search space and handle the large image database [8]</a:t>
+            </a:r>
+          </a:p>
+          <a:p>
+            <a:pPr algn="just">
+              <a:lnSpc>
+                <a:spcPct val="150000"/>
+              </a:lnSpc>
+            </a:pPr>
+            <a:r>
+              <a:rPr lang="en-US" sz="1700" dirty="0"/>
+              <a:t>Extracting low-level features (color, texture, edge density) and measuring distances to find the similarity between images in reducing the semantic gap between the low level features and the high level semantic concept [9][10]</a:t>
+            </a:r>
+          </a:p>
+          <a:p>
+            <a:pPr marL="0" indent="0" algn="just">
+              <a:lnSpc>
+                <a:spcPct val="150000"/>
+              </a:lnSpc>
+              <a:buNone/>
+            </a:pPr>
+            <a:endParaRPr lang="en-US" sz="1700" dirty="0"/>
+          </a:p>
+          <a:p>
+            <a:pPr marL="0" indent="0" algn="just">
+              <a:buFont typeface="Arial" panose="020B0604020202020204" pitchFamily="34" charset="0"/>
+              <a:buNone/>
+            </a:pPr>
+            <a:endParaRPr lang="en-US" sz="2400" dirty="0" smtClean="0"/>
+          </a:p>
+          <a:p>
+            <a:pPr algn="just"/>
+            <a:endParaRPr lang="en-US" sz="2400" dirty="0" smtClean="0"/>
+          </a:p>
+          <a:p>
+            <a:pPr algn="just"/>
+            <a:endParaRPr lang="en-US" sz="2400" dirty="0" smtClean="0"/>
+          </a:p>
+          <a:p>
+            <a:pPr algn="just"/>
+            <a:endParaRPr lang="en-US" sz="2400" dirty="0" smtClean="0"/>
           </a:p>
         </p:txBody>
       </p:sp>
@@ -6748,7 +7592,7 @@
 </p:sld>
 </file>
 
-<file path=ppt/slides/slide9.xml><?xml version="1.0" encoding="utf-8"?>
+<file path=ppt/slides/slide8.xml><?xml version="1.0" encoding="utf-8"?>
 <p:sld xmlns:a="http://schemas.openxmlformats.org/drawingml/2006/main" xmlns:r="http://schemas.openxmlformats.org/officeDocument/2006/relationships" xmlns:p="http://schemas.openxmlformats.org/presentationml/2006/main" showMasterSp="0">
   <p:cSld>
     <p:spTree>
@@ -6800,218 +7644,298 @@
         <p:spPr/>
         <p:txBody>
           <a:bodyPr>
-            <a:normAutofit fontScale="92500" lnSpcReduction="20000"/>
+            <a:noAutofit/>
           </a:bodyPr>
           <a:lstStyle/>
           <a:p>
             <a:r>
-              <a:rPr lang="en-US" sz="1800" dirty="0"/>
+              <a:rPr lang="en-US" sz="1100" dirty="0"/>
               <a:t>[1] Naresh </a:t>
             </a:r>
             <a:r>
-              <a:rPr lang="en-US" sz="1800" dirty="0" err="1"/>
+              <a:rPr lang="en-US" sz="1100" dirty="0" err="1"/>
               <a:t>Babu</a:t>
             </a:r>
             <a:r>
-              <a:rPr lang="en-US" sz="1800" dirty="0"/>
+              <a:rPr lang="en-US" sz="1100" dirty="0"/>
               <a:t>, </a:t>
             </a:r>
             <a:r>
-              <a:rPr lang="en-US" sz="1800" dirty="0" err="1"/>
+              <a:rPr lang="en-US" sz="1100" dirty="0" err="1"/>
               <a:t>Pothlaiah</a:t>
             </a:r>
             <a:r>
-              <a:rPr lang="en-US" sz="1800" dirty="0"/>
+              <a:rPr lang="en-US" sz="1100" dirty="0"/>
               <a:t>, and Ashok </a:t>
             </a:r>
             <a:r>
-              <a:rPr lang="en-US" sz="1800" dirty="0" err="1"/>
+              <a:rPr lang="en-US" sz="1100" dirty="0" err="1"/>
               <a:t>Babu</a:t>
             </a:r>
             <a:r>
-              <a:rPr lang="en-US" sz="1800" dirty="0"/>
+              <a:rPr lang="en-US" sz="1100" dirty="0"/>
               <a:t>, </a:t>
             </a:r>
             <a:r>
-              <a:rPr lang="en-US" sz="1800" i="1" dirty="0"/>
+              <a:rPr lang="en-US" sz="1100" i="1" dirty="0"/>
               <a:t>“Image </a:t>
             </a:r>
             <a:r>
-              <a:rPr lang="en-US" sz="1800" i="1" dirty="0" err="1"/>
+              <a:rPr lang="en-US" sz="1100" i="1" dirty="0" err="1"/>
               <a:t>Retieval</a:t>
             </a:r>
             <a:r>
-              <a:rPr lang="en-US" sz="1800" i="1" dirty="0"/>
+              <a:rPr lang="en-US" sz="1100" i="1" dirty="0"/>
               <a:t> Color, Shape, and Texture Features using Content Based”,</a:t>
             </a:r>
             <a:r>
-              <a:rPr lang="en-US" sz="1800" dirty="0"/>
+              <a:rPr lang="en-US" sz="1100" dirty="0"/>
               <a:t> International Journal of Engineering Science and Technology, Vol. 2, No. 9, pp. 4278-4287, 2010</a:t>
             </a:r>
           </a:p>
           <a:p>
             <a:r>
-              <a:rPr lang="en-US" sz="1800" dirty="0" smtClean="0"/>
+              <a:rPr lang="en-US" sz="1100" dirty="0" smtClean="0"/>
               <a:t>[2] K. Lai, L. Bo, X. Ren, and D. Fox, “A </a:t>
             </a:r>
             <a:r>
-              <a:rPr lang="en-US" sz="1800" dirty="0" err="1" smtClean="0"/>
+              <a:rPr lang="en-US" sz="1100" dirty="0" err="1" smtClean="0"/>
               <a:t>lage</a:t>
             </a:r>
             <a:r>
-              <a:rPr lang="en-US" sz="1800" dirty="0" smtClean="0"/>
+              <a:rPr lang="en-US" sz="1100" dirty="0" smtClean="0"/>
               <a:t>-scale hierarchical </a:t>
             </a:r>
             <a:r>
-              <a:rPr lang="en-US" sz="1800" dirty="0" err="1" smtClean="0"/>
+              <a:rPr lang="en-US" sz="1100" dirty="0" err="1" smtClean="0"/>
               <a:t>mulit</a:t>
             </a:r>
             <a:r>
-              <a:rPr lang="en-US" sz="1800" dirty="0" smtClean="0"/>
+              <a:rPr lang="en-US" sz="1100" dirty="0" smtClean="0"/>
               <a:t>-view RBG-D object dataset”, in </a:t>
             </a:r>
             <a:r>
-              <a:rPr lang="en-US" sz="1800" i="1" dirty="0" smtClean="0"/>
+              <a:rPr lang="en-US" sz="1100" i="1" dirty="0" smtClean="0"/>
               <a:t>Proc, IEEE Int. Conf. Robot. </a:t>
             </a:r>
             <a:r>
-              <a:rPr lang="en-US" sz="1800" i="1" dirty="0" err="1" smtClean="0"/>
+              <a:rPr lang="en-US" sz="1100" i="1" dirty="0" err="1" smtClean="0"/>
               <a:t>Autom</a:t>
             </a:r>
             <a:r>
-              <a:rPr lang="en-US" sz="1800" i="1" dirty="0" smtClean="0"/>
+              <a:rPr lang="en-US" sz="1100" i="1" dirty="0" smtClean="0"/>
               <a:t>. (ICRA), </a:t>
             </a:r>
             <a:r>
-              <a:rPr lang="en-US" sz="1800" dirty="0" smtClean="0"/>
+              <a:rPr lang="en-US" sz="1100" dirty="0" smtClean="0"/>
               <a:t> May 2011, pp. 1817-1824</a:t>
             </a:r>
           </a:p>
           <a:p>
             <a:r>
-              <a:rPr lang="en-US" sz="1800" dirty="0" smtClean="0"/>
+              <a:rPr lang="en-US" sz="1100" dirty="0" smtClean="0"/>
               <a:t>[3] L. Bo X. Ren, and D. Fox, “Unsupervised feature learning for RBG-D based object recognition”,</a:t>
             </a:r>
             <a:r>
-              <a:rPr lang="en-US" sz="1800" dirty="0"/>
+              <a:rPr lang="en-US" sz="1100" dirty="0"/>
               <a:t> </a:t>
             </a:r>
             <a:r>
-              <a:rPr lang="en-US" sz="1800" dirty="0" smtClean="0"/>
+              <a:rPr lang="en-US" sz="1100" dirty="0" smtClean="0"/>
               <a:t>in </a:t>
             </a:r>
             <a:r>
-              <a:rPr lang="en-US" sz="1800" i="1" dirty="0" smtClean="0"/>
+              <a:rPr lang="en-US" sz="1100" i="1" dirty="0" smtClean="0"/>
               <a:t>Experimental Robotics,</a:t>
             </a:r>
             <a:r>
-              <a:rPr lang="en-US" sz="1800" dirty="0" smtClean="0"/>
+              <a:rPr lang="en-US" sz="1100" dirty="0" smtClean="0"/>
               <a:t> Springer, 2013, pp. 387-402</a:t>
             </a:r>
           </a:p>
           <a:p>
             <a:r>
-              <a:rPr lang="en-US" sz="1800" dirty="0" smtClean="0"/>
+              <a:rPr lang="en-US" sz="1100" dirty="0" smtClean="0"/>
               <a:t>[4] R. </a:t>
             </a:r>
             <a:r>
-              <a:rPr lang="en-US" sz="1800" dirty="0" err="1" smtClean="0"/>
+              <a:rPr lang="en-US" sz="1100" dirty="0" err="1" smtClean="0"/>
               <a:t>Socher</a:t>
             </a:r>
             <a:r>
-              <a:rPr lang="en-US" sz="1800" dirty="0" smtClean="0"/>
+              <a:rPr lang="en-US" sz="1100" dirty="0" smtClean="0"/>
               <a:t>, B. Huval, B. Bath, C. D. Manning, and A. Y. Ng, “Convolutional-recursive deep learning for 3D object classification”, in </a:t>
             </a:r>
             <a:r>
-              <a:rPr lang="en-US" sz="1800" i="1" dirty="0" smtClean="0"/>
+              <a:rPr lang="en-US" sz="1100" i="1" dirty="0" smtClean="0"/>
               <a:t> Proc, Adv. Neural Inf. Process. Syst., </a:t>
             </a:r>
             <a:r>
-              <a:rPr lang="en-US" sz="1800" dirty="0" smtClean="0"/>
+              <a:rPr lang="en-US" sz="1100" dirty="0" smtClean="0"/>
               <a:t> 2012, pp. 665-673</a:t>
             </a:r>
           </a:p>
           <a:p>
             <a:r>
-              <a:rPr lang="en-US" sz="1800" dirty="0" smtClean="0"/>
+              <a:rPr lang="en-US" sz="1100" dirty="0" smtClean="0"/>
               <a:t>[5] Y. Cheng, X. </a:t>
             </a:r>
             <a:r>
-              <a:rPr lang="en-US" sz="1800" dirty="0" err="1" smtClean="0"/>
+              <a:rPr lang="en-US" sz="1100" dirty="0" err="1" smtClean="0"/>
               <a:t>Xhao</a:t>
             </a:r>
             <a:r>
-              <a:rPr lang="en-US" sz="1800" dirty="0" smtClean="0"/>
+              <a:rPr lang="en-US" sz="1100" dirty="0" smtClean="0"/>
               <a:t>, K. Huang, and T. Tan, “Semi-supervised learning and feature evaluation for RGB-D object recognition”,</a:t>
             </a:r>
             <a:r>
-              <a:rPr lang="en-US" sz="1800" i="1" dirty="0" smtClean="0"/>
+              <a:rPr lang="en-US" sz="1100" i="1" dirty="0" smtClean="0"/>
               <a:t> </a:t>
             </a:r>
             <a:r>
-              <a:rPr lang="en-US" sz="1800" i="1" dirty="0" err="1" smtClean="0"/>
+              <a:rPr lang="en-US" sz="1100" i="1" dirty="0" err="1" smtClean="0"/>
               <a:t>Comput</a:t>
             </a:r>
             <a:r>
-              <a:rPr lang="en-US" sz="1800" i="1" dirty="0" smtClean="0"/>
+              <a:rPr lang="en-US" sz="1100" i="1" dirty="0" smtClean="0"/>
               <a:t>. Vis. Image Understand, </a:t>
             </a:r>
             <a:r>
-              <a:rPr lang="en-US" sz="1800" dirty="0" smtClean="0"/>
+              <a:rPr lang="en-US" sz="1100" dirty="0" smtClean="0"/>
               <a:t>vol. 139, pp. 149-160, Oct, 2015</a:t>
             </a:r>
           </a:p>
           <a:p>
             <a:r>
-              <a:rPr lang="en-US" sz="1800" dirty="0" smtClean="0"/>
+              <a:rPr lang="en-US" sz="1100" dirty="0" smtClean="0"/>
               <a:t>[6] </a:t>
             </a:r>
             <a:r>
-              <a:rPr lang="en-US" sz="1800" dirty="0" err="1" smtClean="0"/>
+              <a:rPr lang="en-US" sz="1100" dirty="0" err="1" smtClean="0"/>
               <a:t>J.Donahue</a:t>
             </a:r>
             <a:r>
-              <a:rPr lang="en-US" sz="1800" dirty="0" smtClean="0"/>
+              <a:rPr lang="en-US" sz="1100" dirty="0" smtClean="0"/>
               <a:t> </a:t>
             </a:r>
             <a:r>
-              <a:rPr lang="en-US" sz="1800" i="1" dirty="0" smtClean="0"/>
+              <a:rPr lang="en-US" sz="1100" i="1" dirty="0" smtClean="0"/>
               <a:t>et al. </a:t>
             </a:r>
             <a:r>
-              <a:rPr lang="en-US" sz="1800" dirty="0" smtClean="0"/>
+              <a:rPr lang="en-US" sz="1100" dirty="0" smtClean="0"/>
               <a:t>(2013). </a:t>
             </a:r>
             <a:r>
-              <a:rPr lang="en-US" sz="1800" dirty="0" err="1" smtClean="0"/>
+              <a:rPr lang="en-US" sz="1100" dirty="0" err="1" smtClean="0"/>
               <a:t>DeCAF</a:t>
             </a:r>
             <a:r>
-              <a:rPr lang="en-US" sz="1800" dirty="0" smtClean="0"/>
+              <a:rPr lang="en-US" sz="1100" dirty="0" smtClean="0"/>
               <a:t>: A deep convolutional activation feature for generic visual recognition”, [Online]</a:t>
             </a:r>
           </a:p>
           <a:p>
             <a:r>
-              <a:rPr lang="en-US" sz="1800" dirty="0" smtClean="0"/>
+              <a:rPr lang="en-US" sz="1100" dirty="0" smtClean="0"/>
               <a:t>[7] M. D. </a:t>
             </a:r>
             <a:r>
-              <a:rPr lang="en-US" sz="1800" dirty="0" err="1" smtClean="0"/>
+              <a:rPr lang="en-US" sz="1100" dirty="0" err="1" smtClean="0"/>
               <a:t>Zeiler</a:t>
             </a:r>
             <a:r>
-              <a:rPr lang="en-US" sz="1800" dirty="0" smtClean="0"/>
+              <a:rPr lang="en-US" sz="1100" dirty="0" smtClean="0"/>
               <a:t> and R. Fergus, “Visualizing and understanding convolutional networks”, in </a:t>
             </a:r>
             <a:r>
-              <a:rPr lang="en-US" sz="1800" i="1" dirty="0" smtClean="0"/>
+              <a:rPr lang="en-US" sz="1100" i="1" dirty="0" smtClean="0"/>
               <a:t>Computer Vision – ECCV. </a:t>
             </a:r>
             <a:r>
-              <a:rPr lang="en-US" sz="1800" dirty="0" smtClean="0"/>
-              <a:t>Springer, 2014, pp. 818-833</a:t>
-            </a:r>
+              <a:rPr lang="en-US" sz="1100" dirty="0" smtClean="0"/>
+              <a:t>Springer, 2014, pp. </a:t>
+            </a:r>
+            <a:r>
+              <a:rPr lang="en-US" sz="1100" dirty="0" smtClean="0"/>
+              <a:t>818-833</a:t>
+            </a:r>
+          </a:p>
+          <a:p>
+            <a:r>
+              <a:rPr lang="en-US" sz="1100" dirty="0" smtClean="0"/>
+              <a:t>[8] A. </a:t>
+            </a:r>
+            <a:r>
+              <a:rPr lang="en-US" sz="1100" dirty="0" err="1" smtClean="0"/>
+              <a:t>Shitole</a:t>
+            </a:r>
+            <a:r>
+              <a:rPr lang="en-US" sz="1100" dirty="0" smtClean="0"/>
+              <a:t> and U. </a:t>
+            </a:r>
+            <a:r>
+              <a:rPr lang="en-US" sz="1100" dirty="0" err="1" smtClean="0"/>
+              <a:t>Godase</a:t>
+            </a:r>
+            <a:r>
+              <a:rPr lang="en-US" sz="1100" dirty="0" smtClean="0"/>
+              <a:t>, “Survey on Content Based Images Retrieval”, in International Journal of Computer-Aided Technologies (</a:t>
+            </a:r>
+            <a:r>
+              <a:rPr lang="en-US" sz="1100" dirty="0" err="1" smtClean="0"/>
+              <a:t>IJCAx</a:t>
+            </a:r>
+            <a:r>
+              <a:rPr lang="en-US" sz="1100" dirty="0" smtClean="0"/>
+              <a:t>) Vol.1, No.1, 2014, pp. 21-29</a:t>
+            </a:r>
+          </a:p>
+          <a:p>
+            <a:r>
+              <a:rPr lang="en-US" sz="1100" dirty="0" smtClean="0"/>
+              <a:t>[9] S. </a:t>
+            </a:r>
+            <a:r>
+              <a:rPr lang="en-US" sz="1100" dirty="0" err="1" smtClean="0"/>
+              <a:t>Tunga</a:t>
+            </a:r>
+            <a:r>
+              <a:rPr lang="en-US" sz="1100" dirty="0" smtClean="0"/>
+              <a:t>, D. </a:t>
+            </a:r>
+            <a:r>
+              <a:rPr lang="en-US" sz="1100" dirty="0" err="1" smtClean="0"/>
+              <a:t>Jayadevappa</a:t>
+            </a:r>
+            <a:r>
+              <a:rPr lang="en-US" sz="1100" dirty="0" smtClean="0"/>
+              <a:t>, and C. </a:t>
+            </a:r>
+            <a:r>
+              <a:rPr lang="en-US" sz="1100" dirty="0" err="1" smtClean="0"/>
+              <a:t>Gururaj</a:t>
+            </a:r>
+            <a:r>
+              <a:rPr lang="en-US" sz="1100" dirty="0" smtClean="0"/>
+              <a:t>, “A Comparative Study of Content Based Image Retrieval Trends and Approaches”, in International Journal of Image Processing (IJIP), Vol. 9: Issue 3, 2015, pp. 127–155.</a:t>
+            </a:r>
+            <a:endParaRPr lang="en-US" sz="1100" dirty="0" smtClean="0"/>
+          </a:p>
+          <a:p>
+            <a:r>
+              <a:rPr lang="en-US" sz="1100" dirty="0" smtClean="0"/>
+              <a:t>[10] D. Pandey and S. </a:t>
+            </a:r>
+            <a:r>
+              <a:rPr lang="en-US" sz="1100" dirty="0" err="1" smtClean="0"/>
+              <a:t>Kushwah</a:t>
+            </a:r>
+            <a:r>
+              <a:rPr lang="en-US" sz="1100" dirty="0" smtClean="0"/>
+              <a:t>, “ A Review on CBIR with its Advantages and Disadvantages for Low-level Features”, in International Journal of Computer Sciences and Engineering, Vol : Issue 7, 2016, pp. 161- 167</a:t>
+            </a:r>
+            <a:endParaRPr lang="en-US" sz="1100" dirty="0" smtClean="0"/>
           </a:p>
         </p:txBody>
       </p:sp>
@@ -7019,6 +7943,182 @@
     <p:extLst>
       <p:ext uri="{BB962C8B-B14F-4D97-AF65-F5344CB8AC3E}">
         <p14:creationId xmlns:p14="http://schemas.microsoft.com/office/powerpoint/2010/main" val="930307447"/>
+      </p:ext>
+    </p:extLst>
+  </p:cSld>
+  <p:clrMapOvr>
+    <a:masterClrMapping/>
+  </p:clrMapOvr>
+</p:sld>
+</file>
+
+<file path=ppt/slides/slide9.xml><?xml version="1.0" encoding="utf-8"?>
+<p:sld xmlns:a="http://schemas.openxmlformats.org/drawingml/2006/main" xmlns:r="http://schemas.openxmlformats.org/officeDocument/2006/relationships" xmlns:p="http://schemas.openxmlformats.org/presentationml/2006/main">
+  <p:cSld>
+    <p:spTree>
+      <p:nvGrpSpPr>
+        <p:cNvPr id="1" name=""/>
+        <p:cNvGrpSpPr/>
+        <p:nvPr/>
+      </p:nvGrpSpPr>
+      <p:grpSpPr>
+        <a:xfrm>
+          <a:off x="0" y="0"/>
+          <a:ext cx="0" cy="0"/>
+          <a:chOff x="0" y="0"/>
+          <a:chExt cx="0" cy="0"/>
+        </a:xfrm>
+      </p:grpSpPr>
+      <p:pic>
+        <p:nvPicPr>
+          <p:cNvPr id="1026" name="Picture 2" descr="Related image"/>
+          <p:cNvPicPr>
+            <a:picLocks noChangeAspect="1" noChangeArrowheads="1"/>
+          </p:cNvPicPr>
+          <p:nvPr/>
+        </p:nvPicPr>
+        <p:blipFill>
+          <a:blip r:embed="rId2">
+            <a:extLst>
+              <a:ext uri="{28A0092B-C50C-407E-A947-70E740481C1C}">
+                <a14:useLocalDpi xmlns:a14="http://schemas.microsoft.com/office/drawing/2010/main" val="0"/>
+              </a:ext>
+            </a:extLst>
+          </a:blip>
+          <a:srcRect/>
+          <a:stretch>
+            <a:fillRect/>
+          </a:stretch>
+        </p:blipFill>
+        <p:spPr bwMode="auto">
+          <a:xfrm>
+            <a:off x="5683164" y="2186546"/>
+            <a:ext cx="5429250" cy="2190750"/>
+          </a:xfrm>
+          <a:prstGeom prst="rect">
+            <a:avLst/>
+          </a:prstGeom>
+          <a:noFill/>
+          <a:extLst>
+            <a:ext uri="{909E8E84-426E-40DD-AFC4-6F175D3DCCD1}">
+              <a14:hiddenFill xmlns:a14="http://schemas.microsoft.com/office/drawing/2010/main">
+                <a:solidFill>
+                  <a:srgbClr val="FFFFFF"/>
+                </a:solidFill>
+              </a14:hiddenFill>
+            </a:ext>
+          </a:extLst>
+        </p:spPr>
+      </p:pic>
+      <p:sp>
+        <p:nvSpPr>
+          <p:cNvPr id="6" name="Rectangular Callout 5"/>
+          <p:cNvSpPr/>
+          <p:nvPr/>
+        </p:nvSpPr>
+        <p:spPr>
+          <a:xfrm>
+            <a:off x="2290118" y="469557"/>
+            <a:ext cx="2883244" cy="1713470"/>
+          </a:xfrm>
+          <a:prstGeom prst="wedgeRectCallout">
+            <a:avLst>
+              <a:gd name="adj1" fmla="val 99433"/>
+              <a:gd name="adj2" fmla="val 100213"/>
+            </a:avLst>
+          </a:prstGeom>
+        </p:spPr>
+        <p:style>
+          <a:lnRef idx="2">
+            <a:schemeClr val="dk1"/>
+          </a:lnRef>
+          <a:fillRef idx="1">
+            <a:schemeClr val="lt1"/>
+          </a:fillRef>
+          <a:effectRef idx="0">
+            <a:schemeClr val="dk1"/>
+          </a:effectRef>
+          <a:fontRef idx="minor">
+            <a:schemeClr val="dk1"/>
+          </a:fontRef>
+        </p:style>
+        <p:txBody>
+          <a:bodyPr rtlCol="0" anchor="ctr"/>
+          <a:lstStyle/>
+          <a:p>
+            <a:r>
+              <a:rPr lang="en-US" sz="1600" dirty="0" smtClean="0"/>
+              <a:t>Original feature information:</a:t>
+            </a:r>
+          </a:p>
+          <a:p>
+            <a:r>
+              <a:rPr lang="en-US" sz="1600" dirty="0" smtClean="0"/>
+              <a:t>+ Color</a:t>
+            </a:r>
+          </a:p>
+          <a:p>
+            <a:r>
+              <a:rPr lang="en-US" sz="1600" dirty="0" smtClean="0"/>
+              <a:t>+ Texture</a:t>
+            </a:r>
+          </a:p>
+          <a:p>
+            <a:r>
+              <a:rPr lang="en-US" sz="1600" dirty="0" smtClean="0"/>
+              <a:t>+ Shape</a:t>
+            </a:r>
+          </a:p>
+          <a:p>
+            <a:r>
+              <a:rPr lang="en-US" sz="1600" dirty="0" smtClean="0"/>
+              <a:t>+ Spatial Location</a:t>
+            </a:r>
+          </a:p>
+          <a:p>
+            <a:r>
+              <a:rPr lang="en-US" sz="1600" dirty="0" smtClean="0"/>
+              <a:t>+ Local image</a:t>
+            </a:r>
+          </a:p>
+        </p:txBody>
+      </p:sp>
+      <p:sp>
+        <p:nvSpPr>
+          <p:cNvPr id="2" name="Rectangle 1"/>
+          <p:cNvSpPr/>
+          <p:nvPr/>
+        </p:nvSpPr>
+        <p:spPr>
+          <a:xfrm>
+            <a:off x="6016528" y="4587102"/>
+            <a:ext cx="4391074" cy="307777"/>
+          </a:xfrm>
+          <a:prstGeom prst="rect">
+            <a:avLst/>
+          </a:prstGeom>
+        </p:spPr>
+        <p:txBody>
+          <a:bodyPr wrap="none">
+            <a:spAutoFit/>
+          </a:bodyPr>
+          <a:lstStyle/>
+          <a:p>
+            <a:r>
+              <a:rPr lang="en-US" sz="1400" dirty="0" smtClean="0"/>
+              <a:t>Source: https</a:t>
+            </a:r>
+            <a:r>
+              <a:rPr lang="en-US" sz="1400" dirty="0"/>
+              <a:t>://uqr.me/blog/qr-codes-in-museums/</a:t>
+            </a:r>
+          </a:p>
+        </p:txBody>
+      </p:sp>
+    </p:spTree>
+    <p:extLst>
+      <p:ext uri="{BB962C8B-B14F-4D97-AF65-F5344CB8AC3E}">
+        <p14:creationId xmlns:p14="http://schemas.microsoft.com/office/powerpoint/2010/main" val="3582194975"/>
       </p:ext>
     </p:extLst>
   </p:cSld>

--- a/DGA1031/What is it.pptx
+++ b/DGA1031/What is it.pptx
@@ -20,6 +20,7 @@
     <p:sldId id="263" r:id="rId14"/>
     <p:sldId id="270" r:id="rId15"/>
     <p:sldId id="264" r:id="rId16"/>
+    <p:sldId id="274" r:id="rId17"/>
   </p:sldIdLst>
   <p:sldSz cx="12192000" cy="6858000"/>
   <p:notesSz cx="6858000" cy="9144000"/>
@@ -120,7 +121,7 @@
   </p:defaultTextStyle>
   <p:extLst>
     <p:ext uri="{EFAFB233-063F-42B5-8137-9DF3F51BA10A}">
-      <p15:sldGuideLst xmlns:p15="http://schemas.microsoft.com/office/powerpoint/2012/main">
+      <p15:sldGuideLst xmlns:p15="http://schemas.microsoft.com/office/powerpoint/2012/main" xmlns="">
         <p15:guide id="1" orient="horz" pos="2160">
           <p15:clr>
             <a:srgbClr val="A4A3A4"/>
@@ -270,7 +271,7 @@
           <a:p>
             <a:fld id="{276D79ED-3FA7-4EF8-964B-EB8BCFAB02F8}" type="datetimeFigureOut">
               <a:rPr lang="en-US" smtClean="0"/>
-              <a:t>2/4/2018</a:t>
+              <a:t>05/02/2018</a:t>
             </a:fld>
             <a:endParaRPr lang="en-US"/>
           </a:p>
@@ -440,7 +441,7 @@
           <a:p>
             <a:fld id="{276D79ED-3FA7-4EF8-964B-EB8BCFAB02F8}" type="datetimeFigureOut">
               <a:rPr lang="en-US" smtClean="0"/>
-              <a:t>2/4/2018</a:t>
+              <a:t>05/02/2018</a:t>
             </a:fld>
             <a:endParaRPr lang="en-US"/>
           </a:p>
@@ -688,7 +689,7 @@
           <a:p>
             <a:fld id="{276D79ED-3FA7-4EF8-964B-EB8BCFAB02F8}" type="datetimeFigureOut">
               <a:rPr lang="en-US" smtClean="0"/>
-              <a:t>2/4/2018</a:t>
+              <a:t>05/02/2018</a:t>
             </a:fld>
             <a:endParaRPr lang="en-US"/>
           </a:p>
@@ -920,7 +921,7 @@
           <a:p>
             <a:fld id="{276D79ED-3FA7-4EF8-964B-EB8BCFAB02F8}" type="datetimeFigureOut">
               <a:rPr lang="en-US" smtClean="0"/>
-              <a:t>2/4/2018</a:t>
+              <a:t>05/02/2018</a:t>
             </a:fld>
             <a:endParaRPr lang="en-US"/>
           </a:p>
@@ -1287,7 +1288,7 @@
           <a:p>
             <a:fld id="{276D79ED-3FA7-4EF8-964B-EB8BCFAB02F8}" type="datetimeFigureOut">
               <a:rPr lang="en-US" smtClean="0"/>
-              <a:t>2/4/2018</a:t>
+              <a:t>05/02/2018</a:t>
             </a:fld>
             <a:endParaRPr lang="en-US"/>
           </a:p>
@@ -1405,7 +1406,7 @@
           <a:p>
             <a:fld id="{276D79ED-3FA7-4EF8-964B-EB8BCFAB02F8}" type="datetimeFigureOut">
               <a:rPr lang="en-US" smtClean="0"/>
-              <a:t>2/4/2018</a:t>
+              <a:t>05/02/2018</a:t>
             </a:fld>
             <a:endParaRPr lang="en-US"/>
           </a:p>
@@ -1500,7 +1501,7 @@
           <a:p>
             <a:fld id="{276D79ED-3FA7-4EF8-964B-EB8BCFAB02F8}" type="datetimeFigureOut">
               <a:rPr lang="en-US" smtClean="0"/>
-              <a:t>2/4/2018</a:t>
+              <a:t>05/02/2018</a:t>
             </a:fld>
             <a:endParaRPr lang="en-US"/>
           </a:p>
@@ -1777,7 +1778,7 @@
           <a:p>
             <a:fld id="{276D79ED-3FA7-4EF8-964B-EB8BCFAB02F8}" type="datetimeFigureOut">
               <a:rPr lang="en-US" smtClean="0"/>
-              <a:t>2/4/2018</a:t>
+              <a:t>05/02/2018</a:t>
             </a:fld>
             <a:endParaRPr lang="en-US"/>
           </a:p>
@@ -2034,7 +2035,7 @@
           <a:p>
             <a:fld id="{276D79ED-3FA7-4EF8-964B-EB8BCFAB02F8}" type="datetimeFigureOut">
               <a:rPr lang="en-US" smtClean="0"/>
-              <a:t>2/4/2018</a:t>
+              <a:t>05/02/2018</a:t>
             </a:fld>
             <a:endParaRPr lang="en-US"/>
           </a:p>
@@ -2255,7 +2256,7 @@
           <a:p>
             <a:fld id="{276D79ED-3FA7-4EF8-964B-EB8BCFAB02F8}" type="datetimeFigureOut">
               <a:rPr lang="en-US" smtClean="0"/>
-              <a:t>2/4/2018</a:t>
+              <a:t>05/02/2018</a:t>
             </a:fld>
             <a:endParaRPr lang="en-US"/>
           </a:p>
@@ -2846,7 +2847,18 @@
           <a:p>
             <a:r>
               <a:rPr lang="en-US" sz="2000" b="1" dirty="0" smtClean="0"/>
-              <a:t>Supervised by: Prof. Sylvie </a:t>
+              <a:t>Supervised by: </a:t>
+            </a:r>
+            <a:endParaRPr lang="en-US" sz="2000" b="1" dirty="0" smtClean="0"/>
+          </a:p>
+          <a:p>
+            <a:r>
+              <a:rPr lang="en-US" sz="2000" b="1" dirty="0" smtClean="0"/>
+              <a:t>Prof</a:t>
+            </a:r>
+            <a:r>
+              <a:rPr lang="en-US" sz="2000" b="1" dirty="0" smtClean="0"/>
+              <a:t>. Sylvie </a:t>
             </a:r>
             <a:r>
               <a:rPr lang="en-US" sz="2000" b="1" dirty="0" err="1" smtClean="0"/>
@@ -2948,11 +2960,7 @@
             </a:pPr>
             <a:r>
               <a:rPr lang="en-US" sz="2400" dirty="0" smtClean="0"/>
-              <a:t>Identify and recognize the object with the “private feature” of artwork, </a:t>
-            </a:r>
-            <a:r>
-              <a:rPr lang="en-US" sz="2400" dirty="0" smtClean="0"/>
-              <a:t>specimen, whatever</a:t>
+              <a:t>Identify and recognize the object with the “private feature” of artwork, specimen, whatever</a:t>
             </a:r>
           </a:p>
           <a:p>
@@ -2963,15 +2971,7 @@
             </a:pPr>
             <a:r>
               <a:rPr lang="en-US" sz="2400" dirty="0" smtClean="0"/>
-              <a:t>Faster </a:t>
-            </a:r>
-            <a:r>
-              <a:rPr lang="en-US" sz="2400" dirty="0" smtClean="0"/>
-              <a:t>handling of responding for real time used </a:t>
-            </a:r>
-            <a:r>
-              <a:rPr lang="en-US" sz="2400" dirty="0" smtClean="0"/>
-              <a:t>cases</a:t>
+              <a:t>Faster handling of responding for real time used cases</a:t>
             </a:r>
           </a:p>
           <a:p>
@@ -2990,13 +2990,8 @@
             </a:r>
             <a:r>
               <a:rPr lang="en-US" sz="2400" dirty="0" smtClean="0"/>
-              <a:t>real time </a:t>
-            </a:r>
-            <a:r>
-              <a:rPr lang="en-US" sz="2400" dirty="0" smtClean="0"/>
-              <a:t>applications</a:t>
-            </a:r>
-            <a:endParaRPr lang="en-US" sz="2400" dirty="0" smtClean="0"/>
+              <a:t>real time applications</a:t>
+            </a:r>
           </a:p>
           <a:p>
             <a:pPr algn="just">
@@ -3656,7 +3651,12 @@
             <p:ph idx="1"/>
           </p:nvPr>
         </p:nvSpPr>
-        <p:spPr/>
+        <p:spPr>
+          <a:xfrm>
+            <a:off x="3095897" y="1609859"/>
+            <a:ext cx="8623663" cy="4855335"/>
+          </a:xfrm>
+        </p:spPr>
         <p:txBody>
           <a:bodyPr>
             <a:noAutofit/>
@@ -3665,45 +3665,104 @@
           <a:p>
             <a:pPr algn="just"/>
             <a:r>
-              <a:rPr lang="en-US" sz="2000" dirty="0" smtClean="0"/>
-              <a:t>Exploit the Artificial, Deep, Recurrent, Convolutional neural networks (ANN,DNN, RNN,CNN), Supervised, Unsupervised, and Deep reinforcement learning, search engine algorithm to improve the quality of object recognition.</a:t>
-            </a:r>
-          </a:p>
-          <a:p>
-            <a:pPr marL="0" indent="0" algn="just">
-              <a:buNone/>
-            </a:pPr>
-            <a:endParaRPr lang="en-US" sz="2000" dirty="0" smtClean="0"/>
+              <a:rPr lang="en-US" sz="1800" dirty="0" smtClean="0"/>
+              <a:t>Exploit the Artificial, Deep, Recurrent, Convolutional neural networks (</a:t>
+            </a:r>
+            <a:r>
+              <a:rPr lang="en-US" sz="1800" dirty="0" smtClean="0"/>
+              <a:t>ANN,DNN,RNN,CNN</a:t>
+            </a:r>
+            <a:r>
+              <a:rPr lang="en-US" sz="1800" dirty="0" smtClean="0"/>
+              <a:t>), Supervised, Unsupervised, and Deep </a:t>
+            </a:r>
+            <a:r>
+              <a:rPr lang="en-US" sz="1800" dirty="0" smtClean="0"/>
+              <a:t>Reinforcement </a:t>
+            </a:r>
+            <a:r>
+              <a:rPr lang="en-US" sz="1800" dirty="0" smtClean="0"/>
+              <a:t>learning, </a:t>
+            </a:r>
+            <a:r>
+              <a:rPr lang="en-US" sz="1800" dirty="0" smtClean="0"/>
+              <a:t>Search Engine </a:t>
+            </a:r>
+            <a:r>
+              <a:rPr lang="en-US" sz="1800" dirty="0" smtClean="0"/>
+              <a:t>algorithm to improve the quality of object recognition</a:t>
+            </a:r>
+            <a:r>
+              <a:rPr lang="en-US" sz="1800" dirty="0" smtClean="0"/>
+              <a:t>.</a:t>
+            </a:r>
           </a:p>
           <a:p>
             <a:pPr algn="just"/>
             <a:r>
-              <a:rPr lang="en-US" sz="2000" dirty="0" smtClean="0"/>
-              <a:t>Build-up machine learning algorithms and artificial intelligence in order to recognize, analyze and make the explanation of a given object by using smartphone camera.</a:t>
-            </a:r>
+              <a:rPr lang="en-US" sz="1800" dirty="0" smtClean="0"/>
+              <a:t>Generate the Holographic, Virtual and </a:t>
+            </a:r>
+            <a:r>
+              <a:rPr lang="en-US" sz="1800" dirty="0"/>
+              <a:t>Augmented </a:t>
+            </a:r>
+            <a:r>
+              <a:rPr lang="en-US" sz="1800" dirty="0" smtClean="0"/>
+              <a:t>reality to make an impressive and efficient visual item</a:t>
+            </a:r>
+            <a:endParaRPr lang="en-US" sz="1800" dirty="0" smtClean="0"/>
           </a:p>
           <a:p>
             <a:pPr algn="just"/>
-            <a:endParaRPr lang="en-US" sz="2000" dirty="0"/>
+            <a:r>
+              <a:rPr lang="en-US" sz="1800" dirty="0" smtClean="0"/>
+              <a:t>Apply a natural language user interface to attempt to answer questions, make recommendation, and perform actions by delegating requests to a set of Internet services</a:t>
+            </a:r>
           </a:p>
           <a:p>
             <a:pPr algn="just"/>
             <a:r>
-              <a:rPr lang="en-US" sz="2000" dirty="0" smtClean="0"/>
-              <a:t>Make the approximated verification method to confirm the accuracy of generated information </a:t>
+              <a:rPr lang="en-US" sz="1800" dirty="0" smtClean="0"/>
+              <a:t>Build-up </a:t>
+            </a:r>
+            <a:r>
+              <a:rPr lang="en-US" sz="1800" dirty="0" smtClean="0"/>
+              <a:t>machine learning algorithms and artificial intelligence in order to recognize, analyze and make the explanation of a given object by using smartphone camera</a:t>
+            </a:r>
+            <a:r>
+              <a:rPr lang="en-US" sz="1800" dirty="0" smtClean="0"/>
+              <a:t>.</a:t>
             </a:r>
           </a:p>
           <a:p>
             <a:pPr algn="just"/>
-            <a:endParaRPr lang="en-US" sz="2000" dirty="0" smtClean="0"/>
+            <a:r>
+              <a:rPr lang="en-US" sz="1800" dirty="0" smtClean="0"/>
+              <a:t>Optimizing and improving the performance of system by considering the boundary geolocation of items </a:t>
+            </a:r>
           </a:p>
           <a:p>
             <a:pPr algn="just"/>
             <a:r>
-              <a:rPr lang="en-US" sz="2000" dirty="0" smtClean="0"/>
-              <a:t>Update the knowledge of the system based on the users’ contributions</a:t>
-            </a:r>
-            <a:endParaRPr lang="en-US" sz="2000" dirty="0" smtClean="0"/>
+              <a:rPr lang="en-US" sz="1800" dirty="0" smtClean="0"/>
+              <a:t>Make </a:t>
+            </a:r>
+            <a:r>
+              <a:rPr lang="en-US" sz="1800" dirty="0" smtClean="0"/>
+              <a:t>the approximated verification method to confirm the accuracy of generated information </a:t>
+            </a:r>
+          </a:p>
+          <a:p>
+            <a:pPr algn="just"/>
+            <a:r>
+              <a:rPr lang="en-US" sz="1800" dirty="0" smtClean="0"/>
+              <a:t>Update </a:t>
+            </a:r>
+            <a:r>
+              <a:rPr lang="en-US" sz="1800" dirty="0" smtClean="0"/>
+              <a:t>the knowledge of the system based on the users’ contributions</a:t>
+            </a:r>
           </a:p>
         </p:txBody>
       </p:sp>
@@ -5558,6 +5617,64 @@
 </p:sld>
 </file>
 
+<file path=ppt/slides/slide16.xml><?xml version="1.0" encoding="utf-8"?>
+<p:sld xmlns:a="http://schemas.openxmlformats.org/drawingml/2006/main" xmlns:r="http://schemas.openxmlformats.org/officeDocument/2006/relationships" xmlns:p="http://schemas.openxmlformats.org/presentationml/2006/main">
+  <p:cSld>
+    <p:spTree>
+      <p:nvGrpSpPr>
+        <p:cNvPr id="1" name=""/>
+        <p:cNvGrpSpPr/>
+        <p:nvPr/>
+      </p:nvGrpSpPr>
+      <p:grpSpPr>
+        <a:xfrm>
+          <a:off x="0" y="0"/>
+          <a:ext cx="0" cy="0"/>
+          <a:chOff x="0" y="0"/>
+          <a:chExt cx="0" cy="0"/>
+        </a:xfrm>
+      </p:grpSpPr>
+      <p:sp>
+        <p:nvSpPr>
+          <p:cNvPr id="4" name="Title 3"/>
+          <p:cNvSpPr>
+            <a:spLocks noGrp="1"/>
+          </p:cNvSpPr>
+          <p:nvPr>
+            <p:ph type="title"/>
+          </p:nvPr>
+        </p:nvSpPr>
+        <p:spPr>
+          <a:xfrm>
+            <a:off x="3198928" y="2890119"/>
+            <a:ext cx="7876903" cy="1325563"/>
+          </a:xfrm>
+        </p:spPr>
+        <p:txBody>
+          <a:bodyPr/>
+          <a:lstStyle/>
+          <a:p>
+            <a:r>
+              <a:rPr lang="en-US" dirty="0" smtClean="0"/>
+              <a:t>Thank you</a:t>
+            </a:r>
+            <a:endParaRPr lang="en-US" dirty="0"/>
+          </a:p>
+        </p:txBody>
+      </p:sp>
+    </p:spTree>
+    <p:extLst>
+      <p:ext uri="{BB962C8B-B14F-4D97-AF65-F5344CB8AC3E}">
+        <p14:creationId xmlns:p14="http://schemas.microsoft.com/office/powerpoint/2010/main" val="2984033562"/>
+      </p:ext>
+    </p:extLst>
+  </p:cSld>
+  <p:clrMapOvr>
+    <a:masterClrMapping/>
+  </p:clrMapOvr>
+</p:sld>
+</file>
+
 <file path=ppt/slides/slide2.xml><?xml version="1.0" encoding="utf-8"?>
 <p:sld xmlns:a="http://schemas.openxmlformats.org/drawingml/2006/main" xmlns:r="http://schemas.openxmlformats.org/officeDocument/2006/relationships" xmlns:p="http://schemas.openxmlformats.org/presentationml/2006/main" showMasterSp="0">
   <p:cSld>
@@ -6964,11 +7081,7 @@
             </a:r>
             <a:r>
               <a:rPr lang="en-US" sz="1800" dirty="0" smtClean="0"/>
-              <a:t>) is an important research area for manipulating large multimedia databases and digital library characterized by automatic indexing of images based on their own visual features, CBIR uses featured include [1] color, texture, shape, and edge </a:t>
-            </a:r>
-            <a:r>
-              <a:rPr lang="en-US" sz="1800" dirty="0" smtClean="0"/>
-              <a:t>information</a:t>
+              <a:t>) is an important research area for manipulating large multimedia databases and digital library characterized by automatic indexing of images based on their own visual features, CBIR uses featured include [1] color, texture, shape, and edge information</a:t>
             </a:r>
           </a:p>
           <a:p>
@@ -7854,11 +7967,7 @@
             </a:r>
             <a:r>
               <a:rPr lang="en-US" sz="1100" dirty="0" smtClean="0"/>
-              <a:t>Springer, 2014, pp. </a:t>
-            </a:r>
-            <a:r>
-              <a:rPr lang="en-US" sz="1100" dirty="0" smtClean="0"/>
-              <a:t>818-833</a:t>
+              <a:t>Springer, 2014, pp. 818-833</a:t>
             </a:r>
           </a:p>
           <a:p>
@@ -7920,7 +8029,6 @@
               <a:rPr lang="en-US" sz="1100" dirty="0" smtClean="0"/>
               <a:t>, “A Comparative Study of Content Based Image Retrieval Trends and Approaches”, in International Journal of Image Processing (IJIP), Vol. 9: Issue 3, 2015, pp. 127–155.</a:t>
             </a:r>
-            <a:endParaRPr lang="en-US" sz="1100" dirty="0" smtClean="0"/>
           </a:p>
           <a:p>
             <a:r>
@@ -7935,7 +8043,6 @@
               <a:rPr lang="en-US" sz="1100" dirty="0" smtClean="0"/>
               <a:t>, “ A Review on CBIR with its Advantages and Disadvantages for Low-level Features”, in International Journal of Computer Sciences and Engineering, Vol : Issue 7, 2016, pp. 161- 167</a:t>
             </a:r>
-            <a:endParaRPr lang="en-US" sz="1100" dirty="0" smtClean="0"/>
           </a:p>
         </p:txBody>
       </p:sp>
@@ -8383,7 +8490,7 @@
   <a:extraClrSchemeLst/>
   <a:extLst>
     <a:ext uri="{05A4C25C-085E-4340-85A3-A5531E510DB2}">
-      <thm15:themeFamily xmlns:thm15="http://schemas.microsoft.com/office/thememl/2012/main" name="Presentation8" id="{DABEB7E4-FBD7-C94F-9D7C-453E867EFB64}" vid="{9B141126-495E-6545-A756-93C48DDBAC65}"/>
+      <thm15:themeFamily xmlns:thm15="http://schemas.microsoft.com/office/thememl/2012/main" xmlns="" name="Presentation8" id="{DABEB7E4-FBD7-C94F-9D7C-453E867EFB64}" vid="{9B141126-495E-6545-A756-93C48DDBAC65}"/>
     </a:ext>
   </a:extLst>
 </a:theme>

--- a/DGA1031/What is it.pptx
+++ b/DGA1031/What is it.pptx
@@ -13,14 +13,20 @@
     <p:sldId id="265" r:id="rId7"/>
     <p:sldId id="267" r:id="rId8"/>
     <p:sldId id="268" r:id="rId9"/>
-    <p:sldId id="273" r:id="rId10"/>
-    <p:sldId id="261" r:id="rId11"/>
-    <p:sldId id="272" r:id="rId12"/>
-    <p:sldId id="262" r:id="rId13"/>
-    <p:sldId id="263" r:id="rId14"/>
-    <p:sldId id="270" r:id="rId15"/>
-    <p:sldId id="264" r:id="rId16"/>
-    <p:sldId id="274" r:id="rId17"/>
+    <p:sldId id="280" r:id="rId10"/>
+    <p:sldId id="273" r:id="rId11"/>
+    <p:sldId id="261" r:id="rId12"/>
+    <p:sldId id="272" r:id="rId13"/>
+    <p:sldId id="276" r:id="rId14"/>
+    <p:sldId id="277" r:id="rId15"/>
+    <p:sldId id="275" r:id="rId16"/>
+    <p:sldId id="278" r:id="rId17"/>
+    <p:sldId id="279" r:id="rId18"/>
+    <p:sldId id="262" r:id="rId19"/>
+    <p:sldId id="263" r:id="rId20"/>
+    <p:sldId id="270" r:id="rId21"/>
+    <p:sldId id="264" r:id="rId22"/>
+    <p:sldId id="274" r:id="rId23"/>
   </p:sldIdLst>
   <p:sldSz cx="12192000" cy="6858000"/>
   <p:notesSz cx="6858000" cy="9144000"/>
@@ -121,7 +127,7 @@
   </p:defaultTextStyle>
   <p:extLst>
     <p:ext uri="{EFAFB233-063F-42B5-8137-9DF3F51BA10A}">
-      <p15:sldGuideLst xmlns:p15="http://schemas.microsoft.com/office/powerpoint/2012/main" xmlns="">
+      <p15:sldGuideLst xmlns:p15="http://schemas.microsoft.com/office/powerpoint/2012/main">
         <p15:guide id="1" orient="horz" pos="2160">
           <p15:clr>
             <a:srgbClr val="A4A3A4"/>
@@ -271,7 +277,7 @@
           <a:p>
             <a:fld id="{276D79ED-3FA7-4EF8-964B-EB8BCFAB02F8}" type="datetimeFigureOut">
               <a:rPr lang="en-US" smtClean="0"/>
-              <a:t>05/02/2018</a:t>
+              <a:t>2/18/2018</a:t>
             </a:fld>
             <a:endParaRPr lang="en-US"/>
           </a:p>
@@ -441,7 +447,7 @@
           <a:p>
             <a:fld id="{276D79ED-3FA7-4EF8-964B-EB8BCFAB02F8}" type="datetimeFigureOut">
               <a:rPr lang="en-US" smtClean="0"/>
-              <a:t>05/02/2018</a:t>
+              <a:t>2/18/2018</a:t>
             </a:fld>
             <a:endParaRPr lang="en-US"/>
           </a:p>
@@ -689,7 +695,7 @@
           <a:p>
             <a:fld id="{276D79ED-3FA7-4EF8-964B-EB8BCFAB02F8}" type="datetimeFigureOut">
               <a:rPr lang="en-US" smtClean="0"/>
-              <a:t>05/02/2018</a:t>
+              <a:t>2/18/2018</a:t>
             </a:fld>
             <a:endParaRPr lang="en-US"/>
           </a:p>
@@ -921,7 +927,7 @@
           <a:p>
             <a:fld id="{276D79ED-3FA7-4EF8-964B-EB8BCFAB02F8}" type="datetimeFigureOut">
               <a:rPr lang="en-US" smtClean="0"/>
-              <a:t>05/02/2018</a:t>
+              <a:t>2/18/2018</a:t>
             </a:fld>
             <a:endParaRPr lang="en-US"/>
           </a:p>
@@ -1288,7 +1294,7 @@
           <a:p>
             <a:fld id="{276D79ED-3FA7-4EF8-964B-EB8BCFAB02F8}" type="datetimeFigureOut">
               <a:rPr lang="en-US" smtClean="0"/>
-              <a:t>05/02/2018</a:t>
+              <a:t>2/18/2018</a:t>
             </a:fld>
             <a:endParaRPr lang="en-US"/>
           </a:p>
@@ -1406,7 +1412,7 @@
           <a:p>
             <a:fld id="{276D79ED-3FA7-4EF8-964B-EB8BCFAB02F8}" type="datetimeFigureOut">
               <a:rPr lang="en-US" smtClean="0"/>
-              <a:t>05/02/2018</a:t>
+              <a:t>2/18/2018</a:t>
             </a:fld>
             <a:endParaRPr lang="en-US"/>
           </a:p>
@@ -1501,7 +1507,7 @@
           <a:p>
             <a:fld id="{276D79ED-3FA7-4EF8-964B-EB8BCFAB02F8}" type="datetimeFigureOut">
               <a:rPr lang="en-US" smtClean="0"/>
-              <a:t>05/02/2018</a:t>
+              <a:t>2/18/2018</a:t>
             </a:fld>
             <a:endParaRPr lang="en-US"/>
           </a:p>
@@ -1778,7 +1784,7 @@
           <a:p>
             <a:fld id="{276D79ED-3FA7-4EF8-964B-EB8BCFAB02F8}" type="datetimeFigureOut">
               <a:rPr lang="en-US" smtClean="0"/>
-              <a:t>05/02/2018</a:t>
+              <a:t>2/18/2018</a:t>
             </a:fld>
             <a:endParaRPr lang="en-US"/>
           </a:p>
@@ -2035,7 +2041,7 @@
           <a:p>
             <a:fld id="{276D79ED-3FA7-4EF8-964B-EB8BCFAB02F8}" type="datetimeFigureOut">
               <a:rPr lang="en-US" smtClean="0"/>
-              <a:t>05/02/2018</a:t>
+              <a:t>2/18/2018</a:t>
             </a:fld>
             <a:endParaRPr lang="en-US"/>
           </a:p>
@@ -2256,7 +2262,7 @@
           <a:p>
             <a:fld id="{276D79ED-3FA7-4EF8-964B-EB8BCFAB02F8}" type="datetimeFigureOut">
               <a:rPr lang="en-US" smtClean="0"/>
-              <a:t>05/02/2018</a:t>
+              <a:t>2/18/2018</a:t>
             </a:fld>
             <a:endParaRPr lang="en-US"/>
           </a:p>
@@ -2849,16 +2855,11 @@
               <a:rPr lang="en-US" sz="2000" b="1" dirty="0" smtClean="0"/>
               <a:t>Supervised by: </a:t>
             </a:r>
-            <a:endParaRPr lang="en-US" sz="2000" b="1" dirty="0" smtClean="0"/>
           </a:p>
           <a:p>
             <a:r>
               <a:rPr lang="en-US" sz="2000" b="1" dirty="0" smtClean="0"/>
-              <a:t>Prof</a:t>
-            </a:r>
-            <a:r>
-              <a:rPr lang="en-US" sz="2000" b="1" dirty="0" smtClean="0"/>
-              <a:t>. Sylvie </a:t>
+              <a:t>Prof. Sylvie </a:t>
             </a:r>
             <a:r>
               <a:rPr lang="en-US" sz="2000" b="1" dirty="0" err="1" smtClean="0"/>
@@ -2897,7 +2898,7 @@
 </file>
 
 <file path=ppt/slides/slide10.xml><?xml version="1.0" encoding="utf-8"?>
-<p:sld xmlns:a="http://schemas.openxmlformats.org/drawingml/2006/main" xmlns:r="http://schemas.openxmlformats.org/officeDocument/2006/relationships" xmlns:p="http://schemas.openxmlformats.org/presentationml/2006/main" showMasterSp="0">
+<p:sld xmlns:a="http://schemas.openxmlformats.org/drawingml/2006/main" xmlns:r="http://schemas.openxmlformats.org/officeDocument/2006/relationships" xmlns:p="http://schemas.openxmlformats.org/presentationml/2006/main">
   <p:cSld>
     <p:spTree>
       <p:nvGrpSpPr>
@@ -2915,186 +2916,150 @@
       </p:grpSpPr>
       <p:sp>
         <p:nvSpPr>
-          <p:cNvPr id="2" name="Title 1"/>
-          <p:cNvSpPr>
-            <a:spLocks noGrp="1"/>
-          </p:cNvSpPr>
-          <p:nvPr>
-            <p:ph type="title"/>
-          </p:nvPr>
-        </p:nvSpPr>
-        <p:spPr/>
-        <p:txBody>
-          <a:bodyPr/>
-          <a:lstStyle/>
-          <a:p>
-            <a:r>
-              <a:rPr lang="en-US" dirty="0" smtClean="0"/>
-              <a:t>Challenges</a:t>
-            </a:r>
-            <a:endParaRPr lang="en-US" dirty="0"/>
-          </a:p>
-        </p:txBody>
-      </p:sp>
-      <p:sp>
-        <p:nvSpPr>
-          <p:cNvPr id="3" name="Content Placeholder 2"/>
-          <p:cNvSpPr>
-            <a:spLocks noGrp="1"/>
-          </p:cNvSpPr>
-          <p:nvPr>
-            <p:ph idx="1"/>
-          </p:nvPr>
-        </p:nvSpPr>
-        <p:spPr/>
-        <p:txBody>
-          <a:bodyPr>
-            <a:normAutofit fontScale="62500" lnSpcReduction="20000"/>
+          <p:cNvPr id="6" name="Rectangular Callout 5"/>
+          <p:cNvSpPr/>
+          <p:nvPr/>
+        </p:nvSpPr>
+        <p:spPr>
+          <a:xfrm>
+            <a:off x="4415480" y="1000125"/>
+            <a:ext cx="2883244" cy="1713470"/>
+          </a:xfrm>
+          <a:prstGeom prst="wedgeRectCallout">
+            <a:avLst>
+              <a:gd name="adj1" fmla="val 30862"/>
+              <a:gd name="adj2" fmla="val 49252"/>
+            </a:avLst>
+          </a:prstGeom>
+        </p:spPr>
+        <p:style>
+          <a:lnRef idx="2">
+            <a:schemeClr val="dk1"/>
+          </a:lnRef>
+          <a:fillRef idx="1">
+            <a:schemeClr val="lt1"/>
+          </a:fillRef>
+          <a:effectRef idx="0">
+            <a:schemeClr val="dk1"/>
+          </a:effectRef>
+          <a:fontRef idx="minor">
+            <a:schemeClr val="dk1"/>
+          </a:fontRef>
+        </p:style>
+        <p:txBody>
+          <a:bodyPr rtlCol="0" anchor="ctr"/>
+          <a:lstStyle/>
+          <a:p>
+            <a:r>
+              <a:rPr lang="en-US" sz="1600" dirty="0" smtClean="0"/>
+              <a:t>Original feature information:</a:t>
+            </a:r>
+          </a:p>
+          <a:p>
+            <a:r>
+              <a:rPr lang="en-US" sz="1600" dirty="0" smtClean="0"/>
+              <a:t>+ Color</a:t>
+            </a:r>
+          </a:p>
+          <a:p>
+            <a:r>
+              <a:rPr lang="en-US" sz="1600" dirty="0" smtClean="0"/>
+              <a:t>+ Texture</a:t>
+            </a:r>
+          </a:p>
+          <a:p>
+            <a:r>
+              <a:rPr lang="en-US" sz="1600" dirty="0" smtClean="0"/>
+              <a:t>+ Shape</a:t>
+            </a:r>
+          </a:p>
+          <a:p>
+            <a:r>
+              <a:rPr lang="en-US" sz="1600" dirty="0" smtClean="0"/>
+              <a:t>+ Spatial Location</a:t>
+            </a:r>
+          </a:p>
+          <a:p>
+            <a:r>
+              <a:rPr lang="en-US" sz="1600" dirty="0" smtClean="0"/>
+              <a:t>+ Local image</a:t>
+            </a:r>
+          </a:p>
+        </p:txBody>
+      </p:sp>
+      <p:pic>
+        <p:nvPicPr>
+          <p:cNvPr id="3" name="Picture 2" descr="Image result"/>
+          <p:cNvPicPr>
+            <a:picLocks noChangeAspect="1" noChangeArrowheads="1"/>
+          </p:cNvPicPr>
+          <p:nvPr/>
+        </p:nvPicPr>
+        <p:blipFill>
+          <a:blip r:embed="rId2" cstate="print">
+            <a:extLst>
+              <a:ext uri="{28A0092B-C50C-407E-A947-70E740481C1C}">
+                <a14:useLocalDpi xmlns:a14="http://schemas.microsoft.com/office/drawing/2010/main" val="0"/>
+              </a:ext>
+            </a:extLst>
+          </a:blip>
+          <a:srcRect/>
+          <a:stretch>
+            <a:fillRect/>
+          </a:stretch>
+        </p:blipFill>
+        <p:spPr bwMode="auto">
+          <a:xfrm>
+            <a:off x="7674315" y="1000125"/>
+            <a:ext cx="2806359" cy="4181475"/>
+          </a:xfrm>
+          <a:prstGeom prst="rect">
+            <a:avLst/>
+          </a:prstGeom>
+          <a:noFill/>
+          <a:extLst>
+            <a:ext uri="{909E8E84-426E-40DD-AFC4-6F175D3DCCD1}">
+              <a14:hiddenFill xmlns:a14="http://schemas.microsoft.com/office/drawing/2010/main">
+                <a:solidFill>
+                  <a:srgbClr val="FFFFFF"/>
+                </a:solidFill>
+              </a14:hiddenFill>
+            </a:ext>
+          </a:extLst>
+        </p:spPr>
+      </p:pic>
+      <p:sp>
+        <p:nvSpPr>
+          <p:cNvPr id="2" name="Rectangle 1"/>
+          <p:cNvSpPr/>
+          <p:nvPr/>
+        </p:nvSpPr>
+        <p:spPr>
+          <a:xfrm>
+            <a:off x="7667083" y="5526215"/>
+            <a:ext cx="2813591" cy="261610"/>
+          </a:xfrm>
+          <a:prstGeom prst="rect">
+            <a:avLst/>
+          </a:prstGeom>
+        </p:spPr>
+        <p:txBody>
+          <a:bodyPr wrap="none">
+            <a:spAutoFit/>
           </a:bodyPr>
           <a:lstStyle/>
           <a:p>
-            <a:pPr algn="just">
-              <a:lnSpc>
-                <a:spcPct val="170000"/>
-              </a:lnSpc>
-            </a:pPr>
-            <a:r>
-              <a:rPr lang="en-US" sz="2400" dirty="0" smtClean="0"/>
-              <a:t>Identify and recognize the object with the “private feature” of artwork, specimen, whatever</a:t>
-            </a:r>
-          </a:p>
-          <a:p>
-            <a:pPr algn="just">
-              <a:lnSpc>
-                <a:spcPct val="170000"/>
-              </a:lnSpc>
-            </a:pPr>
-            <a:r>
-              <a:rPr lang="en-US" sz="2400" dirty="0" smtClean="0"/>
-              <a:t>Faster handling of responding for real time used cases</a:t>
-            </a:r>
-          </a:p>
-          <a:p>
-            <a:pPr algn="just">
-              <a:lnSpc>
-                <a:spcPct val="170000"/>
-              </a:lnSpc>
-            </a:pPr>
-            <a:r>
-              <a:rPr lang="en-US" sz="2400" dirty="0" smtClean="0"/>
-              <a:t>Data </a:t>
-            </a:r>
-            <a:r>
-              <a:rPr lang="en-US" sz="2400" dirty="0"/>
-              <a:t>authenticity, confidentiality, ready, and integrity for </a:t>
-            </a:r>
-            <a:r>
-              <a:rPr lang="en-US" sz="2400" dirty="0" smtClean="0"/>
-              <a:t>real time applications</a:t>
-            </a:r>
-          </a:p>
-          <a:p>
-            <a:pPr algn="just">
-              <a:lnSpc>
-                <a:spcPct val="170000"/>
-              </a:lnSpc>
-            </a:pPr>
-            <a:r>
-              <a:rPr lang="en-US" sz="2400" dirty="0" smtClean="0"/>
-              <a:t>The </a:t>
-            </a:r>
-            <a:r>
-              <a:rPr lang="en-US" sz="2400" dirty="0"/>
-              <a:t>expectation of users for huge amount of objects to search among</a:t>
-            </a:r>
-          </a:p>
-          <a:p>
-            <a:pPr algn="just">
-              <a:lnSpc>
-                <a:spcPct val="170000"/>
-              </a:lnSpc>
-            </a:pPr>
-            <a:r>
-              <a:rPr lang="en-US" sz="2400" dirty="0" smtClean="0"/>
-              <a:t>Sometimes </a:t>
-            </a:r>
-            <a:r>
-              <a:rPr lang="en-US" sz="2400" dirty="0"/>
-              <a:t>incompleteness query specification seems to be a challenge</a:t>
-            </a:r>
-          </a:p>
-          <a:p>
-            <a:pPr algn="just">
-              <a:lnSpc>
-                <a:spcPct val="170000"/>
-              </a:lnSpc>
-            </a:pPr>
-            <a:r>
-              <a:rPr lang="en-US" sz="2400" dirty="0" smtClean="0"/>
-              <a:t>Incomplete </a:t>
-            </a:r>
-            <a:r>
-              <a:rPr lang="en-US" sz="2400" dirty="0"/>
-              <a:t>image description is also a </a:t>
-            </a:r>
-            <a:r>
-              <a:rPr lang="en-US" sz="2400" dirty="0" smtClean="0"/>
-              <a:t>source </a:t>
-            </a:r>
-            <a:r>
-              <a:rPr lang="en-US" sz="2400" dirty="0"/>
-              <a:t>of challenge to an efficient CBIR </a:t>
-            </a:r>
-            <a:r>
-              <a:rPr lang="en-US" sz="2400" dirty="0" smtClean="0"/>
-              <a:t>system</a:t>
-            </a:r>
-          </a:p>
-          <a:p>
-            <a:pPr algn="just">
-              <a:lnSpc>
-                <a:spcPct val="170000"/>
-              </a:lnSpc>
-            </a:pPr>
-            <a:r>
-              <a:rPr lang="en-US" sz="2400" dirty="0" smtClean="0"/>
-              <a:t>The issue related to the semantic gap where it means the lack of coincidence between information that the same data have for a user in a given situation</a:t>
-            </a:r>
-          </a:p>
-          <a:p>
-            <a:pPr algn="just">
-              <a:lnSpc>
-                <a:spcPct val="170000"/>
-              </a:lnSpc>
-            </a:pPr>
-            <a:r>
-              <a:rPr lang="en-US" sz="2400" dirty="0"/>
-              <a:t>Updating meta-data based on the collected information from each node ( user)</a:t>
-            </a:r>
-          </a:p>
-          <a:p>
-            <a:pPr marL="0" indent="0" algn="just">
-              <a:lnSpc>
-                <a:spcPct val="170000"/>
-              </a:lnSpc>
-              <a:buNone/>
-            </a:pPr>
-            <a:endParaRPr lang="en-US" sz="2400" dirty="0" smtClean="0"/>
-          </a:p>
-          <a:p>
-            <a:pPr algn="just">
-              <a:lnSpc>
-                <a:spcPct val="170000"/>
-              </a:lnSpc>
-            </a:pPr>
-            <a:endParaRPr lang="en-US" sz="2400" dirty="0"/>
+            <a:r>
+              <a:rPr lang="en-US" sz="1100" dirty="0"/>
+              <a:t>https://en.wikipedia.org/wiki/Mona_Lisa</a:t>
+            </a:r>
           </a:p>
         </p:txBody>
       </p:sp>
     </p:spTree>
     <p:extLst>
       <p:ext uri="{BB962C8B-B14F-4D97-AF65-F5344CB8AC3E}">
-        <p14:creationId xmlns:p14="http://schemas.microsoft.com/office/powerpoint/2010/main" val="3400201055"/>
+        <p14:creationId xmlns:p14="http://schemas.microsoft.com/office/powerpoint/2010/main" val="3582194975"/>
       </p:ext>
     </p:extLst>
   </p:cSld>
@@ -3121,352 +3086,207 @@
           <a:chExt cx="0" cy="0"/>
         </a:xfrm>
       </p:grpSpPr>
-      <p:pic>
-        <p:nvPicPr>
-          <p:cNvPr id="1026" name="Picture 2" descr="Related image"/>
-          <p:cNvPicPr>
-            <a:picLocks noChangeAspect="1" noChangeArrowheads="1"/>
-          </p:cNvPicPr>
-          <p:nvPr/>
-        </p:nvPicPr>
-        <p:blipFill>
-          <a:blip r:embed="rId2">
-            <a:extLst>
-              <a:ext uri="{28A0092B-C50C-407E-A947-70E740481C1C}">
-                <a14:useLocalDpi xmlns:a14="http://schemas.microsoft.com/office/drawing/2010/main" val="0"/>
-              </a:ext>
-            </a:extLst>
-          </a:blip>
-          <a:srcRect/>
-          <a:stretch>
-            <a:fillRect/>
-          </a:stretch>
-        </p:blipFill>
-        <p:spPr bwMode="auto">
-          <a:xfrm>
-            <a:off x="5683164" y="2186546"/>
-            <a:ext cx="5429250" cy="2190750"/>
-          </a:xfrm>
-          <a:prstGeom prst="rect">
-            <a:avLst/>
-          </a:prstGeom>
-          <a:noFill/>
-          <a:extLst>
-            <a:ext uri="{909E8E84-426E-40DD-AFC4-6F175D3DCCD1}">
-              <a14:hiddenFill xmlns:a14="http://schemas.microsoft.com/office/drawing/2010/main">
-                <a:solidFill>
-                  <a:srgbClr val="FFFFFF"/>
-                </a:solidFill>
-              </a14:hiddenFill>
-            </a:ext>
-          </a:extLst>
-        </p:spPr>
-      </p:pic>
-      <p:sp>
-        <p:nvSpPr>
-          <p:cNvPr id="6" name="Rectangular Callout 5"/>
-          <p:cNvSpPr/>
-          <p:nvPr/>
+      <p:sp>
+        <p:nvSpPr>
+          <p:cNvPr id="2" name="Title 1"/>
+          <p:cNvSpPr>
+            <a:spLocks noGrp="1"/>
+          </p:cNvSpPr>
+          <p:nvPr>
+            <p:ph type="title"/>
+          </p:nvPr>
+        </p:nvSpPr>
+        <p:spPr/>
+        <p:txBody>
+          <a:bodyPr/>
+          <a:lstStyle/>
+          <a:p>
+            <a:r>
+              <a:rPr lang="en-US" dirty="0" smtClean="0"/>
+              <a:t>Challenges</a:t>
+            </a:r>
+            <a:endParaRPr lang="en-US" dirty="0"/>
+          </a:p>
+        </p:txBody>
+      </p:sp>
+      <p:sp>
+        <p:nvSpPr>
+          <p:cNvPr id="3" name="Content Placeholder 2"/>
+          <p:cNvSpPr>
+            <a:spLocks noGrp="1"/>
+          </p:cNvSpPr>
+          <p:nvPr>
+            <p:ph idx="1"/>
+          </p:nvPr>
         </p:nvSpPr>
         <p:spPr>
           <a:xfrm>
-            <a:off x="2290118" y="469557"/>
-            <a:ext cx="2883244" cy="1713470"/>
-          </a:xfrm>
-          <a:prstGeom prst="wedgeRectCallout">
-            <a:avLst>
-              <a:gd name="adj1" fmla="val 99433"/>
-              <a:gd name="adj2" fmla="val 100213"/>
-            </a:avLst>
-          </a:prstGeom>
-        </p:spPr>
-        <p:style>
-          <a:lnRef idx="2">
-            <a:schemeClr val="dk1"/>
-          </a:lnRef>
-          <a:fillRef idx="1">
-            <a:schemeClr val="lt1"/>
-          </a:fillRef>
-          <a:effectRef idx="0">
-            <a:schemeClr val="dk1"/>
-          </a:effectRef>
-          <a:fontRef idx="minor">
-            <a:schemeClr val="dk1"/>
-          </a:fontRef>
-        </p:style>
-        <p:txBody>
-          <a:bodyPr rtlCol="0" anchor="ctr"/>
-          <a:lstStyle/>
-          <a:p>
-            <a:r>
-              <a:rPr lang="en-US" sz="1600" dirty="0" smtClean="0"/>
-              <a:t>Original feature information:</a:t>
-            </a:r>
-          </a:p>
-          <a:p>
-            <a:r>
-              <a:rPr lang="en-US" sz="1600" dirty="0" smtClean="0"/>
-              <a:t>+ Color</a:t>
-            </a:r>
-          </a:p>
-          <a:p>
-            <a:r>
-              <a:rPr lang="en-US" sz="1600" dirty="0" smtClean="0"/>
-              <a:t>+ Texture</a:t>
-            </a:r>
-          </a:p>
-          <a:p>
-            <a:r>
-              <a:rPr lang="en-US" sz="1600" dirty="0" smtClean="0"/>
-              <a:t>+ Shape</a:t>
-            </a:r>
-          </a:p>
-          <a:p>
-            <a:r>
-              <a:rPr lang="en-US" sz="1600" dirty="0" smtClean="0"/>
-              <a:t>+ Spatial Location</a:t>
-            </a:r>
-          </a:p>
-          <a:p>
-            <a:r>
-              <a:rPr lang="en-US" sz="1600" dirty="0" smtClean="0"/>
-              <a:t>+ Local image</a:t>
-            </a:r>
-          </a:p>
-        </p:txBody>
-      </p:sp>
-      <p:sp>
-        <p:nvSpPr>
-          <p:cNvPr id="5" name="Rectangular Callout 4"/>
-          <p:cNvSpPr/>
-          <p:nvPr/>
-        </p:nvSpPr>
-        <p:spPr>
-          <a:xfrm>
-            <a:off x="2514727" y="5325760"/>
-            <a:ext cx="2098461" cy="766119"/>
-          </a:xfrm>
-          <a:prstGeom prst="wedgeRectCallout">
-            <a:avLst>
-              <a:gd name="adj1" fmla="val 130243"/>
-              <a:gd name="adj2" fmla="val -232770"/>
-            </a:avLst>
-          </a:prstGeom>
-        </p:spPr>
-        <p:style>
-          <a:lnRef idx="2">
-            <a:schemeClr val="dk1"/>
-          </a:lnRef>
-          <a:fillRef idx="1">
-            <a:schemeClr val="lt1"/>
-          </a:fillRef>
-          <a:effectRef idx="0">
-            <a:schemeClr val="dk1"/>
-          </a:effectRef>
-          <a:fontRef idx="minor">
-            <a:schemeClr val="dk1"/>
-          </a:fontRef>
-        </p:style>
-        <p:txBody>
-          <a:bodyPr rtlCol="0" anchor="ctr"/>
-          <a:lstStyle/>
-          <a:p>
-            <a:r>
-              <a:rPr lang="en-US" sz="1200" b="1" dirty="0" smtClean="0">
-                <a:solidFill>
-                  <a:schemeClr val="accent4">
-                    <a:lumMod val="75000"/>
-                  </a:schemeClr>
-                </a:solidFill>
-              </a:rPr>
-              <a:t>Geo-tag information:</a:t>
-            </a:r>
-          </a:p>
-          <a:p>
-            <a:r>
-              <a:rPr lang="en-US" sz="1200" dirty="0" smtClean="0">
-                <a:solidFill>
-                  <a:schemeClr val="accent4">
-                    <a:lumMod val="75000"/>
-                  </a:schemeClr>
-                </a:solidFill>
-              </a:rPr>
-              <a:t>+ geolocation</a:t>
-            </a:r>
-          </a:p>
-          <a:p>
-            <a:r>
-              <a:rPr lang="en-US" sz="1200" dirty="0" smtClean="0">
-                <a:solidFill>
-                  <a:schemeClr val="accent4">
-                    <a:lumMod val="75000"/>
-                  </a:schemeClr>
-                </a:solidFill>
-              </a:rPr>
-              <a:t>+ hashtag information</a:t>
-            </a:r>
-          </a:p>
-        </p:txBody>
-      </p:sp>
-      <p:sp>
-        <p:nvSpPr>
-          <p:cNvPr id="8" name="Rectangular Callout 7"/>
-          <p:cNvSpPr/>
-          <p:nvPr/>
-        </p:nvSpPr>
-        <p:spPr>
-          <a:xfrm>
-            <a:off x="6094069" y="5086864"/>
-            <a:ext cx="2098461" cy="766119"/>
-          </a:xfrm>
-          <a:prstGeom prst="wedgeRectCallout">
-            <a:avLst>
-              <a:gd name="adj1" fmla="val 130243"/>
-              <a:gd name="adj2" fmla="val -232770"/>
-            </a:avLst>
-          </a:prstGeom>
-        </p:spPr>
-        <p:style>
-          <a:lnRef idx="2">
-            <a:schemeClr val="dk1"/>
-          </a:lnRef>
-          <a:fillRef idx="1">
-            <a:schemeClr val="lt1"/>
-          </a:fillRef>
-          <a:effectRef idx="0">
-            <a:schemeClr val="dk1"/>
-          </a:effectRef>
-          <a:fontRef idx="minor">
-            <a:schemeClr val="dk1"/>
-          </a:fontRef>
-        </p:style>
-        <p:txBody>
-          <a:bodyPr rtlCol="0" anchor="ctr"/>
-          <a:lstStyle/>
-          <a:p>
-            <a:r>
-              <a:rPr lang="en-US" sz="1200" b="1" dirty="0" smtClean="0">
-                <a:solidFill>
-                  <a:srgbClr val="F711DC"/>
-                </a:solidFill>
-              </a:rPr>
-              <a:t>QR codes information:</a:t>
-            </a:r>
-          </a:p>
-          <a:p>
-            <a:r>
-              <a:rPr lang="en-US" sz="1200" dirty="0" smtClean="0">
-                <a:solidFill>
-                  <a:srgbClr val="F711DC"/>
-                </a:solidFill>
-              </a:rPr>
-              <a:t>+ ID of the items in the museum</a:t>
-            </a:r>
-          </a:p>
-        </p:txBody>
-      </p:sp>
-      <p:sp>
-        <p:nvSpPr>
-          <p:cNvPr id="7" name="Rectangular Callout 6"/>
-          <p:cNvSpPr/>
-          <p:nvPr/>
-        </p:nvSpPr>
-        <p:spPr>
-          <a:xfrm>
-            <a:off x="8369643" y="469557"/>
-            <a:ext cx="3212757" cy="1205129"/>
-          </a:xfrm>
-          <a:prstGeom prst="wedgeRectCallout">
-            <a:avLst>
-              <a:gd name="adj1" fmla="val -77952"/>
-              <a:gd name="adj2" fmla="val 154260"/>
-            </a:avLst>
-          </a:prstGeom>
-        </p:spPr>
-        <p:style>
-          <a:lnRef idx="2">
-            <a:schemeClr val="accent1"/>
-          </a:lnRef>
-          <a:fillRef idx="1">
-            <a:schemeClr val="lt1"/>
-          </a:fillRef>
-          <a:effectRef idx="0">
-            <a:schemeClr val="accent1"/>
-          </a:effectRef>
-          <a:fontRef idx="minor">
-            <a:schemeClr val="dk1"/>
-          </a:fontRef>
-        </p:style>
-        <p:txBody>
-          <a:bodyPr rtlCol="0" anchor="ctr"/>
-          <a:lstStyle/>
-          <a:p>
-            <a:r>
-              <a:rPr lang="en-US" sz="1600" b="1" dirty="0" smtClean="0">
-                <a:solidFill>
-                  <a:schemeClr val="accent5"/>
-                </a:solidFill>
-              </a:rPr>
-              <a:t>Proposed </a:t>
-            </a:r>
-            <a:r>
-              <a:rPr lang="en-US" sz="1600" b="1" dirty="0">
-                <a:solidFill>
-                  <a:schemeClr val="accent5"/>
-                </a:solidFill>
-              </a:rPr>
-              <a:t>a</a:t>
-            </a:r>
-            <a:r>
-              <a:rPr lang="en-US" sz="1600" b="1" dirty="0" smtClean="0">
-                <a:solidFill>
-                  <a:schemeClr val="accent5"/>
-                </a:solidFill>
-              </a:rPr>
-              <a:t>dvantage features:</a:t>
-            </a:r>
-          </a:p>
-          <a:p>
-            <a:r>
-              <a:rPr lang="en-US" sz="1600" dirty="0" smtClean="0">
-                <a:solidFill>
-                  <a:schemeClr val="accent5"/>
-                </a:solidFill>
-              </a:rPr>
-              <a:t>+ private features</a:t>
-            </a:r>
-          </a:p>
-          <a:p>
-            <a:r>
-              <a:rPr lang="en-US" sz="1600" dirty="0" smtClean="0">
-                <a:solidFill>
-                  <a:schemeClr val="accent5"/>
-                </a:solidFill>
-              </a:rPr>
-              <a:t>+ style features</a:t>
-            </a:r>
-          </a:p>
-          <a:p>
-            <a:r>
-              <a:rPr lang="en-US" sz="1600" dirty="0" smtClean="0">
-                <a:solidFill>
-                  <a:schemeClr val="accent5"/>
-                </a:solidFill>
-              </a:rPr>
-              <a:t>+ guessing features</a:t>
-            </a:r>
-            <a:endParaRPr lang="en-US" sz="1600" dirty="0">
-              <a:solidFill>
-                <a:schemeClr val="accent5"/>
-              </a:solidFill>
-            </a:endParaRPr>
+            <a:off x="3095897" y="1584960"/>
+            <a:ext cx="8623663" cy="4644254"/>
+          </a:xfrm>
+        </p:spPr>
+        <p:txBody>
+          <a:bodyPr>
+            <a:noAutofit/>
+          </a:bodyPr>
+          <a:lstStyle/>
+          <a:p>
+            <a:pPr algn="just">
+              <a:lnSpc>
+                <a:spcPct val="170000"/>
+              </a:lnSpc>
+            </a:pPr>
+            <a:r>
+              <a:rPr lang="en-US" sz="1200" dirty="0" smtClean="0"/>
+              <a:t>Identify and recognize the object with the “private feature” of artwork, specimen, whatever</a:t>
+            </a:r>
+          </a:p>
+          <a:p>
+            <a:pPr algn="just">
+              <a:lnSpc>
+                <a:spcPct val="170000"/>
+              </a:lnSpc>
+            </a:pPr>
+            <a:r>
+              <a:rPr lang="en-US" sz="1200" dirty="0" smtClean="0"/>
+              <a:t>Faster handling of responding for real time used cases</a:t>
+            </a:r>
+          </a:p>
+          <a:p>
+            <a:pPr algn="just">
+              <a:lnSpc>
+                <a:spcPct val="170000"/>
+              </a:lnSpc>
+            </a:pPr>
+            <a:r>
+              <a:rPr lang="en-US" sz="1200" dirty="0" smtClean="0"/>
+              <a:t>Data </a:t>
+            </a:r>
+            <a:r>
+              <a:rPr lang="en-US" sz="1200" dirty="0"/>
+              <a:t>authenticity, confidentiality, ready, and integrity for </a:t>
+            </a:r>
+            <a:r>
+              <a:rPr lang="en-US" sz="1200" dirty="0" smtClean="0"/>
+              <a:t>real time applications</a:t>
+            </a:r>
+          </a:p>
+          <a:p>
+            <a:pPr algn="just">
+              <a:lnSpc>
+                <a:spcPct val="170000"/>
+              </a:lnSpc>
+            </a:pPr>
+            <a:r>
+              <a:rPr lang="en-US" sz="1200" dirty="0" smtClean="0"/>
+              <a:t>The </a:t>
+            </a:r>
+            <a:r>
+              <a:rPr lang="en-US" sz="1200" dirty="0"/>
+              <a:t>expectation of users for huge amount of objects to search among</a:t>
+            </a:r>
+          </a:p>
+          <a:p>
+            <a:pPr algn="just">
+              <a:lnSpc>
+                <a:spcPct val="170000"/>
+              </a:lnSpc>
+            </a:pPr>
+            <a:r>
+              <a:rPr lang="en-US" sz="1200" dirty="0" smtClean="0"/>
+              <a:t>Sometimes </a:t>
+            </a:r>
+            <a:r>
+              <a:rPr lang="en-US" sz="1200" dirty="0"/>
+              <a:t>incompleteness query specification seems to be a challenge</a:t>
+            </a:r>
+          </a:p>
+          <a:p>
+            <a:pPr algn="just">
+              <a:lnSpc>
+                <a:spcPct val="170000"/>
+              </a:lnSpc>
+            </a:pPr>
+            <a:r>
+              <a:rPr lang="en-US" sz="1200" dirty="0" smtClean="0"/>
+              <a:t>Incomplete </a:t>
+            </a:r>
+            <a:r>
+              <a:rPr lang="en-US" sz="1200" dirty="0"/>
+              <a:t>image description is also a </a:t>
+            </a:r>
+            <a:r>
+              <a:rPr lang="en-US" sz="1200" dirty="0" smtClean="0"/>
+              <a:t>source </a:t>
+            </a:r>
+            <a:r>
+              <a:rPr lang="en-US" sz="1200" dirty="0"/>
+              <a:t>of challenge to an efficient CBIR </a:t>
+            </a:r>
+            <a:r>
+              <a:rPr lang="en-US" sz="1200" dirty="0" smtClean="0"/>
+              <a:t>system</a:t>
+            </a:r>
+          </a:p>
+          <a:p>
+            <a:pPr algn="just">
+              <a:lnSpc>
+                <a:spcPct val="170000"/>
+              </a:lnSpc>
+            </a:pPr>
+            <a:r>
+              <a:rPr lang="en-US" sz="1200" dirty="0" smtClean="0"/>
+              <a:t>The issue related to the semantic gap where it means the lack of coincidence between information that the same data have for a user in a given situation</a:t>
+            </a:r>
+          </a:p>
+          <a:p>
+            <a:pPr algn="just">
+              <a:lnSpc>
+                <a:spcPct val="170000"/>
+              </a:lnSpc>
+            </a:pPr>
+            <a:r>
+              <a:rPr lang="en-US" sz="1200" dirty="0"/>
+              <a:t>Updating meta-data based on the collected information from each node ( user</a:t>
+            </a:r>
+            <a:r>
+              <a:rPr lang="en-US" sz="1200" dirty="0" smtClean="0"/>
+              <a:t>)</a:t>
+            </a:r>
+          </a:p>
+          <a:p>
+            <a:pPr algn="just">
+              <a:lnSpc>
+                <a:spcPct val="170000"/>
+              </a:lnSpc>
+            </a:pPr>
+            <a:r>
+              <a:rPr lang="en-US" sz="1200" dirty="0"/>
+              <a:t>How to recognize the object with any angle direction </a:t>
+            </a:r>
+            <a:r>
+              <a:rPr lang="en-US" sz="1200" dirty="0" smtClean="0"/>
+              <a:t>of user’s view?</a:t>
+            </a:r>
+          </a:p>
+          <a:p>
+            <a:pPr algn="just">
+              <a:lnSpc>
+                <a:spcPct val="170000"/>
+              </a:lnSpc>
+            </a:pPr>
+            <a:r>
+              <a:rPr lang="en-US" sz="1200" dirty="0"/>
+              <a:t>How to recognize an object in spite of the partially obscured one?</a:t>
+            </a:r>
+            <a:endParaRPr lang="en-US" sz="1200" dirty="0"/>
           </a:p>
         </p:txBody>
       </p:sp>
     </p:spTree>
     <p:extLst>
       <p:ext uri="{BB962C8B-B14F-4D97-AF65-F5344CB8AC3E}">
-        <p14:creationId xmlns:p14="http://schemas.microsoft.com/office/powerpoint/2010/main" val="991377956"/>
+        <p14:creationId xmlns:p14="http://schemas.microsoft.com/office/powerpoint/2010/main" val="3400201055"/>
       </p:ext>
     </p:extLst>
   </p:cSld>
@@ -3495,101 +3315,495 @@
       </p:grpSpPr>
       <p:sp>
         <p:nvSpPr>
-          <p:cNvPr id="2" name="Title 1"/>
-          <p:cNvSpPr>
-            <a:spLocks noGrp="1"/>
-          </p:cNvSpPr>
-          <p:nvPr>
-            <p:ph type="title"/>
-          </p:nvPr>
-        </p:nvSpPr>
-        <p:spPr/>
-        <p:txBody>
-          <a:bodyPr/>
-          <a:lstStyle/>
-          <a:p>
-            <a:r>
-              <a:rPr lang="en-US" dirty="0" smtClean="0"/>
-              <a:t>Objectives</a:t>
-            </a:r>
-            <a:endParaRPr lang="en-US" dirty="0"/>
-          </a:p>
-        </p:txBody>
-      </p:sp>
-      <p:sp>
-        <p:nvSpPr>
-          <p:cNvPr id="3" name="Content Placeholder 2"/>
-          <p:cNvSpPr>
-            <a:spLocks noGrp="1"/>
-          </p:cNvSpPr>
-          <p:nvPr>
-            <p:ph idx="1"/>
-          </p:nvPr>
-        </p:nvSpPr>
-        <p:spPr/>
-        <p:txBody>
-          <a:bodyPr>
-            <a:normAutofit/>
+          <p:cNvPr id="6" name="Rectangular Callout 5"/>
+          <p:cNvSpPr/>
+          <p:nvPr/>
+        </p:nvSpPr>
+        <p:spPr>
+          <a:xfrm>
+            <a:off x="3523527" y="487319"/>
+            <a:ext cx="3540213" cy="1552832"/>
+          </a:xfrm>
+          <a:prstGeom prst="wedgeRectCallout">
+            <a:avLst>
+              <a:gd name="adj1" fmla="val 32004"/>
+              <a:gd name="adj2" fmla="val 48771"/>
+            </a:avLst>
+          </a:prstGeom>
+        </p:spPr>
+        <p:style>
+          <a:lnRef idx="2">
+            <a:schemeClr val="dk1"/>
+          </a:lnRef>
+          <a:fillRef idx="1">
+            <a:schemeClr val="lt1"/>
+          </a:fillRef>
+          <a:effectRef idx="0">
+            <a:schemeClr val="dk1"/>
+          </a:effectRef>
+          <a:fontRef idx="minor">
+            <a:schemeClr val="dk1"/>
+          </a:fontRef>
+        </p:style>
+        <p:txBody>
+          <a:bodyPr rtlCol="0" anchor="ctr"/>
+          <a:lstStyle/>
+          <a:p>
+            <a:r>
+              <a:rPr lang="en-US" sz="1600" dirty="0" smtClean="0"/>
+              <a:t>Original feature information:</a:t>
+            </a:r>
+          </a:p>
+          <a:p>
+            <a:r>
+              <a:rPr lang="en-US" sz="1600" dirty="0" smtClean="0"/>
+              <a:t>+ Color</a:t>
+            </a:r>
+          </a:p>
+          <a:p>
+            <a:r>
+              <a:rPr lang="en-US" sz="1600" dirty="0" smtClean="0"/>
+              <a:t>+ Texture</a:t>
+            </a:r>
+          </a:p>
+          <a:p>
+            <a:r>
+              <a:rPr lang="en-US" sz="1600" dirty="0" smtClean="0"/>
+              <a:t>+ Shape</a:t>
+            </a:r>
+          </a:p>
+          <a:p>
+            <a:r>
+              <a:rPr lang="en-US" sz="1600" dirty="0" smtClean="0"/>
+              <a:t>+ Spatial Location</a:t>
+            </a:r>
+          </a:p>
+          <a:p>
+            <a:r>
+              <a:rPr lang="en-US" sz="1600" dirty="0" smtClean="0"/>
+              <a:t>+ Local image</a:t>
+            </a:r>
+          </a:p>
+        </p:txBody>
+      </p:sp>
+      <p:sp>
+        <p:nvSpPr>
+          <p:cNvPr id="5" name="Rectangular Callout 4"/>
+          <p:cNvSpPr/>
+          <p:nvPr/>
+        </p:nvSpPr>
+        <p:spPr>
+          <a:xfrm>
+            <a:off x="3523527" y="2163722"/>
+            <a:ext cx="3540214" cy="962112"/>
+          </a:xfrm>
+          <a:prstGeom prst="wedgeRectCallout">
+            <a:avLst>
+              <a:gd name="adj1" fmla="val 21426"/>
+              <a:gd name="adj2" fmla="val -49833"/>
+            </a:avLst>
+          </a:prstGeom>
+        </p:spPr>
+        <p:style>
+          <a:lnRef idx="2">
+            <a:schemeClr val="dk1"/>
+          </a:lnRef>
+          <a:fillRef idx="1">
+            <a:schemeClr val="lt1"/>
+          </a:fillRef>
+          <a:effectRef idx="0">
+            <a:schemeClr val="dk1"/>
+          </a:effectRef>
+          <a:fontRef idx="minor">
+            <a:schemeClr val="dk1"/>
+          </a:fontRef>
+        </p:style>
+        <p:txBody>
+          <a:bodyPr rtlCol="0" anchor="ctr"/>
+          <a:lstStyle/>
+          <a:p>
+            <a:r>
+              <a:rPr lang="en-US" sz="1600" b="1" dirty="0" smtClean="0">
+                <a:solidFill>
+                  <a:schemeClr val="accent6"/>
+                </a:solidFill>
+              </a:rPr>
+              <a:t>Proposed improved performance:</a:t>
+            </a:r>
+            <a:endParaRPr lang="en-US" sz="1600" b="1" dirty="0" smtClean="0">
+              <a:solidFill>
+                <a:schemeClr val="accent6"/>
+              </a:solidFill>
+            </a:endParaRPr>
+          </a:p>
+          <a:p>
+            <a:r>
+              <a:rPr lang="en-US" sz="1600" dirty="0" smtClean="0">
+                <a:solidFill>
+                  <a:schemeClr val="accent6"/>
+                </a:solidFill>
+              </a:rPr>
+              <a:t>+ </a:t>
+            </a:r>
+            <a:r>
+              <a:rPr lang="en-US" sz="1600" dirty="0" smtClean="0">
+                <a:solidFill>
+                  <a:schemeClr val="accent6"/>
+                </a:solidFill>
+              </a:rPr>
+              <a:t>Geolocation</a:t>
+            </a:r>
+            <a:endParaRPr lang="en-US" sz="1600" dirty="0" smtClean="0">
+              <a:solidFill>
+                <a:schemeClr val="accent6"/>
+              </a:solidFill>
+            </a:endParaRPr>
+          </a:p>
+          <a:p>
+            <a:r>
+              <a:rPr lang="en-US" sz="1600" dirty="0" smtClean="0">
+                <a:solidFill>
+                  <a:schemeClr val="accent6"/>
+                </a:solidFill>
+              </a:rPr>
+              <a:t>+ </a:t>
+            </a:r>
+            <a:r>
+              <a:rPr lang="en-US" sz="1600" dirty="0" smtClean="0">
+                <a:solidFill>
+                  <a:schemeClr val="accent6"/>
+                </a:solidFill>
+              </a:rPr>
+              <a:t>Hashtag </a:t>
+            </a:r>
+            <a:r>
+              <a:rPr lang="en-US" sz="1600" dirty="0" smtClean="0">
+                <a:solidFill>
+                  <a:schemeClr val="accent6"/>
+                </a:solidFill>
+              </a:rPr>
+              <a:t>information</a:t>
+            </a:r>
+          </a:p>
+        </p:txBody>
+      </p:sp>
+      <p:sp>
+        <p:nvSpPr>
+          <p:cNvPr id="7" name="Rectangular Callout 6"/>
+          <p:cNvSpPr/>
+          <p:nvPr/>
+        </p:nvSpPr>
+        <p:spPr>
+          <a:xfrm>
+            <a:off x="3523527" y="3249405"/>
+            <a:ext cx="3540213" cy="1205129"/>
+          </a:xfrm>
+          <a:prstGeom prst="wedgeRectCallout">
+            <a:avLst>
+              <a:gd name="adj1" fmla="val -8721"/>
+              <a:gd name="adj2" fmla="val 48991"/>
+            </a:avLst>
+          </a:prstGeom>
+        </p:spPr>
+        <p:style>
+          <a:lnRef idx="2">
+            <a:schemeClr val="accent1"/>
+          </a:lnRef>
+          <a:fillRef idx="1">
+            <a:schemeClr val="lt1"/>
+          </a:fillRef>
+          <a:effectRef idx="0">
+            <a:schemeClr val="accent1"/>
+          </a:effectRef>
+          <a:fontRef idx="minor">
+            <a:schemeClr val="dk1"/>
+          </a:fontRef>
+        </p:style>
+        <p:txBody>
+          <a:bodyPr rtlCol="0" anchor="ctr"/>
+          <a:lstStyle/>
+          <a:p>
+            <a:r>
+              <a:rPr lang="en-US" sz="1600" b="1" dirty="0" smtClean="0">
+                <a:solidFill>
+                  <a:schemeClr val="accent5"/>
+                </a:solidFill>
+              </a:rPr>
+              <a:t>Proposed </a:t>
+            </a:r>
+            <a:r>
+              <a:rPr lang="en-US" sz="1600" b="1" dirty="0">
+                <a:solidFill>
+                  <a:schemeClr val="accent5"/>
+                </a:solidFill>
+              </a:rPr>
+              <a:t>a</a:t>
+            </a:r>
+            <a:r>
+              <a:rPr lang="en-US" sz="1600" b="1" dirty="0" smtClean="0">
+                <a:solidFill>
+                  <a:schemeClr val="accent5"/>
+                </a:solidFill>
+              </a:rPr>
+              <a:t>dvantage features:</a:t>
+            </a:r>
+          </a:p>
+          <a:p>
+            <a:r>
+              <a:rPr lang="en-US" sz="1600" dirty="0" smtClean="0">
+                <a:solidFill>
+                  <a:schemeClr val="accent5"/>
+                </a:solidFill>
+              </a:rPr>
+              <a:t>+ </a:t>
+            </a:r>
+            <a:r>
+              <a:rPr lang="en-US" sz="1600" dirty="0" smtClean="0">
+                <a:solidFill>
+                  <a:schemeClr val="accent5"/>
+                </a:solidFill>
+              </a:rPr>
+              <a:t>Private </a:t>
+            </a:r>
+            <a:r>
+              <a:rPr lang="en-US" sz="1600" dirty="0" smtClean="0">
+                <a:solidFill>
+                  <a:schemeClr val="accent5"/>
+                </a:solidFill>
+              </a:rPr>
+              <a:t>features</a:t>
+            </a:r>
+          </a:p>
+          <a:p>
+            <a:r>
+              <a:rPr lang="en-US" sz="1600" dirty="0" smtClean="0">
+                <a:solidFill>
+                  <a:schemeClr val="accent5"/>
+                </a:solidFill>
+              </a:rPr>
+              <a:t>+ </a:t>
+            </a:r>
+            <a:r>
+              <a:rPr lang="en-US" sz="1600" dirty="0" smtClean="0">
+                <a:solidFill>
+                  <a:schemeClr val="accent5"/>
+                </a:solidFill>
+              </a:rPr>
+              <a:t>Style </a:t>
+            </a:r>
+            <a:r>
+              <a:rPr lang="en-US" sz="1600" dirty="0" smtClean="0">
+                <a:solidFill>
+                  <a:schemeClr val="accent5"/>
+                </a:solidFill>
+              </a:rPr>
+              <a:t>features</a:t>
+            </a:r>
+          </a:p>
+          <a:p>
+            <a:r>
+              <a:rPr lang="en-US" sz="1600" dirty="0" smtClean="0">
+                <a:solidFill>
+                  <a:schemeClr val="accent5"/>
+                </a:solidFill>
+              </a:rPr>
+              <a:t>+ </a:t>
+            </a:r>
+            <a:r>
+              <a:rPr lang="en-US" sz="1600" dirty="0" smtClean="0">
+                <a:solidFill>
+                  <a:schemeClr val="accent5"/>
+                </a:solidFill>
+              </a:rPr>
+              <a:t>Guessing </a:t>
+            </a:r>
+            <a:r>
+              <a:rPr lang="en-US" sz="1600" dirty="0" smtClean="0">
+                <a:solidFill>
+                  <a:schemeClr val="accent5"/>
+                </a:solidFill>
+              </a:rPr>
+              <a:t>features</a:t>
+            </a:r>
+            <a:endParaRPr lang="en-US" sz="1600" dirty="0">
+              <a:solidFill>
+                <a:schemeClr val="accent5"/>
+              </a:solidFill>
+            </a:endParaRPr>
+          </a:p>
+        </p:txBody>
+      </p:sp>
+      <p:pic>
+        <p:nvPicPr>
+          <p:cNvPr id="9" name="Picture 8" descr="Image result"/>
+          <p:cNvPicPr>
+            <a:picLocks noChangeAspect="1" noChangeArrowheads="1"/>
+          </p:cNvPicPr>
+          <p:nvPr/>
+        </p:nvPicPr>
+        <p:blipFill>
+          <a:blip r:embed="rId2" cstate="print">
+            <a:extLst>
+              <a:ext uri="{28A0092B-C50C-407E-A947-70E740481C1C}">
+                <a14:useLocalDpi xmlns:a14="http://schemas.microsoft.com/office/drawing/2010/main" val="0"/>
+              </a:ext>
+            </a:extLst>
+          </a:blip>
+          <a:srcRect/>
+          <a:stretch>
+            <a:fillRect/>
+          </a:stretch>
+        </p:blipFill>
+        <p:spPr bwMode="auto">
+          <a:xfrm>
+            <a:off x="8040693" y="1263735"/>
+            <a:ext cx="2806359" cy="4181475"/>
+          </a:xfrm>
+          <a:prstGeom prst="rect">
+            <a:avLst/>
+          </a:prstGeom>
+          <a:noFill/>
+          <a:extLst>
+            <a:ext uri="{909E8E84-426E-40DD-AFC4-6F175D3DCCD1}">
+              <a14:hiddenFill xmlns:a14="http://schemas.microsoft.com/office/drawing/2010/main">
+                <a:solidFill>
+                  <a:srgbClr val="FFFFFF"/>
+                </a:solidFill>
+              </a14:hiddenFill>
+            </a:ext>
+          </a:extLst>
+        </p:spPr>
+      </p:pic>
+      <p:sp>
+        <p:nvSpPr>
+          <p:cNvPr id="10" name="Rectangle 9"/>
+          <p:cNvSpPr/>
+          <p:nvPr/>
+        </p:nvSpPr>
+        <p:spPr>
+          <a:xfrm>
+            <a:off x="7949023" y="5594183"/>
+            <a:ext cx="2813591" cy="261610"/>
+          </a:xfrm>
+          <a:prstGeom prst="rect">
+            <a:avLst/>
+          </a:prstGeom>
+        </p:spPr>
+        <p:txBody>
+          <a:bodyPr wrap="none">
+            <a:spAutoFit/>
           </a:bodyPr>
           <a:lstStyle/>
           <a:p>
-            <a:pPr algn="just"/>
-            <a:r>
-              <a:rPr lang="en-US" sz="2000" dirty="0" smtClean="0"/>
-              <a:t>Enhance privacy virtual assistance in Library and Museum </a:t>
-            </a:r>
-          </a:p>
-          <a:p>
-            <a:pPr marL="0" indent="0" algn="just">
-              <a:buNone/>
-            </a:pPr>
-            <a:endParaRPr lang="en-US" sz="2000" dirty="0" smtClean="0"/>
-          </a:p>
-          <a:p>
-            <a:pPr algn="just"/>
-            <a:r>
-              <a:rPr lang="en-US" sz="2000" dirty="0" smtClean="0"/>
-              <a:t>Improve the accuracy and performance of object recognizing to detect the “private feature” of each artwork, specimen in the museum,  or person, car, furniture, the original of items, etc., </a:t>
-            </a:r>
-          </a:p>
-          <a:p>
-            <a:pPr marL="0" indent="0" algn="just">
-              <a:buNone/>
-            </a:pPr>
-            <a:endParaRPr lang="en-US" sz="2000" dirty="0" smtClean="0"/>
-          </a:p>
-          <a:p>
-            <a:pPr algn="just"/>
-            <a:r>
-              <a:rPr lang="en-US" sz="2000" dirty="0" smtClean="0"/>
-              <a:t>Design automatically category mechanism for object recognition, and application development as well as for detecting “private feature” of each artwork and specimen</a:t>
-            </a:r>
-          </a:p>
-          <a:p>
-            <a:pPr marL="0" indent="0" algn="just">
-              <a:buNone/>
-            </a:pPr>
-            <a:endParaRPr lang="en-US" sz="2000" dirty="0" smtClean="0"/>
-          </a:p>
-          <a:p>
-            <a:pPr algn="just"/>
-            <a:r>
-              <a:rPr lang="en-US" sz="2000" dirty="0" smtClean="0"/>
-              <a:t>Develop algorithms and applications based on the given metadata of the library, museum, or open data</a:t>
-            </a:r>
-          </a:p>
-          <a:p>
-            <a:pPr marL="0" indent="0" algn="just">
-              <a:buNone/>
-            </a:pPr>
-            <a:endParaRPr lang="en-US" sz="2000" dirty="0"/>
+            <a:r>
+              <a:rPr lang="en-US" sz="1100" dirty="0"/>
+              <a:t>https://en.wikipedia.org/wiki/Mona_Lisa</a:t>
+            </a:r>
+          </a:p>
+        </p:txBody>
+      </p:sp>
+      <p:sp>
+        <p:nvSpPr>
+          <p:cNvPr id="13" name="Rectangular Callout 12"/>
+          <p:cNvSpPr/>
+          <p:nvPr/>
+        </p:nvSpPr>
+        <p:spPr>
+          <a:xfrm>
+            <a:off x="3523527" y="4578105"/>
+            <a:ext cx="3540213" cy="1651245"/>
+          </a:xfrm>
+          <a:prstGeom prst="wedgeRectCallout">
+            <a:avLst>
+              <a:gd name="adj1" fmla="val -8721"/>
+              <a:gd name="adj2" fmla="val 48991"/>
+            </a:avLst>
+          </a:prstGeom>
+        </p:spPr>
+        <p:style>
+          <a:lnRef idx="2">
+            <a:schemeClr val="accent1"/>
+          </a:lnRef>
+          <a:fillRef idx="1">
+            <a:schemeClr val="lt1"/>
+          </a:fillRef>
+          <a:effectRef idx="0">
+            <a:schemeClr val="accent1"/>
+          </a:effectRef>
+          <a:fontRef idx="minor">
+            <a:schemeClr val="dk1"/>
+          </a:fontRef>
+        </p:style>
+        <p:txBody>
+          <a:bodyPr rtlCol="0" anchor="ctr"/>
+          <a:lstStyle/>
+          <a:p>
+            <a:r>
+              <a:rPr lang="en-US" sz="1600" b="1" dirty="0" smtClean="0">
+                <a:solidFill>
+                  <a:srgbClr val="7030A0"/>
+                </a:solidFill>
+              </a:rPr>
+              <a:t>Proposed </a:t>
+            </a:r>
+            <a:r>
+              <a:rPr lang="en-US" sz="1600" b="1" dirty="0" smtClean="0">
+                <a:solidFill>
+                  <a:srgbClr val="7030A0"/>
+                </a:solidFill>
+              </a:rPr>
+              <a:t>visualized </a:t>
+            </a:r>
+            <a:r>
+              <a:rPr lang="en-US" sz="1600" b="1" dirty="0" smtClean="0">
+                <a:solidFill>
+                  <a:srgbClr val="7030A0"/>
+                </a:solidFill>
+              </a:rPr>
+              <a:t>features:</a:t>
+            </a:r>
+          </a:p>
+          <a:p>
+            <a:r>
+              <a:rPr lang="en-US" sz="1600" dirty="0" smtClean="0">
+                <a:solidFill>
+                  <a:srgbClr val="7030A0"/>
+                </a:solidFill>
+              </a:rPr>
+              <a:t>+ Virtual reality generation</a:t>
+            </a:r>
+          </a:p>
+          <a:p>
+            <a:r>
+              <a:rPr lang="en-US" sz="1600" dirty="0" smtClean="0">
+                <a:solidFill>
+                  <a:srgbClr val="7030A0"/>
+                </a:solidFill>
+              </a:rPr>
+              <a:t>+ Holographic generation</a:t>
+            </a:r>
+          </a:p>
+          <a:p>
+            <a:r>
+              <a:rPr lang="en-US" sz="1600" dirty="0" smtClean="0">
+                <a:solidFill>
+                  <a:srgbClr val="7030A0"/>
+                </a:solidFill>
+              </a:rPr>
+              <a:t>+ Augmented reality generation (virtual restoration, edit, modify)</a:t>
+            </a:r>
+            <a:endParaRPr lang="en-US" sz="1600" dirty="0">
+              <a:solidFill>
+                <a:srgbClr val="7030A0"/>
+              </a:solidFill>
+            </a:endParaRPr>
           </a:p>
         </p:txBody>
       </p:sp>
     </p:spTree>
     <p:extLst>
       <p:ext uri="{BB962C8B-B14F-4D97-AF65-F5344CB8AC3E}">
-        <p14:creationId xmlns:p14="http://schemas.microsoft.com/office/powerpoint/2010/main" val="2344540837"/>
+        <p14:creationId xmlns:p14="http://schemas.microsoft.com/office/powerpoint/2010/main" val="991377956"/>
       </p:ext>
     </p:extLst>
   </p:cSld>
@@ -3600,6 +3814,520 @@
 </file>
 
 <file path=ppt/slides/slide13.xml><?xml version="1.0" encoding="utf-8"?>
+<p:sld xmlns:a="http://schemas.openxmlformats.org/drawingml/2006/main" xmlns:r="http://schemas.openxmlformats.org/officeDocument/2006/relationships" xmlns:p="http://schemas.openxmlformats.org/presentationml/2006/main">
+  <p:cSld>
+    <p:spTree>
+      <p:nvGrpSpPr>
+        <p:cNvPr id="1" name=""/>
+        <p:cNvGrpSpPr/>
+        <p:nvPr/>
+      </p:nvGrpSpPr>
+      <p:grpSpPr>
+        <a:xfrm>
+          <a:off x="0" y="0"/>
+          <a:ext cx="0" cy="0"/>
+          <a:chOff x="0" y="0"/>
+          <a:chExt cx="0" cy="0"/>
+        </a:xfrm>
+      </p:grpSpPr>
+      <p:sp>
+        <p:nvSpPr>
+          <p:cNvPr id="2" name="Title 1"/>
+          <p:cNvSpPr>
+            <a:spLocks noGrp="1"/>
+          </p:cNvSpPr>
+          <p:nvPr>
+            <p:ph type="title"/>
+          </p:nvPr>
+        </p:nvSpPr>
+        <p:spPr/>
+        <p:txBody>
+          <a:bodyPr/>
+          <a:lstStyle/>
+          <a:p>
+            <a:r>
+              <a:rPr lang="en-US" dirty="0" smtClean="0"/>
+              <a:t>Contributions</a:t>
+            </a:r>
+            <a:endParaRPr lang="en-US" dirty="0"/>
+          </a:p>
+        </p:txBody>
+      </p:sp>
+      <p:sp>
+        <p:nvSpPr>
+          <p:cNvPr id="3" name="Content Placeholder 2"/>
+          <p:cNvSpPr>
+            <a:spLocks noGrp="1"/>
+          </p:cNvSpPr>
+          <p:nvPr>
+            <p:ph idx="1"/>
+          </p:nvPr>
+        </p:nvSpPr>
+        <p:spPr/>
+        <p:txBody>
+          <a:bodyPr/>
+          <a:lstStyle/>
+          <a:p>
+            <a:r>
+              <a:rPr lang="en-US" dirty="0" smtClean="0"/>
+              <a:t>Performance:</a:t>
+            </a:r>
+          </a:p>
+          <a:p>
+            <a:pPr lvl="1">
+              <a:buFont typeface="Wingdings" panose="05000000000000000000" pitchFamily="2" charset="2"/>
+              <a:buChar char="ü"/>
+            </a:pPr>
+            <a:r>
+              <a:rPr lang="en-US" dirty="0" smtClean="0"/>
+              <a:t> Geo-information: geo-location and hashtag information</a:t>
+            </a:r>
+          </a:p>
+          <a:p>
+            <a:pPr marL="457200" lvl="1" indent="0">
+              <a:buNone/>
+            </a:pPr>
+            <a:r>
+              <a:rPr lang="en-US" dirty="0" smtClean="0"/>
+              <a:t> </a:t>
+            </a:r>
+          </a:p>
+        </p:txBody>
+      </p:sp>
+      <p:pic>
+        <p:nvPicPr>
+          <p:cNvPr id="5" name="Picture 4"/>
+          <p:cNvPicPr>
+            <a:picLocks noChangeAspect="1"/>
+          </p:cNvPicPr>
+          <p:nvPr/>
+        </p:nvPicPr>
+        <p:blipFill>
+          <a:blip r:embed="rId2"/>
+          <a:stretch>
+            <a:fillRect/>
+          </a:stretch>
+        </p:blipFill>
+        <p:spPr>
+          <a:xfrm>
+            <a:off x="4851400" y="2776340"/>
+            <a:ext cx="5141181" cy="3713360"/>
+          </a:xfrm>
+          <a:prstGeom prst="rect">
+            <a:avLst/>
+          </a:prstGeom>
+        </p:spPr>
+      </p:pic>
+    </p:spTree>
+    <p:extLst>
+      <p:ext uri="{BB962C8B-B14F-4D97-AF65-F5344CB8AC3E}">
+        <p14:creationId xmlns:p14="http://schemas.microsoft.com/office/powerpoint/2010/main" val="510729355"/>
+      </p:ext>
+    </p:extLst>
+  </p:cSld>
+  <p:clrMapOvr>
+    <a:masterClrMapping/>
+  </p:clrMapOvr>
+</p:sld>
+</file>
+
+<file path=ppt/slides/slide14.xml><?xml version="1.0" encoding="utf-8"?>
+<p:sld xmlns:a="http://schemas.openxmlformats.org/drawingml/2006/main" xmlns:r="http://schemas.openxmlformats.org/officeDocument/2006/relationships" xmlns:p="http://schemas.openxmlformats.org/presentationml/2006/main">
+  <p:cSld>
+    <p:spTree>
+      <p:nvGrpSpPr>
+        <p:cNvPr id="1" name=""/>
+        <p:cNvGrpSpPr/>
+        <p:nvPr/>
+      </p:nvGrpSpPr>
+      <p:grpSpPr>
+        <a:xfrm>
+          <a:off x="0" y="0"/>
+          <a:ext cx="0" cy="0"/>
+          <a:chOff x="0" y="0"/>
+          <a:chExt cx="0" cy="0"/>
+        </a:xfrm>
+      </p:grpSpPr>
+      <p:sp>
+        <p:nvSpPr>
+          <p:cNvPr id="2" name="Title 1"/>
+          <p:cNvSpPr>
+            <a:spLocks noGrp="1"/>
+          </p:cNvSpPr>
+          <p:nvPr>
+            <p:ph type="title"/>
+          </p:nvPr>
+        </p:nvSpPr>
+        <p:spPr/>
+        <p:txBody>
+          <a:bodyPr/>
+          <a:lstStyle/>
+          <a:p>
+            <a:r>
+              <a:rPr lang="en-US" dirty="0" smtClean="0"/>
+              <a:t>Contributions</a:t>
+            </a:r>
+            <a:endParaRPr lang="en-US" dirty="0"/>
+          </a:p>
+        </p:txBody>
+      </p:sp>
+      <p:sp>
+        <p:nvSpPr>
+          <p:cNvPr id="3" name="Content Placeholder 2"/>
+          <p:cNvSpPr>
+            <a:spLocks noGrp="1"/>
+          </p:cNvSpPr>
+          <p:nvPr>
+            <p:ph idx="1"/>
+          </p:nvPr>
+        </p:nvSpPr>
+        <p:spPr/>
+        <p:txBody>
+          <a:bodyPr/>
+          <a:lstStyle/>
+          <a:p>
+            <a:r>
+              <a:rPr lang="en-US" dirty="0" smtClean="0"/>
+              <a:t>Accuracy:</a:t>
+            </a:r>
+          </a:p>
+          <a:p>
+            <a:pPr lvl="1">
+              <a:buFont typeface="Wingdings" panose="05000000000000000000" pitchFamily="2" charset="2"/>
+              <a:buChar char="ü"/>
+            </a:pPr>
+            <a:r>
+              <a:rPr lang="en-US" dirty="0" smtClean="0"/>
+              <a:t> </a:t>
+            </a:r>
+            <a:r>
+              <a:rPr lang="en-US" dirty="0" err="1" smtClean="0"/>
+              <a:t>Privated</a:t>
+            </a:r>
+            <a:r>
+              <a:rPr lang="en-US" dirty="0" smtClean="0"/>
+              <a:t> (Semantic) features</a:t>
+            </a:r>
+          </a:p>
+          <a:p>
+            <a:pPr lvl="1">
+              <a:buFont typeface="Wingdings" panose="05000000000000000000" pitchFamily="2" charset="2"/>
+              <a:buChar char="ü"/>
+            </a:pPr>
+            <a:r>
+              <a:rPr lang="en-US" dirty="0" smtClean="0"/>
+              <a:t>Style features</a:t>
+            </a:r>
+          </a:p>
+          <a:p>
+            <a:pPr lvl="1">
+              <a:buFont typeface="Wingdings" panose="05000000000000000000" pitchFamily="2" charset="2"/>
+              <a:buChar char="ü"/>
+            </a:pPr>
+            <a:r>
+              <a:rPr lang="en-US" dirty="0" smtClean="0"/>
+              <a:t>Guessing features</a:t>
+            </a:r>
+          </a:p>
+          <a:p>
+            <a:pPr marL="0" indent="0">
+              <a:buNone/>
+            </a:pPr>
+            <a:r>
+              <a:rPr lang="en-US" dirty="0" smtClean="0"/>
+              <a:t>	</a:t>
+            </a:r>
+            <a:endParaRPr lang="en-US" dirty="0"/>
+          </a:p>
+        </p:txBody>
+      </p:sp>
+    </p:spTree>
+    <p:extLst>
+      <p:ext uri="{BB962C8B-B14F-4D97-AF65-F5344CB8AC3E}">
+        <p14:creationId xmlns:p14="http://schemas.microsoft.com/office/powerpoint/2010/main" val="2676345400"/>
+      </p:ext>
+    </p:extLst>
+  </p:cSld>
+  <p:clrMapOvr>
+    <a:masterClrMapping/>
+  </p:clrMapOvr>
+</p:sld>
+</file>
+
+<file path=ppt/slides/slide15.xml><?xml version="1.0" encoding="utf-8"?>
+<p:sld xmlns:a="http://schemas.openxmlformats.org/drawingml/2006/main" xmlns:r="http://schemas.openxmlformats.org/officeDocument/2006/relationships" xmlns:p="http://schemas.openxmlformats.org/presentationml/2006/main">
+  <p:cSld>
+    <p:spTree>
+      <p:nvGrpSpPr>
+        <p:cNvPr id="1" name=""/>
+        <p:cNvGrpSpPr/>
+        <p:nvPr/>
+      </p:nvGrpSpPr>
+      <p:grpSpPr>
+        <a:xfrm>
+          <a:off x="0" y="0"/>
+          <a:ext cx="0" cy="0"/>
+          <a:chOff x="0" y="0"/>
+          <a:chExt cx="0" cy="0"/>
+        </a:xfrm>
+      </p:grpSpPr>
+      <p:sp>
+        <p:nvSpPr>
+          <p:cNvPr id="2" name="Title 1"/>
+          <p:cNvSpPr>
+            <a:spLocks noGrp="1"/>
+          </p:cNvSpPr>
+          <p:nvPr>
+            <p:ph type="title"/>
+          </p:nvPr>
+        </p:nvSpPr>
+        <p:spPr/>
+        <p:txBody>
+          <a:bodyPr/>
+          <a:lstStyle/>
+          <a:p>
+            <a:r>
+              <a:rPr lang="en-US" dirty="0" smtClean="0"/>
+              <a:t>Contributions</a:t>
+            </a:r>
+            <a:endParaRPr lang="en-US" dirty="0"/>
+          </a:p>
+        </p:txBody>
+      </p:sp>
+      <p:pic>
+        <p:nvPicPr>
+          <p:cNvPr id="4" name="Picture 3"/>
+          <p:cNvPicPr>
+            <a:picLocks noChangeAspect="1"/>
+          </p:cNvPicPr>
+          <p:nvPr/>
+        </p:nvPicPr>
+        <p:blipFill>
+          <a:blip r:embed="rId2"/>
+          <a:stretch>
+            <a:fillRect/>
+          </a:stretch>
+        </p:blipFill>
+        <p:spPr>
+          <a:xfrm>
+            <a:off x="4300500" y="1562451"/>
+            <a:ext cx="6530060" cy="4869973"/>
+          </a:xfrm>
+          <a:prstGeom prst="rect">
+            <a:avLst/>
+          </a:prstGeom>
+        </p:spPr>
+      </p:pic>
+    </p:spTree>
+    <p:extLst>
+      <p:ext uri="{BB962C8B-B14F-4D97-AF65-F5344CB8AC3E}">
+        <p14:creationId xmlns:p14="http://schemas.microsoft.com/office/powerpoint/2010/main" val="3131850597"/>
+      </p:ext>
+    </p:extLst>
+  </p:cSld>
+  <p:clrMapOvr>
+    <a:masterClrMapping/>
+  </p:clrMapOvr>
+</p:sld>
+</file>
+
+<file path=ppt/slides/slide16.xml><?xml version="1.0" encoding="utf-8"?>
+<p:sld xmlns:a="http://schemas.openxmlformats.org/drawingml/2006/main" xmlns:r="http://schemas.openxmlformats.org/officeDocument/2006/relationships" xmlns:p="http://schemas.openxmlformats.org/presentationml/2006/main">
+  <p:cSld>
+    <p:spTree>
+      <p:nvGrpSpPr>
+        <p:cNvPr id="1" name=""/>
+        <p:cNvGrpSpPr/>
+        <p:nvPr/>
+      </p:nvGrpSpPr>
+      <p:grpSpPr>
+        <a:xfrm>
+          <a:off x="0" y="0"/>
+          <a:ext cx="0" cy="0"/>
+          <a:chOff x="0" y="0"/>
+          <a:chExt cx="0" cy="0"/>
+        </a:xfrm>
+      </p:grpSpPr>
+      <p:sp>
+        <p:nvSpPr>
+          <p:cNvPr id="2" name="Title 1"/>
+          <p:cNvSpPr>
+            <a:spLocks noGrp="1"/>
+          </p:cNvSpPr>
+          <p:nvPr>
+            <p:ph type="title"/>
+          </p:nvPr>
+        </p:nvSpPr>
+        <p:spPr/>
+        <p:txBody>
+          <a:bodyPr/>
+          <a:lstStyle/>
+          <a:p>
+            <a:r>
+              <a:rPr lang="en-US" dirty="0" smtClean="0"/>
+              <a:t>Contribution</a:t>
+            </a:r>
+            <a:endParaRPr lang="en-US" dirty="0"/>
+          </a:p>
+        </p:txBody>
+      </p:sp>
+      <p:sp>
+        <p:nvSpPr>
+          <p:cNvPr id="3" name="Content Placeholder 2"/>
+          <p:cNvSpPr>
+            <a:spLocks noGrp="1"/>
+          </p:cNvSpPr>
+          <p:nvPr>
+            <p:ph idx="1"/>
+          </p:nvPr>
+        </p:nvSpPr>
+        <p:spPr/>
+        <p:txBody>
+          <a:bodyPr/>
+          <a:lstStyle/>
+          <a:p>
+            <a:r>
+              <a:rPr lang="en-US" dirty="0" smtClean="0"/>
+              <a:t>Visualize the artwork features:</a:t>
+            </a:r>
+          </a:p>
+          <a:p>
+            <a:pPr lvl="1">
+              <a:buFont typeface="Wingdings" panose="05000000000000000000" pitchFamily="2" charset="2"/>
+              <a:buChar char="ü"/>
+            </a:pPr>
+            <a:r>
+              <a:rPr lang="en-US" dirty="0" smtClean="0"/>
+              <a:t> Generate the holographic object</a:t>
+            </a:r>
+          </a:p>
+          <a:p>
+            <a:pPr lvl="1">
+              <a:buFont typeface="Wingdings" panose="05000000000000000000" pitchFamily="2" charset="2"/>
+              <a:buChar char="ü"/>
+            </a:pPr>
+            <a:r>
+              <a:rPr lang="en-US" dirty="0" smtClean="0"/>
+              <a:t> Generate the augmented reality display</a:t>
+            </a:r>
+          </a:p>
+          <a:p>
+            <a:pPr lvl="1">
+              <a:buFont typeface="Wingdings" panose="05000000000000000000" pitchFamily="2" charset="2"/>
+              <a:buChar char="ü"/>
+            </a:pPr>
+            <a:r>
+              <a:rPr lang="en-US" dirty="0"/>
+              <a:t> </a:t>
+            </a:r>
+            <a:r>
+              <a:rPr lang="en-US" dirty="0" smtClean="0"/>
+              <a:t>Generate the virtual reality display</a:t>
+            </a:r>
+          </a:p>
+          <a:p>
+            <a:pPr lvl="1"/>
+            <a:endParaRPr lang="en-US" dirty="0" smtClean="0"/>
+          </a:p>
+          <a:p>
+            <a:pPr marL="0" indent="0">
+              <a:buNone/>
+            </a:pPr>
+            <a:endParaRPr lang="en-US" dirty="0"/>
+          </a:p>
+        </p:txBody>
+      </p:sp>
+    </p:spTree>
+    <p:extLst>
+      <p:ext uri="{BB962C8B-B14F-4D97-AF65-F5344CB8AC3E}">
+        <p14:creationId xmlns:p14="http://schemas.microsoft.com/office/powerpoint/2010/main" val="2345528951"/>
+      </p:ext>
+    </p:extLst>
+  </p:cSld>
+  <p:clrMapOvr>
+    <a:masterClrMapping/>
+  </p:clrMapOvr>
+</p:sld>
+</file>
+
+<file path=ppt/slides/slide17.xml><?xml version="1.0" encoding="utf-8"?>
+<p:sld xmlns:a="http://schemas.openxmlformats.org/drawingml/2006/main" xmlns:r="http://schemas.openxmlformats.org/officeDocument/2006/relationships" xmlns:p="http://schemas.openxmlformats.org/presentationml/2006/main">
+  <p:cSld>
+    <p:spTree>
+      <p:nvGrpSpPr>
+        <p:cNvPr id="1" name=""/>
+        <p:cNvGrpSpPr/>
+        <p:nvPr/>
+      </p:nvGrpSpPr>
+      <p:grpSpPr>
+        <a:xfrm>
+          <a:off x="0" y="0"/>
+          <a:ext cx="0" cy="0"/>
+          <a:chOff x="0" y="0"/>
+          <a:chExt cx="0" cy="0"/>
+        </a:xfrm>
+      </p:grpSpPr>
+      <p:sp>
+        <p:nvSpPr>
+          <p:cNvPr id="2" name="Title 1"/>
+          <p:cNvSpPr>
+            <a:spLocks noGrp="1"/>
+          </p:cNvSpPr>
+          <p:nvPr>
+            <p:ph type="title"/>
+          </p:nvPr>
+        </p:nvSpPr>
+        <p:spPr/>
+        <p:txBody>
+          <a:bodyPr/>
+          <a:lstStyle/>
+          <a:p>
+            <a:r>
+              <a:rPr lang="en-US" dirty="0" smtClean="0"/>
+              <a:t>Contributions</a:t>
+            </a:r>
+            <a:endParaRPr lang="en-US" dirty="0"/>
+          </a:p>
+        </p:txBody>
+      </p:sp>
+      <p:pic>
+        <p:nvPicPr>
+          <p:cNvPr id="4" name="Picture 3"/>
+          <p:cNvPicPr>
+            <a:picLocks noChangeAspect="1"/>
+          </p:cNvPicPr>
+          <p:nvPr/>
+        </p:nvPicPr>
+        <p:blipFill>
+          <a:blip r:embed="rId2"/>
+          <a:stretch>
+            <a:fillRect/>
+          </a:stretch>
+        </p:blipFill>
+        <p:spPr>
+          <a:xfrm>
+            <a:off x="3445073" y="1507496"/>
+            <a:ext cx="7925310" cy="4918703"/>
+          </a:xfrm>
+          <a:prstGeom prst="rect">
+            <a:avLst/>
+          </a:prstGeom>
+        </p:spPr>
+      </p:pic>
+    </p:spTree>
+    <p:extLst>
+      <p:ext uri="{BB962C8B-B14F-4D97-AF65-F5344CB8AC3E}">
+        <p14:creationId xmlns:p14="http://schemas.microsoft.com/office/powerpoint/2010/main" val="2567603333"/>
+      </p:ext>
+    </p:extLst>
+  </p:cSld>
+  <p:clrMapOvr>
+    <a:masterClrMapping/>
+  </p:clrMapOvr>
+</p:sld>
+</file>
+
+<file path=ppt/slides/slide18.xml><?xml version="1.0" encoding="utf-8"?>
 <p:sld xmlns:a="http://schemas.openxmlformats.org/drawingml/2006/main" xmlns:r="http://schemas.openxmlformats.org/officeDocument/2006/relationships" xmlns:p="http://schemas.openxmlformats.org/presentationml/2006/main" showMasterSp="0">
   <p:cSld>
     <p:spTree>
@@ -3628,14 +4356,12 @@
         </p:nvSpPr>
         <p:spPr/>
         <p:txBody>
-          <a:bodyPr>
-            <a:normAutofit/>
-          </a:bodyPr>
+          <a:bodyPr/>
           <a:lstStyle/>
           <a:p>
             <a:r>
               <a:rPr lang="en-US" dirty="0" smtClean="0"/>
-              <a:t>Methodology</a:t>
+              <a:t>Objectives</a:t>
             </a:r>
             <a:endParaRPr lang="en-US" dirty="0"/>
           </a:p>
@@ -3653,6 +4379,174 @@
         </p:nvSpPr>
         <p:spPr>
           <a:xfrm>
+            <a:off x="3095897" y="1537062"/>
+            <a:ext cx="8623663" cy="4387352"/>
+          </a:xfrm>
+        </p:spPr>
+        <p:txBody>
+          <a:bodyPr>
+            <a:normAutofit/>
+          </a:bodyPr>
+          <a:lstStyle/>
+          <a:p>
+            <a:pPr algn="just"/>
+            <a:r>
+              <a:rPr lang="en-US" sz="2000" dirty="0" smtClean="0"/>
+              <a:t>Enhance privacy virtual assistance in Library and Museum </a:t>
+            </a:r>
+          </a:p>
+          <a:p>
+            <a:pPr algn="just"/>
+            <a:r>
+              <a:rPr lang="en-US" sz="2000" dirty="0" smtClean="0"/>
+              <a:t>Improve </a:t>
+            </a:r>
+            <a:r>
+              <a:rPr lang="en-US" sz="2000" dirty="0" smtClean="0"/>
+              <a:t>the accuracy and performance of object recognizing to detect the “</a:t>
+            </a:r>
+            <a:r>
+              <a:rPr lang="en-US" sz="2000" dirty="0" smtClean="0"/>
+              <a:t>private (semantic) </a:t>
+            </a:r>
+            <a:r>
+              <a:rPr lang="en-US" sz="2000" dirty="0" smtClean="0"/>
+              <a:t>feature” of each artwork, specimen in the museum,  or person, car, furniture, the original of items, etc., </a:t>
+            </a:r>
+          </a:p>
+          <a:p>
+            <a:pPr algn="just"/>
+            <a:r>
+              <a:rPr lang="en-US" sz="2000" dirty="0" smtClean="0"/>
+              <a:t>Design </a:t>
+            </a:r>
+            <a:r>
+              <a:rPr lang="en-US" sz="2000" dirty="0" smtClean="0"/>
+              <a:t>automatically category mechanism for object recognition, and application development as well as for detecting </a:t>
+            </a:r>
+            <a:r>
+              <a:rPr lang="en-US" sz="2000" dirty="0"/>
+              <a:t>“private (semantic) feature</a:t>
+            </a:r>
+            <a:r>
+              <a:rPr lang="en-US" sz="2000" dirty="0" smtClean="0"/>
+              <a:t>” of each artwork and specimen</a:t>
+            </a:r>
+          </a:p>
+          <a:p>
+            <a:pPr algn="just"/>
+            <a:r>
+              <a:rPr lang="en-US" sz="2000" dirty="0" smtClean="0"/>
+              <a:t>Develop </a:t>
+            </a:r>
+            <a:r>
+              <a:rPr lang="en-US" sz="2000" dirty="0" smtClean="0"/>
+              <a:t>algorithms and applications based on the given metadata of the library, museum, or open </a:t>
+            </a:r>
+            <a:r>
+              <a:rPr lang="en-US" sz="2000" dirty="0" smtClean="0"/>
+              <a:t>data</a:t>
+            </a:r>
+          </a:p>
+          <a:p>
+            <a:pPr algn="just"/>
+            <a:r>
+              <a:rPr lang="en-US" sz="2000" dirty="0" smtClean="0"/>
+              <a:t>Develop algorithm to generate the 4 sides of an object based on this one’s front side</a:t>
+            </a:r>
+          </a:p>
+          <a:p>
+            <a:pPr algn="just"/>
+            <a:r>
+              <a:rPr lang="en-US" sz="2000" dirty="0" smtClean="0"/>
+              <a:t>Optimize the performance of search algorithm by considering the boundary of the items</a:t>
+            </a:r>
+          </a:p>
+          <a:p>
+            <a:pPr algn="just"/>
+            <a:endParaRPr lang="en-US" sz="2000" dirty="0" smtClean="0"/>
+          </a:p>
+          <a:p>
+            <a:pPr marL="0" indent="0" algn="just">
+              <a:buNone/>
+            </a:pPr>
+            <a:endParaRPr lang="en-US" sz="2000" dirty="0" smtClean="0"/>
+          </a:p>
+          <a:p>
+            <a:pPr marL="0" indent="0" algn="just">
+              <a:buNone/>
+            </a:pPr>
+            <a:endParaRPr lang="en-US" sz="2000" dirty="0"/>
+          </a:p>
+        </p:txBody>
+      </p:sp>
+    </p:spTree>
+    <p:extLst>
+      <p:ext uri="{BB962C8B-B14F-4D97-AF65-F5344CB8AC3E}">
+        <p14:creationId xmlns:p14="http://schemas.microsoft.com/office/powerpoint/2010/main" val="2344540837"/>
+      </p:ext>
+    </p:extLst>
+  </p:cSld>
+  <p:clrMapOvr>
+    <a:masterClrMapping/>
+  </p:clrMapOvr>
+</p:sld>
+</file>
+
+<file path=ppt/slides/slide19.xml><?xml version="1.0" encoding="utf-8"?>
+<p:sld xmlns:a="http://schemas.openxmlformats.org/drawingml/2006/main" xmlns:r="http://schemas.openxmlformats.org/officeDocument/2006/relationships" xmlns:p="http://schemas.openxmlformats.org/presentationml/2006/main" showMasterSp="0">
+  <p:cSld>
+    <p:spTree>
+      <p:nvGrpSpPr>
+        <p:cNvPr id="1" name=""/>
+        <p:cNvGrpSpPr/>
+        <p:nvPr/>
+      </p:nvGrpSpPr>
+      <p:grpSpPr>
+        <a:xfrm>
+          <a:off x="0" y="0"/>
+          <a:ext cx="0" cy="0"/>
+          <a:chOff x="0" y="0"/>
+          <a:chExt cx="0" cy="0"/>
+        </a:xfrm>
+      </p:grpSpPr>
+      <p:sp>
+        <p:nvSpPr>
+          <p:cNvPr id="2" name="Title 1"/>
+          <p:cNvSpPr>
+            <a:spLocks noGrp="1"/>
+          </p:cNvSpPr>
+          <p:nvPr>
+            <p:ph type="title"/>
+          </p:nvPr>
+        </p:nvSpPr>
+        <p:spPr/>
+        <p:txBody>
+          <a:bodyPr>
+            <a:normAutofit/>
+          </a:bodyPr>
+          <a:lstStyle/>
+          <a:p>
+            <a:r>
+              <a:rPr lang="en-US" dirty="0" smtClean="0"/>
+              <a:t>Methodology</a:t>
+            </a:r>
+            <a:endParaRPr lang="en-US" dirty="0"/>
+          </a:p>
+        </p:txBody>
+      </p:sp>
+      <p:sp>
+        <p:nvSpPr>
+          <p:cNvPr id="3" name="Content Placeholder 2"/>
+          <p:cNvSpPr>
+            <a:spLocks noGrp="1"/>
+          </p:cNvSpPr>
+          <p:nvPr>
+            <p:ph idx="1"/>
+          </p:nvPr>
+        </p:nvSpPr>
+        <p:spPr>
+          <a:xfrm>
             <a:off x="3095897" y="1609859"/>
             <a:ext cx="8623663" cy="4855335"/>
           </a:xfrm>
@@ -3665,104 +4559,94 @@
           <a:p>
             <a:pPr algn="just"/>
             <a:r>
-              <a:rPr lang="en-US" sz="1800" dirty="0" smtClean="0"/>
-              <a:t>Exploit the Artificial, Deep, Recurrent, Convolutional neural networks (</a:t>
-            </a:r>
-            <a:r>
-              <a:rPr lang="en-US" sz="1800" dirty="0" smtClean="0"/>
-              <a:t>ANN,DNN,RNN,CNN</a:t>
-            </a:r>
-            <a:r>
-              <a:rPr lang="en-US" sz="1800" dirty="0" smtClean="0"/>
-              <a:t>), Supervised, Unsupervised, and Deep </a:t>
-            </a:r>
-            <a:r>
-              <a:rPr lang="en-US" sz="1800" dirty="0" smtClean="0"/>
-              <a:t>Reinforcement </a:t>
-            </a:r>
-            <a:r>
-              <a:rPr lang="en-US" sz="1800" dirty="0" smtClean="0"/>
-              <a:t>learning, </a:t>
-            </a:r>
-            <a:r>
-              <a:rPr lang="en-US" sz="1800" dirty="0" smtClean="0"/>
-              <a:t>Search Engine </a:t>
-            </a:r>
-            <a:r>
-              <a:rPr lang="en-US" sz="1800" dirty="0" smtClean="0"/>
-              <a:t>algorithm to improve the quality of object recognition</a:t>
-            </a:r>
-            <a:r>
-              <a:rPr lang="en-US" sz="1800" dirty="0" smtClean="0"/>
-              <a:t>.</a:t>
+              <a:rPr lang="en-US" sz="1600" dirty="0" smtClean="0"/>
+              <a:t>Exploit the Artificial, Deep, Recurrent, Convolutional neural networks (ANN,DNN,RNN,CNN), Supervised, Unsupervised, and Deep Reinforcement learning, Search Engine algorithm to improve the quality of object recognition.</a:t>
             </a:r>
           </a:p>
           <a:p>
             <a:pPr algn="just"/>
             <a:r>
-              <a:rPr lang="en-US" sz="1800" dirty="0" smtClean="0"/>
+              <a:rPr lang="en-US" sz="1600" dirty="0" smtClean="0"/>
               <a:t>Generate the Holographic, Virtual and </a:t>
             </a:r>
             <a:r>
-              <a:rPr lang="en-US" sz="1800" dirty="0"/>
+              <a:rPr lang="en-US" sz="1600" dirty="0"/>
               <a:t>Augmented </a:t>
             </a:r>
             <a:r>
-              <a:rPr lang="en-US" sz="1800" dirty="0" smtClean="0"/>
+              <a:rPr lang="en-US" sz="1600" dirty="0" smtClean="0"/>
               <a:t>reality to make an impressive and efficient visual item</a:t>
             </a:r>
-            <a:endParaRPr lang="en-US" sz="1800" dirty="0" smtClean="0"/>
           </a:p>
           <a:p>
             <a:pPr algn="just"/>
             <a:r>
-              <a:rPr lang="en-US" sz="1800" dirty="0" smtClean="0"/>
+              <a:rPr lang="en-US" sz="1600" dirty="0" smtClean="0"/>
               <a:t>Apply a natural language user interface to attempt to answer questions, make recommendation, and perform actions by delegating requests to a set of Internet services</a:t>
             </a:r>
           </a:p>
           <a:p>
             <a:pPr algn="just"/>
             <a:r>
-              <a:rPr lang="en-US" sz="1800" dirty="0" smtClean="0"/>
-              <a:t>Build-up </a:t>
-            </a:r>
-            <a:r>
-              <a:rPr lang="en-US" sz="1800" dirty="0" smtClean="0"/>
-              <a:t>machine learning algorithms and artificial intelligence in order to recognize, analyze and make the explanation of a given object by using smartphone camera</a:t>
-            </a:r>
-            <a:r>
-              <a:rPr lang="en-US" sz="1800" dirty="0" smtClean="0"/>
-              <a:t>.</a:t>
+              <a:rPr lang="en-US" sz="1600" dirty="0" smtClean="0"/>
+              <a:t>Build-up machine learning algorithms and artificial intelligence in order to recognize, analyze and make the explanation of a given object by using smartphone camera.</a:t>
             </a:r>
           </a:p>
           <a:p>
             <a:pPr algn="just"/>
             <a:r>
-              <a:rPr lang="en-US" sz="1800" dirty="0" smtClean="0"/>
+              <a:rPr lang="en-US" sz="1600" dirty="0" smtClean="0"/>
               <a:t>Optimizing and improving the performance of system by considering the boundary geolocation of items </a:t>
             </a:r>
           </a:p>
           <a:p>
             <a:pPr algn="just"/>
             <a:r>
-              <a:rPr lang="en-US" sz="1800" dirty="0" smtClean="0"/>
-              <a:t>Make </a:t>
-            </a:r>
-            <a:r>
-              <a:rPr lang="en-US" sz="1800" dirty="0" smtClean="0"/>
-              <a:t>the approximated verification method to confirm the accuracy of generated information </a:t>
-            </a:r>
+              <a:rPr lang="en-US" sz="1600" dirty="0" smtClean="0"/>
+              <a:t>Make the approximated verification method to confirm the accuracy of generated information </a:t>
+            </a:r>
+            <a:endParaRPr lang="en-US" sz="1600" dirty="0" smtClean="0"/>
           </a:p>
           <a:p>
             <a:pPr algn="just"/>
             <a:r>
-              <a:rPr lang="en-US" sz="1800" dirty="0" smtClean="0"/>
+              <a:rPr lang="en-US" sz="1600" dirty="0" smtClean="0"/>
+              <a:t>Generate the </a:t>
+            </a:r>
+            <a:r>
+              <a:rPr lang="en-US" sz="1600" dirty="0" smtClean="0"/>
+              <a:t> </a:t>
+            </a:r>
+            <a:r>
+              <a:rPr lang="en-US" sz="1600" dirty="0"/>
+              <a:t>4 sides of an object based on this one’s front </a:t>
+            </a:r>
+            <a:r>
+              <a:rPr lang="en-US" sz="1600" dirty="0" smtClean="0"/>
+              <a:t>side by estimating and predicting the characters of each side</a:t>
+            </a:r>
+            <a:endParaRPr lang="en-US" sz="1600" dirty="0"/>
+          </a:p>
+          <a:p>
+            <a:pPr algn="just"/>
+            <a:r>
+              <a:rPr lang="en-US" sz="1600" dirty="0" smtClean="0"/>
               <a:t>Update </a:t>
             </a:r>
             <a:r>
-              <a:rPr lang="en-US" sz="1800" dirty="0" smtClean="0"/>
-              <a:t>the knowledge of the system based on the users’ contributions</a:t>
-            </a:r>
+              <a:rPr lang="en-US" sz="1600" dirty="0" smtClean="0"/>
+              <a:t>the knowledge of the system based on the users’ </a:t>
+            </a:r>
+            <a:r>
+              <a:rPr lang="en-US" sz="1600" dirty="0" smtClean="0"/>
+              <a:t>contributions</a:t>
+            </a:r>
+          </a:p>
+          <a:p>
+            <a:pPr marL="0" indent="0" algn="just">
+              <a:buNone/>
+            </a:pPr>
+            <a:endParaRPr lang="en-US" sz="1600" dirty="0" smtClean="0"/>
           </a:p>
         </p:txBody>
       </p:sp>
@@ -3779,7 +4663,140 @@
 </p:sld>
 </file>
 
-<file path=ppt/slides/slide14.xml><?xml version="1.0" encoding="utf-8"?>
+<file path=ppt/slides/slide2.xml><?xml version="1.0" encoding="utf-8"?>
+<p:sld xmlns:a="http://schemas.openxmlformats.org/drawingml/2006/main" xmlns:r="http://schemas.openxmlformats.org/officeDocument/2006/relationships" xmlns:p="http://schemas.openxmlformats.org/presentationml/2006/main" showMasterSp="0">
+  <p:cSld>
+    <p:spTree>
+      <p:nvGrpSpPr>
+        <p:cNvPr id="1" name=""/>
+        <p:cNvGrpSpPr/>
+        <p:nvPr/>
+      </p:nvGrpSpPr>
+      <p:grpSpPr>
+        <a:xfrm>
+          <a:off x="0" y="0"/>
+          <a:ext cx="0" cy="0"/>
+          <a:chOff x="0" y="0"/>
+          <a:chExt cx="0" cy="0"/>
+        </a:xfrm>
+      </p:grpSpPr>
+      <p:sp>
+        <p:nvSpPr>
+          <p:cNvPr id="2" name="Title 1"/>
+          <p:cNvSpPr>
+            <a:spLocks noGrp="1"/>
+          </p:cNvSpPr>
+          <p:nvPr>
+            <p:ph type="title"/>
+          </p:nvPr>
+        </p:nvSpPr>
+        <p:spPr/>
+        <p:txBody>
+          <a:bodyPr/>
+          <a:lstStyle/>
+          <a:p>
+            <a:r>
+              <a:rPr lang="en-US" dirty="0" smtClean="0"/>
+              <a:t>Outline</a:t>
+            </a:r>
+            <a:endParaRPr lang="en-US" dirty="0"/>
+          </a:p>
+        </p:txBody>
+      </p:sp>
+      <p:sp>
+        <p:nvSpPr>
+          <p:cNvPr id="3" name="Content Placeholder 2"/>
+          <p:cNvSpPr>
+            <a:spLocks noGrp="1"/>
+          </p:cNvSpPr>
+          <p:nvPr>
+            <p:ph idx="1"/>
+          </p:nvPr>
+        </p:nvSpPr>
+        <p:spPr/>
+        <p:txBody>
+          <a:bodyPr/>
+          <a:lstStyle/>
+          <a:p>
+            <a:r>
+              <a:rPr lang="en-US" dirty="0" smtClean="0"/>
+              <a:t>Motivation</a:t>
+            </a:r>
+          </a:p>
+          <a:p>
+            <a:pPr lvl="1"/>
+            <a:r>
+              <a:rPr lang="en-US" dirty="0" smtClean="0"/>
+              <a:t>Artificial intelligence (AI) forecast</a:t>
+            </a:r>
+          </a:p>
+          <a:p>
+            <a:pPr lvl="1"/>
+            <a:r>
+              <a:rPr lang="en-US" dirty="0" smtClean="0"/>
+              <a:t>AI virtual assistance </a:t>
+            </a:r>
+          </a:p>
+          <a:p>
+            <a:r>
+              <a:rPr lang="en-US" dirty="0" smtClean="0"/>
+              <a:t>Literature review</a:t>
+            </a:r>
+          </a:p>
+          <a:p>
+            <a:r>
+              <a:rPr lang="en-US" dirty="0" smtClean="0"/>
+              <a:t>Challenges</a:t>
+            </a:r>
+          </a:p>
+          <a:p>
+            <a:r>
+              <a:rPr lang="en-US" dirty="0" smtClean="0"/>
+              <a:t>Objectives</a:t>
+            </a:r>
+          </a:p>
+          <a:p>
+            <a:r>
+              <a:rPr lang="en-US" dirty="0" smtClean="0"/>
+              <a:t>Methodology</a:t>
+            </a:r>
+          </a:p>
+          <a:p>
+            <a:r>
+              <a:rPr lang="en-US" dirty="0" smtClean="0"/>
+              <a:t>Study Plan</a:t>
+            </a:r>
+          </a:p>
+          <a:p>
+            <a:r>
+              <a:rPr lang="en-US" dirty="0" smtClean="0"/>
+              <a:t>Question</a:t>
+            </a:r>
+            <a:endParaRPr lang="en-US" dirty="0"/>
+          </a:p>
+        </p:txBody>
+      </p:sp>
+    </p:spTree>
+    <p:extLst>
+      <p:ext uri="{BB962C8B-B14F-4D97-AF65-F5344CB8AC3E}">
+        <p14:creationId xmlns:p14="http://schemas.microsoft.com/office/powerpoint/2010/main" val="2059971362"/>
+      </p:ext>
+    </p:extLst>
+  </p:cSld>
+  <p:clrMapOvr>
+    <a:masterClrMapping/>
+  </p:clrMapOvr>
+  <p:timing>
+    <p:tnLst>
+      <p:par>
+        <p:cTn id="1" dur="indefinite" restart="never" nodeType="tmRoot"/>
+      </p:par>
+    </p:tnLst>
+  </p:timing>
+</p:sld>
+</file>
+
+<file path=ppt/slides/slide20.xml><?xml version="1.0" encoding="utf-8"?>
 <p:sld xmlns:a="http://schemas.openxmlformats.org/drawingml/2006/main" xmlns:r="http://schemas.openxmlformats.org/officeDocument/2006/relationships" xmlns:p="http://schemas.openxmlformats.org/presentationml/2006/main" showMasterSp="0">
   <p:cSld>
     <p:bg>
@@ -4084,36 +5101,6 @@
       </p:pic>
       <p:sp>
         <p:nvSpPr>
-          <p:cNvPr id="14" name="TextBox 13"/>
-          <p:cNvSpPr txBox="1"/>
-          <p:nvPr/>
-        </p:nvSpPr>
-        <p:spPr>
-          <a:xfrm>
-            <a:off x="5501956" y="0"/>
-            <a:ext cx="1204176" cy="369332"/>
-          </a:xfrm>
-          <a:prstGeom prst="rect">
-            <a:avLst/>
-          </a:prstGeom>
-          <a:noFill/>
-        </p:spPr>
-        <p:txBody>
-          <a:bodyPr wrap="none" rtlCol="0">
-            <a:spAutoFit/>
-          </a:bodyPr>
-          <a:lstStyle/>
-          <a:p>
-            <a:r>
-              <a:rPr lang="en-US" dirty="0" smtClean="0"/>
-              <a:t>Museum 1</a:t>
-            </a:r>
-            <a:endParaRPr lang="en-US" dirty="0"/>
-          </a:p>
-        </p:txBody>
-      </p:sp>
-      <p:sp>
-        <p:nvSpPr>
           <p:cNvPr id="8" name="Left-Right Arrow 7"/>
           <p:cNvSpPr/>
           <p:nvPr/>
@@ -4273,8 +5260,8 @@
         </p:nvSpPr>
         <p:spPr>
           <a:xfrm rot="5192900">
-            <a:off x="7074287" y="3060714"/>
-            <a:ext cx="2243073" cy="265065"/>
+            <a:off x="7287591" y="2834156"/>
+            <a:ext cx="1782470" cy="258791"/>
           </a:xfrm>
           <a:prstGeom prst="leftRightArrow">
             <a:avLst/>
@@ -4437,7 +5424,7 @@
         </p:blipFill>
         <p:spPr bwMode="auto">
           <a:xfrm>
-            <a:off x="7907763" y="4834771"/>
+            <a:off x="7907763" y="4542671"/>
             <a:ext cx="805759" cy="805759"/>
           </a:xfrm>
           <a:prstGeom prst="rect">
@@ -4463,7 +5450,7 @@
         </p:nvSpPr>
         <p:spPr>
           <a:xfrm>
-            <a:off x="9228824" y="6552387"/>
+            <a:off x="9228824" y="6260287"/>
             <a:ext cx="1204176" cy="369332"/>
           </a:xfrm>
           <a:prstGeom prst="rect">
@@ -4508,7 +5495,7 @@
         </p:blipFill>
         <p:spPr bwMode="auto">
           <a:xfrm>
-            <a:off x="8247142" y="4679141"/>
+            <a:off x="8247142" y="4387041"/>
             <a:ext cx="247886" cy="247886"/>
           </a:xfrm>
           <a:prstGeom prst="rect">
@@ -4549,7 +5536,7 @@
         </p:blipFill>
         <p:spPr bwMode="auto">
           <a:xfrm>
-            <a:off x="8291592" y="5548753"/>
+            <a:off x="8291592" y="5256653"/>
             <a:ext cx="293687" cy="183554"/>
           </a:xfrm>
           <a:prstGeom prst="rect">
@@ -4590,7 +5577,7 @@
         </p:blipFill>
         <p:spPr bwMode="auto">
           <a:xfrm>
-            <a:off x="9997786" y="4826979"/>
+            <a:off x="9997786" y="4534879"/>
             <a:ext cx="937416" cy="937416"/>
           </a:xfrm>
           <a:prstGeom prst="rect">
@@ -4608,36 +5595,6 @@
           </a:extLst>
         </p:spPr>
       </p:pic>
-      <p:sp>
-        <p:nvSpPr>
-          <p:cNvPr id="30" name="TextBox 29"/>
-          <p:cNvSpPr txBox="1"/>
-          <p:nvPr/>
-        </p:nvSpPr>
-        <p:spPr>
-          <a:xfrm>
-            <a:off x="9864406" y="4448175"/>
-            <a:ext cx="1204176" cy="369332"/>
-          </a:xfrm>
-          <a:prstGeom prst="rect">
-            <a:avLst/>
-          </a:prstGeom>
-          <a:noFill/>
-        </p:spPr>
-        <p:txBody>
-          <a:bodyPr wrap="none" rtlCol="0">
-            <a:spAutoFit/>
-          </a:bodyPr>
-          <a:lstStyle/>
-          <a:p>
-            <a:r>
-              <a:rPr lang="en-US" dirty="0" smtClean="0"/>
-              <a:t>Museum n</a:t>
-            </a:r>
-            <a:endParaRPr lang="en-US" dirty="0"/>
-          </a:p>
-        </p:txBody>
-      </p:sp>
       <p:pic>
         <p:nvPicPr>
           <p:cNvPr id="33" name="Picture 14" descr="Image result for database icon"/>
@@ -4661,7 +5618,7 @@
         </p:blipFill>
         <p:spPr bwMode="auto">
           <a:xfrm>
-            <a:off x="6003947" y="4952501"/>
+            <a:off x="6003947" y="4660401"/>
             <a:ext cx="937416" cy="937416"/>
           </a:xfrm>
           <a:prstGeom prst="rect">
@@ -4687,7 +5644,7 @@
         </p:nvSpPr>
         <p:spPr>
           <a:xfrm>
-            <a:off x="5896124" y="5845973"/>
+            <a:off x="5896124" y="5553873"/>
             <a:ext cx="1353256" cy="369332"/>
           </a:xfrm>
           <a:prstGeom prst="rect">
@@ -4717,7 +5674,7 @@
         </p:nvSpPr>
         <p:spPr>
           <a:xfrm>
-            <a:off x="6960444" y="5295991"/>
+            <a:off x="6960444" y="5003891"/>
             <a:ext cx="692888" cy="265065"/>
           </a:xfrm>
           <a:prstGeom prst="leftRightArrow">
@@ -4771,7 +5728,7 @@
         </p:blipFill>
         <p:spPr bwMode="auto">
           <a:xfrm>
-            <a:off x="7274850" y="4412660"/>
+            <a:off x="7274850" y="4120560"/>
             <a:ext cx="2087563" cy="2087563"/>
           </a:xfrm>
           <a:prstGeom prst="rect">
@@ -4789,48 +5746,6 @@
           </a:extLst>
         </p:spPr>
       </p:pic>
-      <p:sp>
-        <p:nvSpPr>
-          <p:cNvPr id="39" name="Left-Right Arrow 38"/>
-          <p:cNvSpPr/>
-          <p:nvPr/>
-        </p:nvSpPr>
-        <p:spPr>
-          <a:xfrm rot="3393065">
-            <a:off x="8110162" y="3137754"/>
-            <a:ext cx="2625586" cy="265065"/>
-          </a:xfrm>
-          <a:prstGeom prst="leftRightArrow">
-            <a:avLst/>
-          </a:prstGeom>
-          <a:noFill/>
-          <a:ln>
-            <a:prstDash val="dash"/>
-          </a:ln>
-        </p:spPr>
-        <p:style>
-          <a:lnRef idx="2">
-            <a:schemeClr val="dk1"/>
-          </a:lnRef>
-          <a:fillRef idx="1">
-            <a:schemeClr val="lt1"/>
-          </a:fillRef>
-          <a:effectRef idx="0">
-            <a:schemeClr val="dk1"/>
-          </a:effectRef>
-          <a:fontRef idx="minor">
-            <a:schemeClr val="dk1"/>
-          </a:fontRef>
-        </p:style>
-        <p:txBody>
-          <a:bodyPr rtlCol="0" anchor="ctr"/>
-          <a:lstStyle/>
-          <a:p>
-            <a:pPr algn="ctr"/>
-            <a:endParaRPr lang="en-US"/>
-          </a:p>
-        </p:txBody>
-      </p:sp>
       <p:sp>
         <p:nvSpPr>
           <p:cNvPr id="10" name="Rounded Rectangle 9"/>
@@ -4885,7 +5800,7 @@
         </p:nvSpPr>
         <p:spPr>
           <a:xfrm>
-            <a:off x="5634249" y="4229256"/>
+            <a:off x="5634249" y="3937156"/>
             <a:ext cx="5795246" cy="2815014"/>
           </a:xfrm>
           <a:prstGeom prst="roundRect">
@@ -5162,7 +6077,7 @@
         </p:nvSpPr>
         <p:spPr>
           <a:xfrm>
-            <a:off x="5757451" y="4357684"/>
+            <a:off x="5757451" y="4065584"/>
             <a:ext cx="3226011" cy="2644050"/>
           </a:xfrm>
           <a:prstGeom prst="roundRect">
@@ -5247,7 +6162,7 @@
         </p:nvSpPr>
         <p:spPr>
           <a:xfrm>
-            <a:off x="9199752" y="5198772"/>
+            <a:off x="9199752" y="4906672"/>
             <a:ext cx="692888" cy="265065"/>
           </a:xfrm>
           <a:prstGeom prst="leftRightArrow">
@@ -5278,77 +6193,6 @@
           </a:p>
         </p:txBody>
       </p:sp>
-      <p:pic>
-        <p:nvPicPr>
-          <p:cNvPr id="1040" name="Picture 16" descr="Image result for internet icon"/>
-          <p:cNvPicPr>
-            <a:picLocks noChangeAspect="1" noChangeArrowheads="1"/>
-          </p:cNvPicPr>
-          <p:nvPr/>
-        </p:nvPicPr>
-        <p:blipFill>
-          <a:blip r:embed="rId8" cstate="print">
-            <a:extLst>
-              <a:ext uri="{28A0092B-C50C-407E-A947-70E740481C1C}">
-                <a14:useLocalDpi xmlns:a14="http://schemas.microsoft.com/office/drawing/2010/main" val="0"/>
-              </a:ext>
-            </a:extLst>
-          </a:blip>
-          <a:srcRect/>
-          <a:stretch>
-            <a:fillRect/>
-          </a:stretch>
-        </p:blipFill>
-        <p:spPr bwMode="auto">
-          <a:xfrm>
-            <a:off x="4283632" y="3386532"/>
-            <a:ext cx="871956" cy="871956"/>
-          </a:xfrm>
-          <a:prstGeom prst="rect">
-            <a:avLst/>
-          </a:prstGeom>
-          <a:noFill/>
-          <a:extLst>
-            <a:ext uri="{909E8E84-426E-40DD-AFC4-6F175D3DCCD1}">
-              <a14:hiddenFill xmlns:a14="http://schemas.microsoft.com/office/drawing/2010/main">
-                <a:solidFill>
-                  <a:srgbClr val="FFFFFF"/>
-                </a:solidFill>
-              </a14:hiddenFill>
-            </a:ext>
-          </a:extLst>
-        </p:spPr>
-      </p:pic>
-      <p:sp>
-        <p:nvSpPr>
-          <p:cNvPr id="48" name="TextBox 47"/>
-          <p:cNvSpPr txBox="1"/>
-          <p:nvPr/>
-        </p:nvSpPr>
-        <p:spPr>
-          <a:xfrm>
-            <a:off x="4335697" y="4186637"/>
-            <a:ext cx="1027845" cy="369332"/>
-          </a:xfrm>
-          <a:prstGeom prst="rect">
-            <a:avLst/>
-          </a:prstGeom>
-          <a:noFill/>
-        </p:spPr>
-        <p:txBody>
-          <a:bodyPr wrap="none" rtlCol="0">
-            <a:spAutoFit/>
-          </a:bodyPr>
-          <a:lstStyle/>
-          <a:p>
-            <a:r>
-              <a:rPr lang="en-US" dirty="0" smtClean="0"/>
-              <a:t>Internet</a:t>
-            </a:r>
-            <a:endParaRPr lang="en-US" dirty="0"/>
-          </a:p>
-        </p:txBody>
-      </p:sp>
       <p:sp>
         <p:nvSpPr>
           <p:cNvPr id="49" name="Left-Right Arrow 48"/>
@@ -5388,84 +6232,6 @@
           </a:p>
         </p:txBody>
       </p:sp>
-      <p:sp>
-        <p:nvSpPr>
-          <p:cNvPr id="36" name="Left-Right Arrow 35"/>
-          <p:cNvSpPr/>
-          <p:nvPr/>
-        </p:nvSpPr>
-        <p:spPr>
-          <a:xfrm rot="3243414">
-            <a:off x="3668318" y="2914936"/>
-            <a:ext cx="1019091" cy="265065"/>
-          </a:xfrm>
-          <a:prstGeom prst="leftRightArrow">
-            <a:avLst/>
-          </a:prstGeom>
-          <a:noFill/>
-        </p:spPr>
-        <p:style>
-          <a:lnRef idx="2">
-            <a:schemeClr val="dk1"/>
-          </a:lnRef>
-          <a:fillRef idx="1">
-            <a:schemeClr val="lt1"/>
-          </a:fillRef>
-          <a:effectRef idx="0">
-            <a:schemeClr val="dk1"/>
-          </a:effectRef>
-          <a:fontRef idx="minor">
-            <a:schemeClr val="dk1"/>
-          </a:fontRef>
-        </p:style>
-        <p:txBody>
-          <a:bodyPr rtlCol="0" anchor="ctr"/>
-          <a:lstStyle/>
-          <a:p>
-            <a:pPr algn="ctr"/>
-            <a:endParaRPr lang="en-US"/>
-          </a:p>
-        </p:txBody>
-      </p:sp>
-      <p:sp>
-        <p:nvSpPr>
-          <p:cNvPr id="50" name="Left-Right Arrow 49"/>
-          <p:cNvSpPr/>
-          <p:nvPr/>
-        </p:nvSpPr>
-        <p:spPr>
-          <a:xfrm rot="1402248">
-            <a:off x="5006963" y="4364670"/>
-            <a:ext cx="2779795" cy="265065"/>
-          </a:xfrm>
-          <a:prstGeom prst="leftRightArrow">
-            <a:avLst/>
-          </a:prstGeom>
-          <a:noFill/>
-        </p:spPr>
-        <p:style>
-          <a:lnRef idx="2">
-            <a:schemeClr val="dk1"/>
-          </a:lnRef>
-          <a:fillRef idx="1">
-            <a:schemeClr val="lt1"/>
-          </a:fillRef>
-          <a:effectRef idx="0">
-            <a:schemeClr val="dk1"/>
-          </a:effectRef>
-          <a:fontRef idx="minor">
-            <a:schemeClr val="dk1"/>
-          </a:fontRef>
-        </p:style>
-        <p:txBody>
-          <a:bodyPr rtlCol="0" anchor="ctr"/>
-          <a:lstStyle/>
-          <a:p>
-            <a:pPr algn="ctr"/>
-            <a:endParaRPr lang="en-US"/>
-          </a:p>
-        </p:txBody>
-      </p:sp>
       <p:pic>
         <p:nvPicPr>
           <p:cNvPr id="53" name="Picture 2" descr="Image result for bibliomondo"/>
@@ -5475,7 +6241,7 @@
           <p:nvPr/>
         </p:nvPicPr>
         <p:blipFill>
-          <a:blip r:embed="rId9" cstate="print">
+          <a:blip r:embed="rId8" cstate="print">
             <a:extLst>
               <a:ext uri="{28A0092B-C50C-407E-A947-70E740481C1C}">
                 <a14:useLocalDpi xmlns:a14="http://schemas.microsoft.com/office/drawing/2010/main" val="0"/>
@@ -5527,7 +6293,7 @@
 </p:sld>
 </file>
 
-<file path=ppt/slides/slide15.xml><?xml version="1.0" encoding="utf-8"?>
+<file path=ppt/slides/slide21.xml><?xml version="1.0" encoding="utf-8"?>
 <p:sld xmlns:a="http://schemas.openxmlformats.org/drawingml/2006/main" xmlns:r="http://schemas.openxmlformats.org/officeDocument/2006/relationships" xmlns:p="http://schemas.openxmlformats.org/presentationml/2006/main" showMasterSp="0">
   <p:cSld>
     <p:spTree>
@@ -5617,7 +6383,7 @@
 </p:sld>
 </file>
 
-<file path=ppt/slides/slide16.xml><?xml version="1.0" encoding="utf-8"?>
+<file path=ppt/slides/slide22.xml><?xml version="1.0" encoding="utf-8"?>
 <p:sld xmlns:a="http://schemas.openxmlformats.org/drawingml/2006/main" xmlns:r="http://schemas.openxmlformats.org/officeDocument/2006/relationships" xmlns:p="http://schemas.openxmlformats.org/presentationml/2006/main">
   <p:cSld>
     <p:spTree>
@@ -5672,139 +6438,6 @@
   <p:clrMapOvr>
     <a:masterClrMapping/>
   </p:clrMapOvr>
-</p:sld>
-</file>
-
-<file path=ppt/slides/slide2.xml><?xml version="1.0" encoding="utf-8"?>
-<p:sld xmlns:a="http://schemas.openxmlformats.org/drawingml/2006/main" xmlns:r="http://schemas.openxmlformats.org/officeDocument/2006/relationships" xmlns:p="http://schemas.openxmlformats.org/presentationml/2006/main" showMasterSp="0">
-  <p:cSld>
-    <p:spTree>
-      <p:nvGrpSpPr>
-        <p:cNvPr id="1" name=""/>
-        <p:cNvGrpSpPr/>
-        <p:nvPr/>
-      </p:nvGrpSpPr>
-      <p:grpSpPr>
-        <a:xfrm>
-          <a:off x="0" y="0"/>
-          <a:ext cx="0" cy="0"/>
-          <a:chOff x="0" y="0"/>
-          <a:chExt cx="0" cy="0"/>
-        </a:xfrm>
-      </p:grpSpPr>
-      <p:sp>
-        <p:nvSpPr>
-          <p:cNvPr id="2" name="Title 1"/>
-          <p:cNvSpPr>
-            <a:spLocks noGrp="1"/>
-          </p:cNvSpPr>
-          <p:nvPr>
-            <p:ph type="title"/>
-          </p:nvPr>
-        </p:nvSpPr>
-        <p:spPr/>
-        <p:txBody>
-          <a:bodyPr/>
-          <a:lstStyle/>
-          <a:p>
-            <a:r>
-              <a:rPr lang="en-US" dirty="0" smtClean="0"/>
-              <a:t>Outline</a:t>
-            </a:r>
-            <a:endParaRPr lang="en-US" dirty="0"/>
-          </a:p>
-        </p:txBody>
-      </p:sp>
-      <p:sp>
-        <p:nvSpPr>
-          <p:cNvPr id="3" name="Content Placeholder 2"/>
-          <p:cNvSpPr>
-            <a:spLocks noGrp="1"/>
-          </p:cNvSpPr>
-          <p:nvPr>
-            <p:ph idx="1"/>
-          </p:nvPr>
-        </p:nvSpPr>
-        <p:spPr/>
-        <p:txBody>
-          <a:bodyPr/>
-          <a:lstStyle/>
-          <a:p>
-            <a:r>
-              <a:rPr lang="en-US" dirty="0" smtClean="0"/>
-              <a:t>Motivation</a:t>
-            </a:r>
-          </a:p>
-          <a:p>
-            <a:pPr lvl="1"/>
-            <a:r>
-              <a:rPr lang="en-US" dirty="0" smtClean="0"/>
-              <a:t>Artificial intelligence (AI) forecast</a:t>
-            </a:r>
-          </a:p>
-          <a:p>
-            <a:pPr lvl="1"/>
-            <a:r>
-              <a:rPr lang="en-US" dirty="0" smtClean="0"/>
-              <a:t>AI virtual assistance </a:t>
-            </a:r>
-          </a:p>
-          <a:p>
-            <a:r>
-              <a:rPr lang="en-US" dirty="0" smtClean="0"/>
-              <a:t>Literature review</a:t>
-            </a:r>
-          </a:p>
-          <a:p>
-            <a:r>
-              <a:rPr lang="en-US" dirty="0" smtClean="0"/>
-              <a:t>Challenges</a:t>
-            </a:r>
-          </a:p>
-          <a:p>
-            <a:r>
-              <a:rPr lang="en-US" dirty="0" smtClean="0"/>
-              <a:t>Objectives</a:t>
-            </a:r>
-          </a:p>
-          <a:p>
-            <a:r>
-              <a:rPr lang="en-US" dirty="0" smtClean="0"/>
-              <a:t>Methodology</a:t>
-            </a:r>
-          </a:p>
-          <a:p>
-            <a:r>
-              <a:rPr lang="en-US" dirty="0" smtClean="0"/>
-              <a:t>Study Plan</a:t>
-            </a:r>
-          </a:p>
-          <a:p>
-            <a:r>
-              <a:rPr lang="en-US" dirty="0" smtClean="0"/>
-              <a:t>Question</a:t>
-            </a:r>
-            <a:endParaRPr lang="en-US" dirty="0"/>
-          </a:p>
-        </p:txBody>
-      </p:sp>
-    </p:spTree>
-    <p:extLst>
-      <p:ext uri="{BB962C8B-B14F-4D97-AF65-F5344CB8AC3E}">
-        <p14:creationId xmlns:p14="http://schemas.microsoft.com/office/powerpoint/2010/main" val="2059971362"/>
-      </p:ext>
-    </p:extLst>
-  </p:cSld>
-  <p:clrMapOvr>
-    <a:masterClrMapping/>
-  </p:clrMapOvr>
-  <p:timing>
-    <p:tnLst>
-      <p:par>
-        <p:cTn id="1" dur="indefinite" restart="never" nodeType="tmRoot"/>
-      </p:par>
-    </p:tnLst>
-  </p:timing>
 </p:sld>
 </file>
 
@@ -6258,8 +6891,8 @@
         </p:blipFill>
         <p:spPr>
           <a:xfrm>
-            <a:off x="6511662" y="2970584"/>
-            <a:ext cx="5100443" cy="3365967"/>
+            <a:off x="6511663" y="2970584"/>
+            <a:ext cx="5224973" cy="3365967"/>
           </a:xfrm>
           <a:prstGeom prst="rect">
             <a:avLst/>
@@ -6327,7 +6960,7 @@
         </p:blipFill>
         <p:spPr bwMode="auto">
           <a:xfrm>
-            <a:off x="8482012" y="5201331"/>
+            <a:off x="8558212" y="5201331"/>
             <a:ext cx="1444376" cy="1047069"/>
           </a:xfrm>
           <a:prstGeom prst="rect">
@@ -6524,7 +7157,7 @@
         </p:blipFill>
         <p:spPr bwMode="auto">
           <a:xfrm>
-            <a:off x="7780274" y="3205639"/>
+            <a:off x="7832830" y="3212399"/>
             <a:ext cx="599164" cy="237947"/>
           </a:xfrm>
           <a:prstGeom prst="rect">
@@ -7458,8 +8091,8 @@
         </p:nvSpPr>
         <p:spPr>
           <a:xfrm>
-            <a:off x="3095897" y="1742939"/>
-            <a:ext cx="8623663" cy="4387352"/>
+            <a:off x="3095897" y="1742938"/>
+            <a:ext cx="8623663" cy="4886461"/>
           </a:xfrm>
           <a:prstGeom prst="rect">
             <a:avLst/>
@@ -7467,7 +8100,7 @@
         </p:spPr>
         <p:txBody>
           <a:bodyPr vert="horz" lIns="91440" tIns="45720" rIns="91440" bIns="45720" rtlCol="0">
-            <a:normAutofit/>
+            <a:normAutofit fontScale="70000" lnSpcReduction="20000"/>
           </a:bodyPr>
           <a:lstStyle>
             <a:lvl1pPr marL="228600" indent="-228600" algn="l" defTabSz="914400" rtl="0" eaLnBrk="1" latinLnBrk="0" hangingPunct="1">
@@ -7652,8 +8285,154 @@
             </a:pPr>
             <a:r>
               <a:rPr lang="en-US" sz="1700" dirty="0"/>
-              <a:t>Extracting low-level features (color, texture, edge density) and measuring distances to find the similarity between images in reducing the semantic gap between the low level features and the high level semantic concept [9][10]</a:t>
-            </a:r>
+              <a:t>Extracting low-level features (color, texture, edge density) and measuring distances to find the similarity between images in reducing the semantic gap between the low level features and the high level semantic concept [9][10</a:t>
+            </a:r>
+            <a:r>
+              <a:rPr lang="en-US" sz="1700" dirty="0" smtClean="0"/>
+              <a:t>]</a:t>
+            </a:r>
+          </a:p>
+          <a:p>
+            <a:pPr algn="just">
+              <a:lnSpc>
+                <a:spcPct val="150000"/>
+              </a:lnSpc>
+            </a:pPr>
+            <a:r>
+              <a:rPr lang="en-US" sz="1800" dirty="0"/>
+              <a:t>Using CNN to </a:t>
+            </a:r>
+            <a:r>
+              <a:rPr lang="en-US" sz="1800" dirty="0" smtClean="0"/>
+              <a:t>classify </a:t>
+            </a:r>
+            <a:r>
+              <a:rPr lang="en-US" sz="1800" dirty="0"/>
+              <a:t>and u</a:t>
+            </a:r>
+            <a:r>
+              <a:rPr lang="en-US" sz="1800" dirty="0" smtClean="0"/>
+              <a:t>nderstand artists from the museum[11] based on predicting artist names with such high accuracy, and learn what parts of each piece of art are most predictive of a particular artist</a:t>
+            </a:r>
+          </a:p>
+          <a:p>
+            <a:pPr algn="just">
+              <a:lnSpc>
+                <a:spcPct val="150000"/>
+              </a:lnSpc>
+            </a:pPr>
+            <a:r>
+              <a:rPr lang="en-US" sz="1800" dirty="0" smtClean="0"/>
+              <a:t>Show excellent classification of image style </a:t>
+            </a:r>
+            <a:r>
+              <a:rPr lang="en-US" sz="1800" dirty="0"/>
+              <a:t>visual style, including photographic techniques (“Macro,” “HDR”), composition styles (“Minimal,” “Geometric”), moods (“Serene,” “Melancholy”), </a:t>
+            </a:r>
+            <a:r>
+              <a:rPr lang="en-US" sz="1800" dirty="0" smtClean="0"/>
+              <a:t>genres (“</a:t>
+            </a:r>
+            <a:r>
+              <a:rPr lang="en-US" sz="1800" dirty="0"/>
+              <a:t>Vintage,” “Romantic,” “Horror”), and types of scenes (“Hazy,” “Sunny</a:t>
+            </a:r>
+            <a:r>
+              <a:rPr lang="en-US" sz="1800" dirty="0" smtClean="0"/>
+              <a:t>”) [12] by using CNN</a:t>
+            </a:r>
+          </a:p>
+          <a:p>
+            <a:pPr algn="just">
+              <a:lnSpc>
+                <a:spcPct val="150000"/>
+              </a:lnSpc>
+            </a:pPr>
+            <a:r>
+              <a:rPr lang="en-US" sz="1800" dirty="0" smtClean="0"/>
+              <a:t>Customized expression recognition for performance-driven cutout character animation[13] by using deep  convolutional neural network</a:t>
+            </a:r>
+          </a:p>
+          <a:p>
+            <a:pPr algn="just">
+              <a:lnSpc>
+                <a:spcPct val="150000"/>
+              </a:lnSpc>
+            </a:pPr>
+            <a:r>
+              <a:rPr lang="en-US" sz="1800" dirty="0" err="1" smtClean="0"/>
+              <a:t>ArtWork</a:t>
+            </a:r>
+            <a:r>
+              <a:rPr lang="en-US" sz="1800" dirty="0" smtClean="0"/>
+              <a:t> recognition in 360 degree [14] by </a:t>
+            </a:r>
+            <a:r>
+              <a:rPr lang="en-US" sz="1900" dirty="0"/>
+              <a:t>using a 32- </a:t>
+            </a:r>
+            <a:r>
+              <a:rPr lang="en-US" sz="1900" dirty="0" err="1"/>
+              <a:t>hedron</a:t>
+            </a:r>
+            <a:r>
+              <a:rPr lang="en-US" sz="1900" dirty="0"/>
+              <a:t> based rectilinear projection and the well-known scale invariant feature </a:t>
+            </a:r>
+            <a:r>
+              <a:rPr lang="en-US" sz="1900" dirty="0" smtClean="0"/>
+              <a:t>transform.</a:t>
+            </a:r>
+          </a:p>
+          <a:p>
+            <a:pPr algn="just">
+              <a:lnSpc>
+                <a:spcPct val="150000"/>
+              </a:lnSpc>
+            </a:pPr>
+            <a:r>
+              <a:rPr lang="en-US" sz="1900" dirty="0" smtClean="0"/>
+              <a:t>Virtual restoration an object by using crack detection and </a:t>
+            </a:r>
+            <a:r>
+              <a:rPr lang="en-US" sz="1900" dirty="0" err="1" smtClean="0"/>
+              <a:t>inpainting</a:t>
+            </a:r>
+            <a:r>
+              <a:rPr lang="en-US" sz="1900" dirty="0"/>
+              <a:t> </a:t>
+            </a:r>
+            <a:r>
+              <a:rPr lang="en-US" sz="1900" dirty="0" smtClean="0"/>
+              <a:t>[15]</a:t>
+            </a:r>
+          </a:p>
+          <a:p>
+            <a:pPr algn="just">
+              <a:lnSpc>
+                <a:spcPct val="150000"/>
+              </a:lnSpc>
+            </a:pPr>
+            <a:r>
+              <a:rPr lang="en-US" sz="1900" dirty="0" smtClean="0"/>
+              <a:t>3D Pose estimation [16]</a:t>
+            </a:r>
+          </a:p>
+          <a:p>
+            <a:pPr algn="just">
+              <a:lnSpc>
+                <a:spcPct val="150000"/>
+              </a:lnSpc>
+            </a:pPr>
+            <a:endParaRPr lang="en-US" sz="1900" dirty="0"/>
+          </a:p>
+          <a:p>
+            <a:pPr algn="just">
+              <a:lnSpc>
+                <a:spcPct val="150000"/>
+              </a:lnSpc>
+            </a:pPr>
+            <a:endParaRPr lang="en-US" sz="1700" dirty="0"/>
           </a:p>
           <a:p>
             <a:pPr marL="0" indent="0" algn="just">
@@ -7754,7 +8533,12 @@
             <p:ph idx="1"/>
           </p:nvPr>
         </p:nvSpPr>
-        <p:spPr/>
+        <p:spPr>
+          <a:xfrm>
+            <a:off x="3095897" y="1841862"/>
+            <a:ext cx="8623663" cy="4825638"/>
+          </a:xfrm>
+        </p:spPr>
         <p:txBody>
           <a:bodyPr>
             <a:noAutofit/>
@@ -8041,8 +8825,45 @@
             </a:r>
             <a:r>
               <a:rPr lang="en-US" sz="1100" dirty="0" smtClean="0"/>
-              <a:t>, “ A Review on CBIR with its Advantages and Disadvantages for Low-level Features”, in International Journal of Computer Sciences and Engineering, Vol : Issue 7, 2016, pp. 161- 167</a:t>
-            </a:r>
+              <a:t>, “ A Review on CBIR with its Advantages and Disadvantages for Low-level Features”, in International Journal of Computer Sciences and Engineering, Vol : Issue 7, 2016, pp. 161- </a:t>
+            </a:r>
+            <a:r>
+              <a:rPr lang="en-US" sz="1100" dirty="0" smtClean="0"/>
+              <a:t>167</a:t>
+            </a:r>
+          </a:p>
+          <a:p>
+            <a:r>
+              <a:rPr lang="en-US" sz="1100" dirty="0" smtClean="0"/>
+              <a:t>[11] T. </a:t>
+            </a:r>
+            <a:r>
+              <a:rPr lang="en-US" sz="1100" dirty="0" err="1" smtClean="0"/>
+              <a:t>Balakrishan</a:t>
+            </a:r>
+            <a:r>
+              <a:rPr lang="en-US" sz="1100" dirty="0" smtClean="0"/>
+              <a:t>, S. </a:t>
+            </a:r>
+            <a:r>
+              <a:rPr lang="en-US" sz="1100" dirty="0" err="1" smtClean="0"/>
+              <a:t>Rosston</a:t>
+            </a:r>
+            <a:r>
+              <a:rPr lang="en-US" sz="1100" dirty="0" smtClean="0"/>
+              <a:t>, and E. </a:t>
+            </a:r>
+            <a:r>
+              <a:rPr lang="en-US" sz="1100" dirty="0"/>
+              <a:t>Tang, “Using CNN to Classify and Understand Artists from the Rijksmuseum”, </a:t>
+            </a:r>
+            <a:r>
+              <a:rPr lang="en-US" sz="1100" dirty="0">
+                <a:hlinkClick r:id="rId2"/>
+              </a:rPr>
+              <a:t>http://cs231n.stanford.edu/reports/2017/pdfs/410.pdf</a:t>
+            </a:r>
+            <a:endParaRPr lang="en-US" sz="1100" dirty="0" smtClean="0"/>
           </a:p>
         </p:txBody>
       </p:sp>
@@ -8076,156 +8897,282 @@
           <a:chExt cx="0" cy="0"/>
         </a:xfrm>
       </p:grpSpPr>
-      <p:pic>
-        <p:nvPicPr>
-          <p:cNvPr id="1026" name="Picture 2" descr="Related image"/>
-          <p:cNvPicPr>
-            <a:picLocks noChangeAspect="1" noChangeArrowheads="1"/>
-          </p:cNvPicPr>
-          <p:nvPr/>
-        </p:nvPicPr>
-        <p:blipFill>
-          <a:blip r:embed="rId2">
-            <a:extLst>
-              <a:ext uri="{28A0092B-C50C-407E-A947-70E740481C1C}">
-                <a14:useLocalDpi xmlns:a14="http://schemas.microsoft.com/office/drawing/2010/main" val="0"/>
-              </a:ext>
-            </a:extLst>
-          </a:blip>
-          <a:srcRect/>
-          <a:stretch>
-            <a:fillRect/>
-          </a:stretch>
-        </p:blipFill>
-        <p:spPr bwMode="auto">
-          <a:xfrm>
-            <a:off x="5683164" y="2186546"/>
-            <a:ext cx="5429250" cy="2190750"/>
-          </a:xfrm>
-          <a:prstGeom prst="rect">
-            <a:avLst/>
-          </a:prstGeom>
-          <a:noFill/>
-          <a:extLst>
-            <a:ext uri="{909E8E84-426E-40DD-AFC4-6F175D3DCCD1}">
-              <a14:hiddenFill xmlns:a14="http://schemas.microsoft.com/office/drawing/2010/main">
-                <a:solidFill>
-                  <a:srgbClr val="FFFFFF"/>
-                </a:solidFill>
-              </a14:hiddenFill>
-            </a:ext>
-          </a:extLst>
-        </p:spPr>
-      </p:pic>
-      <p:sp>
-        <p:nvSpPr>
-          <p:cNvPr id="6" name="Rectangular Callout 5"/>
-          <p:cNvSpPr/>
-          <p:nvPr/>
+      <p:sp>
+        <p:nvSpPr>
+          <p:cNvPr id="2" name="Title 1"/>
+          <p:cNvSpPr>
+            <a:spLocks noGrp="1"/>
+          </p:cNvSpPr>
+          <p:nvPr>
+            <p:ph type="title"/>
+          </p:nvPr>
+        </p:nvSpPr>
+        <p:spPr/>
+        <p:txBody>
+          <a:bodyPr/>
+          <a:lstStyle/>
+          <a:p>
+            <a:r>
+              <a:rPr lang="en-US" dirty="0"/>
+              <a:t>Literature review</a:t>
+            </a:r>
+          </a:p>
+        </p:txBody>
+      </p:sp>
+      <p:sp>
+        <p:nvSpPr>
+          <p:cNvPr id="4" name="Content Placeholder 2"/>
+          <p:cNvSpPr>
+            <a:spLocks noGrp="1"/>
+          </p:cNvSpPr>
+          <p:nvPr>
+            <p:ph idx="1"/>
+          </p:nvPr>
         </p:nvSpPr>
         <p:spPr>
           <a:xfrm>
-            <a:off x="2290118" y="469557"/>
-            <a:ext cx="2883244" cy="1713470"/>
-          </a:xfrm>
-          <a:prstGeom prst="wedgeRectCallout">
-            <a:avLst>
-              <a:gd name="adj1" fmla="val 99433"/>
-              <a:gd name="adj2" fmla="val 100213"/>
-            </a:avLst>
-          </a:prstGeom>
-        </p:spPr>
-        <p:style>
-          <a:lnRef idx="2">
-            <a:schemeClr val="dk1"/>
-          </a:lnRef>
-          <a:fillRef idx="1">
-            <a:schemeClr val="lt1"/>
-          </a:fillRef>
-          <a:effectRef idx="0">
-            <a:schemeClr val="dk1"/>
-          </a:effectRef>
-          <a:fontRef idx="minor">
-            <a:schemeClr val="dk1"/>
-          </a:fontRef>
-        </p:style>
-        <p:txBody>
-          <a:bodyPr rtlCol="0" anchor="ctr"/>
-          <a:lstStyle/>
-          <a:p>
-            <a:r>
-              <a:rPr lang="en-US" sz="1600" dirty="0" smtClean="0"/>
-              <a:t>Original feature information:</a:t>
-            </a:r>
-          </a:p>
-          <a:p>
-            <a:r>
-              <a:rPr lang="en-US" sz="1600" dirty="0" smtClean="0"/>
-              <a:t>+ Color</a:t>
-            </a:r>
-          </a:p>
-          <a:p>
-            <a:r>
-              <a:rPr lang="en-US" sz="1600" dirty="0" smtClean="0"/>
-              <a:t>+ Texture</a:t>
-            </a:r>
-          </a:p>
-          <a:p>
-            <a:r>
-              <a:rPr lang="en-US" sz="1600" dirty="0" smtClean="0"/>
-              <a:t>+ Shape</a:t>
-            </a:r>
-          </a:p>
-          <a:p>
-            <a:r>
-              <a:rPr lang="en-US" sz="1600" dirty="0" smtClean="0"/>
-              <a:t>+ Spatial Location</a:t>
-            </a:r>
-          </a:p>
-          <a:p>
-            <a:r>
-              <a:rPr lang="en-US" sz="1600" dirty="0" smtClean="0"/>
-              <a:t>+ Local image</a:t>
-            </a:r>
-          </a:p>
-        </p:txBody>
-      </p:sp>
-      <p:sp>
-        <p:nvSpPr>
-          <p:cNvPr id="2" name="Rectangle 1"/>
-          <p:cNvSpPr/>
-          <p:nvPr/>
-        </p:nvSpPr>
-        <p:spPr>
-          <a:xfrm>
-            <a:off x="6016528" y="4587102"/>
-            <a:ext cx="4391074" cy="307777"/>
-          </a:xfrm>
-          <a:prstGeom prst="rect">
-            <a:avLst/>
-          </a:prstGeom>
-        </p:spPr>
-        <p:txBody>
-          <a:bodyPr wrap="none">
-            <a:spAutoFit/>
+            <a:off x="3095897" y="1841862"/>
+            <a:ext cx="8623663" cy="4825638"/>
+          </a:xfrm>
+        </p:spPr>
+        <p:txBody>
+          <a:bodyPr>
+            <a:noAutofit/>
           </a:bodyPr>
           <a:lstStyle/>
           <a:p>
             <a:r>
-              <a:rPr lang="en-US" sz="1400" dirty="0" smtClean="0"/>
-              <a:t>Source: https</a:t>
-            </a:r>
-            <a:r>
-              <a:rPr lang="en-US" sz="1400" dirty="0"/>
-              <a:t>://uqr.me/blog/qr-codes-in-museums/</a:t>
-            </a:r>
+              <a:rPr lang="en-US" sz="1100" dirty="0"/>
+              <a:t>[</a:t>
+            </a:r>
+            <a:r>
+              <a:rPr lang="en-US" sz="1100" dirty="0" smtClean="0"/>
+              <a:t>12] S. </a:t>
+            </a:r>
+            <a:r>
+              <a:rPr lang="en-US" sz="1100" dirty="0" err="1" smtClean="0"/>
+              <a:t>Karayev</a:t>
+            </a:r>
+            <a:r>
+              <a:rPr lang="en-US" sz="1100" dirty="0" smtClean="0"/>
+              <a:t>, M. </a:t>
+            </a:r>
+            <a:r>
+              <a:rPr lang="en-US" sz="1100" dirty="0" err="1" smtClean="0"/>
+              <a:t>Trentacoste</a:t>
+            </a:r>
+            <a:r>
+              <a:rPr lang="en-US" sz="1100" dirty="0" smtClean="0"/>
+              <a:t>, H. Han, A. </a:t>
+            </a:r>
+            <a:r>
+              <a:rPr lang="en-US" sz="1100" dirty="0" err="1" smtClean="0"/>
+              <a:t>Agarwala</a:t>
+            </a:r>
+            <a:r>
+              <a:rPr lang="en-US" sz="1100" dirty="0" smtClean="0"/>
+              <a:t>, T. Darrell, A. </a:t>
+            </a:r>
+            <a:r>
+              <a:rPr lang="en-US" sz="1100" dirty="0" err="1" smtClean="0"/>
+              <a:t>Hertzmann</a:t>
+            </a:r>
+            <a:r>
+              <a:rPr lang="en-US" sz="1100" dirty="0" smtClean="0"/>
+              <a:t>, H. </a:t>
+            </a:r>
+            <a:r>
+              <a:rPr lang="en-US" sz="1100" dirty="0" err="1" smtClean="0"/>
+              <a:t>Winnemoeller</a:t>
+            </a:r>
+            <a:r>
+              <a:rPr lang="en-US" sz="1100" dirty="0" smtClean="0"/>
+              <a:t> , “ Recognizing </a:t>
+            </a:r>
+            <a:r>
+              <a:rPr lang="en-US" sz="1100" dirty="0"/>
+              <a:t>Image style”, </a:t>
+            </a:r>
+            <a:r>
+              <a:rPr lang="en-US" sz="1100" dirty="0">
+                <a:hlinkClick r:id="rId2"/>
+              </a:rPr>
+              <a:t>https://</a:t>
+            </a:r>
+            <a:r>
+              <a:rPr lang="en-US" sz="1100" dirty="0" smtClean="0">
+                <a:hlinkClick r:id="rId2"/>
+              </a:rPr>
+              <a:t>sergeykarayev.com/files/1311.3715v3.pdf</a:t>
+            </a:r>
+            <a:endParaRPr lang="en-US" sz="1100" dirty="0" smtClean="0"/>
+          </a:p>
+          <a:p>
+            <a:r>
+              <a:rPr lang="en-US" sz="1100" dirty="0" smtClean="0"/>
+              <a:t>[13] X. Yu, J. Yang, L. Luo, W. Li, J. Brandt, D. </a:t>
+            </a:r>
+            <a:r>
+              <a:rPr lang="en-US" sz="1100" dirty="0" err="1" smtClean="0"/>
+              <a:t>Metaxas,”Customized</a:t>
+            </a:r>
+            <a:r>
+              <a:rPr lang="en-US" sz="1100" dirty="0" smtClean="0"/>
+              <a:t> expression recognition for performance-driven cutout character animation”, in Applications of Computer Vision(WACV), 2016, IEEE Winter Conference</a:t>
+            </a:r>
+          </a:p>
+          <a:p>
+            <a:r>
+              <a:rPr lang="en-US" sz="1100" dirty="0" smtClean="0"/>
+              <a:t>[14] X. </a:t>
+            </a:r>
+            <a:r>
+              <a:rPr lang="en-US" sz="1100" dirty="0" err="1" smtClean="0"/>
+              <a:t>Jin</a:t>
+            </a:r>
+            <a:r>
+              <a:rPr lang="en-US" sz="1100" dirty="0" smtClean="0"/>
+              <a:t>, J. Kim</a:t>
+            </a:r>
+            <a:r>
+              <a:rPr lang="en-US" sz="1100" dirty="0"/>
+              <a:t>, “</a:t>
+            </a:r>
+            <a:r>
+              <a:rPr lang="en-US" sz="1100" dirty="0" err="1"/>
+              <a:t>ArtWork</a:t>
+            </a:r>
+            <a:r>
+              <a:rPr lang="en-US" sz="1100" dirty="0"/>
+              <a:t> Recognition in 360-degree Image using 32- </a:t>
+            </a:r>
+            <a:r>
+              <a:rPr lang="en-US" sz="1100" dirty="0" err="1"/>
+              <a:t>hedron</a:t>
+            </a:r>
+            <a:r>
+              <a:rPr lang="en-US" sz="1100" dirty="0"/>
+              <a:t> based Rectilinear Projection and Scale Invariant Feature Transform </a:t>
+            </a:r>
+            <a:r>
+              <a:rPr lang="en-US" sz="1100" dirty="0" smtClean="0"/>
+              <a:t>“, in ICEICT, IEEE </a:t>
+            </a:r>
+            <a:r>
+              <a:rPr lang="en-US" sz="1100" dirty="0" err="1" smtClean="0"/>
+              <a:t>Int</a:t>
+            </a:r>
+            <a:r>
+              <a:rPr lang="en-US" sz="1100" dirty="0" smtClean="0"/>
+              <a:t> </a:t>
+            </a:r>
+            <a:r>
+              <a:rPr lang="en-US" sz="1100" dirty="0" err="1" smtClean="0"/>
+              <a:t>Conf</a:t>
+            </a:r>
+            <a:r>
+              <a:rPr lang="en-US" sz="1100" dirty="0" smtClean="0"/>
+              <a:t>, 2017, pp 356-359</a:t>
+            </a:r>
+          </a:p>
+          <a:p>
+            <a:r>
+              <a:rPr lang="en-US" sz="1100" dirty="0" smtClean="0"/>
+              <a:t>[15] T. </a:t>
+            </a:r>
+            <a:r>
+              <a:rPr lang="en-US" sz="1100" dirty="0" err="1" smtClean="0"/>
+              <a:t>Ruzic</a:t>
+            </a:r>
+            <a:r>
+              <a:rPr lang="en-US" sz="1100" dirty="0" smtClean="0"/>
+              <a:t>, B. </a:t>
+            </a:r>
+            <a:r>
+              <a:rPr lang="en-US" sz="1100" dirty="0" err="1" smtClean="0"/>
+              <a:t>cornelis</a:t>
+            </a:r>
+            <a:r>
+              <a:rPr lang="en-US" sz="1100" dirty="0" smtClean="0"/>
+              <a:t>, L. </a:t>
+            </a:r>
+            <a:r>
+              <a:rPr lang="en-US" sz="1100" dirty="0" err="1" smtClean="0"/>
+              <a:t>Platisa</a:t>
+            </a:r>
+            <a:r>
+              <a:rPr lang="en-US" sz="1100" dirty="0" smtClean="0"/>
+              <a:t>, A. </a:t>
+            </a:r>
+            <a:r>
+              <a:rPr lang="en-US" sz="1100" dirty="0" err="1" smtClean="0"/>
+              <a:t>Pizurica</a:t>
+            </a:r>
+            <a:r>
+              <a:rPr lang="en-US" sz="1100" dirty="0" smtClean="0"/>
+              <a:t>, A. Dooms, W. Philips, M. Martens, M. D. </a:t>
+            </a:r>
+            <a:r>
+              <a:rPr lang="en-US" sz="1100" dirty="0" err="1" smtClean="0"/>
+              <a:t>Mey</a:t>
+            </a:r>
+            <a:r>
+              <a:rPr lang="en-US" sz="1100" dirty="0" smtClean="0"/>
+              <a:t>, I. </a:t>
+            </a:r>
+            <a:r>
+              <a:rPr lang="en-US" sz="1100" dirty="0" err="1" smtClean="0"/>
+              <a:t>Daubechies</a:t>
+            </a:r>
+            <a:r>
+              <a:rPr lang="en-US" sz="1100" dirty="0" smtClean="0"/>
+              <a:t>, “Virtual Restoration of the Ghent Altarpiece Using Crack Detection and </a:t>
+            </a:r>
+            <a:r>
+              <a:rPr lang="en-US" sz="1100" dirty="0" err="1" smtClean="0"/>
+              <a:t>Inpainting</a:t>
+            </a:r>
+            <a:r>
+              <a:rPr lang="en-US" sz="1100" dirty="0" smtClean="0"/>
+              <a:t>”, in ACIVS 2011, pp 417-428.</a:t>
+            </a:r>
+          </a:p>
+          <a:p>
+            <a:r>
+              <a:rPr lang="en-US" sz="1100" dirty="0" smtClean="0"/>
+              <a:t>[16] P. </a:t>
+            </a:r>
+            <a:r>
+              <a:rPr lang="en-US" sz="1100" dirty="0" err="1" smtClean="0"/>
+              <a:t>Wohlhart</a:t>
+            </a:r>
+            <a:r>
+              <a:rPr lang="en-US" sz="1100" dirty="0" smtClean="0"/>
+              <a:t> and V. </a:t>
+            </a:r>
+            <a:r>
+              <a:rPr lang="en-US" sz="1100" dirty="0" err="1" smtClean="0"/>
+              <a:t>Lepetit</a:t>
+            </a:r>
+            <a:r>
+              <a:rPr lang="en-US" sz="1100" dirty="0" smtClean="0"/>
+              <a:t>, “Learning descriptors for object recognition and 3D pose estimation”, in CVPR, </a:t>
+            </a:r>
+            <a:r>
+              <a:rPr lang="en-US" sz="1100" smtClean="0"/>
+              <a:t>IEEE Conference, 2015, pp 3109-3118</a:t>
+            </a:r>
+            <a:endParaRPr lang="en-US" sz="1100" dirty="0" smtClean="0"/>
+          </a:p>
+          <a:p>
+            <a:endParaRPr lang="en-US" sz="1100" dirty="0"/>
           </a:p>
         </p:txBody>
       </p:sp>
     </p:spTree>
     <p:extLst>
       <p:ext uri="{BB962C8B-B14F-4D97-AF65-F5344CB8AC3E}">
-        <p14:creationId xmlns:p14="http://schemas.microsoft.com/office/powerpoint/2010/main" val="3582194975"/>
+        <p14:creationId xmlns:p14="http://schemas.microsoft.com/office/powerpoint/2010/main" val="1440396747"/>
       </p:ext>
     </p:extLst>
   </p:cSld>
@@ -8490,7 +9437,7 @@
   <a:extraClrSchemeLst/>
   <a:extLst>
     <a:ext uri="{05A4C25C-085E-4340-85A3-A5531E510DB2}">
-      <thm15:themeFamily xmlns:thm15="http://schemas.microsoft.com/office/thememl/2012/main" xmlns="" name="Presentation8" id="{DABEB7E4-FBD7-C94F-9D7C-453E867EFB64}" vid="{9B141126-495E-6545-A756-93C48DDBAC65}"/>
+      <thm15:themeFamily xmlns:thm15="http://schemas.microsoft.com/office/thememl/2012/main" name="Presentation8" id="{DABEB7E4-FBD7-C94F-9D7C-453E867EFB64}" vid="{9B141126-495E-6545-A756-93C48DDBAC65}"/>
     </a:ext>
   </a:extLst>
 </a:theme>

--- a/DGA1031/What is it.pptx
+++ b/DGA1031/What is it.pptx
@@ -277,7 +277,7 @@
           <a:p>
             <a:fld id="{276D79ED-3FA7-4EF8-964B-EB8BCFAB02F8}" type="datetimeFigureOut">
               <a:rPr lang="en-US" smtClean="0"/>
-              <a:t>2/18/2018</a:t>
+              <a:t>2/21/2018</a:t>
             </a:fld>
             <a:endParaRPr lang="en-US"/>
           </a:p>
@@ -447,7 +447,7 @@
           <a:p>
             <a:fld id="{276D79ED-3FA7-4EF8-964B-EB8BCFAB02F8}" type="datetimeFigureOut">
               <a:rPr lang="en-US" smtClean="0"/>
-              <a:t>2/18/2018</a:t>
+              <a:t>2/21/2018</a:t>
             </a:fld>
             <a:endParaRPr lang="en-US"/>
           </a:p>
@@ -695,7 +695,7 @@
           <a:p>
             <a:fld id="{276D79ED-3FA7-4EF8-964B-EB8BCFAB02F8}" type="datetimeFigureOut">
               <a:rPr lang="en-US" smtClean="0"/>
-              <a:t>2/18/2018</a:t>
+              <a:t>2/21/2018</a:t>
             </a:fld>
             <a:endParaRPr lang="en-US"/>
           </a:p>
@@ -927,7 +927,7 @@
           <a:p>
             <a:fld id="{276D79ED-3FA7-4EF8-964B-EB8BCFAB02F8}" type="datetimeFigureOut">
               <a:rPr lang="en-US" smtClean="0"/>
-              <a:t>2/18/2018</a:t>
+              <a:t>2/21/2018</a:t>
             </a:fld>
             <a:endParaRPr lang="en-US"/>
           </a:p>
@@ -1294,7 +1294,7 @@
           <a:p>
             <a:fld id="{276D79ED-3FA7-4EF8-964B-EB8BCFAB02F8}" type="datetimeFigureOut">
               <a:rPr lang="en-US" smtClean="0"/>
-              <a:t>2/18/2018</a:t>
+              <a:t>2/21/2018</a:t>
             </a:fld>
             <a:endParaRPr lang="en-US"/>
           </a:p>
@@ -1412,7 +1412,7 @@
           <a:p>
             <a:fld id="{276D79ED-3FA7-4EF8-964B-EB8BCFAB02F8}" type="datetimeFigureOut">
               <a:rPr lang="en-US" smtClean="0"/>
-              <a:t>2/18/2018</a:t>
+              <a:t>2/21/2018</a:t>
             </a:fld>
             <a:endParaRPr lang="en-US"/>
           </a:p>
@@ -1507,7 +1507,7 @@
           <a:p>
             <a:fld id="{276D79ED-3FA7-4EF8-964B-EB8BCFAB02F8}" type="datetimeFigureOut">
               <a:rPr lang="en-US" smtClean="0"/>
-              <a:t>2/18/2018</a:t>
+              <a:t>2/21/2018</a:t>
             </a:fld>
             <a:endParaRPr lang="en-US"/>
           </a:p>
@@ -1784,7 +1784,7 @@
           <a:p>
             <a:fld id="{276D79ED-3FA7-4EF8-964B-EB8BCFAB02F8}" type="datetimeFigureOut">
               <a:rPr lang="en-US" smtClean="0"/>
-              <a:t>2/18/2018</a:t>
+              <a:t>2/21/2018</a:t>
             </a:fld>
             <a:endParaRPr lang="en-US"/>
           </a:p>
@@ -2041,7 +2041,7 @@
           <a:p>
             <a:fld id="{276D79ED-3FA7-4EF8-964B-EB8BCFAB02F8}" type="datetimeFigureOut">
               <a:rPr lang="en-US" smtClean="0"/>
-              <a:t>2/18/2018</a:t>
+              <a:t>2/21/2018</a:t>
             </a:fld>
             <a:endParaRPr lang="en-US"/>
           </a:p>
@@ -2262,7 +2262,7 @@
           <a:p>
             <a:fld id="{276D79ED-3FA7-4EF8-964B-EB8BCFAB02F8}" type="datetimeFigureOut">
               <a:rPr lang="en-US" smtClean="0"/>
-              <a:t>2/18/2018</a:t>
+              <a:t>2/21/2018</a:t>
             </a:fld>
             <a:endParaRPr lang="en-US"/>
           </a:p>
@@ -2813,7 +2813,11 @@
             </a:br>
             <a:r>
               <a:rPr lang="en-US" dirty="0" smtClean="0"/>
-              <a:t>What is it?</a:t>
+              <a:t>What is </a:t>
+            </a:r>
+            <a:r>
+              <a:rPr lang="en-US" dirty="0" smtClean="0"/>
+              <a:t>it (WIT) ?</a:t>
             </a:r>
             <a:endParaRPr lang="en-US" dirty="0"/>
           </a:p>
@@ -2873,6 +2877,9 @@
               <a:rPr lang="en-US" sz="2000" b="1" dirty="0" err="1" smtClean="0"/>
               <a:t>Brisebois</a:t>
             </a:r>
+            <a:endParaRPr lang="en-US" sz="2000" b="1" dirty="0" smtClean="0"/>
+          </a:p>
+          <a:p>
             <a:endParaRPr lang="en-US" sz="2000" b="1" dirty="0" smtClean="0"/>
           </a:p>
         </p:txBody>
@@ -2922,8 +2929,8 @@
         </p:nvSpPr>
         <p:spPr>
           <a:xfrm>
-            <a:off x="4415480" y="1000125"/>
-            <a:ext cx="2883244" cy="1713470"/>
+            <a:off x="3161654" y="1000125"/>
+            <a:ext cx="4137070" cy="1713470"/>
           </a:xfrm>
           <a:prstGeom prst="wedgeRectCallout">
             <a:avLst>
@@ -2951,7 +2958,7 @@
           <a:lstStyle/>
           <a:p>
             <a:r>
-              <a:rPr lang="en-US" sz="1600" dirty="0" smtClean="0"/>
+              <a:rPr lang="en-US" sz="1600" b="1" dirty="0" smtClean="0"/>
               <a:t>Original feature information:</a:t>
             </a:r>
           </a:p>
@@ -3053,6 +3060,77 @@
               <a:rPr lang="en-US" sz="1100" dirty="0"/>
               <a:t>https://en.wikipedia.org/wiki/Mona_Lisa</a:t>
             </a:r>
+          </a:p>
+        </p:txBody>
+      </p:sp>
+      <p:sp>
+        <p:nvSpPr>
+          <p:cNvPr id="7" name="Round Diagonal Corner Rectangle 6"/>
+          <p:cNvSpPr/>
+          <p:nvPr/>
+        </p:nvSpPr>
+        <p:spPr>
+          <a:xfrm>
+            <a:off x="2918025" y="3358834"/>
+            <a:ext cx="4624327" cy="1723759"/>
+          </a:xfrm>
+          <a:prstGeom prst="round2DiagRect">
+            <a:avLst/>
+          </a:prstGeom>
+        </p:spPr>
+        <p:style>
+          <a:lnRef idx="2">
+            <a:schemeClr val="dk1"/>
+          </a:lnRef>
+          <a:fillRef idx="1">
+            <a:schemeClr val="lt1"/>
+          </a:fillRef>
+          <a:effectRef idx="0">
+            <a:schemeClr val="dk1"/>
+          </a:effectRef>
+          <a:fontRef idx="minor">
+            <a:schemeClr val="dk1"/>
+          </a:fontRef>
+        </p:style>
+        <p:txBody>
+          <a:bodyPr rtlCol="0" anchor="ctr"/>
+          <a:lstStyle/>
+          <a:p>
+            <a:r>
+              <a:rPr lang="en-US" b="1" dirty="0"/>
+              <a:t>Limitation:</a:t>
+            </a:r>
+          </a:p>
+          <a:p>
+            <a:r>
+              <a:rPr lang="en-US" dirty="0"/>
+              <a:t>+ Performance: time </a:t>
+            </a:r>
+            <a:r>
+              <a:rPr lang="en-US" dirty="0" smtClean="0"/>
+              <a:t>response</a:t>
+            </a:r>
+          </a:p>
+          <a:p>
+            <a:r>
+              <a:rPr lang="en-US" dirty="0" smtClean="0"/>
+              <a:t>+ Accuracy: Detect the general object (e.g., a car, person, tree, etc.,)</a:t>
+            </a:r>
+          </a:p>
+          <a:p>
+            <a:r>
+              <a:rPr lang="en-US" dirty="0" smtClean="0"/>
+              <a:t>+ </a:t>
+            </a:r>
+            <a:r>
+              <a:rPr lang="en-US" dirty="0"/>
+              <a:t>Display information without </a:t>
+            </a:r>
+            <a:r>
+              <a:rPr lang="en-US" dirty="0" smtClean="0"/>
+              <a:t>visualizing</a:t>
+            </a:r>
+            <a:endParaRPr lang="en-US" dirty="0"/>
           </a:p>
         </p:txBody>
       </p:sp>
@@ -3121,8 +3199,8 @@
         </p:nvSpPr>
         <p:spPr>
           <a:xfrm>
-            <a:off x="3095897" y="1584960"/>
-            <a:ext cx="8623663" cy="4644254"/>
+            <a:off x="3095896" y="1430448"/>
+            <a:ext cx="8623663" cy="4956745"/>
           </a:xfrm>
         </p:spPr>
         <p:txBody>
@@ -3137,8 +3215,20 @@
               </a:lnSpc>
             </a:pPr>
             <a:r>
-              <a:rPr lang="en-US" sz="1200" dirty="0" smtClean="0"/>
-              <a:t>Identify and recognize the object with the “private feature” of artwork, specimen, whatever</a:t>
+              <a:rPr lang="en-US" sz="1100" dirty="0" smtClean="0"/>
+              <a:t>Identify and recognize the object with the </a:t>
+            </a:r>
+            <a:r>
+              <a:rPr lang="en-US" sz="1100" b="1" dirty="0" smtClean="0">
+                <a:solidFill>
+                  <a:srgbClr val="0070C0"/>
+                </a:solidFill>
+              </a:rPr>
+              <a:t>“private feature” </a:t>
+            </a:r>
+            <a:r>
+              <a:rPr lang="en-US" sz="1100" dirty="0" smtClean="0"/>
+              <a:t>of artwork, specimen, whatever</a:t>
             </a:r>
           </a:p>
           <a:p>
@@ -3148,8 +3238,20 @@
               </a:lnSpc>
             </a:pPr>
             <a:r>
-              <a:rPr lang="en-US" sz="1200" dirty="0" smtClean="0"/>
-              <a:t>Faster handling of responding for real time used cases</a:t>
+              <a:rPr lang="en-US" sz="1100" dirty="0" smtClean="0"/>
+              <a:t>Faster handling of responding for </a:t>
+            </a:r>
+            <a:r>
+              <a:rPr lang="en-US" sz="1100" dirty="0" smtClean="0">
+                <a:solidFill>
+                  <a:srgbClr val="FF0000"/>
+                </a:solidFill>
+              </a:rPr>
+              <a:t>real time </a:t>
+            </a:r>
+            <a:r>
+              <a:rPr lang="en-US" sz="1100" dirty="0" smtClean="0"/>
+              <a:t>used cases</a:t>
             </a:r>
           </a:p>
           <a:p>
@@ -3159,15 +3261,25 @@
               </a:lnSpc>
             </a:pPr>
             <a:r>
-              <a:rPr lang="en-US" sz="1200" dirty="0" smtClean="0"/>
+              <a:rPr lang="en-US" sz="1100" dirty="0" smtClean="0"/>
               <a:t>Data </a:t>
             </a:r>
             <a:r>
-              <a:rPr lang="en-US" sz="1200" dirty="0"/>
-              <a:t>authenticity, confidentiality, ready, and integrity for </a:t>
-            </a:r>
-            <a:r>
-              <a:rPr lang="en-US" sz="1200" dirty="0" smtClean="0"/>
+              <a:rPr lang="en-US" sz="1100" dirty="0">
+                <a:solidFill>
+                  <a:schemeClr val="accent2">
+                    <a:lumMod val="75000"/>
+                  </a:schemeClr>
+                </a:solidFill>
+              </a:rPr>
+              <a:t>authenticity, confidentiality, ready, and integrity </a:t>
+            </a:r>
+            <a:r>
+              <a:rPr lang="en-US" sz="1100" dirty="0"/>
+              <a:t>for </a:t>
+            </a:r>
+            <a:r>
+              <a:rPr lang="en-US" sz="1100" dirty="0" smtClean="0"/>
               <a:t>real time applications</a:t>
             </a:r>
           </a:p>
@@ -3178,12 +3290,24 @@
               </a:lnSpc>
             </a:pPr>
             <a:r>
-              <a:rPr lang="en-US" sz="1200" dirty="0" smtClean="0"/>
+              <a:rPr lang="en-US" sz="1100" dirty="0" smtClean="0"/>
               <a:t>The </a:t>
             </a:r>
             <a:r>
-              <a:rPr lang="en-US" sz="1200" dirty="0"/>
-              <a:t>expectation of users for huge amount of objects to search among</a:t>
+              <a:rPr lang="en-US" sz="1100" dirty="0"/>
+              <a:t>expectation of users </a:t>
+            </a:r>
+            <a:r>
+              <a:rPr lang="en-US" sz="1100" dirty="0">
+                <a:solidFill>
+                  <a:srgbClr val="C00000"/>
+                </a:solidFill>
+              </a:rPr>
+              <a:t>for huge amount of objects </a:t>
+            </a:r>
+            <a:r>
+              <a:rPr lang="en-US" sz="1100" dirty="0"/>
+              <a:t>to search among</a:t>
             </a:r>
           </a:p>
           <a:p>
@@ -3193,12 +3317,20 @@
               </a:lnSpc>
             </a:pPr>
             <a:r>
-              <a:rPr lang="en-US" sz="1200" dirty="0" smtClean="0"/>
+              <a:rPr lang="en-US" sz="1100" dirty="0" smtClean="0"/>
               <a:t>Sometimes </a:t>
             </a:r>
             <a:r>
-              <a:rPr lang="en-US" sz="1200" dirty="0"/>
-              <a:t>incompleteness query specification seems to be a challenge</a:t>
+              <a:rPr lang="en-US" sz="1100" dirty="0">
+                <a:solidFill>
+                  <a:srgbClr val="00B0F0"/>
+                </a:solidFill>
+              </a:rPr>
+              <a:t>incompleteness query specification </a:t>
+            </a:r>
+            <a:r>
+              <a:rPr lang="en-US" sz="1100" dirty="0"/>
+              <a:t>seems to be a challenge</a:t>
             </a:r>
           </a:p>
           <a:p>
@@ -3208,23 +3340,35 @@
               </a:lnSpc>
             </a:pPr>
             <a:r>
-              <a:rPr lang="en-US" sz="1200" dirty="0" smtClean="0"/>
+              <a:rPr lang="en-US" sz="1100" dirty="0" smtClean="0">
+                <a:solidFill>
+                  <a:srgbClr val="FF0000"/>
+                </a:solidFill>
+              </a:rPr>
               <a:t>Incomplete </a:t>
             </a:r>
             <a:r>
-              <a:rPr lang="en-US" sz="1200" dirty="0"/>
-              <a:t>image description is also a </a:t>
-            </a:r>
-            <a:r>
-              <a:rPr lang="en-US" sz="1200" dirty="0" smtClean="0"/>
+              <a:rPr lang="en-US" sz="1100" dirty="0">
+                <a:solidFill>
+                  <a:srgbClr val="FF0000"/>
+                </a:solidFill>
+              </a:rPr>
+              <a:t>image </a:t>
+            </a:r>
+            <a:r>
+              <a:rPr lang="en-US" sz="1100" dirty="0"/>
+              <a:t>description is also a </a:t>
+            </a:r>
+            <a:r>
+              <a:rPr lang="en-US" sz="1100" dirty="0" smtClean="0"/>
               <a:t>source </a:t>
             </a:r>
             <a:r>
-              <a:rPr lang="en-US" sz="1200" dirty="0"/>
+              <a:rPr lang="en-US" sz="1100" dirty="0"/>
               <a:t>of challenge to an efficient CBIR </a:t>
             </a:r>
             <a:r>
-              <a:rPr lang="en-US" sz="1200" dirty="0" smtClean="0"/>
+              <a:rPr lang="en-US" sz="1100" dirty="0" smtClean="0"/>
               <a:t>system</a:t>
             </a:r>
           </a:p>
@@ -3235,8 +3379,20 @@
               </a:lnSpc>
             </a:pPr>
             <a:r>
-              <a:rPr lang="en-US" sz="1200" dirty="0" smtClean="0"/>
-              <a:t>The issue related to the semantic gap where it means the lack of coincidence between information that the same data have for a user in a given situation</a:t>
+              <a:rPr lang="en-US" sz="1100" dirty="0" smtClean="0"/>
+              <a:t>The issue related to the semantic gap where it means </a:t>
+            </a:r>
+            <a:r>
+              <a:rPr lang="en-US" sz="1100" dirty="0" smtClean="0">
+                <a:solidFill>
+                  <a:srgbClr val="00B050"/>
+                </a:solidFill>
+              </a:rPr>
+              <a:t>the lack of coincidence </a:t>
+            </a:r>
+            <a:r>
+              <a:rPr lang="en-US" sz="1100" dirty="0" smtClean="0"/>
+              <a:t>between information that the same data have for a user in a given situation</a:t>
             </a:r>
           </a:p>
           <a:p>
@@ -3246,11 +3402,19 @@
               </a:lnSpc>
             </a:pPr>
             <a:r>
-              <a:rPr lang="en-US" sz="1200" dirty="0"/>
-              <a:t>Updating meta-data based on the collected information from each node ( user</a:t>
-            </a:r>
-            <a:r>
-              <a:rPr lang="en-US" sz="1200" dirty="0" smtClean="0"/>
+              <a:rPr lang="en-US" sz="1100" dirty="0">
+                <a:solidFill>
+                  <a:srgbClr val="0070C0"/>
+                </a:solidFill>
+              </a:rPr>
+              <a:t>Updating meta-data</a:t>
+            </a:r>
+            <a:r>
+              <a:rPr lang="en-US" sz="1100" dirty="0"/>
+              <a:t> based on the collected information from each node ( user</a:t>
+            </a:r>
+            <a:r>
+              <a:rPr lang="en-US" sz="1100" dirty="0" smtClean="0"/>
               <a:t>)</a:t>
             </a:r>
           </a:p>
@@ -3261,13 +3425,14 @@
               </a:lnSpc>
             </a:pPr>
             <a:r>
-              <a:rPr lang="en-US" sz="1200" dirty="0"/>
-              <a:t>How to recognize the object with any angle direction </a:t>
-            </a:r>
-            <a:r>
-              <a:rPr lang="en-US" sz="1200" dirty="0" smtClean="0"/>
-              <a:t>of user’s view?</a:t>
-            </a:r>
+              <a:rPr lang="en-US" sz="1100" dirty="0" smtClean="0"/>
+              <a:t>How to recognize the object with its’ </a:t>
+            </a:r>
+            <a:r>
+              <a:rPr lang="en-US" sz="1100" b="1" dirty="0" smtClean="0"/>
+              <a:t>rotation-invariant</a:t>
+            </a:r>
+            <a:endParaRPr lang="en-US" sz="1100" b="1" dirty="0" smtClean="0"/>
           </a:p>
           <a:p>
             <a:pPr algn="just">
@@ -3276,10 +3441,72 @@
               </a:lnSpc>
             </a:pPr>
             <a:r>
-              <a:rPr lang="en-US" sz="1200" dirty="0"/>
-              <a:t>How to recognize an object in spite of the partially obscured one?</a:t>
-            </a:r>
-            <a:endParaRPr lang="en-US" sz="1200" dirty="0"/>
+              <a:rPr lang="en-US" sz="1100" dirty="0"/>
+              <a:t>How to recognize the object with </a:t>
+            </a:r>
+            <a:r>
+              <a:rPr lang="en-US" sz="1100" dirty="0">
+                <a:solidFill>
+                  <a:srgbClr val="FF0000"/>
+                </a:solidFill>
+              </a:rPr>
+              <a:t>any angle direction </a:t>
+            </a:r>
+            <a:r>
+              <a:rPr lang="en-US" sz="1100" dirty="0" smtClean="0"/>
+              <a:t>of user’s view?</a:t>
+            </a:r>
+          </a:p>
+          <a:p>
+            <a:pPr algn="just">
+              <a:lnSpc>
+                <a:spcPct val="170000"/>
+              </a:lnSpc>
+            </a:pPr>
+            <a:r>
+              <a:rPr lang="en-US" sz="1100" dirty="0"/>
+              <a:t>How to recognize an object in spite of the</a:t>
+            </a:r>
+            <a:r>
+              <a:rPr lang="en-US" sz="1100" dirty="0">
+                <a:solidFill>
+                  <a:srgbClr val="002060"/>
+                </a:solidFill>
+              </a:rPr>
+              <a:t> partially obscured one</a:t>
+            </a:r>
+            <a:r>
+              <a:rPr lang="en-US" sz="1100" dirty="0" smtClean="0">
+                <a:solidFill>
+                  <a:srgbClr val="002060"/>
+                </a:solidFill>
+              </a:rPr>
+              <a:t>?</a:t>
+            </a:r>
+          </a:p>
+          <a:p>
+            <a:pPr algn="just">
+              <a:lnSpc>
+                <a:spcPct val="170000"/>
+              </a:lnSpc>
+            </a:pPr>
+            <a:endParaRPr lang="en-US" sz="1100" dirty="0" smtClean="0">
+              <a:solidFill>
+                <a:srgbClr val="002060"/>
+              </a:solidFill>
+            </a:endParaRPr>
+          </a:p>
+          <a:p>
+            <a:pPr algn="just">
+              <a:lnSpc>
+                <a:spcPct val="170000"/>
+              </a:lnSpc>
+            </a:pPr>
+            <a:endParaRPr lang="en-US" sz="1100" dirty="0">
+              <a:solidFill>
+                <a:srgbClr val="002060"/>
+              </a:solidFill>
+            </a:endParaRPr>
           </a:p>
         </p:txBody>
       </p:sp>
@@ -3321,7 +3548,7 @@
         </p:nvSpPr>
         <p:spPr>
           <a:xfrm>
-            <a:off x="3523527" y="487319"/>
+            <a:off x="4130110" y="423945"/>
             <a:ext cx="3540213" cy="1552832"/>
           </a:xfrm>
           <a:prstGeom prst="wedgeRectCallout">
@@ -3394,7 +3621,7 @@
         </p:nvSpPr>
         <p:spPr>
           <a:xfrm>
-            <a:off x="3523527" y="2163722"/>
+            <a:off x="4130110" y="2100348"/>
             <a:ext cx="3540214" cy="962112"/>
           </a:xfrm>
           <a:prstGeom prst="wedgeRectCallout">
@@ -3430,11 +3657,6 @@
               </a:rPr>
               <a:t>Proposed improved performance:</a:t>
             </a:r>
-            <a:endParaRPr lang="en-US" sz="1600" b="1" dirty="0" smtClean="0">
-              <a:solidFill>
-                <a:schemeClr val="accent6"/>
-              </a:solidFill>
-            </a:endParaRPr>
           </a:p>
           <a:p>
             <a:r>
@@ -3443,46 +3665,17 @@
                   <a:schemeClr val="accent6"/>
                 </a:solidFill>
               </a:rPr>
-              <a:t>+ </a:t>
-            </a:r>
+              <a:t>+ Geolocation</a:t>
+            </a:r>
+          </a:p>
+          <a:p>
             <a:r>
               <a:rPr lang="en-US" sz="1600" dirty="0" smtClean="0">
                 <a:solidFill>
                   <a:schemeClr val="accent6"/>
                 </a:solidFill>
               </a:rPr>
-              <a:t>Geolocation</a:t>
-            </a:r>
-            <a:endParaRPr lang="en-US" sz="1600" dirty="0" smtClean="0">
-              <a:solidFill>
-                <a:schemeClr val="accent6"/>
-              </a:solidFill>
-            </a:endParaRPr>
-          </a:p>
-          <a:p>
-            <a:r>
-              <a:rPr lang="en-US" sz="1600" dirty="0" smtClean="0">
-                <a:solidFill>
-                  <a:schemeClr val="accent6"/>
-                </a:solidFill>
-              </a:rPr>
-              <a:t>+ </a:t>
-            </a:r>
-            <a:r>
-              <a:rPr lang="en-US" sz="1600" dirty="0" smtClean="0">
-                <a:solidFill>
-                  <a:schemeClr val="accent6"/>
-                </a:solidFill>
-              </a:rPr>
-              <a:t>Hashtag </a:t>
-            </a:r>
-            <a:r>
-              <a:rPr lang="en-US" sz="1600" dirty="0" smtClean="0">
-                <a:solidFill>
-                  <a:schemeClr val="accent6"/>
-                </a:solidFill>
-              </a:rPr>
-              <a:t>information</a:t>
+              <a:t>+ Hashtag information</a:t>
             </a:r>
           </a:p>
         </p:txBody>
@@ -3495,7 +3688,7 @@
         </p:nvSpPr>
         <p:spPr>
           <a:xfrm>
-            <a:off x="3523527" y="3249405"/>
+            <a:off x="4130110" y="3186031"/>
             <a:ext cx="3540213" cy="1205129"/>
           </a:xfrm>
           <a:prstGeom prst="wedgeRectCallout">
@@ -3555,15 +3748,27 @@
                   <a:schemeClr val="accent5"/>
                 </a:solidFill>
               </a:rPr>
-              <a:t>+ </a:t>
-            </a:r>
+              <a:t>+ Private features</a:t>
+            </a:r>
+          </a:p>
+          <a:p>
             <a:r>
               <a:rPr lang="en-US" sz="1600" dirty="0" smtClean="0">
                 <a:solidFill>
                   <a:schemeClr val="accent5"/>
                 </a:solidFill>
               </a:rPr>
-              <a:t>Private </a:t>
+              <a:t>+ Style features</a:t>
+            </a:r>
+          </a:p>
+          <a:p>
+            <a:r>
+              <a:rPr lang="en-US" sz="1600" dirty="0" smtClean="0">
+                <a:solidFill>
+                  <a:schemeClr val="accent5"/>
+                </a:solidFill>
+              </a:rPr>
+              <a:t>+ Guessing </a:t>
             </a:r>
             <a:r>
               <a:rPr lang="en-US" sz="1600" dirty="0" smtClean="0">
@@ -3573,63 +3778,6 @@
               </a:rPr>
               <a:t>features</a:t>
             </a:r>
-          </a:p>
-          <a:p>
-            <a:r>
-              <a:rPr lang="en-US" sz="1600" dirty="0" smtClean="0">
-                <a:solidFill>
-                  <a:schemeClr val="accent5"/>
-                </a:solidFill>
-              </a:rPr>
-              <a:t>+ </a:t>
-            </a:r>
-            <a:r>
-              <a:rPr lang="en-US" sz="1600" dirty="0" smtClean="0">
-                <a:solidFill>
-                  <a:schemeClr val="accent5"/>
-                </a:solidFill>
-              </a:rPr>
-              <a:t>Style </a:t>
-            </a:r>
-            <a:r>
-              <a:rPr lang="en-US" sz="1600" dirty="0" smtClean="0">
-                <a:solidFill>
-                  <a:schemeClr val="accent5"/>
-                </a:solidFill>
-              </a:rPr>
-              <a:t>features</a:t>
-            </a:r>
-          </a:p>
-          <a:p>
-            <a:r>
-              <a:rPr lang="en-US" sz="1600" dirty="0" smtClean="0">
-                <a:solidFill>
-                  <a:schemeClr val="accent5"/>
-                </a:solidFill>
-              </a:rPr>
-              <a:t>+ </a:t>
-            </a:r>
-            <a:r>
-              <a:rPr lang="en-US" sz="1600" dirty="0" smtClean="0">
-                <a:solidFill>
-                  <a:schemeClr val="accent5"/>
-                </a:solidFill>
-              </a:rPr>
-              <a:t>Guessing </a:t>
-            </a:r>
-            <a:r>
-              <a:rPr lang="en-US" sz="1600" dirty="0" smtClean="0">
-                <a:solidFill>
-                  <a:schemeClr val="accent5"/>
-                </a:solidFill>
-              </a:rPr>
-              <a:t>features</a:t>
-            </a:r>
-            <a:endParaRPr lang="en-US" sz="1600" dirty="0">
-              <a:solidFill>
-                <a:schemeClr val="accent5"/>
-              </a:solidFill>
-            </a:endParaRPr>
           </a:p>
         </p:txBody>
       </p:sp>
@@ -3710,7 +3858,7 @@
         </p:nvSpPr>
         <p:spPr>
           <a:xfrm>
-            <a:off x="3523527" y="4578105"/>
+            <a:off x="4130110" y="4514731"/>
             <a:ext cx="3540213" cy="1651245"/>
           </a:xfrm>
           <a:prstGeom prst="wedgeRectCallout">
@@ -3719,6 +3867,11 @@
               <a:gd name="adj2" fmla="val 48991"/>
             </a:avLst>
           </a:prstGeom>
+          <a:ln>
+            <a:solidFill>
+              <a:srgbClr val="FF0000"/>
+            </a:solidFill>
+          </a:ln>
         </p:spPr>
         <p:style>
           <a:lnRef idx="2">
@@ -3744,23 +3897,7 @@
                   <a:srgbClr val="7030A0"/>
                 </a:solidFill>
               </a:rPr>
-              <a:t>Proposed </a:t>
-            </a:r>
-            <a:r>
-              <a:rPr lang="en-US" sz="1600" b="1" dirty="0" smtClean="0">
-                <a:solidFill>
-                  <a:srgbClr val="7030A0"/>
-                </a:solidFill>
-              </a:rPr>
-              <a:t>visualized </a:t>
-            </a:r>
-            <a:r>
-              <a:rPr lang="en-US" sz="1600" b="1" dirty="0" smtClean="0">
-                <a:solidFill>
-                  <a:srgbClr val="7030A0"/>
-                </a:solidFill>
-              </a:rPr>
-              <a:t>features:</a:t>
+              <a:t>Proposed visualized features:</a:t>
             </a:r>
           </a:p>
           <a:p>
@@ -3797,6 +3934,126 @@
                 <a:srgbClr val="7030A0"/>
               </a:solidFill>
             </a:endParaRPr>
+          </a:p>
+        </p:txBody>
+      </p:sp>
+      <p:sp>
+        <p:nvSpPr>
+          <p:cNvPr id="2" name="Right Arrow 1"/>
+          <p:cNvSpPr/>
+          <p:nvPr/>
+        </p:nvSpPr>
+        <p:spPr>
+          <a:xfrm>
+            <a:off x="3440317" y="2507810"/>
+            <a:ext cx="470780" cy="262550"/>
+          </a:xfrm>
+          <a:prstGeom prst="rightArrow">
+            <a:avLst/>
+          </a:prstGeom>
+        </p:spPr>
+        <p:style>
+          <a:lnRef idx="2">
+            <a:schemeClr val="accent6">
+              <a:shade val="50000"/>
+            </a:schemeClr>
+          </a:lnRef>
+          <a:fillRef idx="1">
+            <a:schemeClr val="accent6"/>
+          </a:fillRef>
+          <a:effectRef idx="0">
+            <a:schemeClr val="accent6"/>
+          </a:effectRef>
+          <a:fontRef idx="minor">
+            <a:schemeClr val="lt1"/>
+          </a:fontRef>
+        </p:style>
+        <p:txBody>
+          <a:bodyPr rtlCol="0" anchor="ctr"/>
+          <a:lstStyle/>
+          <a:p>
+            <a:pPr algn="ctr"/>
+            <a:endParaRPr lang="en-US"/>
+          </a:p>
+        </p:txBody>
+      </p:sp>
+      <p:sp>
+        <p:nvSpPr>
+          <p:cNvPr id="11" name="Right Arrow 10"/>
+          <p:cNvSpPr/>
+          <p:nvPr/>
+        </p:nvSpPr>
+        <p:spPr>
+          <a:xfrm>
+            <a:off x="3440317" y="3657320"/>
+            <a:ext cx="470780" cy="262550"/>
+          </a:xfrm>
+          <a:prstGeom prst="rightArrow">
+            <a:avLst/>
+          </a:prstGeom>
+        </p:spPr>
+        <p:style>
+          <a:lnRef idx="2">
+            <a:schemeClr val="accent1">
+              <a:shade val="50000"/>
+            </a:schemeClr>
+          </a:lnRef>
+          <a:fillRef idx="1">
+            <a:schemeClr val="accent1"/>
+          </a:fillRef>
+          <a:effectRef idx="0">
+            <a:schemeClr val="accent1"/>
+          </a:effectRef>
+          <a:fontRef idx="minor">
+            <a:schemeClr val="lt1"/>
+          </a:fontRef>
+        </p:style>
+        <p:txBody>
+          <a:bodyPr rtlCol="0" anchor="ctr"/>
+          <a:lstStyle/>
+          <a:p>
+            <a:pPr algn="ctr"/>
+            <a:endParaRPr lang="en-US"/>
+          </a:p>
+        </p:txBody>
+      </p:sp>
+      <p:sp>
+        <p:nvSpPr>
+          <p:cNvPr id="12" name="Right Arrow 11"/>
+          <p:cNvSpPr/>
+          <p:nvPr/>
+        </p:nvSpPr>
+        <p:spPr>
+          <a:xfrm>
+            <a:off x="3440317" y="5182660"/>
+            <a:ext cx="470780" cy="262550"/>
+          </a:xfrm>
+          <a:prstGeom prst="rightArrow">
+            <a:avLst/>
+          </a:prstGeom>
+        </p:spPr>
+        <p:style>
+          <a:lnRef idx="2">
+            <a:schemeClr val="accent5">
+              <a:shade val="50000"/>
+            </a:schemeClr>
+          </a:lnRef>
+          <a:fillRef idx="1">
+            <a:schemeClr val="accent5"/>
+          </a:fillRef>
+          <a:effectRef idx="0">
+            <a:schemeClr val="accent5"/>
+          </a:effectRef>
+          <a:fontRef idx="minor">
+            <a:schemeClr val="lt1"/>
+          </a:fontRef>
+        </p:style>
+        <p:txBody>
+          <a:bodyPr rtlCol="0" anchor="ctr"/>
+          <a:lstStyle/>
+          <a:p>
+            <a:pPr algn="ctr"/>
+            <a:endParaRPr lang="en-US"/>
           </a:p>
         </p:txBody>
       </p:sp>
@@ -3997,16 +4254,12 @@
               <a:buChar char="ü"/>
             </a:pPr>
             <a:r>
+              <a:rPr lang="en-US" smtClean="0"/>
+              <a:t>Private </a:t>
+            </a:r>
+            <a:r>
               <a:rPr lang="en-US" dirty="0" smtClean="0"/>
-              <a:t> </a:t>
-            </a:r>
-            <a:r>
-              <a:rPr lang="en-US" dirty="0" err="1" smtClean="0"/>
-              <a:t>Privated</a:t>
-            </a:r>
-            <a:r>
-              <a:rPr lang="en-US" dirty="0" smtClean="0"/>
-              <a:t> (Semantic) features</a:t>
+              <a:t>(Semantic) features</a:t>
             </a:r>
           </a:p>
           <a:p>
@@ -4392,26 +4645,42 @@
             <a:pPr algn="just"/>
             <a:r>
               <a:rPr lang="en-US" sz="2000" dirty="0" smtClean="0"/>
-              <a:t>Enhance privacy virtual assistance in Library and Museum </a:t>
+              <a:t>Enhance </a:t>
+            </a:r>
+            <a:r>
+              <a:rPr lang="en-US" sz="2000" b="1" dirty="0" smtClean="0"/>
+              <a:t>privacy virtual assistance </a:t>
+            </a:r>
+            <a:r>
+              <a:rPr lang="en-US" sz="2000" dirty="0" smtClean="0"/>
+              <a:t>in Library and Museum </a:t>
             </a:r>
           </a:p>
           <a:p>
             <a:pPr algn="just"/>
             <a:r>
+              <a:rPr lang="en-US" sz="2000" b="1" dirty="0" smtClean="0">
+                <a:solidFill>
+                  <a:srgbClr val="FF0000"/>
+                </a:solidFill>
+              </a:rPr>
+              <a:t>Improve the accuracy and performance </a:t>
+            </a:r>
+            <a:r>
               <a:rPr lang="en-US" sz="2000" dirty="0" smtClean="0"/>
-              <a:t>Improve </a:t>
+              <a:t>of object recognizing to detect the </a:t>
+            </a:r>
+            <a:r>
+              <a:rPr lang="en-US" sz="2000" b="1" dirty="0" smtClean="0">
+                <a:solidFill>
+                  <a:srgbClr val="0070C0"/>
+                </a:solidFill>
+              </a:rPr>
+              <a:t>“private (semantic) feature</a:t>
             </a:r>
             <a:r>
               <a:rPr lang="en-US" sz="2000" dirty="0" smtClean="0"/>
-              <a:t>the accuracy and performance of object recognizing to detect the “</a:t>
-            </a:r>
-            <a:r>
-              <a:rPr lang="en-US" sz="2000" dirty="0" smtClean="0"/>
-              <a:t>private (semantic) </a:t>
-            </a:r>
-            <a:r>
-              <a:rPr lang="en-US" sz="2000" dirty="0" smtClean="0"/>
-              <a:t>feature” of each artwork, specimen in the museum,  or person, car, furniture, the original of items, etc., </a:t>
+              <a:t>” of each artwork, specimen in the museum,  or person, car, furniture, the original of items, etc., </a:t>
             </a:r>
           </a:p>
           <a:p>
@@ -4421,8 +4690,18 @@
               <a:t>Design </a:t>
             </a:r>
             <a:r>
+              <a:rPr lang="en-US" sz="2000" b="1" dirty="0" smtClean="0">
+                <a:solidFill>
+                  <a:schemeClr val="accent6">
+                    <a:lumMod val="50000"/>
+                  </a:schemeClr>
+                </a:solidFill>
+              </a:rPr>
+              <a:t>automatically category mechanism for object recognition</a:t>
+            </a:r>
+            <a:r>
               <a:rPr lang="en-US" sz="2000" dirty="0" smtClean="0"/>
-              <a:t>automatically category mechanism for object recognition, and application development as well as for detecting </a:t>
+              <a:t>, and application development as well as for detecting </a:t>
             </a:r>
             <a:r>
               <a:rPr lang="en-US" sz="2000" dirty="0"/>
@@ -4437,29 +4716,47 @@
             <a:pPr algn="just"/>
             <a:r>
               <a:rPr lang="en-US" sz="2000" dirty="0" smtClean="0"/>
-              <a:t>Develop </a:t>
-            </a:r>
+              <a:t>Develop algorithms and applications based on the given metadata of the </a:t>
+            </a:r>
+            <a:r>
+              <a:rPr lang="en-US" sz="2000" b="1" dirty="0" smtClean="0"/>
+              <a:t>library, museum, or open data</a:t>
+            </a:r>
+          </a:p>
+          <a:p>
+            <a:pPr algn="just"/>
             <a:r>
               <a:rPr lang="en-US" sz="2000" dirty="0" smtClean="0"/>
-              <a:t>algorithms and applications based on the given metadata of the library, museum, or open </a:t>
+              <a:t>Develop algorithm to </a:t>
+            </a:r>
+            <a:r>
+              <a:rPr lang="en-US" sz="2000" b="1" dirty="0" smtClean="0">
+                <a:solidFill>
+                  <a:schemeClr val="accent6">
+                    <a:lumMod val="50000"/>
+                  </a:schemeClr>
+                </a:solidFill>
+              </a:rPr>
+              <a:t>generate the 4 sides of an object </a:t>
             </a:r>
             <a:r>
               <a:rPr lang="en-US" sz="2000" dirty="0" smtClean="0"/>
-              <a:t>data</a:t>
+              <a:t>based on this one’s front side</a:t>
             </a:r>
           </a:p>
           <a:p>
             <a:pPr algn="just"/>
             <a:r>
+              <a:rPr lang="en-US" sz="2000" b="1" dirty="0" smtClean="0">
+                <a:solidFill>
+                  <a:srgbClr val="FF0000"/>
+                </a:solidFill>
+              </a:rPr>
+              <a:t>Optimize the performance of search algorithm </a:t>
+            </a:r>
+            <a:r>
               <a:rPr lang="en-US" sz="2000" dirty="0" smtClean="0"/>
-              <a:t>Develop algorithm to generate the 4 sides of an object based on this one’s front side</a:t>
-            </a:r>
-          </a:p>
-          <a:p>
-            <a:pPr algn="just"/>
-            <a:r>
-              <a:rPr lang="en-US" sz="2000" dirty="0" smtClean="0"/>
-              <a:t>Optimize the performance of search algorithm by considering the boundary of the items</a:t>
+              <a:t>by considering the boundary of the items</a:t>
             </a:r>
           </a:p>
           <a:p>
@@ -4560,66 +4857,101 @@
             <a:pPr algn="just"/>
             <a:r>
               <a:rPr lang="en-US" sz="1600" dirty="0" smtClean="0"/>
-              <a:t>Exploit the Artificial, Deep, Recurrent, Convolutional neural networks (ANN,DNN,RNN,CNN), Supervised, Unsupervised, and Deep Reinforcement learning, Search Engine algorithm to improve the quality of object recognition.</a:t>
+              <a:t>Exploit the </a:t>
+            </a:r>
+            <a:r>
+              <a:rPr lang="en-US" sz="1600" b="1" dirty="0" smtClean="0"/>
+              <a:t>Artificial, Deep, Recurrent, Convolutional neural networks (ANN,DNN,RNN,CNN), Supervised, Unsupervised, and Deep Reinforcement learning</a:t>
+            </a:r>
+            <a:r>
+              <a:rPr lang="en-US" sz="1600" dirty="0" smtClean="0"/>
+              <a:t>, Search Engine algorithm to improve the quality of object recognition.</a:t>
             </a:r>
           </a:p>
           <a:p>
             <a:pPr algn="just"/>
             <a:r>
+              <a:rPr lang="en-US" sz="1600" b="1" dirty="0" smtClean="0"/>
+              <a:t>Generate the Holographic, Virtual and </a:t>
+            </a:r>
+            <a:r>
+              <a:rPr lang="en-US" sz="1600" b="1" dirty="0"/>
+              <a:t>Augmented </a:t>
+            </a:r>
+            <a:r>
+              <a:rPr lang="en-US" sz="1600" b="1" dirty="0" smtClean="0"/>
+              <a:t>reality </a:t>
+            </a:r>
+            <a:r>
               <a:rPr lang="en-US" sz="1600" dirty="0" smtClean="0"/>
-              <a:t>Generate the Holographic, Virtual and </a:t>
+              <a:t>to make an impressive and efficient visual item</a:t>
+            </a:r>
+          </a:p>
+          <a:p>
+            <a:pPr algn="just"/>
+            <a:r>
+              <a:rPr lang="en-US" sz="1600" b="1" dirty="0" smtClean="0"/>
+              <a:t>Apply a natural language user interface </a:t>
+            </a:r>
+            <a:r>
+              <a:rPr lang="en-US" sz="1600" dirty="0" smtClean="0"/>
+              <a:t>to attempt to answer questions, make recommendation, and perform actions by delegating requests to a set of Internet services</a:t>
+            </a:r>
+          </a:p>
+          <a:p>
+            <a:pPr algn="just"/>
+            <a:r>
+              <a:rPr lang="en-US" sz="1600" dirty="0" smtClean="0"/>
+              <a:t>Build-up machine learning algorithms and artificial intelligence in order to recognize, analyze and make the explanation of a given object by </a:t>
+            </a:r>
+            <a:r>
+              <a:rPr lang="en-US" sz="1600" b="1" dirty="0" smtClean="0"/>
+              <a:t>using smartphone camera.</a:t>
+            </a:r>
+          </a:p>
+          <a:p>
+            <a:pPr algn="just"/>
+            <a:r>
+              <a:rPr lang="en-US" sz="1600" b="1" dirty="0" smtClean="0"/>
+              <a:t>Optimizing and improving the performance </a:t>
+            </a:r>
+            <a:r>
+              <a:rPr lang="en-US" sz="1600" dirty="0" smtClean="0"/>
+              <a:t>of system by considering the </a:t>
+            </a:r>
+            <a:r>
+              <a:rPr lang="en-US" sz="1600" b="1" dirty="0" smtClean="0"/>
+              <a:t>boundary geolocation</a:t>
+            </a:r>
+            <a:r>
+              <a:rPr lang="en-US" sz="1600" dirty="0" smtClean="0"/>
+              <a:t> of items </a:t>
+            </a:r>
+          </a:p>
+          <a:p>
+            <a:pPr algn="just"/>
+            <a:r>
+              <a:rPr lang="en-US" sz="1600" b="1" dirty="0" smtClean="0"/>
+              <a:t>Make the approximated verification method </a:t>
+            </a:r>
+            <a:r>
+              <a:rPr lang="en-US" sz="1600" dirty="0" smtClean="0"/>
+              <a:t>to confirm the accuracy of generated information </a:t>
+            </a:r>
+          </a:p>
+          <a:p>
+            <a:pPr algn="just"/>
+            <a:r>
+              <a:rPr lang="en-US" sz="1600" b="1" dirty="0" smtClean="0"/>
+              <a:t>Generate the  </a:t>
+            </a:r>
+            <a:r>
+              <a:rPr lang="en-US" sz="1600" b="1" dirty="0"/>
+              <a:t>4 sides of an object </a:t>
             </a:r>
             <a:r>
               <a:rPr lang="en-US" sz="1600" dirty="0"/>
-              <a:t>Augmented </a:t>
-            </a:r>
-            <a:r>
-              <a:rPr lang="en-US" sz="1600" dirty="0" smtClean="0"/>
-              <a:t>reality to make an impressive and efficient visual item</a:t>
-            </a:r>
-          </a:p>
-          <a:p>
-            <a:pPr algn="just"/>
-            <a:r>
-              <a:rPr lang="en-US" sz="1600" dirty="0" smtClean="0"/>
-              <a:t>Apply a natural language user interface to attempt to answer questions, make recommendation, and perform actions by delegating requests to a set of Internet services</a:t>
-            </a:r>
-          </a:p>
-          <a:p>
-            <a:pPr algn="just"/>
-            <a:r>
-              <a:rPr lang="en-US" sz="1600" dirty="0" smtClean="0"/>
-              <a:t>Build-up machine learning algorithms and artificial intelligence in order to recognize, analyze and make the explanation of a given object by using smartphone camera.</a:t>
-            </a:r>
-          </a:p>
-          <a:p>
-            <a:pPr algn="just"/>
-            <a:r>
-              <a:rPr lang="en-US" sz="1600" dirty="0" smtClean="0"/>
-              <a:t>Optimizing and improving the performance of system by considering the boundary geolocation of items </a:t>
-            </a:r>
-          </a:p>
-          <a:p>
-            <a:pPr algn="just"/>
-            <a:r>
-              <a:rPr lang="en-US" sz="1600" dirty="0" smtClean="0"/>
-              <a:t>Make the approximated verification method to confirm the accuracy of generated information </a:t>
-            </a:r>
-            <a:endParaRPr lang="en-US" sz="1600" dirty="0" smtClean="0"/>
-          </a:p>
-          <a:p>
-            <a:pPr algn="just"/>
-            <a:r>
-              <a:rPr lang="en-US" sz="1600" dirty="0" smtClean="0"/>
-              <a:t>Generate the </a:t>
-            </a:r>
-            <a:r>
-              <a:rPr lang="en-US" sz="1600" dirty="0" smtClean="0"/>
-              <a:t> </a:t>
-            </a:r>
-            <a:r>
-              <a:rPr lang="en-US" sz="1600" dirty="0"/>
-              <a:t>4 sides of an object based on this one’s front </a:t>
+              <a:t>based on this one’s front </a:t>
             </a:r>
             <a:r>
               <a:rPr lang="en-US" sz="1600" dirty="0" smtClean="0"/>
@@ -4631,15 +4963,11 @@
             <a:pPr algn="just"/>
             <a:r>
               <a:rPr lang="en-US" sz="1600" dirty="0" smtClean="0"/>
-              <a:t>Update </a:t>
-            </a:r>
-            <a:r>
-              <a:rPr lang="en-US" sz="1600" dirty="0" smtClean="0"/>
-              <a:t>the knowledge of the system based on the users’ </a:t>
-            </a:r>
-            <a:r>
-              <a:rPr lang="en-US" sz="1600" dirty="0" smtClean="0"/>
-              <a:t>contributions</a:t>
+              <a:t>Update the knowledge of the system based on </a:t>
+            </a:r>
+            <a:r>
+              <a:rPr lang="en-US" sz="1600" b="1" dirty="0" smtClean="0"/>
+              <a:t>the users’ contributions</a:t>
             </a:r>
           </a:p>
           <a:p>
@@ -8825,11 +9153,7 @@
             </a:r>
             <a:r>
               <a:rPr lang="en-US" sz="1100" dirty="0" smtClean="0"/>
-              <a:t>, “ A Review on CBIR with its Advantages and Disadvantages for Low-level Features”, in International Journal of Computer Sciences and Engineering, Vol : Issue 7, 2016, pp. 161- </a:t>
-            </a:r>
-            <a:r>
-              <a:rPr lang="en-US" sz="1100" dirty="0" smtClean="0"/>
-              <a:t>167</a:t>
+              <a:t>, “ A Review on CBIR with its Advantages and Disadvantages for Low-level Features”, in International Journal of Computer Sciences and Engineering, Vol : Issue 7, 2016, pp. 161- 167</a:t>
             </a:r>
           </a:p>
           <a:p>

--- a/DGA1031/What is it.pptx
+++ b/DGA1031/What is it.pptx
@@ -22,11 +22,14 @@
     <p:sldId id="275" r:id="rId16"/>
     <p:sldId id="278" r:id="rId17"/>
     <p:sldId id="279" r:id="rId18"/>
-    <p:sldId id="262" r:id="rId19"/>
-    <p:sldId id="263" r:id="rId20"/>
-    <p:sldId id="270" r:id="rId21"/>
-    <p:sldId id="264" r:id="rId22"/>
-    <p:sldId id="274" r:id="rId23"/>
+    <p:sldId id="281" r:id="rId19"/>
+    <p:sldId id="282" r:id="rId20"/>
+    <p:sldId id="283" r:id="rId21"/>
+    <p:sldId id="262" r:id="rId22"/>
+    <p:sldId id="263" r:id="rId23"/>
+    <p:sldId id="270" r:id="rId24"/>
+    <p:sldId id="264" r:id="rId25"/>
+    <p:sldId id="274" r:id="rId26"/>
   </p:sldIdLst>
   <p:sldSz cx="12192000" cy="6858000"/>
   <p:notesSz cx="6858000" cy="9144000"/>
@@ -277,7 +280,7 @@
           <a:p>
             <a:fld id="{276D79ED-3FA7-4EF8-964B-EB8BCFAB02F8}" type="datetimeFigureOut">
               <a:rPr lang="en-US" smtClean="0"/>
-              <a:t>2/21/2018</a:t>
+              <a:t>2/22/2018</a:t>
             </a:fld>
             <a:endParaRPr lang="en-US"/>
           </a:p>
@@ -447,7 +450,7 @@
           <a:p>
             <a:fld id="{276D79ED-3FA7-4EF8-964B-EB8BCFAB02F8}" type="datetimeFigureOut">
               <a:rPr lang="en-US" smtClean="0"/>
-              <a:t>2/21/2018</a:t>
+              <a:t>2/22/2018</a:t>
             </a:fld>
             <a:endParaRPr lang="en-US"/>
           </a:p>
@@ -695,7 +698,7 @@
           <a:p>
             <a:fld id="{276D79ED-3FA7-4EF8-964B-EB8BCFAB02F8}" type="datetimeFigureOut">
               <a:rPr lang="en-US" smtClean="0"/>
-              <a:t>2/21/2018</a:t>
+              <a:t>2/22/2018</a:t>
             </a:fld>
             <a:endParaRPr lang="en-US"/>
           </a:p>
@@ -927,7 +930,7 @@
           <a:p>
             <a:fld id="{276D79ED-3FA7-4EF8-964B-EB8BCFAB02F8}" type="datetimeFigureOut">
               <a:rPr lang="en-US" smtClean="0"/>
-              <a:t>2/21/2018</a:t>
+              <a:t>2/22/2018</a:t>
             </a:fld>
             <a:endParaRPr lang="en-US"/>
           </a:p>
@@ -1294,7 +1297,7 @@
           <a:p>
             <a:fld id="{276D79ED-3FA7-4EF8-964B-EB8BCFAB02F8}" type="datetimeFigureOut">
               <a:rPr lang="en-US" smtClean="0"/>
-              <a:t>2/21/2018</a:t>
+              <a:t>2/22/2018</a:t>
             </a:fld>
             <a:endParaRPr lang="en-US"/>
           </a:p>
@@ -1412,7 +1415,7 @@
           <a:p>
             <a:fld id="{276D79ED-3FA7-4EF8-964B-EB8BCFAB02F8}" type="datetimeFigureOut">
               <a:rPr lang="en-US" smtClean="0"/>
-              <a:t>2/21/2018</a:t>
+              <a:t>2/22/2018</a:t>
             </a:fld>
             <a:endParaRPr lang="en-US"/>
           </a:p>
@@ -1507,7 +1510,7 @@
           <a:p>
             <a:fld id="{276D79ED-3FA7-4EF8-964B-EB8BCFAB02F8}" type="datetimeFigureOut">
               <a:rPr lang="en-US" smtClean="0"/>
-              <a:t>2/21/2018</a:t>
+              <a:t>2/22/2018</a:t>
             </a:fld>
             <a:endParaRPr lang="en-US"/>
           </a:p>
@@ -1784,7 +1787,7 @@
           <a:p>
             <a:fld id="{276D79ED-3FA7-4EF8-964B-EB8BCFAB02F8}" type="datetimeFigureOut">
               <a:rPr lang="en-US" smtClean="0"/>
-              <a:t>2/21/2018</a:t>
+              <a:t>2/22/2018</a:t>
             </a:fld>
             <a:endParaRPr lang="en-US"/>
           </a:p>
@@ -2041,7 +2044,7 @@
           <a:p>
             <a:fld id="{276D79ED-3FA7-4EF8-964B-EB8BCFAB02F8}" type="datetimeFigureOut">
               <a:rPr lang="en-US" smtClean="0"/>
-              <a:t>2/21/2018</a:t>
+              <a:t>2/22/2018</a:t>
             </a:fld>
             <a:endParaRPr lang="en-US"/>
           </a:p>
@@ -2262,7 +2265,7 @@
           <a:p>
             <a:fld id="{276D79ED-3FA7-4EF8-964B-EB8BCFAB02F8}" type="datetimeFigureOut">
               <a:rPr lang="en-US" smtClean="0"/>
-              <a:t>2/21/2018</a:t>
+              <a:t>2/22/2018</a:t>
             </a:fld>
             <a:endParaRPr lang="en-US"/>
           </a:p>
@@ -2813,11 +2816,7 @@
             </a:br>
             <a:r>
               <a:rPr lang="en-US" dirty="0" smtClean="0"/>
-              <a:t>What is </a:t>
-            </a:r>
-            <a:r>
-              <a:rPr lang="en-US" dirty="0" smtClean="0"/>
-              <a:t>it (WIT) ?</a:t>
+              <a:t>What is it (WIT) ?</a:t>
             </a:r>
             <a:endParaRPr lang="en-US" dirty="0"/>
           </a:p>
@@ -3432,7 +3431,6 @@
               <a:rPr lang="en-US" sz="1100" b="1" dirty="0" smtClean="0"/>
               <a:t>rotation-invariant</a:t>
             </a:r>
-            <a:endParaRPr lang="en-US" sz="1100" b="1" dirty="0" smtClean="0"/>
           </a:p>
           <a:p>
             <a:pPr algn="just">
@@ -3768,15 +3766,7 @@
                   <a:schemeClr val="accent5"/>
                 </a:solidFill>
               </a:rPr>
-              <a:t>+ Guessing </a:t>
-            </a:r>
-            <a:r>
-              <a:rPr lang="en-US" sz="1600" dirty="0" smtClean="0">
-                <a:solidFill>
-                  <a:schemeClr val="accent5"/>
-                </a:solidFill>
-              </a:rPr>
-              <a:t>features</a:t>
+              <a:t>+ Guessing features</a:t>
             </a:r>
           </a:p>
         </p:txBody>
@@ -4581,7 +4571,7 @@
 </file>
 
 <file path=ppt/slides/slide18.xml><?xml version="1.0" encoding="utf-8"?>
-<p:sld xmlns:a="http://schemas.openxmlformats.org/drawingml/2006/main" xmlns:r="http://schemas.openxmlformats.org/officeDocument/2006/relationships" xmlns:p="http://schemas.openxmlformats.org/presentationml/2006/main" showMasterSp="0">
+<p:sld xmlns:a="http://schemas.openxmlformats.org/drawingml/2006/main" xmlns:r="http://schemas.openxmlformats.org/officeDocument/2006/relationships" xmlns:p="http://schemas.openxmlformats.org/presentationml/2006/main">
   <p:cSld>
     <p:spTree>
       <p:nvGrpSpPr>
@@ -4597,190 +4587,311 @@
           <a:chExt cx="0" cy="0"/>
         </a:xfrm>
       </p:grpSpPr>
-      <p:sp>
-        <p:nvSpPr>
-          <p:cNvPr id="2" name="Title 1"/>
-          <p:cNvSpPr>
-            <a:spLocks noGrp="1"/>
-          </p:cNvSpPr>
-          <p:nvPr>
-            <p:ph type="title"/>
-          </p:nvPr>
-        </p:nvSpPr>
-        <p:spPr/>
-        <p:txBody>
-          <a:bodyPr/>
-          <a:lstStyle/>
-          <a:p>
+      <p:pic>
+        <p:nvPicPr>
+          <p:cNvPr id="1026" name="Picture 2" descr="Image result for hologram generate"/>
+          <p:cNvPicPr>
+            <a:picLocks noChangeAspect="1" noChangeArrowheads="1"/>
+          </p:cNvPicPr>
+          <p:nvPr/>
+        </p:nvPicPr>
+        <p:blipFill>
+          <a:blip r:embed="rId2" cstate="print">
+            <a:extLst>
+              <a:ext uri="{28A0092B-C50C-407E-A947-70E740481C1C}">
+                <a14:useLocalDpi xmlns:a14="http://schemas.microsoft.com/office/drawing/2010/main" val="0"/>
+              </a:ext>
+            </a:extLst>
+          </a:blip>
+          <a:srcRect/>
+          <a:stretch>
+            <a:fillRect/>
+          </a:stretch>
+        </p:blipFill>
+        <p:spPr bwMode="auto">
+          <a:xfrm>
+            <a:off x="9476529" y="4445250"/>
+            <a:ext cx="2117623" cy="1321807"/>
+          </a:xfrm>
+          <a:prstGeom prst="rect">
+            <a:avLst/>
+          </a:prstGeom>
+          <a:noFill/>
+          <a:extLst>
+            <a:ext uri="{909E8E84-426E-40DD-AFC4-6F175D3DCCD1}">
+              <a14:hiddenFill xmlns:a14="http://schemas.microsoft.com/office/drawing/2010/main">
+                <a:solidFill>
+                  <a:srgbClr val="FFFFFF"/>
+                </a:solidFill>
+              </a14:hiddenFill>
+            </a:ext>
+          </a:extLst>
+        </p:spPr>
+      </p:pic>
+      <p:pic>
+        <p:nvPicPr>
+          <p:cNvPr id="1028" name="Picture 4" descr="Image result for hologram picture"/>
+          <p:cNvPicPr>
+            <a:picLocks noChangeAspect="1" noChangeArrowheads="1"/>
+          </p:cNvPicPr>
+          <p:nvPr/>
+        </p:nvPicPr>
+        <p:blipFill>
+          <a:blip r:embed="rId3">
+            <a:extLst>
+              <a:ext uri="{28A0092B-C50C-407E-A947-70E740481C1C}">
+                <a14:useLocalDpi xmlns:a14="http://schemas.microsoft.com/office/drawing/2010/main" val="0"/>
+              </a:ext>
+            </a:extLst>
+          </a:blip>
+          <a:srcRect/>
+          <a:stretch>
+            <a:fillRect/>
+          </a:stretch>
+        </p:blipFill>
+        <p:spPr bwMode="auto">
+          <a:xfrm>
+            <a:off x="9379805" y="1660405"/>
+            <a:ext cx="2214347" cy="1381560"/>
+          </a:xfrm>
+          <a:prstGeom prst="rect">
+            <a:avLst/>
+          </a:prstGeom>
+          <a:noFill/>
+          <a:extLst>
+            <a:ext uri="{909E8E84-426E-40DD-AFC4-6F175D3DCCD1}">
+              <a14:hiddenFill xmlns:a14="http://schemas.microsoft.com/office/drawing/2010/main">
+                <a:solidFill>
+                  <a:srgbClr val="FFFFFF"/>
+                </a:solidFill>
+              </a14:hiddenFill>
+            </a:ext>
+          </a:extLst>
+        </p:spPr>
+      </p:pic>
+      <p:sp>
+        <p:nvSpPr>
+          <p:cNvPr id="4" name="Down Arrow 3"/>
+          <p:cNvSpPr/>
+          <p:nvPr/>
+        </p:nvSpPr>
+        <p:spPr>
+          <a:xfrm>
+            <a:off x="10345217" y="3191346"/>
+            <a:ext cx="380245" cy="1104523"/>
+          </a:xfrm>
+          <a:prstGeom prst="downArrow">
+            <a:avLst/>
+          </a:prstGeom>
+        </p:spPr>
+        <p:style>
+          <a:lnRef idx="2">
+            <a:schemeClr val="dk1"/>
+          </a:lnRef>
+          <a:fillRef idx="1">
+            <a:schemeClr val="lt1"/>
+          </a:fillRef>
+          <a:effectRef idx="0">
+            <a:schemeClr val="dk1"/>
+          </a:effectRef>
+          <a:fontRef idx="minor">
+            <a:schemeClr val="dk1"/>
+          </a:fontRef>
+        </p:style>
+        <p:txBody>
+          <a:bodyPr rtlCol="0" anchor="ctr"/>
+          <a:lstStyle/>
+          <a:p>
+            <a:pPr algn="ctr"/>
+            <a:endParaRPr lang="en-US"/>
+          </a:p>
+        </p:txBody>
+      </p:sp>
+      <p:pic>
+        <p:nvPicPr>
+          <p:cNvPr id="5" name="Picture 4"/>
+          <p:cNvPicPr>
+            <a:picLocks noChangeAspect="1"/>
+          </p:cNvPicPr>
+          <p:nvPr/>
+        </p:nvPicPr>
+        <p:blipFill>
+          <a:blip r:embed="rId4"/>
+          <a:stretch>
+            <a:fillRect/>
+          </a:stretch>
+        </p:blipFill>
+        <p:spPr>
+          <a:xfrm>
+            <a:off x="4561673" y="150760"/>
+            <a:ext cx="1514475" cy="904875"/>
+          </a:xfrm>
+          <a:prstGeom prst="rect">
+            <a:avLst/>
+          </a:prstGeom>
+        </p:spPr>
+      </p:pic>
+      <p:sp>
+        <p:nvSpPr>
+          <p:cNvPr id="6" name="Rounded Rectangle 5"/>
+          <p:cNvSpPr/>
+          <p:nvPr/>
+        </p:nvSpPr>
+        <p:spPr>
+          <a:xfrm>
+            <a:off x="3078179" y="1660405"/>
+            <a:ext cx="4218914" cy="2531349"/>
+          </a:xfrm>
+          <a:prstGeom prst="roundRect">
+            <a:avLst/>
+          </a:prstGeom>
+        </p:spPr>
+        <p:style>
+          <a:lnRef idx="2">
+            <a:schemeClr val="dk1"/>
+          </a:lnRef>
+          <a:fillRef idx="1">
+            <a:schemeClr val="lt1"/>
+          </a:fillRef>
+          <a:effectRef idx="0">
+            <a:schemeClr val="dk1"/>
+          </a:effectRef>
+          <a:fontRef idx="minor">
+            <a:schemeClr val="dk1"/>
+          </a:fontRef>
+        </p:style>
+        <p:txBody>
+          <a:bodyPr rtlCol="0" anchor="ctr"/>
+          <a:lstStyle/>
+          <a:p>
+            <a:pPr marL="285750" indent="-285750">
+              <a:buFontTx/>
+              <a:buChar char="-"/>
+            </a:pPr>
             <a:r>
               <a:rPr lang="en-US" dirty="0" smtClean="0"/>
-              <a:t>Objectives</a:t>
-            </a:r>
+              <a:t>Extract the private, semantic features</a:t>
+            </a:r>
+          </a:p>
+          <a:p>
+            <a:pPr marL="285750" indent="-285750">
+              <a:buFontTx/>
+              <a:buChar char="-"/>
+            </a:pPr>
+            <a:r>
+              <a:rPr lang="en-US" dirty="0" smtClean="0"/>
+              <a:t>Recognize what is it</a:t>
+            </a:r>
+          </a:p>
+          <a:p>
+            <a:pPr marL="285750" indent="-285750">
+              <a:buFontTx/>
+              <a:buChar char="-"/>
+            </a:pPr>
+            <a:r>
+              <a:rPr lang="en-US" dirty="0" smtClean="0"/>
+              <a:t>Evaluate and estimate the accuracy of the  result</a:t>
+            </a:r>
+          </a:p>
+          <a:p>
+            <a:pPr marL="285750" indent="-285750">
+              <a:buFontTx/>
+              <a:buChar char="-"/>
+            </a:pPr>
+            <a:r>
+              <a:rPr lang="en-US" dirty="0" smtClean="0"/>
+              <a:t>Generate the other side of the object based on the output of detection and the given data</a:t>
+            </a:r>
+          </a:p>
+          <a:p>
+            <a:pPr marL="285750" indent="-285750">
+              <a:buFontTx/>
+              <a:buChar char="-"/>
+            </a:pPr>
             <a:endParaRPr lang="en-US" dirty="0"/>
           </a:p>
         </p:txBody>
       </p:sp>
       <p:sp>
         <p:nvSpPr>
-          <p:cNvPr id="3" name="Content Placeholder 2"/>
-          <p:cNvSpPr>
-            <a:spLocks noGrp="1"/>
-          </p:cNvSpPr>
-          <p:nvPr>
-            <p:ph idx="1"/>
-          </p:nvPr>
+          <p:cNvPr id="7" name="Down Arrow 6"/>
+          <p:cNvSpPr/>
+          <p:nvPr/>
         </p:nvSpPr>
         <p:spPr>
           <a:xfrm>
-            <a:off x="3095897" y="1537062"/>
-            <a:ext cx="8623663" cy="4387352"/>
-          </a:xfrm>
-        </p:spPr>
-        <p:txBody>
-          <a:bodyPr>
-            <a:normAutofit/>
-          </a:bodyPr>
-          <a:lstStyle/>
-          <a:p>
-            <a:pPr algn="just"/>
-            <a:r>
-              <a:rPr lang="en-US" sz="2000" dirty="0" smtClean="0"/>
-              <a:t>Enhance </a:t>
-            </a:r>
-            <a:r>
-              <a:rPr lang="en-US" sz="2000" b="1" dirty="0" smtClean="0"/>
-              <a:t>privacy virtual assistance </a:t>
-            </a:r>
-            <a:r>
-              <a:rPr lang="en-US" sz="2000" dirty="0" smtClean="0"/>
-              <a:t>in Library and Museum </a:t>
-            </a:r>
-          </a:p>
-          <a:p>
-            <a:pPr algn="just"/>
-            <a:r>
-              <a:rPr lang="en-US" sz="2000" b="1" dirty="0" smtClean="0">
-                <a:solidFill>
-                  <a:srgbClr val="FF0000"/>
-                </a:solidFill>
-              </a:rPr>
-              <a:t>Improve the accuracy and performance </a:t>
-            </a:r>
-            <a:r>
-              <a:rPr lang="en-US" sz="2000" dirty="0" smtClean="0"/>
-              <a:t>of object recognizing to detect the </a:t>
-            </a:r>
-            <a:r>
-              <a:rPr lang="en-US" sz="2000" b="1" dirty="0" smtClean="0">
-                <a:solidFill>
-                  <a:srgbClr val="0070C0"/>
-                </a:solidFill>
-              </a:rPr>
-              <a:t>“private (semantic) feature</a:t>
-            </a:r>
-            <a:r>
-              <a:rPr lang="en-US" sz="2000" dirty="0" smtClean="0"/>
-              <a:t>” of each artwork, specimen in the museum,  or person, car, furniture, the original of items, etc., </a:t>
-            </a:r>
-          </a:p>
-          <a:p>
-            <a:pPr algn="just"/>
-            <a:r>
-              <a:rPr lang="en-US" sz="2000" dirty="0" smtClean="0"/>
-              <a:t>Design </a:t>
-            </a:r>
-            <a:r>
-              <a:rPr lang="en-US" sz="2000" b="1" dirty="0" smtClean="0">
-                <a:solidFill>
-                  <a:schemeClr val="accent6">
-                    <a:lumMod val="50000"/>
-                  </a:schemeClr>
-                </a:solidFill>
-              </a:rPr>
-              <a:t>automatically category mechanism for object recognition</a:t>
-            </a:r>
-            <a:r>
-              <a:rPr lang="en-US" sz="2000" dirty="0" smtClean="0"/>
-              <a:t>, and application development as well as for detecting </a:t>
-            </a:r>
-            <a:r>
-              <a:rPr lang="en-US" sz="2000" dirty="0"/>
-              <a:t>“private (semantic) feature</a:t>
-            </a:r>
-            <a:r>
-              <a:rPr lang="en-US" sz="2000" dirty="0" smtClean="0"/>
-              <a:t>” of each artwork and specimen</a:t>
-            </a:r>
-          </a:p>
-          <a:p>
-            <a:pPr algn="just"/>
-            <a:r>
-              <a:rPr lang="en-US" sz="2000" dirty="0" smtClean="0"/>
-              <a:t>Develop algorithms and applications based on the given metadata of the </a:t>
-            </a:r>
-            <a:r>
-              <a:rPr lang="en-US" sz="2000" b="1" dirty="0" smtClean="0"/>
-              <a:t>library, museum, or open data</a:t>
-            </a:r>
-          </a:p>
-          <a:p>
-            <a:pPr algn="just"/>
-            <a:r>
-              <a:rPr lang="en-US" sz="2000" dirty="0" smtClean="0"/>
-              <a:t>Develop algorithm to </a:t>
-            </a:r>
-            <a:r>
-              <a:rPr lang="en-US" sz="2000" b="1" dirty="0" smtClean="0">
-                <a:solidFill>
-                  <a:schemeClr val="accent6">
-                    <a:lumMod val="50000"/>
-                  </a:schemeClr>
-                </a:solidFill>
-              </a:rPr>
-              <a:t>generate the 4 sides of an object </a:t>
-            </a:r>
-            <a:r>
-              <a:rPr lang="en-US" sz="2000" dirty="0" smtClean="0"/>
-              <a:t>based on this one’s front side</a:t>
-            </a:r>
-          </a:p>
-          <a:p>
-            <a:pPr algn="just"/>
-            <a:r>
-              <a:rPr lang="en-US" sz="2000" b="1" dirty="0" smtClean="0">
-                <a:solidFill>
-                  <a:srgbClr val="FF0000"/>
-                </a:solidFill>
-              </a:rPr>
-              <a:t>Optimize the performance of search algorithm </a:t>
-            </a:r>
-            <a:r>
-              <a:rPr lang="en-US" sz="2000" dirty="0" smtClean="0"/>
-              <a:t>by considering the boundary of the items</a:t>
-            </a:r>
-          </a:p>
-          <a:p>
-            <a:pPr algn="just"/>
-            <a:endParaRPr lang="en-US" sz="2000" dirty="0" smtClean="0"/>
-          </a:p>
-          <a:p>
-            <a:pPr marL="0" indent="0" algn="just">
-              <a:buNone/>
-            </a:pPr>
-            <a:endParaRPr lang="en-US" sz="2000" dirty="0" smtClean="0"/>
-          </a:p>
-          <a:p>
-            <a:pPr marL="0" indent="0" algn="just">
-              <a:buNone/>
-            </a:pPr>
-            <a:endParaRPr lang="en-US" sz="2000" dirty="0"/>
+            <a:off x="5115208" y="1149790"/>
+            <a:ext cx="407406" cy="416460"/>
+          </a:xfrm>
+          <a:prstGeom prst="downArrow">
+            <a:avLst/>
+          </a:prstGeom>
+        </p:spPr>
+        <p:style>
+          <a:lnRef idx="2">
+            <a:schemeClr val="dk1"/>
+          </a:lnRef>
+          <a:fillRef idx="1">
+            <a:schemeClr val="lt1"/>
+          </a:fillRef>
+          <a:effectRef idx="0">
+            <a:schemeClr val="dk1"/>
+          </a:effectRef>
+          <a:fontRef idx="minor">
+            <a:schemeClr val="dk1"/>
+          </a:fontRef>
+        </p:style>
+        <p:txBody>
+          <a:bodyPr rtlCol="0" anchor="ctr"/>
+          <a:lstStyle/>
+          <a:p>
+            <a:pPr algn="ctr"/>
+            <a:endParaRPr lang="en-US"/>
+          </a:p>
+        </p:txBody>
+      </p:sp>
+      <p:sp>
+        <p:nvSpPr>
+          <p:cNvPr id="8" name="Right Arrow 7"/>
+          <p:cNvSpPr/>
+          <p:nvPr/>
+        </p:nvSpPr>
+        <p:spPr>
+          <a:xfrm>
+            <a:off x="7487216" y="2091350"/>
+            <a:ext cx="1720158" cy="398353"/>
+          </a:xfrm>
+          <a:prstGeom prst="rightArrow">
+            <a:avLst/>
+          </a:prstGeom>
+        </p:spPr>
+        <p:style>
+          <a:lnRef idx="2">
+            <a:schemeClr val="dk1"/>
+          </a:lnRef>
+          <a:fillRef idx="1">
+            <a:schemeClr val="lt1"/>
+          </a:fillRef>
+          <a:effectRef idx="0">
+            <a:schemeClr val="dk1"/>
+          </a:effectRef>
+          <a:fontRef idx="minor">
+            <a:schemeClr val="dk1"/>
+          </a:fontRef>
+        </p:style>
+        <p:txBody>
+          <a:bodyPr rtlCol="0" anchor="ctr"/>
+          <a:lstStyle/>
+          <a:p>
+            <a:pPr algn="ctr"/>
+            <a:endParaRPr lang="en-US"/>
           </a:p>
         </p:txBody>
       </p:sp>
     </p:spTree>
     <p:extLst>
       <p:ext uri="{BB962C8B-B14F-4D97-AF65-F5344CB8AC3E}">
-        <p14:creationId xmlns:p14="http://schemas.microsoft.com/office/powerpoint/2010/main" val="2344540837"/>
+        <p14:creationId xmlns:p14="http://schemas.microsoft.com/office/powerpoint/2010/main" val="2446808392"/>
       </p:ext>
     </p:extLst>
   </p:cSld>
@@ -4791,7 +4902,7 @@
 </file>
 
 <file path=ppt/slides/slide19.xml><?xml version="1.0" encoding="utf-8"?>
-<p:sld xmlns:a="http://schemas.openxmlformats.org/drawingml/2006/main" xmlns:r="http://schemas.openxmlformats.org/officeDocument/2006/relationships" xmlns:p="http://schemas.openxmlformats.org/presentationml/2006/main" showMasterSp="0">
+<p:sld xmlns:a="http://schemas.openxmlformats.org/drawingml/2006/main" xmlns:r="http://schemas.openxmlformats.org/officeDocument/2006/relationships" xmlns:p="http://schemas.openxmlformats.org/presentationml/2006/main">
   <p:cSld>
     <p:spTree>
       <p:nvGrpSpPr>
@@ -4807,181 +4918,225 @@
           <a:chExt cx="0" cy="0"/>
         </a:xfrm>
       </p:grpSpPr>
-      <p:sp>
-        <p:nvSpPr>
-          <p:cNvPr id="2" name="Title 1"/>
-          <p:cNvSpPr>
-            <a:spLocks noGrp="1"/>
-          </p:cNvSpPr>
-          <p:nvPr>
-            <p:ph type="title"/>
-          </p:nvPr>
-        </p:nvSpPr>
-        <p:spPr/>
-        <p:txBody>
-          <a:bodyPr>
-            <a:normAutofit/>
-          </a:bodyPr>
-          <a:lstStyle/>
-          <a:p>
+      <p:pic>
+        <p:nvPicPr>
+          <p:cNvPr id="4" name="Picture 3"/>
+          <p:cNvPicPr>
+            <a:picLocks noChangeAspect="1"/>
+          </p:cNvPicPr>
+          <p:nvPr/>
+        </p:nvPicPr>
+        <p:blipFill>
+          <a:blip r:embed="rId2"/>
+          <a:stretch>
+            <a:fillRect/>
+          </a:stretch>
+        </p:blipFill>
+        <p:spPr>
+          <a:xfrm>
+            <a:off x="3818063" y="293340"/>
+            <a:ext cx="2051082" cy="2386879"/>
+          </a:xfrm>
+          <a:prstGeom prst="rect">
+            <a:avLst/>
+          </a:prstGeom>
+        </p:spPr>
+      </p:pic>
+      <p:sp>
+        <p:nvSpPr>
+          <p:cNvPr id="8" name="Rounded Rectangle 7"/>
+          <p:cNvSpPr/>
+          <p:nvPr/>
+        </p:nvSpPr>
+        <p:spPr>
+          <a:xfrm>
+            <a:off x="2860895" y="3291237"/>
+            <a:ext cx="4753069" cy="2531349"/>
+          </a:xfrm>
+          <a:prstGeom prst="roundRect">
+            <a:avLst/>
+          </a:prstGeom>
+        </p:spPr>
+        <p:style>
+          <a:lnRef idx="2">
+            <a:schemeClr val="dk1"/>
+          </a:lnRef>
+          <a:fillRef idx="1">
+            <a:schemeClr val="lt1"/>
+          </a:fillRef>
+          <a:effectRef idx="0">
+            <a:schemeClr val="dk1"/>
+          </a:effectRef>
+          <a:fontRef idx="minor">
+            <a:schemeClr val="dk1"/>
+          </a:fontRef>
+        </p:style>
+        <p:txBody>
+          <a:bodyPr rtlCol="0" anchor="ctr"/>
+          <a:lstStyle/>
+          <a:p>
+            <a:pPr marL="285750" indent="-285750">
+              <a:buFontTx/>
+              <a:buChar char="-"/>
+            </a:pPr>
             <a:r>
               <a:rPr lang="en-US" dirty="0" smtClean="0"/>
-              <a:t>Methodology</a:t>
-            </a:r>
+              <a:t>Extract the private, semantic features</a:t>
+            </a:r>
+          </a:p>
+          <a:p>
+            <a:pPr marL="285750" indent="-285750">
+              <a:buFontTx/>
+              <a:buChar char="-"/>
+            </a:pPr>
+            <a:r>
+              <a:rPr lang="en-US" dirty="0" smtClean="0"/>
+              <a:t>Recognize what is it</a:t>
+            </a:r>
+          </a:p>
+          <a:p>
+            <a:pPr marL="285750" indent="-285750">
+              <a:buFontTx/>
+              <a:buChar char="-"/>
+            </a:pPr>
+            <a:r>
+              <a:rPr lang="en-US" dirty="0" smtClean="0"/>
+              <a:t>Evaluate and estimate the accuracy of the  result</a:t>
+            </a:r>
+          </a:p>
+          <a:p>
+            <a:pPr marL="285750" indent="-285750">
+              <a:buFontTx/>
+              <a:buChar char="-"/>
+            </a:pPr>
+            <a:r>
+              <a:rPr lang="en-US" dirty="0" smtClean="0"/>
+              <a:t>Using machine learning to restore or repair the original item</a:t>
+            </a:r>
+          </a:p>
+          <a:p>
+            <a:pPr marL="285750" indent="-285750">
+              <a:buFontTx/>
+              <a:buChar char="-"/>
+            </a:pPr>
+            <a:r>
+              <a:rPr lang="en-US" dirty="0" smtClean="0"/>
+              <a:t>Display it as the augment reality item</a:t>
+            </a:r>
+          </a:p>
+          <a:p>
+            <a:pPr marL="285750" indent="-285750">
+              <a:buFontTx/>
+              <a:buChar char="-"/>
+            </a:pPr>
             <a:endParaRPr lang="en-US" dirty="0"/>
           </a:p>
         </p:txBody>
       </p:sp>
       <p:sp>
         <p:nvSpPr>
-          <p:cNvPr id="3" name="Content Placeholder 2"/>
-          <p:cNvSpPr>
-            <a:spLocks noGrp="1"/>
-          </p:cNvSpPr>
-          <p:nvPr>
-            <p:ph idx="1"/>
-          </p:nvPr>
+          <p:cNvPr id="9" name="Down Arrow 8"/>
+          <p:cNvSpPr/>
+          <p:nvPr/>
         </p:nvSpPr>
         <p:spPr>
           <a:xfrm>
-            <a:off x="3095897" y="1609859"/>
-            <a:ext cx="8623663" cy="4855335"/>
-          </a:xfrm>
-        </p:spPr>
-        <p:txBody>
-          <a:bodyPr>
-            <a:noAutofit/>
-          </a:bodyPr>
-          <a:lstStyle/>
-          <a:p>
-            <a:pPr algn="just"/>
-            <a:r>
-              <a:rPr lang="en-US" sz="1600" dirty="0" smtClean="0"/>
-              <a:t>Exploit the </a:t>
-            </a:r>
-            <a:r>
-              <a:rPr lang="en-US" sz="1600" b="1" dirty="0" smtClean="0"/>
-              <a:t>Artificial, Deep, Recurrent, Convolutional neural networks (ANN,DNN,RNN,CNN), Supervised, Unsupervised, and Deep Reinforcement learning</a:t>
-            </a:r>
-            <a:r>
-              <a:rPr lang="en-US" sz="1600" dirty="0" smtClean="0"/>
-              <a:t>, Search Engine algorithm to improve the quality of object recognition.</a:t>
-            </a:r>
-          </a:p>
-          <a:p>
-            <a:pPr algn="just"/>
-            <a:r>
-              <a:rPr lang="en-US" sz="1600" b="1" dirty="0" smtClean="0"/>
-              <a:t>Generate the Holographic, Virtual and </a:t>
-            </a:r>
-            <a:r>
-              <a:rPr lang="en-US" sz="1600" b="1" dirty="0"/>
-              <a:t>Augmented </a:t>
-            </a:r>
-            <a:r>
-              <a:rPr lang="en-US" sz="1600" b="1" dirty="0" smtClean="0"/>
-              <a:t>reality </a:t>
-            </a:r>
-            <a:r>
-              <a:rPr lang="en-US" sz="1600" dirty="0" smtClean="0"/>
-              <a:t>to make an impressive and efficient visual item</a:t>
-            </a:r>
-          </a:p>
-          <a:p>
-            <a:pPr algn="just"/>
-            <a:r>
-              <a:rPr lang="en-US" sz="1600" b="1" dirty="0" smtClean="0"/>
-              <a:t>Apply a natural language user interface </a:t>
-            </a:r>
-            <a:r>
-              <a:rPr lang="en-US" sz="1600" dirty="0" smtClean="0"/>
-              <a:t>to attempt to answer questions, make recommendation, and perform actions by delegating requests to a set of Internet services</a:t>
-            </a:r>
-          </a:p>
-          <a:p>
-            <a:pPr algn="just"/>
-            <a:r>
-              <a:rPr lang="en-US" sz="1600" dirty="0" smtClean="0"/>
-              <a:t>Build-up machine learning algorithms and artificial intelligence in order to recognize, analyze and make the explanation of a given object by </a:t>
-            </a:r>
-            <a:r>
-              <a:rPr lang="en-US" sz="1600" b="1" dirty="0" smtClean="0"/>
-              <a:t>using smartphone camera.</a:t>
-            </a:r>
-          </a:p>
-          <a:p>
-            <a:pPr algn="just"/>
-            <a:r>
-              <a:rPr lang="en-US" sz="1600" b="1" dirty="0" smtClean="0"/>
-              <a:t>Optimizing and improving the performance </a:t>
-            </a:r>
-            <a:r>
-              <a:rPr lang="en-US" sz="1600" dirty="0" smtClean="0"/>
-              <a:t>of system by considering the </a:t>
-            </a:r>
-            <a:r>
-              <a:rPr lang="en-US" sz="1600" b="1" dirty="0" smtClean="0"/>
-              <a:t>boundary geolocation</a:t>
-            </a:r>
-            <a:r>
-              <a:rPr lang="en-US" sz="1600" dirty="0" smtClean="0"/>
-              <a:t> of items </a:t>
-            </a:r>
-          </a:p>
-          <a:p>
-            <a:pPr algn="just"/>
-            <a:r>
-              <a:rPr lang="en-US" sz="1600" b="1" dirty="0" smtClean="0"/>
-              <a:t>Make the approximated verification method </a:t>
-            </a:r>
-            <a:r>
-              <a:rPr lang="en-US" sz="1600" dirty="0" smtClean="0"/>
-              <a:t>to confirm the accuracy of generated information </a:t>
-            </a:r>
-          </a:p>
-          <a:p>
-            <a:pPr algn="just"/>
-            <a:r>
-              <a:rPr lang="en-US" sz="1600" b="1" dirty="0" smtClean="0"/>
-              <a:t>Generate the  </a:t>
-            </a:r>
-            <a:r>
-              <a:rPr lang="en-US" sz="1600" b="1" dirty="0"/>
-              <a:t>4 sides of an object </a:t>
-            </a:r>
-            <a:r>
-              <a:rPr lang="en-US" sz="1600" dirty="0"/>
-              <a:t>based on this one’s front </a:t>
-            </a:r>
-            <a:r>
-              <a:rPr lang="en-US" sz="1600" dirty="0" smtClean="0"/>
-              <a:t>side by estimating and predicting the characters of each side</a:t>
-            </a:r>
-            <a:endParaRPr lang="en-US" sz="1600" dirty="0"/>
-          </a:p>
-          <a:p>
-            <a:pPr algn="just"/>
-            <a:r>
-              <a:rPr lang="en-US" sz="1600" dirty="0" smtClean="0"/>
-              <a:t>Update the knowledge of the system based on </a:t>
-            </a:r>
-            <a:r>
-              <a:rPr lang="en-US" sz="1600" b="1" dirty="0" smtClean="0"/>
-              <a:t>the users’ contributions</a:t>
-            </a:r>
-          </a:p>
-          <a:p>
-            <a:pPr marL="0" indent="0" algn="just">
-              <a:buNone/>
-            </a:pPr>
-            <a:endParaRPr lang="en-US" sz="1600" dirty="0" smtClean="0"/>
+            <a:off x="4748542" y="2777498"/>
+            <a:ext cx="407406" cy="416460"/>
+          </a:xfrm>
+          <a:prstGeom prst="downArrow">
+            <a:avLst/>
+          </a:prstGeom>
+        </p:spPr>
+        <p:style>
+          <a:lnRef idx="2">
+            <a:schemeClr val="dk1"/>
+          </a:lnRef>
+          <a:fillRef idx="1">
+            <a:schemeClr val="lt1"/>
+          </a:fillRef>
+          <a:effectRef idx="0">
+            <a:schemeClr val="dk1"/>
+          </a:effectRef>
+          <a:fontRef idx="minor">
+            <a:schemeClr val="dk1"/>
+          </a:fontRef>
+        </p:style>
+        <p:txBody>
+          <a:bodyPr rtlCol="0" anchor="ctr"/>
+          <a:lstStyle/>
+          <a:p>
+            <a:pPr algn="ctr"/>
+            <a:endParaRPr lang="en-US"/>
+          </a:p>
+        </p:txBody>
+      </p:sp>
+      <p:pic>
+        <p:nvPicPr>
+          <p:cNvPr id="11" name="Picture 10"/>
+          <p:cNvPicPr>
+            <a:picLocks noChangeAspect="1"/>
+          </p:cNvPicPr>
+          <p:nvPr/>
+        </p:nvPicPr>
+        <p:blipFill>
+          <a:blip r:embed="rId3"/>
+          <a:stretch>
+            <a:fillRect/>
+          </a:stretch>
+        </p:blipFill>
+        <p:spPr>
+          <a:xfrm>
+            <a:off x="9618363" y="3250195"/>
+            <a:ext cx="2171700" cy="2476500"/>
+          </a:xfrm>
+          <a:prstGeom prst="rect">
+            <a:avLst/>
+          </a:prstGeom>
+        </p:spPr>
+      </p:pic>
+      <p:sp>
+        <p:nvSpPr>
+          <p:cNvPr id="12" name="Down Arrow 11"/>
+          <p:cNvSpPr/>
+          <p:nvPr/>
+        </p:nvSpPr>
+        <p:spPr>
+          <a:xfrm rot="16200000">
+            <a:off x="8455465" y="3389487"/>
+            <a:ext cx="407406" cy="1927444"/>
+          </a:xfrm>
+          <a:prstGeom prst="downArrow">
+            <a:avLst/>
+          </a:prstGeom>
+        </p:spPr>
+        <p:style>
+          <a:lnRef idx="2">
+            <a:schemeClr val="dk1"/>
+          </a:lnRef>
+          <a:fillRef idx="1">
+            <a:schemeClr val="lt1"/>
+          </a:fillRef>
+          <a:effectRef idx="0">
+            <a:schemeClr val="dk1"/>
+          </a:effectRef>
+          <a:fontRef idx="minor">
+            <a:schemeClr val="dk1"/>
+          </a:fontRef>
+        </p:style>
+        <p:txBody>
+          <a:bodyPr rtlCol="0" anchor="ctr"/>
+          <a:lstStyle/>
+          <a:p>
+            <a:pPr algn="ctr"/>
+            <a:endParaRPr lang="en-US"/>
           </a:p>
         </p:txBody>
       </p:sp>
     </p:spTree>
     <p:extLst>
       <p:ext uri="{BB962C8B-B14F-4D97-AF65-F5344CB8AC3E}">
-        <p14:creationId xmlns:p14="http://schemas.microsoft.com/office/powerpoint/2010/main" val="1694812222"/>
+        <p14:creationId xmlns:p14="http://schemas.microsoft.com/office/powerpoint/2010/main" val="1221367316"/>
       </p:ext>
     </p:extLst>
   </p:cSld>
@@ -5125,6 +5280,755 @@
 </file>
 
 <file path=ppt/slides/slide20.xml><?xml version="1.0" encoding="utf-8"?>
+<p:sld xmlns:a="http://schemas.openxmlformats.org/drawingml/2006/main" xmlns:r="http://schemas.openxmlformats.org/officeDocument/2006/relationships" xmlns:p="http://schemas.openxmlformats.org/presentationml/2006/main">
+  <p:cSld>
+    <p:spTree>
+      <p:nvGrpSpPr>
+        <p:cNvPr id="1" name=""/>
+        <p:cNvGrpSpPr/>
+        <p:nvPr/>
+      </p:nvGrpSpPr>
+      <p:grpSpPr>
+        <a:xfrm>
+          <a:off x="0" y="0"/>
+          <a:ext cx="0" cy="0"/>
+          <a:chOff x="0" y="0"/>
+          <a:chExt cx="0" cy="0"/>
+        </a:xfrm>
+      </p:grpSpPr>
+      <p:sp>
+        <p:nvSpPr>
+          <p:cNvPr id="6" name="Down Arrow 5"/>
+          <p:cNvSpPr/>
+          <p:nvPr/>
+        </p:nvSpPr>
+        <p:spPr>
+          <a:xfrm>
+            <a:off x="10103431" y="2926079"/>
+            <a:ext cx="380245" cy="1104523"/>
+          </a:xfrm>
+          <a:prstGeom prst="downArrow">
+            <a:avLst/>
+          </a:prstGeom>
+        </p:spPr>
+        <p:style>
+          <a:lnRef idx="2">
+            <a:schemeClr val="dk1"/>
+          </a:lnRef>
+          <a:fillRef idx="1">
+            <a:schemeClr val="lt1"/>
+          </a:fillRef>
+          <a:effectRef idx="0">
+            <a:schemeClr val="dk1"/>
+          </a:effectRef>
+          <a:fontRef idx="minor">
+            <a:schemeClr val="dk1"/>
+          </a:fontRef>
+        </p:style>
+        <p:txBody>
+          <a:bodyPr rtlCol="0" anchor="ctr"/>
+          <a:lstStyle/>
+          <a:p>
+            <a:pPr algn="ctr"/>
+            <a:endParaRPr lang="en-US"/>
+          </a:p>
+        </p:txBody>
+      </p:sp>
+      <p:pic>
+        <p:nvPicPr>
+          <p:cNvPr id="7" name="Picture 6"/>
+          <p:cNvPicPr>
+            <a:picLocks noChangeAspect="1"/>
+          </p:cNvPicPr>
+          <p:nvPr/>
+        </p:nvPicPr>
+        <p:blipFill>
+          <a:blip r:embed="rId2"/>
+          <a:stretch>
+            <a:fillRect/>
+          </a:stretch>
+        </p:blipFill>
+        <p:spPr>
+          <a:xfrm>
+            <a:off x="4407764" y="150760"/>
+            <a:ext cx="1514475" cy="904875"/>
+          </a:xfrm>
+          <a:prstGeom prst="rect">
+            <a:avLst/>
+          </a:prstGeom>
+        </p:spPr>
+      </p:pic>
+      <p:sp>
+        <p:nvSpPr>
+          <p:cNvPr id="8" name="Rounded Rectangle 7"/>
+          <p:cNvSpPr/>
+          <p:nvPr/>
+        </p:nvSpPr>
+        <p:spPr>
+          <a:xfrm>
+            <a:off x="2924270" y="1566250"/>
+            <a:ext cx="4330338" cy="3340727"/>
+          </a:xfrm>
+          <a:prstGeom prst="roundRect">
+            <a:avLst/>
+          </a:prstGeom>
+        </p:spPr>
+        <p:style>
+          <a:lnRef idx="2">
+            <a:schemeClr val="dk1"/>
+          </a:lnRef>
+          <a:fillRef idx="1">
+            <a:schemeClr val="lt1"/>
+          </a:fillRef>
+          <a:effectRef idx="0">
+            <a:schemeClr val="dk1"/>
+          </a:effectRef>
+          <a:fontRef idx="minor">
+            <a:schemeClr val="dk1"/>
+          </a:fontRef>
+        </p:style>
+        <p:txBody>
+          <a:bodyPr rtlCol="0" anchor="ctr"/>
+          <a:lstStyle/>
+          <a:p>
+            <a:pPr marL="285750" indent="-285750">
+              <a:buFontTx/>
+              <a:buChar char="-"/>
+            </a:pPr>
+            <a:r>
+              <a:rPr lang="en-US" dirty="0" smtClean="0"/>
+              <a:t>Extract the private, semantic features</a:t>
+            </a:r>
+          </a:p>
+          <a:p>
+            <a:pPr marL="285750" indent="-285750">
+              <a:buFontTx/>
+              <a:buChar char="-"/>
+            </a:pPr>
+            <a:r>
+              <a:rPr lang="en-US" dirty="0" smtClean="0"/>
+              <a:t>Recognize what is it</a:t>
+            </a:r>
+          </a:p>
+          <a:p>
+            <a:pPr marL="285750" indent="-285750">
+              <a:buFontTx/>
+              <a:buChar char="-"/>
+            </a:pPr>
+            <a:r>
+              <a:rPr lang="en-US" dirty="0" smtClean="0"/>
+              <a:t>Evaluate and estimate the accuracy of the  result</a:t>
+            </a:r>
+          </a:p>
+          <a:p>
+            <a:pPr marL="285750" indent="-285750">
+              <a:buFontTx/>
+              <a:buChar char="-"/>
+            </a:pPr>
+            <a:r>
+              <a:rPr lang="en-US" dirty="0" smtClean="0"/>
+              <a:t>Generate the duplicate side of the object and the dark space based on or embedded it to the 3D environment based on the output of detection and the given data</a:t>
+            </a:r>
+          </a:p>
+          <a:p>
+            <a:pPr marL="285750" indent="-285750">
+              <a:buFontTx/>
+              <a:buChar char="-"/>
+            </a:pPr>
+            <a:endParaRPr lang="en-US" dirty="0"/>
+          </a:p>
+        </p:txBody>
+      </p:sp>
+      <p:sp>
+        <p:nvSpPr>
+          <p:cNvPr id="9" name="Down Arrow 8"/>
+          <p:cNvSpPr/>
+          <p:nvPr/>
+        </p:nvSpPr>
+        <p:spPr>
+          <a:xfrm>
+            <a:off x="4961299" y="1149790"/>
+            <a:ext cx="407406" cy="416460"/>
+          </a:xfrm>
+          <a:prstGeom prst="downArrow">
+            <a:avLst/>
+          </a:prstGeom>
+        </p:spPr>
+        <p:style>
+          <a:lnRef idx="2">
+            <a:schemeClr val="dk1"/>
+          </a:lnRef>
+          <a:fillRef idx="1">
+            <a:schemeClr val="lt1"/>
+          </a:fillRef>
+          <a:effectRef idx="0">
+            <a:schemeClr val="dk1"/>
+          </a:effectRef>
+          <a:fontRef idx="minor">
+            <a:schemeClr val="dk1"/>
+          </a:fontRef>
+        </p:style>
+        <p:txBody>
+          <a:bodyPr rtlCol="0" anchor="ctr"/>
+          <a:lstStyle/>
+          <a:p>
+            <a:pPr algn="ctr"/>
+            <a:endParaRPr lang="en-US"/>
+          </a:p>
+        </p:txBody>
+      </p:sp>
+      <p:sp>
+        <p:nvSpPr>
+          <p:cNvPr id="10" name="Right Arrow 9"/>
+          <p:cNvSpPr/>
+          <p:nvPr/>
+        </p:nvSpPr>
+        <p:spPr>
+          <a:xfrm>
+            <a:off x="7333307" y="2091350"/>
+            <a:ext cx="1176950" cy="398353"/>
+          </a:xfrm>
+          <a:prstGeom prst="rightArrow">
+            <a:avLst/>
+          </a:prstGeom>
+        </p:spPr>
+        <p:style>
+          <a:lnRef idx="2">
+            <a:schemeClr val="dk1"/>
+          </a:lnRef>
+          <a:fillRef idx="1">
+            <a:schemeClr val="lt1"/>
+          </a:fillRef>
+          <a:effectRef idx="0">
+            <a:schemeClr val="dk1"/>
+          </a:effectRef>
+          <a:fontRef idx="minor">
+            <a:schemeClr val="dk1"/>
+          </a:fontRef>
+        </p:style>
+        <p:txBody>
+          <a:bodyPr rtlCol="0" anchor="ctr"/>
+          <a:lstStyle/>
+          <a:p>
+            <a:pPr algn="ctr"/>
+            <a:endParaRPr lang="en-US"/>
+          </a:p>
+        </p:txBody>
+      </p:sp>
+      <p:pic>
+        <p:nvPicPr>
+          <p:cNvPr id="11" name="Picture 10"/>
+          <p:cNvPicPr>
+            <a:picLocks noChangeAspect="1"/>
+          </p:cNvPicPr>
+          <p:nvPr/>
+        </p:nvPicPr>
+        <p:blipFill>
+          <a:blip r:embed="rId2"/>
+          <a:stretch>
+            <a:fillRect/>
+          </a:stretch>
+        </p:blipFill>
+        <p:spPr>
+          <a:xfrm>
+            <a:off x="8588956" y="1838087"/>
+            <a:ext cx="1514475" cy="904875"/>
+          </a:xfrm>
+          <a:prstGeom prst="rect">
+            <a:avLst/>
+          </a:prstGeom>
+        </p:spPr>
+      </p:pic>
+      <p:pic>
+        <p:nvPicPr>
+          <p:cNvPr id="12" name="Picture 11"/>
+          <p:cNvPicPr>
+            <a:picLocks noChangeAspect="1"/>
+          </p:cNvPicPr>
+          <p:nvPr/>
+        </p:nvPicPr>
+        <p:blipFill>
+          <a:blip r:embed="rId2"/>
+          <a:stretch>
+            <a:fillRect/>
+          </a:stretch>
+        </p:blipFill>
+        <p:spPr>
+          <a:xfrm>
+            <a:off x="10103431" y="1838086"/>
+            <a:ext cx="1514475" cy="904875"/>
+          </a:xfrm>
+          <a:prstGeom prst="rect">
+            <a:avLst/>
+          </a:prstGeom>
+        </p:spPr>
+      </p:pic>
+      <p:pic>
+        <p:nvPicPr>
+          <p:cNvPr id="2050" name="Picture 2" descr="Image result for vr"/>
+          <p:cNvPicPr>
+            <a:picLocks noChangeAspect="1" noChangeArrowheads="1"/>
+          </p:cNvPicPr>
+          <p:nvPr/>
+        </p:nvPicPr>
+        <p:blipFill>
+          <a:blip r:embed="rId3" cstate="print">
+            <a:extLst>
+              <a:ext uri="{28A0092B-C50C-407E-A947-70E740481C1C}">
+                <a14:useLocalDpi xmlns:a14="http://schemas.microsoft.com/office/drawing/2010/main" val="0"/>
+              </a:ext>
+            </a:extLst>
+          </a:blip>
+          <a:srcRect/>
+          <a:stretch>
+            <a:fillRect/>
+          </a:stretch>
+        </p:blipFill>
+        <p:spPr bwMode="auto">
+          <a:xfrm>
+            <a:off x="9174916" y="4219277"/>
+            <a:ext cx="2442990" cy="1375400"/>
+          </a:xfrm>
+          <a:prstGeom prst="rect">
+            <a:avLst/>
+          </a:prstGeom>
+          <a:noFill/>
+          <a:extLst>
+            <a:ext uri="{909E8E84-426E-40DD-AFC4-6F175D3DCCD1}">
+              <a14:hiddenFill xmlns:a14="http://schemas.microsoft.com/office/drawing/2010/main">
+                <a:solidFill>
+                  <a:srgbClr val="FFFFFF"/>
+                </a:solidFill>
+              </a14:hiddenFill>
+            </a:ext>
+          </a:extLst>
+        </p:spPr>
+      </p:pic>
+    </p:spTree>
+    <p:extLst>
+      <p:ext uri="{BB962C8B-B14F-4D97-AF65-F5344CB8AC3E}">
+        <p14:creationId xmlns:p14="http://schemas.microsoft.com/office/powerpoint/2010/main" val="1981976081"/>
+      </p:ext>
+    </p:extLst>
+  </p:cSld>
+  <p:clrMapOvr>
+    <a:masterClrMapping/>
+  </p:clrMapOvr>
+</p:sld>
+</file>
+
+<file path=ppt/slides/slide21.xml><?xml version="1.0" encoding="utf-8"?>
+<p:sld xmlns:a="http://schemas.openxmlformats.org/drawingml/2006/main" xmlns:r="http://schemas.openxmlformats.org/officeDocument/2006/relationships" xmlns:p="http://schemas.openxmlformats.org/presentationml/2006/main" showMasterSp="0">
+  <p:cSld>
+    <p:spTree>
+      <p:nvGrpSpPr>
+        <p:cNvPr id="1" name=""/>
+        <p:cNvGrpSpPr/>
+        <p:nvPr/>
+      </p:nvGrpSpPr>
+      <p:grpSpPr>
+        <a:xfrm>
+          <a:off x="0" y="0"/>
+          <a:ext cx="0" cy="0"/>
+          <a:chOff x="0" y="0"/>
+          <a:chExt cx="0" cy="0"/>
+        </a:xfrm>
+      </p:grpSpPr>
+      <p:sp>
+        <p:nvSpPr>
+          <p:cNvPr id="2" name="Title 1"/>
+          <p:cNvSpPr>
+            <a:spLocks noGrp="1"/>
+          </p:cNvSpPr>
+          <p:nvPr>
+            <p:ph type="title"/>
+          </p:nvPr>
+        </p:nvSpPr>
+        <p:spPr/>
+        <p:txBody>
+          <a:bodyPr/>
+          <a:lstStyle/>
+          <a:p>
+            <a:r>
+              <a:rPr lang="en-US" dirty="0" smtClean="0"/>
+              <a:t>Objectives</a:t>
+            </a:r>
+            <a:endParaRPr lang="en-US" dirty="0"/>
+          </a:p>
+        </p:txBody>
+      </p:sp>
+      <p:sp>
+        <p:nvSpPr>
+          <p:cNvPr id="3" name="Content Placeholder 2"/>
+          <p:cNvSpPr>
+            <a:spLocks noGrp="1"/>
+          </p:cNvSpPr>
+          <p:nvPr>
+            <p:ph idx="1"/>
+          </p:nvPr>
+        </p:nvSpPr>
+        <p:spPr>
+          <a:xfrm>
+            <a:off x="3095897" y="1537062"/>
+            <a:ext cx="8623663" cy="4387352"/>
+          </a:xfrm>
+        </p:spPr>
+        <p:txBody>
+          <a:bodyPr>
+            <a:normAutofit/>
+          </a:bodyPr>
+          <a:lstStyle/>
+          <a:p>
+            <a:pPr algn="just"/>
+            <a:r>
+              <a:rPr lang="en-US" sz="2000" dirty="0" smtClean="0"/>
+              <a:t>Enhance </a:t>
+            </a:r>
+            <a:r>
+              <a:rPr lang="en-US" sz="2000" b="1" dirty="0" smtClean="0"/>
+              <a:t>privacy virtual assistance </a:t>
+            </a:r>
+            <a:r>
+              <a:rPr lang="en-US" sz="2000" dirty="0" smtClean="0"/>
+              <a:t>in Library and Museum </a:t>
+            </a:r>
+          </a:p>
+          <a:p>
+            <a:pPr algn="just"/>
+            <a:r>
+              <a:rPr lang="en-US" sz="2000" b="1" dirty="0" smtClean="0">
+                <a:solidFill>
+                  <a:srgbClr val="FF0000"/>
+                </a:solidFill>
+              </a:rPr>
+              <a:t>Improve the accuracy and performance </a:t>
+            </a:r>
+            <a:r>
+              <a:rPr lang="en-US" sz="2000" dirty="0" smtClean="0"/>
+              <a:t>of object recognizing to detect the </a:t>
+            </a:r>
+            <a:r>
+              <a:rPr lang="en-US" sz="2000" b="1" dirty="0" smtClean="0">
+                <a:solidFill>
+                  <a:srgbClr val="0070C0"/>
+                </a:solidFill>
+              </a:rPr>
+              <a:t>“private (semantic) feature</a:t>
+            </a:r>
+            <a:r>
+              <a:rPr lang="en-US" sz="2000" dirty="0" smtClean="0"/>
+              <a:t>” of each artwork, specimen in the museum,  or person, car, furniture, the original of items, etc., </a:t>
+            </a:r>
+          </a:p>
+          <a:p>
+            <a:pPr algn="just"/>
+            <a:r>
+              <a:rPr lang="en-US" sz="2000" dirty="0" smtClean="0"/>
+              <a:t>Design </a:t>
+            </a:r>
+            <a:r>
+              <a:rPr lang="en-US" sz="2000" b="1" dirty="0" smtClean="0">
+                <a:solidFill>
+                  <a:schemeClr val="accent6">
+                    <a:lumMod val="50000"/>
+                  </a:schemeClr>
+                </a:solidFill>
+              </a:rPr>
+              <a:t>automatically category mechanism for object recognition</a:t>
+            </a:r>
+            <a:r>
+              <a:rPr lang="en-US" sz="2000" dirty="0" smtClean="0"/>
+              <a:t>, and application development as well as for detecting </a:t>
+            </a:r>
+            <a:r>
+              <a:rPr lang="en-US" sz="2000" dirty="0"/>
+              <a:t>“private (semantic) feature</a:t>
+            </a:r>
+            <a:r>
+              <a:rPr lang="en-US" sz="2000" dirty="0" smtClean="0"/>
+              <a:t>” of each artwork and specimen</a:t>
+            </a:r>
+          </a:p>
+          <a:p>
+            <a:pPr algn="just"/>
+            <a:r>
+              <a:rPr lang="en-US" sz="2000" dirty="0" smtClean="0"/>
+              <a:t>Develop algorithms and applications based on the given metadata of the </a:t>
+            </a:r>
+            <a:r>
+              <a:rPr lang="en-US" sz="2000" b="1" dirty="0" smtClean="0"/>
+              <a:t>library, museum, or open data</a:t>
+            </a:r>
+          </a:p>
+          <a:p>
+            <a:pPr algn="just"/>
+            <a:r>
+              <a:rPr lang="en-US" sz="2000" dirty="0" smtClean="0"/>
+              <a:t>Develop algorithm to </a:t>
+            </a:r>
+            <a:r>
+              <a:rPr lang="en-US" sz="2000" b="1" dirty="0" smtClean="0">
+                <a:solidFill>
+                  <a:schemeClr val="accent6">
+                    <a:lumMod val="50000"/>
+                  </a:schemeClr>
+                </a:solidFill>
+              </a:rPr>
+              <a:t>generate the 4 sides of an object </a:t>
+            </a:r>
+            <a:r>
+              <a:rPr lang="en-US" sz="2000" dirty="0" smtClean="0"/>
+              <a:t>based on this one’s front side</a:t>
+            </a:r>
+          </a:p>
+          <a:p>
+            <a:pPr algn="just"/>
+            <a:r>
+              <a:rPr lang="en-US" sz="2000" b="1" dirty="0" smtClean="0">
+                <a:solidFill>
+                  <a:srgbClr val="FF0000"/>
+                </a:solidFill>
+              </a:rPr>
+              <a:t>Optimize the performance of search algorithm </a:t>
+            </a:r>
+            <a:r>
+              <a:rPr lang="en-US" sz="2000" dirty="0" smtClean="0"/>
+              <a:t>by considering the boundary of the items</a:t>
+            </a:r>
+          </a:p>
+          <a:p>
+            <a:pPr algn="just"/>
+            <a:endParaRPr lang="en-US" sz="2000" dirty="0" smtClean="0"/>
+          </a:p>
+          <a:p>
+            <a:pPr marL="0" indent="0" algn="just">
+              <a:buNone/>
+            </a:pPr>
+            <a:endParaRPr lang="en-US" sz="2000" dirty="0" smtClean="0"/>
+          </a:p>
+          <a:p>
+            <a:pPr marL="0" indent="0" algn="just">
+              <a:buNone/>
+            </a:pPr>
+            <a:endParaRPr lang="en-US" sz="2000" dirty="0"/>
+          </a:p>
+        </p:txBody>
+      </p:sp>
+    </p:spTree>
+    <p:extLst>
+      <p:ext uri="{BB962C8B-B14F-4D97-AF65-F5344CB8AC3E}">
+        <p14:creationId xmlns:p14="http://schemas.microsoft.com/office/powerpoint/2010/main" val="2344540837"/>
+      </p:ext>
+    </p:extLst>
+  </p:cSld>
+  <p:clrMapOvr>
+    <a:masterClrMapping/>
+  </p:clrMapOvr>
+</p:sld>
+</file>
+
+<file path=ppt/slides/slide22.xml><?xml version="1.0" encoding="utf-8"?>
+<p:sld xmlns:a="http://schemas.openxmlformats.org/drawingml/2006/main" xmlns:r="http://schemas.openxmlformats.org/officeDocument/2006/relationships" xmlns:p="http://schemas.openxmlformats.org/presentationml/2006/main" showMasterSp="0">
+  <p:cSld>
+    <p:spTree>
+      <p:nvGrpSpPr>
+        <p:cNvPr id="1" name=""/>
+        <p:cNvGrpSpPr/>
+        <p:nvPr/>
+      </p:nvGrpSpPr>
+      <p:grpSpPr>
+        <a:xfrm>
+          <a:off x="0" y="0"/>
+          <a:ext cx="0" cy="0"/>
+          <a:chOff x="0" y="0"/>
+          <a:chExt cx="0" cy="0"/>
+        </a:xfrm>
+      </p:grpSpPr>
+      <p:sp>
+        <p:nvSpPr>
+          <p:cNvPr id="2" name="Title 1"/>
+          <p:cNvSpPr>
+            <a:spLocks noGrp="1"/>
+          </p:cNvSpPr>
+          <p:nvPr>
+            <p:ph type="title"/>
+          </p:nvPr>
+        </p:nvSpPr>
+        <p:spPr/>
+        <p:txBody>
+          <a:bodyPr>
+            <a:normAutofit/>
+          </a:bodyPr>
+          <a:lstStyle/>
+          <a:p>
+            <a:r>
+              <a:rPr lang="en-US" dirty="0" smtClean="0"/>
+              <a:t>Methodology</a:t>
+            </a:r>
+            <a:endParaRPr lang="en-US" dirty="0"/>
+          </a:p>
+        </p:txBody>
+      </p:sp>
+      <p:sp>
+        <p:nvSpPr>
+          <p:cNvPr id="3" name="Content Placeholder 2"/>
+          <p:cNvSpPr>
+            <a:spLocks noGrp="1"/>
+          </p:cNvSpPr>
+          <p:nvPr>
+            <p:ph idx="1"/>
+          </p:nvPr>
+        </p:nvSpPr>
+        <p:spPr>
+          <a:xfrm>
+            <a:off x="3095897" y="1609859"/>
+            <a:ext cx="8623663" cy="4855335"/>
+          </a:xfrm>
+        </p:spPr>
+        <p:txBody>
+          <a:bodyPr>
+            <a:noAutofit/>
+          </a:bodyPr>
+          <a:lstStyle/>
+          <a:p>
+            <a:pPr algn="just"/>
+            <a:r>
+              <a:rPr lang="en-US" sz="1600" dirty="0" smtClean="0"/>
+              <a:t>Exploit the </a:t>
+            </a:r>
+            <a:r>
+              <a:rPr lang="en-US" sz="1600" b="1" dirty="0" smtClean="0"/>
+              <a:t>Artificial, Deep, Recurrent, Convolutional neural networks (ANN,DNN,RNN,CNN), Supervised, Unsupervised, and Deep Reinforcement learning</a:t>
+            </a:r>
+            <a:r>
+              <a:rPr lang="en-US" sz="1600" dirty="0" smtClean="0"/>
+              <a:t>, Search Engine algorithm to improve the quality of object recognition.</a:t>
+            </a:r>
+          </a:p>
+          <a:p>
+            <a:pPr algn="just"/>
+            <a:r>
+              <a:rPr lang="en-US" sz="1600" b="1" dirty="0" smtClean="0"/>
+              <a:t>Generate the Holographic, Virtual and </a:t>
+            </a:r>
+            <a:r>
+              <a:rPr lang="en-US" sz="1600" b="1" dirty="0"/>
+              <a:t>Augmented </a:t>
+            </a:r>
+            <a:r>
+              <a:rPr lang="en-US" sz="1600" b="1" dirty="0" smtClean="0"/>
+              <a:t>reality </a:t>
+            </a:r>
+            <a:r>
+              <a:rPr lang="en-US" sz="1600" dirty="0" smtClean="0"/>
+              <a:t>to make an impressive and efficient visual item</a:t>
+            </a:r>
+          </a:p>
+          <a:p>
+            <a:pPr algn="just"/>
+            <a:r>
+              <a:rPr lang="en-US" sz="1600" b="1" dirty="0" smtClean="0"/>
+              <a:t>Apply a natural language user interface </a:t>
+            </a:r>
+            <a:r>
+              <a:rPr lang="en-US" sz="1600" dirty="0" smtClean="0"/>
+              <a:t>to attempt to answer questions, make recommendation, and perform actions by delegating requests to a set of Internet services</a:t>
+            </a:r>
+          </a:p>
+          <a:p>
+            <a:pPr algn="just"/>
+            <a:r>
+              <a:rPr lang="en-US" sz="1600" dirty="0" smtClean="0"/>
+              <a:t>Build-up machine learning algorithms and artificial intelligence in order to recognize, analyze and make the explanation of a given object by </a:t>
+            </a:r>
+            <a:r>
+              <a:rPr lang="en-US" sz="1600" b="1" dirty="0" smtClean="0"/>
+              <a:t>using smartphone camera.</a:t>
+            </a:r>
+          </a:p>
+          <a:p>
+            <a:pPr algn="just"/>
+            <a:r>
+              <a:rPr lang="en-US" sz="1600" b="1" dirty="0" smtClean="0"/>
+              <a:t>Optimizing and improving the performance </a:t>
+            </a:r>
+            <a:r>
+              <a:rPr lang="en-US" sz="1600" dirty="0" smtClean="0"/>
+              <a:t>of system by considering the </a:t>
+            </a:r>
+            <a:r>
+              <a:rPr lang="en-US" sz="1600" b="1" dirty="0" smtClean="0"/>
+              <a:t>boundary geolocation</a:t>
+            </a:r>
+            <a:r>
+              <a:rPr lang="en-US" sz="1600" dirty="0" smtClean="0"/>
+              <a:t> of items </a:t>
+            </a:r>
+          </a:p>
+          <a:p>
+            <a:pPr algn="just"/>
+            <a:r>
+              <a:rPr lang="en-US" sz="1600" b="1" dirty="0" smtClean="0"/>
+              <a:t>Make the approximated verification method </a:t>
+            </a:r>
+            <a:r>
+              <a:rPr lang="en-US" sz="1600" dirty="0" smtClean="0"/>
+              <a:t>to confirm the accuracy of generated information </a:t>
+            </a:r>
+          </a:p>
+          <a:p>
+            <a:pPr algn="just"/>
+            <a:r>
+              <a:rPr lang="en-US" sz="1600" b="1" dirty="0" smtClean="0"/>
+              <a:t>Generate the  </a:t>
+            </a:r>
+            <a:r>
+              <a:rPr lang="en-US" sz="1600" b="1" dirty="0"/>
+              <a:t>4 sides of an object </a:t>
+            </a:r>
+            <a:r>
+              <a:rPr lang="en-US" sz="1600" dirty="0"/>
+              <a:t>based on this one’s front </a:t>
+            </a:r>
+            <a:r>
+              <a:rPr lang="en-US" sz="1600" dirty="0" smtClean="0"/>
+              <a:t>side by estimating and predicting the characters of each side</a:t>
+            </a:r>
+            <a:endParaRPr lang="en-US" sz="1600" dirty="0"/>
+          </a:p>
+          <a:p>
+            <a:pPr algn="just"/>
+            <a:r>
+              <a:rPr lang="en-US" sz="1600" dirty="0" smtClean="0"/>
+              <a:t>Update the knowledge of the system based on </a:t>
+            </a:r>
+            <a:r>
+              <a:rPr lang="en-US" sz="1600" b="1" dirty="0" smtClean="0"/>
+              <a:t>the users’ contributions</a:t>
+            </a:r>
+          </a:p>
+          <a:p>
+            <a:pPr marL="0" indent="0" algn="just">
+              <a:buNone/>
+            </a:pPr>
+            <a:endParaRPr lang="en-US" sz="1600" dirty="0" smtClean="0"/>
+          </a:p>
+        </p:txBody>
+      </p:sp>
+    </p:spTree>
+    <p:extLst>
+      <p:ext uri="{BB962C8B-B14F-4D97-AF65-F5344CB8AC3E}">
+        <p14:creationId xmlns:p14="http://schemas.microsoft.com/office/powerpoint/2010/main" val="1694812222"/>
+      </p:ext>
+    </p:extLst>
+  </p:cSld>
+  <p:clrMapOvr>
+    <a:masterClrMapping/>
+  </p:clrMapOvr>
+</p:sld>
+</file>
+
+<file path=ppt/slides/slide23.xml><?xml version="1.0" encoding="utf-8"?>
 <p:sld xmlns:a="http://schemas.openxmlformats.org/drawingml/2006/main" xmlns:r="http://schemas.openxmlformats.org/officeDocument/2006/relationships" xmlns:p="http://schemas.openxmlformats.org/presentationml/2006/main" showMasterSp="0">
   <p:cSld>
     <p:bg>
@@ -6621,7 +7525,7 @@
 </p:sld>
 </file>
 
-<file path=ppt/slides/slide21.xml><?xml version="1.0" encoding="utf-8"?>
+<file path=ppt/slides/slide24.xml><?xml version="1.0" encoding="utf-8"?>
 <p:sld xmlns:a="http://schemas.openxmlformats.org/drawingml/2006/main" xmlns:r="http://schemas.openxmlformats.org/officeDocument/2006/relationships" xmlns:p="http://schemas.openxmlformats.org/presentationml/2006/main" showMasterSp="0">
   <p:cSld>
     <p:spTree>
@@ -6711,7 +7615,7 @@
 </p:sld>
 </file>
 
-<file path=ppt/slides/slide22.xml><?xml version="1.0" encoding="utf-8"?>
+<file path=ppt/slides/slide25.xml><?xml version="1.0" encoding="utf-8"?>
 <p:sld xmlns:a="http://schemas.openxmlformats.org/drawingml/2006/main" xmlns:r="http://schemas.openxmlformats.org/officeDocument/2006/relationships" xmlns:p="http://schemas.openxmlformats.org/presentationml/2006/main">
   <p:cSld>
     <p:spTree>

--- a/DGA1031/What is it.pptx
+++ b/DGA1031/What is it.pptx
@@ -12,24 +12,26 @@
     <p:sldId id="269" r:id="rId6"/>
     <p:sldId id="265" r:id="rId7"/>
     <p:sldId id="267" r:id="rId8"/>
-    <p:sldId id="268" r:id="rId9"/>
-    <p:sldId id="280" r:id="rId10"/>
-    <p:sldId id="273" r:id="rId11"/>
-    <p:sldId id="261" r:id="rId12"/>
-    <p:sldId id="272" r:id="rId13"/>
-    <p:sldId id="276" r:id="rId14"/>
-    <p:sldId id="277" r:id="rId15"/>
-    <p:sldId id="275" r:id="rId16"/>
-    <p:sldId id="278" r:id="rId17"/>
-    <p:sldId id="279" r:id="rId18"/>
-    <p:sldId id="281" r:id="rId19"/>
-    <p:sldId id="282" r:id="rId20"/>
-    <p:sldId id="283" r:id="rId21"/>
-    <p:sldId id="262" r:id="rId22"/>
-    <p:sldId id="263" r:id="rId23"/>
-    <p:sldId id="270" r:id="rId24"/>
-    <p:sldId id="264" r:id="rId25"/>
-    <p:sldId id="274" r:id="rId26"/>
+    <p:sldId id="284" r:id="rId9"/>
+    <p:sldId id="268" r:id="rId10"/>
+    <p:sldId id="280" r:id="rId11"/>
+    <p:sldId id="273" r:id="rId12"/>
+    <p:sldId id="261" r:id="rId13"/>
+    <p:sldId id="285" r:id="rId14"/>
+    <p:sldId id="272" r:id="rId15"/>
+    <p:sldId id="276" r:id="rId16"/>
+    <p:sldId id="277" r:id="rId17"/>
+    <p:sldId id="275" r:id="rId18"/>
+    <p:sldId id="278" r:id="rId19"/>
+    <p:sldId id="279" r:id="rId20"/>
+    <p:sldId id="281" r:id="rId21"/>
+    <p:sldId id="282" r:id="rId22"/>
+    <p:sldId id="283" r:id="rId23"/>
+    <p:sldId id="262" r:id="rId24"/>
+    <p:sldId id="263" r:id="rId25"/>
+    <p:sldId id="270" r:id="rId26"/>
+    <p:sldId id="264" r:id="rId27"/>
+    <p:sldId id="274" r:id="rId28"/>
   </p:sldIdLst>
   <p:sldSz cx="12192000" cy="6858000"/>
   <p:notesSz cx="6858000" cy="9144000"/>
@@ -130,7 +132,7 @@
   </p:defaultTextStyle>
   <p:extLst>
     <p:ext uri="{EFAFB233-063F-42B5-8137-9DF3F51BA10A}">
-      <p15:sldGuideLst xmlns:p15="http://schemas.microsoft.com/office/powerpoint/2012/main">
+      <p15:sldGuideLst xmlns:p15="http://schemas.microsoft.com/office/powerpoint/2012/main" xmlns="">
         <p15:guide id="1" orient="horz" pos="2160">
           <p15:clr>
             <a:srgbClr val="A4A3A4"/>
@@ -280,7 +282,7 @@
           <a:p>
             <a:fld id="{276D79ED-3FA7-4EF8-964B-EB8BCFAB02F8}" type="datetimeFigureOut">
               <a:rPr lang="en-US" smtClean="0"/>
-              <a:t>2/22/2018</a:t>
+              <a:t>22/02/2018</a:t>
             </a:fld>
             <a:endParaRPr lang="en-US"/>
           </a:p>
@@ -450,7 +452,7 @@
           <a:p>
             <a:fld id="{276D79ED-3FA7-4EF8-964B-EB8BCFAB02F8}" type="datetimeFigureOut">
               <a:rPr lang="en-US" smtClean="0"/>
-              <a:t>2/22/2018</a:t>
+              <a:t>22/02/2018</a:t>
             </a:fld>
             <a:endParaRPr lang="en-US"/>
           </a:p>
@@ -698,7 +700,7 @@
           <a:p>
             <a:fld id="{276D79ED-3FA7-4EF8-964B-EB8BCFAB02F8}" type="datetimeFigureOut">
               <a:rPr lang="en-US" smtClean="0"/>
-              <a:t>2/22/2018</a:t>
+              <a:t>22/02/2018</a:t>
             </a:fld>
             <a:endParaRPr lang="en-US"/>
           </a:p>
@@ -930,7 +932,7 @@
           <a:p>
             <a:fld id="{276D79ED-3FA7-4EF8-964B-EB8BCFAB02F8}" type="datetimeFigureOut">
               <a:rPr lang="en-US" smtClean="0"/>
-              <a:t>2/22/2018</a:t>
+              <a:t>22/02/2018</a:t>
             </a:fld>
             <a:endParaRPr lang="en-US"/>
           </a:p>
@@ -1297,7 +1299,7 @@
           <a:p>
             <a:fld id="{276D79ED-3FA7-4EF8-964B-EB8BCFAB02F8}" type="datetimeFigureOut">
               <a:rPr lang="en-US" smtClean="0"/>
-              <a:t>2/22/2018</a:t>
+              <a:t>22/02/2018</a:t>
             </a:fld>
             <a:endParaRPr lang="en-US"/>
           </a:p>
@@ -1415,7 +1417,7 @@
           <a:p>
             <a:fld id="{276D79ED-3FA7-4EF8-964B-EB8BCFAB02F8}" type="datetimeFigureOut">
               <a:rPr lang="en-US" smtClean="0"/>
-              <a:t>2/22/2018</a:t>
+              <a:t>22/02/2018</a:t>
             </a:fld>
             <a:endParaRPr lang="en-US"/>
           </a:p>
@@ -1510,7 +1512,7 @@
           <a:p>
             <a:fld id="{276D79ED-3FA7-4EF8-964B-EB8BCFAB02F8}" type="datetimeFigureOut">
               <a:rPr lang="en-US" smtClean="0"/>
-              <a:t>2/22/2018</a:t>
+              <a:t>22/02/2018</a:t>
             </a:fld>
             <a:endParaRPr lang="en-US"/>
           </a:p>
@@ -1787,7 +1789,7 @@
           <a:p>
             <a:fld id="{276D79ED-3FA7-4EF8-964B-EB8BCFAB02F8}" type="datetimeFigureOut">
               <a:rPr lang="en-US" smtClean="0"/>
-              <a:t>2/22/2018</a:t>
+              <a:t>22/02/2018</a:t>
             </a:fld>
             <a:endParaRPr lang="en-US"/>
           </a:p>
@@ -2044,7 +2046,7 @@
           <a:p>
             <a:fld id="{276D79ED-3FA7-4EF8-964B-EB8BCFAB02F8}" type="datetimeFigureOut">
               <a:rPr lang="en-US" smtClean="0"/>
-              <a:t>2/22/2018</a:t>
+              <a:t>22/02/2018</a:t>
             </a:fld>
             <a:endParaRPr lang="en-US"/>
           </a:p>
@@ -2265,7 +2267,7 @@
           <a:p>
             <a:fld id="{276D79ED-3FA7-4EF8-964B-EB8BCFAB02F8}" type="datetimeFigureOut">
               <a:rPr lang="en-US" smtClean="0"/>
-              <a:t>2/22/2018</a:t>
+              <a:t>22/02/2018</a:t>
             </a:fld>
             <a:endParaRPr lang="en-US"/>
           </a:p>
@@ -2922,6 +2924,315 @@
       </p:grpSpPr>
       <p:sp>
         <p:nvSpPr>
+          <p:cNvPr id="2" name="Title 1"/>
+          <p:cNvSpPr>
+            <a:spLocks noGrp="1"/>
+          </p:cNvSpPr>
+          <p:nvPr>
+            <p:ph type="title"/>
+          </p:nvPr>
+        </p:nvSpPr>
+        <p:spPr/>
+        <p:txBody>
+          <a:bodyPr/>
+          <a:lstStyle/>
+          <a:p>
+            <a:r>
+              <a:rPr lang="en-US" dirty="0"/>
+              <a:t>Literature review</a:t>
+            </a:r>
+          </a:p>
+        </p:txBody>
+      </p:sp>
+      <p:sp>
+        <p:nvSpPr>
+          <p:cNvPr id="4" name="Content Placeholder 2"/>
+          <p:cNvSpPr>
+            <a:spLocks noGrp="1"/>
+          </p:cNvSpPr>
+          <p:nvPr>
+            <p:ph idx="1"/>
+          </p:nvPr>
+        </p:nvSpPr>
+        <p:spPr>
+          <a:xfrm>
+            <a:off x="3095897" y="1841862"/>
+            <a:ext cx="8623663" cy="4825638"/>
+          </a:xfrm>
+        </p:spPr>
+        <p:txBody>
+          <a:bodyPr>
+            <a:noAutofit/>
+          </a:bodyPr>
+          <a:lstStyle/>
+          <a:p>
+            <a:r>
+              <a:rPr lang="en-US" sz="1100" dirty="0"/>
+              <a:t>[</a:t>
+            </a:r>
+            <a:r>
+              <a:rPr lang="en-US" sz="1100" dirty="0" smtClean="0"/>
+              <a:t>12] S. </a:t>
+            </a:r>
+            <a:r>
+              <a:rPr lang="en-US" sz="1100" dirty="0" err="1" smtClean="0"/>
+              <a:t>Karayev</a:t>
+            </a:r>
+            <a:r>
+              <a:rPr lang="en-US" sz="1100" dirty="0" smtClean="0"/>
+              <a:t>, M. </a:t>
+            </a:r>
+            <a:r>
+              <a:rPr lang="en-US" sz="1100" dirty="0" err="1" smtClean="0"/>
+              <a:t>Trentacoste</a:t>
+            </a:r>
+            <a:r>
+              <a:rPr lang="en-US" sz="1100" dirty="0" smtClean="0"/>
+              <a:t>, H. Han, A. </a:t>
+            </a:r>
+            <a:r>
+              <a:rPr lang="en-US" sz="1100" dirty="0" err="1" smtClean="0"/>
+              <a:t>Agarwala</a:t>
+            </a:r>
+            <a:r>
+              <a:rPr lang="en-US" sz="1100" dirty="0" smtClean="0"/>
+              <a:t>, T. Darrell, A. </a:t>
+            </a:r>
+            <a:r>
+              <a:rPr lang="en-US" sz="1100" dirty="0" err="1" smtClean="0"/>
+              <a:t>Hertzmann</a:t>
+            </a:r>
+            <a:r>
+              <a:rPr lang="en-US" sz="1100" dirty="0" smtClean="0"/>
+              <a:t>, H. </a:t>
+            </a:r>
+            <a:r>
+              <a:rPr lang="en-US" sz="1100" dirty="0" err="1" smtClean="0"/>
+              <a:t>Winnemoeller</a:t>
+            </a:r>
+            <a:r>
+              <a:rPr lang="en-US" sz="1100" dirty="0" smtClean="0"/>
+              <a:t> , “ Recognizing </a:t>
+            </a:r>
+            <a:r>
+              <a:rPr lang="en-US" sz="1100" dirty="0"/>
+              <a:t>Image style”, </a:t>
+            </a:r>
+            <a:r>
+              <a:rPr lang="en-US" sz="1100" dirty="0">
+                <a:hlinkClick r:id="rId2"/>
+              </a:rPr>
+              <a:t>https://</a:t>
+            </a:r>
+            <a:r>
+              <a:rPr lang="en-US" sz="1100" dirty="0" smtClean="0">
+                <a:hlinkClick r:id="rId2"/>
+              </a:rPr>
+              <a:t>sergeykarayev.com/files/1311.3715v3.pdf</a:t>
+            </a:r>
+            <a:endParaRPr lang="en-US" sz="1100" dirty="0" smtClean="0"/>
+          </a:p>
+          <a:p>
+            <a:r>
+              <a:rPr lang="en-US" sz="1100" dirty="0" smtClean="0"/>
+              <a:t>[13] X. Yu, J. Yang, L. Luo, W. Li, J. Brandt, D. </a:t>
+            </a:r>
+            <a:r>
+              <a:rPr lang="en-US" sz="1100" dirty="0" err="1" smtClean="0"/>
+              <a:t>Metaxas,”Customized</a:t>
+            </a:r>
+            <a:r>
+              <a:rPr lang="en-US" sz="1100" dirty="0" smtClean="0"/>
+              <a:t> expression recognition for performance-driven cutout character animation”, in Applications of Computer Vision(WACV), 2016, IEEE Winter Conference</a:t>
+            </a:r>
+          </a:p>
+          <a:p>
+            <a:r>
+              <a:rPr lang="en-US" sz="1100" dirty="0" smtClean="0"/>
+              <a:t>[14] X. </a:t>
+            </a:r>
+            <a:r>
+              <a:rPr lang="en-US" sz="1100" dirty="0" err="1" smtClean="0"/>
+              <a:t>Jin</a:t>
+            </a:r>
+            <a:r>
+              <a:rPr lang="en-US" sz="1100" dirty="0" smtClean="0"/>
+              <a:t>, J. Kim</a:t>
+            </a:r>
+            <a:r>
+              <a:rPr lang="en-US" sz="1100" dirty="0"/>
+              <a:t>, “</a:t>
+            </a:r>
+            <a:r>
+              <a:rPr lang="en-US" sz="1100" dirty="0" err="1"/>
+              <a:t>ArtWork</a:t>
+            </a:r>
+            <a:r>
+              <a:rPr lang="en-US" sz="1100" dirty="0"/>
+              <a:t> Recognition in 360-degree Image using 32- </a:t>
+            </a:r>
+            <a:r>
+              <a:rPr lang="en-US" sz="1100" dirty="0" err="1"/>
+              <a:t>hedron</a:t>
+            </a:r>
+            <a:r>
+              <a:rPr lang="en-US" sz="1100" dirty="0"/>
+              <a:t> based Rectilinear Projection and Scale Invariant Feature Transform </a:t>
+            </a:r>
+            <a:r>
+              <a:rPr lang="en-US" sz="1100" dirty="0" smtClean="0"/>
+              <a:t>“, in ICEICT, IEEE </a:t>
+            </a:r>
+            <a:r>
+              <a:rPr lang="en-US" sz="1100" dirty="0" err="1" smtClean="0"/>
+              <a:t>Int</a:t>
+            </a:r>
+            <a:r>
+              <a:rPr lang="en-US" sz="1100" dirty="0" smtClean="0"/>
+              <a:t> </a:t>
+            </a:r>
+            <a:r>
+              <a:rPr lang="en-US" sz="1100" dirty="0" err="1" smtClean="0"/>
+              <a:t>Conf</a:t>
+            </a:r>
+            <a:r>
+              <a:rPr lang="en-US" sz="1100" dirty="0" smtClean="0"/>
+              <a:t>, 2017, pp 356-359</a:t>
+            </a:r>
+          </a:p>
+          <a:p>
+            <a:r>
+              <a:rPr lang="en-US" sz="1100" dirty="0" smtClean="0"/>
+              <a:t>[15] T. </a:t>
+            </a:r>
+            <a:r>
+              <a:rPr lang="en-US" sz="1100" dirty="0" err="1" smtClean="0"/>
+              <a:t>Ruzic</a:t>
+            </a:r>
+            <a:r>
+              <a:rPr lang="en-US" sz="1100" dirty="0" smtClean="0"/>
+              <a:t>, B. </a:t>
+            </a:r>
+            <a:r>
+              <a:rPr lang="en-US" sz="1100" dirty="0" err="1" smtClean="0"/>
+              <a:t>cornelis</a:t>
+            </a:r>
+            <a:r>
+              <a:rPr lang="en-US" sz="1100" dirty="0" smtClean="0"/>
+              <a:t>, L. </a:t>
+            </a:r>
+            <a:r>
+              <a:rPr lang="en-US" sz="1100" dirty="0" err="1" smtClean="0"/>
+              <a:t>Platisa</a:t>
+            </a:r>
+            <a:r>
+              <a:rPr lang="en-US" sz="1100" dirty="0" smtClean="0"/>
+              <a:t>, A. </a:t>
+            </a:r>
+            <a:r>
+              <a:rPr lang="en-US" sz="1100" dirty="0" err="1" smtClean="0"/>
+              <a:t>Pizurica</a:t>
+            </a:r>
+            <a:r>
+              <a:rPr lang="en-US" sz="1100" dirty="0" smtClean="0"/>
+              <a:t>, A. Dooms, W. Philips, M. Martens, M. D. </a:t>
+            </a:r>
+            <a:r>
+              <a:rPr lang="en-US" sz="1100" dirty="0" err="1" smtClean="0"/>
+              <a:t>Mey</a:t>
+            </a:r>
+            <a:r>
+              <a:rPr lang="en-US" sz="1100" dirty="0" smtClean="0"/>
+              <a:t>, I. </a:t>
+            </a:r>
+            <a:r>
+              <a:rPr lang="en-US" sz="1100" dirty="0" err="1" smtClean="0"/>
+              <a:t>Daubechies</a:t>
+            </a:r>
+            <a:r>
+              <a:rPr lang="en-US" sz="1100" dirty="0" smtClean="0"/>
+              <a:t>, “Virtual Restoration of the Ghent Altarpiece Using Crack Detection and </a:t>
+            </a:r>
+            <a:r>
+              <a:rPr lang="en-US" sz="1100" dirty="0" err="1" smtClean="0"/>
+              <a:t>Inpainting</a:t>
+            </a:r>
+            <a:r>
+              <a:rPr lang="en-US" sz="1100" dirty="0" smtClean="0"/>
+              <a:t>”, in ACIVS 2011, pp 417-428.</a:t>
+            </a:r>
+          </a:p>
+          <a:p>
+            <a:r>
+              <a:rPr lang="en-US" sz="1100" dirty="0" smtClean="0"/>
+              <a:t>[16] P. </a:t>
+            </a:r>
+            <a:r>
+              <a:rPr lang="en-US" sz="1100" dirty="0" err="1" smtClean="0"/>
+              <a:t>Wohlhart</a:t>
+            </a:r>
+            <a:r>
+              <a:rPr lang="en-US" sz="1100" dirty="0" smtClean="0"/>
+              <a:t> and V. </a:t>
+            </a:r>
+            <a:r>
+              <a:rPr lang="en-US" sz="1100" dirty="0" err="1" smtClean="0"/>
+              <a:t>Lepetit</a:t>
+            </a:r>
+            <a:r>
+              <a:rPr lang="en-US" sz="1100" dirty="0" smtClean="0"/>
+              <a:t>, “Learning descriptors for object recognition and 3D pose estimation”, in CVPR, </a:t>
+            </a:r>
+            <a:r>
+              <a:rPr lang="en-US" sz="1100" smtClean="0"/>
+              <a:t>IEEE Conference, 2015, pp 3109-3118</a:t>
+            </a:r>
+            <a:endParaRPr lang="en-US" sz="1100" dirty="0" smtClean="0"/>
+          </a:p>
+          <a:p>
+            <a:endParaRPr lang="en-US" sz="1100" dirty="0"/>
+          </a:p>
+        </p:txBody>
+      </p:sp>
+    </p:spTree>
+    <p:extLst>
+      <p:ext uri="{BB962C8B-B14F-4D97-AF65-F5344CB8AC3E}">
+        <p14:creationId xmlns:p14="http://schemas.microsoft.com/office/powerpoint/2010/main" val="1440396747"/>
+      </p:ext>
+    </p:extLst>
+  </p:cSld>
+  <p:clrMapOvr>
+    <a:masterClrMapping/>
+  </p:clrMapOvr>
+  <p:timing>
+    <p:tnLst>
+      <p:par>
+        <p:cTn id="1" dur="indefinite" restart="never" nodeType="tmRoot"/>
+      </p:par>
+    </p:tnLst>
+  </p:timing>
+</p:sld>
+</file>
+
+<file path=ppt/slides/slide11.xml><?xml version="1.0" encoding="utf-8"?>
+<p:sld xmlns:a="http://schemas.openxmlformats.org/drawingml/2006/main" xmlns:r="http://schemas.openxmlformats.org/officeDocument/2006/relationships" xmlns:p="http://schemas.openxmlformats.org/presentationml/2006/main">
+  <p:cSld>
+    <p:spTree>
+      <p:nvGrpSpPr>
+        <p:cNvPr id="1" name=""/>
+        <p:cNvGrpSpPr/>
+        <p:nvPr/>
+      </p:nvGrpSpPr>
+      <p:grpSpPr>
+        <a:xfrm>
+          <a:off x="0" y="0"/>
+          <a:ext cx="0" cy="0"/>
+          <a:chOff x="0" y="0"/>
+          <a:chExt cx="0" cy="0"/>
+        </a:xfrm>
+      </p:grpSpPr>
+      <p:sp>
+        <p:nvSpPr>
           <p:cNvPr id="6" name="Rectangular Callout 5"/>
           <p:cNvSpPr/>
           <p:nvPr/>
@@ -3103,7 +3414,11 @@
           <a:p>
             <a:r>
               <a:rPr lang="en-US" dirty="0"/>
-              <a:t>+ Performance: time </a:t>
+              <a:t>+ Performance: </a:t>
+            </a:r>
+            <a:r>
+              <a:rPr lang="en-US" dirty="0" smtClean="0"/>
+              <a:t>time </a:t>
             </a:r>
             <a:r>
               <a:rPr lang="en-US" dirty="0" smtClean="0"/>
@@ -3143,10 +3458,17 @@
   <p:clrMapOvr>
     <a:masterClrMapping/>
   </p:clrMapOvr>
+  <p:timing>
+    <p:tnLst>
+      <p:par>
+        <p:cTn id="1" dur="indefinite" restart="never" nodeType="tmRoot"/>
+      </p:par>
+    </p:tnLst>
+  </p:timing>
 </p:sld>
 </file>
 
-<file path=ppt/slides/slide11.xml><?xml version="1.0" encoding="utf-8"?>
+<file path=ppt/slides/slide12.xml><?xml version="1.0" encoding="utf-8"?>
 <p:sld xmlns:a="http://schemas.openxmlformats.org/drawingml/2006/main" xmlns:r="http://schemas.openxmlformats.org/officeDocument/2006/relationships" xmlns:p="http://schemas.openxmlformats.org/presentationml/2006/main" showMasterSp="0">
   <p:cSld>
     <p:spTree>
@@ -3214,11 +3536,11 @@
               </a:lnSpc>
             </a:pPr>
             <a:r>
-              <a:rPr lang="en-US" sz="1100" dirty="0" smtClean="0"/>
+              <a:rPr lang="en-US" sz="2000" dirty="0" smtClean="0"/>
               <a:t>Identify and recognize the object with the </a:t>
             </a:r>
             <a:r>
-              <a:rPr lang="en-US" sz="1100" b="1" dirty="0" smtClean="0">
+              <a:rPr lang="en-US" sz="2000" b="1" dirty="0" smtClean="0">
                 <a:solidFill>
                   <a:srgbClr val="0070C0"/>
                 </a:solidFill>
@@ -3226,7 +3548,7 @@
               <a:t>“private feature” </a:t>
             </a:r>
             <a:r>
-              <a:rPr lang="en-US" sz="1100" dirty="0" smtClean="0"/>
+              <a:rPr lang="en-US" sz="2000" dirty="0" smtClean="0"/>
               <a:t>of artwork, specimen, whatever</a:t>
             </a:r>
           </a:p>
@@ -3237,11 +3559,11 @@
               </a:lnSpc>
             </a:pPr>
             <a:r>
-              <a:rPr lang="en-US" sz="1100" dirty="0" smtClean="0"/>
+              <a:rPr lang="en-US" sz="2000" dirty="0" smtClean="0"/>
               <a:t>Faster handling of responding for </a:t>
             </a:r>
             <a:r>
-              <a:rPr lang="en-US" sz="1100" dirty="0" smtClean="0">
+              <a:rPr lang="en-US" sz="2000" dirty="0" smtClean="0">
                 <a:solidFill>
                   <a:srgbClr val="FF0000"/>
                 </a:solidFill>
@@ -3249,7 +3571,7 @@
               <a:t>real time </a:t>
             </a:r>
             <a:r>
-              <a:rPr lang="en-US" sz="1100" dirty="0" smtClean="0"/>
+              <a:rPr lang="en-US" sz="2000" dirty="0" smtClean="0"/>
               <a:t>used cases</a:t>
             </a:r>
           </a:p>
@@ -3260,11 +3582,11 @@
               </a:lnSpc>
             </a:pPr>
             <a:r>
-              <a:rPr lang="en-US" sz="1100" dirty="0" smtClean="0"/>
+              <a:rPr lang="en-US" sz="2000" dirty="0" smtClean="0"/>
               <a:t>Data </a:t>
             </a:r>
             <a:r>
-              <a:rPr lang="en-US" sz="1100" dirty="0">
+              <a:rPr lang="en-US" sz="2000" dirty="0">
                 <a:solidFill>
                   <a:schemeClr val="accent2">
                     <a:lumMod val="75000"/>
@@ -3274,11 +3596,11 @@
               <a:t>authenticity, confidentiality, ready, and integrity </a:t>
             </a:r>
             <a:r>
-              <a:rPr lang="en-US" sz="1100" dirty="0"/>
+              <a:rPr lang="en-US" sz="2000" dirty="0"/>
               <a:t>for </a:t>
             </a:r>
             <a:r>
-              <a:rPr lang="en-US" sz="1100" dirty="0" smtClean="0"/>
+              <a:rPr lang="en-US" sz="2000" dirty="0" smtClean="0"/>
               <a:t>real time applications</a:t>
             </a:r>
           </a:p>
@@ -3289,15 +3611,15 @@
               </a:lnSpc>
             </a:pPr>
             <a:r>
-              <a:rPr lang="en-US" sz="1100" dirty="0" smtClean="0"/>
+              <a:rPr lang="en-US" sz="2000" dirty="0" smtClean="0"/>
               <a:t>The </a:t>
             </a:r>
             <a:r>
-              <a:rPr lang="en-US" sz="1100" dirty="0"/>
+              <a:rPr lang="en-US" sz="2000" dirty="0"/>
               <a:t>expectation of users </a:t>
             </a:r>
             <a:r>
-              <a:rPr lang="en-US" sz="1100" dirty="0">
+              <a:rPr lang="en-US" sz="2000" dirty="0">
                 <a:solidFill>
                   <a:srgbClr val="C00000"/>
                 </a:solidFill>
@@ -3305,7 +3627,7 @@
               <a:t>for huge amount of objects </a:t>
             </a:r>
             <a:r>
-              <a:rPr lang="en-US" sz="1100" dirty="0"/>
+              <a:rPr lang="en-US" sz="2000" dirty="0"/>
               <a:t>to search among</a:t>
             </a:r>
           </a:p>
@@ -3315,22 +3637,11 @@
                 <a:spcPct val="170000"/>
               </a:lnSpc>
             </a:pPr>
-            <a:r>
-              <a:rPr lang="en-US" sz="1100" dirty="0" smtClean="0"/>
-              <a:t>Sometimes </a:t>
-            </a:r>
-            <a:r>
-              <a:rPr lang="en-US" sz="1100" dirty="0">
-                <a:solidFill>
-                  <a:srgbClr val="00B0F0"/>
-                </a:solidFill>
-              </a:rPr>
-              <a:t>incompleteness query specification </a:t>
-            </a:r>
-            <a:r>
-              <a:rPr lang="en-US" sz="1100" dirty="0"/>
-              <a:t>seems to be a challenge</a:t>
-            </a:r>
+            <a:endParaRPr lang="en-US" sz="2000" dirty="0" smtClean="0">
+              <a:solidFill>
+                <a:srgbClr val="002060"/>
+              </a:solidFill>
+            </a:endParaRPr>
           </a:p>
           <a:p>
             <a:pPr algn="just">
@@ -3338,169 +3649,7 @@
                 <a:spcPct val="170000"/>
               </a:lnSpc>
             </a:pPr>
-            <a:r>
-              <a:rPr lang="en-US" sz="1100" dirty="0" smtClean="0">
-                <a:solidFill>
-                  <a:srgbClr val="FF0000"/>
-                </a:solidFill>
-              </a:rPr>
-              <a:t>Incomplete </a:t>
-            </a:r>
-            <a:r>
-              <a:rPr lang="en-US" sz="1100" dirty="0">
-                <a:solidFill>
-                  <a:srgbClr val="FF0000"/>
-                </a:solidFill>
-              </a:rPr>
-              <a:t>image </a:t>
-            </a:r>
-            <a:r>
-              <a:rPr lang="en-US" sz="1100" dirty="0"/>
-              <a:t>description is also a </a:t>
-            </a:r>
-            <a:r>
-              <a:rPr lang="en-US" sz="1100" dirty="0" smtClean="0"/>
-              <a:t>source </a:t>
-            </a:r>
-            <a:r>
-              <a:rPr lang="en-US" sz="1100" dirty="0"/>
-              <a:t>of challenge to an efficient CBIR </a:t>
-            </a:r>
-            <a:r>
-              <a:rPr lang="en-US" sz="1100" dirty="0" smtClean="0"/>
-              <a:t>system</a:t>
-            </a:r>
-          </a:p>
-          <a:p>
-            <a:pPr algn="just">
-              <a:lnSpc>
-                <a:spcPct val="170000"/>
-              </a:lnSpc>
-            </a:pPr>
-            <a:r>
-              <a:rPr lang="en-US" sz="1100" dirty="0" smtClean="0"/>
-              <a:t>The issue related to the semantic gap where it means </a:t>
-            </a:r>
-            <a:r>
-              <a:rPr lang="en-US" sz="1100" dirty="0" smtClean="0">
-                <a:solidFill>
-                  <a:srgbClr val="00B050"/>
-                </a:solidFill>
-              </a:rPr>
-              <a:t>the lack of coincidence </a:t>
-            </a:r>
-            <a:r>
-              <a:rPr lang="en-US" sz="1100" dirty="0" smtClean="0"/>
-              <a:t>between information that the same data have for a user in a given situation</a:t>
-            </a:r>
-          </a:p>
-          <a:p>
-            <a:pPr algn="just">
-              <a:lnSpc>
-                <a:spcPct val="170000"/>
-              </a:lnSpc>
-            </a:pPr>
-            <a:r>
-              <a:rPr lang="en-US" sz="1100" dirty="0">
-                <a:solidFill>
-                  <a:srgbClr val="0070C0"/>
-                </a:solidFill>
-              </a:rPr>
-              <a:t>Updating meta-data</a:t>
-            </a:r>
-            <a:r>
-              <a:rPr lang="en-US" sz="1100" dirty="0"/>
-              <a:t> based on the collected information from each node ( user</a:t>
-            </a:r>
-            <a:r>
-              <a:rPr lang="en-US" sz="1100" dirty="0" smtClean="0"/>
-              <a:t>)</a:t>
-            </a:r>
-          </a:p>
-          <a:p>
-            <a:pPr algn="just">
-              <a:lnSpc>
-                <a:spcPct val="170000"/>
-              </a:lnSpc>
-            </a:pPr>
-            <a:r>
-              <a:rPr lang="en-US" sz="1100" dirty="0" smtClean="0"/>
-              <a:t>How to recognize the object with its’ </a:t>
-            </a:r>
-            <a:r>
-              <a:rPr lang="en-US" sz="1100" b="1" dirty="0" smtClean="0"/>
-              <a:t>rotation-invariant</a:t>
-            </a:r>
-          </a:p>
-          <a:p>
-            <a:pPr algn="just">
-              <a:lnSpc>
-                <a:spcPct val="170000"/>
-              </a:lnSpc>
-            </a:pPr>
-            <a:r>
-              <a:rPr lang="en-US" sz="1100" dirty="0"/>
-              <a:t>How to recognize the object with </a:t>
-            </a:r>
-            <a:r>
-              <a:rPr lang="en-US" sz="1100" dirty="0">
-                <a:solidFill>
-                  <a:srgbClr val="FF0000"/>
-                </a:solidFill>
-              </a:rPr>
-              <a:t>any angle direction </a:t>
-            </a:r>
-            <a:r>
-              <a:rPr lang="en-US" sz="1100" dirty="0" smtClean="0"/>
-              <a:t>of user’s view?</a:t>
-            </a:r>
-          </a:p>
-          <a:p>
-            <a:pPr algn="just">
-              <a:lnSpc>
-                <a:spcPct val="170000"/>
-              </a:lnSpc>
-            </a:pPr>
-            <a:r>
-              <a:rPr lang="en-US" sz="1100" dirty="0"/>
-              <a:t>How to recognize an object in spite of the</a:t>
-            </a:r>
-            <a:r>
-              <a:rPr lang="en-US" sz="1100" dirty="0">
-                <a:solidFill>
-                  <a:srgbClr val="002060"/>
-                </a:solidFill>
-              </a:rPr>
-              <a:t> partially obscured one</a:t>
-            </a:r>
-            <a:r>
-              <a:rPr lang="en-US" sz="1100" dirty="0" smtClean="0">
-                <a:solidFill>
-                  <a:srgbClr val="002060"/>
-                </a:solidFill>
-              </a:rPr>
-              <a:t>?</a:t>
-            </a:r>
-          </a:p>
-          <a:p>
-            <a:pPr algn="just">
-              <a:lnSpc>
-                <a:spcPct val="170000"/>
-              </a:lnSpc>
-            </a:pPr>
-            <a:endParaRPr lang="en-US" sz="1100" dirty="0" smtClean="0">
-              <a:solidFill>
-                <a:srgbClr val="002060"/>
-              </a:solidFill>
-            </a:endParaRPr>
-          </a:p>
-          <a:p>
-            <a:pPr algn="just">
-              <a:lnSpc>
-                <a:spcPct val="170000"/>
-              </a:lnSpc>
-            </a:pPr>
-            <a:endParaRPr lang="en-US" sz="1100" dirty="0">
+            <a:endParaRPr lang="en-US" sz="2000" dirty="0">
               <a:solidFill>
                 <a:srgbClr val="002060"/>
               </a:solidFill>
@@ -3518,10 +3667,243 @@
   <p:clrMapOvr>
     <a:masterClrMapping/>
   </p:clrMapOvr>
+  <p:timing>
+    <p:tnLst>
+      <p:par>
+        <p:cTn id="1" dur="indefinite" restart="never" nodeType="tmRoot"/>
+      </p:par>
+    </p:tnLst>
+  </p:timing>
 </p:sld>
 </file>
 
-<file path=ppt/slides/slide12.xml><?xml version="1.0" encoding="utf-8"?>
+<file path=ppt/slides/slide13.xml><?xml version="1.0" encoding="utf-8"?>
+<p:sld xmlns:a="http://schemas.openxmlformats.org/drawingml/2006/main" xmlns:r="http://schemas.openxmlformats.org/officeDocument/2006/relationships" xmlns:p="http://schemas.openxmlformats.org/presentationml/2006/main">
+  <p:cSld>
+    <p:spTree>
+      <p:nvGrpSpPr>
+        <p:cNvPr id="1" name=""/>
+        <p:cNvGrpSpPr/>
+        <p:nvPr/>
+      </p:nvGrpSpPr>
+      <p:grpSpPr>
+        <a:xfrm>
+          <a:off x="0" y="0"/>
+          <a:ext cx="0" cy="0"/>
+          <a:chOff x="0" y="0"/>
+          <a:chExt cx="0" cy="0"/>
+        </a:xfrm>
+      </p:grpSpPr>
+      <p:sp>
+        <p:nvSpPr>
+          <p:cNvPr id="2" name="Title 1"/>
+          <p:cNvSpPr>
+            <a:spLocks noGrp="1"/>
+          </p:cNvSpPr>
+          <p:nvPr>
+            <p:ph type="title"/>
+          </p:nvPr>
+        </p:nvSpPr>
+        <p:spPr/>
+        <p:txBody>
+          <a:bodyPr/>
+          <a:lstStyle/>
+          <a:p>
+            <a:r>
+              <a:rPr lang="en-US" dirty="0"/>
+              <a:t>Challenges</a:t>
+            </a:r>
+          </a:p>
+        </p:txBody>
+      </p:sp>
+      <p:sp>
+        <p:nvSpPr>
+          <p:cNvPr id="3" name="Content Placeholder 2"/>
+          <p:cNvSpPr>
+            <a:spLocks noGrp="1"/>
+          </p:cNvSpPr>
+          <p:nvPr>
+            <p:ph idx="1"/>
+          </p:nvPr>
+        </p:nvSpPr>
+        <p:spPr/>
+        <p:txBody>
+          <a:bodyPr>
+            <a:noAutofit/>
+          </a:bodyPr>
+          <a:lstStyle/>
+          <a:p>
+            <a:pPr algn="just">
+              <a:lnSpc>
+                <a:spcPct val="170000"/>
+              </a:lnSpc>
+            </a:pPr>
+            <a:r>
+              <a:rPr lang="en-US" sz="1600" dirty="0"/>
+              <a:t>Sometimes </a:t>
+            </a:r>
+            <a:r>
+              <a:rPr lang="en-US" sz="1600" b="1" dirty="0">
+                <a:solidFill>
+                  <a:srgbClr val="00B0F0"/>
+                </a:solidFill>
+              </a:rPr>
+              <a:t>incompleteness query specification </a:t>
+            </a:r>
+            <a:r>
+              <a:rPr lang="en-US" sz="1600" dirty="0"/>
+              <a:t>seems to be a challenge</a:t>
+            </a:r>
+          </a:p>
+          <a:p>
+            <a:pPr algn="just">
+              <a:lnSpc>
+                <a:spcPct val="170000"/>
+              </a:lnSpc>
+            </a:pPr>
+            <a:r>
+              <a:rPr lang="en-US" sz="1600" b="1" dirty="0">
+                <a:solidFill>
+                  <a:srgbClr val="FF0000"/>
+                </a:solidFill>
+              </a:rPr>
+              <a:t>Incomplete image </a:t>
+            </a:r>
+            <a:r>
+              <a:rPr lang="en-US" sz="1600" dirty="0"/>
+              <a:t>description is also a source of challenge to an efficient CBIR system</a:t>
+            </a:r>
+          </a:p>
+          <a:p>
+            <a:pPr algn="just">
+              <a:lnSpc>
+                <a:spcPct val="170000"/>
+              </a:lnSpc>
+            </a:pPr>
+            <a:r>
+              <a:rPr lang="en-US" sz="1600" dirty="0"/>
+              <a:t>The issue related to the semantic gap where it means </a:t>
+            </a:r>
+            <a:r>
+              <a:rPr lang="en-US" sz="1600" b="1" dirty="0">
+                <a:solidFill>
+                  <a:srgbClr val="00B050"/>
+                </a:solidFill>
+              </a:rPr>
+              <a:t>the lack of coincidence </a:t>
+            </a:r>
+            <a:r>
+              <a:rPr lang="en-US" sz="1600" dirty="0"/>
+              <a:t>between information that the same data have for a user in a given situation</a:t>
+            </a:r>
+          </a:p>
+          <a:p>
+            <a:pPr algn="just">
+              <a:lnSpc>
+                <a:spcPct val="170000"/>
+              </a:lnSpc>
+            </a:pPr>
+            <a:r>
+              <a:rPr lang="en-US" sz="1600" b="1" dirty="0">
+                <a:solidFill>
+                  <a:srgbClr val="0070C0"/>
+                </a:solidFill>
+              </a:rPr>
+              <a:t>Updating meta-data</a:t>
+            </a:r>
+            <a:r>
+              <a:rPr lang="en-US" sz="1600" b="1" dirty="0"/>
+              <a:t> </a:t>
+            </a:r>
+            <a:r>
+              <a:rPr lang="en-US" sz="1600" dirty="0"/>
+              <a:t>based on the collected information from each node ( user)</a:t>
+            </a:r>
+          </a:p>
+          <a:p>
+            <a:pPr algn="just">
+              <a:lnSpc>
+                <a:spcPct val="170000"/>
+              </a:lnSpc>
+            </a:pPr>
+            <a:r>
+              <a:rPr lang="en-US" sz="1600" dirty="0"/>
+              <a:t>How to recognize the object with </a:t>
+            </a:r>
+            <a:r>
+              <a:rPr lang="en-US" sz="1600" b="1" dirty="0"/>
+              <a:t>its’ rotation-invariant</a:t>
+            </a:r>
+          </a:p>
+          <a:p>
+            <a:pPr algn="just">
+              <a:lnSpc>
+                <a:spcPct val="170000"/>
+              </a:lnSpc>
+            </a:pPr>
+            <a:r>
+              <a:rPr lang="en-US" sz="1600" dirty="0"/>
+              <a:t>How to recognize the object with </a:t>
+            </a:r>
+            <a:r>
+              <a:rPr lang="en-US" sz="1600" b="1" dirty="0">
+                <a:solidFill>
+                  <a:srgbClr val="FF0000"/>
+                </a:solidFill>
+              </a:rPr>
+              <a:t>any angle direction </a:t>
+            </a:r>
+            <a:r>
+              <a:rPr lang="en-US" sz="1600" dirty="0"/>
+              <a:t>of user’s view?</a:t>
+            </a:r>
+          </a:p>
+          <a:p>
+            <a:pPr algn="just">
+              <a:lnSpc>
+                <a:spcPct val="170000"/>
+              </a:lnSpc>
+            </a:pPr>
+            <a:r>
+              <a:rPr lang="en-US" sz="1600" dirty="0"/>
+              <a:t>How to recognize an object in spite of the</a:t>
+            </a:r>
+            <a:r>
+              <a:rPr lang="en-US" sz="1600" dirty="0">
+                <a:solidFill>
+                  <a:srgbClr val="002060"/>
+                </a:solidFill>
+              </a:rPr>
+              <a:t> </a:t>
+            </a:r>
+            <a:r>
+              <a:rPr lang="en-US" sz="1600" b="1" dirty="0">
+                <a:solidFill>
+                  <a:srgbClr val="002060"/>
+                </a:solidFill>
+              </a:rPr>
+              <a:t>partially obscured one?</a:t>
+            </a:r>
+          </a:p>
+          <a:p>
+            <a:endParaRPr lang="en-US" sz="1600" b="1" dirty="0"/>
+          </a:p>
+        </p:txBody>
+      </p:sp>
+    </p:spTree>
+    <p:extLst>
+      <p:ext uri="{BB962C8B-B14F-4D97-AF65-F5344CB8AC3E}">
+        <p14:creationId xmlns:p14="http://schemas.microsoft.com/office/powerpoint/2010/main" val="2670723839"/>
+      </p:ext>
+    </p:extLst>
+  </p:cSld>
+  <p:clrMapOvr>
+    <a:masterClrMapping/>
+  </p:clrMapOvr>
+</p:sld>
+</file>
+
+<file path=ppt/slides/slide14.xml><?xml version="1.0" encoding="utf-8"?>
 <p:sld xmlns:a="http://schemas.openxmlformats.org/drawingml/2006/main" xmlns:r="http://schemas.openxmlformats.org/officeDocument/2006/relationships" xmlns:p="http://schemas.openxmlformats.org/presentationml/2006/main" showMasterSp="0">
   <p:cSld>
     <p:spTree>
@@ -4051,243 +4433,6 @@
     <p:extLst>
       <p:ext uri="{BB962C8B-B14F-4D97-AF65-F5344CB8AC3E}">
         <p14:creationId xmlns:p14="http://schemas.microsoft.com/office/powerpoint/2010/main" val="991377956"/>
-      </p:ext>
-    </p:extLst>
-  </p:cSld>
-  <p:clrMapOvr>
-    <a:masterClrMapping/>
-  </p:clrMapOvr>
-</p:sld>
-</file>
-
-<file path=ppt/slides/slide13.xml><?xml version="1.0" encoding="utf-8"?>
-<p:sld xmlns:a="http://schemas.openxmlformats.org/drawingml/2006/main" xmlns:r="http://schemas.openxmlformats.org/officeDocument/2006/relationships" xmlns:p="http://schemas.openxmlformats.org/presentationml/2006/main">
-  <p:cSld>
-    <p:spTree>
-      <p:nvGrpSpPr>
-        <p:cNvPr id="1" name=""/>
-        <p:cNvGrpSpPr/>
-        <p:nvPr/>
-      </p:nvGrpSpPr>
-      <p:grpSpPr>
-        <a:xfrm>
-          <a:off x="0" y="0"/>
-          <a:ext cx="0" cy="0"/>
-          <a:chOff x="0" y="0"/>
-          <a:chExt cx="0" cy="0"/>
-        </a:xfrm>
-      </p:grpSpPr>
-      <p:sp>
-        <p:nvSpPr>
-          <p:cNvPr id="2" name="Title 1"/>
-          <p:cNvSpPr>
-            <a:spLocks noGrp="1"/>
-          </p:cNvSpPr>
-          <p:nvPr>
-            <p:ph type="title"/>
-          </p:nvPr>
-        </p:nvSpPr>
-        <p:spPr/>
-        <p:txBody>
-          <a:bodyPr/>
-          <a:lstStyle/>
-          <a:p>
-            <a:r>
-              <a:rPr lang="en-US" dirty="0" smtClean="0"/>
-              <a:t>Contributions</a:t>
-            </a:r>
-            <a:endParaRPr lang="en-US" dirty="0"/>
-          </a:p>
-        </p:txBody>
-      </p:sp>
-      <p:sp>
-        <p:nvSpPr>
-          <p:cNvPr id="3" name="Content Placeholder 2"/>
-          <p:cNvSpPr>
-            <a:spLocks noGrp="1"/>
-          </p:cNvSpPr>
-          <p:nvPr>
-            <p:ph idx="1"/>
-          </p:nvPr>
-        </p:nvSpPr>
-        <p:spPr/>
-        <p:txBody>
-          <a:bodyPr/>
-          <a:lstStyle/>
-          <a:p>
-            <a:r>
-              <a:rPr lang="en-US" dirty="0" smtClean="0"/>
-              <a:t>Performance:</a:t>
-            </a:r>
-          </a:p>
-          <a:p>
-            <a:pPr lvl="1">
-              <a:buFont typeface="Wingdings" panose="05000000000000000000" pitchFamily="2" charset="2"/>
-              <a:buChar char="ü"/>
-            </a:pPr>
-            <a:r>
-              <a:rPr lang="en-US" dirty="0" smtClean="0"/>
-              <a:t> Geo-information: geo-location and hashtag information</a:t>
-            </a:r>
-          </a:p>
-          <a:p>
-            <a:pPr marL="457200" lvl="1" indent="0">
-              <a:buNone/>
-            </a:pPr>
-            <a:r>
-              <a:rPr lang="en-US" dirty="0" smtClean="0"/>
-              <a:t> </a:t>
-            </a:r>
-          </a:p>
-        </p:txBody>
-      </p:sp>
-      <p:pic>
-        <p:nvPicPr>
-          <p:cNvPr id="5" name="Picture 4"/>
-          <p:cNvPicPr>
-            <a:picLocks noChangeAspect="1"/>
-          </p:cNvPicPr>
-          <p:nvPr/>
-        </p:nvPicPr>
-        <p:blipFill>
-          <a:blip r:embed="rId2"/>
-          <a:stretch>
-            <a:fillRect/>
-          </a:stretch>
-        </p:blipFill>
-        <p:spPr>
-          <a:xfrm>
-            <a:off x="4851400" y="2776340"/>
-            <a:ext cx="5141181" cy="3713360"/>
-          </a:xfrm>
-          <a:prstGeom prst="rect">
-            <a:avLst/>
-          </a:prstGeom>
-        </p:spPr>
-      </p:pic>
-    </p:spTree>
-    <p:extLst>
-      <p:ext uri="{BB962C8B-B14F-4D97-AF65-F5344CB8AC3E}">
-        <p14:creationId xmlns:p14="http://schemas.microsoft.com/office/powerpoint/2010/main" val="510729355"/>
-      </p:ext>
-    </p:extLst>
-  </p:cSld>
-  <p:clrMapOvr>
-    <a:masterClrMapping/>
-  </p:clrMapOvr>
-</p:sld>
-</file>
-
-<file path=ppt/slides/slide14.xml><?xml version="1.0" encoding="utf-8"?>
-<p:sld xmlns:a="http://schemas.openxmlformats.org/drawingml/2006/main" xmlns:r="http://schemas.openxmlformats.org/officeDocument/2006/relationships" xmlns:p="http://schemas.openxmlformats.org/presentationml/2006/main">
-  <p:cSld>
-    <p:spTree>
-      <p:nvGrpSpPr>
-        <p:cNvPr id="1" name=""/>
-        <p:cNvGrpSpPr/>
-        <p:nvPr/>
-      </p:nvGrpSpPr>
-      <p:grpSpPr>
-        <a:xfrm>
-          <a:off x="0" y="0"/>
-          <a:ext cx="0" cy="0"/>
-          <a:chOff x="0" y="0"/>
-          <a:chExt cx="0" cy="0"/>
-        </a:xfrm>
-      </p:grpSpPr>
-      <p:sp>
-        <p:nvSpPr>
-          <p:cNvPr id="2" name="Title 1"/>
-          <p:cNvSpPr>
-            <a:spLocks noGrp="1"/>
-          </p:cNvSpPr>
-          <p:nvPr>
-            <p:ph type="title"/>
-          </p:nvPr>
-        </p:nvSpPr>
-        <p:spPr/>
-        <p:txBody>
-          <a:bodyPr/>
-          <a:lstStyle/>
-          <a:p>
-            <a:r>
-              <a:rPr lang="en-US" dirty="0" smtClean="0"/>
-              <a:t>Contributions</a:t>
-            </a:r>
-            <a:endParaRPr lang="en-US" dirty="0"/>
-          </a:p>
-        </p:txBody>
-      </p:sp>
-      <p:sp>
-        <p:nvSpPr>
-          <p:cNvPr id="3" name="Content Placeholder 2"/>
-          <p:cNvSpPr>
-            <a:spLocks noGrp="1"/>
-          </p:cNvSpPr>
-          <p:nvPr>
-            <p:ph idx="1"/>
-          </p:nvPr>
-        </p:nvSpPr>
-        <p:spPr/>
-        <p:txBody>
-          <a:bodyPr/>
-          <a:lstStyle/>
-          <a:p>
-            <a:r>
-              <a:rPr lang="en-US" dirty="0" smtClean="0"/>
-              <a:t>Accuracy:</a:t>
-            </a:r>
-          </a:p>
-          <a:p>
-            <a:pPr lvl="1">
-              <a:buFont typeface="Wingdings" panose="05000000000000000000" pitchFamily="2" charset="2"/>
-              <a:buChar char="ü"/>
-            </a:pPr>
-            <a:r>
-              <a:rPr lang="en-US" smtClean="0"/>
-              <a:t>Private </a:t>
-            </a:r>
-            <a:r>
-              <a:rPr lang="en-US" dirty="0" smtClean="0"/>
-              <a:t>(Semantic) features</a:t>
-            </a:r>
-          </a:p>
-          <a:p>
-            <a:pPr lvl="1">
-              <a:buFont typeface="Wingdings" panose="05000000000000000000" pitchFamily="2" charset="2"/>
-              <a:buChar char="ü"/>
-            </a:pPr>
-            <a:r>
-              <a:rPr lang="en-US" dirty="0" smtClean="0"/>
-              <a:t>Style features</a:t>
-            </a:r>
-          </a:p>
-          <a:p>
-            <a:pPr lvl="1">
-              <a:buFont typeface="Wingdings" panose="05000000000000000000" pitchFamily="2" charset="2"/>
-              <a:buChar char="ü"/>
-            </a:pPr>
-            <a:r>
-              <a:rPr lang="en-US" dirty="0" smtClean="0"/>
-              <a:t>Guessing features</a:t>
-            </a:r>
-          </a:p>
-          <a:p>
-            <a:pPr marL="0" indent="0">
-              <a:buNone/>
-            </a:pPr>
-            <a:r>
-              <a:rPr lang="en-US" dirty="0" smtClean="0"/>
-              <a:t>	</a:t>
-            </a:r>
-            <a:endParaRPr lang="en-US" dirty="0"/>
-          </a:p>
-        </p:txBody>
-      </p:sp>
-    </p:spTree>
-    <p:extLst>
-      <p:ext uri="{BB962C8B-B14F-4D97-AF65-F5344CB8AC3E}">
-        <p14:creationId xmlns:p14="http://schemas.microsoft.com/office/powerpoint/2010/main" val="2676345400"/>
       </p:ext>
     </p:extLst>
   </p:cSld>
@@ -4337,9 +4482,50 @@
           </a:p>
         </p:txBody>
       </p:sp>
+      <p:sp>
+        <p:nvSpPr>
+          <p:cNvPr id="3" name="Content Placeholder 2"/>
+          <p:cNvSpPr>
+            <a:spLocks noGrp="1"/>
+          </p:cNvSpPr>
+          <p:nvPr>
+            <p:ph idx="1"/>
+          </p:nvPr>
+        </p:nvSpPr>
+        <p:spPr/>
+        <p:txBody>
+          <a:bodyPr/>
+          <a:lstStyle/>
+          <a:p>
+            <a:r>
+              <a:rPr lang="en-US" dirty="0" smtClean="0"/>
+              <a:t>Performance:</a:t>
+            </a:r>
+          </a:p>
+          <a:p>
+            <a:pPr lvl="1">
+              <a:buFont typeface="Wingdings" panose="05000000000000000000" pitchFamily="2" charset="2"/>
+              <a:buChar char="ü"/>
+            </a:pPr>
+            <a:r>
+              <a:rPr lang="en-US" dirty="0" smtClean="0"/>
+              <a:t> Geo-information: geo-location and hashtag information</a:t>
+            </a:r>
+          </a:p>
+          <a:p>
+            <a:pPr marL="457200" lvl="1" indent="0">
+              <a:buNone/>
+            </a:pPr>
+            <a:r>
+              <a:rPr lang="en-US" dirty="0" smtClean="0"/>
+              <a:t> </a:t>
+            </a:r>
+          </a:p>
+        </p:txBody>
+      </p:sp>
       <p:pic>
         <p:nvPicPr>
-          <p:cNvPr id="4" name="Picture 3"/>
+          <p:cNvPr id="5" name="Picture 4"/>
           <p:cNvPicPr>
             <a:picLocks noChangeAspect="1"/>
           </p:cNvPicPr>
@@ -4353,8 +4539,8 @@
         </p:blipFill>
         <p:spPr>
           <a:xfrm>
-            <a:off x="4300500" y="1562451"/>
-            <a:ext cx="6530060" cy="4869973"/>
+            <a:off x="4851400" y="2776340"/>
+            <a:ext cx="5141181" cy="3713360"/>
           </a:xfrm>
           <a:prstGeom prst="rect">
             <a:avLst/>
@@ -4364,7 +4550,7 @@
     </p:spTree>
     <p:extLst>
       <p:ext uri="{BB962C8B-B14F-4D97-AF65-F5344CB8AC3E}">
-        <p14:creationId xmlns:p14="http://schemas.microsoft.com/office/powerpoint/2010/main" val="3131850597"/>
+        <p14:creationId xmlns:p14="http://schemas.microsoft.com/office/powerpoint/2010/main" val="510729355"/>
       </p:ext>
     </p:extLst>
   </p:cSld>
@@ -4408,7 +4594,7 @@
           <a:p>
             <a:r>
               <a:rPr lang="en-US" dirty="0" smtClean="0"/>
-              <a:t>Contribution</a:t>
+              <a:t>Contributions</a:t>
             </a:r>
             <a:endParaRPr lang="en-US" dirty="0"/>
           </a:p>
@@ -4431,7 +4617,7 @@
           <a:p>
             <a:r>
               <a:rPr lang="en-US" dirty="0" smtClean="0"/>
-              <a:t>Visualize the artwork features:</a:t>
+              <a:t>Accuracy:</a:t>
             </a:r>
           </a:p>
           <a:p>
@@ -4440,8 +4626,12 @@
               <a:buChar char="ü"/>
             </a:pPr>
             <a:r>
+              <a:rPr lang="en-US" smtClean="0"/>
+              <a:t>Private </a:t>
+            </a:r>
+            <a:r>
               <a:rPr lang="en-US" dirty="0" smtClean="0"/>
-              <a:t> Generate the holographic object</a:t>
+              <a:t>(Semantic) features</a:t>
             </a:r>
           </a:p>
           <a:p>
@@ -4451,7 +4641,7 @@
             </a:pPr>
             <a:r>
               <a:rPr lang="en-US" dirty="0" smtClean="0"/>
-              <a:t> Generate the augmented reality display</a:t>
+              <a:t>Style features</a:t>
             </a:r>
           </a:p>
           <a:p>
@@ -4460,22 +4650,18 @@
               <a:buChar char="ü"/>
             </a:pPr>
             <a:r>
-              <a:rPr lang="en-US" dirty="0"/>
-              <a:t> </a:t>
-            </a:r>
-            <a:r>
               <a:rPr lang="en-US" dirty="0" smtClean="0"/>
-              <a:t>Generate the virtual reality display</a:t>
-            </a:r>
-          </a:p>
-          <a:p>
-            <a:pPr lvl="1"/>
-            <a:endParaRPr lang="en-US" dirty="0" smtClean="0"/>
+              <a:t>Guessing features</a:t>
+            </a:r>
           </a:p>
           <a:p>
             <a:pPr marL="0" indent="0">
               <a:buNone/>
             </a:pPr>
+            <a:r>
+              <a:rPr lang="en-US" dirty="0" smtClean="0"/>
+              <a:t>	</a:t>
+            </a:r>
             <a:endParaRPr lang="en-US" dirty="0"/>
           </a:p>
         </p:txBody>
@@ -4483,7 +4669,7 @@
     </p:spTree>
     <p:extLst>
       <p:ext uri="{BB962C8B-B14F-4D97-AF65-F5344CB8AC3E}">
-        <p14:creationId xmlns:p14="http://schemas.microsoft.com/office/powerpoint/2010/main" val="2345528951"/>
+        <p14:creationId xmlns:p14="http://schemas.microsoft.com/office/powerpoint/2010/main" val="2676345400"/>
       </p:ext>
     </p:extLst>
   </p:cSld>
@@ -4549,6 +4735,202 @@
         </p:blipFill>
         <p:spPr>
           <a:xfrm>
+            <a:off x="4300500" y="1562451"/>
+            <a:ext cx="6530060" cy="4869973"/>
+          </a:xfrm>
+          <a:prstGeom prst="rect">
+            <a:avLst/>
+          </a:prstGeom>
+        </p:spPr>
+      </p:pic>
+    </p:spTree>
+    <p:extLst>
+      <p:ext uri="{BB962C8B-B14F-4D97-AF65-F5344CB8AC3E}">
+        <p14:creationId xmlns:p14="http://schemas.microsoft.com/office/powerpoint/2010/main" val="3131850597"/>
+      </p:ext>
+    </p:extLst>
+  </p:cSld>
+  <p:clrMapOvr>
+    <a:masterClrMapping/>
+  </p:clrMapOvr>
+</p:sld>
+</file>
+
+<file path=ppt/slides/slide18.xml><?xml version="1.0" encoding="utf-8"?>
+<p:sld xmlns:a="http://schemas.openxmlformats.org/drawingml/2006/main" xmlns:r="http://schemas.openxmlformats.org/officeDocument/2006/relationships" xmlns:p="http://schemas.openxmlformats.org/presentationml/2006/main">
+  <p:cSld>
+    <p:spTree>
+      <p:nvGrpSpPr>
+        <p:cNvPr id="1" name=""/>
+        <p:cNvGrpSpPr/>
+        <p:nvPr/>
+      </p:nvGrpSpPr>
+      <p:grpSpPr>
+        <a:xfrm>
+          <a:off x="0" y="0"/>
+          <a:ext cx="0" cy="0"/>
+          <a:chOff x="0" y="0"/>
+          <a:chExt cx="0" cy="0"/>
+        </a:xfrm>
+      </p:grpSpPr>
+      <p:sp>
+        <p:nvSpPr>
+          <p:cNvPr id="2" name="Title 1"/>
+          <p:cNvSpPr>
+            <a:spLocks noGrp="1"/>
+          </p:cNvSpPr>
+          <p:nvPr>
+            <p:ph type="title"/>
+          </p:nvPr>
+        </p:nvSpPr>
+        <p:spPr/>
+        <p:txBody>
+          <a:bodyPr/>
+          <a:lstStyle/>
+          <a:p>
+            <a:r>
+              <a:rPr lang="en-US" dirty="0" smtClean="0"/>
+              <a:t>Contribution</a:t>
+            </a:r>
+            <a:endParaRPr lang="en-US" dirty="0"/>
+          </a:p>
+        </p:txBody>
+      </p:sp>
+      <p:sp>
+        <p:nvSpPr>
+          <p:cNvPr id="3" name="Content Placeholder 2"/>
+          <p:cNvSpPr>
+            <a:spLocks noGrp="1"/>
+          </p:cNvSpPr>
+          <p:nvPr>
+            <p:ph idx="1"/>
+          </p:nvPr>
+        </p:nvSpPr>
+        <p:spPr/>
+        <p:txBody>
+          <a:bodyPr/>
+          <a:lstStyle/>
+          <a:p>
+            <a:r>
+              <a:rPr lang="en-US" dirty="0" smtClean="0"/>
+              <a:t>Visualize the artwork features:</a:t>
+            </a:r>
+          </a:p>
+          <a:p>
+            <a:pPr lvl="1">
+              <a:buFont typeface="Wingdings" panose="05000000000000000000" pitchFamily="2" charset="2"/>
+              <a:buChar char="ü"/>
+            </a:pPr>
+            <a:r>
+              <a:rPr lang="en-US" dirty="0" smtClean="0"/>
+              <a:t> Generate the holographic object</a:t>
+            </a:r>
+          </a:p>
+          <a:p>
+            <a:pPr lvl="1">
+              <a:buFont typeface="Wingdings" panose="05000000000000000000" pitchFamily="2" charset="2"/>
+              <a:buChar char="ü"/>
+            </a:pPr>
+            <a:r>
+              <a:rPr lang="en-US" dirty="0" smtClean="0"/>
+              <a:t> Generate the augmented reality display</a:t>
+            </a:r>
+          </a:p>
+          <a:p>
+            <a:pPr lvl="1">
+              <a:buFont typeface="Wingdings" panose="05000000000000000000" pitchFamily="2" charset="2"/>
+              <a:buChar char="ü"/>
+            </a:pPr>
+            <a:r>
+              <a:rPr lang="en-US" dirty="0"/>
+              <a:t> </a:t>
+            </a:r>
+            <a:r>
+              <a:rPr lang="en-US" dirty="0" smtClean="0"/>
+              <a:t>Generate the virtual reality display</a:t>
+            </a:r>
+          </a:p>
+          <a:p>
+            <a:pPr lvl="1"/>
+            <a:endParaRPr lang="en-US" dirty="0" smtClean="0"/>
+          </a:p>
+          <a:p>
+            <a:pPr marL="0" indent="0">
+              <a:buNone/>
+            </a:pPr>
+            <a:endParaRPr lang="en-US" dirty="0"/>
+          </a:p>
+        </p:txBody>
+      </p:sp>
+    </p:spTree>
+    <p:extLst>
+      <p:ext uri="{BB962C8B-B14F-4D97-AF65-F5344CB8AC3E}">
+        <p14:creationId xmlns:p14="http://schemas.microsoft.com/office/powerpoint/2010/main" val="2345528951"/>
+      </p:ext>
+    </p:extLst>
+  </p:cSld>
+  <p:clrMapOvr>
+    <a:masterClrMapping/>
+  </p:clrMapOvr>
+</p:sld>
+</file>
+
+<file path=ppt/slides/slide19.xml><?xml version="1.0" encoding="utf-8"?>
+<p:sld xmlns:a="http://schemas.openxmlformats.org/drawingml/2006/main" xmlns:r="http://schemas.openxmlformats.org/officeDocument/2006/relationships" xmlns:p="http://schemas.openxmlformats.org/presentationml/2006/main">
+  <p:cSld>
+    <p:spTree>
+      <p:nvGrpSpPr>
+        <p:cNvPr id="1" name=""/>
+        <p:cNvGrpSpPr/>
+        <p:nvPr/>
+      </p:nvGrpSpPr>
+      <p:grpSpPr>
+        <a:xfrm>
+          <a:off x="0" y="0"/>
+          <a:ext cx="0" cy="0"/>
+          <a:chOff x="0" y="0"/>
+          <a:chExt cx="0" cy="0"/>
+        </a:xfrm>
+      </p:grpSpPr>
+      <p:sp>
+        <p:nvSpPr>
+          <p:cNvPr id="2" name="Title 1"/>
+          <p:cNvSpPr>
+            <a:spLocks noGrp="1"/>
+          </p:cNvSpPr>
+          <p:nvPr>
+            <p:ph type="title"/>
+          </p:nvPr>
+        </p:nvSpPr>
+        <p:spPr/>
+        <p:txBody>
+          <a:bodyPr/>
+          <a:lstStyle/>
+          <a:p>
+            <a:r>
+              <a:rPr lang="en-US" dirty="0" smtClean="0"/>
+              <a:t>Contributions</a:t>
+            </a:r>
+            <a:endParaRPr lang="en-US" dirty="0"/>
+          </a:p>
+        </p:txBody>
+      </p:sp>
+      <p:pic>
+        <p:nvPicPr>
+          <p:cNvPr id="4" name="Picture 3"/>
+          <p:cNvPicPr>
+            <a:picLocks noChangeAspect="1"/>
+          </p:cNvPicPr>
+          <p:nvPr/>
+        </p:nvPicPr>
+        <p:blipFill>
+          <a:blip r:embed="rId2"/>
+          <a:stretch>
+            <a:fillRect/>
+          </a:stretch>
+        </p:blipFill>
+        <p:spPr>
+          <a:xfrm>
             <a:off x="3445073" y="1507496"/>
             <a:ext cx="7925310" cy="4918703"/>
           </a:xfrm>
@@ -4570,7 +4952,140 @@
 </p:sld>
 </file>
 
-<file path=ppt/slides/slide18.xml><?xml version="1.0" encoding="utf-8"?>
+<file path=ppt/slides/slide2.xml><?xml version="1.0" encoding="utf-8"?>
+<p:sld xmlns:a="http://schemas.openxmlformats.org/drawingml/2006/main" xmlns:r="http://schemas.openxmlformats.org/officeDocument/2006/relationships" xmlns:p="http://schemas.openxmlformats.org/presentationml/2006/main" showMasterSp="0">
+  <p:cSld>
+    <p:spTree>
+      <p:nvGrpSpPr>
+        <p:cNvPr id="1" name=""/>
+        <p:cNvGrpSpPr/>
+        <p:nvPr/>
+      </p:nvGrpSpPr>
+      <p:grpSpPr>
+        <a:xfrm>
+          <a:off x="0" y="0"/>
+          <a:ext cx="0" cy="0"/>
+          <a:chOff x="0" y="0"/>
+          <a:chExt cx="0" cy="0"/>
+        </a:xfrm>
+      </p:grpSpPr>
+      <p:sp>
+        <p:nvSpPr>
+          <p:cNvPr id="2" name="Title 1"/>
+          <p:cNvSpPr>
+            <a:spLocks noGrp="1"/>
+          </p:cNvSpPr>
+          <p:nvPr>
+            <p:ph type="title"/>
+          </p:nvPr>
+        </p:nvSpPr>
+        <p:spPr/>
+        <p:txBody>
+          <a:bodyPr/>
+          <a:lstStyle/>
+          <a:p>
+            <a:r>
+              <a:rPr lang="en-US" dirty="0" smtClean="0"/>
+              <a:t>Outline</a:t>
+            </a:r>
+            <a:endParaRPr lang="en-US" dirty="0"/>
+          </a:p>
+        </p:txBody>
+      </p:sp>
+      <p:sp>
+        <p:nvSpPr>
+          <p:cNvPr id="3" name="Content Placeholder 2"/>
+          <p:cNvSpPr>
+            <a:spLocks noGrp="1"/>
+          </p:cNvSpPr>
+          <p:nvPr>
+            <p:ph idx="1"/>
+          </p:nvPr>
+        </p:nvSpPr>
+        <p:spPr/>
+        <p:txBody>
+          <a:bodyPr/>
+          <a:lstStyle/>
+          <a:p>
+            <a:r>
+              <a:rPr lang="en-US" dirty="0" smtClean="0"/>
+              <a:t>Motivation</a:t>
+            </a:r>
+          </a:p>
+          <a:p>
+            <a:pPr lvl="1"/>
+            <a:r>
+              <a:rPr lang="en-US" dirty="0" smtClean="0"/>
+              <a:t>Artificial intelligence (AI) forecast</a:t>
+            </a:r>
+          </a:p>
+          <a:p>
+            <a:pPr lvl="1"/>
+            <a:r>
+              <a:rPr lang="en-US" dirty="0" smtClean="0"/>
+              <a:t>AI virtual assistance </a:t>
+            </a:r>
+          </a:p>
+          <a:p>
+            <a:r>
+              <a:rPr lang="en-US" dirty="0" smtClean="0"/>
+              <a:t>Literature review</a:t>
+            </a:r>
+          </a:p>
+          <a:p>
+            <a:r>
+              <a:rPr lang="en-US" dirty="0" smtClean="0"/>
+              <a:t>Challenges</a:t>
+            </a:r>
+          </a:p>
+          <a:p>
+            <a:r>
+              <a:rPr lang="en-US" dirty="0" smtClean="0"/>
+              <a:t>Objectives</a:t>
+            </a:r>
+          </a:p>
+          <a:p>
+            <a:r>
+              <a:rPr lang="en-US" dirty="0" smtClean="0"/>
+              <a:t>Methodology</a:t>
+            </a:r>
+          </a:p>
+          <a:p>
+            <a:r>
+              <a:rPr lang="en-US" dirty="0" smtClean="0"/>
+              <a:t>Study Plan</a:t>
+            </a:r>
+          </a:p>
+          <a:p>
+            <a:r>
+              <a:rPr lang="en-US" dirty="0" smtClean="0"/>
+              <a:t>Question</a:t>
+            </a:r>
+            <a:endParaRPr lang="en-US" dirty="0"/>
+          </a:p>
+        </p:txBody>
+      </p:sp>
+    </p:spTree>
+    <p:extLst>
+      <p:ext uri="{BB962C8B-B14F-4D97-AF65-F5344CB8AC3E}">
+        <p14:creationId xmlns:p14="http://schemas.microsoft.com/office/powerpoint/2010/main" val="2059971362"/>
+      </p:ext>
+    </p:extLst>
+  </p:cSld>
+  <p:clrMapOvr>
+    <a:masterClrMapping/>
+  </p:clrMapOvr>
+  <p:timing>
+    <p:tnLst>
+      <p:par>
+        <p:cTn id="1" dur="indefinite" restart="never" nodeType="tmRoot"/>
+      </p:par>
+    </p:tnLst>
+  </p:timing>
+</p:sld>
+</file>
+
+<file path=ppt/slides/slide20.xml><?xml version="1.0" encoding="utf-8"?>
 <p:sld xmlns:a="http://schemas.openxmlformats.org/drawingml/2006/main" xmlns:r="http://schemas.openxmlformats.org/officeDocument/2006/relationships" xmlns:p="http://schemas.openxmlformats.org/presentationml/2006/main">
   <p:cSld>
     <p:spTree>
@@ -4901,7 +5416,7 @@
 </p:sld>
 </file>
 
-<file path=ppt/slides/slide19.xml><?xml version="1.0" encoding="utf-8"?>
+<file path=ppt/slides/slide21.xml><?xml version="1.0" encoding="utf-8"?>
 <p:sld xmlns:a="http://schemas.openxmlformats.org/drawingml/2006/main" xmlns:r="http://schemas.openxmlformats.org/officeDocument/2006/relationships" xmlns:p="http://schemas.openxmlformats.org/presentationml/2006/main">
   <p:cSld>
     <p:spTree>
@@ -5146,140 +5661,7 @@
 </p:sld>
 </file>
 
-<file path=ppt/slides/slide2.xml><?xml version="1.0" encoding="utf-8"?>
-<p:sld xmlns:a="http://schemas.openxmlformats.org/drawingml/2006/main" xmlns:r="http://schemas.openxmlformats.org/officeDocument/2006/relationships" xmlns:p="http://schemas.openxmlformats.org/presentationml/2006/main" showMasterSp="0">
-  <p:cSld>
-    <p:spTree>
-      <p:nvGrpSpPr>
-        <p:cNvPr id="1" name=""/>
-        <p:cNvGrpSpPr/>
-        <p:nvPr/>
-      </p:nvGrpSpPr>
-      <p:grpSpPr>
-        <a:xfrm>
-          <a:off x="0" y="0"/>
-          <a:ext cx="0" cy="0"/>
-          <a:chOff x="0" y="0"/>
-          <a:chExt cx="0" cy="0"/>
-        </a:xfrm>
-      </p:grpSpPr>
-      <p:sp>
-        <p:nvSpPr>
-          <p:cNvPr id="2" name="Title 1"/>
-          <p:cNvSpPr>
-            <a:spLocks noGrp="1"/>
-          </p:cNvSpPr>
-          <p:nvPr>
-            <p:ph type="title"/>
-          </p:nvPr>
-        </p:nvSpPr>
-        <p:spPr/>
-        <p:txBody>
-          <a:bodyPr/>
-          <a:lstStyle/>
-          <a:p>
-            <a:r>
-              <a:rPr lang="en-US" dirty="0" smtClean="0"/>
-              <a:t>Outline</a:t>
-            </a:r>
-            <a:endParaRPr lang="en-US" dirty="0"/>
-          </a:p>
-        </p:txBody>
-      </p:sp>
-      <p:sp>
-        <p:nvSpPr>
-          <p:cNvPr id="3" name="Content Placeholder 2"/>
-          <p:cNvSpPr>
-            <a:spLocks noGrp="1"/>
-          </p:cNvSpPr>
-          <p:nvPr>
-            <p:ph idx="1"/>
-          </p:nvPr>
-        </p:nvSpPr>
-        <p:spPr/>
-        <p:txBody>
-          <a:bodyPr/>
-          <a:lstStyle/>
-          <a:p>
-            <a:r>
-              <a:rPr lang="en-US" dirty="0" smtClean="0"/>
-              <a:t>Motivation</a:t>
-            </a:r>
-          </a:p>
-          <a:p>
-            <a:pPr lvl="1"/>
-            <a:r>
-              <a:rPr lang="en-US" dirty="0" smtClean="0"/>
-              <a:t>Artificial intelligence (AI) forecast</a:t>
-            </a:r>
-          </a:p>
-          <a:p>
-            <a:pPr lvl="1"/>
-            <a:r>
-              <a:rPr lang="en-US" dirty="0" smtClean="0"/>
-              <a:t>AI virtual assistance </a:t>
-            </a:r>
-          </a:p>
-          <a:p>
-            <a:r>
-              <a:rPr lang="en-US" dirty="0" smtClean="0"/>
-              <a:t>Literature review</a:t>
-            </a:r>
-          </a:p>
-          <a:p>
-            <a:r>
-              <a:rPr lang="en-US" dirty="0" smtClean="0"/>
-              <a:t>Challenges</a:t>
-            </a:r>
-          </a:p>
-          <a:p>
-            <a:r>
-              <a:rPr lang="en-US" dirty="0" smtClean="0"/>
-              <a:t>Objectives</a:t>
-            </a:r>
-          </a:p>
-          <a:p>
-            <a:r>
-              <a:rPr lang="en-US" dirty="0" smtClean="0"/>
-              <a:t>Methodology</a:t>
-            </a:r>
-          </a:p>
-          <a:p>
-            <a:r>
-              <a:rPr lang="en-US" dirty="0" smtClean="0"/>
-              <a:t>Study Plan</a:t>
-            </a:r>
-          </a:p>
-          <a:p>
-            <a:r>
-              <a:rPr lang="en-US" dirty="0" smtClean="0"/>
-              <a:t>Question</a:t>
-            </a:r>
-            <a:endParaRPr lang="en-US" dirty="0"/>
-          </a:p>
-        </p:txBody>
-      </p:sp>
-    </p:spTree>
-    <p:extLst>
-      <p:ext uri="{BB962C8B-B14F-4D97-AF65-F5344CB8AC3E}">
-        <p14:creationId xmlns:p14="http://schemas.microsoft.com/office/powerpoint/2010/main" val="2059971362"/>
-      </p:ext>
-    </p:extLst>
-  </p:cSld>
-  <p:clrMapOvr>
-    <a:masterClrMapping/>
-  </p:clrMapOvr>
-  <p:timing>
-    <p:tnLst>
-      <p:par>
-        <p:cTn id="1" dur="indefinite" restart="never" nodeType="tmRoot"/>
-      </p:par>
-    </p:tnLst>
-  </p:timing>
-</p:sld>
-</file>
-
-<file path=ppt/slides/slide20.xml><?xml version="1.0" encoding="utf-8"?>
+<file path=ppt/slides/slide22.xml><?xml version="1.0" encoding="utf-8"?>
 <p:sld xmlns:a="http://schemas.openxmlformats.org/drawingml/2006/main" xmlns:r="http://schemas.openxmlformats.org/officeDocument/2006/relationships" xmlns:p="http://schemas.openxmlformats.org/presentationml/2006/main">
   <p:cSld>
     <p:spTree>
@@ -5617,7 +5999,7 @@
 </p:sld>
 </file>
 
-<file path=ppt/slides/slide21.xml><?xml version="1.0" encoding="utf-8"?>
+<file path=ppt/slides/slide23.xml><?xml version="1.0" encoding="utf-8"?>
 <p:sld xmlns:a="http://schemas.openxmlformats.org/drawingml/2006/main" xmlns:r="http://schemas.openxmlformats.org/officeDocument/2006/relationships" xmlns:p="http://schemas.openxmlformats.org/presentationml/2006/main" showMasterSp="0">
   <p:cSld>
     <p:spTree>
@@ -5827,7 +6209,7 @@
 </p:sld>
 </file>
 
-<file path=ppt/slides/slide22.xml><?xml version="1.0" encoding="utf-8"?>
+<file path=ppt/slides/slide24.xml><?xml version="1.0" encoding="utf-8"?>
 <p:sld xmlns:a="http://schemas.openxmlformats.org/drawingml/2006/main" xmlns:r="http://schemas.openxmlformats.org/officeDocument/2006/relationships" xmlns:p="http://schemas.openxmlformats.org/presentationml/2006/main" showMasterSp="0">
   <p:cSld>
     <p:spTree>
@@ -6028,7 +6410,7 @@
 </p:sld>
 </file>
 
-<file path=ppt/slides/slide23.xml><?xml version="1.0" encoding="utf-8"?>
+<file path=ppt/slides/slide25.xml><?xml version="1.0" encoding="utf-8"?>
 <p:sld xmlns:a="http://schemas.openxmlformats.org/drawingml/2006/main" xmlns:r="http://schemas.openxmlformats.org/officeDocument/2006/relationships" xmlns:p="http://schemas.openxmlformats.org/presentationml/2006/main" showMasterSp="0">
   <p:cSld>
     <p:bg>
@@ -7525,7 +7907,7 @@
 </p:sld>
 </file>
 
-<file path=ppt/slides/slide24.xml><?xml version="1.0" encoding="utf-8"?>
+<file path=ppt/slides/slide26.xml><?xml version="1.0" encoding="utf-8"?>
 <p:sld xmlns:a="http://schemas.openxmlformats.org/drawingml/2006/main" xmlns:r="http://schemas.openxmlformats.org/officeDocument/2006/relationships" xmlns:p="http://schemas.openxmlformats.org/presentationml/2006/main" showMasterSp="0">
   <p:cSld>
     <p:spTree>
@@ -7615,7 +7997,7 @@
 </p:sld>
 </file>
 
-<file path=ppt/slides/slide25.xml><?xml version="1.0" encoding="utf-8"?>
+<file path=ppt/slides/slide27.xml><?xml version="1.0" encoding="utf-8"?>
 <p:sld xmlns:a="http://schemas.openxmlformats.org/drawingml/2006/main" xmlns:r="http://schemas.openxmlformats.org/officeDocument/2006/relationships" xmlns:p="http://schemas.openxmlformats.org/presentationml/2006/main">
   <p:cSld>
     <p:spTree>
@@ -7836,6 +8218,13 @@
   <p:clrMapOvr>
     <a:masterClrMapping/>
   </p:clrMapOvr>
+  <p:timing>
+    <p:tnLst>
+      <p:par>
+        <p:cTn id="1" dur="indefinite" restart="never" nodeType="tmRoot"/>
+      </p:par>
+    </p:tnLst>
+  </p:timing>
 </p:sld>
 </file>
 
@@ -9332,7 +9721,7 @@
         </p:spPr>
         <p:txBody>
           <a:bodyPr vert="horz" lIns="91440" tIns="45720" rIns="91440" bIns="45720" rtlCol="0">
-            <a:normAutofit fontScale="70000" lnSpcReduction="20000"/>
+            <a:normAutofit/>
           </a:bodyPr>
           <a:lstStyle>
             <a:lvl1pPr marL="228600" indent="-228600" algn="l" defTabSz="914400" rtl="0" eaLnBrk="1" latinLnBrk="0" hangingPunct="1">
@@ -9553,102 +9942,7 @@
                 <a:spcPct val="150000"/>
               </a:lnSpc>
             </a:pPr>
-            <a:r>
-              <a:rPr lang="en-US" sz="1800" dirty="0" smtClean="0"/>
-              <a:t>Show excellent classification of image style </a:t>
-            </a:r>
-            <a:r>
-              <a:rPr lang="en-US" sz="1800" dirty="0"/>
-              <a:t>visual style, including photographic techniques (“Macro,” “HDR”), composition styles (“Minimal,” “Geometric”), moods (“Serene,” “Melancholy”), </a:t>
-            </a:r>
-            <a:r>
-              <a:rPr lang="en-US" sz="1800" dirty="0" smtClean="0"/>
-              <a:t>genres (“</a:t>
-            </a:r>
-            <a:r>
-              <a:rPr lang="en-US" sz="1800" dirty="0"/>
-              <a:t>Vintage,” “Romantic,” “Horror”), and types of scenes (“Hazy,” “Sunny</a:t>
-            </a:r>
-            <a:r>
-              <a:rPr lang="en-US" sz="1800" dirty="0" smtClean="0"/>
-              <a:t>”) [12] by using CNN</a:t>
-            </a:r>
-          </a:p>
-          <a:p>
-            <a:pPr algn="just">
-              <a:lnSpc>
-                <a:spcPct val="150000"/>
-              </a:lnSpc>
-            </a:pPr>
-            <a:r>
-              <a:rPr lang="en-US" sz="1800" dirty="0" smtClean="0"/>
-              <a:t>Customized expression recognition for performance-driven cutout character animation[13] by using deep  convolutional neural network</a:t>
-            </a:r>
-          </a:p>
-          <a:p>
-            <a:pPr algn="just">
-              <a:lnSpc>
-                <a:spcPct val="150000"/>
-              </a:lnSpc>
-            </a:pPr>
-            <a:r>
-              <a:rPr lang="en-US" sz="1800" dirty="0" err="1" smtClean="0"/>
-              <a:t>ArtWork</a:t>
-            </a:r>
-            <a:r>
-              <a:rPr lang="en-US" sz="1800" dirty="0" smtClean="0"/>
-              <a:t> recognition in 360 degree [14] by </a:t>
-            </a:r>
-            <a:r>
-              <a:rPr lang="en-US" sz="1900" dirty="0"/>
-              <a:t>using a 32- </a:t>
-            </a:r>
-            <a:r>
-              <a:rPr lang="en-US" sz="1900" dirty="0" err="1"/>
-              <a:t>hedron</a:t>
-            </a:r>
-            <a:r>
-              <a:rPr lang="en-US" sz="1900" dirty="0"/>
-              <a:t> based rectilinear projection and the well-known scale invariant feature </a:t>
-            </a:r>
-            <a:r>
-              <a:rPr lang="en-US" sz="1900" dirty="0" smtClean="0"/>
-              <a:t>transform.</a:t>
-            </a:r>
-          </a:p>
-          <a:p>
-            <a:pPr algn="just">
-              <a:lnSpc>
-                <a:spcPct val="150000"/>
-              </a:lnSpc>
-            </a:pPr>
-            <a:r>
-              <a:rPr lang="en-US" sz="1900" dirty="0" smtClean="0"/>
-              <a:t>Virtual restoration an object by using crack detection and </a:t>
-            </a:r>
-            <a:r>
-              <a:rPr lang="en-US" sz="1900" dirty="0" err="1" smtClean="0"/>
-              <a:t>inpainting</a:t>
-            </a:r>
-            <a:r>
-              <a:rPr lang="en-US" sz="1900" dirty="0"/>
-              <a:t> </a:t>
-            </a:r>
-            <a:r>
-              <a:rPr lang="en-US" sz="1900" dirty="0" smtClean="0"/>
-              <a:t>[15]</a:t>
-            </a:r>
-          </a:p>
-          <a:p>
-            <a:pPr algn="just">
-              <a:lnSpc>
-                <a:spcPct val="150000"/>
-              </a:lnSpc>
-            </a:pPr>
-            <a:r>
-              <a:rPr lang="en-US" sz="1900" dirty="0" smtClean="0"/>
-              <a:t>3D Pose estimation [16]</a:t>
-            </a:r>
+            <a:endParaRPr lang="en-US" sz="1900" dirty="0" smtClean="0"/>
           </a:p>
           <a:p>
             <a:pPr algn="just">
@@ -9717,6 +10011,151 @@
 </file>
 
 <file path=ppt/slides/slide8.xml><?xml version="1.0" encoding="utf-8"?>
+<p:sld xmlns:a="http://schemas.openxmlformats.org/drawingml/2006/main" xmlns:r="http://schemas.openxmlformats.org/officeDocument/2006/relationships" xmlns:p="http://schemas.openxmlformats.org/presentationml/2006/main">
+  <p:cSld>
+    <p:spTree>
+      <p:nvGrpSpPr>
+        <p:cNvPr id="1" name=""/>
+        <p:cNvGrpSpPr/>
+        <p:nvPr/>
+      </p:nvGrpSpPr>
+      <p:grpSpPr>
+        <a:xfrm>
+          <a:off x="0" y="0"/>
+          <a:ext cx="0" cy="0"/>
+          <a:chOff x="0" y="0"/>
+          <a:chExt cx="0" cy="0"/>
+        </a:xfrm>
+      </p:grpSpPr>
+      <p:sp>
+        <p:nvSpPr>
+          <p:cNvPr id="2" name="Title 1"/>
+          <p:cNvSpPr>
+            <a:spLocks noGrp="1"/>
+          </p:cNvSpPr>
+          <p:nvPr>
+            <p:ph type="title"/>
+          </p:nvPr>
+        </p:nvSpPr>
+        <p:spPr/>
+        <p:txBody>
+          <a:bodyPr/>
+          <a:lstStyle/>
+          <a:p>
+            <a:r>
+              <a:rPr lang="en-US" dirty="0"/>
+              <a:t>Literature review</a:t>
+            </a:r>
+          </a:p>
+        </p:txBody>
+      </p:sp>
+      <p:sp>
+        <p:nvSpPr>
+          <p:cNvPr id="3" name="Content Placeholder 2"/>
+          <p:cNvSpPr>
+            <a:spLocks noGrp="1"/>
+          </p:cNvSpPr>
+          <p:nvPr>
+            <p:ph idx="1"/>
+          </p:nvPr>
+        </p:nvSpPr>
+        <p:spPr/>
+        <p:txBody>
+          <a:bodyPr>
+            <a:noAutofit/>
+          </a:bodyPr>
+          <a:lstStyle/>
+          <a:p>
+            <a:pPr algn="just">
+              <a:lnSpc>
+                <a:spcPct val="150000"/>
+              </a:lnSpc>
+            </a:pPr>
+            <a:r>
+              <a:rPr lang="en-US" sz="1800" dirty="0"/>
+              <a:t>Show excellent classification of image style visual style, including photographic techniques (“Macro,” “HDR”), composition styles (“Minimal,” “Geometric”), moods (“Serene,” “Melancholy”), genres (“Vintage,” “Romantic,” “Horror”), and types of scenes (“Hazy,” “Sunny”) [12] by using CNN</a:t>
+            </a:r>
+          </a:p>
+          <a:p>
+            <a:pPr algn="just">
+              <a:lnSpc>
+                <a:spcPct val="150000"/>
+              </a:lnSpc>
+            </a:pPr>
+            <a:r>
+              <a:rPr lang="en-US" sz="1800" dirty="0"/>
+              <a:t>Customized expression recognition for performance-driven cutout character animation[13] by using deep  convolutional neural network</a:t>
+            </a:r>
+          </a:p>
+          <a:p>
+            <a:pPr algn="just">
+              <a:lnSpc>
+                <a:spcPct val="150000"/>
+              </a:lnSpc>
+            </a:pPr>
+            <a:r>
+              <a:rPr lang="en-US" sz="1800" dirty="0" err="1"/>
+              <a:t>ArtWork</a:t>
+            </a:r>
+            <a:r>
+              <a:rPr lang="en-US" sz="1800" dirty="0"/>
+              <a:t> recognition in 360 degree [14] by using a 32- </a:t>
+            </a:r>
+            <a:r>
+              <a:rPr lang="en-US" sz="1800" dirty="0" err="1"/>
+              <a:t>hedron</a:t>
+            </a:r>
+            <a:r>
+              <a:rPr lang="en-US" sz="1800" dirty="0"/>
+              <a:t> based rectilinear projection and the well-known scale invariant feature transform.</a:t>
+            </a:r>
+          </a:p>
+          <a:p>
+            <a:pPr algn="just">
+              <a:lnSpc>
+                <a:spcPct val="150000"/>
+              </a:lnSpc>
+            </a:pPr>
+            <a:r>
+              <a:rPr lang="en-US" sz="1800" dirty="0"/>
+              <a:t>Virtual restoration an object by using crack detection and </a:t>
+            </a:r>
+            <a:r>
+              <a:rPr lang="en-US" sz="1800" dirty="0" err="1"/>
+              <a:t>inpainting</a:t>
+            </a:r>
+            <a:r>
+              <a:rPr lang="en-US" sz="1800" dirty="0"/>
+              <a:t> [15]</a:t>
+            </a:r>
+          </a:p>
+          <a:p>
+            <a:pPr algn="just">
+              <a:lnSpc>
+                <a:spcPct val="150000"/>
+              </a:lnSpc>
+            </a:pPr>
+            <a:r>
+              <a:rPr lang="en-US" sz="1800" dirty="0"/>
+              <a:t>3D Pose estimation [16]</a:t>
+            </a:r>
+          </a:p>
+        </p:txBody>
+      </p:sp>
+    </p:spTree>
+    <p:extLst>
+      <p:ext uri="{BB962C8B-B14F-4D97-AF65-F5344CB8AC3E}">
+        <p14:creationId xmlns:p14="http://schemas.microsoft.com/office/powerpoint/2010/main" val="1313534822"/>
+      </p:ext>
+    </p:extLst>
+  </p:cSld>
+  <p:clrMapOvr>
+    <a:masterClrMapping/>
+  </p:clrMapOvr>
+</p:sld>
+</file>
+
+<file path=ppt/slides/slide9.xml><?xml version="1.0" encoding="utf-8"?>
 <p:sld xmlns:a="http://schemas.openxmlformats.org/drawingml/2006/main" xmlns:r="http://schemas.openxmlformats.org/officeDocument/2006/relationships" xmlns:p="http://schemas.openxmlformats.org/presentationml/2006/main" showMasterSp="0">
   <p:cSld>
     <p:spTree>
@@ -10105,308 +10544,13 @@
   <p:clrMapOvr>
     <a:masterClrMapping/>
   </p:clrMapOvr>
-</p:sld>
-</file>
-
-<file path=ppt/slides/slide9.xml><?xml version="1.0" encoding="utf-8"?>
-<p:sld xmlns:a="http://schemas.openxmlformats.org/drawingml/2006/main" xmlns:r="http://schemas.openxmlformats.org/officeDocument/2006/relationships" xmlns:p="http://schemas.openxmlformats.org/presentationml/2006/main">
-  <p:cSld>
-    <p:spTree>
-      <p:nvGrpSpPr>
-        <p:cNvPr id="1" name=""/>
-        <p:cNvGrpSpPr/>
-        <p:nvPr/>
-      </p:nvGrpSpPr>
-      <p:grpSpPr>
-        <a:xfrm>
-          <a:off x="0" y="0"/>
-          <a:ext cx="0" cy="0"/>
-          <a:chOff x="0" y="0"/>
-          <a:chExt cx="0" cy="0"/>
-        </a:xfrm>
-      </p:grpSpPr>
-      <p:sp>
-        <p:nvSpPr>
-          <p:cNvPr id="2" name="Title 1"/>
-          <p:cNvSpPr>
-            <a:spLocks noGrp="1"/>
-          </p:cNvSpPr>
-          <p:nvPr>
-            <p:ph type="title"/>
-          </p:nvPr>
-        </p:nvSpPr>
-        <p:spPr/>
-        <p:txBody>
-          <a:bodyPr/>
-          <a:lstStyle/>
-          <a:p>
-            <a:r>
-              <a:rPr lang="en-US" dirty="0"/>
-              <a:t>Literature review</a:t>
-            </a:r>
-          </a:p>
-        </p:txBody>
-      </p:sp>
-      <p:sp>
-        <p:nvSpPr>
-          <p:cNvPr id="4" name="Content Placeholder 2"/>
-          <p:cNvSpPr>
-            <a:spLocks noGrp="1"/>
-          </p:cNvSpPr>
-          <p:nvPr>
-            <p:ph idx="1"/>
-          </p:nvPr>
-        </p:nvSpPr>
-        <p:spPr>
-          <a:xfrm>
-            <a:off x="3095897" y="1841862"/>
-            <a:ext cx="8623663" cy="4825638"/>
-          </a:xfrm>
-        </p:spPr>
-        <p:txBody>
-          <a:bodyPr>
-            <a:noAutofit/>
-          </a:bodyPr>
-          <a:lstStyle/>
-          <a:p>
-            <a:r>
-              <a:rPr lang="en-US" sz="1100" dirty="0"/>
-              <a:t>[</a:t>
-            </a:r>
-            <a:r>
-              <a:rPr lang="en-US" sz="1100" dirty="0" smtClean="0"/>
-              <a:t>12] S. </a:t>
-            </a:r>
-            <a:r>
-              <a:rPr lang="en-US" sz="1100" dirty="0" err="1" smtClean="0"/>
-              <a:t>Karayev</a:t>
-            </a:r>
-            <a:r>
-              <a:rPr lang="en-US" sz="1100" dirty="0" smtClean="0"/>
-              <a:t>, M. </a:t>
-            </a:r>
-            <a:r>
-              <a:rPr lang="en-US" sz="1100" dirty="0" err="1" smtClean="0"/>
-              <a:t>Trentacoste</a:t>
-            </a:r>
-            <a:r>
-              <a:rPr lang="en-US" sz="1100" dirty="0" smtClean="0"/>
-              <a:t>, H. Han, A. </a:t>
-            </a:r>
-            <a:r>
-              <a:rPr lang="en-US" sz="1100" dirty="0" err="1" smtClean="0"/>
-              <a:t>Agarwala</a:t>
-            </a:r>
-            <a:r>
-              <a:rPr lang="en-US" sz="1100" dirty="0" smtClean="0"/>
-              <a:t>, T. Darrell, A. </a:t>
-            </a:r>
-            <a:r>
-              <a:rPr lang="en-US" sz="1100" dirty="0" err="1" smtClean="0"/>
-              <a:t>Hertzmann</a:t>
-            </a:r>
-            <a:r>
-              <a:rPr lang="en-US" sz="1100" dirty="0" smtClean="0"/>
-              <a:t>, H. </a:t>
-            </a:r>
-            <a:r>
-              <a:rPr lang="en-US" sz="1100" dirty="0" err="1" smtClean="0"/>
-              <a:t>Winnemoeller</a:t>
-            </a:r>
-            <a:r>
-              <a:rPr lang="en-US" sz="1100" dirty="0" smtClean="0"/>
-              <a:t> , “ Recognizing </a:t>
-            </a:r>
-            <a:r>
-              <a:rPr lang="en-US" sz="1100" dirty="0"/>
-              <a:t>Image style”, </a:t>
-            </a:r>
-            <a:r>
-              <a:rPr lang="en-US" sz="1100" dirty="0">
-                <a:hlinkClick r:id="rId2"/>
-              </a:rPr>
-              <a:t>https://</a:t>
-            </a:r>
-            <a:r>
-              <a:rPr lang="en-US" sz="1100" dirty="0" smtClean="0">
-                <a:hlinkClick r:id="rId2"/>
-              </a:rPr>
-              <a:t>sergeykarayev.com/files/1311.3715v3.pdf</a:t>
-            </a:r>
-            <a:endParaRPr lang="en-US" sz="1100" dirty="0" smtClean="0"/>
-          </a:p>
-          <a:p>
-            <a:r>
-              <a:rPr lang="en-US" sz="1100" dirty="0" smtClean="0"/>
-              <a:t>[13] X. Yu, J. Yang, L. Luo, W. Li, J. Brandt, D. </a:t>
-            </a:r>
-            <a:r>
-              <a:rPr lang="en-US" sz="1100" dirty="0" err="1" smtClean="0"/>
-              <a:t>Metaxas,”Customized</a:t>
-            </a:r>
-            <a:r>
-              <a:rPr lang="en-US" sz="1100" dirty="0" smtClean="0"/>
-              <a:t> expression recognition for performance-driven cutout character animation”, in Applications of Computer Vision(WACV), 2016, IEEE Winter Conference</a:t>
-            </a:r>
-          </a:p>
-          <a:p>
-            <a:r>
-              <a:rPr lang="en-US" sz="1100" dirty="0" smtClean="0"/>
-              <a:t>[14] X. </a:t>
-            </a:r>
-            <a:r>
-              <a:rPr lang="en-US" sz="1100" dirty="0" err="1" smtClean="0"/>
-              <a:t>Jin</a:t>
-            </a:r>
-            <a:r>
-              <a:rPr lang="en-US" sz="1100" dirty="0" smtClean="0"/>
-              <a:t>, J. Kim</a:t>
-            </a:r>
-            <a:r>
-              <a:rPr lang="en-US" sz="1100" dirty="0"/>
-              <a:t>, “</a:t>
-            </a:r>
-            <a:r>
-              <a:rPr lang="en-US" sz="1100" dirty="0" err="1"/>
-              <a:t>ArtWork</a:t>
-            </a:r>
-            <a:r>
-              <a:rPr lang="en-US" sz="1100" dirty="0"/>
-              <a:t> Recognition in 360-degree Image using 32- </a:t>
-            </a:r>
-            <a:r>
-              <a:rPr lang="en-US" sz="1100" dirty="0" err="1"/>
-              <a:t>hedron</a:t>
-            </a:r>
-            <a:r>
-              <a:rPr lang="en-US" sz="1100" dirty="0"/>
-              <a:t> based Rectilinear Projection and Scale Invariant Feature Transform </a:t>
-            </a:r>
-            <a:r>
-              <a:rPr lang="en-US" sz="1100" dirty="0" smtClean="0"/>
-              <a:t>“, in ICEICT, IEEE </a:t>
-            </a:r>
-            <a:r>
-              <a:rPr lang="en-US" sz="1100" dirty="0" err="1" smtClean="0"/>
-              <a:t>Int</a:t>
-            </a:r>
-            <a:r>
-              <a:rPr lang="en-US" sz="1100" dirty="0" smtClean="0"/>
-              <a:t> </a:t>
-            </a:r>
-            <a:r>
-              <a:rPr lang="en-US" sz="1100" dirty="0" err="1" smtClean="0"/>
-              <a:t>Conf</a:t>
-            </a:r>
-            <a:r>
-              <a:rPr lang="en-US" sz="1100" dirty="0" smtClean="0"/>
-              <a:t>, 2017, pp 356-359</a:t>
-            </a:r>
-          </a:p>
-          <a:p>
-            <a:r>
-              <a:rPr lang="en-US" sz="1100" dirty="0" smtClean="0"/>
-              <a:t>[15] T. </a:t>
-            </a:r>
-            <a:r>
-              <a:rPr lang="en-US" sz="1100" dirty="0" err="1" smtClean="0"/>
-              <a:t>Ruzic</a:t>
-            </a:r>
-            <a:r>
-              <a:rPr lang="en-US" sz="1100" dirty="0" smtClean="0"/>
-              <a:t>, B. </a:t>
-            </a:r>
-            <a:r>
-              <a:rPr lang="en-US" sz="1100" dirty="0" err="1" smtClean="0"/>
-              <a:t>cornelis</a:t>
-            </a:r>
-            <a:r>
-              <a:rPr lang="en-US" sz="1100" dirty="0" smtClean="0"/>
-              <a:t>, L. </a:t>
-            </a:r>
-            <a:r>
-              <a:rPr lang="en-US" sz="1100" dirty="0" err="1" smtClean="0"/>
-              <a:t>Platisa</a:t>
-            </a:r>
-            <a:r>
-              <a:rPr lang="en-US" sz="1100" dirty="0" smtClean="0"/>
-              <a:t>, A. </a:t>
-            </a:r>
-            <a:r>
-              <a:rPr lang="en-US" sz="1100" dirty="0" err="1" smtClean="0"/>
-              <a:t>Pizurica</a:t>
-            </a:r>
-            <a:r>
-              <a:rPr lang="en-US" sz="1100" dirty="0" smtClean="0"/>
-              <a:t>, A. Dooms, W. Philips, M. Martens, M. D. </a:t>
-            </a:r>
-            <a:r>
-              <a:rPr lang="en-US" sz="1100" dirty="0" err="1" smtClean="0"/>
-              <a:t>Mey</a:t>
-            </a:r>
-            <a:r>
-              <a:rPr lang="en-US" sz="1100" dirty="0" smtClean="0"/>
-              <a:t>, I. </a:t>
-            </a:r>
-            <a:r>
-              <a:rPr lang="en-US" sz="1100" dirty="0" err="1" smtClean="0"/>
-              <a:t>Daubechies</a:t>
-            </a:r>
-            <a:r>
-              <a:rPr lang="en-US" sz="1100" dirty="0" smtClean="0"/>
-              <a:t>, “Virtual Restoration of the Ghent Altarpiece Using Crack Detection and </a:t>
-            </a:r>
-            <a:r>
-              <a:rPr lang="en-US" sz="1100" dirty="0" err="1" smtClean="0"/>
-              <a:t>Inpainting</a:t>
-            </a:r>
-            <a:r>
-              <a:rPr lang="en-US" sz="1100" dirty="0" smtClean="0"/>
-              <a:t>”, in ACIVS 2011, pp 417-428.</a:t>
-            </a:r>
-          </a:p>
-          <a:p>
-            <a:r>
-              <a:rPr lang="en-US" sz="1100" dirty="0" smtClean="0"/>
-              <a:t>[16] P. </a:t>
-            </a:r>
-            <a:r>
-              <a:rPr lang="en-US" sz="1100" dirty="0" err="1" smtClean="0"/>
-              <a:t>Wohlhart</a:t>
-            </a:r>
-            <a:r>
-              <a:rPr lang="en-US" sz="1100" dirty="0" smtClean="0"/>
-              <a:t> and V. </a:t>
-            </a:r>
-            <a:r>
-              <a:rPr lang="en-US" sz="1100" dirty="0" err="1" smtClean="0"/>
-              <a:t>Lepetit</a:t>
-            </a:r>
-            <a:r>
-              <a:rPr lang="en-US" sz="1100" dirty="0" smtClean="0"/>
-              <a:t>, “Learning descriptors for object recognition and 3D pose estimation”, in CVPR, </a:t>
-            </a:r>
-            <a:r>
-              <a:rPr lang="en-US" sz="1100" smtClean="0"/>
-              <a:t>IEEE Conference, 2015, pp 3109-3118</a:t>
-            </a:r>
-            <a:endParaRPr lang="en-US" sz="1100" dirty="0" smtClean="0"/>
-          </a:p>
-          <a:p>
-            <a:endParaRPr lang="en-US" sz="1100" dirty="0"/>
-          </a:p>
-        </p:txBody>
-      </p:sp>
-    </p:spTree>
-    <p:extLst>
-      <p:ext uri="{BB962C8B-B14F-4D97-AF65-F5344CB8AC3E}">
-        <p14:creationId xmlns:p14="http://schemas.microsoft.com/office/powerpoint/2010/main" val="1440396747"/>
-      </p:ext>
-    </p:extLst>
-  </p:cSld>
-  <p:clrMapOvr>
-    <a:masterClrMapping/>
-  </p:clrMapOvr>
+  <p:timing>
+    <p:tnLst>
+      <p:par>
+        <p:cTn id="1" dur="indefinite" restart="never" nodeType="tmRoot"/>
+      </p:par>
+    </p:tnLst>
+  </p:timing>
 </p:sld>
 </file>
 
@@ -10665,7 +10809,7 @@
   <a:extraClrSchemeLst/>
   <a:extLst>
     <a:ext uri="{05A4C25C-085E-4340-85A3-A5531E510DB2}">
-      <thm15:themeFamily xmlns:thm15="http://schemas.microsoft.com/office/thememl/2012/main" name="Presentation8" id="{DABEB7E4-FBD7-C94F-9D7C-453E867EFB64}" vid="{9B141126-495E-6545-A756-93C48DDBAC65}"/>
+      <thm15:themeFamily xmlns:thm15="http://schemas.microsoft.com/office/thememl/2012/main" xmlns="" name="Presentation8" id="{DABEB7E4-FBD7-C94F-9D7C-453E867EFB64}" vid="{9B141126-495E-6545-A756-93C48DDBAC65}"/>
     </a:ext>
   </a:extLst>
 </a:theme>

--- a/DGA1031/What is it.pptx
+++ b/DGA1031/What is it.pptx
@@ -280,7 +280,7 @@
           <a:p>
             <a:fld id="{276D79ED-3FA7-4EF8-964B-EB8BCFAB02F8}" type="datetimeFigureOut">
               <a:rPr lang="en-US" smtClean="0"/>
-              <a:t>2/22/2018</a:t>
+              <a:t>2/23/2018</a:t>
             </a:fld>
             <a:endParaRPr lang="en-US"/>
           </a:p>
@@ -450,7 +450,7 @@
           <a:p>
             <a:fld id="{276D79ED-3FA7-4EF8-964B-EB8BCFAB02F8}" type="datetimeFigureOut">
               <a:rPr lang="en-US" smtClean="0"/>
-              <a:t>2/22/2018</a:t>
+              <a:t>2/23/2018</a:t>
             </a:fld>
             <a:endParaRPr lang="en-US"/>
           </a:p>
@@ -698,7 +698,7 @@
           <a:p>
             <a:fld id="{276D79ED-3FA7-4EF8-964B-EB8BCFAB02F8}" type="datetimeFigureOut">
               <a:rPr lang="en-US" smtClean="0"/>
-              <a:t>2/22/2018</a:t>
+              <a:t>2/23/2018</a:t>
             </a:fld>
             <a:endParaRPr lang="en-US"/>
           </a:p>
@@ -930,7 +930,7 @@
           <a:p>
             <a:fld id="{276D79ED-3FA7-4EF8-964B-EB8BCFAB02F8}" type="datetimeFigureOut">
               <a:rPr lang="en-US" smtClean="0"/>
-              <a:t>2/22/2018</a:t>
+              <a:t>2/23/2018</a:t>
             </a:fld>
             <a:endParaRPr lang="en-US"/>
           </a:p>
@@ -1297,7 +1297,7 @@
           <a:p>
             <a:fld id="{276D79ED-3FA7-4EF8-964B-EB8BCFAB02F8}" type="datetimeFigureOut">
               <a:rPr lang="en-US" smtClean="0"/>
-              <a:t>2/22/2018</a:t>
+              <a:t>2/23/2018</a:t>
             </a:fld>
             <a:endParaRPr lang="en-US"/>
           </a:p>
@@ -1415,7 +1415,7 @@
           <a:p>
             <a:fld id="{276D79ED-3FA7-4EF8-964B-EB8BCFAB02F8}" type="datetimeFigureOut">
               <a:rPr lang="en-US" smtClean="0"/>
-              <a:t>2/22/2018</a:t>
+              <a:t>2/23/2018</a:t>
             </a:fld>
             <a:endParaRPr lang="en-US"/>
           </a:p>
@@ -1510,7 +1510,7 @@
           <a:p>
             <a:fld id="{276D79ED-3FA7-4EF8-964B-EB8BCFAB02F8}" type="datetimeFigureOut">
               <a:rPr lang="en-US" smtClean="0"/>
-              <a:t>2/22/2018</a:t>
+              <a:t>2/23/2018</a:t>
             </a:fld>
             <a:endParaRPr lang="en-US"/>
           </a:p>
@@ -1787,7 +1787,7 @@
           <a:p>
             <a:fld id="{276D79ED-3FA7-4EF8-964B-EB8BCFAB02F8}" type="datetimeFigureOut">
               <a:rPr lang="en-US" smtClean="0"/>
-              <a:t>2/22/2018</a:t>
+              <a:t>2/23/2018</a:t>
             </a:fld>
             <a:endParaRPr lang="en-US"/>
           </a:p>
@@ -2044,7 +2044,7 @@
           <a:p>
             <a:fld id="{276D79ED-3FA7-4EF8-964B-EB8BCFAB02F8}" type="datetimeFigureOut">
               <a:rPr lang="en-US" smtClean="0"/>
-              <a:t>2/22/2018</a:t>
+              <a:t>2/23/2018</a:t>
             </a:fld>
             <a:endParaRPr lang="en-US"/>
           </a:p>
@@ -2265,7 +2265,7 @@
           <a:p>
             <a:fld id="{276D79ED-3FA7-4EF8-964B-EB8BCFAB02F8}" type="datetimeFigureOut">
               <a:rPr lang="en-US" smtClean="0"/>
-              <a:t>2/22/2018</a:t>
+              <a:t>2/23/2018</a:t>
             </a:fld>
             <a:endParaRPr lang="en-US"/>
           </a:p>
@@ -5367,7 +5367,7 @@
         <p:spPr>
           <a:xfrm>
             <a:off x="2924270" y="1566250"/>
-            <a:ext cx="4330338" cy="3340727"/>
+            <a:ext cx="4330338" cy="3887199"/>
           </a:xfrm>
           <a:prstGeom prst="roundRect">
             <a:avLst/>
@@ -5417,8 +5417,27 @@
             </a:pPr>
             <a:r>
               <a:rPr lang="en-US" dirty="0" smtClean="0"/>
-              <a:t>Evaluate and estimate the accuracy of the  result</a:t>
-            </a:r>
+              <a:t>Evaluate and estimate the accuracy of the  </a:t>
+            </a:r>
+            <a:r>
+              <a:rPr lang="en-US" dirty="0" smtClean="0"/>
+              <a:t>result</a:t>
+            </a:r>
+          </a:p>
+          <a:p>
+            <a:pPr marL="285750" indent="-285750">
+              <a:buFontTx/>
+              <a:buChar char="-"/>
+            </a:pPr>
+            <a:r>
+              <a:rPr lang="en-US" dirty="0" smtClean="0"/>
+              <a:t>Generate </a:t>
+            </a:r>
+            <a:r>
+              <a:rPr lang="en-US" smtClean="0"/>
+              <a:t>the holographic item</a:t>
+            </a:r>
+            <a:endParaRPr lang="en-US" dirty="0" smtClean="0"/>
           </a:p>
           <a:p>
             <a:pPr marL="285750" indent="-285750">

--- a/DGA1031/What is it.pptx
+++ b/DGA1031/What is it.pptx
@@ -7,29 +7,34 @@
   <p:sldIdLst>
     <p:sldId id="256" r:id="rId2"/>
     <p:sldId id="257" r:id="rId3"/>
-    <p:sldId id="258" r:id="rId4"/>
-    <p:sldId id="259" r:id="rId5"/>
-    <p:sldId id="269" r:id="rId6"/>
-    <p:sldId id="265" r:id="rId7"/>
-    <p:sldId id="267" r:id="rId8"/>
-    <p:sldId id="268" r:id="rId9"/>
-    <p:sldId id="280" r:id="rId10"/>
-    <p:sldId id="273" r:id="rId11"/>
-    <p:sldId id="261" r:id="rId12"/>
-    <p:sldId id="272" r:id="rId13"/>
-    <p:sldId id="276" r:id="rId14"/>
-    <p:sldId id="277" r:id="rId15"/>
-    <p:sldId id="275" r:id="rId16"/>
-    <p:sldId id="278" r:id="rId17"/>
-    <p:sldId id="279" r:id="rId18"/>
-    <p:sldId id="281" r:id="rId19"/>
-    <p:sldId id="282" r:id="rId20"/>
-    <p:sldId id="283" r:id="rId21"/>
-    <p:sldId id="262" r:id="rId22"/>
-    <p:sldId id="263" r:id="rId23"/>
-    <p:sldId id="270" r:id="rId24"/>
-    <p:sldId id="264" r:id="rId25"/>
-    <p:sldId id="274" r:id="rId26"/>
+    <p:sldId id="284" r:id="rId4"/>
+    <p:sldId id="285" r:id="rId5"/>
+    <p:sldId id="286" r:id="rId6"/>
+    <p:sldId id="258" r:id="rId7"/>
+    <p:sldId id="259" r:id="rId8"/>
+    <p:sldId id="269" r:id="rId9"/>
+    <p:sldId id="265" r:id="rId10"/>
+    <p:sldId id="267" r:id="rId11"/>
+    <p:sldId id="287" r:id="rId12"/>
+    <p:sldId id="268" r:id="rId13"/>
+    <p:sldId id="280" r:id="rId14"/>
+    <p:sldId id="273" r:id="rId15"/>
+    <p:sldId id="261" r:id="rId16"/>
+    <p:sldId id="288" r:id="rId17"/>
+    <p:sldId id="272" r:id="rId18"/>
+    <p:sldId id="276" r:id="rId19"/>
+    <p:sldId id="277" r:id="rId20"/>
+    <p:sldId id="275" r:id="rId21"/>
+    <p:sldId id="278" r:id="rId22"/>
+    <p:sldId id="279" r:id="rId23"/>
+    <p:sldId id="281" r:id="rId24"/>
+    <p:sldId id="282" r:id="rId25"/>
+    <p:sldId id="283" r:id="rId26"/>
+    <p:sldId id="262" r:id="rId27"/>
+    <p:sldId id="263" r:id="rId28"/>
+    <p:sldId id="270" r:id="rId29"/>
+    <p:sldId id="264" r:id="rId30"/>
+    <p:sldId id="274" r:id="rId31"/>
   </p:sldIdLst>
   <p:sldSz cx="12192000" cy="6858000"/>
   <p:notesSz cx="6858000" cy="9144000"/>
@@ -2803,22 +2808,15 @@
         <p:spPr/>
         <p:txBody>
           <a:bodyPr>
-            <a:normAutofit fontScale="90000"/>
+            <a:noAutofit/>
           </a:bodyPr>
           <a:lstStyle/>
           <a:p>
             <a:r>
-              <a:rPr lang="en-US" dirty="0" smtClean="0"/>
-              <a:t>An advance algorithm for a new virtual assistance:</a:t>
-            </a:r>
-            <a:br>
-              <a:rPr lang="en-US" dirty="0" smtClean="0"/>
-            </a:br>
-            <a:r>
-              <a:rPr lang="en-US" dirty="0" smtClean="0"/>
-              <a:t>What is it (WIT) ?</a:t>
-            </a:r>
-            <a:endParaRPr lang="en-US" dirty="0"/>
+              <a:rPr lang="en-CA" sz="3600" dirty="0"/>
+              <a:t>A Learning Interactive Semantic Search Engine based on Semantic Metadata Enrichment and Optimized Holographic Knowledgeable Assistant (LUCY) </a:t>
+            </a:r>
+            <a:endParaRPr lang="en-US" sz="3600" dirty="0"/>
           </a:p>
         </p:txBody>
       </p:sp>
@@ -2904,6 +2902,400 @@
 </file>
 
 <file path=ppt/slides/slide10.xml><?xml version="1.0" encoding="utf-8"?>
+<p:sld xmlns:a="http://schemas.openxmlformats.org/drawingml/2006/main" xmlns:r="http://schemas.openxmlformats.org/officeDocument/2006/relationships" xmlns:p="http://schemas.openxmlformats.org/presentationml/2006/main" showMasterSp="0">
+  <p:cSld>
+    <p:spTree>
+      <p:nvGrpSpPr>
+        <p:cNvPr id="1" name=""/>
+        <p:cNvGrpSpPr/>
+        <p:nvPr/>
+      </p:nvGrpSpPr>
+      <p:grpSpPr>
+        <a:xfrm>
+          <a:off x="0" y="0"/>
+          <a:ext cx="0" cy="0"/>
+          <a:chOff x="0" y="0"/>
+          <a:chExt cx="0" cy="0"/>
+        </a:xfrm>
+      </p:grpSpPr>
+      <p:sp>
+        <p:nvSpPr>
+          <p:cNvPr id="2" name="Title 1"/>
+          <p:cNvSpPr>
+            <a:spLocks noGrp="1"/>
+          </p:cNvSpPr>
+          <p:nvPr>
+            <p:ph type="title"/>
+          </p:nvPr>
+        </p:nvSpPr>
+        <p:spPr/>
+        <p:txBody>
+          <a:bodyPr/>
+          <a:lstStyle/>
+          <a:p>
+            <a:r>
+              <a:rPr lang="en-US" dirty="0" smtClean="0"/>
+              <a:t>Literature review</a:t>
+            </a:r>
+            <a:endParaRPr lang="en-US" dirty="0"/>
+          </a:p>
+        </p:txBody>
+      </p:sp>
+      <p:sp>
+        <p:nvSpPr>
+          <p:cNvPr id="3" name="Content Placeholder 2"/>
+          <p:cNvSpPr>
+            <a:spLocks noGrp="1"/>
+          </p:cNvSpPr>
+          <p:nvPr>
+            <p:ph idx="1"/>
+          </p:nvPr>
+        </p:nvSpPr>
+        <p:spPr/>
+        <p:txBody>
+          <a:bodyPr>
+            <a:noAutofit/>
+          </a:bodyPr>
+          <a:lstStyle/>
+          <a:p>
+            <a:endParaRPr lang="en-US" sz="2400" dirty="0" smtClean="0"/>
+          </a:p>
+          <a:p>
+            <a:endParaRPr lang="en-US" sz="2400" dirty="0"/>
+          </a:p>
+          <a:p>
+            <a:endParaRPr lang="en-US" sz="2400" dirty="0"/>
+          </a:p>
+        </p:txBody>
+      </p:sp>
+      <p:sp>
+        <p:nvSpPr>
+          <p:cNvPr id="4" name="Content Placeholder 2"/>
+          <p:cNvSpPr txBox="1">
+            <a:spLocks/>
+          </p:cNvSpPr>
+          <p:nvPr/>
+        </p:nvSpPr>
+        <p:spPr>
+          <a:xfrm>
+            <a:off x="3095897" y="1742938"/>
+            <a:ext cx="8623663" cy="4886461"/>
+          </a:xfrm>
+          <a:prstGeom prst="rect">
+            <a:avLst/>
+          </a:prstGeom>
+        </p:spPr>
+        <p:txBody>
+          <a:bodyPr vert="horz" lIns="91440" tIns="45720" rIns="91440" bIns="45720" rtlCol="0">
+            <a:normAutofit fontScale="92500" lnSpcReduction="10000"/>
+          </a:bodyPr>
+          <a:lstStyle>
+            <a:lvl1pPr marL="228600" indent="-228600" algn="l" defTabSz="914400" rtl="0" eaLnBrk="1" latinLnBrk="0" hangingPunct="1">
+              <a:lnSpc>
+                <a:spcPct val="90000"/>
+              </a:lnSpc>
+              <a:spcBef>
+                <a:spcPts val="1000"/>
+              </a:spcBef>
+              <a:buFont typeface="Arial" panose="020B0604020202020204" pitchFamily="34" charset="0"/>
+              <a:buChar char="•"/>
+              <a:defRPr sz="2800" kern="1200">
+                <a:solidFill>
+                  <a:schemeClr val="tx1"/>
+                </a:solidFill>
+                <a:latin typeface="+mn-lt"/>
+                <a:ea typeface="+mn-ea"/>
+                <a:cs typeface="+mn-cs"/>
+              </a:defRPr>
+            </a:lvl1pPr>
+            <a:lvl2pPr marL="685800" indent="-228600" algn="l" defTabSz="914400" rtl="0" eaLnBrk="1" latinLnBrk="0" hangingPunct="1">
+              <a:lnSpc>
+                <a:spcPct val="90000"/>
+              </a:lnSpc>
+              <a:spcBef>
+                <a:spcPts val="500"/>
+              </a:spcBef>
+              <a:buFont typeface="Arial" panose="020B0604020202020204" pitchFamily="34" charset="0"/>
+              <a:buChar char="•"/>
+              <a:defRPr sz="2400" kern="1200">
+                <a:solidFill>
+                  <a:schemeClr val="tx1"/>
+                </a:solidFill>
+                <a:latin typeface="+mn-lt"/>
+                <a:ea typeface="+mn-ea"/>
+                <a:cs typeface="+mn-cs"/>
+              </a:defRPr>
+            </a:lvl2pPr>
+            <a:lvl3pPr marL="1143000" indent="-228600" algn="l" defTabSz="914400" rtl="0" eaLnBrk="1" latinLnBrk="0" hangingPunct="1">
+              <a:lnSpc>
+                <a:spcPct val="90000"/>
+              </a:lnSpc>
+              <a:spcBef>
+                <a:spcPts val="500"/>
+              </a:spcBef>
+              <a:buFont typeface="Arial" panose="020B0604020202020204" pitchFamily="34" charset="0"/>
+              <a:buChar char="•"/>
+              <a:defRPr sz="2000" kern="1200">
+                <a:solidFill>
+                  <a:schemeClr val="tx1"/>
+                </a:solidFill>
+                <a:latin typeface="+mn-lt"/>
+                <a:ea typeface="+mn-ea"/>
+                <a:cs typeface="+mn-cs"/>
+              </a:defRPr>
+            </a:lvl3pPr>
+            <a:lvl4pPr marL="1600200" indent="-228600" algn="l" defTabSz="914400" rtl="0" eaLnBrk="1" latinLnBrk="0" hangingPunct="1">
+              <a:lnSpc>
+                <a:spcPct val="90000"/>
+              </a:lnSpc>
+              <a:spcBef>
+                <a:spcPts val="500"/>
+              </a:spcBef>
+              <a:buFont typeface="Arial" panose="020B0604020202020204" pitchFamily="34" charset="0"/>
+              <a:buChar char="•"/>
+              <a:defRPr sz="1800" kern="1200">
+                <a:solidFill>
+                  <a:schemeClr val="tx1"/>
+                </a:solidFill>
+                <a:latin typeface="+mn-lt"/>
+                <a:ea typeface="+mn-ea"/>
+                <a:cs typeface="+mn-cs"/>
+              </a:defRPr>
+            </a:lvl4pPr>
+            <a:lvl5pPr marL="2057400" indent="-228600" algn="l" defTabSz="914400" rtl="0" eaLnBrk="1" latinLnBrk="0" hangingPunct="1">
+              <a:lnSpc>
+                <a:spcPct val="90000"/>
+              </a:lnSpc>
+              <a:spcBef>
+                <a:spcPts val="500"/>
+              </a:spcBef>
+              <a:buFont typeface="Arial" panose="020B0604020202020204" pitchFamily="34" charset="0"/>
+              <a:buChar char="•"/>
+              <a:defRPr sz="1800" kern="1200">
+                <a:solidFill>
+                  <a:schemeClr val="tx1"/>
+                </a:solidFill>
+                <a:latin typeface="+mn-lt"/>
+                <a:ea typeface="+mn-ea"/>
+                <a:cs typeface="+mn-cs"/>
+              </a:defRPr>
+            </a:lvl5pPr>
+            <a:lvl6pPr marL="2514600" indent="-228600" algn="l" defTabSz="914400" rtl="0" eaLnBrk="1" latinLnBrk="0" hangingPunct="1">
+              <a:lnSpc>
+                <a:spcPct val="90000"/>
+              </a:lnSpc>
+              <a:spcBef>
+                <a:spcPts val="500"/>
+              </a:spcBef>
+              <a:buFont typeface="Arial" panose="020B0604020202020204" pitchFamily="34" charset="0"/>
+              <a:buChar char="•"/>
+              <a:defRPr sz="1800" kern="1200">
+                <a:solidFill>
+                  <a:schemeClr val="tx1"/>
+                </a:solidFill>
+                <a:latin typeface="+mn-lt"/>
+                <a:ea typeface="+mn-ea"/>
+                <a:cs typeface="+mn-cs"/>
+              </a:defRPr>
+            </a:lvl6pPr>
+            <a:lvl7pPr marL="2971800" indent="-228600" algn="l" defTabSz="914400" rtl="0" eaLnBrk="1" latinLnBrk="0" hangingPunct="1">
+              <a:lnSpc>
+                <a:spcPct val="90000"/>
+              </a:lnSpc>
+              <a:spcBef>
+                <a:spcPts val="500"/>
+              </a:spcBef>
+              <a:buFont typeface="Arial" panose="020B0604020202020204" pitchFamily="34" charset="0"/>
+              <a:buChar char="•"/>
+              <a:defRPr sz="1800" kern="1200">
+                <a:solidFill>
+                  <a:schemeClr val="tx1"/>
+                </a:solidFill>
+                <a:latin typeface="+mn-lt"/>
+                <a:ea typeface="+mn-ea"/>
+                <a:cs typeface="+mn-cs"/>
+              </a:defRPr>
+            </a:lvl7pPr>
+            <a:lvl8pPr marL="3429000" indent="-228600" algn="l" defTabSz="914400" rtl="0" eaLnBrk="1" latinLnBrk="0" hangingPunct="1">
+              <a:lnSpc>
+                <a:spcPct val="90000"/>
+              </a:lnSpc>
+              <a:spcBef>
+                <a:spcPts val="500"/>
+              </a:spcBef>
+              <a:buFont typeface="Arial" panose="020B0604020202020204" pitchFamily="34" charset="0"/>
+              <a:buChar char="•"/>
+              <a:defRPr sz="1800" kern="1200">
+                <a:solidFill>
+                  <a:schemeClr val="tx1"/>
+                </a:solidFill>
+                <a:latin typeface="+mn-lt"/>
+                <a:ea typeface="+mn-ea"/>
+                <a:cs typeface="+mn-cs"/>
+              </a:defRPr>
+            </a:lvl8pPr>
+            <a:lvl9pPr marL="3886200" indent="-228600" algn="l" defTabSz="914400" rtl="0" eaLnBrk="1" latinLnBrk="0" hangingPunct="1">
+              <a:lnSpc>
+                <a:spcPct val="90000"/>
+              </a:lnSpc>
+              <a:spcBef>
+                <a:spcPts val="500"/>
+              </a:spcBef>
+              <a:buFont typeface="Arial" panose="020B0604020202020204" pitchFamily="34" charset="0"/>
+              <a:buChar char="•"/>
+              <a:defRPr sz="1800" kern="1200">
+                <a:solidFill>
+                  <a:schemeClr val="tx1"/>
+                </a:solidFill>
+                <a:latin typeface="+mn-lt"/>
+                <a:ea typeface="+mn-ea"/>
+                <a:cs typeface="+mn-cs"/>
+              </a:defRPr>
+            </a:lvl9pPr>
+          </a:lstStyle>
+          <a:p>
+            <a:pPr algn="just">
+              <a:lnSpc>
+                <a:spcPct val="150000"/>
+              </a:lnSpc>
+            </a:pPr>
+            <a:r>
+              <a:rPr lang="en-US" sz="1700" dirty="0"/>
+              <a:t>CBIR used multiple support vector machine (SVM)’s ensemble method narrow down search space and handle the large image database [8]</a:t>
+            </a:r>
+          </a:p>
+          <a:p>
+            <a:pPr algn="just">
+              <a:lnSpc>
+                <a:spcPct val="150000"/>
+              </a:lnSpc>
+            </a:pPr>
+            <a:r>
+              <a:rPr lang="en-US" sz="1700" dirty="0"/>
+              <a:t>Extracting low-level features (color, texture, edge density) and measuring distances to find the similarity between images in reducing the semantic gap between the low level features and the high level semantic concept [9][10</a:t>
+            </a:r>
+            <a:r>
+              <a:rPr lang="en-US" sz="1700" dirty="0" smtClean="0"/>
+              <a:t>]</a:t>
+            </a:r>
+          </a:p>
+          <a:p>
+            <a:pPr algn="just">
+              <a:lnSpc>
+                <a:spcPct val="150000"/>
+              </a:lnSpc>
+            </a:pPr>
+            <a:r>
+              <a:rPr lang="en-US" sz="1800" dirty="0"/>
+              <a:t>Using CNN to </a:t>
+            </a:r>
+            <a:r>
+              <a:rPr lang="en-US" sz="1800" dirty="0" smtClean="0"/>
+              <a:t>classify </a:t>
+            </a:r>
+            <a:r>
+              <a:rPr lang="en-US" sz="1800" dirty="0"/>
+              <a:t>and u</a:t>
+            </a:r>
+            <a:r>
+              <a:rPr lang="en-US" sz="1800" dirty="0" smtClean="0"/>
+              <a:t>nderstand artists from the museum[11] based on predicting artist names with such high accuracy, and learn what parts of each piece of art are most predictive of a particular artist</a:t>
+            </a:r>
+          </a:p>
+          <a:p>
+            <a:pPr algn="just">
+              <a:lnSpc>
+                <a:spcPct val="150000"/>
+              </a:lnSpc>
+            </a:pPr>
+            <a:r>
+              <a:rPr lang="en-US" sz="1800" dirty="0" smtClean="0"/>
+              <a:t>Show excellent classification of image style </a:t>
+            </a:r>
+            <a:r>
+              <a:rPr lang="en-US" sz="1800" dirty="0"/>
+              <a:t>visual style, including photographic techniques (“Macro,” “HDR”), composition styles (“Minimal,” “Geometric”), moods (“Serene,” “Melancholy”), </a:t>
+            </a:r>
+            <a:r>
+              <a:rPr lang="en-US" sz="1800" dirty="0" smtClean="0"/>
+              <a:t>genres (“</a:t>
+            </a:r>
+            <a:r>
+              <a:rPr lang="en-US" sz="1800" dirty="0"/>
+              <a:t>Vintage,” “Romantic,” “Horror”), and types of scenes (“Hazy,” “Sunny</a:t>
+            </a:r>
+            <a:r>
+              <a:rPr lang="en-US" sz="1800" dirty="0" smtClean="0"/>
+              <a:t>”) [12] by using CNN</a:t>
+            </a:r>
+          </a:p>
+          <a:p>
+            <a:pPr algn="just">
+              <a:lnSpc>
+                <a:spcPct val="150000"/>
+              </a:lnSpc>
+            </a:pPr>
+            <a:endParaRPr lang="en-US" sz="1900" dirty="0"/>
+          </a:p>
+          <a:p>
+            <a:pPr algn="just">
+              <a:lnSpc>
+                <a:spcPct val="150000"/>
+              </a:lnSpc>
+            </a:pPr>
+            <a:endParaRPr lang="en-US" sz="1700" dirty="0"/>
+          </a:p>
+          <a:p>
+            <a:pPr marL="0" indent="0" algn="just">
+              <a:lnSpc>
+                <a:spcPct val="150000"/>
+              </a:lnSpc>
+              <a:buNone/>
+            </a:pPr>
+            <a:endParaRPr lang="en-US" sz="1700" dirty="0"/>
+          </a:p>
+          <a:p>
+            <a:pPr marL="0" indent="0" algn="just">
+              <a:buFont typeface="Arial" panose="020B0604020202020204" pitchFamily="34" charset="0"/>
+              <a:buNone/>
+            </a:pPr>
+            <a:endParaRPr lang="en-US" sz="2400" dirty="0" smtClean="0"/>
+          </a:p>
+          <a:p>
+            <a:pPr algn="just"/>
+            <a:endParaRPr lang="en-US" sz="2400" dirty="0" smtClean="0"/>
+          </a:p>
+          <a:p>
+            <a:pPr algn="just"/>
+            <a:endParaRPr lang="en-US" sz="2400" dirty="0" smtClean="0"/>
+          </a:p>
+          <a:p>
+            <a:pPr algn="just"/>
+            <a:endParaRPr lang="en-US" sz="2400" dirty="0" smtClean="0"/>
+          </a:p>
+        </p:txBody>
+      </p:sp>
+    </p:spTree>
+    <p:extLst>
+      <p:ext uri="{BB962C8B-B14F-4D97-AF65-F5344CB8AC3E}">
+        <p14:creationId xmlns:p14="http://schemas.microsoft.com/office/powerpoint/2010/main" val="923532792"/>
+      </p:ext>
+    </p:extLst>
+  </p:cSld>
+  <p:clrMapOvr>
+    <a:masterClrMapping/>
+  </p:clrMapOvr>
+  <p:timing>
+    <p:tnLst>
+      <p:par>
+        <p:cTn id="1" dur="indefinite" restart="never" nodeType="tmRoot"/>
+      </p:par>
+    </p:tnLst>
+  </p:timing>
+</p:sld>
+</file>
+
+<file path=ppt/slides/slide11.xml><?xml version="1.0" encoding="utf-8"?>
 <p:sld xmlns:a="http://schemas.openxmlformats.org/drawingml/2006/main" xmlns:r="http://schemas.openxmlformats.org/officeDocument/2006/relationships" xmlns:p="http://schemas.openxmlformats.org/presentationml/2006/main">
   <p:cSld>
     <p:spTree>
@@ -2922,249 +3314,6 @@
       </p:grpSpPr>
       <p:sp>
         <p:nvSpPr>
-          <p:cNvPr id="6" name="Rectangular Callout 5"/>
-          <p:cNvSpPr/>
-          <p:nvPr/>
-        </p:nvSpPr>
-        <p:spPr>
-          <a:xfrm>
-            <a:off x="3161654" y="1000125"/>
-            <a:ext cx="4137070" cy="1713470"/>
-          </a:xfrm>
-          <a:prstGeom prst="wedgeRectCallout">
-            <a:avLst>
-              <a:gd name="adj1" fmla="val 30862"/>
-              <a:gd name="adj2" fmla="val 49252"/>
-            </a:avLst>
-          </a:prstGeom>
-        </p:spPr>
-        <p:style>
-          <a:lnRef idx="2">
-            <a:schemeClr val="dk1"/>
-          </a:lnRef>
-          <a:fillRef idx="1">
-            <a:schemeClr val="lt1"/>
-          </a:fillRef>
-          <a:effectRef idx="0">
-            <a:schemeClr val="dk1"/>
-          </a:effectRef>
-          <a:fontRef idx="minor">
-            <a:schemeClr val="dk1"/>
-          </a:fontRef>
-        </p:style>
-        <p:txBody>
-          <a:bodyPr rtlCol="0" anchor="ctr"/>
-          <a:lstStyle/>
-          <a:p>
-            <a:r>
-              <a:rPr lang="en-US" sz="1600" b="1" dirty="0" smtClean="0"/>
-              <a:t>Original feature information:</a:t>
-            </a:r>
-          </a:p>
-          <a:p>
-            <a:r>
-              <a:rPr lang="en-US" sz="1600" dirty="0" smtClean="0"/>
-              <a:t>+ Color</a:t>
-            </a:r>
-          </a:p>
-          <a:p>
-            <a:r>
-              <a:rPr lang="en-US" sz="1600" dirty="0" smtClean="0"/>
-              <a:t>+ Texture</a:t>
-            </a:r>
-          </a:p>
-          <a:p>
-            <a:r>
-              <a:rPr lang="en-US" sz="1600" dirty="0" smtClean="0"/>
-              <a:t>+ Shape</a:t>
-            </a:r>
-          </a:p>
-          <a:p>
-            <a:r>
-              <a:rPr lang="en-US" sz="1600" dirty="0" smtClean="0"/>
-              <a:t>+ Spatial Location</a:t>
-            </a:r>
-          </a:p>
-          <a:p>
-            <a:r>
-              <a:rPr lang="en-US" sz="1600" dirty="0" smtClean="0"/>
-              <a:t>+ Local image</a:t>
-            </a:r>
-          </a:p>
-        </p:txBody>
-      </p:sp>
-      <p:pic>
-        <p:nvPicPr>
-          <p:cNvPr id="3" name="Picture 2" descr="Image result"/>
-          <p:cNvPicPr>
-            <a:picLocks noChangeAspect="1" noChangeArrowheads="1"/>
-          </p:cNvPicPr>
-          <p:nvPr/>
-        </p:nvPicPr>
-        <p:blipFill>
-          <a:blip r:embed="rId2" cstate="print">
-            <a:extLst>
-              <a:ext uri="{28A0092B-C50C-407E-A947-70E740481C1C}">
-                <a14:useLocalDpi xmlns:a14="http://schemas.microsoft.com/office/drawing/2010/main" val="0"/>
-              </a:ext>
-            </a:extLst>
-          </a:blip>
-          <a:srcRect/>
-          <a:stretch>
-            <a:fillRect/>
-          </a:stretch>
-        </p:blipFill>
-        <p:spPr bwMode="auto">
-          <a:xfrm>
-            <a:off x="7674315" y="1000125"/>
-            <a:ext cx="2806359" cy="4181475"/>
-          </a:xfrm>
-          <a:prstGeom prst="rect">
-            <a:avLst/>
-          </a:prstGeom>
-          <a:noFill/>
-          <a:extLst>
-            <a:ext uri="{909E8E84-426E-40DD-AFC4-6F175D3DCCD1}">
-              <a14:hiddenFill xmlns:a14="http://schemas.microsoft.com/office/drawing/2010/main">
-                <a:solidFill>
-                  <a:srgbClr val="FFFFFF"/>
-                </a:solidFill>
-              </a14:hiddenFill>
-            </a:ext>
-          </a:extLst>
-        </p:spPr>
-      </p:pic>
-      <p:sp>
-        <p:nvSpPr>
-          <p:cNvPr id="2" name="Rectangle 1"/>
-          <p:cNvSpPr/>
-          <p:nvPr/>
-        </p:nvSpPr>
-        <p:spPr>
-          <a:xfrm>
-            <a:off x="7667083" y="5526215"/>
-            <a:ext cx="2813591" cy="261610"/>
-          </a:xfrm>
-          <a:prstGeom prst="rect">
-            <a:avLst/>
-          </a:prstGeom>
-        </p:spPr>
-        <p:txBody>
-          <a:bodyPr wrap="none">
-            <a:spAutoFit/>
-          </a:bodyPr>
-          <a:lstStyle/>
-          <a:p>
-            <a:r>
-              <a:rPr lang="en-US" sz="1100" dirty="0"/>
-              <a:t>https://en.wikipedia.org/wiki/Mona_Lisa</a:t>
-            </a:r>
-          </a:p>
-        </p:txBody>
-      </p:sp>
-      <p:sp>
-        <p:nvSpPr>
-          <p:cNvPr id="7" name="Round Diagonal Corner Rectangle 6"/>
-          <p:cNvSpPr/>
-          <p:nvPr/>
-        </p:nvSpPr>
-        <p:spPr>
-          <a:xfrm>
-            <a:off x="2918025" y="3358834"/>
-            <a:ext cx="4624327" cy="1723759"/>
-          </a:xfrm>
-          <a:prstGeom prst="round2DiagRect">
-            <a:avLst/>
-          </a:prstGeom>
-        </p:spPr>
-        <p:style>
-          <a:lnRef idx="2">
-            <a:schemeClr val="dk1"/>
-          </a:lnRef>
-          <a:fillRef idx="1">
-            <a:schemeClr val="lt1"/>
-          </a:fillRef>
-          <a:effectRef idx="0">
-            <a:schemeClr val="dk1"/>
-          </a:effectRef>
-          <a:fontRef idx="minor">
-            <a:schemeClr val="dk1"/>
-          </a:fontRef>
-        </p:style>
-        <p:txBody>
-          <a:bodyPr rtlCol="0" anchor="ctr"/>
-          <a:lstStyle/>
-          <a:p>
-            <a:r>
-              <a:rPr lang="en-US" b="1" dirty="0"/>
-              <a:t>Limitation:</a:t>
-            </a:r>
-          </a:p>
-          <a:p>
-            <a:r>
-              <a:rPr lang="en-US" dirty="0"/>
-              <a:t>+ Performance: time </a:t>
-            </a:r>
-            <a:r>
-              <a:rPr lang="en-US" dirty="0" smtClean="0"/>
-              <a:t>response</a:t>
-            </a:r>
-          </a:p>
-          <a:p>
-            <a:r>
-              <a:rPr lang="en-US" dirty="0" smtClean="0"/>
-              <a:t>+ Accuracy: Detect the general object (e.g., a car, person, tree, etc.,)</a:t>
-            </a:r>
-          </a:p>
-          <a:p>
-            <a:r>
-              <a:rPr lang="en-US" dirty="0" smtClean="0"/>
-              <a:t>+ </a:t>
-            </a:r>
-            <a:r>
-              <a:rPr lang="en-US" dirty="0"/>
-              <a:t>Display information without </a:t>
-            </a:r>
-            <a:r>
-              <a:rPr lang="en-US" dirty="0" smtClean="0"/>
-              <a:t>visualizing</a:t>
-            </a:r>
-            <a:endParaRPr lang="en-US" dirty="0"/>
-          </a:p>
-        </p:txBody>
-      </p:sp>
-    </p:spTree>
-    <p:extLst>
-      <p:ext uri="{BB962C8B-B14F-4D97-AF65-F5344CB8AC3E}">
-        <p14:creationId xmlns:p14="http://schemas.microsoft.com/office/powerpoint/2010/main" val="3582194975"/>
-      </p:ext>
-    </p:extLst>
-  </p:cSld>
-  <p:clrMapOvr>
-    <a:masterClrMapping/>
-  </p:clrMapOvr>
-</p:sld>
-</file>
-
-<file path=ppt/slides/slide11.xml><?xml version="1.0" encoding="utf-8"?>
-<p:sld xmlns:a="http://schemas.openxmlformats.org/drawingml/2006/main" xmlns:r="http://schemas.openxmlformats.org/officeDocument/2006/relationships" xmlns:p="http://schemas.openxmlformats.org/presentationml/2006/main" showMasterSp="0">
-  <p:cSld>
-    <p:spTree>
-      <p:nvGrpSpPr>
-        <p:cNvPr id="1" name=""/>
-        <p:cNvGrpSpPr/>
-        <p:nvPr/>
-      </p:nvGrpSpPr>
-      <p:grpSpPr>
-        <a:xfrm>
-          <a:off x="0" y="0"/>
-          <a:ext cx="0" cy="0"/>
-          <a:chOff x="0" y="0"/>
-          <a:chExt cx="0" cy="0"/>
-        </a:xfrm>
-      </p:grpSpPr>
-      <p:sp>
-        <p:nvSpPr>
           <p:cNvPr id="2" name="Title 1"/>
           <p:cNvSpPr>
             <a:spLocks noGrp="1"/>
@@ -3179,10 +3328,9 @@
           <a:lstStyle/>
           <a:p>
             <a:r>
-              <a:rPr lang="en-US" dirty="0" smtClean="0"/>
-              <a:t>Challenges</a:t>
-            </a:r>
-            <a:endParaRPr lang="en-US" dirty="0"/>
+              <a:rPr lang="en-US" dirty="0"/>
+              <a:t>Literature review</a:t>
+            </a:r>
           </a:p>
         </p:txBody>
       </p:sp>
@@ -3196,322 +3344,89 @@
             <p:ph idx="1"/>
           </p:nvPr>
         </p:nvSpPr>
-        <p:spPr>
-          <a:xfrm>
-            <a:off x="3095896" y="1430448"/>
-            <a:ext cx="8623663" cy="4956745"/>
-          </a:xfrm>
-        </p:spPr>
+        <p:spPr/>
         <p:txBody>
           <a:bodyPr>
-            <a:noAutofit/>
+            <a:normAutofit fontScale="85000" lnSpcReduction="20000"/>
           </a:bodyPr>
           <a:lstStyle/>
           <a:p>
             <a:pPr algn="just">
               <a:lnSpc>
-                <a:spcPct val="170000"/>
+                <a:spcPct val="150000"/>
               </a:lnSpc>
             </a:pPr>
             <a:r>
-              <a:rPr lang="en-US" sz="1100" dirty="0" smtClean="0"/>
-              <a:t>Identify and recognize the object with the </a:t>
-            </a:r>
-            <a:r>
-              <a:rPr lang="en-US" sz="1100" b="1" dirty="0" smtClean="0">
-                <a:solidFill>
-                  <a:srgbClr val="0070C0"/>
-                </a:solidFill>
-              </a:rPr>
-              <a:t>“private feature” </a:t>
-            </a:r>
-            <a:r>
-              <a:rPr lang="en-US" sz="1100" dirty="0" smtClean="0"/>
-              <a:t>of artwork, specimen, whatever</a:t>
+              <a:rPr lang="en-US" sz="2400" dirty="0"/>
+              <a:t>Customized expression recognition for performance-driven cutout character animation[13] by using deep  convolutional neural network</a:t>
             </a:r>
           </a:p>
           <a:p>
             <a:pPr algn="just">
               <a:lnSpc>
-                <a:spcPct val="170000"/>
+                <a:spcPct val="150000"/>
               </a:lnSpc>
             </a:pPr>
             <a:r>
-              <a:rPr lang="en-US" sz="1100" dirty="0" smtClean="0"/>
-              <a:t>Faster handling of responding for </a:t>
-            </a:r>
-            <a:r>
-              <a:rPr lang="en-US" sz="1100" dirty="0" smtClean="0">
-                <a:solidFill>
-                  <a:srgbClr val="FF0000"/>
-                </a:solidFill>
-              </a:rPr>
-              <a:t>real time </a:t>
-            </a:r>
-            <a:r>
-              <a:rPr lang="en-US" sz="1100" dirty="0" smtClean="0"/>
-              <a:t>used cases</a:t>
+              <a:rPr lang="en-US" sz="2400" dirty="0" err="1"/>
+              <a:t>ArtWork</a:t>
+            </a:r>
+            <a:r>
+              <a:rPr lang="en-US" sz="2400" dirty="0"/>
+              <a:t> recognition in 360 degree [14] by </a:t>
+            </a:r>
+            <a:r>
+              <a:rPr lang="en-US" dirty="0"/>
+              <a:t>using a 32- </a:t>
+            </a:r>
+            <a:r>
+              <a:rPr lang="en-US" dirty="0" err="1"/>
+              <a:t>hedron</a:t>
+            </a:r>
+            <a:r>
+              <a:rPr lang="en-US" dirty="0"/>
+              <a:t> based rectilinear projection and the well-known scale invariant feature transform.</a:t>
             </a:r>
           </a:p>
           <a:p>
             <a:pPr algn="just">
               <a:lnSpc>
-                <a:spcPct val="170000"/>
+                <a:spcPct val="150000"/>
               </a:lnSpc>
             </a:pPr>
             <a:r>
-              <a:rPr lang="en-US" sz="1100" dirty="0" smtClean="0"/>
-              <a:t>Data </a:t>
-            </a:r>
-            <a:r>
-              <a:rPr lang="en-US" sz="1100" dirty="0">
-                <a:solidFill>
-                  <a:schemeClr val="accent2">
-                    <a:lumMod val="75000"/>
-                  </a:schemeClr>
-                </a:solidFill>
-              </a:rPr>
-              <a:t>authenticity, confidentiality, ready, and integrity </a:t>
-            </a:r>
-            <a:r>
-              <a:rPr lang="en-US" sz="1100" dirty="0"/>
-              <a:t>for </a:t>
-            </a:r>
-            <a:r>
-              <a:rPr lang="en-US" sz="1100" dirty="0" smtClean="0"/>
-              <a:t>real time applications</a:t>
+              <a:rPr lang="en-US" dirty="0"/>
+              <a:t>Virtual restoration an object by using crack detection and </a:t>
+            </a:r>
+            <a:r>
+              <a:rPr lang="en-US" dirty="0" err="1"/>
+              <a:t>inpainting</a:t>
+            </a:r>
+            <a:r>
+              <a:rPr lang="en-US" dirty="0"/>
+              <a:t> [15]</a:t>
             </a:r>
           </a:p>
           <a:p>
             <a:pPr algn="just">
               <a:lnSpc>
-                <a:spcPct val="170000"/>
+                <a:spcPct val="150000"/>
               </a:lnSpc>
             </a:pPr>
             <a:r>
-              <a:rPr lang="en-US" sz="1100" dirty="0" smtClean="0"/>
-              <a:t>The </a:t>
-            </a:r>
-            <a:r>
-              <a:rPr lang="en-US" sz="1100" dirty="0"/>
-              <a:t>expectation of users </a:t>
-            </a:r>
-            <a:r>
-              <a:rPr lang="en-US" sz="1100" dirty="0">
-                <a:solidFill>
-                  <a:srgbClr val="C00000"/>
-                </a:solidFill>
-              </a:rPr>
-              <a:t>for huge amount of objects </a:t>
-            </a:r>
-            <a:r>
-              <a:rPr lang="en-US" sz="1100" dirty="0"/>
-              <a:t>to search among</a:t>
-            </a:r>
-          </a:p>
-          <a:p>
-            <a:pPr algn="just">
-              <a:lnSpc>
-                <a:spcPct val="170000"/>
-              </a:lnSpc>
-            </a:pPr>
-            <a:r>
-              <a:rPr lang="en-US" sz="1100" dirty="0" smtClean="0"/>
-              <a:t>Sometimes </a:t>
-            </a:r>
-            <a:r>
-              <a:rPr lang="en-US" sz="1100" dirty="0">
-                <a:solidFill>
-                  <a:srgbClr val="00B0F0"/>
-                </a:solidFill>
-              </a:rPr>
-              <a:t>incompleteness query specification </a:t>
-            </a:r>
-            <a:r>
-              <a:rPr lang="en-US" sz="1100" dirty="0"/>
-              <a:t>seems to be a challenge</a:t>
-            </a:r>
-          </a:p>
-          <a:p>
-            <a:pPr algn="just">
-              <a:lnSpc>
-                <a:spcPct val="170000"/>
-              </a:lnSpc>
-            </a:pPr>
-            <a:r>
-              <a:rPr lang="en-US" sz="1100" dirty="0" smtClean="0">
-                <a:solidFill>
-                  <a:srgbClr val="FF0000"/>
-                </a:solidFill>
-              </a:rPr>
-              <a:t>Incomplete </a:t>
-            </a:r>
-            <a:r>
-              <a:rPr lang="en-US" sz="1100" dirty="0">
-                <a:solidFill>
-                  <a:srgbClr val="FF0000"/>
-                </a:solidFill>
-              </a:rPr>
-              <a:t>image </a:t>
-            </a:r>
-            <a:r>
-              <a:rPr lang="en-US" sz="1100" dirty="0"/>
-              <a:t>description is also a </a:t>
-            </a:r>
-            <a:r>
-              <a:rPr lang="en-US" sz="1100" dirty="0" smtClean="0"/>
-              <a:t>source </a:t>
-            </a:r>
-            <a:r>
-              <a:rPr lang="en-US" sz="1100" dirty="0"/>
-              <a:t>of challenge to an efficient CBIR </a:t>
-            </a:r>
-            <a:r>
-              <a:rPr lang="en-US" sz="1100" dirty="0" smtClean="0"/>
-              <a:t>system</a:t>
-            </a:r>
-          </a:p>
-          <a:p>
-            <a:pPr algn="just">
-              <a:lnSpc>
-                <a:spcPct val="170000"/>
-              </a:lnSpc>
-            </a:pPr>
-            <a:r>
-              <a:rPr lang="en-US" sz="1100" dirty="0" smtClean="0"/>
-              <a:t>The issue related to the semantic gap where it means </a:t>
-            </a:r>
-            <a:r>
-              <a:rPr lang="en-US" sz="1100" dirty="0" smtClean="0">
-                <a:solidFill>
-                  <a:srgbClr val="00B050"/>
-                </a:solidFill>
-              </a:rPr>
-              <a:t>the lack of coincidence </a:t>
-            </a:r>
-            <a:r>
-              <a:rPr lang="en-US" sz="1100" dirty="0" smtClean="0"/>
-              <a:t>between information that the same data have for a user in a given situation</a:t>
-            </a:r>
-          </a:p>
-          <a:p>
-            <a:pPr algn="just">
-              <a:lnSpc>
-                <a:spcPct val="170000"/>
-              </a:lnSpc>
-            </a:pPr>
-            <a:r>
-              <a:rPr lang="en-US" sz="1100" dirty="0">
-                <a:solidFill>
-                  <a:srgbClr val="0070C0"/>
-                </a:solidFill>
-              </a:rPr>
-              <a:t>Updating meta-data</a:t>
-            </a:r>
-            <a:r>
-              <a:rPr lang="en-US" sz="1100" dirty="0"/>
-              <a:t> based on the collected information from each node ( user</a:t>
-            </a:r>
-            <a:r>
-              <a:rPr lang="en-US" sz="1100" dirty="0" smtClean="0"/>
-              <a:t>)</a:t>
-            </a:r>
-          </a:p>
-          <a:p>
-            <a:pPr algn="just">
-              <a:lnSpc>
-                <a:spcPct val="170000"/>
-              </a:lnSpc>
-            </a:pPr>
-            <a:r>
-              <a:rPr lang="en-US" sz="1100" dirty="0" smtClean="0"/>
-              <a:t>How to recognize the object with its’ </a:t>
-            </a:r>
-            <a:r>
-              <a:rPr lang="en-US" sz="1100" b="1" dirty="0" smtClean="0"/>
-              <a:t>rotation-invariant</a:t>
-            </a:r>
-          </a:p>
-          <a:p>
-            <a:pPr algn="just">
-              <a:lnSpc>
-                <a:spcPct val="170000"/>
-              </a:lnSpc>
-            </a:pPr>
-            <a:r>
-              <a:rPr lang="en-US" sz="1100" dirty="0"/>
-              <a:t>How to recognize the object with </a:t>
-            </a:r>
-            <a:r>
-              <a:rPr lang="en-US" sz="1100" dirty="0">
-                <a:solidFill>
-                  <a:srgbClr val="FF0000"/>
-                </a:solidFill>
-              </a:rPr>
-              <a:t>any angle direction </a:t>
-            </a:r>
-            <a:r>
-              <a:rPr lang="en-US" sz="1100" dirty="0" smtClean="0"/>
-              <a:t>of user’s view?</a:t>
-            </a:r>
-          </a:p>
-          <a:p>
-            <a:pPr algn="just">
-              <a:lnSpc>
-                <a:spcPct val="170000"/>
-              </a:lnSpc>
-            </a:pPr>
-            <a:r>
-              <a:rPr lang="en-US" sz="1100" dirty="0"/>
-              <a:t>How to recognize an object in spite of the</a:t>
-            </a:r>
-            <a:r>
-              <a:rPr lang="en-US" sz="1100" dirty="0">
-                <a:solidFill>
-                  <a:srgbClr val="002060"/>
-                </a:solidFill>
-              </a:rPr>
-              <a:t> partially obscured one</a:t>
-            </a:r>
-            <a:r>
-              <a:rPr lang="en-US" sz="1100" dirty="0" smtClean="0">
-                <a:solidFill>
-                  <a:srgbClr val="002060"/>
-                </a:solidFill>
-              </a:rPr>
-              <a:t>?</a:t>
-            </a:r>
-          </a:p>
-          <a:p>
-            <a:pPr algn="just">
-              <a:lnSpc>
-                <a:spcPct val="170000"/>
-              </a:lnSpc>
-            </a:pPr>
-            <a:endParaRPr lang="en-US" sz="1100" dirty="0" smtClean="0">
-              <a:solidFill>
-                <a:srgbClr val="002060"/>
-              </a:solidFill>
-            </a:endParaRPr>
-          </a:p>
-          <a:p>
-            <a:pPr algn="just">
-              <a:lnSpc>
-                <a:spcPct val="170000"/>
-              </a:lnSpc>
-            </a:pPr>
-            <a:endParaRPr lang="en-US" sz="1100" dirty="0">
-              <a:solidFill>
-                <a:srgbClr val="002060"/>
-              </a:solidFill>
-            </a:endParaRPr>
+              <a:rPr lang="en-US" dirty="0"/>
+              <a:t>3D Pose estimation [16]</a:t>
+            </a:r>
+          </a:p>
+          <a:p>
+            <a:endParaRPr lang="en-US" dirty="0"/>
           </a:p>
         </p:txBody>
       </p:sp>
     </p:spTree>
     <p:extLst>
       <p:ext uri="{BB962C8B-B14F-4D97-AF65-F5344CB8AC3E}">
-        <p14:creationId xmlns:p14="http://schemas.microsoft.com/office/powerpoint/2010/main" val="3400201055"/>
+        <p14:creationId xmlns:p14="http://schemas.microsoft.com/office/powerpoint/2010/main" val="2429853333"/>
       </p:ext>
     </p:extLst>
   </p:cSld>
@@ -3540,517 +3455,370 @@
       </p:grpSpPr>
       <p:sp>
         <p:nvSpPr>
-          <p:cNvPr id="6" name="Rectangular Callout 5"/>
-          <p:cNvSpPr/>
-          <p:nvPr/>
+          <p:cNvPr id="2" name="Title 1"/>
+          <p:cNvSpPr>
+            <a:spLocks noGrp="1"/>
+          </p:cNvSpPr>
+          <p:nvPr>
+            <p:ph type="title"/>
+          </p:nvPr>
+        </p:nvSpPr>
+        <p:spPr/>
+        <p:txBody>
+          <a:bodyPr/>
+          <a:lstStyle/>
+          <a:p>
+            <a:r>
+              <a:rPr lang="en-US" dirty="0"/>
+              <a:t>Literature review</a:t>
+            </a:r>
+          </a:p>
+        </p:txBody>
+      </p:sp>
+      <p:sp>
+        <p:nvSpPr>
+          <p:cNvPr id="3" name="Content Placeholder 2"/>
+          <p:cNvSpPr>
+            <a:spLocks noGrp="1"/>
+          </p:cNvSpPr>
+          <p:nvPr>
+            <p:ph idx="1"/>
+          </p:nvPr>
         </p:nvSpPr>
         <p:spPr>
           <a:xfrm>
-            <a:off x="4130110" y="423945"/>
-            <a:ext cx="3540213" cy="1552832"/>
-          </a:xfrm>
-          <a:prstGeom prst="wedgeRectCallout">
-            <a:avLst>
-              <a:gd name="adj1" fmla="val 32004"/>
-              <a:gd name="adj2" fmla="val 48771"/>
-            </a:avLst>
-          </a:prstGeom>
-        </p:spPr>
-        <p:style>
-          <a:lnRef idx="2">
-            <a:schemeClr val="dk1"/>
-          </a:lnRef>
-          <a:fillRef idx="1">
-            <a:schemeClr val="lt1"/>
-          </a:fillRef>
-          <a:effectRef idx="0">
-            <a:schemeClr val="dk1"/>
-          </a:effectRef>
-          <a:fontRef idx="minor">
-            <a:schemeClr val="dk1"/>
-          </a:fontRef>
-        </p:style>
-        <p:txBody>
-          <a:bodyPr rtlCol="0" anchor="ctr"/>
-          <a:lstStyle/>
-          <a:p>
-            <a:r>
-              <a:rPr lang="en-US" sz="1600" dirty="0" smtClean="0"/>
-              <a:t>Original feature information:</a:t>
-            </a:r>
-          </a:p>
-          <a:p>
-            <a:r>
-              <a:rPr lang="en-US" sz="1600" dirty="0" smtClean="0"/>
-              <a:t>+ Color</a:t>
-            </a:r>
-          </a:p>
-          <a:p>
-            <a:r>
-              <a:rPr lang="en-US" sz="1600" dirty="0" smtClean="0"/>
-              <a:t>+ Texture</a:t>
-            </a:r>
-          </a:p>
-          <a:p>
-            <a:r>
-              <a:rPr lang="en-US" sz="1600" dirty="0" smtClean="0"/>
-              <a:t>+ Shape</a:t>
-            </a:r>
-          </a:p>
-          <a:p>
-            <a:r>
-              <a:rPr lang="en-US" sz="1600" dirty="0" smtClean="0"/>
-              <a:t>+ Spatial Location</a:t>
-            </a:r>
-          </a:p>
-          <a:p>
-            <a:r>
-              <a:rPr lang="en-US" sz="1600" dirty="0" smtClean="0"/>
-              <a:t>+ Local image</a:t>
-            </a:r>
-          </a:p>
-        </p:txBody>
-      </p:sp>
-      <p:sp>
-        <p:nvSpPr>
-          <p:cNvPr id="5" name="Rectangular Callout 4"/>
-          <p:cNvSpPr/>
-          <p:nvPr/>
-        </p:nvSpPr>
-        <p:spPr>
-          <a:xfrm>
-            <a:off x="4130110" y="2100348"/>
-            <a:ext cx="3540214" cy="962112"/>
-          </a:xfrm>
-          <a:prstGeom prst="wedgeRectCallout">
-            <a:avLst>
-              <a:gd name="adj1" fmla="val 21426"/>
-              <a:gd name="adj2" fmla="val -49833"/>
-            </a:avLst>
-          </a:prstGeom>
-        </p:spPr>
-        <p:style>
-          <a:lnRef idx="2">
-            <a:schemeClr val="dk1"/>
-          </a:lnRef>
-          <a:fillRef idx="1">
-            <a:schemeClr val="lt1"/>
-          </a:fillRef>
-          <a:effectRef idx="0">
-            <a:schemeClr val="dk1"/>
-          </a:effectRef>
-          <a:fontRef idx="minor">
-            <a:schemeClr val="dk1"/>
-          </a:fontRef>
-        </p:style>
-        <p:txBody>
-          <a:bodyPr rtlCol="0" anchor="ctr"/>
-          <a:lstStyle/>
-          <a:p>
-            <a:r>
-              <a:rPr lang="en-US" sz="1600" b="1" dirty="0" smtClean="0">
-                <a:solidFill>
-                  <a:schemeClr val="accent6"/>
-                </a:solidFill>
+            <a:off x="3095897" y="1841862"/>
+            <a:ext cx="8623663" cy="4825638"/>
+          </a:xfrm>
+        </p:spPr>
+        <p:txBody>
+          <a:bodyPr>
+            <a:noAutofit/>
+          </a:bodyPr>
+          <a:lstStyle/>
+          <a:p>
+            <a:r>
+              <a:rPr lang="en-US" sz="1100" dirty="0"/>
+              <a:t>[1] Naresh </a:t>
+            </a:r>
+            <a:r>
+              <a:rPr lang="en-US" sz="1100" dirty="0" err="1"/>
+              <a:t>Babu</a:t>
+            </a:r>
+            <a:r>
+              <a:rPr lang="en-US" sz="1100" dirty="0"/>
+              <a:t>, </a:t>
+            </a:r>
+            <a:r>
+              <a:rPr lang="en-US" sz="1100" dirty="0" err="1"/>
+              <a:t>Pothlaiah</a:t>
+            </a:r>
+            <a:r>
+              <a:rPr lang="en-US" sz="1100" dirty="0"/>
+              <a:t>, and Ashok </a:t>
+            </a:r>
+            <a:r>
+              <a:rPr lang="en-US" sz="1100" dirty="0" err="1"/>
+              <a:t>Babu</a:t>
+            </a:r>
+            <a:r>
+              <a:rPr lang="en-US" sz="1100" dirty="0"/>
+              <a:t>, </a:t>
+            </a:r>
+            <a:r>
+              <a:rPr lang="en-US" sz="1100" i="1" dirty="0"/>
+              <a:t>“Image </a:t>
+            </a:r>
+            <a:r>
+              <a:rPr lang="en-US" sz="1100" i="1" dirty="0" err="1"/>
+              <a:t>Retieval</a:t>
+            </a:r>
+            <a:r>
+              <a:rPr lang="en-US" sz="1100" i="1" dirty="0"/>
+              <a:t> Color, Shape, and Texture Features using Content Based”,</a:t>
+            </a:r>
+            <a:r>
+              <a:rPr lang="en-US" sz="1100" dirty="0"/>
+              <a:t> International Journal of Engineering Science and Technology, Vol. 2, No. 9, pp. 4278-4287, 2010</a:t>
+            </a:r>
+          </a:p>
+          <a:p>
+            <a:r>
+              <a:rPr lang="en-US" sz="1100" dirty="0" smtClean="0"/>
+              <a:t>[2] K. Lai, L. Bo, X. Ren, and D. Fox, “A </a:t>
+            </a:r>
+            <a:r>
+              <a:rPr lang="en-US" sz="1100" dirty="0" err="1" smtClean="0"/>
+              <a:t>lage</a:t>
+            </a:r>
+            <a:r>
+              <a:rPr lang="en-US" sz="1100" dirty="0" smtClean="0"/>
+              <a:t>-scale hierarchical </a:t>
+            </a:r>
+            <a:r>
+              <a:rPr lang="en-US" sz="1100" dirty="0" err="1" smtClean="0"/>
+              <a:t>mulit</a:t>
+            </a:r>
+            <a:r>
+              <a:rPr lang="en-US" sz="1100" dirty="0" smtClean="0"/>
+              <a:t>-view RBG-D object dataset”, in </a:t>
+            </a:r>
+            <a:r>
+              <a:rPr lang="en-US" sz="1100" i="1" dirty="0" smtClean="0"/>
+              <a:t>Proc, IEEE Int. Conf. Robot. </a:t>
+            </a:r>
+            <a:r>
+              <a:rPr lang="en-US" sz="1100" i="1" dirty="0" err="1" smtClean="0"/>
+              <a:t>Autom</a:t>
+            </a:r>
+            <a:r>
+              <a:rPr lang="en-US" sz="1100" i="1" dirty="0" smtClean="0"/>
+              <a:t>. (ICRA), </a:t>
+            </a:r>
+            <a:r>
+              <a:rPr lang="en-US" sz="1100" dirty="0" smtClean="0"/>
+              <a:t> May 2011, pp. 1817-1824</a:t>
+            </a:r>
+          </a:p>
+          <a:p>
+            <a:r>
+              <a:rPr lang="en-US" sz="1100" dirty="0" smtClean="0"/>
+              <a:t>[3] L. Bo X. Ren, and D. Fox, “Unsupervised feature learning for RBG-D based object recognition”,</a:t>
+            </a:r>
+            <a:r>
+              <a:rPr lang="en-US" sz="1100" dirty="0"/>
+              <a:t> </a:t>
+            </a:r>
+            <a:r>
+              <a:rPr lang="en-US" sz="1100" dirty="0" smtClean="0"/>
+              <a:t>in </a:t>
+            </a:r>
+            <a:r>
+              <a:rPr lang="en-US" sz="1100" i="1" dirty="0" smtClean="0"/>
+              <a:t>Experimental Robotics,</a:t>
+            </a:r>
+            <a:r>
+              <a:rPr lang="en-US" sz="1100" dirty="0" smtClean="0"/>
+              <a:t> Springer, 2013, pp. 387-402</a:t>
+            </a:r>
+          </a:p>
+          <a:p>
+            <a:r>
+              <a:rPr lang="en-US" sz="1100" dirty="0" smtClean="0"/>
+              <a:t>[4] R. </a:t>
+            </a:r>
+            <a:r>
+              <a:rPr lang="en-US" sz="1100" dirty="0" err="1" smtClean="0"/>
+              <a:t>Socher</a:t>
+            </a:r>
+            <a:r>
+              <a:rPr lang="en-US" sz="1100" dirty="0" smtClean="0"/>
+              <a:t>, B. Huval, B. Bath, C. D. Manning, and A. Y. Ng, “Convolutional-recursive deep learning for 3D object classification”, in </a:t>
+            </a:r>
+            <a:r>
+              <a:rPr lang="en-US" sz="1100" i="1" dirty="0" smtClean="0"/>
+              <a:t> Proc, Adv. Neural Inf. Process. Syst., </a:t>
+            </a:r>
+            <a:r>
+              <a:rPr lang="en-US" sz="1100" dirty="0" smtClean="0"/>
+              <a:t> 2012, pp. 665-673</a:t>
+            </a:r>
+          </a:p>
+          <a:p>
+            <a:r>
+              <a:rPr lang="en-US" sz="1100" dirty="0" smtClean="0"/>
+              <a:t>[5] Y. Cheng, X. </a:t>
+            </a:r>
+            <a:r>
+              <a:rPr lang="en-US" sz="1100" dirty="0" err="1" smtClean="0"/>
+              <a:t>Xhao</a:t>
+            </a:r>
+            <a:r>
+              <a:rPr lang="en-US" sz="1100" dirty="0" smtClean="0"/>
+              <a:t>, K. Huang, and T. Tan, “Semi-supervised learning and feature evaluation for RGB-D object recognition”,</a:t>
+            </a:r>
+            <a:r>
+              <a:rPr lang="en-US" sz="1100" i="1" dirty="0" smtClean="0"/>
+              <a:t> </a:t>
+            </a:r>
+            <a:r>
+              <a:rPr lang="en-US" sz="1100" i="1" dirty="0" err="1" smtClean="0"/>
+              <a:t>Comput</a:t>
+            </a:r>
+            <a:r>
+              <a:rPr lang="en-US" sz="1100" i="1" dirty="0" smtClean="0"/>
+              <a:t>. Vis. Image Understand, </a:t>
+            </a:r>
+            <a:r>
+              <a:rPr lang="en-US" sz="1100" dirty="0" smtClean="0"/>
+              <a:t>vol. 139, pp. 149-160, Oct, 2015</a:t>
+            </a:r>
+          </a:p>
+          <a:p>
+            <a:r>
+              <a:rPr lang="en-US" sz="1100" dirty="0" smtClean="0"/>
+              <a:t>[6] </a:t>
+            </a:r>
+            <a:r>
+              <a:rPr lang="en-US" sz="1100" dirty="0" err="1" smtClean="0"/>
+              <a:t>J.Donahue</a:t>
+            </a:r>
+            <a:r>
+              <a:rPr lang="en-US" sz="1100" dirty="0" smtClean="0"/>
+              <a:t> </a:t>
+            </a:r>
+            <a:r>
+              <a:rPr lang="en-US" sz="1100" i="1" dirty="0" smtClean="0"/>
+              <a:t>et al. </a:t>
+            </a:r>
+            <a:r>
+              <a:rPr lang="en-US" sz="1100" dirty="0" smtClean="0"/>
+              <a:t>(2013). </a:t>
+            </a:r>
+            <a:r>
+              <a:rPr lang="en-US" sz="1100" dirty="0" err="1" smtClean="0"/>
+              <a:t>DeCAF</a:t>
+            </a:r>
+            <a:r>
+              <a:rPr lang="en-US" sz="1100" dirty="0" smtClean="0"/>
+              <a:t>: A deep convolutional activation feature for generic visual recognition”, [Online]</a:t>
+            </a:r>
+          </a:p>
+          <a:p>
+            <a:r>
+              <a:rPr lang="en-US" sz="1100" dirty="0" smtClean="0"/>
+              <a:t>[7] M. D. </a:t>
+            </a:r>
+            <a:r>
+              <a:rPr lang="en-US" sz="1100" dirty="0" err="1" smtClean="0"/>
+              <a:t>Zeiler</a:t>
+            </a:r>
+            <a:r>
+              <a:rPr lang="en-US" sz="1100" dirty="0" smtClean="0"/>
+              <a:t> and R. Fergus, “Visualizing and understanding convolutional networks”, in </a:t>
+            </a:r>
+            <a:r>
+              <a:rPr lang="en-US" sz="1100" i="1" dirty="0" smtClean="0"/>
+              <a:t>Computer Vision – ECCV. </a:t>
+            </a:r>
+            <a:r>
+              <a:rPr lang="en-US" sz="1100" dirty="0" smtClean="0"/>
+              <a:t>Springer, 2014, pp. 818-833</a:t>
+            </a:r>
+          </a:p>
+          <a:p>
+            <a:r>
+              <a:rPr lang="en-US" sz="1100" dirty="0" smtClean="0"/>
+              <a:t>[8] A. </a:t>
+            </a:r>
+            <a:r>
+              <a:rPr lang="en-US" sz="1100" dirty="0" err="1" smtClean="0"/>
+              <a:t>Shitole</a:t>
+            </a:r>
+            <a:r>
+              <a:rPr lang="en-US" sz="1100" dirty="0" smtClean="0"/>
+              <a:t> and U. </a:t>
+            </a:r>
+            <a:r>
+              <a:rPr lang="en-US" sz="1100" dirty="0" err="1" smtClean="0"/>
+              <a:t>Godase</a:t>
+            </a:r>
+            <a:r>
+              <a:rPr lang="en-US" sz="1100" dirty="0" smtClean="0"/>
+              <a:t>, “Survey on Content Based Images Retrieval”, in International Journal of Computer-Aided Technologies (</a:t>
+            </a:r>
+            <a:r>
+              <a:rPr lang="en-US" sz="1100" dirty="0" err="1" smtClean="0"/>
+              <a:t>IJCAx</a:t>
+            </a:r>
+            <a:r>
+              <a:rPr lang="en-US" sz="1100" dirty="0" smtClean="0"/>
+              <a:t>) Vol.1, No.1, 2014, pp. 21-29</a:t>
+            </a:r>
+          </a:p>
+          <a:p>
+            <a:r>
+              <a:rPr lang="en-US" sz="1100" dirty="0" smtClean="0"/>
+              <a:t>[9] S. </a:t>
+            </a:r>
+            <a:r>
+              <a:rPr lang="en-US" sz="1100" dirty="0" err="1" smtClean="0"/>
+              <a:t>Tunga</a:t>
+            </a:r>
+            <a:r>
+              <a:rPr lang="en-US" sz="1100" dirty="0" smtClean="0"/>
+              <a:t>, D. </a:t>
+            </a:r>
+            <a:r>
+              <a:rPr lang="en-US" sz="1100" dirty="0" err="1" smtClean="0"/>
+              <a:t>Jayadevappa</a:t>
+            </a:r>
+            <a:r>
+              <a:rPr lang="en-US" sz="1100" dirty="0" smtClean="0"/>
+              <a:t>, and C. </a:t>
+            </a:r>
+            <a:r>
+              <a:rPr lang="en-US" sz="1100" dirty="0" err="1" smtClean="0"/>
+              <a:t>Gururaj</a:t>
+            </a:r>
+            <a:r>
+              <a:rPr lang="en-US" sz="1100" dirty="0" smtClean="0"/>
+              <a:t>, “A Comparative Study of Content Based Image Retrieval Trends and Approaches”, in International Journal of Image Processing (IJIP), Vol. 9: Issue 3, 2015, pp. 127–155.</a:t>
+            </a:r>
+          </a:p>
+          <a:p>
+            <a:r>
+              <a:rPr lang="en-US" sz="1100" dirty="0" smtClean="0"/>
+              <a:t>[10] D. Pandey and S. </a:t>
+            </a:r>
+            <a:r>
+              <a:rPr lang="en-US" sz="1100" dirty="0" err="1" smtClean="0"/>
+              <a:t>Kushwah</a:t>
+            </a:r>
+            <a:r>
+              <a:rPr lang="en-US" sz="1100" dirty="0" smtClean="0"/>
+              <a:t>, “ A Review on CBIR with its Advantages and Disadvantages for Low-level Features”, in International Journal of Computer Sciences and Engineering, Vol : Issue 7, 2016, pp. 161- 167</a:t>
+            </a:r>
+          </a:p>
+          <a:p>
+            <a:r>
+              <a:rPr lang="en-US" sz="1100" dirty="0" smtClean="0"/>
+              <a:t>[11] T. </a:t>
+            </a:r>
+            <a:r>
+              <a:rPr lang="en-US" sz="1100" dirty="0" err="1" smtClean="0"/>
+              <a:t>Balakrishan</a:t>
+            </a:r>
+            <a:r>
+              <a:rPr lang="en-US" sz="1100" dirty="0" smtClean="0"/>
+              <a:t>, S. </a:t>
+            </a:r>
+            <a:r>
+              <a:rPr lang="en-US" sz="1100" dirty="0" err="1" smtClean="0"/>
+              <a:t>Rosston</a:t>
+            </a:r>
+            <a:r>
+              <a:rPr lang="en-US" sz="1100" dirty="0" smtClean="0"/>
+              <a:t>, and E. </a:t>
+            </a:r>
+            <a:r>
+              <a:rPr lang="en-US" sz="1100" dirty="0"/>
+              <a:t>Tang, “Using CNN to Classify and Understand Artists from the Rijksmuseum”, </a:t>
+            </a:r>
+            <a:r>
+              <a:rPr lang="en-US" sz="1100" dirty="0">
+                <a:hlinkClick r:id="rId2"/>
               </a:rPr>
-              <a:t>Proposed improved performance:</a:t>
-            </a:r>
-          </a:p>
-          <a:p>
-            <a:r>
-              <a:rPr lang="en-US" sz="1600" dirty="0" smtClean="0">
-                <a:solidFill>
-                  <a:schemeClr val="accent6"/>
-                </a:solidFill>
-              </a:rPr>
-              <a:t>+ Geolocation</a:t>
-            </a:r>
-          </a:p>
-          <a:p>
-            <a:r>
-              <a:rPr lang="en-US" sz="1600" dirty="0" smtClean="0">
-                <a:solidFill>
-                  <a:schemeClr val="accent6"/>
-                </a:solidFill>
-              </a:rPr>
-              <a:t>+ Hashtag information</a:t>
-            </a:r>
-          </a:p>
-        </p:txBody>
-      </p:sp>
-      <p:sp>
-        <p:nvSpPr>
-          <p:cNvPr id="7" name="Rectangular Callout 6"/>
-          <p:cNvSpPr/>
-          <p:nvPr/>
-        </p:nvSpPr>
-        <p:spPr>
-          <a:xfrm>
-            <a:off x="4130110" y="3186031"/>
-            <a:ext cx="3540213" cy="1205129"/>
-          </a:xfrm>
-          <a:prstGeom prst="wedgeRectCallout">
-            <a:avLst>
-              <a:gd name="adj1" fmla="val -8721"/>
-              <a:gd name="adj2" fmla="val 48991"/>
-            </a:avLst>
-          </a:prstGeom>
-        </p:spPr>
-        <p:style>
-          <a:lnRef idx="2">
-            <a:schemeClr val="accent1"/>
-          </a:lnRef>
-          <a:fillRef idx="1">
-            <a:schemeClr val="lt1"/>
-          </a:fillRef>
-          <a:effectRef idx="0">
-            <a:schemeClr val="accent1"/>
-          </a:effectRef>
-          <a:fontRef idx="minor">
-            <a:schemeClr val="dk1"/>
-          </a:fontRef>
-        </p:style>
-        <p:txBody>
-          <a:bodyPr rtlCol="0" anchor="ctr"/>
-          <a:lstStyle/>
-          <a:p>
-            <a:r>
-              <a:rPr lang="en-US" sz="1600" b="1" dirty="0" smtClean="0">
-                <a:solidFill>
-                  <a:schemeClr val="accent5"/>
-                </a:solidFill>
-              </a:rPr>
-              <a:t>Proposed </a:t>
-            </a:r>
-            <a:r>
-              <a:rPr lang="en-US" sz="1600" b="1" dirty="0">
-                <a:solidFill>
-                  <a:schemeClr val="accent5"/>
-                </a:solidFill>
-              </a:rPr>
-              <a:t>a</a:t>
-            </a:r>
-            <a:r>
-              <a:rPr lang="en-US" sz="1600" b="1" dirty="0" smtClean="0">
-                <a:solidFill>
-                  <a:schemeClr val="accent5"/>
-                </a:solidFill>
-              </a:rPr>
-              <a:t>dvantage features:</a:t>
-            </a:r>
-          </a:p>
-          <a:p>
-            <a:r>
-              <a:rPr lang="en-US" sz="1600" dirty="0" smtClean="0">
-                <a:solidFill>
-                  <a:schemeClr val="accent5"/>
-                </a:solidFill>
-              </a:rPr>
-              <a:t>+ Private features</a:t>
-            </a:r>
-          </a:p>
-          <a:p>
-            <a:r>
-              <a:rPr lang="en-US" sz="1600" dirty="0" smtClean="0">
-                <a:solidFill>
-                  <a:schemeClr val="accent5"/>
-                </a:solidFill>
-              </a:rPr>
-              <a:t>+ Style features</a:t>
-            </a:r>
-          </a:p>
-          <a:p>
-            <a:r>
-              <a:rPr lang="en-US" sz="1600" dirty="0" smtClean="0">
-                <a:solidFill>
-                  <a:schemeClr val="accent5"/>
-                </a:solidFill>
-              </a:rPr>
-              <a:t>+ Guessing features</a:t>
-            </a:r>
-          </a:p>
-        </p:txBody>
-      </p:sp>
-      <p:pic>
-        <p:nvPicPr>
-          <p:cNvPr id="9" name="Picture 8" descr="Image result"/>
-          <p:cNvPicPr>
-            <a:picLocks noChangeAspect="1" noChangeArrowheads="1"/>
-          </p:cNvPicPr>
-          <p:nvPr/>
-        </p:nvPicPr>
-        <p:blipFill>
-          <a:blip r:embed="rId2" cstate="print">
-            <a:extLst>
-              <a:ext uri="{28A0092B-C50C-407E-A947-70E740481C1C}">
-                <a14:useLocalDpi xmlns:a14="http://schemas.microsoft.com/office/drawing/2010/main" val="0"/>
-              </a:ext>
-            </a:extLst>
-          </a:blip>
-          <a:srcRect/>
-          <a:stretch>
-            <a:fillRect/>
-          </a:stretch>
-        </p:blipFill>
-        <p:spPr bwMode="auto">
-          <a:xfrm>
-            <a:off x="8040693" y="1263735"/>
-            <a:ext cx="2806359" cy="4181475"/>
-          </a:xfrm>
-          <a:prstGeom prst="rect">
-            <a:avLst/>
-          </a:prstGeom>
-          <a:noFill/>
-          <a:extLst>
-            <a:ext uri="{909E8E84-426E-40DD-AFC4-6F175D3DCCD1}">
-              <a14:hiddenFill xmlns:a14="http://schemas.microsoft.com/office/drawing/2010/main">
-                <a:solidFill>
-                  <a:srgbClr val="FFFFFF"/>
-                </a:solidFill>
-              </a14:hiddenFill>
-            </a:ext>
-          </a:extLst>
-        </p:spPr>
-      </p:pic>
-      <p:sp>
-        <p:nvSpPr>
-          <p:cNvPr id="10" name="Rectangle 9"/>
-          <p:cNvSpPr/>
-          <p:nvPr/>
-        </p:nvSpPr>
-        <p:spPr>
-          <a:xfrm>
-            <a:off x="7949023" y="5594183"/>
-            <a:ext cx="2813591" cy="261610"/>
-          </a:xfrm>
-          <a:prstGeom prst="rect">
-            <a:avLst/>
-          </a:prstGeom>
-        </p:spPr>
-        <p:txBody>
-          <a:bodyPr wrap="none">
-            <a:spAutoFit/>
-          </a:bodyPr>
-          <a:lstStyle/>
-          <a:p>
-            <a:r>
-              <a:rPr lang="en-US" sz="1100" dirty="0"/>
-              <a:t>https://en.wikipedia.org/wiki/Mona_Lisa</a:t>
-            </a:r>
-          </a:p>
-        </p:txBody>
-      </p:sp>
-      <p:sp>
-        <p:nvSpPr>
-          <p:cNvPr id="13" name="Rectangular Callout 12"/>
-          <p:cNvSpPr/>
-          <p:nvPr/>
-        </p:nvSpPr>
-        <p:spPr>
-          <a:xfrm>
-            <a:off x="4130110" y="4514731"/>
-            <a:ext cx="3540213" cy="1651245"/>
-          </a:xfrm>
-          <a:prstGeom prst="wedgeRectCallout">
-            <a:avLst>
-              <a:gd name="adj1" fmla="val -8721"/>
-              <a:gd name="adj2" fmla="val 48991"/>
-            </a:avLst>
-          </a:prstGeom>
-          <a:ln>
-            <a:solidFill>
-              <a:srgbClr val="FF0000"/>
-            </a:solidFill>
-          </a:ln>
-        </p:spPr>
-        <p:style>
-          <a:lnRef idx="2">
-            <a:schemeClr val="accent1"/>
-          </a:lnRef>
-          <a:fillRef idx="1">
-            <a:schemeClr val="lt1"/>
-          </a:fillRef>
-          <a:effectRef idx="0">
-            <a:schemeClr val="accent1"/>
-          </a:effectRef>
-          <a:fontRef idx="minor">
-            <a:schemeClr val="dk1"/>
-          </a:fontRef>
-        </p:style>
-        <p:txBody>
-          <a:bodyPr rtlCol="0" anchor="ctr"/>
-          <a:lstStyle/>
-          <a:p>
-            <a:r>
-              <a:rPr lang="en-US" sz="1600" b="1" dirty="0" smtClean="0">
-                <a:solidFill>
-                  <a:srgbClr val="7030A0"/>
-                </a:solidFill>
-              </a:rPr>
-              <a:t>Proposed visualized features:</a:t>
-            </a:r>
-          </a:p>
-          <a:p>
-            <a:r>
-              <a:rPr lang="en-US" sz="1600" dirty="0" smtClean="0">
-                <a:solidFill>
-                  <a:srgbClr val="7030A0"/>
-                </a:solidFill>
-              </a:rPr>
-              <a:t>+ Virtual reality generation</a:t>
-            </a:r>
-          </a:p>
-          <a:p>
-            <a:r>
-              <a:rPr lang="en-US" sz="1600" dirty="0" smtClean="0">
-                <a:solidFill>
-                  <a:srgbClr val="7030A0"/>
-                </a:solidFill>
-              </a:rPr>
-              <a:t>+ Holographic generation</a:t>
-            </a:r>
-          </a:p>
-          <a:p>
-            <a:r>
-              <a:rPr lang="en-US" sz="1600" dirty="0" smtClean="0">
-                <a:solidFill>
-                  <a:srgbClr val="7030A0"/>
-                </a:solidFill>
-              </a:rPr>
-              <a:t>+ Augmented reality generation (virtual restoration, edit, modify)</a:t>
-            </a:r>
-            <a:endParaRPr lang="en-US" sz="1600" dirty="0">
-              <a:solidFill>
-                <a:srgbClr val="7030A0"/>
-              </a:solidFill>
-            </a:endParaRPr>
-          </a:p>
-        </p:txBody>
-      </p:sp>
-      <p:sp>
-        <p:nvSpPr>
-          <p:cNvPr id="2" name="Right Arrow 1"/>
-          <p:cNvSpPr/>
-          <p:nvPr/>
-        </p:nvSpPr>
-        <p:spPr>
-          <a:xfrm>
-            <a:off x="3440317" y="2507810"/>
-            <a:ext cx="470780" cy="262550"/>
-          </a:xfrm>
-          <a:prstGeom prst="rightArrow">
-            <a:avLst/>
-          </a:prstGeom>
-        </p:spPr>
-        <p:style>
-          <a:lnRef idx="2">
-            <a:schemeClr val="accent6">
-              <a:shade val="50000"/>
-            </a:schemeClr>
-          </a:lnRef>
-          <a:fillRef idx="1">
-            <a:schemeClr val="accent6"/>
-          </a:fillRef>
-          <a:effectRef idx="0">
-            <a:schemeClr val="accent6"/>
-          </a:effectRef>
-          <a:fontRef idx="minor">
-            <a:schemeClr val="lt1"/>
-          </a:fontRef>
-        </p:style>
-        <p:txBody>
-          <a:bodyPr rtlCol="0" anchor="ctr"/>
-          <a:lstStyle/>
-          <a:p>
-            <a:pPr algn="ctr"/>
-            <a:endParaRPr lang="en-US"/>
-          </a:p>
-        </p:txBody>
-      </p:sp>
-      <p:sp>
-        <p:nvSpPr>
-          <p:cNvPr id="11" name="Right Arrow 10"/>
-          <p:cNvSpPr/>
-          <p:nvPr/>
-        </p:nvSpPr>
-        <p:spPr>
-          <a:xfrm>
-            <a:off x="3440317" y="3657320"/>
-            <a:ext cx="470780" cy="262550"/>
-          </a:xfrm>
-          <a:prstGeom prst="rightArrow">
-            <a:avLst/>
-          </a:prstGeom>
-        </p:spPr>
-        <p:style>
-          <a:lnRef idx="2">
-            <a:schemeClr val="accent1">
-              <a:shade val="50000"/>
-            </a:schemeClr>
-          </a:lnRef>
-          <a:fillRef idx="1">
-            <a:schemeClr val="accent1"/>
-          </a:fillRef>
-          <a:effectRef idx="0">
-            <a:schemeClr val="accent1"/>
-          </a:effectRef>
-          <a:fontRef idx="minor">
-            <a:schemeClr val="lt1"/>
-          </a:fontRef>
-        </p:style>
-        <p:txBody>
-          <a:bodyPr rtlCol="0" anchor="ctr"/>
-          <a:lstStyle/>
-          <a:p>
-            <a:pPr algn="ctr"/>
-            <a:endParaRPr lang="en-US"/>
-          </a:p>
-        </p:txBody>
-      </p:sp>
-      <p:sp>
-        <p:nvSpPr>
-          <p:cNvPr id="12" name="Right Arrow 11"/>
-          <p:cNvSpPr/>
-          <p:nvPr/>
-        </p:nvSpPr>
-        <p:spPr>
-          <a:xfrm>
-            <a:off x="3440317" y="5182660"/>
-            <a:ext cx="470780" cy="262550"/>
-          </a:xfrm>
-          <a:prstGeom prst="rightArrow">
-            <a:avLst/>
-          </a:prstGeom>
-        </p:spPr>
-        <p:style>
-          <a:lnRef idx="2">
-            <a:schemeClr val="accent5">
-              <a:shade val="50000"/>
-            </a:schemeClr>
-          </a:lnRef>
-          <a:fillRef idx="1">
-            <a:schemeClr val="accent5"/>
-          </a:fillRef>
-          <a:effectRef idx="0">
-            <a:schemeClr val="accent5"/>
-          </a:effectRef>
-          <a:fontRef idx="minor">
-            <a:schemeClr val="lt1"/>
-          </a:fontRef>
-        </p:style>
-        <p:txBody>
-          <a:bodyPr rtlCol="0" anchor="ctr"/>
-          <a:lstStyle/>
-          <a:p>
-            <a:pPr algn="ctr"/>
-            <a:endParaRPr lang="en-US"/>
+              <a:t>http://cs231n.stanford.edu/reports/2017/pdfs/410.pdf</a:t>
+            </a:r>
+            <a:endParaRPr lang="en-US" sz="1100" dirty="0" smtClean="0"/>
           </a:p>
         </p:txBody>
       </p:sp>
     </p:spTree>
     <p:extLst>
       <p:ext uri="{BB962C8B-B14F-4D97-AF65-F5344CB8AC3E}">
-        <p14:creationId xmlns:p14="http://schemas.microsoft.com/office/powerpoint/2010/main" val="991377956"/>
+        <p14:creationId xmlns:p14="http://schemas.microsoft.com/office/powerpoint/2010/main" val="930307447"/>
       </p:ext>
     </p:extLst>
   </p:cSld>
@@ -4093,16 +3861,15 @@
           <a:lstStyle/>
           <a:p>
             <a:r>
-              <a:rPr lang="en-US" dirty="0" smtClean="0"/>
-              <a:t>Contributions</a:t>
-            </a:r>
-            <a:endParaRPr lang="en-US" dirty="0"/>
-          </a:p>
-        </p:txBody>
-      </p:sp>
-      <p:sp>
-        <p:nvSpPr>
-          <p:cNvPr id="3" name="Content Placeholder 2"/>
+              <a:rPr lang="en-US" dirty="0"/>
+              <a:t>Literature review</a:t>
+            </a:r>
+          </a:p>
+        </p:txBody>
+      </p:sp>
+      <p:sp>
+        <p:nvSpPr>
+          <p:cNvPr id="4" name="Content Placeholder 2"/>
           <p:cNvSpPr>
             <a:spLocks noGrp="1"/>
           </p:cNvSpPr>
@@ -4110,65 +3877,250 @@
             <p:ph idx="1"/>
           </p:nvPr>
         </p:nvSpPr>
-        <p:spPr/>
-        <p:txBody>
-          <a:bodyPr/>
-          <a:lstStyle/>
-          <a:p>
-            <a:r>
-              <a:rPr lang="en-US" dirty="0" smtClean="0"/>
-              <a:t>Performance:</a:t>
-            </a:r>
-          </a:p>
-          <a:p>
-            <a:pPr lvl="1">
-              <a:buFont typeface="Wingdings" panose="05000000000000000000" pitchFamily="2" charset="2"/>
-              <a:buChar char="ü"/>
-            </a:pPr>
-            <a:r>
-              <a:rPr lang="en-US" dirty="0" smtClean="0"/>
-              <a:t> Geo-information: geo-location and hashtag information</a:t>
-            </a:r>
-          </a:p>
-          <a:p>
-            <a:pPr marL="457200" lvl="1" indent="0">
-              <a:buNone/>
-            </a:pPr>
-            <a:r>
-              <a:rPr lang="en-US" dirty="0" smtClean="0"/>
+        <p:spPr>
+          <a:xfrm>
+            <a:off x="3095897" y="1841862"/>
+            <a:ext cx="8623663" cy="4825638"/>
+          </a:xfrm>
+        </p:spPr>
+        <p:txBody>
+          <a:bodyPr>
+            <a:noAutofit/>
+          </a:bodyPr>
+          <a:lstStyle/>
+          <a:p>
+            <a:r>
+              <a:rPr lang="en-US" sz="1100" dirty="0"/>
+              <a:t>[</a:t>
+            </a:r>
+            <a:r>
+              <a:rPr lang="en-US" sz="1100" dirty="0" smtClean="0"/>
+              <a:t>12] S. </a:t>
+            </a:r>
+            <a:r>
+              <a:rPr lang="en-US" sz="1100" dirty="0" err="1" smtClean="0"/>
+              <a:t>Karayev</a:t>
+            </a:r>
+            <a:r>
+              <a:rPr lang="en-US" sz="1100" dirty="0" smtClean="0"/>
+              <a:t>, M. </a:t>
+            </a:r>
+            <a:r>
+              <a:rPr lang="en-US" sz="1100" dirty="0" err="1" smtClean="0"/>
+              <a:t>Trentacoste</a:t>
+            </a:r>
+            <a:r>
+              <a:rPr lang="en-US" sz="1100" dirty="0" smtClean="0"/>
+              <a:t>, H. Han, A. </a:t>
+            </a:r>
+            <a:r>
+              <a:rPr lang="en-US" sz="1100" dirty="0" err="1" smtClean="0"/>
+              <a:t>Agarwala</a:t>
+            </a:r>
+            <a:r>
+              <a:rPr lang="en-US" sz="1100" dirty="0" smtClean="0"/>
+              <a:t>, T. Darrell, A. </a:t>
+            </a:r>
+            <a:r>
+              <a:rPr lang="en-US" sz="1100" dirty="0" err="1" smtClean="0"/>
+              <a:t>Hertzmann</a:t>
+            </a:r>
+            <a:r>
+              <a:rPr lang="en-US" sz="1100" dirty="0" smtClean="0"/>
+              <a:t>, H. </a:t>
+            </a:r>
+            <a:r>
+              <a:rPr lang="en-US" sz="1100" dirty="0" err="1" smtClean="0"/>
+              <a:t>Winnemoeller</a:t>
+            </a:r>
+            <a:r>
+              <a:rPr lang="en-US" sz="1100" dirty="0" smtClean="0"/>
+              <a:t> , “ Recognizing </a:t>
+            </a:r>
+            <a:r>
+              <a:rPr lang="en-US" sz="1100" dirty="0"/>
+              <a:t>Image style”, </a:t>
+            </a:r>
+            <a:r>
+              <a:rPr lang="en-US" sz="1100" dirty="0">
+                <a:hlinkClick r:id="rId2"/>
+              </a:rPr>
+              <a:t>https://</a:t>
+            </a:r>
+            <a:r>
+              <a:rPr lang="en-US" sz="1100" dirty="0" smtClean="0">
+                <a:hlinkClick r:id="rId2"/>
+              </a:rPr>
+              <a:t>sergeykarayev.com/files/1311.3715v3.pdf</a:t>
+            </a:r>
+            <a:endParaRPr lang="en-US" sz="1100" dirty="0" smtClean="0"/>
+          </a:p>
+          <a:p>
+            <a:r>
+              <a:rPr lang="en-US" sz="1100" dirty="0" smtClean="0"/>
+              <a:t>[13] X. Yu, J. Yang, L. Luo, W. Li, J. Brandt, D. </a:t>
+            </a:r>
+            <a:r>
+              <a:rPr lang="en-US" sz="1100" dirty="0" err="1" smtClean="0"/>
+              <a:t>Metaxas,”Customized</a:t>
+            </a:r>
+            <a:r>
+              <a:rPr lang="en-US" sz="1100" dirty="0" smtClean="0"/>
+              <a:t> expression recognition for performance-driven cutout character animation”, in Applications of Computer Vision(WACV), 2016, IEEE Winter Conference</a:t>
+            </a:r>
+          </a:p>
+          <a:p>
+            <a:r>
+              <a:rPr lang="en-US" sz="1100" dirty="0" smtClean="0"/>
+              <a:t>[14] X. </a:t>
+            </a:r>
+            <a:r>
+              <a:rPr lang="en-US" sz="1100" dirty="0" err="1" smtClean="0"/>
+              <a:t>Jin</a:t>
+            </a:r>
+            <a:r>
+              <a:rPr lang="en-US" sz="1100" dirty="0" smtClean="0"/>
+              <a:t>, J. Kim</a:t>
+            </a:r>
+            <a:r>
+              <a:rPr lang="en-US" sz="1100" dirty="0"/>
+              <a:t>, “</a:t>
+            </a:r>
+            <a:r>
+              <a:rPr lang="en-US" sz="1100" dirty="0" err="1"/>
+              <a:t>ArtWork</a:t>
+            </a:r>
+            <a:r>
+              <a:rPr lang="en-US" sz="1100" dirty="0"/>
+              <a:t> Recognition in 360-degree Image using 32- </a:t>
+            </a:r>
+            <a:r>
+              <a:rPr lang="en-US" sz="1100" dirty="0" err="1"/>
+              <a:t>hedron</a:t>
+            </a:r>
+            <a:r>
+              <a:rPr lang="en-US" sz="1100" dirty="0"/>
+              <a:t> based Rectilinear Projection and Scale Invariant Feature Transform </a:t>
+            </a:r>
+            <a:r>
+              <a:rPr lang="en-US" sz="1100" dirty="0" smtClean="0"/>
+              <a:t>“, in ICEICT, IEEE </a:t>
+            </a:r>
+            <a:r>
+              <a:rPr lang="en-US" sz="1100" dirty="0" err="1" smtClean="0"/>
+              <a:t>Int</a:t>
+            </a:r>
+            <a:r>
+              <a:rPr lang="en-US" sz="1100" dirty="0" smtClean="0"/>
               <a:t> </a:t>
             </a:r>
-          </a:p>
-        </p:txBody>
-      </p:sp>
-      <p:pic>
-        <p:nvPicPr>
-          <p:cNvPr id="5" name="Picture 4"/>
-          <p:cNvPicPr>
-            <a:picLocks noChangeAspect="1"/>
-          </p:cNvPicPr>
-          <p:nvPr/>
-        </p:nvPicPr>
-        <p:blipFill>
-          <a:blip r:embed="rId2"/>
-          <a:stretch>
-            <a:fillRect/>
-          </a:stretch>
-        </p:blipFill>
-        <p:spPr>
-          <a:xfrm>
-            <a:off x="4851400" y="2776340"/>
-            <a:ext cx="5141181" cy="3713360"/>
-          </a:xfrm>
-          <a:prstGeom prst="rect">
-            <a:avLst/>
-          </a:prstGeom>
-        </p:spPr>
-      </p:pic>
+            <a:r>
+              <a:rPr lang="en-US" sz="1100" dirty="0" err="1" smtClean="0"/>
+              <a:t>Conf</a:t>
+            </a:r>
+            <a:r>
+              <a:rPr lang="en-US" sz="1100" dirty="0" smtClean="0"/>
+              <a:t>, 2017, pp 356-359</a:t>
+            </a:r>
+          </a:p>
+          <a:p>
+            <a:r>
+              <a:rPr lang="en-US" sz="1100" dirty="0" smtClean="0"/>
+              <a:t>[15] T. </a:t>
+            </a:r>
+            <a:r>
+              <a:rPr lang="en-US" sz="1100" dirty="0" err="1" smtClean="0"/>
+              <a:t>Ruzic</a:t>
+            </a:r>
+            <a:r>
+              <a:rPr lang="en-US" sz="1100" dirty="0" smtClean="0"/>
+              <a:t>, B. </a:t>
+            </a:r>
+            <a:r>
+              <a:rPr lang="en-US" sz="1100" dirty="0" err="1" smtClean="0"/>
+              <a:t>cornelis</a:t>
+            </a:r>
+            <a:r>
+              <a:rPr lang="en-US" sz="1100" dirty="0" smtClean="0"/>
+              <a:t>, L. </a:t>
+            </a:r>
+            <a:r>
+              <a:rPr lang="en-US" sz="1100" dirty="0" err="1" smtClean="0"/>
+              <a:t>Platisa</a:t>
+            </a:r>
+            <a:r>
+              <a:rPr lang="en-US" sz="1100" dirty="0" smtClean="0"/>
+              <a:t>, A. </a:t>
+            </a:r>
+            <a:r>
+              <a:rPr lang="en-US" sz="1100" dirty="0" err="1" smtClean="0"/>
+              <a:t>Pizurica</a:t>
+            </a:r>
+            <a:r>
+              <a:rPr lang="en-US" sz="1100" dirty="0" smtClean="0"/>
+              <a:t>, A. Dooms, W. Philips, M. Martens, M. D. </a:t>
+            </a:r>
+            <a:r>
+              <a:rPr lang="en-US" sz="1100" dirty="0" err="1" smtClean="0"/>
+              <a:t>Mey</a:t>
+            </a:r>
+            <a:r>
+              <a:rPr lang="en-US" sz="1100" dirty="0" smtClean="0"/>
+              <a:t>, I. </a:t>
+            </a:r>
+            <a:r>
+              <a:rPr lang="en-US" sz="1100" dirty="0" err="1" smtClean="0"/>
+              <a:t>Daubechies</a:t>
+            </a:r>
+            <a:r>
+              <a:rPr lang="en-US" sz="1100" dirty="0" smtClean="0"/>
+              <a:t>, “Virtual Restoration of the Ghent Altarpiece Using Crack Detection and </a:t>
+            </a:r>
+            <a:r>
+              <a:rPr lang="en-US" sz="1100" dirty="0" err="1" smtClean="0"/>
+              <a:t>Inpainting</a:t>
+            </a:r>
+            <a:r>
+              <a:rPr lang="en-US" sz="1100" dirty="0" smtClean="0"/>
+              <a:t>”, in ACIVS 2011, pp 417-428.</a:t>
+            </a:r>
+          </a:p>
+          <a:p>
+            <a:r>
+              <a:rPr lang="en-US" sz="1100" dirty="0" smtClean="0"/>
+              <a:t>[16] P. </a:t>
+            </a:r>
+            <a:r>
+              <a:rPr lang="en-US" sz="1100" dirty="0" err="1" smtClean="0"/>
+              <a:t>Wohlhart</a:t>
+            </a:r>
+            <a:r>
+              <a:rPr lang="en-US" sz="1100" dirty="0" smtClean="0"/>
+              <a:t> and V. </a:t>
+            </a:r>
+            <a:r>
+              <a:rPr lang="en-US" sz="1100" dirty="0" err="1" smtClean="0"/>
+              <a:t>Lepetit</a:t>
+            </a:r>
+            <a:r>
+              <a:rPr lang="en-US" sz="1100" dirty="0" smtClean="0"/>
+              <a:t>, “Learning descriptors for object recognition and 3D pose estimation”, in CVPR, </a:t>
+            </a:r>
+            <a:r>
+              <a:rPr lang="en-US" sz="1100" smtClean="0"/>
+              <a:t>IEEE Conference, 2015, pp 3109-3118</a:t>
+            </a:r>
+            <a:endParaRPr lang="en-US" sz="1100" dirty="0" smtClean="0"/>
+          </a:p>
+          <a:p>
+            <a:endParaRPr lang="en-US" sz="1100" dirty="0"/>
+          </a:p>
+        </p:txBody>
+      </p:sp>
     </p:spTree>
     <p:extLst>
       <p:ext uri="{BB962C8B-B14F-4D97-AF65-F5344CB8AC3E}">
-        <p14:creationId xmlns:p14="http://schemas.microsoft.com/office/powerpoint/2010/main" val="510729355"/>
+        <p14:creationId xmlns:p14="http://schemas.microsoft.com/office/powerpoint/2010/main" val="1440396747"/>
       </p:ext>
     </p:extLst>
   </p:cSld>
@@ -4197,7 +4149,220 @@
       </p:grpSpPr>
       <p:sp>
         <p:nvSpPr>
-          <p:cNvPr id="2" name="Title 1"/>
+          <p:cNvPr id="6" name="Rectangular Callout 5"/>
+          <p:cNvSpPr/>
+          <p:nvPr/>
+        </p:nvSpPr>
+        <p:spPr>
+          <a:xfrm>
+            <a:off x="3161654" y="1000125"/>
+            <a:ext cx="4137070" cy="1713470"/>
+          </a:xfrm>
+          <a:prstGeom prst="wedgeRectCallout">
+            <a:avLst>
+              <a:gd name="adj1" fmla="val 30862"/>
+              <a:gd name="adj2" fmla="val 49252"/>
+            </a:avLst>
+          </a:prstGeom>
+        </p:spPr>
+        <p:style>
+          <a:lnRef idx="2">
+            <a:schemeClr val="dk1"/>
+          </a:lnRef>
+          <a:fillRef idx="1">
+            <a:schemeClr val="lt1"/>
+          </a:fillRef>
+          <a:effectRef idx="0">
+            <a:schemeClr val="dk1"/>
+          </a:effectRef>
+          <a:fontRef idx="minor">
+            <a:schemeClr val="dk1"/>
+          </a:fontRef>
+        </p:style>
+        <p:txBody>
+          <a:bodyPr rtlCol="0" anchor="ctr"/>
+          <a:lstStyle/>
+          <a:p>
+            <a:r>
+              <a:rPr lang="en-US" sz="1600" b="1" dirty="0" smtClean="0"/>
+              <a:t>Original feature information:</a:t>
+            </a:r>
+          </a:p>
+          <a:p>
+            <a:r>
+              <a:rPr lang="en-US" sz="1600" dirty="0" smtClean="0"/>
+              <a:t>+ Color</a:t>
+            </a:r>
+          </a:p>
+          <a:p>
+            <a:r>
+              <a:rPr lang="en-US" sz="1600" dirty="0" smtClean="0"/>
+              <a:t>+ Texture</a:t>
+            </a:r>
+          </a:p>
+          <a:p>
+            <a:r>
+              <a:rPr lang="en-US" sz="1600" dirty="0" smtClean="0"/>
+              <a:t>+ Shape</a:t>
+            </a:r>
+          </a:p>
+          <a:p>
+            <a:r>
+              <a:rPr lang="en-US" sz="1600" dirty="0" smtClean="0"/>
+              <a:t>+ Spatial Location</a:t>
+            </a:r>
+          </a:p>
+          <a:p>
+            <a:r>
+              <a:rPr lang="en-US" sz="1600" dirty="0" smtClean="0"/>
+              <a:t>+ Local image</a:t>
+            </a:r>
+          </a:p>
+        </p:txBody>
+      </p:sp>
+      <p:pic>
+        <p:nvPicPr>
+          <p:cNvPr id="3" name="Picture 2" descr="Image result"/>
+          <p:cNvPicPr>
+            <a:picLocks noChangeAspect="1" noChangeArrowheads="1"/>
+          </p:cNvPicPr>
+          <p:nvPr/>
+        </p:nvPicPr>
+        <p:blipFill>
+          <a:blip r:embed="rId2" cstate="print">
+            <a:extLst>
+              <a:ext uri="{28A0092B-C50C-407E-A947-70E740481C1C}">
+                <a14:useLocalDpi xmlns:a14="http://schemas.microsoft.com/office/drawing/2010/main" val="0"/>
+              </a:ext>
+            </a:extLst>
+          </a:blip>
+          <a:srcRect/>
+          <a:stretch>
+            <a:fillRect/>
+          </a:stretch>
+        </p:blipFill>
+        <p:spPr bwMode="auto">
+          <a:xfrm>
+            <a:off x="7674315" y="1000125"/>
+            <a:ext cx="2806359" cy="4181475"/>
+          </a:xfrm>
+          <a:prstGeom prst="rect">
+            <a:avLst/>
+          </a:prstGeom>
+          <a:noFill/>
+          <a:extLst>
+            <a:ext uri="{909E8E84-426E-40DD-AFC4-6F175D3DCCD1}">
+              <a14:hiddenFill xmlns:a14="http://schemas.microsoft.com/office/drawing/2010/main">
+                <a:solidFill>
+                  <a:srgbClr val="FFFFFF"/>
+                </a:solidFill>
+              </a14:hiddenFill>
+            </a:ext>
+          </a:extLst>
+        </p:spPr>
+      </p:pic>
+      <p:sp>
+        <p:nvSpPr>
+          <p:cNvPr id="2" name="Rectangle 1"/>
+          <p:cNvSpPr/>
+          <p:nvPr/>
+        </p:nvSpPr>
+        <p:spPr>
+          <a:xfrm>
+            <a:off x="7667083" y="5526215"/>
+            <a:ext cx="2813591" cy="261610"/>
+          </a:xfrm>
+          <a:prstGeom prst="rect">
+            <a:avLst/>
+          </a:prstGeom>
+        </p:spPr>
+        <p:txBody>
+          <a:bodyPr wrap="none">
+            <a:spAutoFit/>
+          </a:bodyPr>
+          <a:lstStyle/>
+          <a:p>
+            <a:r>
+              <a:rPr lang="en-US" sz="1100" dirty="0"/>
+              <a:t>https://en.wikipedia.org/wiki/Mona_Lisa</a:t>
+            </a:r>
+          </a:p>
+        </p:txBody>
+      </p:sp>
+      <p:sp>
+        <p:nvSpPr>
+          <p:cNvPr id="7" name="Round Diagonal Corner Rectangle 6"/>
+          <p:cNvSpPr/>
+          <p:nvPr/>
+        </p:nvSpPr>
+        <p:spPr>
+          <a:xfrm>
+            <a:off x="2918025" y="3358834"/>
+            <a:ext cx="4624327" cy="1723759"/>
+          </a:xfrm>
+          <a:prstGeom prst="round2DiagRect">
+            <a:avLst/>
+          </a:prstGeom>
+        </p:spPr>
+        <p:style>
+          <a:lnRef idx="2">
+            <a:schemeClr val="dk1"/>
+          </a:lnRef>
+          <a:fillRef idx="1">
+            <a:schemeClr val="lt1"/>
+          </a:fillRef>
+          <a:effectRef idx="0">
+            <a:schemeClr val="dk1"/>
+          </a:effectRef>
+          <a:fontRef idx="minor">
+            <a:schemeClr val="dk1"/>
+          </a:fontRef>
+        </p:style>
+        <p:txBody>
+          <a:bodyPr rtlCol="0" anchor="ctr"/>
+          <a:lstStyle/>
+          <a:p>
+            <a:r>
+              <a:rPr lang="en-US" b="1" dirty="0"/>
+              <a:t>Limitation:</a:t>
+            </a:r>
+          </a:p>
+          <a:p>
+            <a:r>
+              <a:rPr lang="en-US" dirty="0"/>
+              <a:t>+ Performance: time </a:t>
+            </a:r>
+            <a:r>
+              <a:rPr lang="en-US" dirty="0" smtClean="0"/>
+              <a:t>response</a:t>
+            </a:r>
+          </a:p>
+          <a:p>
+            <a:r>
+              <a:rPr lang="en-US" dirty="0" smtClean="0"/>
+              <a:t>+ Accuracy: Detect the general object (e.g., a car, person, tree, etc.,)</a:t>
+            </a:r>
+          </a:p>
+          <a:p>
+            <a:r>
+              <a:rPr lang="en-US" dirty="0" smtClean="0"/>
+              <a:t>+ </a:t>
+            </a:r>
+            <a:r>
+              <a:rPr lang="en-US" dirty="0"/>
+              <a:t>Display information without </a:t>
+            </a:r>
+            <a:r>
+              <a:rPr lang="en-US" dirty="0" smtClean="0"/>
+              <a:t>visualizing</a:t>
+            </a:r>
+            <a:endParaRPr lang="en-US" dirty="0"/>
+          </a:p>
+        </p:txBody>
+      </p:sp>
+      <p:sp>
+        <p:nvSpPr>
+          <p:cNvPr id="4" name="Title 3"/>
           <p:cNvSpPr>
             <a:spLocks noGrp="1"/>
           </p:cNvSpPr>
@@ -4205,80 +4370,21 @@
             <p:ph type="title"/>
           </p:nvPr>
         </p:nvSpPr>
-        <p:spPr/>
-        <p:txBody>
-          <a:bodyPr/>
+        <p:spPr>
+          <a:xfrm>
+            <a:off x="2288589" y="271848"/>
+            <a:ext cx="8623663" cy="626077"/>
+          </a:xfrm>
+        </p:spPr>
+        <p:txBody>
+          <a:bodyPr>
+            <a:normAutofit fontScale="90000"/>
+          </a:bodyPr>
           <a:lstStyle/>
           <a:p>
             <a:r>
               <a:rPr lang="en-US" dirty="0" smtClean="0"/>
-              <a:t>Contributions</a:t>
-            </a:r>
-            <a:endParaRPr lang="en-US" dirty="0"/>
-          </a:p>
-        </p:txBody>
-      </p:sp>
-      <p:sp>
-        <p:nvSpPr>
-          <p:cNvPr id="3" name="Content Placeholder 2"/>
-          <p:cNvSpPr>
-            <a:spLocks noGrp="1"/>
-          </p:cNvSpPr>
-          <p:nvPr>
-            <p:ph idx="1"/>
-          </p:nvPr>
-        </p:nvSpPr>
-        <p:spPr/>
-        <p:txBody>
-          <a:bodyPr/>
-          <a:lstStyle/>
-          <a:p>
-            <a:r>
-              <a:rPr lang="en-US" dirty="0" smtClean="0"/>
-              <a:t>Accuracy:</a:t>
-            </a:r>
-          </a:p>
-          <a:p>
-            <a:pPr lvl="1">
-              <a:buFont typeface="Wingdings" panose="05000000000000000000" pitchFamily="2" charset="2"/>
-              <a:buChar char="ü"/>
-            </a:pPr>
-            <a:r>
-              <a:rPr lang="en-US" smtClean="0"/>
-              <a:t>Private </a:t>
-            </a:r>
-            <a:r>
-              <a:rPr lang="en-US" dirty="0" smtClean="0"/>
-              <a:t>(Semantic) features</a:t>
-            </a:r>
-          </a:p>
-          <a:p>
-            <a:pPr lvl="1">
-              <a:buFont typeface="Wingdings" panose="05000000000000000000" pitchFamily="2" charset="2"/>
-              <a:buChar char="ü"/>
-            </a:pPr>
-            <a:r>
-              <a:rPr lang="en-US" dirty="0" smtClean="0"/>
-              <a:t>Style features</a:t>
-            </a:r>
-          </a:p>
-          <a:p>
-            <a:pPr lvl="1">
-              <a:buFont typeface="Wingdings" panose="05000000000000000000" pitchFamily="2" charset="2"/>
-              <a:buChar char="ü"/>
-            </a:pPr>
-            <a:r>
-              <a:rPr lang="en-US" dirty="0" smtClean="0"/>
-              <a:t>Guessing features</a:t>
-            </a:r>
-          </a:p>
-          <a:p>
-            <a:pPr marL="0" indent="0">
-              <a:buNone/>
-            </a:pPr>
-            <a:r>
-              <a:rPr lang="en-US" dirty="0" smtClean="0"/>
-              <a:t>	</a:t>
+              <a:t>Original works and Limitation</a:t>
             </a:r>
             <a:endParaRPr lang="en-US" dirty="0"/>
           </a:p>
@@ -4287,7 +4393,7 @@
     </p:spTree>
     <p:extLst>
       <p:ext uri="{BB962C8B-B14F-4D97-AF65-F5344CB8AC3E}">
-        <p14:creationId xmlns:p14="http://schemas.microsoft.com/office/powerpoint/2010/main" val="2676345400"/>
+        <p14:creationId xmlns:p14="http://schemas.microsoft.com/office/powerpoint/2010/main" val="3582194975"/>
       </p:ext>
     </p:extLst>
   </p:cSld>
@@ -4298,7 +4404,7 @@
 </file>
 
 <file path=ppt/slides/slide15.xml><?xml version="1.0" encoding="utf-8"?>
-<p:sld xmlns:a="http://schemas.openxmlformats.org/drawingml/2006/main" xmlns:r="http://schemas.openxmlformats.org/officeDocument/2006/relationships" xmlns:p="http://schemas.openxmlformats.org/presentationml/2006/main">
+<p:sld xmlns:a="http://schemas.openxmlformats.org/drawingml/2006/main" xmlns:r="http://schemas.openxmlformats.org/officeDocument/2006/relationships" xmlns:p="http://schemas.openxmlformats.org/presentationml/2006/main" showMasterSp="0">
   <p:cSld>
     <p:spTree>
       <p:nvGrpSpPr>
@@ -4331,40 +4437,188 @@
           <a:p>
             <a:r>
               <a:rPr lang="en-US" dirty="0" smtClean="0"/>
-              <a:t>Contributions</a:t>
+              <a:t>Challenges</a:t>
             </a:r>
             <a:endParaRPr lang="en-US" dirty="0"/>
           </a:p>
         </p:txBody>
       </p:sp>
-      <p:pic>
-        <p:nvPicPr>
-          <p:cNvPr id="4" name="Picture 3"/>
-          <p:cNvPicPr>
-            <a:picLocks noChangeAspect="1"/>
-          </p:cNvPicPr>
-          <p:nvPr/>
-        </p:nvPicPr>
-        <p:blipFill>
-          <a:blip r:embed="rId2"/>
-          <a:stretch>
-            <a:fillRect/>
-          </a:stretch>
-        </p:blipFill>
+      <p:sp>
+        <p:nvSpPr>
+          <p:cNvPr id="3" name="Content Placeholder 2"/>
+          <p:cNvSpPr>
+            <a:spLocks noGrp="1"/>
+          </p:cNvSpPr>
+          <p:nvPr>
+            <p:ph idx="1"/>
+          </p:nvPr>
+        </p:nvSpPr>
         <p:spPr>
           <a:xfrm>
-            <a:off x="4300500" y="1562451"/>
-            <a:ext cx="6530060" cy="4869973"/>
-          </a:xfrm>
-          <a:prstGeom prst="rect">
-            <a:avLst/>
-          </a:prstGeom>
-        </p:spPr>
-      </p:pic>
+            <a:off x="3095896" y="1430448"/>
+            <a:ext cx="8623663" cy="4956745"/>
+          </a:xfrm>
+        </p:spPr>
+        <p:txBody>
+          <a:bodyPr>
+            <a:noAutofit/>
+          </a:bodyPr>
+          <a:lstStyle/>
+          <a:p>
+            <a:pPr algn="just">
+              <a:lnSpc>
+                <a:spcPct val="170000"/>
+              </a:lnSpc>
+            </a:pPr>
+            <a:r>
+              <a:rPr lang="en-US" sz="2000" dirty="0" smtClean="0"/>
+              <a:t>Identify and recognize the object with the </a:t>
+            </a:r>
+            <a:r>
+              <a:rPr lang="en-US" sz="2000" b="1" dirty="0" smtClean="0">
+                <a:solidFill>
+                  <a:srgbClr val="0070C0"/>
+                </a:solidFill>
+              </a:rPr>
+              <a:t>“private feature” </a:t>
+            </a:r>
+            <a:r>
+              <a:rPr lang="en-US" sz="2000" dirty="0" smtClean="0"/>
+              <a:t>of artwork, specimen, whatever</a:t>
+            </a:r>
+          </a:p>
+          <a:p>
+            <a:pPr algn="just">
+              <a:lnSpc>
+                <a:spcPct val="170000"/>
+              </a:lnSpc>
+            </a:pPr>
+            <a:r>
+              <a:rPr lang="en-US" sz="2000" dirty="0" smtClean="0"/>
+              <a:t>Faster handling of responding for </a:t>
+            </a:r>
+            <a:r>
+              <a:rPr lang="en-US" sz="2000" dirty="0" smtClean="0">
+                <a:solidFill>
+                  <a:srgbClr val="FF0000"/>
+                </a:solidFill>
+              </a:rPr>
+              <a:t>real time </a:t>
+            </a:r>
+            <a:r>
+              <a:rPr lang="en-US" sz="2000" dirty="0" smtClean="0"/>
+              <a:t>used cases</a:t>
+            </a:r>
+          </a:p>
+          <a:p>
+            <a:pPr algn="just">
+              <a:lnSpc>
+                <a:spcPct val="170000"/>
+              </a:lnSpc>
+            </a:pPr>
+            <a:r>
+              <a:rPr lang="en-US" sz="2000" dirty="0" smtClean="0"/>
+              <a:t>Data </a:t>
+            </a:r>
+            <a:r>
+              <a:rPr lang="en-US" sz="2000" dirty="0">
+                <a:solidFill>
+                  <a:schemeClr val="accent2">
+                    <a:lumMod val="75000"/>
+                  </a:schemeClr>
+                </a:solidFill>
+              </a:rPr>
+              <a:t>authenticity, confidentiality, ready, and integrity </a:t>
+            </a:r>
+            <a:r>
+              <a:rPr lang="en-US" sz="2000" dirty="0"/>
+              <a:t>for </a:t>
+            </a:r>
+            <a:r>
+              <a:rPr lang="en-US" sz="2000" dirty="0" smtClean="0"/>
+              <a:t>real time applications</a:t>
+            </a:r>
+          </a:p>
+          <a:p>
+            <a:pPr algn="just">
+              <a:lnSpc>
+                <a:spcPct val="170000"/>
+              </a:lnSpc>
+            </a:pPr>
+            <a:r>
+              <a:rPr lang="en-US" sz="2000" dirty="0" smtClean="0"/>
+              <a:t>The </a:t>
+            </a:r>
+            <a:r>
+              <a:rPr lang="en-US" sz="2000" dirty="0"/>
+              <a:t>expectation of users </a:t>
+            </a:r>
+            <a:r>
+              <a:rPr lang="en-US" sz="2000" dirty="0">
+                <a:solidFill>
+                  <a:srgbClr val="C00000"/>
+                </a:solidFill>
+              </a:rPr>
+              <a:t>for huge amount of objects </a:t>
+            </a:r>
+            <a:r>
+              <a:rPr lang="en-US" sz="2000" dirty="0"/>
+              <a:t>to search among</a:t>
+            </a:r>
+          </a:p>
+          <a:p>
+            <a:pPr algn="just">
+              <a:lnSpc>
+                <a:spcPct val="170000"/>
+              </a:lnSpc>
+            </a:pPr>
+            <a:r>
+              <a:rPr lang="en-US" sz="2000" dirty="0" smtClean="0"/>
+              <a:t>Sometimes </a:t>
+            </a:r>
+            <a:r>
+              <a:rPr lang="en-US" sz="2000" dirty="0">
+                <a:solidFill>
+                  <a:srgbClr val="00B0F0"/>
+                </a:solidFill>
+              </a:rPr>
+              <a:t>incompleteness query specification </a:t>
+            </a:r>
+            <a:r>
+              <a:rPr lang="en-US" sz="2000" dirty="0"/>
+              <a:t>seems to be a challenge</a:t>
+            </a:r>
+          </a:p>
+          <a:p>
+            <a:pPr algn="just">
+              <a:lnSpc>
+                <a:spcPct val="170000"/>
+              </a:lnSpc>
+            </a:pPr>
+            <a:endParaRPr lang="en-US" sz="1100" dirty="0" smtClean="0">
+              <a:solidFill>
+                <a:srgbClr val="002060"/>
+              </a:solidFill>
+            </a:endParaRPr>
+          </a:p>
+          <a:p>
+            <a:pPr algn="just">
+              <a:lnSpc>
+                <a:spcPct val="170000"/>
+              </a:lnSpc>
+            </a:pPr>
+            <a:endParaRPr lang="en-US" sz="1100" dirty="0">
+              <a:solidFill>
+                <a:srgbClr val="002060"/>
+              </a:solidFill>
+            </a:endParaRPr>
+          </a:p>
+        </p:txBody>
+      </p:sp>
     </p:spTree>
     <p:extLst>
       <p:ext uri="{BB962C8B-B14F-4D97-AF65-F5344CB8AC3E}">
-        <p14:creationId xmlns:p14="http://schemas.microsoft.com/office/powerpoint/2010/main" val="3131850597"/>
+        <p14:creationId xmlns:p14="http://schemas.microsoft.com/office/powerpoint/2010/main" val="3400201055"/>
       </p:ext>
     </p:extLst>
   </p:cSld>
@@ -4407,10 +4661,9 @@
           <a:lstStyle/>
           <a:p>
             <a:r>
-              <a:rPr lang="en-US" dirty="0" smtClean="0"/>
-              <a:t>Contribution</a:t>
-            </a:r>
-            <a:endParaRPr lang="en-US" dirty="0"/>
+              <a:rPr lang="en-US" dirty="0"/>
+              <a:t>Challenges</a:t>
+            </a:r>
           </a:p>
         </p:txBody>
       </p:sp>
@@ -4426,56 +4679,129 @@
         </p:nvSpPr>
         <p:spPr/>
         <p:txBody>
-          <a:bodyPr/>
-          <a:lstStyle/>
-          <a:p>
-            <a:r>
-              <a:rPr lang="en-US" dirty="0" smtClean="0"/>
-              <a:t>Visualize the artwork features:</a:t>
-            </a:r>
-          </a:p>
-          <a:p>
-            <a:pPr lvl="1">
-              <a:buFont typeface="Wingdings" panose="05000000000000000000" pitchFamily="2" charset="2"/>
-              <a:buChar char="ü"/>
+          <a:bodyPr>
+            <a:normAutofit fontScale="62500" lnSpcReduction="20000"/>
+          </a:bodyPr>
+          <a:lstStyle/>
+          <a:p>
+            <a:pPr algn="just">
+              <a:lnSpc>
+                <a:spcPct val="170000"/>
+              </a:lnSpc>
             </a:pPr>
             <a:r>
-              <a:rPr lang="en-US" dirty="0" smtClean="0"/>
-              <a:t> Generate the holographic object</a:t>
-            </a:r>
-          </a:p>
-          <a:p>
-            <a:pPr lvl="1">
-              <a:buFont typeface="Wingdings" panose="05000000000000000000" pitchFamily="2" charset="2"/>
-              <a:buChar char="ü"/>
+              <a:rPr lang="en-US" dirty="0">
+                <a:solidFill>
+                  <a:srgbClr val="FF0000"/>
+                </a:solidFill>
+              </a:rPr>
+              <a:t>Incomplete image </a:t>
+            </a:r>
+            <a:r>
+              <a:rPr lang="en-US" dirty="0"/>
+              <a:t>description is also a source of challenge to an efficient CBIR system</a:t>
+            </a:r>
+          </a:p>
+          <a:p>
+            <a:pPr algn="just">
+              <a:lnSpc>
+                <a:spcPct val="170000"/>
+              </a:lnSpc>
             </a:pPr>
             <a:r>
-              <a:rPr lang="en-US" dirty="0" smtClean="0"/>
-              <a:t> Generate the augmented reality display</a:t>
-            </a:r>
-          </a:p>
-          <a:p>
-            <a:pPr lvl="1">
-              <a:buFont typeface="Wingdings" panose="05000000000000000000" pitchFamily="2" charset="2"/>
-              <a:buChar char="ü"/>
+              <a:rPr lang="en-US" dirty="0"/>
+              <a:t>The issue related to the semantic gap where it means </a:t>
+            </a:r>
+            <a:r>
+              <a:rPr lang="en-US" dirty="0">
+                <a:solidFill>
+                  <a:srgbClr val="00B050"/>
+                </a:solidFill>
+              </a:rPr>
+              <a:t>the lack of coincidence </a:t>
+            </a:r>
+            <a:r>
+              <a:rPr lang="en-US" dirty="0"/>
+              <a:t>between information that the same data have for a user in a given situation</a:t>
+            </a:r>
+          </a:p>
+          <a:p>
+            <a:pPr algn="just">
+              <a:lnSpc>
+                <a:spcPct val="170000"/>
+              </a:lnSpc>
             </a:pPr>
             <a:r>
+              <a:rPr lang="en-US" dirty="0">
+                <a:solidFill>
+                  <a:srgbClr val="0070C0"/>
+                </a:solidFill>
+              </a:rPr>
+              <a:t>Updating meta-data</a:t>
+            </a:r>
+            <a:r>
               <a:rPr lang="en-US" dirty="0"/>
-              <a:t> </a:t>
-            </a:r>
-            <a:r>
-              <a:rPr lang="en-US" dirty="0" smtClean="0"/>
-              <a:t>Generate the virtual reality display</a:t>
-            </a:r>
-          </a:p>
-          <a:p>
-            <a:pPr lvl="1"/>
-            <a:endParaRPr lang="en-US" dirty="0" smtClean="0"/>
-          </a:p>
-          <a:p>
-            <a:pPr marL="0" indent="0">
-              <a:buNone/>
+              <a:t> based on the collected information from each node ( user)</a:t>
+            </a:r>
+          </a:p>
+          <a:p>
+            <a:pPr algn="just">
+              <a:lnSpc>
+                <a:spcPct val="170000"/>
+              </a:lnSpc>
             </a:pPr>
+            <a:r>
+              <a:rPr lang="en-US" dirty="0"/>
+              <a:t>How to recognize the object with its’ </a:t>
+            </a:r>
+            <a:r>
+              <a:rPr lang="en-US" b="1" dirty="0"/>
+              <a:t>rotation-invariant</a:t>
+            </a:r>
+          </a:p>
+          <a:p>
+            <a:pPr algn="just">
+              <a:lnSpc>
+                <a:spcPct val="170000"/>
+              </a:lnSpc>
+            </a:pPr>
+            <a:r>
+              <a:rPr lang="en-US" dirty="0"/>
+              <a:t>How to recognize the object with </a:t>
+            </a:r>
+            <a:r>
+              <a:rPr lang="en-US" dirty="0">
+                <a:solidFill>
+                  <a:srgbClr val="FF0000"/>
+                </a:solidFill>
+              </a:rPr>
+              <a:t>any angle direction </a:t>
+            </a:r>
+            <a:r>
+              <a:rPr lang="en-US" dirty="0"/>
+              <a:t>of user’s view?</a:t>
+            </a:r>
+          </a:p>
+          <a:p>
+            <a:pPr algn="just">
+              <a:lnSpc>
+                <a:spcPct val="170000"/>
+              </a:lnSpc>
+            </a:pPr>
+            <a:r>
+              <a:rPr lang="en-US" dirty="0"/>
+              <a:t>How to recognize an object in spite of the</a:t>
+            </a:r>
+            <a:r>
+              <a:rPr lang="en-US" dirty="0">
+                <a:solidFill>
+                  <a:srgbClr val="002060"/>
+                </a:solidFill>
+              </a:rPr>
+              <a:t> partially obscured one?</a:t>
+            </a:r>
+          </a:p>
+          <a:p>
             <a:endParaRPr lang="en-US" dirty="0"/>
           </a:p>
         </p:txBody>
@@ -4483,7 +4809,7 @@
     </p:spTree>
     <p:extLst>
       <p:ext uri="{BB962C8B-B14F-4D97-AF65-F5344CB8AC3E}">
-        <p14:creationId xmlns:p14="http://schemas.microsoft.com/office/powerpoint/2010/main" val="2345528951"/>
+        <p14:creationId xmlns:p14="http://schemas.microsoft.com/office/powerpoint/2010/main" val="194140782"/>
       </p:ext>
     </p:extLst>
   </p:cSld>
@@ -4494,6 +4820,588 @@
 </file>
 
 <file path=ppt/slides/slide17.xml><?xml version="1.0" encoding="utf-8"?>
+<p:sld xmlns:a="http://schemas.openxmlformats.org/drawingml/2006/main" xmlns:r="http://schemas.openxmlformats.org/officeDocument/2006/relationships" xmlns:p="http://schemas.openxmlformats.org/presentationml/2006/main" showMasterSp="0">
+  <p:cSld>
+    <p:spTree>
+      <p:nvGrpSpPr>
+        <p:cNvPr id="1" name=""/>
+        <p:cNvGrpSpPr/>
+        <p:nvPr/>
+      </p:nvGrpSpPr>
+      <p:grpSpPr>
+        <a:xfrm>
+          <a:off x="0" y="0"/>
+          <a:ext cx="0" cy="0"/>
+          <a:chOff x="0" y="0"/>
+          <a:chExt cx="0" cy="0"/>
+        </a:xfrm>
+      </p:grpSpPr>
+      <p:grpSp>
+        <p:nvGrpSpPr>
+          <p:cNvPr id="8" name="Group 7"/>
+          <p:cNvGrpSpPr/>
+          <p:nvPr/>
+        </p:nvGrpSpPr>
+        <p:grpSpPr>
+          <a:xfrm>
+            <a:off x="3509318" y="1573428"/>
+            <a:ext cx="6653993" cy="5037392"/>
+            <a:chOff x="3440317" y="423945"/>
+            <a:chExt cx="7406735" cy="5742031"/>
+          </a:xfrm>
+        </p:grpSpPr>
+        <p:sp>
+          <p:nvSpPr>
+            <p:cNvPr id="6" name="Rectangular Callout 5"/>
+            <p:cNvSpPr/>
+            <p:nvPr/>
+          </p:nvSpPr>
+          <p:spPr>
+            <a:xfrm>
+              <a:off x="4130110" y="423945"/>
+              <a:ext cx="3540213" cy="1552832"/>
+            </a:xfrm>
+            <a:prstGeom prst="wedgeRectCallout">
+              <a:avLst>
+                <a:gd name="adj1" fmla="val 32004"/>
+                <a:gd name="adj2" fmla="val 48771"/>
+              </a:avLst>
+            </a:prstGeom>
+          </p:spPr>
+          <p:style>
+            <a:lnRef idx="2">
+              <a:schemeClr val="dk1"/>
+            </a:lnRef>
+            <a:fillRef idx="1">
+              <a:schemeClr val="lt1"/>
+            </a:fillRef>
+            <a:effectRef idx="0">
+              <a:schemeClr val="dk1"/>
+            </a:effectRef>
+            <a:fontRef idx="minor">
+              <a:schemeClr val="dk1"/>
+            </a:fontRef>
+          </p:style>
+          <p:txBody>
+            <a:bodyPr rtlCol="0" anchor="ctr"/>
+            <a:lstStyle/>
+            <a:p>
+              <a:r>
+                <a:rPr lang="en-US" sz="1400" dirty="0" smtClean="0"/>
+                <a:t>Original feature information:</a:t>
+              </a:r>
+            </a:p>
+            <a:p>
+              <a:r>
+                <a:rPr lang="en-US" sz="1400" dirty="0" smtClean="0"/>
+                <a:t>+ Color</a:t>
+              </a:r>
+            </a:p>
+            <a:p>
+              <a:r>
+                <a:rPr lang="en-US" sz="1400" dirty="0" smtClean="0"/>
+                <a:t>+ Texture</a:t>
+              </a:r>
+            </a:p>
+            <a:p>
+              <a:r>
+                <a:rPr lang="en-US" sz="1400" dirty="0" smtClean="0"/>
+                <a:t>+ Shape</a:t>
+              </a:r>
+            </a:p>
+            <a:p>
+              <a:r>
+                <a:rPr lang="en-US" sz="1400" dirty="0" smtClean="0"/>
+                <a:t>+ Spatial Location</a:t>
+              </a:r>
+            </a:p>
+            <a:p>
+              <a:r>
+                <a:rPr lang="en-US" sz="1400" dirty="0" smtClean="0"/>
+                <a:t>+ Local image</a:t>
+              </a:r>
+            </a:p>
+          </p:txBody>
+        </p:sp>
+        <p:sp>
+          <p:nvSpPr>
+            <p:cNvPr id="5" name="Rectangular Callout 4"/>
+            <p:cNvSpPr/>
+            <p:nvPr/>
+          </p:nvSpPr>
+          <p:spPr>
+            <a:xfrm>
+              <a:off x="4130110" y="2100348"/>
+              <a:ext cx="3540214" cy="962112"/>
+            </a:xfrm>
+            <a:prstGeom prst="wedgeRectCallout">
+              <a:avLst>
+                <a:gd name="adj1" fmla="val 21426"/>
+                <a:gd name="adj2" fmla="val -49833"/>
+              </a:avLst>
+            </a:prstGeom>
+          </p:spPr>
+          <p:style>
+            <a:lnRef idx="2">
+              <a:schemeClr val="dk1"/>
+            </a:lnRef>
+            <a:fillRef idx="1">
+              <a:schemeClr val="lt1"/>
+            </a:fillRef>
+            <a:effectRef idx="0">
+              <a:schemeClr val="dk1"/>
+            </a:effectRef>
+            <a:fontRef idx="minor">
+              <a:schemeClr val="dk1"/>
+            </a:fontRef>
+          </p:style>
+          <p:txBody>
+            <a:bodyPr rtlCol="0" anchor="ctr"/>
+            <a:lstStyle/>
+            <a:p>
+              <a:r>
+                <a:rPr lang="en-US" sz="1400" b="1" dirty="0" smtClean="0">
+                  <a:solidFill>
+                    <a:schemeClr val="accent6"/>
+                  </a:solidFill>
+                </a:rPr>
+                <a:t>Proposed improved performance:</a:t>
+              </a:r>
+            </a:p>
+            <a:p>
+              <a:r>
+                <a:rPr lang="en-US" sz="1400" dirty="0" smtClean="0">
+                  <a:solidFill>
+                    <a:schemeClr val="accent6"/>
+                  </a:solidFill>
+                </a:rPr>
+                <a:t>+ Geolocation</a:t>
+              </a:r>
+            </a:p>
+            <a:p>
+              <a:r>
+                <a:rPr lang="en-US" sz="1400" dirty="0" smtClean="0">
+                  <a:solidFill>
+                    <a:schemeClr val="accent6"/>
+                  </a:solidFill>
+                </a:rPr>
+                <a:t>+ Hashtag information</a:t>
+              </a:r>
+            </a:p>
+          </p:txBody>
+        </p:sp>
+        <p:sp>
+          <p:nvSpPr>
+            <p:cNvPr id="7" name="Rectangular Callout 6"/>
+            <p:cNvSpPr/>
+            <p:nvPr/>
+          </p:nvSpPr>
+          <p:spPr>
+            <a:xfrm>
+              <a:off x="4130110" y="3186031"/>
+              <a:ext cx="3540213" cy="1205129"/>
+            </a:xfrm>
+            <a:prstGeom prst="wedgeRectCallout">
+              <a:avLst>
+                <a:gd name="adj1" fmla="val -8721"/>
+                <a:gd name="adj2" fmla="val 48991"/>
+              </a:avLst>
+            </a:prstGeom>
+          </p:spPr>
+          <p:style>
+            <a:lnRef idx="2">
+              <a:schemeClr val="accent1"/>
+            </a:lnRef>
+            <a:fillRef idx="1">
+              <a:schemeClr val="lt1"/>
+            </a:fillRef>
+            <a:effectRef idx="0">
+              <a:schemeClr val="accent1"/>
+            </a:effectRef>
+            <a:fontRef idx="minor">
+              <a:schemeClr val="dk1"/>
+            </a:fontRef>
+          </p:style>
+          <p:txBody>
+            <a:bodyPr rtlCol="0" anchor="ctr"/>
+            <a:lstStyle/>
+            <a:p>
+              <a:r>
+                <a:rPr lang="en-US" sz="1400" b="1" dirty="0" smtClean="0">
+                  <a:solidFill>
+                    <a:schemeClr val="accent5"/>
+                  </a:solidFill>
+                </a:rPr>
+                <a:t>Proposed </a:t>
+              </a:r>
+              <a:r>
+                <a:rPr lang="en-US" sz="1400" b="1" dirty="0">
+                  <a:solidFill>
+                    <a:schemeClr val="accent5"/>
+                  </a:solidFill>
+                </a:rPr>
+                <a:t>a</a:t>
+              </a:r>
+              <a:r>
+                <a:rPr lang="en-US" sz="1400" b="1" dirty="0" smtClean="0">
+                  <a:solidFill>
+                    <a:schemeClr val="accent5"/>
+                  </a:solidFill>
+                </a:rPr>
+                <a:t>dvantage features:</a:t>
+              </a:r>
+            </a:p>
+            <a:p>
+              <a:r>
+                <a:rPr lang="en-US" sz="1400" dirty="0" smtClean="0">
+                  <a:solidFill>
+                    <a:schemeClr val="accent5"/>
+                  </a:solidFill>
+                </a:rPr>
+                <a:t>+ Private features</a:t>
+              </a:r>
+            </a:p>
+            <a:p>
+              <a:r>
+                <a:rPr lang="en-US" sz="1400" dirty="0" smtClean="0">
+                  <a:solidFill>
+                    <a:schemeClr val="accent5"/>
+                  </a:solidFill>
+                </a:rPr>
+                <a:t>+ Style features</a:t>
+              </a:r>
+            </a:p>
+            <a:p>
+              <a:r>
+                <a:rPr lang="en-US" sz="1400" dirty="0" smtClean="0">
+                  <a:solidFill>
+                    <a:schemeClr val="accent5"/>
+                  </a:solidFill>
+                </a:rPr>
+                <a:t>+ Guessing features</a:t>
+              </a:r>
+            </a:p>
+          </p:txBody>
+        </p:sp>
+        <p:pic>
+          <p:nvPicPr>
+            <p:cNvPr id="9" name="Picture 8" descr="Image result"/>
+            <p:cNvPicPr>
+              <a:picLocks noChangeAspect="1" noChangeArrowheads="1"/>
+            </p:cNvPicPr>
+            <p:nvPr/>
+          </p:nvPicPr>
+          <p:blipFill>
+            <a:blip r:embed="rId2" cstate="print">
+              <a:extLst>
+                <a:ext uri="{28A0092B-C50C-407E-A947-70E740481C1C}">
+                  <a14:useLocalDpi xmlns:a14="http://schemas.microsoft.com/office/drawing/2010/main" val="0"/>
+                </a:ext>
+              </a:extLst>
+            </a:blip>
+            <a:srcRect/>
+            <a:stretch>
+              <a:fillRect/>
+            </a:stretch>
+          </p:blipFill>
+          <p:spPr bwMode="auto">
+            <a:xfrm>
+              <a:off x="8040693" y="1263735"/>
+              <a:ext cx="2806359" cy="4181475"/>
+            </a:xfrm>
+            <a:prstGeom prst="rect">
+              <a:avLst/>
+            </a:prstGeom>
+            <a:noFill/>
+            <a:extLst>
+              <a:ext uri="{909E8E84-426E-40DD-AFC4-6F175D3DCCD1}">
+                <a14:hiddenFill xmlns:a14="http://schemas.microsoft.com/office/drawing/2010/main">
+                  <a:solidFill>
+                    <a:srgbClr val="FFFFFF"/>
+                  </a:solidFill>
+                </a14:hiddenFill>
+              </a:ext>
+            </a:extLst>
+          </p:spPr>
+        </p:pic>
+        <p:sp>
+          <p:nvSpPr>
+            <p:cNvPr id="10" name="Rectangle 9"/>
+            <p:cNvSpPr/>
+            <p:nvPr/>
+          </p:nvSpPr>
+          <p:spPr>
+            <a:xfrm>
+              <a:off x="7949023" y="5594183"/>
+              <a:ext cx="2813591" cy="261610"/>
+            </a:xfrm>
+            <a:prstGeom prst="rect">
+              <a:avLst/>
+            </a:prstGeom>
+          </p:spPr>
+          <p:txBody>
+            <a:bodyPr wrap="none">
+              <a:spAutoFit/>
+            </a:bodyPr>
+            <a:lstStyle/>
+            <a:p>
+              <a:r>
+                <a:rPr lang="en-US" sz="1100" dirty="0"/>
+                <a:t>https://en.wikipedia.org/wiki/Mona_Lisa</a:t>
+              </a:r>
+            </a:p>
+          </p:txBody>
+        </p:sp>
+        <p:sp>
+          <p:nvSpPr>
+            <p:cNvPr id="13" name="Rectangular Callout 12"/>
+            <p:cNvSpPr/>
+            <p:nvPr/>
+          </p:nvSpPr>
+          <p:spPr>
+            <a:xfrm>
+              <a:off x="4130110" y="4514731"/>
+              <a:ext cx="3540213" cy="1651245"/>
+            </a:xfrm>
+            <a:prstGeom prst="wedgeRectCallout">
+              <a:avLst>
+                <a:gd name="adj1" fmla="val -8721"/>
+                <a:gd name="adj2" fmla="val 48991"/>
+              </a:avLst>
+            </a:prstGeom>
+            <a:ln>
+              <a:solidFill>
+                <a:srgbClr val="FF0000"/>
+              </a:solidFill>
+            </a:ln>
+          </p:spPr>
+          <p:style>
+            <a:lnRef idx="2">
+              <a:schemeClr val="accent1"/>
+            </a:lnRef>
+            <a:fillRef idx="1">
+              <a:schemeClr val="lt1"/>
+            </a:fillRef>
+            <a:effectRef idx="0">
+              <a:schemeClr val="accent1"/>
+            </a:effectRef>
+            <a:fontRef idx="minor">
+              <a:schemeClr val="dk1"/>
+            </a:fontRef>
+          </p:style>
+          <p:txBody>
+            <a:bodyPr rtlCol="0" anchor="ctr"/>
+            <a:lstStyle/>
+            <a:p>
+              <a:r>
+                <a:rPr lang="en-US" sz="1400" b="1" dirty="0" smtClean="0">
+                  <a:solidFill>
+                    <a:srgbClr val="7030A0"/>
+                  </a:solidFill>
+                </a:rPr>
+                <a:t>Proposed visualized features:</a:t>
+              </a:r>
+            </a:p>
+            <a:p>
+              <a:r>
+                <a:rPr lang="en-US" sz="1400" dirty="0" smtClean="0">
+                  <a:solidFill>
+                    <a:srgbClr val="7030A0"/>
+                  </a:solidFill>
+                </a:rPr>
+                <a:t>+ Virtual reality generation</a:t>
+              </a:r>
+            </a:p>
+            <a:p>
+              <a:r>
+                <a:rPr lang="en-US" sz="1400" dirty="0" smtClean="0">
+                  <a:solidFill>
+                    <a:srgbClr val="7030A0"/>
+                  </a:solidFill>
+                </a:rPr>
+                <a:t>+ Holographic generation</a:t>
+              </a:r>
+            </a:p>
+            <a:p>
+              <a:r>
+                <a:rPr lang="en-US" sz="1400" dirty="0" smtClean="0">
+                  <a:solidFill>
+                    <a:srgbClr val="7030A0"/>
+                  </a:solidFill>
+                </a:rPr>
+                <a:t>+ Augmented reality generation (virtual restoration, edit, modify)</a:t>
+              </a:r>
+              <a:endParaRPr lang="en-US" sz="1400" dirty="0">
+                <a:solidFill>
+                  <a:srgbClr val="7030A0"/>
+                </a:solidFill>
+              </a:endParaRPr>
+            </a:p>
+          </p:txBody>
+        </p:sp>
+        <p:sp>
+          <p:nvSpPr>
+            <p:cNvPr id="2" name="Right Arrow 1"/>
+            <p:cNvSpPr/>
+            <p:nvPr/>
+          </p:nvSpPr>
+          <p:spPr>
+            <a:xfrm>
+              <a:off x="3440317" y="2507810"/>
+              <a:ext cx="470780" cy="262550"/>
+            </a:xfrm>
+            <a:prstGeom prst="rightArrow">
+              <a:avLst/>
+            </a:prstGeom>
+          </p:spPr>
+          <p:style>
+            <a:lnRef idx="2">
+              <a:schemeClr val="accent6">
+                <a:shade val="50000"/>
+              </a:schemeClr>
+            </a:lnRef>
+            <a:fillRef idx="1">
+              <a:schemeClr val="accent6"/>
+            </a:fillRef>
+            <a:effectRef idx="0">
+              <a:schemeClr val="accent6"/>
+            </a:effectRef>
+            <a:fontRef idx="minor">
+              <a:schemeClr val="lt1"/>
+            </a:fontRef>
+          </p:style>
+          <p:txBody>
+            <a:bodyPr rtlCol="0" anchor="ctr"/>
+            <a:lstStyle/>
+            <a:p>
+              <a:pPr algn="ctr"/>
+              <a:endParaRPr lang="en-US"/>
+            </a:p>
+          </p:txBody>
+        </p:sp>
+        <p:sp>
+          <p:nvSpPr>
+            <p:cNvPr id="11" name="Right Arrow 10"/>
+            <p:cNvSpPr/>
+            <p:nvPr/>
+          </p:nvSpPr>
+          <p:spPr>
+            <a:xfrm>
+              <a:off x="3440317" y="3657320"/>
+              <a:ext cx="470780" cy="262550"/>
+            </a:xfrm>
+            <a:prstGeom prst="rightArrow">
+              <a:avLst/>
+            </a:prstGeom>
+          </p:spPr>
+          <p:style>
+            <a:lnRef idx="2">
+              <a:schemeClr val="accent1">
+                <a:shade val="50000"/>
+              </a:schemeClr>
+            </a:lnRef>
+            <a:fillRef idx="1">
+              <a:schemeClr val="accent1"/>
+            </a:fillRef>
+            <a:effectRef idx="0">
+              <a:schemeClr val="accent1"/>
+            </a:effectRef>
+            <a:fontRef idx="minor">
+              <a:schemeClr val="lt1"/>
+            </a:fontRef>
+          </p:style>
+          <p:txBody>
+            <a:bodyPr rtlCol="0" anchor="ctr"/>
+            <a:lstStyle/>
+            <a:p>
+              <a:pPr algn="ctr"/>
+              <a:endParaRPr lang="en-US"/>
+            </a:p>
+          </p:txBody>
+        </p:sp>
+        <p:sp>
+          <p:nvSpPr>
+            <p:cNvPr id="12" name="Right Arrow 11"/>
+            <p:cNvSpPr/>
+            <p:nvPr/>
+          </p:nvSpPr>
+          <p:spPr>
+            <a:xfrm>
+              <a:off x="3440317" y="5182660"/>
+              <a:ext cx="470780" cy="262550"/>
+            </a:xfrm>
+            <a:prstGeom prst="rightArrow">
+              <a:avLst/>
+            </a:prstGeom>
+          </p:spPr>
+          <p:style>
+            <a:lnRef idx="2">
+              <a:schemeClr val="accent5">
+                <a:shade val="50000"/>
+              </a:schemeClr>
+            </a:lnRef>
+            <a:fillRef idx="1">
+              <a:schemeClr val="accent5"/>
+            </a:fillRef>
+            <a:effectRef idx="0">
+              <a:schemeClr val="accent5"/>
+            </a:effectRef>
+            <a:fontRef idx="minor">
+              <a:schemeClr val="lt1"/>
+            </a:fontRef>
+          </p:style>
+          <p:txBody>
+            <a:bodyPr rtlCol="0" anchor="ctr"/>
+            <a:lstStyle/>
+            <a:p>
+              <a:pPr algn="ctr"/>
+              <a:endParaRPr lang="en-US"/>
+            </a:p>
+          </p:txBody>
+        </p:sp>
+      </p:grpSp>
+      <p:sp>
+        <p:nvSpPr>
+          <p:cNvPr id="14" name="Title 13"/>
+          <p:cNvSpPr>
+            <a:spLocks noGrp="1"/>
+          </p:cNvSpPr>
+          <p:nvPr>
+            <p:ph type="title"/>
+          </p:nvPr>
+        </p:nvSpPr>
+        <p:spPr>
+          <a:xfrm>
+            <a:off x="3095897" y="417376"/>
+            <a:ext cx="8623663" cy="867727"/>
+          </a:xfrm>
+        </p:spPr>
+        <p:txBody>
+          <a:bodyPr/>
+          <a:lstStyle/>
+          <a:p>
+            <a:r>
+              <a:rPr lang="en-US" dirty="0" smtClean="0"/>
+              <a:t>Proposed idea</a:t>
+            </a:r>
+            <a:endParaRPr lang="en-US" dirty="0"/>
+          </a:p>
+        </p:txBody>
+      </p:sp>
+    </p:spTree>
+    <p:extLst>
+      <p:ext uri="{BB962C8B-B14F-4D97-AF65-F5344CB8AC3E}">
+        <p14:creationId xmlns:p14="http://schemas.microsoft.com/office/powerpoint/2010/main" val="991377956"/>
+      </p:ext>
+    </p:extLst>
+  </p:cSld>
+  <p:clrMapOvr>
+    <a:masterClrMapping/>
+  </p:clrMapOvr>
+</p:sld>
+</file>
+
+<file path=ppt/slides/slide18.xml><?xml version="1.0" encoding="utf-8"?>
 <p:sld xmlns:a="http://schemas.openxmlformats.org/drawingml/2006/main" xmlns:r="http://schemas.openxmlformats.org/officeDocument/2006/relationships" xmlns:p="http://schemas.openxmlformats.org/presentationml/2006/main">
   <p:cSld>
     <p:spTree>
@@ -4527,7 +5435,376 @@
           <a:p>
             <a:r>
               <a:rPr lang="en-US" dirty="0" smtClean="0"/>
-              <a:t>Contributions</a:t>
+              <a:t>Proposed solution</a:t>
+            </a:r>
+            <a:endParaRPr lang="en-US" dirty="0"/>
+          </a:p>
+        </p:txBody>
+      </p:sp>
+      <p:sp>
+        <p:nvSpPr>
+          <p:cNvPr id="3" name="Content Placeholder 2"/>
+          <p:cNvSpPr>
+            <a:spLocks noGrp="1"/>
+          </p:cNvSpPr>
+          <p:nvPr>
+            <p:ph idx="1"/>
+          </p:nvPr>
+        </p:nvSpPr>
+        <p:spPr/>
+        <p:txBody>
+          <a:bodyPr/>
+          <a:lstStyle/>
+          <a:p>
+            <a:r>
+              <a:rPr lang="en-US" dirty="0" smtClean="0"/>
+              <a:t>Performance:</a:t>
+            </a:r>
+          </a:p>
+          <a:p>
+            <a:pPr lvl="1">
+              <a:buFont typeface="Wingdings" panose="05000000000000000000" pitchFamily="2" charset="2"/>
+              <a:buChar char="ü"/>
+            </a:pPr>
+            <a:r>
+              <a:rPr lang="en-US" dirty="0" smtClean="0"/>
+              <a:t> Geo-information: geo-location and hashtag information</a:t>
+            </a:r>
+          </a:p>
+          <a:p>
+            <a:pPr marL="457200" lvl="1" indent="0">
+              <a:buNone/>
+            </a:pPr>
+            <a:r>
+              <a:rPr lang="en-US" dirty="0" smtClean="0"/>
+              <a:t> </a:t>
+            </a:r>
+          </a:p>
+        </p:txBody>
+      </p:sp>
+      <p:pic>
+        <p:nvPicPr>
+          <p:cNvPr id="5" name="Picture 4"/>
+          <p:cNvPicPr>
+            <a:picLocks noChangeAspect="1"/>
+          </p:cNvPicPr>
+          <p:nvPr/>
+        </p:nvPicPr>
+        <p:blipFill>
+          <a:blip r:embed="rId2"/>
+          <a:stretch>
+            <a:fillRect/>
+          </a:stretch>
+        </p:blipFill>
+        <p:spPr>
+          <a:xfrm>
+            <a:off x="4851400" y="2776340"/>
+            <a:ext cx="5141181" cy="3713360"/>
+          </a:xfrm>
+          <a:prstGeom prst="rect">
+            <a:avLst/>
+          </a:prstGeom>
+        </p:spPr>
+      </p:pic>
+    </p:spTree>
+    <p:extLst>
+      <p:ext uri="{BB962C8B-B14F-4D97-AF65-F5344CB8AC3E}">
+        <p14:creationId xmlns:p14="http://schemas.microsoft.com/office/powerpoint/2010/main" val="510729355"/>
+      </p:ext>
+    </p:extLst>
+  </p:cSld>
+  <p:clrMapOvr>
+    <a:masterClrMapping/>
+  </p:clrMapOvr>
+</p:sld>
+</file>
+
+<file path=ppt/slides/slide19.xml><?xml version="1.0" encoding="utf-8"?>
+<p:sld xmlns:a="http://schemas.openxmlformats.org/drawingml/2006/main" xmlns:r="http://schemas.openxmlformats.org/officeDocument/2006/relationships" xmlns:p="http://schemas.openxmlformats.org/presentationml/2006/main">
+  <p:cSld>
+    <p:spTree>
+      <p:nvGrpSpPr>
+        <p:cNvPr id="1" name=""/>
+        <p:cNvGrpSpPr/>
+        <p:nvPr/>
+      </p:nvGrpSpPr>
+      <p:grpSpPr>
+        <a:xfrm>
+          <a:off x="0" y="0"/>
+          <a:ext cx="0" cy="0"/>
+          <a:chOff x="0" y="0"/>
+          <a:chExt cx="0" cy="0"/>
+        </a:xfrm>
+      </p:grpSpPr>
+      <p:sp>
+        <p:nvSpPr>
+          <p:cNvPr id="2" name="Title 1"/>
+          <p:cNvSpPr>
+            <a:spLocks noGrp="1"/>
+          </p:cNvSpPr>
+          <p:nvPr>
+            <p:ph type="title"/>
+          </p:nvPr>
+        </p:nvSpPr>
+        <p:spPr/>
+        <p:txBody>
+          <a:bodyPr/>
+          <a:lstStyle/>
+          <a:p>
+            <a:r>
+              <a:rPr lang="en-US" dirty="0"/>
+              <a:t>Proposed solution</a:t>
+            </a:r>
+            <a:endParaRPr lang="en-US" dirty="0"/>
+          </a:p>
+        </p:txBody>
+      </p:sp>
+      <p:sp>
+        <p:nvSpPr>
+          <p:cNvPr id="3" name="Content Placeholder 2"/>
+          <p:cNvSpPr>
+            <a:spLocks noGrp="1"/>
+          </p:cNvSpPr>
+          <p:nvPr>
+            <p:ph idx="1"/>
+          </p:nvPr>
+        </p:nvSpPr>
+        <p:spPr/>
+        <p:txBody>
+          <a:bodyPr/>
+          <a:lstStyle/>
+          <a:p>
+            <a:r>
+              <a:rPr lang="en-US" dirty="0" smtClean="0"/>
+              <a:t>Accuracy:</a:t>
+            </a:r>
+          </a:p>
+          <a:p>
+            <a:pPr lvl="1">
+              <a:buFont typeface="Wingdings" panose="05000000000000000000" pitchFamily="2" charset="2"/>
+              <a:buChar char="ü"/>
+            </a:pPr>
+            <a:r>
+              <a:rPr lang="en-US" smtClean="0"/>
+              <a:t>Private </a:t>
+            </a:r>
+            <a:r>
+              <a:rPr lang="en-US" dirty="0" smtClean="0"/>
+              <a:t>(Semantic) features</a:t>
+            </a:r>
+          </a:p>
+          <a:p>
+            <a:pPr lvl="1">
+              <a:buFont typeface="Wingdings" panose="05000000000000000000" pitchFamily="2" charset="2"/>
+              <a:buChar char="ü"/>
+            </a:pPr>
+            <a:r>
+              <a:rPr lang="en-US" dirty="0" smtClean="0"/>
+              <a:t>Style features</a:t>
+            </a:r>
+          </a:p>
+          <a:p>
+            <a:pPr lvl="1">
+              <a:buFont typeface="Wingdings" panose="05000000000000000000" pitchFamily="2" charset="2"/>
+              <a:buChar char="ü"/>
+            </a:pPr>
+            <a:r>
+              <a:rPr lang="en-US" dirty="0" smtClean="0"/>
+              <a:t>Guessing features</a:t>
+            </a:r>
+          </a:p>
+          <a:p>
+            <a:pPr marL="0" indent="0">
+              <a:buNone/>
+            </a:pPr>
+            <a:r>
+              <a:rPr lang="en-US" dirty="0" smtClean="0"/>
+              <a:t>	</a:t>
+            </a:r>
+            <a:endParaRPr lang="en-US" dirty="0"/>
+          </a:p>
+        </p:txBody>
+      </p:sp>
+    </p:spTree>
+    <p:extLst>
+      <p:ext uri="{BB962C8B-B14F-4D97-AF65-F5344CB8AC3E}">
+        <p14:creationId xmlns:p14="http://schemas.microsoft.com/office/powerpoint/2010/main" val="2676345400"/>
+      </p:ext>
+    </p:extLst>
+  </p:cSld>
+  <p:clrMapOvr>
+    <a:masterClrMapping/>
+  </p:clrMapOvr>
+</p:sld>
+</file>
+
+<file path=ppt/slides/slide2.xml><?xml version="1.0" encoding="utf-8"?>
+<p:sld xmlns:a="http://schemas.openxmlformats.org/drawingml/2006/main" xmlns:r="http://schemas.openxmlformats.org/officeDocument/2006/relationships" xmlns:p="http://schemas.openxmlformats.org/presentationml/2006/main" showMasterSp="0">
+  <p:cSld>
+    <p:spTree>
+      <p:nvGrpSpPr>
+        <p:cNvPr id="1" name=""/>
+        <p:cNvGrpSpPr/>
+        <p:nvPr/>
+      </p:nvGrpSpPr>
+      <p:grpSpPr>
+        <a:xfrm>
+          <a:off x="0" y="0"/>
+          <a:ext cx="0" cy="0"/>
+          <a:chOff x="0" y="0"/>
+          <a:chExt cx="0" cy="0"/>
+        </a:xfrm>
+      </p:grpSpPr>
+      <p:sp>
+        <p:nvSpPr>
+          <p:cNvPr id="2" name="Title 1"/>
+          <p:cNvSpPr>
+            <a:spLocks noGrp="1"/>
+          </p:cNvSpPr>
+          <p:nvPr>
+            <p:ph type="title"/>
+          </p:nvPr>
+        </p:nvSpPr>
+        <p:spPr/>
+        <p:txBody>
+          <a:bodyPr/>
+          <a:lstStyle/>
+          <a:p>
+            <a:r>
+              <a:rPr lang="en-US" dirty="0" smtClean="0"/>
+              <a:t>Outline</a:t>
+            </a:r>
+            <a:endParaRPr lang="en-US" dirty="0"/>
+          </a:p>
+        </p:txBody>
+      </p:sp>
+      <p:sp>
+        <p:nvSpPr>
+          <p:cNvPr id="3" name="Content Placeholder 2"/>
+          <p:cNvSpPr>
+            <a:spLocks noGrp="1"/>
+          </p:cNvSpPr>
+          <p:nvPr>
+            <p:ph idx="1"/>
+          </p:nvPr>
+        </p:nvSpPr>
+        <p:spPr/>
+        <p:txBody>
+          <a:bodyPr>
+            <a:normAutofit/>
+          </a:bodyPr>
+          <a:lstStyle/>
+          <a:p>
+            <a:r>
+              <a:rPr lang="en-US" dirty="0" smtClean="0"/>
+              <a:t>Definition</a:t>
+            </a:r>
+          </a:p>
+          <a:p>
+            <a:r>
+              <a:rPr lang="en-US" dirty="0" smtClean="0"/>
+              <a:t>Motivation</a:t>
+            </a:r>
+            <a:endParaRPr lang="en-US" dirty="0" smtClean="0"/>
+          </a:p>
+          <a:p>
+            <a:r>
+              <a:rPr lang="en-US" dirty="0" smtClean="0"/>
+              <a:t>Literature </a:t>
+            </a:r>
+            <a:r>
+              <a:rPr lang="en-US" dirty="0" smtClean="0"/>
+              <a:t>review</a:t>
+            </a:r>
+          </a:p>
+          <a:p>
+            <a:r>
+              <a:rPr lang="en-US" dirty="0" smtClean="0"/>
+              <a:t>Challenges</a:t>
+            </a:r>
+          </a:p>
+          <a:p>
+            <a:r>
+              <a:rPr lang="en-US" dirty="0" smtClean="0"/>
+              <a:t>Objectives</a:t>
+            </a:r>
+          </a:p>
+          <a:p>
+            <a:r>
+              <a:rPr lang="en-US" dirty="0" smtClean="0"/>
+              <a:t>Methodology</a:t>
+            </a:r>
+          </a:p>
+          <a:p>
+            <a:r>
+              <a:rPr lang="en-US" dirty="0" smtClean="0"/>
+              <a:t>Study Plan</a:t>
+            </a:r>
+          </a:p>
+          <a:p>
+            <a:r>
+              <a:rPr lang="en-US" dirty="0" smtClean="0"/>
+              <a:t>Question</a:t>
+            </a:r>
+            <a:endParaRPr lang="en-US" dirty="0"/>
+          </a:p>
+        </p:txBody>
+      </p:sp>
+    </p:spTree>
+    <p:extLst>
+      <p:ext uri="{BB962C8B-B14F-4D97-AF65-F5344CB8AC3E}">
+        <p14:creationId xmlns:p14="http://schemas.microsoft.com/office/powerpoint/2010/main" val="2059971362"/>
+      </p:ext>
+    </p:extLst>
+  </p:cSld>
+  <p:clrMapOvr>
+    <a:masterClrMapping/>
+  </p:clrMapOvr>
+  <p:timing>
+    <p:tnLst>
+      <p:par>
+        <p:cTn id="1" dur="indefinite" restart="never" nodeType="tmRoot"/>
+      </p:par>
+    </p:tnLst>
+  </p:timing>
+</p:sld>
+</file>
+
+<file path=ppt/slides/slide20.xml><?xml version="1.0" encoding="utf-8"?>
+<p:sld xmlns:a="http://schemas.openxmlformats.org/drawingml/2006/main" xmlns:r="http://schemas.openxmlformats.org/officeDocument/2006/relationships" xmlns:p="http://schemas.openxmlformats.org/presentationml/2006/main">
+  <p:cSld>
+    <p:spTree>
+      <p:nvGrpSpPr>
+        <p:cNvPr id="1" name=""/>
+        <p:cNvGrpSpPr/>
+        <p:nvPr/>
+      </p:nvGrpSpPr>
+      <p:grpSpPr>
+        <a:xfrm>
+          <a:off x="0" y="0"/>
+          <a:ext cx="0" cy="0"/>
+          <a:chOff x="0" y="0"/>
+          <a:chExt cx="0" cy="0"/>
+        </a:xfrm>
+      </p:grpSpPr>
+      <p:sp>
+        <p:nvSpPr>
+          <p:cNvPr id="2" name="Title 1"/>
+          <p:cNvSpPr>
+            <a:spLocks noGrp="1"/>
+          </p:cNvSpPr>
+          <p:nvPr>
+            <p:ph type="title"/>
+          </p:nvPr>
+        </p:nvSpPr>
+        <p:spPr/>
+        <p:txBody>
+          <a:bodyPr/>
+          <a:lstStyle/>
+          <a:p>
+            <a:r>
+              <a:rPr lang="en-US" dirty="0"/>
+              <a:t>Proposed solution</a:t>
             </a:r>
             <a:endParaRPr lang="en-US" dirty="0"/>
           </a:p>
@@ -4549,6 +5826,207 @@
         </p:blipFill>
         <p:spPr>
           <a:xfrm>
+            <a:off x="4300500" y="1562451"/>
+            <a:ext cx="6530060" cy="4869973"/>
+          </a:xfrm>
+          <a:prstGeom prst="rect">
+            <a:avLst/>
+          </a:prstGeom>
+        </p:spPr>
+      </p:pic>
+    </p:spTree>
+    <p:extLst>
+      <p:ext uri="{BB962C8B-B14F-4D97-AF65-F5344CB8AC3E}">
+        <p14:creationId xmlns:p14="http://schemas.microsoft.com/office/powerpoint/2010/main" val="3131850597"/>
+      </p:ext>
+    </p:extLst>
+  </p:cSld>
+  <p:clrMapOvr>
+    <a:masterClrMapping/>
+  </p:clrMapOvr>
+</p:sld>
+</file>
+
+<file path=ppt/slides/slide21.xml><?xml version="1.0" encoding="utf-8"?>
+<p:sld xmlns:a="http://schemas.openxmlformats.org/drawingml/2006/main" xmlns:r="http://schemas.openxmlformats.org/officeDocument/2006/relationships" xmlns:p="http://schemas.openxmlformats.org/presentationml/2006/main">
+  <p:cSld>
+    <p:spTree>
+      <p:nvGrpSpPr>
+        <p:cNvPr id="1" name=""/>
+        <p:cNvGrpSpPr/>
+        <p:nvPr/>
+      </p:nvGrpSpPr>
+      <p:grpSpPr>
+        <a:xfrm>
+          <a:off x="0" y="0"/>
+          <a:ext cx="0" cy="0"/>
+          <a:chOff x="0" y="0"/>
+          <a:chExt cx="0" cy="0"/>
+        </a:xfrm>
+      </p:grpSpPr>
+      <p:sp>
+        <p:nvSpPr>
+          <p:cNvPr id="2" name="Title 1"/>
+          <p:cNvSpPr>
+            <a:spLocks noGrp="1"/>
+          </p:cNvSpPr>
+          <p:nvPr>
+            <p:ph type="title"/>
+          </p:nvPr>
+        </p:nvSpPr>
+        <p:spPr/>
+        <p:txBody>
+          <a:bodyPr/>
+          <a:lstStyle/>
+          <a:p>
+            <a:r>
+              <a:rPr lang="en-US" dirty="0"/>
+              <a:t>Proposed solution</a:t>
+            </a:r>
+            <a:endParaRPr lang="en-US" dirty="0"/>
+          </a:p>
+        </p:txBody>
+      </p:sp>
+      <p:sp>
+        <p:nvSpPr>
+          <p:cNvPr id="3" name="Content Placeholder 2"/>
+          <p:cNvSpPr>
+            <a:spLocks noGrp="1"/>
+          </p:cNvSpPr>
+          <p:nvPr>
+            <p:ph idx="1"/>
+          </p:nvPr>
+        </p:nvSpPr>
+        <p:spPr/>
+        <p:txBody>
+          <a:bodyPr/>
+          <a:lstStyle/>
+          <a:p>
+            <a:r>
+              <a:rPr lang="en-US" dirty="0" smtClean="0"/>
+              <a:t>Visualize the artwork features:</a:t>
+            </a:r>
+          </a:p>
+          <a:p>
+            <a:pPr lvl="1">
+              <a:buFont typeface="Wingdings" panose="05000000000000000000" pitchFamily="2" charset="2"/>
+              <a:buChar char="ü"/>
+            </a:pPr>
+            <a:r>
+              <a:rPr lang="en-US" dirty="0" smtClean="0"/>
+              <a:t> Generate the holographic object</a:t>
+            </a:r>
+          </a:p>
+          <a:p>
+            <a:pPr lvl="1">
+              <a:buFont typeface="Wingdings" panose="05000000000000000000" pitchFamily="2" charset="2"/>
+              <a:buChar char="ü"/>
+            </a:pPr>
+            <a:r>
+              <a:rPr lang="en-US" dirty="0" smtClean="0"/>
+              <a:t> Generate the augmented reality display</a:t>
+            </a:r>
+          </a:p>
+          <a:p>
+            <a:pPr lvl="1">
+              <a:buFont typeface="Wingdings" panose="05000000000000000000" pitchFamily="2" charset="2"/>
+              <a:buChar char="ü"/>
+            </a:pPr>
+            <a:r>
+              <a:rPr lang="en-US" dirty="0"/>
+              <a:t> </a:t>
+            </a:r>
+            <a:r>
+              <a:rPr lang="en-US" dirty="0" smtClean="0"/>
+              <a:t>Generate the virtual reality display</a:t>
+            </a:r>
+          </a:p>
+          <a:p>
+            <a:pPr lvl="1"/>
+            <a:endParaRPr lang="en-US" dirty="0" smtClean="0"/>
+          </a:p>
+          <a:p>
+            <a:pPr marL="0" indent="0">
+              <a:buNone/>
+            </a:pPr>
+            <a:endParaRPr lang="en-US" dirty="0"/>
+          </a:p>
+        </p:txBody>
+      </p:sp>
+    </p:spTree>
+    <p:extLst>
+      <p:ext uri="{BB962C8B-B14F-4D97-AF65-F5344CB8AC3E}">
+        <p14:creationId xmlns:p14="http://schemas.microsoft.com/office/powerpoint/2010/main" val="2345528951"/>
+      </p:ext>
+    </p:extLst>
+  </p:cSld>
+  <p:clrMapOvr>
+    <a:masterClrMapping/>
+  </p:clrMapOvr>
+</p:sld>
+</file>
+
+<file path=ppt/slides/slide22.xml><?xml version="1.0" encoding="utf-8"?>
+<p:sld xmlns:a="http://schemas.openxmlformats.org/drawingml/2006/main" xmlns:r="http://schemas.openxmlformats.org/officeDocument/2006/relationships" xmlns:p="http://schemas.openxmlformats.org/presentationml/2006/main">
+  <p:cSld>
+    <p:spTree>
+      <p:nvGrpSpPr>
+        <p:cNvPr id="1" name=""/>
+        <p:cNvGrpSpPr/>
+        <p:nvPr/>
+      </p:nvGrpSpPr>
+      <p:grpSpPr>
+        <a:xfrm>
+          <a:off x="0" y="0"/>
+          <a:ext cx="0" cy="0"/>
+          <a:chOff x="0" y="0"/>
+          <a:chExt cx="0" cy="0"/>
+        </a:xfrm>
+      </p:grpSpPr>
+      <p:sp>
+        <p:nvSpPr>
+          <p:cNvPr id="2" name="Title 1"/>
+          <p:cNvSpPr>
+            <a:spLocks noGrp="1"/>
+          </p:cNvSpPr>
+          <p:nvPr>
+            <p:ph type="title"/>
+          </p:nvPr>
+        </p:nvSpPr>
+        <p:spPr>
+          <a:xfrm>
+            <a:off x="3095897" y="417377"/>
+            <a:ext cx="8623663" cy="785348"/>
+          </a:xfrm>
+        </p:spPr>
+        <p:txBody>
+          <a:bodyPr/>
+          <a:lstStyle/>
+          <a:p>
+            <a:r>
+              <a:rPr lang="en-US" dirty="0"/>
+              <a:t>Proposed solution</a:t>
+            </a:r>
+            <a:endParaRPr lang="en-US" dirty="0"/>
+          </a:p>
+        </p:txBody>
+      </p:sp>
+      <p:pic>
+        <p:nvPicPr>
+          <p:cNvPr id="4" name="Picture 3"/>
+          <p:cNvPicPr>
+            <a:picLocks noChangeAspect="1"/>
+          </p:cNvPicPr>
+          <p:nvPr/>
+        </p:nvPicPr>
+        <p:blipFill>
+          <a:blip r:embed="rId2"/>
+          <a:stretch>
+            <a:fillRect/>
+          </a:stretch>
+        </p:blipFill>
+        <p:spPr>
+          <a:xfrm>
             <a:off x="3445073" y="1507496"/>
             <a:ext cx="7925310" cy="4918703"/>
           </a:xfrm>
@@ -4570,7 +6048,7 @@
 </p:sld>
 </file>
 
-<file path=ppt/slides/slide18.xml><?xml version="1.0" encoding="utf-8"?>
+<file path=ppt/slides/slide23.xml><?xml version="1.0" encoding="utf-8"?>
 <p:sld xmlns:a="http://schemas.openxmlformats.org/drawingml/2006/main" xmlns:r="http://schemas.openxmlformats.org/officeDocument/2006/relationships" xmlns:p="http://schemas.openxmlformats.org/presentationml/2006/main">
   <p:cSld>
     <p:spTree>
@@ -4610,7 +6088,7 @@
         </p:blipFill>
         <p:spPr bwMode="auto">
           <a:xfrm>
-            <a:off x="9476529" y="4445250"/>
+            <a:off x="9567145" y="5343174"/>
             <a:ext cx="2117623" cy="1321807"/>
           </a:xfrm>
           <a:prstGeom prst="rect">
@@ -4651,7 +6129,7 @@
         </p:blipFill>
         <p:spPr bwMode="auto">
           <a:xfrm>
-            <a:off x="9379805" y="1660405"/>
+            <a:off x="9470421" y="2558329"/>
             <a:ext cx="2214347" cy="1381560"/>
           </a:xfrm>
           <a:prstGeom prst="rect">
@@ -4677,7 +6155,7 @@
         </p:nvSpPr>
         <p:spPr>
           <a:xfrm>
-            <a:off x="10345217" y="3191346"/>
+            <a:off x="10435833" y="4089270"/>
             <a:ext cx="380245" cy="1104523"/>
           </a:xfrm>
           <a:prstGeom prst="downArrow">
@@ -4723,7 +6201,7 @@
         </p:blipFill>
         <p:spPr>
           <a:xfrm>
-            <a:off x="4561673" y="150760"/>
+            <a:off x="4652289" y="1048684"/>
             <a:ext cx="1514475" cy="904875"/>
           </a:xfrm>
           <a:prstGeom prst="rect">
@@ -4739,7 +6217,7 @@
         </p:nvSpPr>
         <p:spPr>
           <a:xfrm>
-            <a:off x="3078179" y="1660405"/>
+            <a:off x="3168795" y="2558329"/>
             <a:ext cx="4218914" cy="2531349"/>
           </a:xfrm>
           <a:prstGeom prst="roundRect">
@@ -4820,7 +6298,7 @@
         </p:nvSpPr>
         <p:spPr>
           <a:xfrm>
-            <a:off x="5115208" y="1149790"/>
+            <a:off x="5205824" y="2047714"/>
             <a:ext cx="407406" cy="416460"/>
           </a:xfrm>
           <a:prstGeom prst="downArrow">
@@ -4858,7 +6336,7 @@
         </p:nvSpPr>
         <p:spPr>
           <a:xfrm>
-            <a:off x="7487216" y="2091350"/>
+            <a:off x="7577832" y="2989274"/>
             <a:ext cx="1720158" cy="398353"/>
           </a:xfrm>
           <a:prstGeom prst="rightArrow">
@@ -4888,6 +6366,36 @@
           </a:p>
         </p:txBody>
       </p:sp>
+      <p:sp>
+        <p:nvSpPr>
+          <p:cNvPr id="2" name="Title 1"/>
+          <p:cNvSpPr>
+            <a:spLocks noGrp="1"/>
+          </p:cNvSpPr>
+          <p:nvPr>
+            <p:ph type="title"/>
+          </p:nvPr>
+        </p:nvSpPr>
+        <p:spPr>
+          <a:xfrm>
+            <a:off x="3095897" y="417376"/>
+            <a:ext cx="8623663" cy="537153"/>
+          </a:xfrm>
+        </p:spPr>
+        <p:txBody>
+          <a:bodyPr>
+            <a:normAutofit fontScale="90000"/>
+          </a:bodyPr>
+          <a:lstStyle/>
+          <a:p>
+            <a:r>
+              <a:rPr lang="en-US" dirty="0" smtClean="0"/>
+              <a:t>Hologram</a:t>
+            </a:r>
+            <a:endParaRPr lang="en-US" dirty="0"/>
+          </a:p>
+        </p:txBody>
+      </p:sp>
     </p:spTree>
     <p:extLst>
       <p:ext uri="{BB962C8B-B14F-4D97-AF65-F5344CB8AC3E}">
@@ -4901,7 +6409,7 @@
 </p:sld>
 </file>
 
-<file path=ppt/slides/slide19.xml><?xml version="1.0" encoding="utf-8"?>
+<file path=ppt/slides/slide24.xml><?xml version="1.0" encoding="utf-8"?>
 <p:sld xmlns:a="http://schemas.openxmlformats.org/drawingml/2006/main" xmlns:r="http://schemas.openxmlformats.org/officeDocument/2006/relationships" xmlns:p="http://schemas.openxmlformats.org/presentationml/2006/main">
   <p:cSld>
     <p:spTree>
@@ -4934,7 +6442,7 @@
         </p:blipFill>
         <p:spPr>
           <a:xfrm>
-            <a:off x="3818063" y="293340"/>
+            <a:off x="3809825" y="1232453"/>
             <a:ext cx="2051082" cy="2386879"/>
           </a:xfrm>
           <a:prstGeom prst="rect">
@@ -4950,7 +6458,7 @@
         </p:nvSpPr>
         <p:spPr>
           <a:xfrm>
-            <a:off x="2860895" y="3291237"/>
+            <a:off x="2852657" y="4230350"/>
             <a:ext cx="4753069" cy="2531349"/>
           </a:xfrm>
           <a:prstGeom prst="roundRect">
@@ -5041,7 +6549,7 @@
         </p:nvSpPr>
         <p:spPr>
           <a:xfrm>
-            <a:off x="4748542" y="2777498"/>
+            <a:off x="4740304" y="3716611"/>
             <a:ext cx="407406" cy="416460"/>
           </a:xfrm>
           <a:prstGeom prst="downArrow">
@@ -5087,7 +6595,7 @@
         </p:blipFill>
         <p:spPr>
           <a:xfrm>
-            <a:off x="9618363" y="3250195"/>
+            <a:off x="9610125" y="4189308"/>
             <a:ext cx="2171700" cy="2476500"/>
           </a:xfrm>
           <a:prstGeom prst="rect">
@@ -5103,7 +6611,7 @@
         </p:nvSpPr>
         <p:spPr>
           <a:xfrm rot="16200000">
-            <a:off x="8455465" y="3389487"/>
+            <a:off x="8447227" y="4328600"/>
             <a:ext cx="407406" cy="1927444"/>
           </a:xfrm>
           <a:prstGeom prst="downArrow">
@@ -5133,6 +6641,34 @@
           </a:p>
         </p:txBody>
       </p:sp>
+      <p:sp>
+        <p:nvSpPr>
+          <p:cNvPr id="2" name="Title 1"/>
+          <p:cNvSpPr>
+            <a:spLocks noGrp="1"/>
+          </p:cNvSpPr>
+          <p:nvPr>
+            <p:ph type="title"/>
+          </p:nvPr>
+        </p:nvSpPr>
+        <p:spPr>
+          <a:xfrm>
+            <a:off x="3095897" y="417376"/>
+            <a:ext cx="8623663" cy="752397"/>
+          </a:xfrm>
+        </p:spPr>
+        <p:txBody>
+          <a:bodyPr/>
+          <a:lstStyle/>
+          <a:p>
+            <a:r>
+              <a:rPr lang="en-US" dirty="0" smtClean="0"/>
+              <a:t>Augmented reality</a:t>
+            </a:r>
+            <a:endParaRPr lang="en-US" dirty="0"/>
+          </a:p>
+        </p:txBody>
+      </p:sp>
     </p:spTree>
     <p:extLst>
       <p:ext uri="{BB962C8B-B14F-4D97-AF65-F5344CB8AC3E}">
@@ -5146,140 +6682,7 @@
 </p:sld>
 </file>
 
-<file path=ppt/slides/slide2.xml><?xml version="1.0" encoding="utf-8"?>
-<p:sld xmlns:a="http://schemas.openxmlformats.org/drawingml/2006/main" xmlns:r="http://schemas.openxmlformats.org/officeDocument/2006/relationships" xmlns:p="http://schemas.openxmlformats.org/presentationml/2006/main" showMasterSp="0">
-  <p:cSld>
-    <p:spTree>
-      <p:nvGrpSpPr>
-        <p:cNvPr id="1" name=""/>
-        <p:cNvGrpSpPr/>
-        <p:nvPr/>
-      </p:nvGrpSpPr>
-      <p:grpSpPr>
-        <a:xfrm>
-          <a:off x="0" y="0"/>
-          <a:ext cx="0" cy="0"/>
-          <a:chOff x="0" y="0"/>
-          <a:chExt cx="0" cy="0"/>
-        </a:xfrm>
-      </p:grpSpPr>
-      <p:sp>
-        <p:nvSpPr>
-          <p:cNvPr id="2" name="Title 1"/>
-          <p:cNvSpPr>
-            <a:spLocks noGrp="1"/>
-          </p:cNvSpPr>
-          <p:nvPr>
-            <p:ph type="title"/>
-          </p:nvPr>
-        </p:nvSpPr>
-        <p:spPr/>
-        <p:txBody>
-          <a:bodyPr/>
-          <a:lstStyle/>
-          <a:p>
-            <a:r>
-              <a:rPr lang="en-US" dirty="0" smtClean="0"/>
-              <a:t>Outline</a:t>
-            </a:r>
-            <a:endParaRPr lang="en-US" dirty="0"/>
-          </a:p>
-        </p:txBody>
-      </p:sp>
-      <p:sp>
-        <p:nvSpPr>
-          <p:cNvPr id="3" name="Content Placeholder 2"/>
-          <p:cNvSpPr>
-            <a:spLocks noGrp="1"/>
-          </p:cNvSpPr>
-          <p:nvPr>
-            <p:ph idx="1"/>
-          </p:nvPr>
-        </p:nvSpPr>
-        <p:spPr/>
-        <p:txBody>
-          <a:bodyPr/>
-          <a:lstStyle/>
-          <a:p>
-            <a:r>
-              <a:rPr lang="en-US" dirty="0" smtClean="0"/>
-              <a:t>Motivation</a:t>
-            </a:r>
-          </a:p>
-          <a:p>
-            <a:pPr lvl="1"/>
-            <a:r>
-              <a:rPr lang="en-US" dirty="0" smtClean="0"/>
-              <a:t>Artificial intelligence (AI) forecast</a:t>
-            </a:r>
-          </a:p>
-          <a:p>
-            <a:pPr lvl="1"/>
-            <a:r>
-              <a:rPr lang="en-US" dirty="0" smtClean="0"/>
-              <a:t>AI virtual assistance </a:t>
-            </a:r>
-          </a:p>
-          <a:p>
-            <a:r>
-              <a:rPr lang="en-US" dirty="0" smtClean="0"/>
-              <a:t>Literature review</a:t>
-            </a:r>
-          </a:p>
-          <a:p>
-            <a:r>
-              <a:rPr lang="en-US" dirty="0" smtClean="0"/>
-              <a:t>Challenges</a:t>
-            </a:r>
-          </a:p>
-          <a:p>
-            <a:r>
-              <a:rPr lang="en-US" dirty="0" smtClean="0"/>
-              <a:t>Objectives</a:t>
-            </a:r>
-          </a:p>
-          <a:p>
-            <a:r>
-              <a:rPr lang="en-US" dirty="0" smtClean="0"/>
-              <a:t>Methodology</a:t>
-            </a:r>
-          </a:p>
-          <a:p>
-            <a:r>
-              <a:rPr lang="en-US" dirty="0" smtClean="0"/>
-              <a:t>Study Plan</a:t>
-            </a:r>
-          </a:p>
-          <a:p>
-            <a:r>
-              <a:rPr lang="en-US" dirty="0" smtClean="0"/>
-              <a:t>Question</a:t>
-            </a:r>
-            <a:endParaRPr lang="en-US" dirty="0"/>
-          </a:p>
-        </p:txBody>
-      </p:sp>
-    </p:spTree>
-    <p:extLst>
-      <p:ext uri="{BB962C8B-B14F-4D97-AF65-F5344CB8AC3E}">
-        <p14:creationId xmlns:p14="http://schemas.microsoft.com/office/powerpoint/2010/main" val="2059971362"/>
-      </p:ext>
-    </p:extLst>
-  </p:cSld>
-  <p:clrMapOvr>
-    <a:masterClrMapping/>
-  </p:clrMapOvr>
-  <p:timing>
-    <p:tnLst>
-      <p:par>
-        <p:cTn id="1" dur="indefinite" restart="never" nodeType="tmRoot"/>
-      </p:par>
-    </p:tnLst>
-  </p:timing>
-</p:sld>
-</file>
-
-<file path=ppt/slides/slide20.xml><?xml version="1.0" encoding="utf-8"?>
+<file path=ppt/slides/slide25.xml><?xml version="1.0" encoding="utf-8"?>
 <p:sld xmlns:a="http://schemas.openxmlformats.org/drawingml/2006/main" xmlns:r="http://schemas.openxmlformats.org/officeDocument/2006/relationships" xmlns:p="http://schemas.openxmlformats.org/presentationml/2006/main">
   <p:cSld>
     <p:spTree>
@@ -5304,7 +6707,7 @@
         </p:nvSpPr>
         <p:spPr>
           <a:xfrm>
-            <a:off x="10103431" y="2926079"/>
+            <a:off x="10284406" y="3916679"/>
             <a:ext cx="380245" cy="1104523"/>
           </a:xfrm>
           <a:prstGeom prst="downArrow">
@@ -5350,7 +6753,7 @@
         </p:blipFill>
         <p:spPr>
           <a:xfrm>
-            <a:off x="4407764" y="150760"/>
+            <a:off x="4588739" y="1141360"/>
             <a:ext cx="1514475" cy="904875"/>
           </a:xfrm>
           <a:prstGeom prst="rect">
@@ -5366,7 +6769,7 @@
         </p:nvSpPr>
         <p:spPr>
           <a:xfrm>
-            <a:off x="2924270" y="1566250"/>
+            <a:off x="3105245" y="2556850"/>
             <a:ext cx="4330338" cy="3887199"/>
           </a:xfrm>
           <a:prstGeom prst="roundRect">
@@ -5417,11 +6820,7 @@
             </a:pPr>
             <a:r>
               <a:rPr lang="en-US" dirty="0" smtClean="0"/>
-              <a:t>Evaluate and estimate the accuracy of the  </a:t>
-            </a:r>
-            <a:r>
-              <a:rPr lang="en-US" dirty="0" smtClean="0"/>
-              <a:t>result</a:t>
+              <a:t>Evaluate and estimate the accuracy of the  result</a:t>
             </a:r>
           </a:p>
           <a:p>
@@ -5466,7 +6865,7 @@
         </p:nvSpPr>
         <p:spPr>
           <a:xfrm>
-            <a:off x="4961299" y="1149790"/>
+            <a:off x="5142274" y="2140390"/>
             <a:ext cx="407406" cy="416460"/>
           </a:xfrm>
           <a:prstGeom prst="downArrow">
@@ -5504,7 +6903,7 @@
         </p:nvSpPr>
         <p:spPr>
           <a:xfrm>
-            <a:off x="7333307" y="2091350"/>
+            <a:off x="7514282" y="3081950"/>
             <a:ext cx="1176950" cy="398353"/>
           </a:xfrm>
           <a:prstGeom prst="rightArrow">
@@ -5550,7 +6949,7 @@
         </p:blipFill>
         <p:spPr>
           <a:xfrm>
-            <a:off x="8588956" y="1838087"/>
+            <a:off x="8769931" y="2828687"/>
             <a:ext cx="1514475" cy="904875"/>
           </a:xfrm>
           <a:prstGeom prst="rect">
@@ -5574,7 +6973,7 @@
         </p:blipFill>
         <p:spPr>
           <a:xfrm>
-            <a:off x="10103431" y="1838086"/>
+            <a:off x="10284406" y="2828686"/>
             <a:ext cx="1514475" cy="904875"/>
           </a:xfrm>
           <a:prstGeom prst="rect">
@@ -5605,7 +7004,7 @@
         </p:blipFill>
         <p:spPr bwMode="auto">
           <a:xfrm>
-            <a:off x="9174916" y="4219277"/>
+            <a:off x="9355891" y="5209877"/>
             <a:ext cx="2442990" cy="1375400"/>
           </a:xfrm>
           <a:prstGeom prst="rect">
@@ -5623,6 +7022,36 @@
           </a:extLst>
         </p:spPr>
       </p:pic>
+      <p:sp>
+        <p:nvSpPr>
+          <p:cNvPr id="2" name="Title 1"/>
+          <p:cNvSpPr>
+            <a:spLocks noGrp="1"/>
+          </p:cNvSpPr>
+          <p:nvPr>
+            <p:ph type="title"/>
+          </p:nvPr>
+        </p:nvSpPr>
+        <p:spPr>
+          <a:xfrm>
+            <a:off x="3095897" y="417377"/>
+            <a:ext cx="8623663" cy="663158"/>
+          </a:xfrm>
+        </p:spPr>
+        <p:txBody>
+          <a:bodyPr>
+            <a:normAutofit fontScale="90000"/>
+          </a:bodyPr>
+          <a:lstStyle/>
+          <a:p>
+            <a:r>
+              <a:rPr lang="en-US" dirty="0" smtClean="0"/>
+              <a:t>Virtual reality</a:t>
+            </a:r>
+            <a:endParaRPr lang="en-US" dirty="0"/>
+          </a:p>
+        </p:txBody>
+      </p:sp>
     </p:spTree>
     <p:extLst>
       <p:ext uri="{BB962C8B-B14F-4D97-AF65-F5344CB8AC3E}">
@@ -5636,7 +7065,7 @@
 </p:sld>
 </file>
 
-<file path=ppt/slides/slide21.xml><?xml version="1.0" encoding="utf-8"?>
+<file path=ppt/slides/slide26.xml><?xml version="1.0" encoding="utf-8"?>
 <p:sld xmlns:a="http://schemas.openxmlformats.org/drawingml/2006/main" xmlns:r="http://schemas.openxmlformats.org/officeDocument/2006/relationships" xmlns:p="http://schemas.openxmlformats.org/presentationml/2006/main" showMasterSp="0">
   <p:cSld>
     <p:spTree>
@@ -5846,7 +7275,7 @@
 </p:sld>
 </file>
 
-<file path=ppt/slides/slide22.xml><?xml version="1.0" encoding="utf-8"?>
+<file path=ppt/slides/slide27.xml><?xml version="1.0" encoding="utf-8"?>
 <p:sld xmlns:a="http://schemas.openxmlformats.org/drawingml/2006/main" xmlns:r="http://schemas.openxmlformats.org/officeDocument/2006/relationships" xmlns:p="http://schemas.openxmlformats.org/presentationml/2006/main" showMasterSp="0">
   <p:cSld>
     <p:spTree>
@@ -6047,7 +7476,7 @@
 </p:sld>
 </file>
 
-<file path=ppt/slides/slide23.xml><?xml version="1.0" encoding="utf-8"?>
+<file path=ppt/slides/slide28.xml><?xml version="1.0" encoding="utf-8"?>
 <p:sld xmlns:a="http://schemas.openxmlformats.org/drawingml/2006/main" xmlns:r="http://schemas.openxmlformats.org/officeDocument/2006/relationships" xmlns:p="http://schemas.openxmlformats.org/presentationml/2006/main" showMasterSp="0">
   <p:cSld>
     <p:bg>
@@ -7097,8 +8526,8 @@
         </p:nvSpPr>
         <p:spPr>
           <a:xfrm>
-            <a:off x="104301" y="3073608"/>
-            <a:ext cx="3462359" cy="4154984"/>
+            <a:off x="104301" y="2825958"/>
+            <a:ext cx="4155372" cy="4339650"/>
           </a:xfrm>
           <a:prstGeom prst="rect">
             <a:avLst/>
@@ -7194,21 +8623,19 @@
           <a:p>
             <a:r>
               <a:rPr lang="en-US" sz="1200" dirty="0" smtClean="0"/>
-              <a:t>+ User may </a:t>
-            </a:r>
-            <a:r>
-              <a:rPr lang="en-US" sz="1200" dirty="0" err="1" smtClean="0"/>
-              <a:t>catelogy</a:t>
-            </a:r>
-            <a:r>
-              <a:rPr lang="en-US" sz="1200" dirty="0" smtClean="0"/>
-              <a:t> manual </a:t>
+              <a:t>+ User may category manual </a:t>
             </a:r>
           </a:p>
           <a:p>
             <a:r>
               <a:rPr lang="en-US" sz="1200" dirty="0" smtClean="0"/>
               <a:t>+ Vote the responded information</a:t>
+            </a:r>
+          </a:p>
+          <a:p>
+            <a:r>
+              <a:rPr lang="en-US" sz="1200" dirty="0" smtClean="0"/>
+              <a:t>+ Comment and make the hashtag</a:t>
             </a:r>
           </a:p>
           <a:p>
@@ -7544,7 +8971,7 @@
 </p:sld>
 </file>
 
-<file path=ppt/slides/slide24.xml><?xml version="1.0" encoding="utf-8"?>
+<file path=ppt/slides/slide29.xml><?xml version="1.0" encoding="utf-8"?>
 <p:sld xmlns:a="http://schemas.openxmlformats.org/drawingml/2006/main" xmlns:r="http://schemas.openxmlformats.org/officeDocument/2006/relationships" xmlns:p="http://schemas.openxmlformats.org/presentationml/2006/main" showMasterSp="0">
   <p:cSld>
     <p:spTree>
@@ -7634,7 +9061,7 @@
 </p:sld>
 </file>
 
-<file path=ppt/slides/slide25.xml><?xml version="1.0" encoding="utf-8"?>
+<file path=ppt/slides/slide3.xml><?xml version="1.0" encoding="utf-8"?>
 <p:sld xmlns:a="http://schemas.openxmlformats.org/drawingml/2006/main" xmlns:r="http://schemas.openxmlformats.org/officeDocument/2006/relationships" xmlns:p="http://schemas.openxmlformats.org/presentationml/2006/main">
   <p:cSld>
     <p:spTree>
@@ -7653,6 +9080,86 @@
       </p:grpSpPr>
       <p:sp>
         <p:nvSpPr>
+          <p:cNvPr id="2" name="Title 1"/>
+          <p:cNvSpPr>
+            <a:spLocks noGrp="1"/>
+          </p:cNvSpPr>
+          <p:nvPr>
+            <p:ph type="title"/>
+          </p:nvPr>
+        </p:nvSpPr>
+        <p:spPr/>
+        <p:txBody>
+          <a:bodyPr/>
+          <a:lstStyle/>
+          <a:p>
+            <a:r>
+              <a:rPr lang="en-US" dirty="0" smtClean="0"/>
+              <a:t>Definitions</a:t>
+            </a:r>
+            <a:endParaRPr lang="en-US" dirty="0"/>
+          </a:p>
+        </p:txBody>
+      </p:sp>
+      <p:sp>
+        <p:nvSpPr>
+          <p:cNvPr id="3" name="Content Placeholder 2"/>
+          <p:cNvSpPr>
+            <a:spLocks noGrp="1"/>
+          </p:cNvSpPr>
+          <p:nvPr>
+            <p:ph idx="1"/>
+          </p:nvPr>
+        </p:nvSpPr>
+        <p:spPr/>
+        <p:txBody>
+          <a:bodyPr/>
+          <a:lstStyle/>
+          <a:p>
+            <a:r>
+              <a:rPr lang="en-CA" dirty="0" smtClean="0"/>
+              <a:t>Semantic </a:t>
+            </a:r>
+            <a:r>
+              <a:rPr lang="en-CA" dirty="0"/>
+              <a:t>Metadata Enrichment</a:t>
+            </a:r>
+            <a:endParaRPr lang="en-US" dirty="0"/>
+          </a:p>
+        </p:txBody>
+      </p:sp>
+    </p:spTree>
+    <p:extLst>
+      <p:ext uri="{BB962C8B-B14F-4D97-AF65-F5344CB8AC3E}">
+        <p14:creationId xmlns:p14="http://schemas.microsoft.com/office/powerpoint/2010/main" val="32626320"/>
+      </p:ext>
+    </p:extLst>
+  </p:cSld>
+  <p:clrMapOvr>
+    <a:masterClrMapping/>
+  </p:clrMapOvr>
+</p:sld>
+</file>
+
+<file path=ppt/slides/slide30.xml><?xml version="1.0" encoding="utf-8"?>
+<p:sld xmlns:a="http://schemas.openxmlformats.org/drawingml/2006/main" xmlns:r="http://schemas.openxmlformats.org/officeDocument/2006/relationships" xmlns:p="http://schemas.openxmlformats.org/presentationml/2006/main">
+  <p:cSld>
+    <p:spTree>
+      <p:nvGrpSpPr>
+        <p:cNvPr id="1" name=""/>
+        <p:cNvGrpSpPr/>
+        <p:nvPr/>
+      </p:nvGrpSpPr>
+      <p:grpSpPr>
+        <a:xfrm>
+          <a:off x="0" y="0"/>
+          <a:ext cx="0" cy="0"/>
+          <a:chOff x="0" y="0"/>
+          <a:chExt cx="0" cy="0"/>
+        </a:xfrm>
+      </p:grpSpPr>
+      <p:sp>
+        <p:nvSpPr>
           <p:cNvPr id="4" name="Title 3"/>
           <p:cNvSpPr>
             <a:spLocks noGrp="1"/>
@@ -7692,7 +9199,157 @@
 </p:sld>
 </file>
 
-<file path=ppt/slides/slide3.xml><?xml version="1.0" encoding="utf-8"?>
+<file path=ppt/slides/slide4.xml><?xml version="1.0" encoding="utf-8"?>
+<p:sld xmlns:a="http://schemas.openxmlformats.org/drawingml/2006/main" xmlns:r="http://schemas.openxmlformats.org/officeDocument/2006/relationships" xmlns:p="http://schemas.openxmlformats.org/presentationml/2006/main">
+  <p:cSld>
+    <p:spTree>
+      <p:nvGrpSpPr>
+        <p:cNvPr id="1" name=""/>
+        <p:cNvGrpSpPr/>
+        <p:nvPr/>
+      </p:nvGrpSpPr>
+      <p:grpSpPr>
+        <a:xfrm>
+          <a:off x="0" y="0"/>
+          <a:ext cx="0" cy="0"/>
+          <a:chOff x="0" y="0"/>
+          <a:chExt cx="0" cy="0"/>
+        </a:xfrm>
+      </p:grpSpPr>
+      <p:sp>
+        <p:nvSpPr>
+          <p:cNvPr id="2" name="Title 1"/>
+          <p:cNvSpPr>
+            <a:spLocks noGrp="1"/>
+          </p:cNvSpPr>
+          <p:nvPr>
+            <p:ph type="title"/>
+          </p:nvPr>
+        </p:nvSpPr>
+        <p:spPr/>
+        <p:txBody>
+          <a:bodyPr/>
+          <a:lstStyle/>
+          <a:p>
+            <a:r>
+              <a:rPr lang="en-US" dirty="0"/>
+              <a:t>Definitions</a:t>
+            </a:r>
+          </a:p>
+        </p:txBody>
+      </p:sp>
+      <p:sp>
+        <p:nvSpPr>
+          <p:cNvPr id="3" name="Content Placeholder 2"/>
+          <p:cNvSpPr>
+            <a:spLocks noGrp="1"/>
+          </p:cNvSpPr>
+          <p:nvPr>
+            <p:ph idx="1"/>
+          </p:nvPr>
+        </p:nvSpPr>
+        <p:spPr/>
+        <p:txBody>
+          <a:bodyPr/>
+          <a:lstStyle/>
+          <a:p>
+            <a:r>
+              <a:rPr lang="en-CA" dirty="0"/>
+              <a:t>Holographic Knowledgeable Assistant</a:t>
+            </a:r>
+            <a:endParaRPr lang="en-US" dirty="0"/>
+          </a:p>
+        </p:txBody>
+      </p:sp>
+    </p:spTree>
+    <p:extLst>
+      <p:ext uri="{BB962C8B-B14F-4D97-AF65-F5344CB8AC3E}">
+        <p14:creationId xmlns:p14="http://schemas.microsoft.com/office/powerpoint/2010/main" val="543777181"/>
+      </p:ext>
+    </p:extLst>
+  </p:cSld>
+  <p:clrMapOvr>
+    <a:masterClrMapping/>
+  </p:clrMapOvr>
+</p:sld>
+</file>
+
+<file path=ppt/slides/slide5.xml><?xml version="1.0" encoding="utf-8"?>
+<p:sld xmlns:a="http://schemas.openxmlformats.org/drawingml/2006/main" xmlns:r="http://schemas.openxmlformats.org/officeDocument/2006/relationships" xmlns:p="http://schemas.openxmlformats.org/presentationml/2006/main">
+  <p:cSld>
+    <p:spTree>
+      <p:nvGrpSpPr>
+        <p:cNvPr id="1" name=""/>
+        <p:cNvGrpSpPr/>
+        <p:nvPr/>
+      </p:nvGrpSpPr>
+      <p:grpSpPr>
+        <a:xfrm>
+          <a:off x="0" y="0"/>
+          <a:ext cx="0" cy="0"/>
+          <a:chOff x="0" y="0"/>
+          <a:chExt cx="0" cy="0"/>
+        </a:xfrm>
+      </p:grpSpPr>
+      <p:sp>
+        <p:nvSpPr>
+          <p:cNvPr id="2" name="Title 1"/>
+          <p:cNvSpPr>
+            <a:spLocks noGrp="1"/>
+          </p:cNvSpPr>
+          <p:nvPr>
+            <p:ph type="title"/>
+          </p:nvPr>
+        </p:nvSpPr>
+        <p:spPr/>
+        <p:txBody>
+          <a:bodyPr/>
+          <a:lstStyle/>
+          <a:p>
+            <a:r>
+              <a:rPr lang="en-US" dirty="0"/>
+              <a:t>Definitions</a:t>
+            </a:r>
+          </a:p>
+        </p:txBody>
+      </p:sp>
+      <p:sp>
+        <p:nvSpPr>
+          <p:cNvPr id="3" name="Content Placeholder 2"/>
+          <p:cNvSpPr>
+            <a:spLocks noGrp="1"/>
+          </p:cNvSpPr>
+          <p:nvPr>
+            <p:ph idx="1"/>
+          </p:nvPr>
+        </p:nvSpPr>
+        <p:spPr/>
+        <p:txBody>
+          <a:bodyPr/>
+          <a:lstStyle/>
+          <a:p>
+            <a:r>
+              <a:rPr lang="en-CA" dirty="0"/>
+              <a:t>Learning Interactive Semantic Search</a:t>
+            </a:r>
+            <a:endParaRPr lang="en-US" dirty="0"/>
+          </a:p>
+        </p:txBody>
+      </p:sp>
+    </p:spTree>
+    <p:extLst>
+      <p:ext uri="{BB962C8B-B14F-4D97-AF65-F5344CB8AC3E}">
+        <p14:creationId xmlns:p14="http://schemas.microsoft.com/office/powerpoint/2010/main" val="4141089714"/>
+      </p:ext>
+    </p:extLst>
+  </p:cSld>
+  <p:clrMapOvr>
+    <a:masterClrMapping/>
+  </p:clrMapOvr>
+</p:sld>
+</file>
+
+<file path=ppt/slides/slide6.xml><?xml version="1.0" encoding="utf-8"?>
 <p:sld xmlns:a="http://schemas.openxmlformats.org/drawingml/2006/main" xmlns:r="http://schemas.openxmlformats.org/officeDocument/2006/relationships" xmlns:p="http://schemas.openxmlformats.org/presentationml/2006/main" showMasterSp="0">
   <p:cSld>
     <p:spTree>
@@ -7858,7 +9515,7 @@
 </p:sld>
 </file>
 
-<file path=ppt/slides/slide4.xml><?xml version="1.0" encoding="utf-8"?>
+<file path=ppt/slides/slide7.xml><?xml version="1.0" encoding="utf-8"?>
 <p:sld xmlns:a="http://schemas.openxmlformats.org/drawingml/2006/main" xmlns:r="http://schemas.openxmlformats.org/officeDocument/2006/relationships" xmlns:p="http://schemas.openxmlformats.org/presentationml/2006/main" showMasterSp="0">
   <p:cSld>
     <p:bg>
@@ -8059,7 +9716,11 @@
             <a:pPr algn="just"/>
             <a:r>
               <a:rPr lang="en-US" dirty="0" smtClean="0"/>
-              <a:t>- Could you explain and show me more information of the new items which I have not seen yet?</a:t>
+              <a:t>- Could you explain and show me more information of the new items which I have not seen yet? </a:t>
+            </a:r>
+            <a:r>
+              <a:rPr lang="en-US" smtClean="0"/>
+              <a:t>(WIT)</a:t>
             </a:r>
             <a:endParaRPr lang="en-US" dirty="0"/>
           </a:p>
@@ -8085,7 +9746,7 @@
 </p:sld>
 </file>
 
-<file path=ppt/slides/slide5.xml><?xml version="1.0" encoding="utf-8"?>
+<file path=ppt/slides/slide8.xml><?xml version="1.0" encoding="utf-8"?>
 <p:sld xmlns:a="http://schemas.openxmlformats.org/drawingml/2006/main" xmlns:r="http://schemas.openxmlformats.org/officeDocument/2006/relationships" xmlns:p="http://schemas.openxmlformats.org/presentationml/2006/main" showMasterSp="0">
   <p:cSld>
     <p:spTree>
@@ -8848,7 +10509,7 @@
         <p:spPr>
           <a:xfrm>
             <a:off x="914400" y="1244375"/>
-            <a:ext cx="1184940" cy="369332"/>
+            <a:ext cx="1293944" cy="369332"/>
           </a:xfrm>
           <a:prstGeom prst="rect">
             <a:avLst/>
@@ -8863,7 +10524,7 @@
           <a:p>
             <a:r>
               <a:rPr lang="en-US" b="1" dirty="0" smtClean="0"/>
-              <a:t>Problem?</a:t>
+              <a:t>PROBLEM?</a:t>
             </a:r>
             <a:endParaRPr lang="en-US" b="1" dirty="0"/>
           </a:p>
@@ -8889,7 +10550,7 @@
 </p:sld>
 </file>
 
-<file path=ppt/slides/slide6.xml><?xml version="1.0" encoding="utf-8"?>
+<file path=ppt/slides/slide9.xml><?xml version="1.0" encoding="utf-8"?>
 <p:sld xmlns:a="http://schemas.openxmlformats.org/drawingml/2006/main" xmlns:r="http://schemas.openxmlformats.org/officeDocument/2006/relationships" xmlns:p="http://schemas.openxmlformats.org/presentationml/2006/main" showMasterSp="0">
   <p:cSld>
     <p:spTree>
@@ -9262,1170 +10923,6 @@
       </p:par>
     </p:tnLst>
   </p:timing>
-</p:sld>
-</file>
-
-<file path=ppt/slides/slide7.xml><?xml version="1.0" encoding="utf-8"?>
-<p:sld xmlns:a="http://schemas.openxmlformats.org/drawingml/2006/main" xmlns:r="http://schemas.openxmlformats.org/officeDocument/2006/relationships" xmlns:p="http://schemas.openxmlformats.org/presentationml/2006/main" showMasterSp="0">
-  <p:cSld>
-    <p:spTree>
-      <p:nvGrpSpPr>
-        <p:cNvPr id="1" name=""/>
-        <p:cNvGrpSpPr/>
-        <p:nvPr/>
-      </p:nvGrpSpPr>
-      <p:grpSpPr>
-        <a:xfrm>
-          <a:off x="0" y="0"/>
-          <a:ext cx="0" cy="0"/>
-          <a:chOff x="0" y="0"/>
-          <a:chExt cx="0" cy="0"/>
-        </a:xfrm>
-      </p:grpSpPr>
-      <p:sp>
-        <p:nvSpPr>
-          <p:cNvPr id="2" name="Title 1"/>
-          <p:cNvSpPr>
-            <a:spLocks noGrp="1"/>
-          </p:cNvSpPr>
-          <p:nvPr>
-            <p:ph type="title"/>
-          </p:nvPr>
-        </p:nvSpPr>
-        <p:spPr/>
-        <p:txBody>
-          <a:bodyPr/>
-          <a:lstStyle/>
-          <a:p>
-            <a:r>
-              <a:rPr lang="en-US" dirty="0" smtClean="0"/>
-              <a:t>Literature review</a:t>
-            </a:r>
-            <a:endParaRPr lang="en-US" dirty="0"/>
-          </a:p>
-        </p:txBody>
-      </p:sp>
-      <p:sp>
-        <p:nvSpPr>
-          <p:cNvPr id="3" name="Content Placeholder 2"/>
-          <p:cNvSpPr>
-            <a:spLocks noGrp="1"/>
-          </p:cNvSpPr>
-          <p:nvPr>
-            <p:ph idx="1"/>
-          </p:nvPr>
-        </p:nvSpPr>
-        <p:spPr/>
-        <p:txBody>
-          <a:bodyPr>
-            <a:noAutofit/>
-          </a:bodyPr>
-          <a:lstStyle/>
-          <a:p>
-            <a:endParaRPr lang="en-US" sz="2400" dirty="0" smtClean="0"/>
-          </a:p>
-          <a:p>
-            <a:endParaRPr lang="en-US" sz="2400" dirty="0"/>
-          </a:p>
-          <a:p>
-            <a:endParaRPr lang="en-US" sz="2400" dirty="0"/>
-          </a:p>
-        </p:txBody>
-      </p:sp>
-      <p:sp>
-        <p:nvSpPr>
-          <p:cNvPr id="4" name="Content Placeholder 2"/>
-          <p:cNvSpPr txBox="1">
-            <a:spLocks/>
-          </p:cNvSpPr>
-          <p:nvPr/>
-        </p:nvSpPr>
-        <p:spPr>
-          <a:xfrm>
-            <a:off x="3095897" y="1742938"/>
-            <a:ext cx="8623663" cy="4886461"/>
-          </a:xfrm>
-          <a:prstGeom prst="rect">
-            <a:avLst/>
-          </a:prstGeom>
-        </p:spPr>
-        <p:txBody>
-          <a:bodyPr vert="horz" lIns="91440" tIns="45720" rIns="91440" bIns="45720" rtlCol="0">
-            <a:normAutofit fontScale="70000" lnSpcReduction="20000"/>
-          </a:bodyPr>
-          <a:lstStyle>
-            <a:lvl1pPr marL="228600" indent="-228600" algn="l" defTabSz="914400" rtl="0" eaLnBrk="1" latinLnBrk="0" hangingPunct="1">
-              <a:lnSpc>
-                <a:spcPct val="90000"/>
-              </a:lnSpc>
-              <a:spcBef>
-                <a:spcPts val="1000"/>
-              </a:spcBef>
-              <a:buFont typeface="Arial" panose="020B0604020202020204" pitchFamily="34" charset="0"/>
-              <a:buChar char="•"/>
-              <a:defRPr sz="2800" kern="1200">
-                <a:solidFill>
-                  <a:schemeClr val="tx1"/>
-                </a:solidFill>
-                <a:latin typeface="+mn-lt"/>
-                <a:ea typeface="+mn-ea"/>
-                <a:cs typeface="+mn-cs"/>
-              </a:defRPr>
-            </a:lvl1pPr>
-            <a:lvl2pPr marL="685800" indent="-228600" algn="l" defTabSz="914400" rtl="0" eaLnBrk="1" latinLnBrk="0" hangingPunct="1">
-              <a:lnSpc>
-                <a:spcPct val="90000"/>
-              </a:lnSpc>
-              <a:spcBef>
-                <a:spcPts val="500"/>
-              </a:spcBef>
-              <a:buFont typeface="Arial" panose="020B0604020202020204" pitchFamily="34" charset="0"/>
-              <a:buChar char="•"/>
-              <a:defRPr sz="2400" kern="1200">
-                <a:solidFill>
-                  <a:schemeClr val="tx1"/>
-                </a:solidFill>
-                <a:latin typeface="+mn-lt"/>
-                <a:ea typeface="+mn-ea"/>
-                <a:cs typeface="+mn-cs"/>
-              </a:defRPr>
-            </a:lvl2pPr>
-            <a:lvl3pPr marL="1143000" indent="-228600" algn="l" defTabSz="914400" rtl="0" eaLnBrk="1" latinLnBrk="0" hangingPunct="1">
-              <a:lnSpc>
-                <a:spcPct val="90000"/>
-              </a:lnSpc>
-              <a:spcBef>
-                <a:spcPts val="500"/>
-              </a:spcBef>
-              <a:buFont typeface="Arial" panose="020B0604020202020204" pitchFamily="34" charset="0"/>
-              <a:buChar char="•"/>
-              <a:defRPr sz="2000" kern="1200">
-                <a:solidFill>
-                  <a:schemeClr val="tx1"/>
-                </a:solidFill>
-                <a:latin typeface="+mn-lt"/>
-                <a:ea typeface="+mn-ea"/>
-                <a:cs typeface="+mn-cs"/>
-              </a:defRPr>
-            </a:lvl3pPr>
-            <a:lvl4pPr marL="1600200" indent="-228600" algn="l" defTabSz="914400" rtl="0" eaLnBrk="1" latinLnBrk="0" hangingPunct="1">
-              <a:lnSpc>
-                <a:spcPct val="90000"/>
-              </a:lnSpc>
-              <a:spcBef>
-                <a:spcPts val="500"/>
-              </a:spcBef>
-              <a:buFont typeface="Arial" panose="020B0604020202020204" pitchFamily="34" charset="0"/>
-              <a:buChar char="•"/>
-              <a:defRPr sz="1800" kern="1200">
-                <a:solidFill>
-                  <a:schemeClr val="tx1"/>
-                </a:solidFill>
-                <a:latin typeface="+mn-lt"/>
-                <a:ea typeface="+mn-ea"/>
-                <a:cs typeface="+mn-cs"/>
-              </a:defRPr>
-            </a:lvl4pPr>
-            <a:lvl5pPr marL="2057400" indent="-228600" algn="l" defTabSz="914400" rtl="0" eaLnBrk="1" latinLnBrk="0" hangingPunct="1">
-              <a:lnSpc>
-                <a:spcPct val="90000"/>
-              </a:lnSpc>
-              <a:spcBef>
-                <a:spcPts val="500"/>
-              </a:spcBef>
-              <a:buFont typeface="Arial" panose="020B0604020202020204" pitchFamily="34" charset="0"/>
-              <a:buChar char="•"/>
-              <a:defRPr sz="1800" kern="1200">
-                <a:solidFill>
-                  <a:schemeClr val="tx1"/>
-                </a:solidFill>
-                <a:latin typeface="+mn-lt"/>
-                <a:ea typeface="+mn-ea"/>
-                <a:cs typeface="+mn-cs"/>
-              </a:defRPr>
-            </a:lvl5pPr>
-            <a:lvl6pPr marL="2514600" indent="-228600" algn="l" defTabSz="914400" rtl="0" eaLnBrk="1" latinLnBrk="0" hangingPunct="1">
-              <a:lnSpc>
-                <a:spcPct val="90000"/>
-              </a:lnSpc>
-              <a:spcBef>
-                <a:spcPts val="500"/>
-              </a:spcBef>
-              <a:buFont typeface="Arial" panose="020B0604020202020204" pitchFamily="34" charset="0"/>
-              <a:buChar char="•"/>
-              <a:defRPr sz="1800" kern="1200">
-                <a:solidFill>
-                  <a:schemeClr val="tx1"/>
-                </a:solidFill>
-                <a:latin typeface="+mn-lt"/>
-                <a:ea typeface="+mn-ea"/>
-                <a:cs typeface="+mn-cs"/>
-              </a:defRPr>
-            </a:lvl6pPr>
-            <a:lvl7pPr marL="2971800" indent="-228600" algn="l" defTabSz="914400" rtl="0" eaLnBrk="1" latinLnBrk="0" hangingPunct="1">
-              <a:lnSpc>
-                <a:spcPct val="90000"/>
-              </a:lnSpc>
-              <a:spcBef>
-                <a:spcPts val="500"/>
-              </a:spcBef>
-              <a:buFont typeface="Arial" panose="020B0604020202020204" pitchFamily="34" charset="0"/>
-              <a:buChar char="•"/>
-              <a:defRPr sz="1800" kern="1200">
-                <a:solidFill>
-                  <a:schemeClr val="tx1"/>
-                </a:solidFill>
-                <a:latin typeface="+mn-lt"/>
-                <a:ea typeface="+mn-ea"/>
-                <a:cs typeface="+mn-cs"/>
-              </a:defRPr>
-            </a:lvl7pPr>
-            <a:lvl8pPr marL="3429000" indent="-228600" algn="l" defTabSz="914400" rtl="0" eaLnBrk="1" latinLnBrk="0" hangingPunct="1">
-              <a:lnSpc>
-                <a:spcPct val="90000"/>
-              </a:lnSpc>
-              <a:spcBef>
-                <a:spcPts val="500"/>
-              </a:spcBef>
-              <a:buFont typeface="Arial" panose="020B0604020202020204" pitchFamily="34" charset="0"/>
-              <a:buChar char="•"/>
-              <a:defRPr sz="1800" kern="1200">
-                <a:solidFill>
-                  <a:schemeClr val="tx1"/>
-                </a:solidFill>
-                <a:latin typeface="+mn-lt"/>
-                <a:ea typeface="+mn-ea"/>
-                <a:cs typeface="+mn-cs"/>
-              </a:defRPr>
-            </a:lvl8pPr>
-            <a:lvl9pPr marL="3886200" indent="-228600" algn="l" defTabSz="914400" rtl="0" eaLnBrk="1" latinLnBrk="0" hangingPunct="1">
-              <a:lnSpc>
-                <a:spcPct val="90000"/>
-              </a:lnSpc>
-              <a:spcBef>
-                <a:spcPts val="500"/>
-              </a:spcBef>
-              <a:buFont typeface="Arial" panose="020B0604020202020204" pitchFamily="34" charset="0"/>
-              <a:buChar char="•"/>
-              <a:defRPr sz="1800" kern="1200">
-                <a:solidFill>
-                  <a:schemeClr val="tx1"/>
-                </a:solidFill>
-                <a:latin typeface="+mn-lt"/>
-                <a:ea typeface="+mn-ea"/>
-                <a:cs typeface="+mn-cs"/>
-              </a:defRPr>
-            </a:lvl9pPr>
-          </a:lstStyle>
-          <a:p>
-            <a:pPr algn="just">
-              <a:lnSpc>
-                <a:spcPct val="150000"/>
-              </a:lnSpc>
-            </a:pPr>
-            <a:r>
-              <a:rPr lang="en-US" sz="1700" dirty="0"/>
-              <a:t>CBIR used multiple support vector machine (SVM)’s ensemble method narrow down search space and handle the large image database [8]</a:t>
-            </a:r>
-          </a:p>
-          <a:p>
-            <a:pPr algn="just">
-              <a:lnSpc>
-                <a:spcPct val="150000"/>
-              </a:lnSpc>
-            </a:pPr>
-            <a:r>
-              <a:rPr lang="en-US" sz="1700" dirty="0"/>
-              <a:t>Extracting low-level features (color, texture, edge density) and measuring distances to find the similarity between images in reducing the semantic gap between the low level features and the high level semantic concept [9][10</a:t>
-            </a:r>
-            <a:r>
-              <a:rPr lang="en-US" sz="1700" dirty="0" smtClean="0"/>
-              <a:t>]</a:t>
-            </a:r>
-          </a:p>
-          <a:p>
-            <a:pPr algn="just">
-              <a:lnSpc>
-                <a:spcPct val="150000"/>
-              </a:lnSpc>
-            </a:pPr>
-            <a:r>
-              <a:rPr lang="en-US" sz="1800" dirty="0"/>
-              <a:t>Using CNN to </a:t>
-            </a:r>
-            <a:r>
-              <a:rPr lang="en-US" sz="1800" dirty="0" smtClean="0"/>
-              <a:t>classify </a:t>
-            </a:r>
-            <a:r>
-              <a:rPr lang="en-US" sz="1800" dirty="0"/>
-              <a:t>and u</a:t>
-            </a:r>
-            <a:r>
-              <a:rPr lang="en-US" sz="1800" dirty="0" smtClean="0"/>
-              <a:t>nderstand artists from the museum[11] based on predicting artist names with such high accuracy, and learn what parts of each piece of art are most predictive of a particular artist</a:t>
-            </a:r>
-          </a:p>
-          <a:p>
-            <a:pPr algn="just">
-              <a:lnSpc>
-                <a:spcPct val="150000"/>
-              </a:lnSpc>
-            </a:pPr>
-            <a:r>
-              <a:rPr lang="en-US" sz="1800" dirty="0" smtClean="0"/>
-              <a:t>Show excellent classification of image style </a:t>
-            </a:r>
-            <a:r>
-              <a:rPr lang="en-US" sz="1800" dirty="0"/>
-              <a:t>visual style, including photographic techniques (“Macro,” “HDR”), composition styles (“Minimal,” “Geometric”), moods (“Serene,” “Melancholy”), </a:t>
-            </a:r>
-            <a:r>
-              <a:rPr lang="en-US" sz="1800" dirty="0" smtClean="0"/>
-              <a:t>genres (“</a:t>
-            </a:r>
-            <a:r>
-              <a:rPr lang="en-US" sz="1800" dirty="0"/>
-              <a:t>Vintage,” “Romantic,” “Horror”), and types of scenes (“Hazy,” “Sunny</a:t>
-            </a:r>
-            <a:r>
-              <a:rPr lang="en-US" sz="1800" dirty="0" smtClean="0"/>
-              <a:t>”) [12] by using CNN</a:t>
-            </a:r>
-          </a:p>
-          <a:p>
-            <a:pPr algn="just">
-              <a:lnSpc>
-                <a:spcPct val="150000"/>
-              </a:lnSpc>
-            </a:pPr>
-            <a:r>
-              <a:rPr lang="en-US" sz="1800" dirty="0" smtClean="0"/>
-              <a:t>Customized expression recognition for performance-driven cutout character animation[13] by using deep  convolutional neural network</a:t>
-            </a:r>
-          </a:p>
-          <a:p>
-            <a:pPr algn="just">
-              <a:lnSpc>
-                <a:spcPct val="150000"/>
-              </a:lnSpc>
-            </a:pPr>
-            <a:r>
-              <a:rPr lang="en-US" sz="1800" dirty="0" err="1" smtClean="0"/>
-              <a:t>ArtWork</a:t>
-            </a:r>
-            <a:r>
-              <a:rPr lang="en-US" sz="1800" dirty="0" smtClean="0"/>
-              <a:t> recognition in 360 degree [14] by </a:t>
-            </a:r>
-            <a:r>
-              <a:rPr lang="en-US" sz="1900" dirty="0"/>
-              <a:t>using a 32- </a:t>
-            </a:r>
-            <a:r>
-              <a:rPr lang="en-US" sz="1900" dirty="0" err="1"/>
-              <a:t>hedron</a:t>
-            </a:r>
-            <a:r>
-              <a:rPr lang="en-US" sz="1900" dirty="0"/>
-              <a:t> based rectilinear projection and the well-known scale invariant feature </a:t>
-            </a:r>
-            <a:r>
-              <a:rPr lang="en-US" sz="1900" dirty="0" smtClean="0"/>
-              <a:t>transform.</a:t>
-            </a:r>
-          </a:p>
-          <a:p>
-            <a:pPr algn="just">
-              <a:lnSpc>
-                <a:spcPct val="150000"/>
-              </a:lnSpc>
-            </a:pPr>
-            <a:r>
-              <a:rPr lang="en-US" sz="1900" dirty="0" smtClean="0"/>
-              <a:t>Virtual restoration an object by using crack detection and </a:t>
-            </a:r>
-            <a:r>
-              <a:rPr lang="en-US" sz="1900" dirty="0" err="1" smtClean="0"/>
-              <a:t>inpainting</a:t>
-            </a:r>
-            <a:r>
-              <a:rPr lang="en-US" sz="1900" dirty="0"/>
-              <a:t> </a:t>
-            </a:r>
-            <a:r>
-              <a:rPr lang="en-US" sz="1900" dirty="0" smtClean="0"/>
-              <a:t>[15]</a:t>
-            </a:r>
-          </a:p>
-          <a:p>
-            <a:pPr algn="just">
-              <a:lnSpc>
-                <a:spcPct val="150000"/>
-              </a:lnSpc>
-            </a:pPr>
-            <a:r>
-              <a:rPr lang="en-US" sz="1900" dirty="0" smtClean="0"/>
-              <a:t>3D Pose estimation [16]</a:t>
-            </a:r>
-          </a:p>
-          <a:p>
-            <a:pPr algn="just">
-              <a:lnSpc>
-                <a:spcPct val="150000"/>
-              </a:lnSpc>
-            </a:pPr>
-            <a:endParaRPr lang="en-US" sz="1900" dirty="0"/>
-          </a:p>
-          <a:p>
-            <a:pPr algn="just">
-              <a:lnSpc>
-                <a:spcPct val="150000"/>
-              </a:lnSpc>
-            </a:pPr>
-            <a:endParaRPr lang="en-US" sz="1700" dirty="0"/>
-          </a:p>
-          <a:p>
-            <a:pPr marL="0" indent="0" algn="just">
-              <a:lnSpc>
-                <a:spcPct val="150000"/>
-              </a:lnSpc>
-              <a:buNone/>
-            </a:pPr>
-            <a:endParaRPr lang="en-US" sz="1700" dirty="0"/>
-          </a:p>
-          <a:p>
-            <a:pPr marL="0" indent="0" algn="just">
-              <a:buFont typeface="Arial" panose="020B0604020202020204" pitchFamily="34" charset="0"/>
-              <a:buNone/>
-            </a:pPr>
-            <a:endParaRPr lang="en-US" sz="2400" dirty="0" smtClean="0"/>
-          </a:p>
-          <a:p>
-            <a:pPr algn="just"/>
-            <a:endParaRPr lang="en-US" sz="2400" dirty="0" smtClean="0"/>
-          </a:p>
-          <a:p>
-            <a:pPr algn="just"/>
-            <a:endParaRPr lang="en-US" sz="2400" dirty="0" smtClean="0"/>
-          </a:p>
-          <a:p>
-            <a:pPr algn="just"/>
-            <a:endParaRPr lang="en-US" sz="2400" dirty="0" smtClean="0"/>
-          </a:p>
-        </p:txBody>
-      </p:sp>
-    </p:spTree>
-    <p:extLst>
-      <p:ext uri="{BB962C8B-B14F-4D97-AF65-F5344CB8AC3E}">
-        <p14:creationId xmlns:p14="http://schemas.microsoft.com/office/powerpoint/2010/main" val="923532792"/>
-      </p:ext>
-    </p:extLst>
-  </p:cSld>
-  <p:clrMapOvr>
-    <a:masterClrMapping/>
-  </p:clrMapOvr>
-  <p:timing>
-    <p:tnLst>
-      <p:par>
-        <p:cTn id="1" dur="indefinite" restart="never" nodeType="tmRoot"/>
-      </p:par>
-    </p:tnLst>
-  </p:timing>
-</p:sld>
-</file>
-
-<file path=ppt/slides/slide8.xml><?xml version="1.0" encoding="utf-8"?>
-<p:sld xmlns:a="http://schemas.openxmlformats.org/drawingml/2006/main" xmlns:r="http://schemas.openxmlformats.org/officeDocument/2006/relationships" xmlns:p="http://schemas.openxmlformats.org/presentationml/2006/main" showMasterSp="0">
-  <p:cSld>
-    <p:spTree>
-      <p:nvGrpSpPr>
-        <p:cNvPr id="1" name=""/>
-        <p:cNvGrpSpPr/>
-        <p:nvPr/>
-      </p:nvGrpSpPr>
-      <p:grpSpPr>
-        <a:xfrm>
-          <a:off x="0" y="0"/>
-          <a:ext cx="0" cy="0"/>
-          <a:chOff x="0" y="0"/>
-          <a:chExt cx="0" cy="0"/>
-        </a:xfrm>
-      </p:grpSpPr>
-      <p:sp>
-        <p:nvSpPr>
-          <p:cNvPr id="2" name="Title 1"/>
-          <p:cNvSpPr>
-            <a:spLocks noGrp="1"/>
-          </p:cNvSpPr>
-          <p:nvPr>
-            <p:ph type="title"/>
-          </p:nvPr>
-        </p:nvSpPr>
-        <p:spPr/>
-        <p:txBody>
-          <a:bodyPr/>
-          <a:lstStyle/>
-          <a:p>
-            <a:r>
-              <a:rPr lang="en-US" dirty="0"/>
-              <a:t>Literature review</a:t>
-            </a:r>
-          </a:p>
-        </p:txBody>
-      </p:sp>
-      <p:sp>
-        <p:nvSpPr>
-          <p:cNvPr id="3" name="Content Placeholder 2"/>
-          <p:cNvSpPr>
-            <a:spLocks noGrp="1"/>
-          </p:cNvSpPr>
-          <p:nvPr>
-            <p:ph idx="1"/>
-          </p:nvPr>
-        </p:nvSpPr>
-        <p:spPr>
-          <a:xfrm>
-            <a:off x="3095897" y="1841862"/>
-            <a:ext cx="8623663" cy="4825638"/>
-          </a:xfrm>
-        </p:spPr>
-        <p:txBody>
-          <a:bodyPr>
-            <a:noAutofit/>
-          </a:bodyPr>
-          <a:lstStyle/>
-          <a:p>
-            <a:r>
-              <a:rPr lang="en-US" sz="1100" dirty="0"/>
-              <a:t>[1] Naresh </a:t>
-            </a:r>
-            <a:r>
-              <a:rPr lang="en-US" sz="1100" dirty="0" err="1"/>
-              <a:t>Babu</a:t>
-            </a:r>
-            <a:r>
-              <a:rPr lang="en-US" sz="1100" dirty="0"/>
-              <a:t>, </a:t>
-            </a:r>
-            <a:r>
-              <a:rPr lang="en-US" sz="1100" dirty="0" err="1"/>
-              <a:t>Pothlaiah</a:t>
-            </a:r>
-            <a:r>
-              <a:rPr lang="en-US" sz="1100" dirty="0"/>
-              <a:t>, and Ashok </a:t>
-            </a:r>
-            <a:r>
-              <a:rPr lang="en-US" sz="1100" dirty="0" err="1"/>
-              <a:t>Babu</a:t>
-            </a:r>
-            <a:r>
-              <a:rPr lang="en-US" sz="1100" dirty="0"/>
-              <a:t>, </a:t>
-            </a:r>
-            <a:r>
-              <a:rPr lang="en-US" sz="1100" i="1" dirty="0"/>
-              <a:t>“Image </a:t>
-            </a:r>
-            <a:r>
-              <a:rPr lang="en-US" sz="1100" i="1" dirty="0" err="1"/>
-              <a:t>Retieval</a:t>
-            </a:r>
-            <a:r>
-              <a:rPr lang="en-US" sz="1100" i="1" dirty="0"/>
-              <a:t> Color, Shape, and Texture Features using Content Based”,</a:t>
-            </a:r>
-            <a:r>
-              <a:rPr lang="en-US" sz="1100" dirty="0"/>
-              <a:t> International Journal of Engineering Science and Technology, Vol. 2, No. 9, pp. 4278-4287, 2010</a:t>
-            </a:r>
-          </a:p>
-          <a:p>
-            <a:r>
-              <a:rPr lang="en-US" sz="1100" dirty="0" smtClean="0"/>
-              <a:t>[2] K. Lai, L. Bo, X. Ren, and D. Fox, “A </a:t>
-            </a:r>
-            <a:r>
-              <a:rPr lang="en-US" sz="1100" dirty="0" err="1" smtClean="0"/>
-              <a:t>lage</a:t>
-            </a:r>
-            <a:r>
-              <a:rPr lang="en-US" sz="1100" dirty="0" smtClean="0"/>
-              <a:t>-scale hierarchical </a:t>
-            </a:r>
-            <a:r>
-              <a:rPr lang="en-US" sz="1100" dirty="0" err="1" smtClean="0"/>
-              <a:t>mulit</a:t>
-            </a:r>
-            <a:r>
-              <a:rPr lang="en-US" sz="1100" dirty="0" smtClean="0"/>
-              <a:t>-view RBG-D object dataset”, in </a:t>
-            </a:r>
-            <a:r>
-              <a:rPr lang="en-US" sz="1100" i="1" dirty="0" smtClean="0"/>
-              <a:t>Proc, IEEE Int. Conf. Robot. </a:t>
-            </a:r>
-            <a:r>
-              <a:rPr lang="en-US" sz="1100" i="1" dirty="0" err="1" smtClean="0"/>
-              <a:t>Autom</a:t>
-            </a:r>
-            <a:r>
-              <a:rPr lang="en-US" sz="1100" i="1" dirty="0" smtClean="0"/>
-              <a:t>. (ICRA), </a:t>
-            </a:r>
-            <a:r>
-              <a:rPr lang="en-US" sz="1100" dirty="0" smtClean="0"/>
-              <a:t> May 2011, pp. 1817-1824</a:t>
-            </a:r>
-          </a:p>
-          <a:p>
-            <a:r>
-              <a:rPr lang="en-US" sz="1100" dirty="0" smtClean="0"/>
-              <a:t>[3] L. Bo X. Ren, and D. Fox, “Unsupervised feature learning for RBG-D based object recognition”,</a:t>
-            </a:r>
-            <a:r>
-              <a:rPr lang="en-US" sz="1100" dirty="0"/>
-              <a:t> </a:t>
-            </a:r>
-            <a:r>
-              <a:rPr lang="en-US" sz="1100" dirty="0" smtClean="0"/>
-              <a:t>in </a:t>
-            </a:r>
-            <a:r>
-              <a:rPr lang="en-US" sz="1100" i="1" dirty="0" smtClean="0"/>
-              <a:t>Experimental Robotics,</a:t>
-            </a:r>
-            <a:r>
-              <a:rPr lang="en-US" sz="1100" dirty="0" smtClean="0"/>
-              <a:t> Springer, 2013, pp. 387-402</a:t>
-            </a:r>
-          </a:p>
-          <a:p>
-            <a:r>
-              <a:rPr lang="en-US" sz="1100" dirty="0" smtClean="0"/>
-              <a:t>[4] R. </a:t>
-            </a:r>
-            <a:r>
-              <a:rPr lang="en-US" sz="1100" dirty="0" err="1" smtClean="0"/>
-              <a:t>Socher</a:t>
-            </a:r>
-            <a:r>
-              <a:rPr lang="en-US" sz="1100" dirty="0" smtClean="0"/>
-              <a:t>, B. Huval, B. Bath, C. D. Manning, and A. Y. Ng, “Convolutional-recursive deep learning for 3D object classification”, in </a:t>
-            </a:r>
-            <a:r>
-              <a:rPr lang="en-US" sz="1100" i="1" dirty="0" smtClean="0"/>
-              <a:t> Proc, Adv. Neural Inf. Process. Syst., </a:t>
-            </a:r>
-            <a:r>
-              <a:rPr lang="en-US" sz="1100" dirty="0" smtClean="0"/>
-              <a:t> 2012, pp. 665-673</a:t>
-            </a:r>
-          </a:p>
-          <a:p>
-            <a:r>
-              <a:rPr lang="en-US" sz="1100" dirty="0" smtClean="0"/>
-              <a:t>[5] Y. Cheng, X. </a:t>
-            </a:r>
-            <a:r>
-              <a:rPr lang="en-US" sz="1100" dirty="0" err="1" smtClean="0"/>
-              <a:t>Xhao</a:t>
-            </a:r>
-            <a:r>
-              <a:rPr lang="en-US" sz="1100" dirty="0" smtClean="0"/>
-              <a:t>, K. Huang, and T. Tan, “Semi-supervised learning and feature evaluation for RGB-D object recognition”,</a:t>
-            </a:r>
-            <a:r>
-              <a:rPr lang="en-US" sz="1100" i="1" dirty="0" smtClean="0"/>
-              <a:t> </a:t>
-            </a:r>
-            <a:r>
-              <a:rPr lang="en-US" sz="1100" i="1" dirty="0" err="1" smtClean="0"/>
-              <a:t>Comput</a:t>
-            </a:r>
-            <a:r>
-              <a:rPr lang="en-US" sz="1100" i="1" dirty="0" smtClean="0"/>
-              <a:t>. Vis. Image Understand, </a:t>
-            </a:r>
-            <a:r>
-              <a:rPr lang="en-US" sz="1100" dirty="0" smtClean="0"/>
-              <a:t>vol. 139, pp. 149-160, Oct, 2015</a:t>
-            </a:r>
-          </a:p>
-          <a:p>
-            <a:r>
-              <a:rPr lang="en-US" sz="1100" dirty="0" smtClean="0"/>
-              <a:t>[6] </a:t>
-            </a:r>
-            <a:r>
-              <a:rPr lang="en-US" sz="1100" dirty="0" err="1" smtClean="0"/>
-              <a:t>J.Donahue</a:t>
-            </a:r>
-            <a:r>
-              <a:rPr lang="en-US" sz="1100" dirty="0" smtClean="0"/>
-              <a:t> </a:t>
-            </a:r>
-            <a:r>
-              <a:rPr lang="en-US" sz="1100" i="1" dirty="0" smtClean="0"/>
-              <a:t>et al. </a:t>
-            </a:r>
-            <a:r>
-              <a:rPr lang="en-US" sz="1100" dirty="0" smtClean="0"/>
-              <a:t>(2013). </a:t>
-            </a:r>
-            <a:r>
-              <a:rPr lang="en-US" sz="1100" dirty="0" err="1" smtClean="0"/>
-              <a:t>DeCAF</a:t>
-            </a:r>
-            <a:r>
-              <a:rPr lang="en-US" sz="1100" dirty="0" smtClean="0"/>
-              <a:t>: A deep convolutional activation feature for generic visual recognition”, [Online]</a:t>
-            </a:r>
-          </a:p>
-          <a:p>
-            <a:r>
-              <a:rPr lang="en-US" sz="1100" dirty="0" smtClean="0"/>
-              <a:t>[7] M. D. </a:t>
-            </a:r>
-            <a:r>
-              <a:rPr lang="en-US" sz="1100" dirty="0" err="1" smtClean="0"/>
-              <a:t>Zeiler</a:t>
-            </a:r>
-            <a:r>
-              <a:rPr lang="en-US" sz="1100" dirty="0" smtClean="0"/>
-              <a:t> and R. Fergus, “Visualizing and understanding convolutional networks”, in </a:t>
-            </a:r>
-            <a:r>
-              <a:rPr lang="en-US" sz="1100" i="1" dirty="0" smtClean="0"/>
-              <a:t>Computer Vision – ECCV. </a:t>
-            </a:r>
-            <a:r>
-              <a:rPr lang="en-US" sz="1100" dirty="0" smtClean="0"/>
-              <a:t>Springer, 2014, pp. 818-833</a:t>
-            </a:r>
-          </a:p>
-          <a:p>
-            <a:r>
-              <a:rPr lang="en-US" sz="1100" dirty="0" smtClean="0"/>
-              <a:t>[8] A. </a:t>
-            </a:r>
-            <a:r>
-              <a:rPr lang="en-US" sz="1100" dirty="0" err="1" smtClean="0"/>
-              <a:t>Shitole</a:t>
-            </a:r>
-            <a:r>
-              <a:rPr lang="en-US" sz="1100" dirty="0" smtClean="0"/>
-              <a:t> and U. </a:t>
-            </a:r>
-            <a:r>
-              <a:rPr lang="en-US" sz="1100" dirty="0" err="1" smtClean="0"/>
-              <a:t>Godase</a:t>
-            </a:r>
-            <a:r>
-              <a:rPr lang="en-US" sz="1100" dirty="0" smtClean="0"/>
-              <a:t>, “Survey on Content Based Images Retrieval”, in International Journal of Computer-Aided Technologies (</a:t>
-            </a:r>
-            <a:r>
-              <a:rPr lang="en-US" sz="1100" dirty="0" err="1" smtClean="0"/>
-              <a:t>IJCAx</a:t>
-            </a:r>
-            <a:r>
-              <a:rPr lang="en-US" sz="1100" dirty="0" smtClean="0"/>
-              <a:t>) Vol.1, No.1, 2014, pp. 21-29</a:t>
-            </a:r>
-          </a:p>
-          <a:p>
-            <a:r>
-              <a:rPr lang="en-US" sz="1100" dirty="0" smtClean="0"/>
-              <a:t>[9] S. </a:t>
-            </a:r>
-            <a:r>
-              <a:rPr lang="en-US" sz="1100" dirty="0" err="1" smtClean="0"/>
-              <a:t>Tunga</a:t>
-            </a:r>
-            <a:r>
-              <a:rPr lang="en-US" sz="1100" dirty="0" smtClean="0"/>
-              <a:t>, D. </a:t>
-            </a:r>
-            <a:r>
-              <a:rPr lang="en-US" sz="1100" dirty="0" err="1" smtClean="0"/>
-              <a:t>Jayadevappa</a:t>
-            </a:r>
-            <a:r>
-              <a:rPr lang="en-US" sz="1100" dirty="0" smtClean="0"/>
-              <a:t>, and C. </a:t>
-            </a:r>
-            <a:r>
-              <a:rPr lang="en-US" sz="1100" dirty="0" err="1" smtClean="0"/>
-              <a:t>Gururaj</a:t>
-            </a:r>
-            <a:r>
-              <a:rPr lang="en-US" sz="1100" dirty="0" smtClean="0"/>
-              <a:t>, “A Comparative Study of Content Based Image Retrieval Trends and Approaches”, in International Journal of Image Processing (IJIP), Vol. 9: Issue 3, 2015, pp. 127–155.</a:t>
-            </a:r>
-          </a:p>
-          <a:p>
-            <a:r>
-              <a:rPr lang="en-US" sz="1100" dirty="0" smtClean="0"/>
-              <a:t>[10] D. Pandey and S. </a:t>
-            </a:r>
-            <a:r>
-              <a:rPr lang="en-US" sz="1100" dirty="0" err="1" smtClean="0"/>
-              <a:t>Kushwah</a:t>
-            </a:r>
-            <a:r>
-              <a:rPr lang="en-US" sz="1100" dirty="0" smtClean="0"/>
-              <a:t>, “ A Review on CBIR with its Advantages and Disadvantages for Low-level Features”, in International Journal of Computer Sciences and Engineering, Vol : Issue 7, 2016, pp. 161- 167</a:t>
-            </a:r>
-          </a:p>
-          <a:p>
-            <a:r>
-              <a:rPr lang="en-US" sz="1100" dirty="0" smtClean="0"/>
-              <a:t>[11] T. </a:t>
-            </a:r>
-            <a:r>
-              <a:rPr lang="en-US" sz="1100" dirty="0" err="1" smtClean="0"/>
-              <a:t>Balakrishan</a:t>
-            </a:r>
-            <a:r>
-              <a:rPr lang="en-US" sz="1100" dirty="0" smtClean="0"/>
-              <a:t>, S. </a:t>
-            </a:r>
-            <a:r>
-              <a:rPr lang="en-US" sz="1100" dirty="0" err="1" smtClean="0"/>
-              <a:t>Rosston</a:t>
-            </a:r>
-            <a:r>
-              <a:rPr lang="en-US" sz="1100" dirty="0" smtClean="0"/>
-              <a:t>, and E. </a:t>
-            </a:r>
-            <a:r>
-              <a:rPr lang="en-US" sz="1100" dirty="0"/>
-              <a:t>Tang, “Using CNN to Classify and Understand Artists from the Rijksmuseum”, </a:t>
-            </a:r>
-            <a:r>
-              <a:rPr lang="en-US" sz="1100" dirty="0">
-                <a:hlinkClick r:id="rId2"/>
-              </a:rPr>
-              <a:t>http://cs231n.stanford.edu/reports/2017/pdfs/410.pdf</a:t>
-            </a:r>
-            <a:endParaRPr lang="en-US" sz="1100" dirty="0" smtClean="0"/>
-          </a:p>
-        </p:txBody>
-      </p:sp>
-    </p:spTree>
-    <p:extLst>
-      <p:ext uri="{BB962C8B-B14F-4D97-AF65-F5344CB8AC3E}">
-        <p14:creationId xmlns:p14="http://schemas.microsoft.com/office/powerpoint/2010/main" val="930307447"/>
-      </p:ext>
-    </p:extLst>
-  </p:cSld>
-  <p:clrMapOvr>
-    <a:masterClrMapping/>
-  </p:clrMapOvr>
-</p:sld>
-</file>
-
-<file path=ppt/slides/slide9.xml><?xml version="1.0" encoding="utf-8"?>
-<p:sld xmlns:a="http://schemas.openxmlformats.org/drawingml/2006/main" xmlns:r="http://schemas.openxmlformats.org/officeDocument/2006/relationships" xmlns:p="http://schemas.openxmlformats.org/presentationml/2006/main">
-  <p:cSld>
-    <p:spTree>
-      <p:nvGrpSpPr>
-        <p:cNvPr id="1" name=""/>
-        <p:cNvGrpSpPr/>
-        <p:nvPr/>
-      </p:nvGrpSpPr>
-      <p:grpSpPr>
-        <a:xfrm>
-          <a:off x="0" y="0"/>
-          <a:ext cx="0" cy="0"/>
-          <a:chOff x="0" y="0"/>
-          <a:chExt cx="0" cy="0"/>
-        </a:xfrm>
-      </p:grpSpPr>
-      <p:sp>
-        <p:nvSpPr>
-          <p:cNvPr id="2" name="Title 1"/>
-          <p:cNvSpPr>
-            <a:spLocks noGrp="1"/>
-          </p:cNvSpPr>
-          <p:nvPr>
-            <p:ph type="title"/>
-          </p:nvPr>
-        </p:nvSpPr>
-        <p:spPr/>
-        <p:txBody>
-          <a:bodyPr/>
-          <a:lstStyle/>
-          <a:p>
-            <a:r>
-              <a:rPr lang="en-US" dirty="0"/>
-              <a:t>Literature review</a:t>
-            </a:r>
-          </a:p>
-        </p:txBody>
-      </p:sp>
-      <p:sp>
-        <p:nvSpPr>
-          <p:cNvPr id="4" name="Content Placeholder 2"/>
-          <p:cNvSpPr>
-            <a:spLocks noGrp="1"/>
-          </p:cNvSpPr>
-          <p:nvPr>
-            <p:ph idx="1"/>
-          </p:nvPr>
-        </p:nvSpPr>
-        <p:spPr>
-          <a:xfrm>
-            <a:off x="3095897" y="1841862"/>
-            <a:ext cx="8623663" cy="4825638"/>
-          </a:xfrm>
-        </p:spPr>
-        <p:txBody>
-          <a:bodyPr>
-            <a:noAutofit/>
-          </a:bodyPr>
-          <a:lstStyle/>
-          <a:p>
-            <a:r>
-              <a:rPr lang="en-US" sz="1100" dirty="0"/>
-              <a:t>[</a:t>
-            </a:r>
-            <a:r>
-              <a:rPr lang="en-US" sz="1100" dirty="0" smtClean="0"/>
-              <a:t>12] S. </a:t>
-            </a:r>
-            <a:r>
-              <a:rPr lang="en-US" sz="1100" dirty="0" err="1" smtClean="0"/>
-              <a:t>Karayev</a:t>
-            </a:r>
-            <a:r>
-              <a:rPr lang="en-US" sz="1100" dirty="0" smtClean="0"/>
-              <a:t>, M. </a:t>
-            </a:r>
-            <a:r>
-              <a:rPr lang="en-US" sz="1100" dirty="0" err="1" smtClean="0"/>
-              <a:t>Trentacoste</a:t>
-            </a:r>
-            <a:r>
-              <a:rPr lang="en-US" sz="1100" dirty="0" smtClean="0"/>
-              <a:t>, H. Han, A. </a:t>
-            </a:r>
-            <a:r>
-              <a:rPr lang="en-US" sz="1100" dirty="0" err="1" smtClean="0"/>
-              <a:t>Agarwala</a:t>
-            </a:r>
-            <a:r>
-              <a:rPr lang="en-US" sz="1100" dirty="0" smtClean="0"/>
-              <a:t>, T. Darrell, A. </a:t>
-            </a:r>
-            <a:r>
-              <a:rPr lang="en-US" sz="1100" dirty="0" err="1" smtClean="0"/>
-              <a:t>Hertzmann</a:t>
-            </a:r>
-            <a:r>
-              <a:rPr lang="en-US" sz="1100" dirty="0" smtClean="0"/>
-              <a:t>, H. </a:t>
-            </a:r>
-            <a:r>
-              <a:rPr lang="en-US" sz="1100" dirty="0" err="1" smtClean="0"/>
-              <a:t>Winnemoeller</a:t>
-            </a:r>
-            <a:r>
-              <a:rPr lang="en-US" sz="1100" dirty="0" smtClean="0"/>
-              <a:t> , “ Recognizing </a:t>
-            </a:r>
-            <a:r>
-              <a:rPr lang="en-US" sz="1100" dirty="0"/>
-              <a:t>Image style”, </a:t>
-            </a:r>
-            <a:r>
-              <a:rPr lang="en-US" sz="1100" dirty="0">
-                <a:hlinkClick r:id="rId2"/>
-              </a:rPr>
-              <a:t>https://</a:t>
-            </a:r>
-            <a:r>
-              <a:rPr lang="en-US" sz="1100" dirty="0" smtClean="0">
-                <a:hlinkClick r:id="rId2"/>
-              </a:rPr>
-              <a:t>sergeykarayev.com/files/1311.3715v3.pdf</a:t>
-            </a:r>
-            <a:endParaRPr lang="en-US" sz="1100" dirty="0" smtClean="0"/>
-          </a:p>
-          <a:p>
-            <a:r>
-              <a:rPr lang="en-US" sz="1100" dirty="0" smtClean="0"/>
-              <a:t>[13] X. Yu, J. Yang, L. Luo, W. Li, J. Brandt, D. </a:t>
-            </a:r>
-            <a:r>
-              <a:rPr lang="en-US" sz="1100" dirty="0" err="1" smtClean="0"/>
-              <a:t>Metaxas,”Customized</a:t>
-            </a:r>
-            <a:r>
-              <a:rPr lang="en-US" sz="1100" dirty="0" smtClean="0"/>
-              <a:t> expression recognition for performance-driven cutout character animation”, in Applications of Computer Vision(WACV), 2016, IEEE Winter Conference</a:t>
-            </a:r>
-          </a:p>
-          <a:p>
-            <a:r>
-              <a:rPr lang="en-US" sz="1100" dirty="0" smtClean="0"/>
-              <a:t>[14] X. </a:t>
-            </a:r>
-            <a:r>
-              <a:rPr lang="en-US" sz="1100" dirty="0" err="1" smtClean="0"/>
-              <a:t>Jin</a:t>
-            </a:r>
-            <a:r>
-              <a:rPr lang="en-US" sz="1100" dirty="0" smtClean="0"/>
-              <a:t>, J. Kim</a:t>
-            </a:r>
-            <a:r>
-              <a:rPr lang="en-US" sz="1100" dirty="0"/>
-              <a:t>, “</a:t>
-            </a:r>
-            <a:r>
-              <a:rPr lang="en-US" sz="1100" dirty="0" err="1"/>
-              <a:t>ArtWork</a:t>
-            </a:r>
-            <a:r>
-              <a:rPr lang="en-US" sz="1100" dirty="0"/>
-              <a:t> Recognition in 360-degree Image using 32- </a:t>
-            </a:r>
-            <a:r>
-              <a:rPr lang="en-US" sz="1100" dirty="0" err="1"/>
-              <a:t>hedron</a:t>
-            </a:r>
-            <a:r>
-              <a:rPr lang="en-US" sz="1100" dirty="0"/>
-              <a:t> based Rectilinear Projection and Scale Invariant Feature Transform </a:t>
-            </a:r>
-            <a:r>
-              <a:rPr lang="en-US" sz="1100" dirty="0" smtClean="0"/>
-              <a:t>“, in ICEICT, IEEE </a:t>
-            </a:r>
-            <a:r>
-              <a:rPr lang="en-US" sz="1100" dirty="0" err="1" smtClean="0"/>
-              <a:t>Int</a:t>
-            </a:r>
-            <a:r>
-              <a:rPr lang="en-US" sz="1100" dirty="0" smtClean="0"/>
-              <a:t> </a:t>
-            </a:r>
-            <a:r>
-              <a:rPr lang="en-US" sz="1100" dirty="0" err="1" smtClean="0"/>
-              <a:t>Conf</a:t>
-            </a:r>
-            <a:r>
-              <a:rPr lang="en-US" sz="1100" dirty="0" smtClean="0"/>
-              <a:t>, 2017, pp 356-359</a:t>
-            </a:r>
-          </a:p>
-          <a:p>
-            <a:r>
-              <a:rPr lang="en-US" sz="1100" dirty="0" smtClean="0"/>
-              <a:t>[15] T. </a:t>
-            </a:r>
-            <a:r>
-              <a:rPr lang="en-US" sz="1100" dirty="0" err="1" smtClean="0"/>
-              <a:t>Ruzic</a:t>
-            </a:r>
-            <a:r>
-              <a:rPr lang="en-US" sz="1100" dirty="0" smtClean="0"/>
-              <a:t>, B. </a:t>
-            </a:r>
-            <a:r>
-              <a:rPr lang="en-US" sz="1100" dirty="0" err="1" smtClean="0"/>
-              <a:t>cornelis</a:t>
-            </a:r>
-            <a:r>
-              <a:rPr lang="en-US" sz="1100" dirty="0" smtClean="0"/>
-              <a:t>, L. </a:t>
-            </a:r>
-            <a:r>
-              <a:rPr lang="en-US" sz="1100" dirty="0" err="1" smtClean="0"/>
-              <a:t>Platisa</a:t>
-            </a:r>
-            <a:r>
-              <a:rPr lang="en-US" sz="1100" dirty="0" smtClean="0"/>
-              <a:t>, A. </a:t>
-            </a:r>
-            <a:r>
-              <a:rPr lang="en-US" sz="1100" dirty="0" err="1" smtClean="0"/>
-              <a:t>Pizurica</a:t>
-            </a:r>
-            <a:r>
-              <a:rPr lang="en-US" sz="1100" dirty="0" smtClean="0"/>
-              <a:t>, A. Dooms, W. Philips, M. Martens, M. D. </a:t>
-            </a:r>
-            <a:r>
-              <a:rPr lang="en-US" sz="1100" dirty="0" err="1" smtClean="0"/>
-              <a:t>Mey</a:t>
-            </a:r>
-            <a:r>
-              <a:rPr lang="en-US" sz="1100" dirty="0" smtClean="0"/>
-              <a:t>, I. </a:t>
-            </a:r>
-            <a:r>
-              <a:rPr lang="en-US" sz="1100" dirty="0" err="1" smtClean="0"/>
-              <a:t>Daubechies</a:t>
-            </a:r>
-            <a:r>
-              <a:rPr lang="en-US" sz="1100" dirty="0" smtClean="0"/>
-              <a:t>, “Virtual Restoration of the Ghent Altarpiece Using Crack Detection and </a:t>
-            </a:r>
-            <a:r>
-              <a:rPr lang="en-US" sz="1100" dirty="0" err="1" smtClean="0"/>
-              <a:t>Inpainting</a:t>
-            </a:r>
-            <a:r>
-              <a:rPr lang="en-US" sz="1100" dirty="0" smtClean="0"/>
-              <a:t>”, in ACIVS 2011, pp 417-428.</a:t>
-            </a:r>
-          </a:p>
-          <a:p>
-            <a:r>
-              <a:rPr lang="en-US" sz="1100" dirty="0" smtClean="0"/>
-              <a:t>[16] P. </a:t>
-            </a:r>
-            <a:r>
-              <a:rPr lang="en-US" sz="1100" dirty="0" err="1" smtClean="0"/>
-              <a:t>Wohlhart</a:t>
-            </a:r>
-            <a:r>
-              <a:rPr lang="en-US" sz="1100" dirty="0" smtClean="0"/>
-              <a:t> and V. </a:t>
-            </a:r>
-            <a:r>
-              <a:rPr lang="en-US" sz="1100" dirty="0" err="1" smtClean="0"/>
-              <a:t>Lepetit</a:t>
-            </a:r>
-            <a:r>
-              <a:rPr lang="en-US" sz="1100" dirty="0" smtClean="0"/>
-              <a:t>, “Learning descriptors for object recognition and 3D pose estimation”, in CVPR, </a:t>
-            </a:r>
-            <a:r>
-              <a:rPr lang="en-US" sz="1100" smtClean="0"/>
-              <a:t>IEEE Conference, 2015, pp 3109-3118</a:t>
-            </a:r>
-            <a:endParaRPr lang="en-US" sz="1100" dirty="0" smtClean="0"/>
-          </a:p>
-          <a:p>
-            <a:endParaRPr lang="en-US" sz="1100" dirty="0"/>
-          </a:p>
-        </p:txBody>
-      </p:sp>
-    </p:spTree>
-    <p:extLst>
-      <p:ext uri="{BB962C8B-B14F-4D97-AF65-F5344CB8AC3E}">
-        <p14:creationId xmlns:p14="http://schemas.microsoft.com/office/powerpoint/2010/main" val="1440396747"/>
-      </p:ext>
-    </p:extLst>
-  </p:cSld>
-  <p:clrMapOvr>
-    <a:masterClrMapping/>
-  </p:clrMapOvr>
 </p:sld>
 </file>
 

--- a/DGA1031/What is it.pptx
+++ b/DGA1031/What is it.pptx
@@ -5,7 +5,7 @@
     <p:sldMasterId id="2147483648" r:id="rId1"/>
   </p:sldMasterIdLst>
   <p:notesMasterIdLst>
-    <p:notesMasterId r:id="rId35"/>
+    <p:notesMasterId r:id="rId36"/>
   </p:notesMasterIdLst>
   <p:sldIdLst>
     <p:sldId id="256" r:id="rId2"/>
@@ -32,15 +32,16 @@
     <p:sldId id="281" r:id="rId23"/>
     <p:sldId id="282" r:id="rId24"/>
     <p:sldId id="283" r:id="rId25"/>
-    <p:sldId id="262" r:id="rId26"/>
-    <p:sldId id="293" r:id="rId27"/>
-    <p:sldId id="263" r:id="rId28"/>
-    <p:sldId id="292" r:id="rId29"/>
-    <p:sldId id="270" r:id="rId30"/>
-    <p:sldId id="291" r:id="rId31"/>
-    <p:sldId id="294" r:id="rId32"/>
-    <p:sldId id="264" r:id="rId33"/>
-    <p:sldId id="274" r:id="rId34"/>
+    <p:sldId id="295" r:id="rId26"/>
+    <p:sldId id="262" r:id="rId27"/>
+    <p:sldId id="293" r:id="rId28"/>
+    <p:sldId id="263" r:id="rId29"/>
+    <p:sldId id="292" r:id="rId30"/>
+    <p:sldId id="270" r:id="rId31"/>
+    <p:sldId id="291" r:id="rId32"/>
+    <p:sldId id="294" r:id="rId33"/>
+    <p:sldId id="264" r:id="rId34"/>
+    <p:sldId id="274" r:id="rId35"/>
   </p:sldIdLst>
   <p:sldSz cx="12192000" cy="6858000"/>
   <p:notesSz cx="6858000" cy="9144000"/>
@@ -240,7 +241,7 @@
           <a:p>
             <a:fld id="{5B5C4E92-212B-4A54-935F-3DF092F42118}" type="datetimeFigureOut">
               <a:rPr lang="en-US" smtClean="0"/>
-              <a:t>2/25/2018</a:t>
+              <a:t>2/26/2018</a:t>
             </a:fld>
             <a:endParaRPr lang="en-US"/>
           </a:p>
@@ -749,7 +750,7 @@
           <a:p>
             <a:fld id="{276D79ED-3FA7-4EF8-964B-EB8BCFAB02F8}" type="datetimeFigureOut">
               <a:rPr lang="en-US" smtClean="0"/>
-              <a:t>2/25/2018</a:t>
+              <a:t>2/26/2018</a:t>
             </a:fld>
             <a:endParaRPr lang="en-US"/>
           </a:p>
@@ -919,7 +920,7 @@
           <a:p>
             <a:fld id="{276D79ED-3FA7-4EF8-964B-EB8BCFAB02F8}" type="datetimeFigureOut">
               <a:rPr lang="en-US" smtClean="0"/>
-              <a:t>2/25/2018</a:t>
+              <a:t>2/26/2018</a:t>
             </a:fld>
             <a:endParaRPr lang="en-US"/>
           </a:p>
@@ -1167,7 +1168,7 @@
           <a:p>
             <a:fld id="{276D79ED-3FA7-4EF8-964B-EB8BCFAB02F8}" type="datetimeFigureOut">
               <a:rPr lang="en-US" smtClean="0"/>
-              <a:t>2/25/2018</a:t>
+              <a:t>2/26/2018</a:t>
             </a:fld>
             <a:endParaRPr lang="en-US"/>
           </a:p>
@@ -1399,7 +1400,7 @@
           <a:p>
             <a:fld id="{276D79ED-3FA7-4EF8-964B-EB8BCFAB02F8}" type="datetimeFigureOut">
               <a:rPr lang="en-US" smtClean="0"/>
-              <a:t>2/25/2018</a:t>
+              <a:t>2/26/2018</a:t>
             </a:fld>
             <a:endParaRPr lang="en-US"/>
           </a:p>
@@ -1766,7 +1767,7 @@
           <a:p>
             <a:fld id="{276D79ED-3FA7-4EF8-964B-EB8BCFAB02F8}" type="datetimeFigureOut">
               <a:rPr lang="en-US" smtClean="0"/>
-              <a:t>2/25/2018</a:t>
+              <a:t>2/26/2018</a:t>
             </a:fld>
             <a:endParaRPr lang="en-US"/>
           </a:p>
@@ -1884,7 +1885,7 @@
           <a:p>
             <a:fld id="{276D79ED-3FA7-4EF8-964B-EB8BCFAB02F8}" type="datetimeFigureOut">
               <a:rPr lang="en-US" smtClean="0"/>
-              <a:t>2/25/2018</a:t>
+              <a:t>2/26/2018</a:t>
             </a:fld>
             <a:endParaRPr lang="en-US"/>
           </a:p>
@@ -1979,7 +1980,7 @@
           <a:p>
             <a:fld id="{276D79ED-3FA7-4EF8-964B-EB8BCFAB02F8}" type="datetimeFigureOut">
               <a:rPr lang="en-US" smtClean="0"/>
-              <a:t>2/25/2018</a:t>
+              <a:t>2/26/2018</a:t>
             </a:fld>
             <a:endParaRPr lang="en-US"/>
           </a:p>
@@ -2256,7 +2257,7 @@
           <a:p>
             <a:fld id="{276D79ED-3FA7-4EF8-964B-EB8BCFAB02F8}" type="datetimeFigureOut">
               <a:rPr lang="en-US" smtClean="0"/>
-              <a:t>2/25/2018</a:t>
+              <a:t>2/26/2018</a:t>
             </a:fld>
             <a:endParaRPr lang="en-US"/>
           </a:p>
@@ -2513,7 +2514,7 @@
           <a:p>
             <a:fld id="{276D79ED-3FA7-4EF8-964B-EB8BCFAB02F8}" type="datetimeFigureOut">
               <a:rPr lang="en-US" smtClean="0"/>
-              <a:t>2/25/2018</a:t>
+              <a:t>2/26/2018</a:t>
             </a:fld>
             <a:endParaRPr lang="en-US"/>
           </a:p>
@@ -2734,7 +2735,7 @@
           <a:p>
             <a:fld id="{276D79ED-3FA7-4EF8-964B-EB8BCFAB02F8}" type="datetimeFigureOut">
               <a:rPr lang="en-US" smtClean="0"/>
-              <a:t>2/25/2018</a:t>
+              <a:t>2/26/2018</a:t>
             </a:fld>
             <a:endParaRPr lang="en-US"/>
           </a:p>
@@ -5938,8 +5939,27 @@
             </a:r>
             <a:r>
               <a:rPr lang="en-US" dirty="0" smtClean="0"/>
-              <a:t>Generate the virtual reality display</a:t>
-            </a:r>
+              <a:t>Generate the virtual reality </a:t>
+            </a:r>
+            <a:r>
+              <a:rPr lang="en-US" dirty="0" smtClean="0"/>
+              <a:t>display</a:t>
+            </a:r>
+          </a:p>
+          <a:p>
+            <a:pPr lvl="1">
+              <a:buFont typeface="Wingdings" panose="05000000000000000000" pitchFamily="2" charset="2"/>
+              <a:buChar char="ü"/>
+            </a:pPr>
+            <a:r>
+              <a:rPr lang="en-US" dirty="0"/>
+              <a:t> </a:t>
+            </a:r>
+            <a:r>
+              <a:rPr lang="en-US" dirty="0" smtClean="0"/>
+              <a:t>Display the secret message in the real world </a:t>
+            </a:r>
+            <a:endParaRPr lang="en-US" dirty="0" smtClean="0"/>
           </a:p>
           <a:p>
             <a:pPr lvl="1"/>
@@ -6012,7 +6032,7 @@
       </p:sp>
       <p:pic>
         <p:nvPicPr>
-          <p:cNvPr id="4" name="Picture 3"/>
+          <p:cNvPr id="3" name="Picture 2"/>
           <p:cNvPicPr>
             <a:picLocks noChangeAspect="1"/>
           </p:cNvPicPr>
@@ -6026,8 +6046,8 @@
         </p:blipFill>
         <p:spPr>
           <a:xfrm>
-            <a:off x="3445073" y="1507496"/>
-            <a:ext cx="7925310" cy="4918703"/>
+            <a:off x="3095897" y="1202725"/>
+            <a:ext cx="8511061" cy="5430509"/>
           </a:xfrm>
           <a:prstGeom prst="rect">
             <a:avLst/>
@@ -6541,8 +6561,13 @@
               <a:ext cx="4753069" cy="2531349"/>
             </a:xfrm>
             <a:prstGeom prst="roundRect">
-              <a:avLst/>
+              <a:avLst>
+                <a:gd name="adj" fmla="val 8954"/>
+              </a:avLst>
             </a:prstGeom>
+            <a:solidFill>
+              <a:srgbClr val="0070C0"/>
+            </a:solidFill>
           </p:spPr>
           <p:style>
             <a:lnRef idx="0">
@@ -6764,6 +6789,36 @@
               <a:t>Assistant: Display Augment Reality Object</a:t>
             </a:r>
             <a:endParaRPr lang="en-US" sz="2800" dirty="0"/>
+          </a:p>
+        </p:txBody>
+      </p:sp>
+      <p:sp>
+        <p:nvSpPr>
+          <p:cNvPr id="10" name="TextBox 9"/>
+          <p:cNvSpPr txBox="1"/>
+          <p:nvPr/>
+        </p:nvSpPr>
+        <p:spPr>
+          <a:xfrm>
+            <a:off x="8552471" y="4053537"/>
+            <a:ext cx="2076209" cy="369332"/>
+          </a:xfrm>
+          <a:prstGeom prst="rect">
+            <a:avLst/>
+          </a:prstGeom>
+          <a:noFill/>
+        </p:spPr>
+        <p:txBody>
+          <a:bodyPr wrap="none" rtlCol="0">
+            <a:spAutoFit/>
+          </a:bodyPr>
+          <a:lstStyle/>
+          <a:p>
+            <a:r>
+              <a:rPr lang="en-US" dirty="0" smtClean="0"/>
+              <a:t>Expectation result</a:t>
+            </a:r>
+            <a:endParaRPr lang="en-US" dirty="0"/>
           </a:p>
         </p:txBody>
       </p:sp>
@@ -7185,6 +7240,36 @@
           </a:p>
         </p:txBody>
       </p:sp>
+      <p:sp>
+        <p:nvSpPr>
+          <p:cNvPr id="13" name="TextBox 12"/>
+          <p:cNvSpPr txBox="1"/>
+          <p:nvPr/>
+        </p:nvSpPr>
+        <p:spPr>
+          <a:xfrm>
+            <a:off x="8194878" y="2802379"/>
+            <a:ext cx="2076209" cy="369332"/>
+          </a:xfrm>
+          <a:prstGeom prst="rect">
+            <a:avLst/>
+          </a:prstGeom>
+          <a:noFill/>
+        </p:spPr>
+        <p:txBody>
+          <a:bodyPr wrap="none" rtlCol="0">
+            <a:spAutoFit/>
+          </a:bodyPr>
+          <a:lstStyle/>
+          <a:p>
+            <a:r>
+              <a:rPr lang="en-US" dirty="0" smtClean="0"/>
+              <a:t>Expectation result</a:t>
+            </a:r>
+            <a:endParaRPr lang="en-US" dirty="0"/>
+          </a:p>
+        </p:txBody>
+      </p:sp>
     </p:spTree>
     <p:extLst>
       <p:ext uri="{BB962C8B-B14F-4D97-AF65-F5344CB8AC3E}">
@@ -7199,6 +7284,264 @@
 </file>
 
 <file path=ppt/slides/slide25.xml><?xml version="1.0" encoding="utf-8"?>
+<p:sld xmlns:a="http://schemas.openxmlformats.org/drawingml/2006/main" xmlns:r="http://schemas.openxmlformats.org/officeDocument/2006/relationships" xmlns:p="http://schemas.openxmlformats.org/presentationml/2006/main">
+  <p:cSld>
+    <p:spTree>
+      <p:nvGrpSpPr>
+        <p:cNvPr id="1" name=""/>
+        <p:cNvGrpSpPr/>
+        <p:nvPr/>
+      </p:nvGrpSpPr>
+      <p:grpSpPr>
+        <a:xfrm>
+          <a:off x="0" y="0"/>
+          <a:ext cx="0" cy="0"/>
+          <a:chOff x="0" y="0"/>
+          <a:chExt cx="0" cy="0"/>
+        </a:xfrm>
+      </p:grpSpPr>
+      <p:sp>
+        <p:nvSpPr>
+          <p:cNvPr id="2" name="Title 1"/>
+          <p:cNvSpPr>
+            <a:spLocks noGrp="1"/>
+          </p:cNvSpPr>
+          <p:nvPr>
+            <p:ph type="title"/>
+          </p:nvPr>
+        </p:nvSpPr>
+        <p:spPr>
+          <a:xfrm>
+            <a:off x="3095897" y="417377"/>
+            <a:ext cx="8623663" cy="798238"/>
+          </a:xfrm>
+        </p:spPr>
+        <p:txBody>
+          <a:bodyPr>
+            <a:noAutofit/>
+          </a:bodyPr>
+          <a:lstStyle/>
+          <a:p>
+            <a:r>
+              <a:rPr lang="en-US" sz="2400" dirty="0"/>
+              <a:t>Proposed the Improved </a:t>
+            </a:r>
+            <a:r>
+              <a:rPr lang="en-CA" sz="2400" dirty="0"/>
+              <a:t>Holographic Knowledgeable Assistant: Display </a:t>
+            </a:r>
+            <a:r>
+              <a:rPr lang="en-CA" sz="2400" dirty="0" smtClean="0"/>
+              <a:t>the secret message on the given object</a:t>
+            </a:r>
+            <a:endParaRPr lang="en-US" sz="2400" dirty="0"/>
+          </a:p>
+        </p:txBody>
+      </p:sp>
+      <p:pic>
+        <p:nvPicPr>
+          <p:cNvPr id="6" name="Picture 5"/>
+          <p:cNvPicPr>
+            <a:picLocks noChangeAspect="1"/>
+          </p:cNvPicPr>
+          <p:nvPr/>
+        </p:nvPicPr>
+        <p:blipFill>
+          <a:blip r:embed="rId2"/>
+          <a:stretch>
+            <a:fillRect/>
+          </a:stretch>
+        </p:blipFill>
+        <p:spPr>
+          <a:xfrm>
+            <a:off x="7657597" y="3478412"/>
+            <a:ext cx="3468600" cy="2588559"/>
+          </a:xfrm>
+          <a:prstGeom prst="rect">
+            <a:avLst/>
+          </a:prstGeom>
+        </p:spPr>
+      </p:pic>
+      <p:sp>
+        <p:nvSpPr>
+          <p:cNvPr id="9" name="Rounded Rectangle 8"/>
+          <p:cNvSpPr/>
+          <p:nvPr/>
+        </p:nvSpPr>
+        <p:spPr>
+          <a:xfrm>
+            <a:off x="3479674" y="1784784"/>
+            <a:ext cx="3340570" cy="2750215"/>
+          </a:xfrm>
+          <a:prstGeom prst="roundRect">
+            <a:avLst>
+              <a:gd name="adj" fmla="val 5584"/>
+            </a:avLst>
+          </a:prstGeom>
+        </p:spPr>
+        <p:style>
+          <a:lnRef idx="0">
+            <a:schemeClr val="accent5"/>
+          </a:lnRef>
+          <a:fillRef idx="3">
+            <a:schemeClr val="accent5"/>
+          </a:fillRef>
+          <a:effectRef idx="3">
+            <a:schemeClr val="accent5"/>
+          </a:effectRef>
+          <a:fontRef idx="minor">
+            <a:schemeClr val="lt1"/>
+          </a:fontRef>
+        </p:style>
+        <p:txBody>
+          <a:bodyPr rtlCol="0" anchor="ctr"/>
+          <a:lstStyle/>
+          <a:p>
+            <a:pPr marL="285750" indent="-285750">
+              <a:buFontTx/>
+              <a:buChar char="-"/>
+            </a:pPr>
+            <a:r>
+              <a:rPr lang="en-US" sz="1400" dirty="0" smtClean="0"/>
+              <a:t>Extract the private, semantic features</a:t>
+            </a:r>
+          </a:p>
+          <a:p>
+            <a:pPr marL="285750" indent="-285750">
+              <a:buFontTx/>
+              <a:buChar char="-"/>
+            </a:pPr>
+            <a:r>
+              <a:rPr lang="en-US" sz="1400" dirty="0" smtClean="0"/>
+              <a:t>Recognize what is it</a:t>
+            </a:r>
+          </a:p>
+          <a:p>
+            <a:pPr marL="285750" indent="-285750">
+              <a:buFontTx/>
+              <a:buChar char="-"/>
+            </a:pPr>
+            <a:r>
+              <a:rPr lang="en-US" sz="1400" dirty="0" smtClean="0"/>
+              <a:t>Evaluate and estimate the accuracy of the  </a:t>
+            </a:r>
+            <a:r>
+              <a:rPr lang="en-US" sz="1400" dirty="0" smtClean="0"/>
+              <a:t>result</a:t>
+            </a:r>
+          </a:p>
+          <a:p>
+            <a:pPr marL="285750" indent="-285750">
+              <a:buFontTx/>
+              <a:buChar char="-"/>
+            </a:pPr>
+            <a:r>
+              <a:rPr lang="en-US" sz="1400" dirty="0" smtClean="0"/>
+              <a:t>Recognize the geo-location of the object</a:t>
+            </a:r>
+          </a:p>
+          <a:p>
+            <a:pPr marL="285750" indent="-285750">
+              <a:buFontTx/>
+              <a:buChar char="-"/>
+            </a:pPr>
+            <a:r>
+              <a:rPr lang="en-US" sz="1400" dirty="0" smtClean="0"/>
+              <a:t>Display the information at this location and on the recognized object which is the secret message</a:t>
+            </a:r>
+            <a:endParaRPr lang="en-US" sz="1400" dirty="0" smtClean="0"/>
+          </a:p>
+          <a:p>
+            <a:pPr marL="285750" indent="-285750">
+              <a:buFontTx/>
+              <a:buChar char="-"/>
+            </a:pPr>
+            <a:endParaRPr lang="en-US" sz="1400" dirty="0"/>
+          </a:p>
+        </p:txBody>
+      </p:sp>
+      <p:sp>
+        <p:nvSpPr>
+          <p:cNvPr id="8" name="Bent-Up Arrow 7"/>
+          <p:cNvSpPr/>
+          <p:nvPr/>
+        </p:nvSpPr>
+        <p:spPr>
+          <a:xfrm rot="5400000">
+            <a:off x="5739093" y="3837722"/>
+            <a:ext cx="821363" cy="2475991"/>
+          </a:xfrm>
+          <a:prstGeom prst="bentUpArrow">
+            <a:avLst/>
+          </a:prstGeom>
+        </p:spPr>
+        <p:style>
+          <a:lnRef idx="1">
+            <a:schemeClr val="dk1"/>
+          </a:lnRef>
+          <a:fillRef idx="2">
+            <a:schemeClr val="dk1"/>
+          </a:fillRef>
+          <a:effectRef idx="1">
+            <a:schemeClr val="dk1"/>
+          </a:effectRef>
+          <a:fontRef idx="minor">
+            <a:schemeClr val="dk1"/>
+          </a:fontRef>
+        </p:style>
+        <p:txBody>
+          <a:bodyPr rtlCol="0" anchor="ctr"/>
+          <a:lstStyle/>
+          <a:p>
+            <a:pPr algn="ctr"/>
+            <a:endParaRPr lang="en-US"/>
+          </a:p>
+        </p:txBody>
+      </p:sp>
+      <p:sp>
+        <p:nvSpPr>
+          <p:cNvPr id="11" name="TextBox 10"/>
+          <p:cNvSpPr txBox="1"/>
+          <p:nvPr/>
+        </p:nvSpPr>
+        <p:spPr>
+          <a:xfrm>
+            <a:off x="8487645" y="2975225"/>
+            <a:ext cx="2076209" cy="369332"/>
+          </a:xfrm>
+          <a:prstGeom prst="rect">
+            <a:avLst/>
+          </a:prstGeom>
+          <a:noFill/>
+        </p:spPr>
+        <p:txBody>
+          <a:bodyPr wrap="none" rtlCol="0">
+            <a:spAutoFit/>
+          </a:bodyPr>
+          <a:lstStyle/>
+          <a:p>
+            <a:r>
+              <a:rPr lang="en-US" dirty="0" smtClean="0"/>
+              <a:t>Expectation result</a:t>
+            </a:r>
+            <a:endParaRPr lang="en-US" dirty="0"/>
+          </a:p>
+        </p:txBody>
+      </p:sp>
+    </p:spTree>
+    <p:extLst>
+      <p:ext uri="{BB962C8B-B14F-4D97-AF65-F5344CB8AC3E}">
+        <p14:creationId xmlns:p14="http://schemas.microsoft.com/office/powerpoint/2010/main" val="1037581017"/>
+      </p:ext>
+    </p:extLst>
+  </p:cSld>
+  <p:clrMapOvr>
+    <a:masterClrMapping/>
+  </p:clrMapOvr>
+</p:sld>
+</file>
+
+<file path=ppt/slides/slide26.xml><?xml version="1.0" encoding="utf-8"?>
 <p:sld xmlns:a="http://schemas.openxmlformats.org/drawingml/2006/main" xmlns:r="http://schemas.openxmlformats.org/officeDocument/2006/relationships" xmlns:p="http://schemas.openxmlformats.org/presentationml/2006/main" showMasterSp="0">
   <p:cSld>
     <p:spTree>
@@ -7275,8 +7618,13 @@
             </a:r>
             <a:r>
               <a:rPr lang="en-US" sz="2000" dirty="0" smtClean="0"/>
-              <a:t>in Library and Museum </a:t>
-            </a:r>
+              <a:t>in </a:t>
+            </a:r>
+            <a:r>
+              <a:rPr lang="en-US" sz="2000" dirty="0" smtClean="0"/>
+              <a:t>Library, Museum, Mall, etc., </a:t>
+            </a:r>
+            <a:endParaRPr lang="en-US" sz="2000" dirty="0" smtClean="0"/>
           </a:p>
           <a:p>
             <a:pPr algn="just">
@@ -7339,8 +7687,13 @@
             </a:r>
             <a:r>
               <a:rPr lang="en-US" sz="2000" dirty="0" smtClean="0"/>
-              <a:t>” of each artwork and specimen</a:t>
-            </a:r>
+              <a:t>” of each </a:t>
+            </a:r>
+            <a:r>
+              <a:rPr lang="en-US" sz="2000" dirty="0" smtClean="0"/>
+              <a:t>item</a:t>
+            </a:r>
+            <a:endParaRPr lang="en-US" sz="2000" dirty="0" smtClean="0"/>
           </a:p>
           <a:p>
             <a:pPr algn="just">
@@ -7383,7 +7736,7 @@
 </p:sld>
 </file>
 
-<file path=ppt/slides/slide26.xml><?xml version="1.0" encoding="utf-8"?>
+<file path=ppt/slides/slide27.xml><?xml version="1.0" encoding="utf-8"?>
 <p:sld xmlns:a="http://schemas.openxmlformats.org/drawingml/2006/main" xmlns:r="http://schemas.openxmlformats.org/officeDocument/2006/relationships" xmlns:p="http://schemas.openxmlformats.org/presentationml/2006/main">
   <p:cSld>
     <p:spTree>
@@ -7435,7 +7788,7 @@
         <p:spPr/>
         <p:txBody>
           <a:bodyPr>
-            <a:normAutofit fontScale="92500"/>
+            <a:normAutofit fontScale="85000" lnSpcReduction="20000"/>
           </a:bodyPr>
           <a:lstStyle/>
           <a:p>
@@ -7450,7 +7803,15 @@
             </a:r>
             <a:r>
               <a:rPr lang="en-US" b="1" dirty="0"/>
-              <a:t>library, museum, or open data</a:t>
+              <a:t>library, museum</a:t>
+            </a:r>
+            <a:r>
+              <a:rPr lang="en-US" b="1" dirty="0" smtClean="0"/>
+              <a:t>, mall </a:t>
+            </a:r>
+            <a:r>
+              <a:rPr lang="en-US" b="1" dirty="0"/>
+              <a:t>or open data</a:t>
             </a:r>
           </a:p>
           <a:p>
@@ -7475,8 +7836,24 @@
             </a:r>
             <a:r>
               <a:rPr lang="en-US" dirty="0"/>
-              <a:t>based on this one’s front side</a:t>
-            </a:r>
+              <a:t>based on this one’s front </a:t>
+            </a:r>
+            <a:r>
+              <a:rPr lang="en-US" dirty="0" smtClean="0"/>
+              <a:t>side</a:t>
+            </a:r>
+          </a:p>
+          <a:p>
+            <a:pPr algn="just">
+              <a:lnSpc>
+                <a:spcPct val="150000"/>
+              </a:lnSpc>
+            </a:pPr>
+            <a:r>
+              <a:rPr lang="en-US" dirty="0" smtClean="0"/>
+              <a:t>Develop algorithm to classify and integrate information layer of each item</a:t>
+            </a:r>
+            <a:endParaRPr lang="en-US" dirty="0"/>
           </a:p>
           <a:p>
             <a:pPr algn="just">
@@ -7515,7 +7892,7 @@
 </p:sld>
 </file>
 
-<file path=ppt/slides/slide27.xml><?xml version="1.0" encoding="utf-8"?>
+<file path=ppt/slides/slide28.xml><?xml version="1.0" encoding="utf-8"?>
 <p:sld xmlns:a="http://schemas.openxmlformats.org/drawingml/2006/main" xmlns:r="http://schemas.openxmlformats.org/officeDocument/2006/relationships" xmlns:p="http://schemas.openxmlformats.org/presentationml/2006/main" showMasterSp="0">
   <p:cSld>
     <p:spTree>
@@ -7659,7 +8036,7 @@
 </p:sld>
 </file>
 
-<file path=ppt/slides/slide28.xml><?xml version="1.0" encoding="utf-8"?>
+<file path=ppt/slides/slide29.xml><?xml version="1.0" encoding="utf-8"?>
 <p:sld xmlns:a="http://schemas.openxmlformats.org/drawingml/2006/main" xmlns:r="http://schemas.openxmlformats.org/officeDocument/2006/relationships" xmlns:p="http://schemas.openxmlformats.org/presentationml/2006/main">
   <p:cSld>
     <p:spTree>
@@ -7815,7 +8192,478 @@
 </p:sld>
 </file>
 
-<file path=ppt/slides/slide29.xml><?xml version="1.0" encoding="utf-8"?>
+<file path=ppt/slides/slide3.xml><?xml version="1.0" encoding="utf-8"?>
+<p:sld xmlns:a="http://schemas.openxmlformats.org/drawingml/2006/main" xmlns:r="http://schemas.openxmlformats.org/officeDocument/2006/relationships" xmlns:p="http://schemas.openxmlformats.org/presentationml/2006/main">
+  <p:cSld>
+    <p:spTree>
+      <p:nvGrpSpPr>
+        <p:cNvPr id="1" name=""/>
+        <p:cNvGrpSpPr/>
+        <p:nvPr/>
+      </p:nvGrpSpPr>
+      <p:grpSpPr>
+        <a:xfrm>
+          <a:off x="0" y="0"/>
+          <a:ext cx="0" cy="0"/>
+          <a:chOff x="0" y="0"/>
+          <a:chExt cx="0" cy="0"/>
+        </a:xfrm>
+      </p:grpSpPr>
+      <p:sp>
+        <p:nvSpPr>
+          <p:cNvPr id="2" name="Title 1"/>
+          <p:cNvSpPr>
+            <a:spLocks noGrp="1"/>
+          </p:cNvSpPr>
+          <p:nvPr>
+            <p:ph type="title"/>
+          </p:nvPr>
+        </p:nvSpPr>
+        <p:spPr/>
+        <p:txBody>
+          <a:bodyPr/>
+          <a:lstStyle/>
+          <a:p>
+            <a:r>
+              <a:rPr lang="en-US" dirty="0" smtClean="0"/>
+              <a:t>Definitions</a:t>
+            </a:r>
+            <a:endParaRPr lang="en-US" dirty="0"/>
+          </a:p>
+        </p:txBody>
+      </p:sp>
+      <p:sp>
+        <p:nvSpPr>
+          <p:cNvPr id="3" name="Content Placeholder 2"/>
+          <p:cNvSpPr>
+            <a:spLocks noGrp="1"/>
+          </p:cNvSpPr>
+          <p:nvPr>
+            <p:ph idx="1"/>
+          </p:nvPr>
+        </p:nvSpPr>
+        <p:spPr/>
+        <p:txBody>
+          <a:bodyPr/>
+          <a:lstStyle/>
+          <a:p>
+            <a:r>
+              <a:rPr lang="en-CA" dirty="0" smtClean="0"/>
+              <a:t>Semantic </a:t>
+            </a:r>
+            <a:r>
+              <a:rPr lang="en-CA" dirty="0"/>
+              <a:t>Metadata </a:t>
+            </a:r>
+            <a:r>
+              <a:rPr lang="en-CA" dirty="0" smtClean="0"/>
+              <a:t>Enrichments:</a:t>
+            </a:r>
+            <a:endParaRPr lang="en-US" dirty="0"/>
+          </a:p>
+          <a:p>
+            <a:pPr marL="457200" lvl="1" indent="0">
+              <a:buNone/>
+            </a:pPr>
+            <a:endParaRPr lang="en-CA" dirty="0" smtClean="0"/>
+          </a:p>
+        </p:txBody>
+      </p:sp>
+      <p:pic>
+        <p:nvPicPr>
+          <p:cNvPr id="5" name="Picture 4"/>
+          <p:cNvPicPr>
+            <a:picLocks noChangeAspect="1"/>
+          </p:cNvPicPr>
+          <p:nvPr/>
+        </p:nvPicPr>
+        <p:blipFill>
+          <a:blip r:embed="rId3"/>
+          <a:stretch>
+            <a:fillRect/>
+          </a:stretch>
+        </p:blipFill>
+        <p:spPr>
+          <a:xfrm>
+            <a:off x="3334429" y="2397238"/>
+            <a:ext cx="5915025" cy="3276600"/>
+          </a:xfrm>
+          <a:prstGeom prst="rect">
+            <a:avLst/>
+          </a:prstGeom>
+        </p:spPr>
+      </p:pic>
+      <p:sp>
+        <p:nvSpPr>
+          <p:cNvPr id="6" name="TextBox 5"/>
+          <p:cNvSpPr txBox="1"/>
+          <p:nvPr/>
+        </p:nvSpPr>
+        <p:spPr>
+          <a:xfrm>
+            <a:off x="3247054" y="6171947"/>
+            <a:ext cx="6497356" cy="646331"/>
+          </a:xfrm>
+          <a:prstGeom prst="rect">
+            <a:avLst/>
+          </a:prstGeom>
+          <a:noFill/>
+        </p:spPr>
+        <p:txBody>
+          <a:bodyPr wrap="none" rtlCol="0">
+            <a:spAutoFit/>
+          </a:bodyPr>
+          <a:lstStyle/>
+          <a:p>
+            <a:pPr algn="just"/>
+            <a:r>
+              <a:rPr lang="en-US" sz="1200" b="1" dirty="0" smtClean="0"/>
+              <a:t>Source</a:t>
+            </a:r>
+            <a:r>
+              <a:rPr lang="en-US" sz="1200" dirty="0" smtClean="0"/>
+              <a:t>: R. </a:t>
+            </a:r>
+            <a:r>
+              <a:rPr lang="en-US" sz="1200" dirty="0" err="1" smtClean="0"/>
+              <a:t>Brisebois</a:t>
+            </a:r>
+            <a:r>
+              <a:rPr lang="en-US" sz="1200" dirty="0" smtClean="0"/>
+              <a:t>, A. </a:t>
+            </a:r>
+            <a:r>
+              <a:rPr lang="en-US" sz="1200" dirty="0" err="1" smtClean="0"/>
+              <a:t>Abran</a:t>
+            </a:r>
+            <a:r>
+              <a:rPr lang="en-US" sz="1200" dirty="0" smtClean="0"/>
+              <a:t>, A. </a:t>
+            </a:r>
+            <a:r>
+              <a:rPr lang="en-US" sz="1200" dirty="0" err="1" smtClean="0"/>
+              <a:t>Nadembega</a:t>
+            </a:r>
+            <a:r>
+              <a:rPr lang="en-US" sz="1200" dirty="0" smtClean="0"/>
+              <a:t>, “A Semantic Metadata Enrichment </a:t>
+            </a:r>
+          </a:p>
+          <a:p>
+            <a:pPr algn="just"/>
+            <a:r>
+              <a:rPr lang="en-US" sz="1200" dirty="0" smtClean="0"/>
+              <a:t>Software Ecosystem based on Metadata and Affinity Models”, in I.J. Information Technology</a:t>
+            </a:r>
+          </a:p>
+          <a:p>
+            <a:pPr algn="just"/>
+            <a:r>
+              <a:rPr lang="en-US" sz="1200" dirty="0" smtClean="0"/>
+              <a:t>And Computer Science, 2017, 8, 1-13 </a:t>
+            </a:r>
+            <a:endParaRPr lang="en-US" sz="1200" dirty="0"/>
+          </a:p>
+        </p:txBody>
+      </p:sp>
+      <p:sp>
+        <p:nvSpPr>
+          <p:cNvPr id="8" name="Rounded Rectangle 7"/>
+          <p:cNvSpPr/>
+          <p:nvPr/>
+        </p:nvSpPr>
+        <p:spPr>
+          <a:xfrm>
+            <a:off x="9470571" y="2397238"/>
+            <a:ext cx="345233" cy="336631"/>
+          </a:xfrm>
+          <a:prstGeom prst="roundRect">
+            <a:avLst/>
+          </a:prstGeom>
+        </p:spPr>
+        <p:style>
+          <a:lnRef idx="2">
+            <a:schemeClr val="dk1">
+              <a:shade val="50000"/>
+            </a:schemeClr>
+          </a:lnRef>
+          <a:fillRef idx="1">
+            <a:schemeClr val="dk1"/>
+          </a:fillRef>
+          <a:effectRef idx="0">
+            <a:schemeClr val="dk1"/>
+          </a:effectRef>
+          <a:fontRef idx="minor">
+            <a:schemeClr val="lt1"/>
+          </a:fontRef>
+        </p:style>
+        <p:txBody>
+          <a:bodyPr rtlCol="0" anchor="ctr"/>
+          <a:lstStyle/>
+          <a:p>
+            <a:pPr algn="ctr"/>
+            <a:endParaRPr lang="en-US"/>
+          </a:p>
+        </p:txBody>
+      </p:sp>
+      <p:sp>
+        <p:nvSpPr>
+          <p:cNvPr id="9" name="TextBox 8"/>
+          <p:cNvSpPr txBox="1"/>
+          <p:nvPr/>
+        </p:nvSpPr>
+        <p:spPr>
+          <a:xfrm>
+            <a:off x="9890450" y="2380887"/>
+            <a:ext cx="1385316" cy="369332"/>
+          </a:xfrm>
+          <a:prstGeom prst="rect">
+            <a:avLst/>
+          </a:prstGeom>
+          <a:noFill/>
+        </p:spPr>
+        <p:txBody>
+          <a:bodyPr wrap="none" rtlCol="0">
+            <a:spAutoFit/>
+          </a:bodyPr>
+          <a:lstStyle/>
+          <a:p>
+            <a:r>
+              <a:rPr lang="en-US" dirty="0" smtClean="0"/>
+              <a:t>Meta-Entity</a:t>
+            </a:r>
+            <a:endParaRPr lang="en-US" dirty="0"/>
+          </a:p>
+        </p:txBody>
+      </p:sp>
+      <p:sp>
+        <p:nvSpPr>
+          <p:cNvPr id="10" name="Rounded Rectangle 9"/>
+          <p:cNvSpPr/>
+          <p:nvPr/>
+        </p:nvSpPr>
+        <p:spPr>
+          <a:xfrm>
+            <a:off x="9470571" y="2944789"/>
+            <a:ext cx="345233" cy="336631"/>
+          </a:xfrm>
+          <a:prstGeom prst="roundRect">
+            <a:avLst/>
+          </a:prstGeom>
+        </p:spPr>
+        <p:style>
+          <a:lnRef idx="2">
+            <a:schemeClr val="accent1">
+              <a:shade val="50000"/>
+            </a:schemeClr>
+          </a:lnRef>
+          <a:fillRef idx="1">
+            <a:schemeClr val="accent1"/>
+          </a:fillRef>
+          <a:effectRef idx="0">
+            <a:schemeClr val="accent1"/>
+          </a:effectRef>
+          <a:fontRef idx="minor">
+            <a:schemeClr val="lt1"/>
+          </a:fontRef>
+        </p:style>
+        <p:txBody>
+          <a:bodyPr rtlCol="0" anchor="ctr"/>
+          <a:lstStyle/>
+          <a:p>
+            <a:pPr algn="ctr"/>
+            <a:endParaRPr lang="en-US"/>
+          </a:p>
+        </p:txBody>
+      </p:sp>
+      <p:sp>
+        <p:nvSpPr>
+          <p:cNvPr id="11" name="TextBox 10"/>
+          <p:cNvSpPr txBox="1"/>
+          <p:nvPr/>
+        </p:nvSpPr>
+        <p:spPr>
+          <a:xfrm>
+            <a:off x="9890450" y="2928438"/>
+            <a:ext cx="797013" cy="369332"/>
+          </a:xfrm>
+          <a:prstGeom prst="rect">
+            <a:avLst/>
+          </a:prstGeom>
+          <a:noFill/>
+        </p:spPr>
+        <p:txBody>
+          <a:bodyPr wrap="none" rtlCol="0">
+            <a:spAutoFit/>
+          </a:bodyPr>
+          <a:lstStyle/>
+          <a:p>
+            <a:r>
+              <a:rPr lang="en-US" dirty="0" smtClean="0"/>
+              <a:t>Entity</a:t>
+            </a:r>
+            <a:endParaRPr lang="en-US" dirty="0"/>
+          </a:p>
+        </p:txBody>
+      </p:sp>
+      <p:sp>
+        <p:nvSpPr>
+          <p:cNvPr id="12" name="Rounded Rectangle 11"/>
+          <p:cNvSpPr/>
+          <p:nvPr/>
+        </p:nvSpPr>
+        <p:spPr>
+          <a:xfrm>
+            <a:off x="9470571" y="3508691"/>
+            <a:ext cx="345233" cy="336631"/>
+          </a:xfrm>
+          <a:prstGeom prst="roundRect">
+            <a:avLst/>
+          </a:prstGeom>
+        </p:spPr>
+        <p:style>
+          <a:lnRef idx="2">
+            <a:schemeClr val="accent3">
+              <a:shade val="50000"/>
+            </a:schemeClr>
+          </a:lnRef>
+          <a:fillRef idx="1">
+            <a:schemeClr val="accent3"/>
+          </a:fillRef>
+          <a:effectRef idx="0">
+            <a:schemeClr val="accent3"/>
+          </a:effectRef>
+          <a:fontRef idx="minor">
+            <a:schemeClr val="lt1"/>
+          </a:fontRef>
+        </p:style>
+        <p:txBody>
+          <a:bodyPr rtlCol="0" anchor="ctr"/>
+          <a:lstStyle/>
+          <a:p>
+            <a:pPr algn="ctr"/>
+            <a:endParaRPr lang="en-US"/>
+          </a:p>
+        </p:txBody>
+      </p:sp>
+      <p:sp>
+        <p:nvSpPr>
+          <p:cNvPr id="13" name="TextBox 12"/>
+          <p:cNvSpPr txBox="1"/>
+          <p:nvPr/>
+        </p:nvSpPr>
+        <p:spPr>
+          <a:xfrm>
+            <a:off x="9890450" y="3492340"/>
+            <a:ext cx="2266967" cy="646331"/>
+          </a:xfrm>
+          <a:prstGeom prst="rect">
+            <a:avLst/>
+          </a:prstGeom>
+          <a:noFill/>
+        </p:spPr>
+        <p:txBody>
+          <a:bodyPr wrap="none" rtlCol="0">
+            <a:spAutoFit/>
+          </a:bodyPr>
+          <a:lstStyle/>
+          <a:p>
+            <a:r>
+              <a:rPr lang="en-US" dirty="0" smtClean="0"/>
+              <a:t>Semantic metadata </a:t>
+            </a:r>
+          </a:p>
+          <a:p>
+            <a:r>
+              <a:rPr lang="en-US" dirty="0" smtClean="0"/>
+              <a:t>enrichment</a:t>
+            </a:r>
+            <a:endParaRPr lang="en-US" dirty="0"/>
+          </a:p>
+        </p:txBody>
+      </p:sp>
+      <p:sp>
+        <p:nvSpPr>
+          <p:cNvPr id="14" name="Rounded Rectangle 13"/>
+          <p:cNvSpPr/>
+          <p:nvPr/>
+        </p:nvSpPr>
+        <p:spPr>
+          <a:xfrm>
+            <a:off x="9470571" y="4166198"/>
+            <a:ext cx="345233" cy="336631"/>
+          </a:xfrm>
+          <a:prstGeom prst="roundRect">
+            <a:avLst/>
+          </a:prstGeom>
+        </p:spPr>
+        <p:style>
+          <a:lnRef idx="2">
+            <a:schemeClr val="dk1"/>
+          </a:lnRef>
+          <a:fillRef idx="1">
+            <a:schemeClr val="lt1"/>
+          </a:fillRef>
+          <a:effectRef idx="0">
+            <a:schemeClr val="dk1"/>
+          </a:effectRef>
+          <a:fontRef idx="minor">
+            <a:schemeClr val="dk1"/>
+          </a:fontRef>
+        </p:style>
+        <p:txBody>
+          <a:bodyPr rtlCol="0" anchor="ctr"/>
+          <a:lstStyle/>
+          <a:p>
+            <a:pPr algn="ctr"/>
+            <a:endParaRPr lang="en-US"/>
+          </a:p>
+        </p:txBody>
+      </p:sp>
+      <p:sp>
+        <p:nvSpPr>
+          <p:cNvPr id="15" name="TextBox 14"/>
+          <p:cNvSpPr txBox="1"/>
+          <p:nvPr/>
+        </p:nvSpPr>
+        <p:spPr>
+          <a:xfrm>
+            <a:off x="9890450" y="4149847"/>
+            <a:ext cx="2198038" cy="369332"/>
+          </a:xfrm>
+          <a:prstGeom prst="rect">
+            <a:avLst/>
+          </a:prstGeom>
+          <a:noFill/>
+        </p:spPr>
+        <p:txBody>
+          <a:bodyPr wrap="none" rtlCol="0">
+            <a:spAutoFit/>
+          </a:bodyPr>
+          <a:lstStyle/>
+          <a:p>
+            <a:r>
+              <a:rPr lang="en-US" dirty="0" smtClean="0"/>
+              <a:t>Content and Events</a:t>
+            </a:r>
+            <a:endParaRPr lang="en-US" dirty="0"/>
+          </a:p>
+        </p:txBody>
+      </p:sp>
+    </p:spTree>
+    <p:extLst>
+      <p:ext uri="{BB962C8B-B14F-4D97-AF65-F5344CB8AC3E}">
+        <p14:creationId xmlns:p14="http://schemas.microsoft.com/office/powerpoint/2010/main" val="32626320"/>
+      </p:ext>
+    </p:extLst>
+  </p:cSld>
+  <p:clrMapOvr>
+    <a:masterClrMapping/>
+  </p:clrMapOvr>
+</p:sld>
+</file>
+
+<file path=ppt/slides/slide30.xml><?xml version="1.0" encoding="utf-8"?>
 <p:sld xmlns:a="http://schemas.openxmlformats.org/drawingml/2006/main" xmlns:r="http://schemas.openxmlformats.org/officeDocument/2006/relationships" xmlns:p="http://schemas.openxmlformats.org/presentationml/2006/main" showMasterSp="0">
   <p:cSld>
     <p:bg>
@@ -9419,478 +10267,7 @@
 </p:sld>
 </file>
 
-<file path=ppt/slides/slide3.xml><?xml version="1.0" encoding="utf-8"?>
-<p:sld xmlns:a="http://schemas.openxmlformats.org/drawingml/2006/main" xmlns:r="http://schemas.openxmlformats.org/officeDocument/2006/relationships" xmlns:p="http://schemas.openxmlformats.org/presentationml/2006/main">
-  <p:cSld>
-    <p:spTree>
-      <p:nvGrpSpPr>
-        <p:cNvPr id="1" name=""/>
-        <p:cNvGrpSpPr/>
-        <p:nvPr/>
-      </p:nvGrpSpPr>
-      <p:grpSpPr>
-        <a:xfrm>
-          <a:off x="0" y="0"/>
-          <a:ext cx="0" cy="0"/>
-          <a:chOff x="0" y="0"/>
-          <a:chExt cx="0" cy="0"/>
-        </a:xfrm>
-      </p:grpSpPr>
-      <p:sp>
-        <p:nvSpPr>
-          <p:cNvPr id="2" name="Title 1"/>
-          <p:cNvSpPr>
-            <a:spLocks noGrp="1"/>
-          </p:cNvSpPr>
-          <p:nvPr>
-            <p:ph type="title"/>
-          </p:nvPr>
-        </p:nvSpPr>
-        <p:spPr/>
-        <p:txBody>
-          <a:bodyPr/>
-          <a:lstStyle/>
-          <a:p>
-            <a:r>
-              <a:rPr lang="en-US" dirty="0" smtClean="0"/>
-              <a:t>Definitions</a:t>
-            </a:r>
-            <a:endParaRPr lang="en-US" dirty="0"/>
-          </a:p>
-        </p:txBody>
-      </p:sp>
-      <p:sp>
-        <p:nvSpPr>
-          <p:cNvPr id="3" name="Content Placeholder 2"/>
-          <p:cNvSpPr>
-            <a:spLocks noGrp="1"/>
-          </p:cNvSpPr>
-          <p:nvPr>
-            <p:ph idx="1"/>
-          </p:nvPr>
-        </p:nvSpPr>
-        <p:spPr/>
-        <p:txBody>
-          <a:bodyPr/>
-          <a:lstStyle/>
-          <a:p>
-            <a:r>
-              <a:rPr lang="en-CA" dirty="0" smtClean="0"/>
-              <a:t>Semantic </a:t>
-            </a:r>
-            <a:r>
-              <a:rPr lang="en-CA" dirty="0"/>
-              <a:t>Metadata </a:t>
-            </a:r>
-            <a:r>
-              <a:rPr lang="en-CA" dirty="0" smtClean="0"/>
-              <a:t>Enrichments:</a:t>
-            </a:r>
-            <a:endParaRPr lang="en-US" dirty="0"/>
-          </a:p>
-          <a:p>
-            <a:pPr marL="457200" lvl="1" indent="0">
-              <a:buNone/>
-            </a:pPr>
-            <a:endParaRPr lang="en-CA" dirty="0" smtClean="0"/>
-          </a:p>
-        </p:txBody>
-      </p:sp>
-      <p:pic>
-        <p:nvPicPr>
-          <p:cNvPr id="5" name="Picture 4"/>
-          <p:cNvPicPr>
-            <a:picLocks noChangeAspect="1"/>
-          </p:cNvPicPr>
-          <p:nvPr/>
-        </p:nvPicPr>
-        <p:blipFill>
-          <a:blip r:embed="rId3"/>
-          <a:stretch>
-            <a:fillRect/>
-          </a:stretch>
-        </p:blipFill>
-        <p:spPr>
-          <a:xfrm>
-            <a:off x="3334429" y="2397238"/>
-            <a:ext cx="5915025" cy="3276600"/>
-          </a:xfrm>
-          <a:prstGeom prst="rect">
-            <a:avLst/>
-          </a:prstGeom>
-        </p:spPr>
-      </p:pic>
-      <p:sp>
-        <p:nvSpPr>
-          <p:cNvPr id="6" name="TextBox 5"/>
-          <p:cNvSpPr txBox="1"/>
-          <p:nvPr/>
-        </p:nvSpPr>
-        <p:spPr>
-          <a:xfrm>
-            <a:off x="3247054" y="6171947"/>
-            <a:ext cx="6497356" cy="646331"/>
-          </a:xfrm>
-          <a:prstGeom prst="rect">
-            <a:avLst/>
-          </a:prstGeom>
-          <a:noFill/>
-        </p:spPr>
-        <p:txBody>
-          <a:bodyPr wrap="none" rtlCol="0">
-            <a:spAutoFit/>
-          </a:bodyPr>
-          <a:lstStyle/>
-          <a:p>
-            <a:pPr algn="just"/>
-            <a:r>
-              <a:rPr lang="en-US" sz="1200" b="1" dirty="0" smtClean="0"/>
-              <a:t>Source</a:t>
-            </a:r>
-            <a:r>
-              <a:rPr lang="en-US" sz="1200" dirty="0" smtClean="0"/>
-              <a:t>: R. </a:t>
-            </a:r>
-            <a:r>
-              <a:rPr lang="en-US" sz="1200" dirty="0" err="1" smtClean="0"/>
-              <a:t>Brisebois</a:t>
-            </a:r>
-            <a:r>
-              <a:rPr lang="en-US" sz="1200" dirty="0" smtClean="0"/>
-              <a:t>, A. </a:t>
-            </a:r>
-            <a:r>
-              <a:rPr lang="en-US" sz="1200" dirty="0" err="1" smtClean="0"/>
-              <a:t>Abran</a:t>
-            </a:r>
-            <a:r>
-              <a:rPr lang="en-US" sz="1200" dirty="0" smtClean="0"/>
-              <a:t>, A. </a:t>
-            </a:r>
-            <a:r>
-              <a:rPr lang="en-US" sz="1200" dirty="0" err="1" smtClean="0"/>
-              <a:t>Nadembega</a:t>
-            </a:r>
-            <a:r>
-              <a:rPr lang="en-US" sz="1200" dirty="0" smtClean="0"/>
-              <a:t>, “A Semantic Metadata Enrichment </a:t>
-            </a:r>
-          </a:p>
-          <a:p>
-            <a:pPr algn="just"/>
-            <a:r>
-              <a:rPr lang="en-US" sz="1200" dirty="0" smtClean="0"/>
-              <a:t>Software Ecosystem based on Metadata and Affinity Models”, in I.J. Information Technology</a:t>
-            </a:r>
-          </a:p>
-          <a:p>
-            <a:pPr algn="just"/>
-            <a:r>
-              <a:rPr lang="en-US" sz="1200" dirty="0" smtClean="0"/>
-              <a:t>And Computer Science, 2017, 8, 1-13 </a:t>
-            </a:r>
-            <a:endParaRPr lang="en-US" sz="1200" dirty="0"/>
-          </a:p>
-        </p:txBody>
-      </p:sp>
-      <p:sp>
-        <p:nvSpPr>
-          <p:cNvPr id="8" name="Rounded Rectangle 7"/>
-          <p:cNvSpPr/>
-          <p:nvPr/>
-        </p:nvSpPr>
-        <p:spPr>
-          <a:xfrm>
-            <a:off x="9470571" y="2397238"/>
-            <a:ext cx="345233" cy="336631"/>
-          </a:xfrm>
-          <a:prstGeom prst="roundRect">
-            <a:avLst/>
-          </a:prstGeom>
-        </p:spPr>
-        <p:style>
-          <a:lnRef idx="2">
-            <a:schemeClr val="dk1">
-              <a:shade val="50000"/>
-            </a:schemeClr>
-          </a:lnRef>
-          <a:fillRef idx="1">
-            <a:schemeClr val="dk1"/>
-          </a:fillRef>
-          <a:effectRef idx="0">
-            <a:schemeClr val="dk1"/>
-          </a:effectRef>
-          <a:fontRef idx="minor">
-            <a:schemeClr val="lt1"/>
-          </a:fontRef>
-        </p:style>
-        <p:txBody>
-          <a:bodyPr rtlCol="0" anchor="ctr"/>
-          <a:lstStyle/>
-          <a:p>
-            <a:pPr algn="ctr"/>
-            <a:endParaRPr lang="en-US"/>
-          </a:p>
-        </p:txBody>
-      </p:sp>
-      <p:sp>
-        <p:nvSpPr>
-          <p:cNvPr id="9" name="TextBox 8"/>
-          <p:cNvSpPr txBox="1"/>
-          <p:nvPr/>
-        </p:nvSpPr>
-        <p:spPr>
-          <a:xfrm>
-            <a:off x="9890450" y="2380887"/>
-            <a:ext cx="1385316" cy="369332"/>
-          </a:xfrm>
-          <a:prstGeom prst="rect">
-            <a:avLst/>
-          </a:prstGeom>
-          <a:noFill/>
-        </p:spPr>
-        <p:txBody>
-          <a:bodyPr wrap="none" rtlCol="0">
-            <a:spAutoFit/>
-          </a:bodyPr>
-          <a:lstStyle/>
-          <a:p>
-            <a:r>
-              <a:rPr lang="en-US" dirty="0" smtClean="0"/>
-              <a:t>Meta-Entity</a:t>
-            </a:r>
-            <a:endParaRPr lang="en-US" dirty="0"/>
-          </a:p>
-        </p:txBody>
-      </p:sp>
-      <p:sp>
-        <p:nvSpPr>
-          <p:cNvPr id="10" name="Rounded Rectangle 9"/>
-          <p:cNvSpPr/>
-          <p:nvPr/>
-        </p:nvSpPr>
-        <p:spPr>
-          <a:xfrm>
-            <a:off x="9470571" y="2944789"/>
-            <a:ext cx="345233" cy="336631"/>
-          </a:xfrm>
-          <a:prstGeom prst="roundRect">
-            <a:avLst/>
-          </a:prstGeom>
-        </p:spPr>
-        <p:style>
-          <a:lnRef idx="2">
-            <a:schemeClr val="accent1">
-              <a:shade val="50000"/>
-            </a:schemeClr>
-          </a:lnRef>
-          <a:fillRef idx="1">
-            <a:schemeClr val="accent1"/>
-          </a:fillRef>
-          <a:effectRef idx="0">
-            <a:schemeClr val="accent1"/>
-          </a:effectRef>
-          <a:fontRef idx="minor">
-            <a:schemeClr val="lt1"/>
-          </a:fontRef>
-        </p:style>
-        <p:txBody>
-          <a:bodyPr rtlCol="0" anchor="ctr"/>
-          <a:lstStyle/>
-          <a:p>
-            <a:pPr algn="ctr"/>
-            <a:endParaRPr lang="en-US"/>
-          </a:p>
-        </p:txBody>
-      </p:sp>
-      <p:sp>
-        <p:nvSpPr>
-          <p:cNvPr id="11" name="TextBox 10"/>
-          <p:cNvSpPr txBox="1"/>
-          <p:nvPr/>
-        </p:nvSpPr>
-        <p:spPr>
-          <a:xfrm>
-            <a:off x="9890450" y="2928438"/>
-            <a:ext cx="797013" cy="369332"/>
-          </a:xfrm>
-          <a:prstGeom prst="rect">
-            <a:avLst/>
-          </a:prstGeom>
-          <a:noFill/>
-        </p:spPr>
-        <p:txBody>
-          <a:bodyPr wrap="none" rtlCol="0">
-            <a:spAutoFit/>
-          </a:bodyPr>
-          <a:lstStyle/>
-          <a:p>
-            <a:r>
-              <a:rPr lang="en-US" dirty="0" smtClean="0"/>
-              <a:t>Entity</a:t>
-            </a:r>
-            <a:endParaRPr lang="en-US" dirty="0"/>
-          </a:p>
-        </p:txBody>
-      </p:sp>
-      <p:sp>
-        <p:nvSpPr>
-          <p:cNvPr id="12" name="Rounded Rectangle 11"/>
-          <p:cNvSpPr/>
-          <p:nvPr/>
-        </p:nvSpPr>
-        <p:spPr>
-          <a:xfrm>
-            <a:off x="9470571" y="3508691"/>
-            <a:ext cx="345233" cy="336631"/>
-          </a:xfrm>
-          <a:prstGeom prst="roundRect">
-            <a:avLst/>
-          </a:prstGeom>
-        </p:spPr>
-        <p:style>
-          <a:lnRef idx="2">
-            <a:schemeClr val="accent3">
-              <a:shade val="50000"/>
-            </a:schemeClr>
-          </a:lnRef>
-          <a:fillRef idx="1">
-            <a:schemeClr val="accent3"/>
-          </a:fillRef>
-          <a:effectRef idx="0">
-            <a:schemeClr val="accent3"/>
-          </a:effectRef>
-          <a:fontRef idx="minor">
-            <a:schemeClr val="lt1"/>
-          </a:fontRef>
-        </p:style>
-        <p:txBody>
-          <a:bodyPr rtlCol="0" anchor="ctr"/>
-          <a:lstStyle/>
-          <a:p>
-            <a:pPr algn="ctr"/>
-            <a:endParaRPr lang="en-US"/>
-          </a:p>
-        </p:txBody>
-      </p:sp>
-      <p:sp>
-        <p:nvSpPr>
-          <p:cNvPr id="13" name="TextBox 12"/>
-          <p:cNvSpPr txBox="1"/>
-          <p:nvPr/>
-        </p:nvSpPr>
-        <p:spPr>
-          <a:xfrm>
-            <a:off x="9890450" y="3492340"/>
-            <a:ext cx="2266967" cy="646331"/>
-          </a:xfrm>
-          <a:prstGeom prst="rect">
-            <a:avLst/>
-          </a:prstGeom>
-          <a:noFill/>
-        </p:spPr>
-        <p:txBody>
-          <a:bodyPr wrap="none" rtlCol="0">
-            <a:spAutoFit/>
-          </a:bodyPr>
-          <a:lstStyle/>
-          <a:p>
-            <a:r>
-              <a:rPr lang="en-US" dirty="0" smtClean="0"/>
-              <a:t>Semantic metadata </a:t>
-            </a:r>
-          </a:p>
-          <a:p>
-            <a:r>
-              <a:rPr lang="en-US" dirty="0" smtClean="0"/>
-              <a:t>enrichment</a:t>
-            </a:r>
-            <a:endParaRPr lang="en-US" dirty="0"/>
-          </a:p>
-        </p:txBody>
-      </p:sp>
-      <p:sp>
-        <p:nvSpPr>
-          <p:cNvPr id="14" name="Rounded Rectangle 13"/>
-          <p:cNvSpPr/>
-          <p:nvPr/>
-        </p:nvSpPr>
-        <p:spPr>
-          <a:xfrm>
-            <a:off x="9470571" y="4166198"/>
-            <a:ext cx="345233" cy="336631"/>
-          </a:xfrm>
-          <a:prstGeom prst="roundRect">
-            <a:avLst/>
-          </a:prstGeom>
-        </p:spPr>
-        <p:style>
-          <a:lnRef idx="2">
-            <a:schemeClr val="dk1"/>
-          </a:lnRef>
-          <a:fillRef idx="1">
-            <a:schemeClr val="lt1"/>
-          </a:fillRef>
-          <a:effectRef idx="0">
-            <a:schemeClr val="dk1"/>
-          </a:effectRef>
-          <a:fontRef idx="minor">
-            <a:schemeClr val="dk1"/>
-          </a:fontRef>
-        </p:style>
-        <p:txBody>
-          <a:bodyPr rtlCol="0" anchor="ctr"/>
-          <a:lstStyle/>
-          <a:p>
-            <a:pPr algn="ctr"/>
-            <a:endParaRPr lang="en-US"/>
-          </a:p>
-        </p:txBody>
-      </p:sp>
-      <p:sp>
-        <p:nvSpPr>
-          <p:cNvPr id="15" name="TextBox 14"/>
-          <p:cNvSpPr txBox="1"/>
-          <p:nvPr/>
-        </p:nvSpPr>
-        <p:spPr>
-          <a:xfrm>
-            <a:off x="9890450" y="4149847"/>
-            <a:ext cx="2198038" cy="369332"/>
-          </a:xfrm>
-          <a:prstGeom prst="rect">
-            <a:avLst/>
-          </a:prstGeom>
-          <a:noFill/>
-        </p:spPr>
-        <p:txBody>
-          <a:bodyPr wrap="none" rtlCol="0">
-            <a:spAutoFit/>
-          </a:bodyPr>
-          <a:lstStyle/>
-          <a:p>
-            <a:r>
-              <a:rPr lang="en-US" dirty="0" smtClean="0"/>
-              <a:t>Content and Events</a:t>
-            </a:r>
-            <a:endParaRPr lang="en-US" dirty="0"/>
-          </a:p>
-        </p:txBody>
-      </p:sp>
-    </p:spTree>
-    <p:extLst>
-      <p:ext uri="{BB962C8B-B14F-4D97-AF65-F5344CB8AC3E}">
-        <p14:creationId xmlns:p14="http://schemas.microsoft.com/office/powerpoint/2010/main" val="32626320"/>
-      </p:ext>
-    </p:extLst>
-  </p:cSld>
-  <p:clrMapOvr>
-    <a:masterClrMapping/>
-  </p:clrMapOvr>
-</p:sld>
-</file>
-
-<file path=ppt/slides/slide30.xml><?xml version="1.0" encoding="utf-8"?>
+<file path=ppt/slides/slide31.xml><?xml version="1.0" encoding="utf-8"?>
 <p:sld xmlns:a="http://schemas.openxmlformats.org/drawingml/2006/main" xmlns:r="http://schemas.openxmlformats.org/officeDocument/2006/relationships" xmlns:p="http://schemas.openxmlformats.org/presentationml/2006/main" showMasterSp="0">
   <p:cSld>
     <p:spTree>
@@ -10628,7 +11005,7 @@
 </p:sld>
 </file>
 
-<file path=ppt/slides/slide31.xml><?xml version="1.0" encoding="utf-8"?>
+<file path=ppt/slides/slide32.xml><?xml version="1.0" encoding="utf-8"?>
 <p:sld xmlns:a="http://schemas.openxmlformats.org/drawingml/2006/main" xmlns:r="http://schemas.openxmlformats.org/officeDocument/2006/relationships" xmlns:p="http://schemas.openxmlformats.org/presentationml/2006/main">
   <p:cSld>
     <p:spTree>
@@ -10831,7 +11208,7 @@
 </p:sld>
 </file>
 
-<file path=ppt/slides/slide32.xml><?xml version="1.0" encoding="utf-8"?>
+<file path=ppt/slides/slide33.xml><?xml version="1.0" encoding="utf-8"?>
 <p:sld xmlns:a="http://schemas.openxmlformats.org/drawingml/2006/main" xmlns:r="http://schemas.openxmlformats.org/officeDocument/2006/relationships" xmlns:p="http://schemas.openxmlformats.org/presentationml/2006/main" showMasterSp="0">
   <p:cSld>
     <p:spTree>
@@ -10921,7 +11298,7 @@
 </p:sld>
 </file>
 
-<file path=ppt/slides/slide33.xml><?xml version="1.0" encoding="utf-8"?>
+<file path=ppt/slides/slide34.xml><?xml version="1.0" encoding="utf-8"?>
 <p:sld xmlns:a="http://schemas.openxmlformats.org/drawingml/2006/main" xmlns:r="http://schemas.openxmlformats.org/officeDocument/2006/relationships" xmlns:p="http://schemas.openxmlformats.org/presentationml/2006/main">
   <p:cSld>
     <p:spTree>
